--- a/presentation/Presentation.pptx
+++ b/presentation/Presentation.pptx
@@ -6,11 +6,12 @@
   </p:sldMasterIdLst>
   <p:sldIdLst>
     <p:sldId id="256" r:id="rId2"/>
-    <p:sldId id="258" r:id="rId3"/>
-    <p:sldId id="260" r:id="rId4"/>
-    <p:sldId id="257" r:id="rId5"/>
-    <p:sldId id="262" r:id="rId6"/>
-    <p:sldId id="261" r:id="rId7"/>
+    <p:sldId id="263" r:id="rId3"/>
+    <p:sldId id="258" r:id="rId4"/>
+    <p:sldId id="260" r:id="rId5"/>
+    <p:sldId id="257" r:id="rId6"/>
+    <p:sldId id="262" r:id="rId7"/>
+    <p:sldId id="261" r:id="rId8"/>
   </p:sldIdLst>
   <p:sldSz cx="12192000" cy="6858000"/>
   <p:notesSz cx="6858000" cy="9144000"/>
@@ -118,15 +119,15 @@
 </file>
 
 <file path=ppt/diagrams/colors1.xml><?xml version="1.0" encoding="utf-8"?>
-<dgm:colorsDef xmlns:dgm="http://schemas.openxmlformats.org/drawingml/2006/diagram" xmlns:a="http://schemas.openxmlformats.org/drawingml/2006/main" uniqueId="urn:microsoft.com/office/officeart/2005/8/colors/colorful1">
+<dgm:colorsDef xmlns:dgm="http://schemas.openxmlformats.org/drawingml/2006/diagram" xmlns:a="http://schemas.openxmlformats.org/drawingml/2006/main" uniqueId="urn:microsoft.com/office/officeart/2005/8/colors/colorful5">
   <dgm:title val=""/>
   <dgm:desc val=""/>
   <dgm:catLst>
-    <dgm:cat type="colorful" pri="10100"/>
+    <dgm:cat type="colorful" pri="10500"/>
   </dgm:catLst>
   <dgm:styleLbl name="node0">
     <dgm:fillClrLst meth="repeat">
-      <a:schemeClr val="accent1"/>
+      <a:schemeClr val="accent4"/>
     </dgm:fillClrLst>
     <dgm:linClrLst meth="repeat">
       <a:schemeClr val="lt1"/>
@@ -137,10 +138,7 @@
     <dgm:txEffectClrLst/>
   </dgm:styleLbl>
   <dgm:styleLbl name="node1">
-    <dgm:fillClrLst meth="repeat">
-      <a:schemeClr val="accent2"/>
-      <a:schemeClr val="accent3"/>
-      <a:schemeClr val="accent4"/>
+    <dgm:fillClrLst>
       <a:schemeClr val="accent5"/>
       <a:schemeClr val="accent6"/>
     </dgm:fillClrLst>
@@ -153,17 +151,11 @@
     <dgm:txEffectClrLst/>
   </dgm:styleLbl>
   <dgm:styleLbl name="alignNode1">
-    <dgm:fillClrLst meth="repeat">
-      <a:schemeClr val="accent2"/>
-      <a:schemeClr val="accent3"/>
-      <a:schemeClr val="accent4"/>
+    <dgm:fillClrLst>
       <a:schemeClr val="accent5"/>
       <a:schemeClr val="accent6"/>
     </dgm:fillClrLst>
-    <dgm:linClrLst meth="repeat">
-      <a:schemeClr val="accent2"/>
-      <a:schemeClr val="accent3"/>
-      <a:schemeClr val="accent4"/>
+    <dgm:linClrLst>
       <a:schemeClr val="accent5"/>
       <a:schemeClr val="accent6"/>
     </dgm:linClrLst>
@@ -173,10 +165,7 @@
     <dgm:txEffectClrLst/>
   </dgm:styleLbl>
   <dgm:styleLbl name="lnNode1">
-    <dgm:fillClrLst meth="repeat">
-      <a:schemeClr val="accent2"/>
-      <a:schemeClr val="accent3"/>
-      <a:schemeClr val="accent4"/>
+    <dgm:fillClrLst>
       <a:schemeClr val="accent5"/>
       <a:schemeClr val="accent6"/>
     </dgm:fillClrLst>
@@ -189,16 +178,7 @@
     <dgm:txEffectClrLst/>
   </dgm:styleLbl>
   <dgm:styleLbl name="vennNode1">
-    <dgm:fillClrLst meth="repeat">
-      <a:schemeClr val="accent2">
-        <a:alpha val="50000"/>
-      </a:schemeClr>
-      <a:schemeClr val="accent3">
-        <a:alpha val="50000"/>
-      </a:schemeClr>
-      <a:schemeClr val="accent4">
-        <a:alpha val="50000"/>
-      </a:schemeClr>
+    <dgm:fillClrLst>
       <a:schemeClr val="accent5">
         <a:alpha val="50000"/>
       </a:schemeClr>
@@ -216,6 +196,30 @@
   </dgm:styleLbl>
   <dgm:styleLbl name="node2">
     <dgm:fillClrLst>
+      <a:schemeClr val="accent6"/>
+    </dgm:fillClrLst>
+    <dgm:linClrLst meth="repeat">
+      <a:schemeClr val="lt1"/>
+    </dgm:linClrLst>
+    <dgm:effectClrLst/>
+    <dgm:txLinClrLst/>
+    <dgm:txFillClrLst/>
+    <dgm:txEffectClrLst/>
+  </dgm:styleLbl>
+  <dgm:styleLbl name="node3">
+    <dgm:fillClrLst>
+      <a:schemeClr val="accent1"/>
+    </dgm:fillClrLst>
+    <dgm:linClrLst meth="repeat">
+      <a:schemeClr val="lt1"/>
+    </dgm:linClrLst>
+    <dgm:effectClrLst/>
+    <dgm:txLinClrLst/>
+    <dgm:txFillClrLst/>
+    <dgm:txEffectClrLst/>
+  </dgm:styleLbl>
+  <dgm:styleLbl name="node4">
+    <dgm:fillClrLst>
       <a:schemeClr val="accent2"/>
     </dgm:fillClrLst>
     <dgm:linClrLst meth="repeat">
@@ -226,41 +230,8 @@
     <dgm:txFillClrLst/>
     <dgm:txEffectClrLst/>
   </dgm:styleLbl>
-  <dgm:styleLbl name="node3">
+  <dgm:styleLbl name="fgImgPlace1">
     <dgm:fillClrLst>
-      <a:schemeClr val="accent3"/>
-    </dgm:fillClrLst>
-    <dgm:linClrLst meth="repeat">
-      <a:schemeClr val="lt1"/>
-    </dgm:linClrLst>
-    <dgm:effectClrLst/>
-    <dgm:txLinClrLst/>
-    <dgm:txFillClrLst/>
-    <dgm:txEffectClrLst/>
-  </dgm:styleLbl>
-  <dgm:styleLbl name="node4">
-    <dgm:fillClrLst>
-      <a:schemeClr val="accent4"/>
-    </dgm:fillClrLst>
-    <dgm:linClrLst meth="repeat">
-      <a:schemeClr val="lt1"/>
-    </dgm:linClrLst>
-    <dgm:effectClrLst/>
-    <dgm:txLinClrLst/>
-    <dgm:txFillClrLst/>
-    <dgm:txEffectClrLst/>
-  </dgm:styleLbl>
-  <dgm:styleLbl name="fgImgPlace1">
-    <dgm:fillClrLst meth="repeat">
-      <a:schemeClr val="accent2">
-        <a:tint val="50000"/>
-      </a:schemeClr>
-      <a:schemeClr val="accent3">
-        <a:tint val="50000"/>
-      </a:schemeClr>
-      <a:schemeClr val="accent4">
-        <a:tint val="50000"/>
-      </a:schemeClr>
       <a:schemeClr val="accent5">
         <a:tint val="50000"/>
       </a:schemeClr>
@@ -280,10 +251,10 @@
   </dgm:styleLbl>
   <dgm:styleLbl name="alignImgPlace1">
     <dgm:fillClrLst>
-      <a:schemeClr val="accent1">
+      <a:schemeClr val="accent5">
         <a:tint val="50000"/>
       </a:schemeClr>
-      <a:schemeClr val="accent2">
+      <a:schemeClr val="accent6">
         <a:tint val="20000"/>
       </a:schemeClr>
     </dgm:fillClrLst>
@@ -299,10 +270,10 @@
   </dgm:styleLbl>
   <dgm:styleLbl name="bgImgPlace1">
     <dgm:fillClrLst>
-      <a:schemeClr val="accent1">
+      <a:schemeClr val="accent5">
         <a:tint val="50000"/>
       </a:schemeClr>
-      <a:schemeClr val="accent2">
+      <a:schemeClr val="accent6">
         <a:tint val="20000"/>
       </a:schemeClr>
     </dgm:fillClrLst>
@@ -317,14 +288,11 @@
     <dgm:txEffectClrLst/>
   </dgm:styleLbl>
   <dgm:styleLbl name="sibTrans2D1">
-    <dgm:fillClrLst meth="repeat">
-      <a:schemeClr val="accent2"/>
-      <a:schemeClr val="accent3"/>
-      <a:schemeClr val="accent4"/>
+    <dgm:fillClrLst>
       <a:schemeClr val="accent5"/>
       <a:schemeClr val="accent6"/>
     </dgm:fillClrLst>
-    <dgm:linClrLst meth="cycle">
+    <dgm:linClrLst meth="repeat">
       <a:schemeClr val="lt1"/>
     </dgm:linClrLst>
     <dgm:effectClrLst/>
@@ -333,14 +301,11 @@
     <dgm:txEffectClrLst/>
   </dgm:styleLbl>
   <dgm:styleLbl name="fgSibTrans2D1">
-    <dgm:fillClrLst meth="repeat">
-      <a:schemeClr val="accent2"/>
-      <a:schemeClr val="accent3"/>
-      <a:schemeClr val="accent4"/>
+    <dgm:fillClrLst>
       <a:schemeClr val="accent5"/>
       <a:schemeClr val="accent6"/>
     </dgm:fillClrLst>
-    <dgm:linClrLst meth="cycle">
+    <dgm:linClrLst meth="repeat">
       <a:schemeClr val="lt1"/>
     </dgm:linClrLst>
     <dgm:effectClrLst/>
@@ -351,14 +316,11 @@
     <dgm:txEffectClrLst/>
   </dgm:styleLbl>
   <dgm:styleLbl name="bgSibTrans2D1">
-    <dgm:fillClrLst meth="repeat">
-      <a:schemeClr val="accent2"/>
-      <a:schemeClr val="accent3"/>
-      <a:schemeClr val="accent4"/>
+    <dgm:fillClrLst>
       <a:schemeClr val="accent5"/>
       <a:schemeClr val="accent6"/>
     </dgm:fillClrLst>
-    <dgm:linClrLst meth="cycle">
+    <dgm:linClrLst meth="repeat">
       <a:schemeClr val="lt1"/>
     </dgm:linClrLst>
     <dgm:effectClrLst/>
@@ -369,17 +331,8 @@
     <dgm:txEffectClrLst/>
   </dgm:styleLbl>
   <dgm:styleLbl name="sibTrans1D1">
-    <dgm:fillClrLst meth="repeat">
-      <a:schemeClr val="accent2"/>
-      <a:schemeClr val="accent3"/>
-      <a:schemeClr val="accent4"/>
-      <a:schemeClr val="accent5"/>
-      <a:schemeClr val="accent6"/>
-    </dgm:fillClrLst>
-    <dgm:linClrLst meth="repeat">
-      <a:schemeClr val="accent2"/>
-      <a:schemeClr val="accent3"/>
-      <a:schemeClr val="accent4"/>
+    <dgm:fillClrLst/>
+    <dgm:linClrLst>
       <a:schemeClr val="accent5"/>
       <a:schemeClr val="accent6"/>
     </dgm:linClrLst>
@@ -392,10 +345,10 @@
   </dgm:styleLbl>
   <dgm:styleLbl name="callout">
     <dgm:fillClrLst meth="repeat">
-      <a:schemeClr val="accent2"/>
+      <a:schemeClr val="accent5"/>
     </dgm:fillClrLst>
     <dgm:linClrLst meth="repeat">
-      <a:schemeClr val="accent2">
+      <a:schemeClr val="accent5">
         <a:tint val="50000"/>
       </a:schemeClr>
     </dgm:linClrLst>
@@ -408,6 +361,34 @@
   </dgm:styleLbl>
   <dgm:styleLbl name="asst0">
     <dgm:fillClrLst meth="repeat">
+      <a:schemeClr val="accent5"/>
+    </dgm:fillClrLst>
+    <dgm:linClrLst meth="repeat">
+      <a:schemeClr val="lt1">
+        <a:shade val="80000"/>
+      </a:schemeClr>
+    </dgm:linClrLst>
+    <dgm:effectClrLst/>
+    <dgm:txLinClrLst/>
+    <dgm:txFillClrLst/>
+    <dgm:txEffectClrLst/>
+  </dgm:styleLbl>
+  <dgm:styleLbl name="asst1">
+    <dgm:fillClrLst meth="repeat">
+      <a:schemeClr val="accent6"/>
+    </dgm:fillClrLst>
+    <dgm:linClrLst meth="repeat">
+      <a:schemeClr val="lt1">
+        <a:shade val="80000"/>
+      </a:schemeClr>
+    </dgm:linClrLst>
+    <dgm:effectClrLst/>
+    <dgm:txLinClrLst/>
+    <dgm:txFillClrLst/>
+    <dgm:txEffectClrLst/>
+  </dgm:styleLbl>
+  <dgm:styleLbl name="asst2">
+    <dgm:fillClrLst>
       <a:schemeClr val="accent1"/>
     </dgm:fillClrLst>
     <dgm:linClrLst meth="repeat">
@@ -418,8 +399,8 @@
     <dgm:txFillClrLst/>
     <dgm:txEffectClrLst/>
   </dgm:styleLbl>
-  <dgm:styleLbl name="asst1">
-    <dgm:fillClrLst meth="repeat">
+  <dgm:styleLbl name="asst3">
+    <dgm:fillClrLst>
       <a:schemeClr val="accent2"/>
     </dgm:fillClrLst>
     <dgm:linClrLst meth="repeat">
@@ -430,7 +411,7 @@
     <dgm:txFillClrLst/>
     <dgm:txEffectClrLst/>
   </dgm:styleLbl>
-  <dgm:styleLbl name="asst2">
+  <dgm:styleLbl name="asst4">
     <dgm:fillClrLst>
       <a:schemeClr val="accent3"/>
     </dgm:fillClrLst>
@@ -442,69 +423,7 @@
     <dgm:txFillClrLst/>
     <dgm:txEffectClrLst/>
   </dgm:styleLbl>
-  <dgm:styleLbl name="asst3">
-    <dgm:fillClrLst>
-      <a:schemeClr val="accent4"/>
-    </dgm:fillClrLst>
-    <dgm:linClrLst meth="repeat">
-      <a:schemeClr val="lt1"/>
-    </dgm:linClrLst>
-    <dgm:effectClrLst/>
-    <dgm:txLinClrLst/>
-    <dgm:txFillClrLst/>
-    <dgm:txEffectClrLst/>
-  </dgm:styleLbl>
-  <dgm:styleLbl name="asst4">
-    <dgm:fillClrLst>
-      <a:schemeClr val="accent5"/>
-    </dgm:fillClrLst>
-    <dgm:linClrLst meth="repeat">
-      <a:schemeClr val="lt1"/>
-    </dgm:linClrLst>
-    <dgm:effectClrLst/>
-    <dgm:txLinClrLst/>
-    <dgm:txFillClrLst/>
-    <dgm:txEffectClrLst/>
-  </dgm:styleLbl>
   <dgm:styleLbl name="parChTrans2D1">
-    <dgm:fillClrLst meth="repeat">
-      <a:schemeClr val="accent2"/>
-    </dgm:fillClrLst>
-    <dgm:linClrLst meth="repeat">
-      <a:schemeClr val="lt1"/>
-    </dgm:linClrLst>
-    <dgm:effectClrLst/>
-    <dgm:txLinClrLst/>
-    <dgm:txFillClrLst meth="repeat">
-      <a:schemeClr val="lt1"/>
-    </dgm:txFillClrLst>
-    <dgm:txEffectClrLst/>
-  </dgm:styleLbl>
-  <dgm:styleLbl name="parChTrans2D2">
-    <dgm:fillClrLst meth="repeat">
-      <a:schemeClr val="accent3"/>
-    </dgm:fillClrLst>
-    <dgm:linClrLst meth="repeat">
-      <a:schemeClr val="lt1"/>
-    </dgm:linClrLst>
-    <dgm:effectClrLst/>
-    <dgm:txLinClrLst/>
-    <dgm:txFillClrLst/>
-    <dgm:txEffectClrLst/>
-  </dgm:styleLbl>
-  <dgm:styleLbl name="parChTrans2D3">
-    <dgm:fillClrLst meth="repeat">
-      <a:schemeClr val="accent4"/>
-    </dgm:fillClrLst>
-    <dgm:linClrLst meth="repeat">
-      <a:schemeClr val="lt1"/>
-    </dgm:linClrLst>
-    <dgm:effectClrLst/>
-    <dgm:txLinClrLst/>
-    <dgm:txFillClrLst/>
-    <dgm:txEffectClrLst/>
-  </dgm:styleLbl>
-  <dgm:styleLbl name="parChTrans2D4">
     <dgm:fillClrLst meth="repeat">
       <a:schemeClr val="accent5"/>
     </dgm:fillClrLst>
@@ -518,9 +437,79 @@
     </dgm:txFillClrLst>
     <dgm:txEffectClrLst/>
   </dgm:styleLbl>
+  <dgm:styleLbl name="parChTrans2D2">
+    <dgm:fillClrLst meth="repeat">
+      <a:schemeClr val="accent6"/>
+    </dgm:fillClrLst>
+    <dgm:linClrLst meth="repeat">
+      <a:schemeClr val="lt1"/>
+    </dgm:linClrLst>
+    <dgm:effectClrLst/>
+    <dgm:txLinClrLst/>
+    <dgm:txFillClrLst/>
+    <dgm:txEffectClrLst/>
+  </dgm:styleLbl>
+  <dgm:styleLbl name="parChTrans2D3">
+    <dgm:fillClrLst meth="repeat">
+      <a:schemeClr val="accent6"/>
+    </dgm:fillClrLst>
+    <dgm:linClrLst meth="repeat">
+      <a:schemeClr val="lt1"/>
+    </dgm:linClrLst>
+    <dgm:effectClrLst/>
+    <dgm:txLinClrLst/>
+    <dgm:txFillClrLst/>
+    <dgm:txEffectClrLst/>
+  </dgm:styleLbl>
+  <dgm:styleLbl name="parChTrans2D4">
+    <dgm:fillClrLst meth="repeat">
+      <a:schemeClr val="accent1"/>
+    </dgm:fillClrLst>
+    <dgm:linClrLst meth="repeat">
+      <a:schemeClr val="lt1"/>
+    </dgm:linClrLst>
+    <dgm:effectClrLst/>
+    <dgm:txLinClrLst/>
+    <dgm:txFillClrLst meth="repeat">
+      <a:schemeClr val="lt1"/>
+    </dgm:txFillClrLst>
+    <dgm:txEffectClrLst/>
+  </dgm:styleLbl>
   <dgm:styleLbl name="parChTrans1D1">
     <dgm:fillClrLst meth="repeat">
-      <a:schemeClr val="accent2"/>
+      <a:schemeClr val="accent5"/>
+    </dgm:fillClrLst>
+    <dgm:linClrLst meth="repeat">
+      <a:schemeClr val="accent5"/>
+    </dgm:linClrLst>
+    <dgm:effectClrLst/>
+    <dgm:txLinClrLst/>
+    <dgm:txFillClrLst meth="repeat">
+      <a:schemeClr val="tx1"/>
+    </dgm:txFillClrLst>
+    <dgm:txEffectClrLst/>
+  </dgm:styleLbl>
+  <dgm:styleLbl name="parChTrans1D2">
+    <dgm:fillClrLst meth="repeat">
+      <a:schemeClr val="accent6">
+        <a:tint val="90000"/>
+      </a:schemeClr>
+    </dgm:fillClrLst>
+    <dgm:linClrLst meth="repeat">
+      <a:schemeClr val="accent6"/>
+    </dgm:linClrLst>
+    <dgm:effectClrLst/>
+    <dgm:txLinClrLst/>
+    <dgm:txFillClrLst meth="repeat">
+      <a:schemeClr val="tx1"/>
+    </dgm:txFillClrLst>
+    <dgm:txEffectClrLst/>
+  </dgm:styleLbl>
+  <dgm:styleLbl name="parChTrans1D3">
+    <dgm:fillClrLst meth="repeat">
+      <a:schemeClr val="accent6">
+        <a:tint val="70000"/>
+      </a:schemeClr>
     </dgm:fillClrLst>
     <dgm:linClrLst meth="repeat">
       <a:schemeClr val="accent1"/>
@@ -532,10 +521,10 @@
     </dgm:txFillClrLst>
     <dgm:txEffectClrLst/>
   </dgm:styleLbl>
-  <dgm:styleLbl name="parChTrans1D2">
+  <dgm:styleLbl name="parChTrans1D4">
     <dgm:fillClrLst meth="repeat">
-      <a:schemeClr val="accent3">
-        <a:tint val="90000"/>
+      <a:schemeClr val="accent6">
+        <a:tint val="50000"/>
       </a:schemeClr>
     </dgm:fillClrLst>
     <dgm:linClrLst meth="repeat">
@@ -548,48 +537,13 @@
     </dgm:txFillClrLst>
     <dgm:txEffectClrLst/>
   </dgm:styleLbl>
-  <dgm:styleLbl name="parChTrans1D3">
-    <dgm:fillClrLst meth="repeat">
-      <a:schemeClr val="accent4">
-        <a:tint val="70000"/>
-      </a:schemeClr>
-    </dgm:fillClrLst>
-    <dgm:linClrLst meth="repeat">
-      <a:schemeClr val="accent3"/>
-    </dgm:linClrLst>
-    <dgm:effectClrLst/>
-    <dgm:txLinClrLst/>
-    <dgm:txFillClrLst meth="repeat">
-      <a:schemeClr val="tx1"/>
-    </dgm:txFillClrLst>
-    <dgm:txEffectClrLst/>
-  </dgm:styleLbl>
-  <dgm:styleLbl name="parChTrans1D4">
-    <dgm:fillClrLst meth="repeat">
-      <a:schemeClr val="accent5">
-        <a:tint val="50000"/>
-      </a:schemeClr>
-    </dgm:fillClrLst>
-    <dgm:linClrLst meth="repeat">
-      <a:schemeClr val="accent4"/>
-    </dgm:linClrLst>
-    <dgm:effectClrLst/>
-    <dgm:txLinClrLst/>
-    <dgm:txFillClrLst meth="repeat">
-      <a:schemeClr val="tx1"/>
-    </dgm:txFillClrLst>
-    <dgm:txEffectClrLst/>
-  </dgm:styleLbl>
   <dgm:styleLbl name="fgAcc1">
     <dgm:fillClrLst meth="repeat">
       <a:schemeClr val="lt1">
         <a:alpha val="90000"/>
       </a:schemeClr>
     </dgm:fillClrLst>
-    <dgm:linClrLst meth="repeat">
-      <a:schemeClr val="accent2"/>
-      <a:schemeClr val="accent3"/>
-      <a:schemeClr val="accent4"/>
+    <dgm:linClrLst>
       <a:schemeClr val="accent5"/>
       <a:schemeClr val="accent6"/>
     </dgm:linClrLst>
@@ -606,10 +560,7 @@
         <a:alpha val="90000"/>
       </a:schemeClr>
     </dgm:fillClrLst>
-    <dgm:linClrLst meth="repeat">
-      <a:schemeClr val="accent2"/>
-      <a:schemeClr val="accent3"/>
-      <a:schemeClr val="accent4"/>
+    <dgm:linClrLst>
       <a:schemeClr val="accent5"/>
       <a:schemeClr val="accent6"/>
     </dgm:linClrLst>
@@ -626,10 +577,7 @@
         <a:alpha val="90000"/>
       </a:schemeClr>
     </dgm:fillClrLst>
-    <dgm:linClrLst meth="repeat">
-      <a:schemeClr val="accent2"/>
-      <a:schemeClr val="accent3"/>
-      <a:schemeClr val="accent4"/>
+    <dgm:linClrLst>
       <a:schemeClr val="accent5"/>
       <a:schemeClr val="accent6"/>
     </dgm:linClrLst>
@@ -647,7 +595,7 @@
       </a:schemeClr>
     </dgm:fillClrLst>
     <dgm:linClrLst meth="repeat">
-      <a:schemeClr val="accent1"/>
+      <a:schemeClr val="accent5"/>
     </dgm:linClrLst>
     <dgm:effectClrLst/>
     <dgm:txLinClrLst/>
@@ -662,10 +610,7 @@
         <a:alpha val="90000"/>
       </a:schemeClr>
     </dgm:fillClrLst>
-    <dgm:linClrLst meth="repeat">
-      <a:schemeClr val="accent2"/>
-      <a:schemeClr val="accent3"/>
-      <a:schemeClr val="accent4"/>
+    <dgm:linClrLst>
       <a:schemeClr val="accent5"/>
       <a:schemeClr val="accent6"/>
     </dgm:linClrLst>
@@ -680,10 +625,7 @@
     <dgm:fillClrLst meth="repeat">
       <a:schemeClr val="lt1"/>
     </dgm:fillClrLst>
-    <dgm:linClrLst meth="repeat">
-      <a:schemeClr val="accent2"/>
-      <a:schemeClr val="accent3"/>
-      <a:schemeClr val="accent4"/>
+    <dgm:linClrLst>
       <a:schemeClr val="accent5"/>
       <a:schemeClr val="accent6"/>
     </dgm:linClrLst>
@@ -698,10 +640,7 @@
     <dgm:fillClrLst meth="repeat">
       <a:schemeClr val="lt1"/>
     </dgm:fillClrLst>
-    <dgm:linClrLst meth="repeat">
-      <a:schemeClr val="accent2"/>
-      <a:schemeClr val="accent3"/>
-      <a:schemeClr val="accent4"/>
+    <dgm:linClrLst>
       <a:schemeClr val="accent5"/>
       <a:schemeClr val="accent6"/>
     </dgm:linClrLst>
@@ -716,10 +655,7 @@
     <dgm:fillClrLst meth="repeat">
       <a:schemeClr val="lt1"/>
     </dgm:fillClrLst>
-    <dgm:linClrLst meth="repeat">
-      <a:schemeClr val="accent2"/>
-      <a:schemeClr val="accent3"/>
-      <a:schemeClr val="accent4"/>
+    <dgm:linClrLst>
       <a:schemeClr val="accent5"/>
       <a:schemeClr val="accent6"/>
     </dgm:linClrLst>
@@ -731,19 +667,7 @@
     <dgm:txEffectClrLst/>
   </dgm:styleLbl>
   <dgm:styleLbl name="fgAccFollowNode1">
-    <dgm:fillClrLst meth="repeat">
-      <a:schemeClr val="accent2">
-        <a:tint val="40000"/>
-        <a:alpha val="90000"/>
-      </a:schemeClr>
-      <a:schemeClr val="accent3">
-        <a:tint val="40000"/>
-        <a:alpha val="90000"/>
-      </a:schemeClr>
-      <a:schemeClr val="accent4">
-        <a:tint val="40000"/>
-        <a:alpha val="90000"/>
-      </a:schemeClr>
+    <dgm:fillClrLst>
       <a:schemeClr val="accent5">
         <a:tint val="40000"/>
         <a:alpha val="90000"/>
@@ -753,19 +677,35 @@
         <a:alpha val="90000"/>
       </a:schemeClr>
     </dgm:fillClrLst>
-    <dgm:linClrLst meth="repeat">
-      <a:schemeClr val="accent2">
+    <dgm:linClrLst>
+      <a:schemeClr val="accent5">
         <a:tint val="40000"/>
         <a:alpha val="90000"/>
       </a:schemeClr>
-      <a:schemeClr val="accent3">
+      <a:schemeClr val="accent5">
         <a:tint val="40000"/>
         <a:alpha val="90000"/>
       </a:schemeClr>
-      <a:schemeClr val="accent4">
+    </dgm:linClrLst>
+    <dgm:effectClrLst/>
+    <dgm:txLinClrLst/>
+    <dgm:txFillClrLst meth="repeat">
+      <a:schemeClr val="dk1"/>
+    </dgm:txFillClrLst>
+    <dgm:txEffectClrLst/>
+  </dgm:styleLbl>
+  <dgm:styleLbl name="alignAccFollowNode1">
+    <dgm:fillClrLst>
+      <a:schemeClr val="accent5">
         <a:tint val="40000"/>
         <a:alpha val="90000"/>
       </a:schemeClr>
+      <a:schemeClr val="accent6">
+        <a:tint val="40000"/>
+        <a:alpha val="90000"/>
+      </a:schemeClr>
+    </dgm:fillClrLst>
+    <dgm:linClrLst>
       <a:schemeClr val="accent5">
         <a:tint val="40000"/>
         <a:alpha val="90000"/>
@@ -782,20 +722,8 @@
     </dgm:txFillClrLst>
     <dgm:txEffectClrLst/>
   </dgm:styleLbl>
-  <dgm:styleLbl name="alignAccFollowNode1">
-    <dgm:fillClrLst meth="repeat">
-      <a:schemeClr val="accent2">
-        <a:tint val="40000"/>
-        <a:alpha val="90000"/>
-      </a:schemeClr>
-      <a:schemeClr val="accent3">
-        <a:tint val="40000"/>
-        <a:alpha val="90000"/>
-      </a:schemeClr>
-      <a:schemeClr val="accent4">
-        <a:tint val="40000"/>
-        <a:alpha val="90000"/>
-      </a:schemeClr>
+  <dgm:styleLbl name="bgAccFollowNode1">
+    <dgm:fillClrLst>
       <a:schemeClr val="accent5">
         <a:tint val="40000"/>
         <a:alpha val="90000"/>
@@ -805,19 +733,7 @@
         <a:alpha val="90000"/>
       </a:schemeClr>
     </dgm:fillClrLst>
-    <dgm:linClrLst meth="repeat">
-      <a:schemeClr val="accent2">
-        <a:tint val="40000"/>
-        <a:alpha val="90000"/>
-      </a:schemeClr>
-      <a:schemeClr val="accent3">
-        <a:tint val="40000"/>
-        <a:alpha val="90000"/>
-      </a:schemeClr>
-      <a:schemeClr val="accent4">
-        <a:tint val="40000"/>
-        <a:alpha val="90000"/>
-      </a:schemeClr>
+    <dgm:linClrLst>
       <a:schemeClr val="accent5">
         <a:tint val="40000"/>
         <a:alpha val="90000"/>
@@ -834,50 +750,14 @@
     </dgm:txFillClrLst>
     <dgm:txEffectClrLst/>
   </dgm:styleLbl>
-  <dgm:styleLbl name="bgAccFollowNode1">
+  <dgm:styleLbl name="fgAcc0">
     <dgm:fillClrLst meth="repeat">
-      <a:schemeClr val="accent2">
-        <a:tint val="40000"/>
-        <a:alpha val="90000"/>
-      </a:schemeClr>
-      <a:schemeClr val="accent3">
-        <a:tint val="40000"/>
-        <a:alpha val="90000"/>
-      </a:schemeClr>
-      <a:schemeClr val="accent4">
-        <a:tint val="40000"/>
-        <a:alpha val="90000"/>
-      </a:schemeClr>
-      <a:schemeClr val="accent5">
-        <a:tint val="40000"/>
-        <a:alpha val="90000"/>
-      </a:schemeClr>
-      <a:schemeClr val="accent6">
-        <a:tint val="40000"/>
+      <a:schemeClr val="lt1">
         <a:alpha val="90000"/>
       </a:schemeClr>
     </dgm:fillClrLst>
-    <dgm:linClrLst meth="repeat">
-      <a:schemeClr val="accent2">
-        <a:tint val="40000"/>
-        <a:alpha val="90000"/>
-      </a:schemeClr>
-      <a:schemeClr val="accent3">
-        <a:tint val="40000"/>
-        <a:alpha val="90000"/>
-      </a:schemeClr>
-      <a:schemeClr val="accent4">
-        <a:tint val="40000"/>
-        <a:alpha val="90000"/>
-      </a:schemeClr>
-      <a:schemeClr val="accent5">
-        <a:tint val="40000"/>
-        <a:alpha val="90000"/>
-      </a:schemeClr>
-      <a:schemeClr val="accent6">
-        <a:tint val="40000"/>
-        <a:alpha val="90000"/>
-      </a:schemeClr>
+    <dgm:linClrLst>
+      <a:schemeClr val="accent4"/>
     </dgm:linClrLst>
     <dgm:effectClrLst/>
     <dgm:txLinClrLst/>
@@ -886,7 +766,23 @@
     </dgm:txFillClrLst>
     <dgm:txEffectClrLst/>
   </dgm:styleLbl>
-  <dgm:styleLbl name="fgAcc0">
+  <dgm:styleLbl name="fgAcc2">
+    <dgm:fillClrLst meth="repeat">
+      <a:schemeClr val="lt1">
+        <a:alpha val="90000"/>
+      </a:schemeClr>
+    </dgm:fillClrLst>
+    <dgm:linClrLst>
+      <a:schemeClr val="accent6"/>
+    </dgm:linClrLst>
+    <dgm:effectClrLst/>
+    <dgm:txLinClrLst/>
+    <dgm:txFillClrLst meth="repeat">
+      <a:schemeClr val="dk1"/>
+    </dgm:txFillClrLst>
+    <dgm:txEffectClrLst/>
+  </dgm:styleLbl>
+  <dgm:styleLbl name="fgAcc3">
     <dgm:fillClrLst meth="repeat">
       <a:schemeClr val="lt1">
         <a:alpha val="90000"/>
@@ -902,7 +798,7 @@
     </dgm:txFillClrLst>
     <dgm:txEffectClrLst/>
   </dgm:styleLbl>
-  <dgm:styleLbl name="fgAcc2">
+  <dgm:styleLbl name="fgAcc4">
     <dgm:fillClrLst meth="repeat">
       <a:schemeClr val="lt1">
         <a:alpha val="90000"/>
@@ -918,41 +814,9 @@
     </dgm:txFillClrLst>
     <dgm:txEffectClrLst/>
   </dgm:styleLbl>
-  <dgm:styleLbl name="fgAcc3">
-    <dgm:fillClrLst meth="repeat">
-      <a:schemeClr val="lt1">
-        <a:alpha val="90000"/>
-      </a:schemeClr>
-    </dgm:fillClrLst>
-    <dgm:linClrLst>
-      <a:schemeClr val="accent3"/>
-    </dgm:linClrLst>
-    <dgm:effectClrLst/>
-    <dgm:txLinClrLst/>
-    <dgm:txFillClrLst meth="repeat">
-      <a:schemeClr val="dk1"/>
-    </dgm:txFillClrLst>
-    <dgm:txEffectClrLst/>
-  </dgm:styleLbl>
-  <dgm:styleLbl name="fgAcc4">
-    <dgm:fillClrLst meth="repeat">
-      <a:schemeClr val="lt1">
-        <a:alpha val="90000"/>
-      </a:schemeClr>
-    </dgm:fillClrLst>
-    <dgm:linClrLst>
-      <a:schemeClr val="accent4"/>
-    </dgm:linClrLst>
-    <dgm:effectClrLst/>
-    <dgm:txLinClrLst/>
-    <dgm:txFillClrLst meth="repeat">
-      <a:schemeClr val="dk1"/>
-    </dgm:txFillClrLst>
-    <dgm:txEffectClrLst/>
-  </dgm:styleLbl>
   <dgm:styleLbl name="bgShp">
     <dgm:fillClrLst meth="repeat">
-      <a:schemeClr val="accent2">
+      <a:schemeClr val="accent5">
         <a:tint val="40000"/>
       </a:schemeClr>
     </dgm:fillClrLst>
@@ -968,7 +832,7 @@
   </dgm:styleLbl>
   <dgm:styleLbl name="dkBgShp">
     <dgm:fillClrLst meth="repeat">
-      <a:schemeClr val="accent2">
+      <a:schemeClr val="accent5">
         <a:shade val="90000"/>
       </a:schemeClr>
     </dgm:fillClrLst>
@@ -984,13 +848,13 @@
   </dgm:styleLbl>
   <dgm:styleLbl name="trBgShp">
     <dgm:fillClrLst meth="repeat">
-      <a:schemeClr val="accent1">
+      <a:schemeClr val="accent5">
         <a:tint val="50000"/>
         <a:alpha val="40000"/>
       </a:schemeClr>
     </dgm:fillClrLst>
     <dgm:linClrLst meth="repeat">
-      <a:schemeClr val="accent2"/>
+      <a:schemeClr val="accent5"/>
     </dgm:linClrLst>
     <dgm:effectClrLst/>
     <dgm:txLinClrLst/>
@@ -1001,7 +865,7 @@
   </dgm:styleLbl>
   <dgm:styleLbl name="fgShp">
     <dgm:fillClrLst meth="repeat">
-      <a:schemeClr val="accent2">
+      <a:schemeClr val="accent5">
         <a:tint val="40000"/>
       </a:schemeClr>
     </dgm:fillClrLst>
@@ -1036,11 +900,1140 @@
 </dgm:colorsDef>
 </file>
 
+<file path=ppt/diagrams/colors2.xml><?xml version="1.0" encoding="utf-8"?>
+<dgm:colorsDef xmlns:dgm="http://schemas.openxmlformats.org/drawingml/2006/diagram" xmlns:a="http://schemas.openxmlformats.org/drawingml/2006/main" uniqueId="urn:microsoft.com/office/officeart/2005/8/colors/colorful5">
+  <dgm:title val=""/>
+  <dgm:desc val=""/>
+  <dgm:catLst>
+    <dgm:cat type="colorful" pri="10500"/>
+  </dgm:catLst>
+  <dgm:styleLbl name="node0">
+    <dgm:fillClrLst meth="repeat">
+      <a:schemeClr val="accent4"/>
+    </dgm:fillClrLst>
+    <dgm:linClrLst meth="repeat">
+      <a:schemeClr val="lt1"/>
+    </dgm:linClrLst>
+    <dgm:effectClrLst/>
+    <dgm:txLinClrLst/>
+    <dgm:txFillClrLst/>
+    <dgm:txEffectClrLst/>
+  </dgm:styleLbl>
+  <dgm:styleLbl name="node1">
+    <dgm:fillClrLst>
+      <a:schemeClr val="accent5"/>
+      <a:schemeClr val="accent6"/>
+    </dgm:fillClrLst>
+    <dgm:linClrLst meth="repeat">
+      <a:schemeClr val="lt1"/>
+    </dgm:linClrLst>
+    <dgm:effectClrLst/>
+    <dgm:txLinClrLst/>
+    <dgm:txFillClrLst/>
+    <dgm:txEffectClrLst/>
+  </dgm:styleLbl>
+  <dgm:styleLbl name="alignNode1">
+    <dgm:fillClrLst>
+      <a:schemeClr val="accent5"/>
+      <a:schemeClr val="accent6"/>
+    </dgm:fillClrLst>
+    <dgm:linClrLst>
+      <a:schemeClr val="accent5"/>
+      <a:schemeClr val="accent6"/>
+    </dgm:linClrLst>
+    <dgm:effectClrLst/>
+    <dgm:txLinClrLst/>
+    <dgm:txFillClrLst/>
+    <dgm:txEffectClrLst/>
+  </dgm:styleLbl>
+  <dgm:styleLbl name="lnNode1">
+    <dgm:fillClrLst>
+      <a:schemeClr val="accent5"/>
+      <a:schemeClr val="accent6"/>
+    </dgm:fillClrLst>
+    <dgm:linClrLst meth="repeat">
+      <a:schemeClr val="lt1"/>
+    </dgm:linClrLst>
+    <dgm:effectClrLst/>
+    <dgm:txLinClrLst/>
+    <dgm:txFillClrLst/>
+    <dgm:txEffectClrLst/>
+  </dgm:styleLbl>
+  <dgm:styleLbl name="vennNode1">
+    <dgm:fillClrLst>
+      <a:schemeClr val="accent5">
+        <a:alpha val="50000"/>
+      </a:schemeClr>
+      <a:schemeClr val="accent6">
+        <a:alpha val="50000"/>
+      </a:schemeClr>
+    </dgm:fillClrLst>
+    <dgm:linClrLst meth="repeat">
+      <a:schemeClr val="lt1"/>
+    </dgm:linClrLst>
+    <dgm:effectClrLst/>
+    <dgm:txLinClrLst/>
+    <dgm:txFillClrLst/>
+    <dgm:txEffectClrLst/>
+  </dgm:styleLbl>
+  <dgm:styleLbl name="node2">
+    <dgm:fillClrLst>
+      <a:schemeClr val="accent6"/>
+    </dgm:fillClrLst>
+    <dgm:linClrLst meth="repeat">
+      <a:schemeClr val="lt1"/>
+    </dgm:linClrLst>
+    <dgm:effectClrLst/>
+    <dgm:txLinClrLst/>
+    <dgm:txFillClrLst/>
+    <dgm:txEffectClrLst/>
+  </dgm:styleLbl>
+  <dgm:styleLbl name="node3">
+    <dgm:fillClrLst>
+      <a:schemeClr val="accent1"/>
+    </dgm:fillClrLst>
+    <dgm:linClrLst meth="repeat">
+      <a:schemeClr val="lt1"/>
+    </dgm:linClrLst>
+    <dgm:effectClrLst/>
+    <dgm:txLinClrLst/>
+    <dgm:txFillClrLst/>
+    <dgm:txEffectClrLst/>
+  </dgm:styleLbl>
+  <dgm:styleLbl name="node4">
+    <dgm:fillClrLst>
+      <a:schemeClr val="accent2"/>
+    </dgm:fillClrLst>
+    <dgm:linClrLst meth="repeat">
+      <a:schemeClr val="lt1"/>
+    </dgm:linClrLst>
+    <dgm:effectClrLst/>
+    <dgm:txLinClrLst/>
+    <dgm:txFillClrLst/>
+    <dgm:txEffectClrLst/>
+  </dgm:styleLbl>
+  <dgm:styleLbl name="fgImgPlace1">
+    <dgm:fillClrLst>
+      <a:schemeClr val="accent5">
+        <a:tint val="50000"/>
+      </a:schemeClr>
+      <a:schemeClr val="accent6">
+        <a:tint val="50000"/>
+      </a:schemeClr>
+    </dgm:fillClrLst>
+    <dgm:linClrLst meth="repeat">
+      <a:schemeClr val="lt1"/>
+    </dgm:linClrLst>
+    <dgm:effectClrLst/>
+    <dgm:txLinClrLst/>
+    <dgm:txFillClrLst meth="repeat">
+      <a:schemeClr val="lt1"/>
+    </dgm:txFillClrLst>
+    <dgm:txEffectClrLst/>
+  </dgm:styleLbl>
+  <dgm:styleLbl name="alignImgPlace1">
+    <dgm:fillClrLst>
+      <a:schemeClr val="accent5">
+        <a:tint val="50000"/>
+      </a:schemeClr>
+      <a:schemeClr val="accent6">
+        <a:tint val="20000"/>
+      </a:schemeClr>
+    </dgm:fillClrLst>
+    <dgm:linClrLst meth="repeat">
+      <a:schemeClr val="lt1"/>
+    </dgm:linClrLst>
+    <dgm:effectClrLst/>
+    <dgm:txLinClrLst/>
+    <dgm:txFillClrLst meth="repeat">
+      <a:schemeClr val="lt1"/>
+    </dgm:txFillClrLst>
+    <dgm:txEffectClrLst/>
+  </dgm:styleLbl>
+  <dgm:styleLbl name="bgImgPlace1">
+    <dgm:fillClrLst>
+      <a:schemeClr val="accent5">
+        <a:tint val="50000"/>
+      </a:schemeClr>
+      <a:schemeClr val="accent6">
+        <a:tint val="20000"/>
+      </a:schemeClr>
+    </dgm:fillClrLst>
+    <dgm:linClrLst meth="repeat">
+      <a:schemeClr val="lt1"/>
+    </dgm:linClrLst>
+    <dgm:effectClrLst/>
+    <dgm:txLinClrLst/>
+    <dgm:txFillClrLst meth="repeat">
+      <a:schemeClr val="lt1"/>
+    </dgm:txFillClrLst>
+    <dgm:txEffectClrLst/>
+  </dgm:styleLbl>
+  <dgm:styleLbl name="sibTrans2D1">
+    <dgm:fillClrLst>
+      <a:schemeClr val="accent5"/>
+      <a:schemeClr val="accent6"/>
+    </dgm:fillClrLst>
+    <dgm:linClrLst meth="repeat">
+      <a:schemeClr val="lt1"/>
+    </dgm:linClrLst>
+    <dgm:effectClrLst/>
+    <dgm:txLinClrLst/>
+    <dgm:txFillClrLst/>
+    <dgm:txEffectClrLst/>
+  </dgm:styleLbl>
+  <dgm:styleLbl name="fgSibTrans2D1">
+    <dgm:fillClrLst>
+      <a:schemeClr val="accent5"/>
+      <a:schemeClr val="accent6"/>
+    </dgm:fillClrLst>
+    <dgm:linClrLst meth="repeat">
+      <a:schemeClr val="lt1"/>
+    </dgm:linClrLst>
+    <dgm:effectClrLst/>
+    <dgm:txLinClrLst/>
+    <dgm:txFillClrLst meth="repeat">
+      <a:schemeClr val="lt1"/>
+    </dgm:txFillClrLst>
+    <dgm:txEffectClrLst/>
+  </dgm:styleLbl>
+  <dgm:styleLbl name="bgSibTrans2D1">
+    <dgm:fillClrLst>
+      <a:schemeClr val="accent5"/>
+      <a:schemeClr val="accent6"/>
+    </dgm:fillClrLst>
+    <dgm:linClrLst meth="repeat">
+      <a:schemeClr val="lt1"/>
+    </dgm:linClrLst>
+    <dgm:effectClrLst/>
+    <dgm:txLinClrLst/>
+    <dgm:txFillClrLst meth="repeat">
+      <a:schemeClr val="lt1"/>
+    </dgm:txFillClrLst>
+    <dgm:txEffectClrLst/>
+  </dgm:styleLbl>
+  <dgm:styleLbl name="sibTrans1D1">
+    <dgm:fillClrLst/>
+    <dgm:linClrLst>
+      <a:schemeClr val="accent5"/>
+      <a:schemeClr val="accent6"/>
+    </dgm:linClrLst>
+    <dgm:effectClrLst/>
+    <dgm:txLinClrLst/>
+    <dgm:txFillClrLst meth="repeat">
+      <a:schemeClr val="tx1"/>
+    </dgm:txFillClrLst>
+    <dgm:txEffectClrLst/>
+  </dgm:styleLbl>
+  <dgm:styleLbl name="callout">
+    <dgm:fillClrLst meth="repeat">
+      <a:schemeClr val="accent5"/>
+    </dgm:fillClrLst>
+    <dgm:linClrLst meth="repeat">
+      <a:schemeClr val="accent5">
+        <a:tint val="50000"/>
+      </a:schemeClr>
+    </dgm:linClrLst>
+    <dgm:effectClrLst/>
+    <dgm:txLinClrLst/>
+    <dgm:txFillClrLst meth="repeat">
+      <a:schemeClr val="tx1"/>
+    </dgm:txFillClrLst>
+    <dgm:txEffectClrLst/>
+  </dgm:styleLbl>
+  <dgm:styleLbl name="asst0">
+    <dgm:fillClrLst meth="repeat">
+      <a:schemeClr val="accent5"/>
+    </dgm:fillClrLst>
+    <dgm:linClrLst meth="repeat">
+      <a:schemeClr val="lt1">
+        <a:shade val="80000"/>
+      </a:schemeClr>
+    </dgm:linClrLst>
+    <dgm:effectClrLst/>
+    <dgm:txLinClrLst/>
+    <dgm:txFillClrLst/>
+    <dgm:txEffectClrLst/>
+  </dgm:styleLbl>
+  <dgm:styleLbl name="asst1">
+    <dgm:fillClrLst meth="repeat">
+      <a:schemeClr val="accent6"/>
+    </dgm:fillClrLst>
+    <dgm:linClrLst meth="repeat">
+      <a:schemeClr val="lt1">
+        <a:shade val="80000"/>
+      </a:schemeClr>
+    </dgm:linClrLst>
+    <dgm:effectClrLst/>
+    <dgm:txLinClrLst/>
+    <dgm:txFillClrLst/>
+    <dgm:txEffectClrLst/>
+  </dgm:styleLbl>
+  <dgm:styleLbl name="asst2">
+    <dgm:fillClrLst>
+      <a:schemeClr val="accent1"/>
+    </dgm:fillClrLst>
+    <dgm:linClrLst meth="repeat">
+      <a:schemeClr val="lt1"/>
+    </dgm:linClrLst>
+    <dgm:effectClrLst/>
+    <dgm:txLinClrLst/>
+    <dgm:txFillClrLst/>
+    <dgm:txEffectClrLst/>
+  </dgm:styleLbl>
+  <dgm:styleLbl name="asst3">
+    <dgm:fillClrLst>
+      <a:schemeClr val="accent2"/>
+    </dgm:fillClrLst>
+    <dgm:linClrLst meth="repeat">
+      <a:schemeClr val="lt1"/>
+    </dgm:linClrLst>
+    <dgm:effectClrLst/>
+    <dgm:txLinClrLst/>
+    <dgm:txFillClrLst/>
+    <dgm:txEffectClrLst/>
+  </dgm:styleLbl>
+  <dgm:styleLbl name="asst4">
+    <dgm:fillClrLst>
+      <a:schemeClr val="accent3"/>
+    </dgm:fillClrLst>
+    <dgm:linClrLst meth="repeat">
+      <a:schemeClr val="lt1"/>
+    </dgm:linClrLst>
+    <dgm:effectClrLst/>
+    <dgm:txLinClrLst/>
+    <dgm:txFillClrLst/>
+    <dgm:txEffectClrLst/>
+  </dgm:styleLbl>
+  <dgm:styleLbl name="parChTrans2D1">
+    <dgm:fillClrLst meth="repeat">
+      <a:schemeClr val="accent5"/>
+    </dgm:fillClrLst>
+    <dgm:linClrLst meth="repeat">
+      <a:schemeClr val="lt1"/>
+    </dgm:linClrLst>
+    <dgm:effectClrLst/>
+    <dgm:txLinClrLst/>
+    <dgm:txFillClrLst meth="repeat">
+      <a:schemeClr val="lt1"/>
+    </dgm:txFillClrLst>
+    <dgm:txEffectClrLst/>
+  </dgm:styleLbl>
+  <dgm:styleLbl name="parChTrans2D2">
+    <dgm:fillClrLst meth="repeat">
+      <a:schemeClr val="accent6"/>
+    </dgm:fillClrLst>
+    <dgm:linClrLst meth="repeat">
+      <a:schemeClr val="lt1"/>
+    </dgm:linClrLst>
+    <dgm:effectClrLst/>
+    <dgm:txLinClrLst/>
+    <dgm:txFillClrLst/>
+    <dgm:txEffectClrLst/>
+  </dgm:styleLbl>
+  <dgm:styleLbl name="parChTrans2D3">
+    <dgm:fillClrLst meth="repeat">
+      <a:schemeClr val="accent6"/>
+    </dgm:fillClrLst>
+    <dgm:linClrLst meth="repeat">
+      <a:schemeClr val="lt1"/>
+    </dgm:linClrLst>
+    <dgm:effectClrLst/>
+    <dgm:txLinClrLst/>
+    <dgm:txFillClrLst/>
+    <dgm:txEffectClrLst/>
+  </dgm:styleLbl>
+  <dgm:styleLbl name="parChTrans2D4">
+    <dgm:fillClrLst meth="repeat">
+      <a:schemeClr val="accent1"/>
+    </dgm:fillClrLst>
+    <dgm:linClrLst meth="repeat">
+      <a:schemeClr val="lt1"/>
+    </dgm:linClrLst>
+    <dgm:effectClrLst/>
+    <dgm:txLinClrLst/>
+    <dgm:txFillClrLst meth="repeat">
+      <a:schemeClr val="lt1"/>
+    </dgm:txFillClrLst>
+    <dgm:txEffectClrLst/>
+  </dgm:styleLbl>
+  <dgm:styleLbl name="parChTrans1D1">
+    <dgm:fillClrLst meth="repeat">
+      <a:schemeClr val="accent5"/>
+    </dgm:fillClrLst>
+    <dgm:linClrLst meth="repeat">
+      <a:schemeClr val="accent5"/>
+    </dgm:linClrLst>
+    <dgm:effectClrLst/>
+    <dgm:txLinClrLst/>
+    <dgm:txFillClrLst meth="repeat">
+      <a:schemeClr val="tx1"/>
+    </dgm:txFillClrLst>
+    <dgm:txEffectClrLst/>
+  </dgm:styleLbl>
+  <dgm:styleLbl name="parChTrans1D2">
+    <dgm:fillClrLst meth="repeat">
+      <a:schemeClr val="accent6">
+        <a:tint val="90000"/>
+      </a:schemeClr>
+    </dgm:fillClrLst>
+    <dgm:linClrLst meth="repeat">
+      <a:schemeClr val="accent6"/>
+    </dgm:linClrLst>
+    <dgm:effectClrLst/>
+    <dgm:txLinClrLst/>
+    <dgm:txFillClrLst meth="repeat">
+      <a:schemeClr val="tx1"/>
+    </dgm:txFillClrLst>
+    <dgm:txEffectClrLst/>
+  </dgm:styleLbl>
+  <dgm:styleLbl name="parChTrans1D3">
+    <dgm:fillClrLst meth="repeat">
+      <a:schemeClr val="accent6">
+        <a:tint val="70000"/>
+      </a:schemeClr>
+    </dgm:fillClrLst>
+    <dgm:linClrLst meth="repeat">
+      <a:schemeClr val="accent1"/>
+    </dgm:linClrLst>
+    <dgm:effectClrLst/>
+    <dgm:txLinClrLst/>
+    <dgm:txFillClrLst meth="repeat">
+      <a:schemeClr val="tx1"/>
+    </dgm:txFillClrLst>
+    <dgm:txEffectClrLst/>
+  </dgm:styleLbl>
+  <dgm:styleLbl name="parChTrans1D4">
+    <dgm:fillClrLst meth="repeat">
+      <a:schemeClr val="accent6">
+        <a:tint val="50000"/>
+      </a:schemeClr>
+    </dgm:fillClrLst>
+    <dgm:linClrLst meth="repeat">
+      <a:schemeClr val="accent2"/>
+    </dgm:linClrLst>
+    <dgm:effectClrLst/>
+    <dgm:txLinClrLst/>
+    <dgm:txFillClrLst meth="repeat">
+      <a:schemeClr val="tx1"/>
+    </dgm:txFillClrLst>
+    <dgm:txEffectClrLst/>
+  </dgm:styleLbl>
+  <dgm:styleLbl name="fgAcc1">
+    <dgm:fillClrLst meth="repeat">
+      <a:schemeClr val="lt1">
+        <a:alpha val="90000"/>
+      </a:schemeClr>
+    </dgm:fillClrLst>
+    <dgm:linClrLst>
+      <a:schemeClr val="accent5"/>
+      <a:schemeClr val="accent6"/>
+    </dgm:linClrLst>
+    <dgm:effectClrLst/>
+    <dgm:txLinClrLst/>
+    <dgm:txFillClrLst meth="repeat">
+      <a:schemeClr val="dk1"/>
+    </dgm:txFillClrLst>
+    <dgm:txEffectClrLst/>
+  </dgm:styleLbl>
+  <dgm:styleLbl name="conFgAcc1">
+    <dgm:fillClrLst meth="repeat">
+      <a:schemeClr val="lt1">
+        <a:alpha val="90000"/>
+      </a:schemeClr>
+    </dgm:fillClrLst>
+    <dgm:linClrLst>
+      <a:schemeClr val="accent5"/>
+      <a:schemeClr val="accent6"/>
+    </dgm:linClrLst>
+    <dgm:effectClrLst/>
+    <dgm:txLinClrLst/>
+    <dgm:txFillClrLst meth="repeat">
+      <a:schemeClr val="dk1"/>
+    </dgm:txFillClrLst>
+    <dgm:txEffectClrLst/>
+  </dgm:styleLbl>
+  <dgm:styleLbl name="alignAcc1">
+    <dgm:fillClrLst meth="repeat">
+      <a:schemeClr val="lt1">
+        <a:alpha val="90000"/>
+      </a:schemeClr>
+    </dgm:fillClrLst>
+    <dgm:linClrLst>
+      <a:schemeClr val="accent5"/>
+      <a:schemeClr val="accent6"/>
+    </dgm:linClrLst>
+    <dgm:effectClrLst/>
+    <dgm:txLinClrLst/>
+    <dgm:txFillClrLst meth="repeat">
+      <a:schemeClr val="dk1"/>
+    </dgm:txFillClrLst>
+    <dgm:txEffectClrLst/>
+  </dgm:styleLbl>
+  <dgm:styleLbl name="trAlignAcc1">
+    <dgm:fillClrLst meth="repeat">
+      <a:schemeClr val="lt1">
+        <a:alpha val="40000"/>
+      </a:schemeClr>
+    </dgm:fillClrLst>
+    <dgm:linClrLst meth="repeat">
+      <a:schemeClr val="accent5"/>
+    </dgm:linClrLst>
+    <dgm:effectClrLst/>
+    <dgm:txLinClrLst/>
+    <dgm:txFillClrLst meth="repeat">
+      <a:schemeClr val="dk1"/>
+    </dgm:txFillClrLst>
+    <dgm:txEffectClrLst/>
+  </dgm:styleLbl>
+  <dgm:styleLbl name="bgAcc1">
+    <dgm:fillClrLst meth="repeat">
+      <a:schemeClr val="lt1">
+        <a:alpha val="90000"/>
+      </a:schemeClr>
+    </dgm:fillClrLst>
+    <dgm:linClrLst>
+      <a:schemeClr val="accent5"/>
+      <a:schemeClr val="accent6"/>
+    </dgm:linClrLst>
+    <dgm:effectClrLst/>
+    <dgm:txLinClrLst/>
+    <dgm:txFillClrLst meth="repeat">
+      <a:schemeClr val="dk1"/>
+    </dgm:txFillClrLst>
+    <dgm:txEffectClrLst/>
+  </dgm:styleLbl>
+  <dgm:styleLbl name="solidFgAcc1">
+    <dgm:fillClrLst meth="repeat">
+      <a:schemeClr val="lt1"/>
+    </dgm:fillClrLst>
+    <dgm:linClrLst>
+      <a:schemeClr val="accent5"/>
+      <a:schemeClr val="accent6"/>
+    </dgm:linClrLst>
+    <dgm:effectClrLst/>
+    <dgm:txLinClrLst/>
+    <dgm:txFillClrLst meth="repeat">
+      <a:schemeClr val="dk1"/>
+    </dgm:txFillClrLst>
+    <dgm:txEffectClrLst/>
+  </dgm:styleLbl>
+  <dgm:styleLbl name="solidAlignAcc1">
+    <dgm:fillClrLst meth="repeat">
+      <a:schemeClr val="lt1"/>
+    </dgm:fillClrLst>
+    <dgm:linClrLst>
+      <a:schemeClr val="accent5"/>
+      <a:schemeClr val="accent6"/>
+    </dgm:linClrLst>
+    <dgm:effectClrLst/>
+    <dgm:txLinClrLst/>
+    <dgm:txFillClrLst meth="repeat">
+      <a:schemeClr val="dk1"/>
+    </dgm:txFillClrLst>
+    <dgm:txEffectClrLst/>
+  </dgm:styleLbl>
+  <dgm:styleLbl name="solidBgAcc1">
+    <dgm:fillClrLst meth="repeat">
+      <a:schemeClr val="lt1"/>
+    </dgm:fillClrLst>
+    <dgm:linClrLst>
+      <a:schemeClr val="accent5"/>
+      <a:schemeClr val="accent6"/>
+    </dgm:linClrLst>
+    <dgm:effectClrLst/>
+    <dgm:txLinClrLst/>
+    <dgm:txFillClrLst meth="repeat">
+      <a:schemeClr val="dk1"/>
+    </dgm:txFillClrLst>
+    <dgm:txEffectClrLst/>
+  </dgm:styleLbl>
+  <dgm:styleLbl name="fgAccFollowNode1">
+    <dgm:fillClrLst>
+      <a:schemeClr val="accent5">
+        <a:tint val="40000"/>
+        <a:alpha val="90000"/>
+      </a:schemeClr>
+      <a:schemeClr val="accent6">
+        <a:tint val="40000"/>
+        <a:alpha val="90000"/>
+      </a:schemeClr>
+    </dgm:fillClrLst>
+    <dgm:linClrLst>
+      <a:schemeClr val="accent5">
+        <a:tint val="40000"/>
+        <a:alpha val="90000"/>
+      </a:schemeClr>
+      <a:schemeClr val="accent5">
+        <a:tint val="40000"/>
+        <a:alpha val="90000"/>
+      </a:schemeClr>
+    </dgm:linClrLst>
+    <dgm:effectClrLst/>
+    <dgm:txLinClrLst/>
+    <dgm:txFillClrLst meth="repeat">
+      <a:schemeClr val="dk1"/>
+    </dgm:txFillClrLst>
+    <dgm:txEffectClrLst/>
+  </dgm:styleLbl>
+  <dgm:styleLbl name="alignAccFollowNode1">
+    <dgm:fillClrLst>
+      <a:schemeClr val="accent5">
+        <a:tint val="40000"/>
+        <a:alpha val="90000"/>
+      </a:schemeClr>
+      <a:schemeClr val="accent6">
+        <a:tint val="40000"/>
+        <a:alpha val="90000"/>
+      </a:schemeClr>
+    </dgm:fillClrLst>
+    <dgm:linClrLst>
+      <a:schemeClr val="accent5">
+        <a:tint val="40000"/>
+        <a:alpha val="90000"/>
+      </a:schemeClr>
+      <a:schemeClr val="accent6">
+        <a:tint val="40000"/>
+        <a:alpha val="90000"/>
+      </a:schemeClr>
+    </dgm:linClrLst>
+    <dgm:effectClrLst/>
+    <dgm:txLinClrLst/>
+    <dgm:txFillClrLst meth="repeat">
+      <a:schemeClr val="dk1"/>
+    </dgm:txFillClrLst>
+    <dgm:txEffectClrLst/>
+  </dgm:styleLbl>
+  <dgm:styleLbl name="bgAccFollowNode1">
+    <dgm:fillClrLst>
+      <a:schemeClr val="accent5">
+        <a:tint val="40000"/>
+        <a:alpha val="90000"/>
+      </a:schemeClr>
+      <a:schemeClr val="accent6">
+        <a:tint val="40000"/>
+        <a:alpha val="90000"/>
+      </a:schemeClr>
+    </dgm:fillClrLst>
+    <dgm:linClrLst>
+      <a:schemeClr val="accent5">
+        <a:tint val="40000"/>
+        <a:alpha val="90000"/>
+      </a:schemeClr>
+      <a:schemeClr val="accent6">
+        <a:tint val="40000"/>
+        <a:alpha val="90000"/>
+      </a:schemeClr>
+    </dgm:linClrLst>
+    <dgm:effectClrLst/>
+    <dgm:txLinClrLst/>
+    <dgm:txFillClrLst meth="repeat">
+      <a:schemeClr val="dk1"/>
+    </dgm:txFillClrLst>
+    <dgm:txEffectClrLst/>
+  </dgm:styleLbl>
+  <dgm:styleLbl name="fgAcc0">
+    <dgm:fillClrLst meth="repeat">
+      <a:schemeClr val="lt1">
+        <a:alpha val="90000"/>
+      </a:schemeClr>
+    </dgm:fillClrLst>
+    <dgm:linClrLst>
+      <a:schemeClr val="accent4"/>
+    </dgm:linClrLst>
+    <dgm:effectClrLst/>
+    <dgm:txLinClrLst/>
+    <dgm:txFillClrLst meth="repeat">
+      <a:schemeClr val="dk1"/>
+    </dgm:txFillClrLst>
+    <dgm:txEffectClrLst/>
+  </dgm:styleLbl>
+  <dgm:styleLbl name="fgAcc2">
+    <dgm:fillClrLst meth="repeat">
+      <a:schemeClr val="lt1">
+        <a:alpha val="90000"/>
+      </a:schemeClr>
+    </dgm:fillClrLst>
+    <dgm:linClrLst>
+      <a:schemeClr val="accent6"/>
+    </dgm:linClrLst>
+    <dgm:effectClrLst/>
+    <dgm:txLinClrLst/>
+    <dgm:txFillClrLst meth="repeat">
+      <a:schemeClr val="dk1"/>
+    </dgm:txFillClrLst>
+    <dgm:txEffectClrLst/>
+  </dgm:styleLbl>
+  <dgm:styleLbl name="fgAcc3">
+    <dgm:fillClrLst meth="repeat">
+      <a:schemeClr val="lt1">
+        <a:alpha val="90000"/>
+      </a:schemeClr>
+    </dgm:fillClrLst>
+    <dgm:linClrLst>
+      <a:schemeClr val="accent1"/>
+    </dgm:linClrLst>
+    <dgm:effectClrLst/>
+    <dgm:txLinClrLst/>
+    <dgm:txFillClrLst meth="repeat">
+      <a:schemeClr val="dk1"/>
+    </dgm:txFillClrLst>
+    <dgm:txEffectClrLst/>
+  </dgm:styleLbl>
+  <dgm:styleLbl name="fgAcc4">
+    <dgm:fillClrLst meth="repeat">
+      <a:schemeClr val="lt1">
+        <a:alpha val="90000"/>
+      </a:schemeClr>
+    </dgm:fillClrLst>
+    <dgm:linClrLst>
+      <a:schemeClr val="accent2"/>
+    </dgm:linClrLst>
+    <dgm:effectClrLst/>
+    <dgm:txLinClrLst/>
+    <dgm:txFillClrLst meth="repeat">
+      <a:schemeClr val="dk1"/>
+    </dgm:txFillClrLst>
+    <dgm:txEffectClrLst/>
+  </dgm:styleLbl>
+  <dgm:styleLbl name="bgShp">
+    <dgm:fillClrLst meth="repeat">
+      <a:schemeClr val="accent5">
+        <a:tint val="40000"/>
+      </a:schemeClr>
+    </dgm:fillClrLst>
+    <dgm:linClrLst meth="repeat">
+      <a:schemeClr val="dk1"/>
+    </dgm:linClrLst>
+    <dgm:effectClrLst/>
+    <dgm:txLinClrLst/>
+    <dgm:txFillClrLst meth="repeat">
+      <a:schemeClr val="dk1"/>
+    </dgm:txFillClrLst>
+    <dgm:txEffectClrLst/>
+  </dgm:styleLbl>
+  <dgm:styleLbl name="dkBgShp">
+    <dgm:fillClrLst meth="repeat">
+      <a:schemeClr val="accent5">
+        <a:shade val="90000"/>
+      </a:schemeClr>
+    </dgm:fillClrLst>
+    <dgm:linClrLst meth="repeat">
+      <a:schemeClr val="dk1"/>
+    </dgm:linClrLst>
+    <dgm:effectClrLst/>
+    <dgm:txLinClrLst/>
+    <dgm:txFillClrLst meth="repeat">
+      <a:schemeClr val="lt1"/>
+    </dgm:txFillClrLst>
+    <dgm:txEffectClrLst/>
+  </dgm:styleLbl>
+  <dgm:styleLbl name="trBgShp">
+    <dgm:fillClrLst meth="repeat">
+      <a:schemeClr val="accent5">
+        <a:tint val="50000"/>
+        <a:alpha val="40000"/>
+      </a:schemeClr>
+    </dgm:fillClrLst>
+    <dgm:linClrLst meth="repeat">
+      <a:schemeClr val="accent5"/>
+    </dgm:linClrLst>
+    <dgm:effectClrLst/>
+    <dgm:txLinClrLst/>
+    <dgm:txFillClrLst meth="repeat">
+      <a:schemeClr val="lt1"/>
+    </dgm:txFillClrLst>
+    <dgm:txEffectClrLst/>
+  </dgm:styleLbl>
+  <dgm:styleLbl name="fgShp">
+    <dgm:fillClrLst meth="repeat">
+      <a:schemeClr val="accent5">
+        <a:tint val="40000"/>
+      </a:schemeClr>
+    </dgm:fillClrLst>
+    <dgm:linClrLst meth="repeat">
+      <a:schemeClr val="lt1"/>
+    </dgm:linClrLst>
+    <dgm:effectClrLst/>
+    <dgm:txLinClrLst/>
+    <dgm:txFillClrLst meth="repeat">
+      <a:schemeClr val="dk1"/>
+    </dgm:txFillClrLst>
+    <dgm:txEffectClrLst/>
+  </dgm:styleLbl>
+  <dgm:styleLbl name="revTx">
+    <dgm:fillClrLst meth="repeat">
+      <a:schemeClr val="lt1">
+        <a:alpha val="0"/>
+      </a:schemeClr>
+    </dgm:fillClrLst>
+    <dgm:linClrLst meth="repeat">
+      <a:schemeClr val="dk1">
+        <a:alpha val="0"/>
+      </a:schemeClr>
+    </dgm:linClrLst>
+    <dgm:effectClrLst/>
+    <dgm:txLinClrLst/>
+    <dgm:txFillClrLst meth="repeat">
+      <a:schemeClr val="tx1"/>
+    </dgm:txFillClrLst>
+    <dgm:txEffectClrLst/>
+  </dgm:styleLbl>
+</dgm:colorsDef>
+</file>
+
 <file path=ppt/diagrams/data1.xml><?xml version="1.0" encoding="utf-8"?>
 <dgm:dataModel xmlns:dgm="http://schemas.openxmlformats.org/drawingml/2006/diagram" xmlns:a="http://schemas.openxmlformats.org/drawingml/2006/main">
   <dgm:ptLst>
+    <dgm:pt modelId="{36DF5A14-CB4D-40FD-9B87-7A2891F3331B}" type="doc">
+      <dgm:prSet loTypeId="urn:microsoft.com/office/officeart/2005/8/layout/vList2" loCatId="list" qsTypeId="urn:microsoft.com/office/officeart/2005/8/quickstyle/simple1" qsCatId="simple" csTypeId="urn:microsoft.com/office/officeart/2005/8/colors/colorful5" csCatId="colorful"/>
+      <dgm:spPr/>
+      <dgm:t>
+        <a:bodyPr/>
+        <a:lstStyle/>
+        <a:p>
+          <a:endParaRPr lang="en-US"/>
+        </a:p>
+      </dgm:t>
+    </dgm:pt>
+    <dgm:pt modelId="{D16BBD22-1F7F-4C0C-AC53-5B795F905280}">
+      <dgm:prSet/>
+      <dgm:spPr/>
+      <dgm:t>
+        <a:bodyPr/>
+        <a:lstStyle/>
+        <a:p>
+          <a:r>
+            <a:rPr lang="en-US"/>
+            <a:t>Data columns </a:t>
+          </a:r>
+        </a:p>
+      </dgm:t>
+    </dgm:pt>
+    <dgm:pt modelId="{D06B558E-A3C6-45A7-BE7E-4CF3D32F1F55}" type="parTrans" cxnId="{A061ABFD-7B39-4E53-BF8D-126406871191}">
+      <dgm:prSet/>
+      <dgm:spPr/>
+      <dgm:t>
+        <a:bodyPr/>
+        <a:lstStyle/>
+        <a:p>
+          <a:endParaRPr lang="en-US"/>
+        </a:p>
+      </dgm:t>
+    </dgm:pt>
+    <dgm:pt modelId="{975F5CAA-5292-4871-8941-E8D993C7BA70}" type="sibTrans" cxnId="{A061ABFD-7B39-4E53-BF8D-126406871191}">
+      <dgm:prSet/>
+      <dgm:spPr/>
+      <dgm:t>
+        <a:bodyPr/>
+        <a:lstStyle/>
+        <a:p>
+          <a:endParaRPr lang="en-US"/>
+        </a:p>
+      </dgm:t>
+    </dgm:pt>
+    <dgm:pt modelId="{1C4B5DF5-49B2-402C-B326-D5DE2ABED2EA}">
+      <dgm:prSet/>
+      <dgm:spPr/>
+      <dgm:t>
+        <a:bodyPr/>
+        <a:lstStyle/>
+        <a:p>
+          <a:r>
+            <a:rPr lang="en-US"/>
+            <a:t>textID = A unique number</a:t>
+          </a:r>
+        </a:p>
+      </dgm:t>
+    </dgm:pt>
+    <dgm:pt modelId="{6200EC67-74A9-42E2-ACE7-C9BF0EE814F0}" type="parTrans" cxnId="{FC1C0880-5EE2-455E-BEF9-AE100B6DADB4}">
+      <dgm:prSet/>
+      <dgm:spPr/>
+      <dgm:t>
+        <a:bodyPr/>
+        <a:lstStyle/>
+        <a:p>
+          <a:endParaRPr lang="en-US"/>
+        </a:p>
+      </dgm:t>
+    </dgm:pt>
+    <dgm:pt modelId="{7AEA6CFF-9F1A-496E-A6A9-9910786C896D}" type="sibTrans" cxnId="{FC1C0880-5EE2-455E-BEF9-AE100B6DADB4}">
+      <dgm:prSet/>
+      <dgm:spPr/>
+      <dgm:t>
+        <a:bodyPr/>
+        <a:lstStyle/>
+        <a:p>
+          <a:endParaRPr lang="en-US"/>
+        </a:p>
+      </dgm:t>
+    </dgm:pt>
+    <dgm:pt modelId="{8153110A-6646-4EB9-891F-A77C2DAAECB0}">
+      <dgm:prSet/>
+      <dgm:spPr/>
+      <dgm:t>
+        <a:bodyPr/>
+        <a:lstStyle/>
+        <a:p>
+          <a:r>
+            <a:rPr lang="en-US"/>
+            <a:t>text = Tweet</a:t>
+          </a:r>
+        </a:p>
+      </dgm:t>
+    </dgm:pt>
+    <dgm:pt modelId="{D02A7EAB-15F7-4574-8E6F-009898F55173}" type="parTrans" cxnId="{6E583404-A7EA-4B75-B3B1-AF69DB32D2C8}">
+      <dgm:prSet/>
+      <dgm:spPr/>
+      <dgm:t>
+        <a:bodyPr/>
+        <a:lstStyle/>
+        <a:p>
+          <a:endParaRPr lang="en-US"/>
+        </a:p>
+      </dgm:t>
+    </dgm:pt>
+    <dgm:pt modelId="{658A7661-B22D-43CA-B3DA-A0BFA0DFA4E9}" type="sibTrans" cxnId="{6E583404-A7EA-4B75-B3B1-AF69DB32D2C8}">
+      <dgm:prSet/>
+      <dgm:spPr/>
+      <dgm:t>
+        <a:bodyPr/>
+        <a:lstStyle/>
+        <a:p>
+          <a:endParaRPr lang="en-US"/>
+        </a:p>
+      </dgm:t>
+    </dgm:pt>
+    <dgm:pt modelId="{7E96973A-F5A9-4189-ABB2-AD2816CE7959}">
+      <dgm:prSet/>
+      <dgm:spPr/>
+      <dgm:t>
+        <a:bodyPr/>
+        <a:lstStyle/>
+        <a:p>
+          <a:r>
+            <a:rPr lang="en-US"/>
+            <a:t>selected_text  </a:t>
+          </a:r>
+        </a:p>
+      </dgm:t>
+    </dgm:pt>
+    <dgm:pt modelId="{7A09ECB0-10B0-4865-9E22-1E13115FFC69}" type="parTrans" cxnId="{48EB072B-9E12-4273-9DE6-822CF8A5459D}">
+      <dgm:prSet/>
+      <dgm:spPr/>
+      <dgm:t>
+        <a:bodyPr/>
+        <a:lstStyle/>
+        <a:p>
+          <a:endParaRPr lang="en-US"/>
+        </a:p>
+      </dgm:t>
+    </dgm:pt>
+    <dgm:pt modelId="{C2B1206A-C01E-445E-BA02-C571AC901CBD}" type="sibTrans" cxnId="{48EB072B-9E12-4273-9DE6-822CF8A5459D}">
+      <dgm:prSet/>
+      <dgm:spPr/>
+      <dgm:t>
+        <a:bodyPr/>
+        <a:lstStyle/>
+        <a:p>
+          <a:endParaRPr lang="en-US"/>
+        </a:p>
+      </dgm:t>
+    </dgm:pt>
+    <dgm:pt modelId="{52B76D05-9FA7-4623-A2C5-BE40EC683BA9}">
+      <dgm:prSet/>
+      <dgm:spPr/>
+      <dgm:t>
+        <a:bodyPr/>
+        <a:lstStyle/>
+        <a:p>
+          <a:r>
+            <a:rPr lang="en-US" dirty="0"/>
+            <a:t>Sentiment =  Target Class</a:t>
+          </a:r>
+        </a:p>
+      </dgm:t>
+    </dgm:pt>
+    <dgm:pt modelId="{4B34880A-76C7-45F5-8D12-5E52AB976CB0}" type="parTrans" cxnId="{DAA098DE-8EE8-4A09-93CB-40AEB9B6BA41}">
+      <dgm:prSet/>
+      <dgm:spPr/>
+      <dgm:t>
+        <a:bodyPr/>
+        <a:lstStyle/>
+        <a:p>
+          <a:endParaRPr lang="en-US"/>
+        </a:p>
+      </dgm:t>
+    </dgm:pt>
+    <dgm:pt modelId="{58BEFF78-82A5-4783-9396-A5E08AB9C566}" type="sibTrans" cxnId="{DAA098DE-8EE8-4A09-93CB-40AEB9B6BA41}">
+      <dgm:prSet/>
+      <dgm:spPr/>
+      <dgm:t>
+        <a:bodyPr/>
+        <a:lstStyle/>
+        <a:p>
+          <a:endParaRPr lang="en-US"/>
+        </a:p>
+      </dgm:t>
+    </dgm:pt>
+    <dgm:pt modelId="{36567884-D5B0-48F1-AD37-B7A6AB4D3C44}">
+      <dgm:prSet/>
+      <dgm:spPr/>
+      <dgm:t>
+        <a:bodyPr/>
+        <a:lstStyle/>
+        <a:p>
+          <a:r>
+            <a:rPr lang="en-US" dirty="0"/>
+            <a:t>Train consist of 27481 tweets</a:t>
+          </a:r>
+        </a:p>
+      </dgm:t>
+    </dgm:pt>
+    <dgm:pt modelId="{AC4B61DC-54B3-4D31-87C7-07C33657E46C}" type="parTrans" cxnId="{FC0DA851-4A2A-4FD7-A0B0-F372CC564D2F}">
+      <dgm:prSet/>
+      <dgm:spPr/>
+      <dgm:t>
+        <a:bodyPr/>
+        <a:lstStyle/>
+        <a:p>
+          <a:endParaRPr lang="en-US"/>
+        </a:p>
+      </dgm:t>
+    </dgm:pt>
+    <dgm:pt modelId="{8F5BCB06-A812-4D7B-B47F-6B924AE2B720}" type="sibTrans" cxnId="{FC0DA851-4A2A-4FD7-A0B0-F372CC564D2F}">
+      <dgm:prSet/>
+      <dgm:spPr/>
+      <dgm:t>
+        <a:bodyPr/>
+        <a:lstStyle/>
+        <a:p>
+          <a:endParaRPr lang="en-US"/>
+        </a:p>
+      </dgm:t>
+    </dgm:pt>
+    <dgm:pt modelId="{F45196B3-8C41-41B7-A7F0-CB6C8A233618}">
+      <dgm:prSet/>
+      <dgm:spPr/>
+      <dgm:t>
+        <a:bodyPr/>
+        <a:lstStyle/>
+        <a:p>
+          <a:r>
+            <a:rPr lang="en-US"/>
+            <a:t>Test consist of 3534 tweets</a:t>
+          </a:r>
+        </a:p>
+      </dgm:t>
+    </dgm:pt>
+    <dgm:pt modelId="{0773EFC2-D6E4-46BA-8A50-817C326B2D8A}" type="parTrans" cxnId="{AF28ADFC-ABC7-4495-A725-92EF6BCB9EE4}">
+      <dgm:prSet/>
+      <dgm:spPr/>
+      <dgm:t>
+        <a:bodyPr/>
+        <a:lstStyle/>
+        <a:p>
+          <a:endParaRPr lang="en-US"/>
+        </a:p>
+      </dgm:t>
+    </dgm:pt>
+    <dgm:pt modelId="{4E28668A-726D-4134-9EF3-585938B58F02}" type="sibTrans" cxnId="{AF28ADFC-ABC7-4495-A725-92EF6BCB9EE4}">
+      <dgm:prSet/>
+      <dgm:spPr/>
+      <dgm:t>
+        <a:bodyPr/>
+        <a:lstStyle/>
+        <a:p>
+          <a:endParaRPr lang="en-US"/>
+        </a:p>
+      </dgm:t>
+    </dgm:pt>
+    <dgm:pt modelId="{A34EC2FB-DA93-4312-A7C6-E983C0474E6D}" type="pres">
+      <dgm:prSet presAssocID="{36DF5A14-CB4D-40FD-9B87-7A2891F3331B}" presName="linear" presStyleCnt="0">
+        <dgm:presLayoutVars>
+          <dgm:animLvl val="lvl"/>
+          <dgm:resizeHandles val="exact"/>
+        </dgm:presLayoutVars>
+      </dgm:prSet>
+      <dgm:spPr/>
+    </dgm:pt>
+    <dgm:pt modelId="{125E1075-2B24-4BC6-9C98-EE542F4AA565}" type="pres">
+      <dgm:prSet presAssocID="{D16BBD22-1F7F-4C0C-AC53-5B795F905280}" presName="parentText" presStyleLbl="node1" presStyleIdx="0" presStyleCnt="3">
+        <dgm:presLayoutVars>
+          <dgm:chMax val="0"/>
+          <dgm:bulletEnabled val="1"/>
+        </dgm:presLayoutVars>
+      </dgm:prSet>
+      <dgm:spPr/>
+    </dgm:pt>
+    <dgm:pt modelId="{12A88BD9-089C-4A68-8F4A-3E280BDDB9F2}" type="pres">
+      <dgm:prSet presAssocID="{D16BBD22-1F7F-4C0C-AC53-5B795F905280}" presName="childText" presStyleLbl="revTx" presStyleIdx="0" presStyleCnt="1">
+        <dgm:presLayoutVars>
+          <dgm:bulletEnabled val="1"/>
+        </dgm:presLayoutVars>
+      </dgm:prSet>
+      <dgm:spPr/>
+    </dgm:pt>
+    <dgm:pt modelId="{134C355A-EA64-4281-8812-680D7093C178}" type="pres">
+      <dgm:prSet presAssocID="{36567884-D5B0-48F1-AD37-B7A6AB4D3C44}" presName="parentText" presStyleLbl="node1" presStyleIdx="1" presStyleCnt="3">
+        <dgm:presLayoutVars>
+          <dgm:chMax val="0"/>
+          <dgm:bulletEnabled val="1"/>
+        </dgm:presLayoutVars>
+      </dgm:prSet>
+      <dgm:spPr/>
+    </dgm:pt>
+    <dgm:pt modelId="{1CDB1486-4544-49CF-A07D-71D26BF7BFB2}" type="pres">
+      <dgm:prSet presAssocID="{8F5BCB06-A812-4D7B-B47F-6B924AE2B720}" presName="spacer" presStyleCnt="0"/>
+      <dgm:spPr/>
+    </dgm:pt>
+    <dgm:pt modelId="{85B24522-039B-4C79-AF80-FAEC8682B783}" type="pres">
+      <dgm:prSet presAssocID="{F45196B3-8C41-41B7-A7F0-CB6C8A233618}" presName="parentText" presStyleLbl="node1" presStyleIdx="2" presStyleCnt="3">
+        <dgm:presLayoutVars>
+          <dgm:chMax val="0"/>
+          <dgm:bulletEnabled val="1"/>
+        </dgm:presLayoutVars>
+      </dgm:prSet>
+      <dgm:spPr/>
+    </dgm:pt>
+  </dgm:ptLst>
+  <dgm:cxnLst>
+    <dgm:cxn modelId="{6E583404-A7EA-4B75-B3B1-AF69DB32D2C8}" srcId="{D16BBD22-1F7F-4C0C-AC53-5B795F905280}" destId="{8153110A-6646-4EB9-891F-A77C2DAAECB0}" srcOrd="1" destOrd="0" parTransId="{D02A7EAB-15F7-4574-8E6F-009898F55173}" sibTransId="{658A7661-B22D-43CA-B3DA-A0BFA0DFA4E9}"/>
+    <dgm:cxn modelId="{A2755006-9FCC-4F1A-996D-E95A4CED84D3}" type="presOf" srcId="{D16BBD22-1F7F-4C0C-AC53-5B795F905280}" destId="{125E1075-2B24-4BC6-9C98-EE542F4AA565}" srcOrd="0" destOrd="0" presId="urn:microsoft.com/office/officeart/2005/8/layout/vList2"/>
+    <dgm:cxn modelId="{48EB072B-9E12-4273-9DE6-822CF8A5459D}" srcId="{D16BBD22-1F7F-4C0C-AC53-5B795F905280}" destId="{7E96973A-F5A9-4189-ABB2-AD2816CE7959}" srcOrd="2" destOrd="0" parTransId="{7A09ECB0-10B0-4865-9E22-1E13115FFC69}" sibTransId="{C2B1206A-C01E-445E-BA02-C571AC901CBD}"/>
+    <dgm:cxn modelId="{7E860E37-B097-4191-9DE8-DE636B58EDCE}" type="presOf" srcId="{7E96973A-F5A9-4189-ABB2-AD2816CE7959}" destId="{12A88BD9-089C-4A68-8F4A-3E280BDDB9F2}" srcOrd="0" destOrd="2" presId="urn:microsoft.com/office/officeart/2005/8/layout/vList2"/>
+    <dgm:cxn modelId="{009E4E63-3B43-4FD1-9176-527C6C7950AE}" type="presOf" srcId="{1C4B5DF5-49B2-402C-B326-D5DE2ABED2EA}" destId="{12A88BD9-089C-4A68-8F4A-3E280BDDB9F2}" srcOrd="0" destOrd="0" presId="urn:microsoft.com/office/officeart/2005/8/layout/vList2"/>
+    <dgm:cxn modelId="{5A274D4F-C792-4E90-B14B-F4F98BD5CFF1}" type="presOf" srcId="{F45196B3-8C41-41B7-A7F0-CB6C8A233618}" destId="{85B24522-039B-4C79-AF80-FAEC8682B783}" srcOrd="0" destOrd="0" presId="urn:microsoft.com/office/officeart/2005/8/layout/vList2"/>
+    <dgm:cxn modelId="{FC0DA851-4A2A-4FD7-A0B0-F372CC564D2F}" srcId="{36DF5A14-CB4D-40FD-9B87-7A2891F3331B}" destId="{36567884-D5B0-48F1-AD37-B7A6AB4D3C44}" srcOrd="1" destOrd="0" parTransId="{AC4B61DC-54B3-4D31-87C7-07C33657E46C}" sibTransId="{8F5BCB06-A812-4D7B-B47F-6B924AE2B720}"/>
+    <dgm:cxn modelId="{FC1C0880-5EE2-455E-BEF9-AE100B6DADB4}" srcId="{D16BBD22-1F7F-4C0C-AC53-5B795F905280}" destId="{1C4B5DF5-49B2-402C-B326-D5DE2ABED2EA}" srcOrd="0" destOrd="0" parTransId="{6200EC67-74A9-42E2-ACE7-C9BF0EE814F0}" sibTransId="{7AEA6CFF-9F1A-496E-A6A9-9910786C896D}"/>
+    <dgm:cxn modelId="{7697FE9B-5624-4B33-8334-A96D40461CF3}" type="presOf" srcId="{8153110A-6646-4EB9-891F-A77C2DAAECB0}" destId="{12A88BD9-089C-4A68-8F4A-3E280BDDB9F2}" srcOrd="0" destOrd="1" presId="urn:microsoft.com/office/officeart/2005/8/layout/vList2"/>
+    <dgm:cxn modelId="{524248C0-5D02-4B85-A9F8-451647B9A386}" type="presOf" srcId="{52B76D05-9FA7-4623-A2C5-BE40EC683BA9}" destId="{12A88BD9-089C-4A68-8F4A-3E280BDDB9F2}" srcOrd="0" destOrd="3" presId="urn:microsoft.com/office/officeart/2005/8/layout/vList2"/>
+    <dgm:cxn modelId="{DAA098DE-8EE8-4A09-93CB-40AEB9B6BA41}" srcId="{D16BBD22-1F7F-4C0C-AC53-5B795F905280}" destId="{52B76D05-9FA7-4623-A2C5-BE40EC683BA9}" srcOrd="3" destOrd="0" parTransId="{4B34880A-76C7-45F5-8D12-5E52AB976CB0}" sibTransId="{58BEFF78-82A5-4783-9396-A5E08AB9C566}"/>
+    <dgm:cxn modelId="{BB751BE7-2BA3-4929-BCC6-8D6A2FAA4AF2}" type="presOf" srcId="{36DF5A14-CB4D-40FD-9B87-7A2891F3331B}" destId="{A34EC2FB-DA93-4312-A7C6-E983C0474E6D}" srcOrd="0" destOrd="0" presId="urn:microsoft.com/office/officeart/2005/8/layout/vList2"/>
+    <dgm:cxn modelId="{4D3D1BE9-FC57-462F-8D13-912814A74C9A}" type="presOf" srcId="{36567884-D5B0-48F1-AD37-B7A6AB4D3C44}" destId="{134C355A-EA64-4281-8812-680D7093C178}" srcOrd="0" destOrd="0" presId="urn:microsoft.com/office/officeart/2005/8/layout/vList2"/>
+    <dgm:cxn modelId="{AF28ADFC-ABC7-4495-A725-92EF6BCB9EE4}" srcId="{36DF5A14-CB4D-40FD-9B87-7A2891F3331B}" destId="{F45196B3-8C41-41B7-A7F0-CB6C8A233618}" srcOrd="2" destOrd="0" parTransId="{0773EFC2-D6E4-46BA-8A50-817C326B2D8A}" sibTransId="{4E28668A-726D-4134-9EF3-585938B58F02}"/>
+    <dgm:cxn modelId="{A061ABFD-7B39-4E53-BF8D-126406871191}" srcId="{36DF5A14-CB4D-40FD-9B87-7A2891F3331B}" destId="{D16BBD22-1F7F-4C0C-AC53-5B795F905280}" srcOrd="0" destOrd="0" parTransId="{D06B558E-A3C6-45A7-BE7E-4CF3D32F1F55}" sibTransId="{975F5CAA-5292-4871-8941-E8D993C7BA70}"/>
+    <dgm:cxn modelId="{81AC485A-C950-47F9-8C98-3C9F0438CD01}" type="presParOf" srcId="{A34EC2FB-DA93-4312-A7C6-E983C0474E6D}" destId="{125E1075-2B24-4BC6-9C98-EE542F4AA565}" srcOrd="0" destOrd="0" presId="urn:microsoft.com/office/officeart/2005/8/layout/vList2"/>
+    <dgm:cxn modelId="{79152C3D-786C-4862-A0D8-85957EFB9DEC}" type="presParOf" srcId="{A34EC2FB-DA93-4312-A7C6-E983C0474E6D}" destId="{12A88BD9-089C-4A68-8F4A-3E280BDDB9F2}" srcOrd="1" destOrd="0" presId="urn:microsoft.com/office/officeart/2005/8/layout/vList2"/>
+    <dgm:cxn modelId="{18EA1007-06CE-423D-A6A3-084BE443BC2A}" type="presParOf" srcId="{A34EC2FB-DA93-4312-A7C6-E983C0474E6D}" destId="{134C355A-EA64-4281-8812-680D7093C178}" srcOrd="2" destOrd="0" presId="urn:microsoft.com/office/officeart/2005/8/layout/vList2"/>
+    <dgm:cxn modelId="{3532867F-6BE5-4CB2-B8FF-86F535573F1E}" type="presParOf" srcId="{A34EC2FB-DA93-4312-A7C6-E983C0474E6D}" destId="{1CDB1486-4544-49CF-A07D-71D26BF7BFB2}" srcOrd="3" destOrd="0" presId="urn:microsoft.com/office/officeart/2005/8/layout/vList2"/>
+    <dgm:cxn modelId="{9856B5D4-589F-4529-82B8-76F47E5C4230}" type="presParOf" srcId="{A34EC2FB-DA93-4312-A7C6-E983C0474E6D}" destId="{85B24522-039B-4C79-AF80-FAEC8682B783}" srcOrd="4" destOrd="0" presId="urn:microsoft.com/office/officeart/2005/8/layout/vList2"/>
+  </dgm:cxnLst>
+  <dgm:bg/>
+  <dgm:whole/>
+  <dgm:extLst>
+    <a:ext uri="http://schemas.microsoft.com/office/drawing/2008/diagram">
+      <dsp:dataModelExt xmlns:dsp="http://schemas.microsoft.com/office/drawing/2008/diagram" relId="rId6" minVer="http://schemas.openxmlformats.org/drawingml/2006/diagram"/>
+    </a:ext>
+  </dgm:extLst>
+</dgm:dataModel>
+</file>
+
+<file path=ppt/diagrams/data2.xml><?xml version="1.0" encoding="utf-8"?>
+<dgm:dataModel xmlns:dgm="http://schemas.openxmlformats.org/drawingml/2006/diagram" xmlns:a="http://schemas.openxmlformats.org/drawingml/2006/main">
+  <dgm:ptLst>
     <dgm:pt modelId="{5783B1A7-7C3E-4966-8072-B21A56A4918B}" type="doc">
-      <dgm:prSet loTypeId="urn:microsoft.com/office/officeart/2005/8/layout/default" loCatId="list" qsTypeId="urn:microsoft.com/office/officeart/2005/8/quickstyle/simple1" qsCatId="simple" csTypeId="urn:microsoft.com/office/officeart/2005/8/colors/colorful1" csCatId="colorful"/>
+      <dgm:prSet loTypeId="urn:microsoft.com/office/officeart/2005/8/layout/default" loCatId="list" qsTypeId="urn:microsoft.com/office/officeart/2005/8/quickstyle/simple1" qsCatId="simple" csTypeId="urn:microsoft.com/office/officeart/2005/8/colors/colorful5" csCatId="colorful"/>
       <dgm:spPr/>
       <dgm:t>
         <a:bodyPr/>
@@ -1166,7 +2159,7 @@
         <a:lstStyle/>
         <a:p>
           <a:r>
-            <a:rPr lang="en-US"/>
+            <a:rPr lang="en-US" dirty="0"/>
             <a:t>4.  Remove emoji</a:t>
           </a:r>
         </a:p>
@@ -1202,7 +2195,7 @@
         <a:lstStyle/>
         <a:p>
           <a:r>
-            <a:rPr lang="en-US"/>
+            <a:rPr lang="en-US" dirty="0"/>
             <a:t>5.  Convert accented characters to ASCII characters</a:t>
           </a:r>
         </a:p>
@@ -1338,42 +2331,6 @@
         </a:p>
       </dgm:t>
     </dgm:pt>
-    <dgm:pt modelId="{BE4E969F-D10E-4D3A-8B9C-773EB656F2FA}">
-      <dgm:prSet/>
-      <dgm:spPr/>
-      <dgm:t>
-        <a:bodyPr/>
-        <a:lstStyle/>
-        <a:p>
-          <a:r>
-            <a:rPr lang="en-US" dirty="0"/>
-            <a:t>9.  Expand contractions</a:t>
-          </a:r>
-        </a:p>
-      </dgm:t>
-    </dgm:pt>
-    <dgm:pt modelId="{3BEC40F5-7AB7-4400-952C-2CC71BA66F75}" type="parTrans" cxnId="{FA1EDE8D-2AB0-4FA1-9665-5B6136471504}">
-      <dgm:prSet/>
-      <dgm:spPr/>
-      <dgm:t>
-        <a:bodyPr/>
-        <a:lstStyle/>
-        <a:p>
-          <a:endParaRPr lang="en-US"/>
-        </a:p>
-      </dgm:t>
-    </dgm:pt>
-    <dgm:pt modelId="{B69B6ADC-62B2-4C3F-8B0D-EB9A6CE6090B}" type="sibTrans" cxnId="{FA1EDE8D-2AB0-4FA1-9665-5B6136471504}">
-      <dgm:prSet/>
-      <dgm:spPr/>
-      <dgm:t>
-        <a:bodyPr/>
-        <a:lstStyle/>
-        <a:p>
-          <a:endParaRPr lang="en-US"/>
-        </a:p>
-      </dgm:t>
-    </dgm:pt>
     <dgm:pt modelId="{C8CF37A4-89FA-4E13-AE69-DBA79014E9A3}">
       <dgm:prSet/>
       <dgm:spPr/>
@@ -1454,7 +2411,7 @@
         <a:lstStyle/>
         <a:p>
           <a:r>
-            <a:rPr lang="en-US"/>
+            <a:rPr lang="en-US" dirty="0"/>
             <a:t>12.  Stemming vs Lemmatization (which one to choose?)</a:t>
           </a:r>
         </a:p>
@@ -1490,7 +2447,7 @@
         <a:lstStyle/>
         <a:p>
           <a:r>
-            <a:rPr lang="en-US"/>
+            <a:rPr lang="en-US" dirty="0"/>
             <a:t>13. Tokenization (per sentence or all the corpus?)</a:t>
           </a:r>
         </a:p>
@@ -1518,7 +2475,7 @@
         </a:p>
       </dgm:t>
     </dgm:pt>
-    <dgm:pt modelId="{470DDF54-8023-4795-AFCB-B2270B71986E}" type="pres">
+    <dgm:pt modelId="{42B7645F-F03B-4EAB-B449-10F94239458C}" type="pres">
       <dgm:prSet presAssocID="{5783B1A7-7C3E-4966-8072-B21A56A4918B}" presName="diagram" presStyleCnt="0">
         <dgm:presLayoutVars>
           <dgm:dir/>
@@ -1527,152 +2484,140 @@
       </dgm:prSet>
       <dgm:spPr/>
     </dgm:pt>
-    <dgm:pt modelId="{5D0F8A23-E1DE-49AD-B216-BAB0179E89B9}" type="pres">
-      <dgm:prSet presAssocID="{D83E6E32-D2F3-40B6-980F-2305EE95E231}" presName="node" presStyleLbl="node1" presStyleIdx="0" presStyleCnt="13">
+    <dgm:pt modelId="{920DF7B3-3FD2-46C4-8DBD-D636CEA86A52}" type="pres">
+      <dgm:prSet presAssocID="{D83E6E32-D2F3-40B6-980F-2305EE95E231}" presName="node" presStyleLbl="node1" presStyleIdx="0" presStyleCnt="12">
         <dgm:presLayoutVars>
           <dgm:bulletEnabled val="1"/>
         </dgm:presLayoutVars>
       </dgm:prSet>
       <dgm:spPr/>
     </dgm:pt>
-    <dgm:pt modelId="{3B66966C-CDDE-47AA-857F-F0F36968FB2C}" type="pres">
+    <dgm:pt modelId="{6B531FDC-FB09-4A0E-A0CA-0F673E970F6C}" type="pres">
       <dgm:prSet presAssocID="{FF73C89F-43B4-4D2A-B9CF-2ED987A7247A}" presName="sibTrans" presStyleCnt="0"/>
       <dgm:spPr/>
     </dgm:pt>
-    <dgm:pt modelId="{7E5BE827-2852-4E96-B635-A300C17DF1F2}" type="pres">
-      <dgm:prSet presAssocID="{A903EAAD-DC4D-41BB-9194-075C8CCCC7B3}" presName="node" presStyleLbl="node1" presStyleIdx="1" presStyleCnt="13">
+    <dgm:pt modelId="{25C8FB64-129D-4009-BACA-3271ADD63FE2}" type="pres">
+      <dgm:prSet presAssocID="{A903EAAD-DC4D-41BB-9194-075C8CCCC7B3}" presName="node" presStyleLbl="node1" presStyleIdx="1" presStyleCnt="12">
         <dgm:presLayoutVars>
           <dgm:bulletEnabled val="1"/>
         </dgm:presLayoutVars>
       </dgm:prSet>
       <dgm:spPr/>
     </dgm:pt>
-    <dgm:pt modelId="{664FE814-B1BA-4BCD-899E-00730EEAD0DD}" type="pres">
+    <dgm:pt modelId="{57F4C432-985A-4AC6-9A55-7AF509391080}" type="pres">
       <dgm:prSet presAssocID="{379157BB-7A9D-4F7A-BF00-41BBF32A91E8}" presName="sibTrans" presStyleCnt="0"/>
       <dgm:spPr/>
     </dgm:pt>
-    <dgm:pt modelId="{17F1B36B-1E0D-4A87-BE88-DCC4B4A54789}" type="pres">
-      <dgm:prSet presAssocID="{ABAF3EE1-36D9-49DF-A8BB-280F26938C19}" presName="node" presStyleLbl="node1" presStyleIdx="2" presStyleCnt="13">
+    <dgm:pt modelId="{F7159F3D-69D7-4276-A1C8-6380AE0A4ECA}" type="pres">
+      <dgm:prSet presAssocID="{ABAF3EE1-36D9-49DF-A8BB-280F26938C19}" presName="node" presStyleLbl="node1" presStyleIdx="2" presStyleCnt="12">
         <dgm:presLayoutVars>
           <dgm:bulletEnabled val="1"/>
         </dgm:presLayoutVars>
       </dgm:prSet>
       <dgm:spPr/>
     </dgm:pt>
-    <dgm:pt modelId="{93DE7293-5397-498F-BCAB-1F3F83AC2F29}" type="pres">
+    <dgm:pt modelId="{B4A8DC19-8695-40ED-88F8-5F085AC4EB51}" type="pres">
       <dgm:prSet presAssocID="{27D8A8D7-DA7C-4313-8B75-C977BAED63B7}" presName="sibTrans" presStyleCnt="0"/>
       <dgm:spPr/>
     </dgm:pt>
-    <dgm:pt modelId="{F611ABD2-3D71-4660-9BF3-3B08BF497D9E}" type="pres">
-      <dgm:prSet presAssocID="{8A8CFE34-EE6C-406D-8570-44861350D468}" presName="node" presStyleLbl="node1" presStyleIdx="3" presStyleCnt="13">
+    <dgm:pt modelId="{8E104505-4DCA-41C3-B460-A95CD3FA2A5C}" type="pres">
+      <dgm:prSet presAssocID="{8A8CFE34-EE6C-406D-8570-44861350D468}" presName="node" presStyleLbl="node1" presStyleIdx="3" presStyleCnt="12">
         <dgm:presLayoutVars>
           <dgm:bulletEnabled val="1"/>
         </dgm:presLayoutVars>
       </dgm:prSet>
       <dgm:spPr/>
     </dgm:pt>
-    <dgm:pt modelId="{90CF96BB-9FAB-4C96-8BDC-F948AC4DF018}" type="pres">
+    <dgm:pt modelId="{E0E03AB6-6810-46AB-9380-C5BEC228C9BD}" type="pres">
       <dgm:prSet presAssocID="{513AAFB2-8907-47E7-AF5D-D1C62534DD27}" presName="sibTrans" presStyleCnt="0"/>
       <dgm:spPr/>
     </dgm:pt>
-    <dgm:pt modelId="{E713AF10-DAC9-42CA-9D31-F3B0D4E8A4E5}" type="pres">
-      <dgm:prSet presAssocID="{CB4B8CF6-3D23-42DD-AE4E-0AEA9A5DB8B3}" presName="node" presStyleLbl="node1" presStyleIdx="4" presStyleCnt="13">
+    <dgm:pt modelId="{022D5A29-0F74-4F38-9D8B-339BE06FE8CD}" type="pres">
+      <dgm:prSet presAssocID="{CB4B8CF6-3D23-42DD-AE4E-0AEA9A5DB8B3}" presName="node" presStyleLbl="node1" presStyleIdx="4" presStyleCnt="12">
         <dgm:presLayoutVars>
           <dgm:bulletEnabled val="1"/>
         </dgm:presLayoutVars>
       </dgm:prSet>
       <dgm:spPr/>
     </dgm:pt>
-    <dgm:pt modelId="{CA022127-D9F1-4FB7-887A-CDB206882E3A}" type="pres">
+    <dgm:pt modelId="{F61DC6E8-FCB4-4A53-805C-88EB5101F80B}" type="pres">
       <dgm:prSet presAssocID="{89F4CD2D-51BC-45DF-88CA-38A25C23F699}" presName="sibTrans" presStyleCnt="0"/>
       <dgm:spPr/>
     </dgm:pt>
-    <dgm:pt modelId="{1155F733-54F9-4A1D-A04B-12E2BF57A76C}" type="pres">
-      <dgm:prSet presAssocID="{A7B8DB72-32D3-47C7-9D05-E6A9A8F9949F}" presName="node" presStyleLbl="node1" presStyleIdx="5" presStyleCnt="13">
+    <dgm:pt modelId="{AFE93984-53F6-4BB0-BCCF-FDEC334170E0}" type="pres">
+      <dgm:prSet presAssocID="{A7B8DB72-32D3-47C7-9D05-E6A9A8F9949F}" presName="node" presStyleLbl="node1" presStyleIdx="5" presStyleCnt="12">
         <dgm:presLayoutVars>
           <dgm:bulletEnabled val="1"/>
         </dgm:presLayoutVars>
       </dgm:prSet>
       <dgm:spPr/>
     </dgm:pt>
-    <dgm:pt modelId="{D09CA63E-2BF0-46F3-BED6-3FE812D6B699}" type="pres">
+    <dgm:pt modelId="{78C92204-AB8F-4172-92E4-3B82CCA7BBE0}" type="pres">
       <dgm:prSet presAssocID="{091DF482-D47A-4231-82A8-87EEA1A034A7}" presName="sibTrans" presStyleCnt="0"/>
       <dgm:spPr/>
     </dgm:pt>
-    <dgm:pt modelId="{A7E92FAD-D4CD-435D-AAFF-C29BA24A454D}" type="pres">
-      <dgm:prSet presAssocID="{5DBFE331-E2D0-44A4-8166-9002C13D85CE}" presName="node" presStyleLbl="node1" presStyleIdx="6" presStyleCnt="13">
+    <dgm:pt modelId="{63FA5490-82D2-4C60-937D-F5404AB30074}" type="pres">
+      <dgm:prSet presAssocID="{5DBFE331-E2D0-44A4-8166-9002C13D85CE}" presName="node" presStyleLbl="node1" presStyleIdx="6" presStyleCnt="12">
         <dgm:presLayoutVars>
           <dgm:bulletEnabled val="1"/>
         </dgm:presLayoutVars>
       </dgm:prSet>
       <dgm:spPr/>
     </dgm:pt>
-    <dgm:pt modelId="{67A58CF8-14CA-4446-BF9D-CCC59AE45F5C}" type="pres">
+    <dgm:pt modelId="{195D99E5-6C93-45AD-974E-227789E399E6}" type="pres">
       <dgm:prSet presAssocID="{CEE5404D-6FAD-42A9-8624-E94DFF4FA4CF}" presName="sibTrans" presStyleCnt="0"/>
       <dgm:spPr/>
     </dgm:pt>
-    <dgm:pt modelId="{820BC05F-9DF7-4E81-A597-2313A83E4E5C}" type="pres">
-      <dgm:prSet presAssocID="{04638E24-BC77-48DA-8350-7F0C95C1C6A7}" presName="node" presStyleLbl="node1" presStyleIdx="7" presStyleCnt="13">
+    <dgm:pt modelId="{9741F251-7D7D-42AF-9313-DC74E5328005}" type="pres">
+      <dgm:prSet presAssocID="{04638E24-BC77-48DA-8350-7F0C95C1C6A7}" presName="node" presStyleLbl="node1" presStyleIdx="7" presStyleCnt="12">
         <dgm:presLayoutVars>
           <dgm:bulletEnabled val="1"/>
         </dgm:presLayoutVars>
       </dgm:prSet>
       <dgm:spPr/>
     </dgm:pt>
-    <dgm:pt modelId="{AA17DEEA-944F-40E5-963D-40D6DDC2BCB9}" type="pres">
+    <dgm:pt modelId="{1C130371-CBF8-45C4-A836-25F77BF73A6C}" type="pres">
       <dgm:prSet presAssocID="{80ECA1F9-F02A-422F-A77B-787956EBB19D}" presName="sibTrans" presStyleCnt="0"/>
       <dgm:spPr/>
     </dgm:pt>
-    <dgm:pt modelId="{48E5E647-A2DB-4EA6-81E7-C07F5B6C1798}" type="pres">
-      <dgm:prSet presAssocID="{BE4E969F-D10E-4D3A-8B9C-773EB656F2FA}" presName="node" presStyleLbl="node1" presStyleIdx="8" presStyleCnt="13">
+    <dgm:pt modelId="{377F5E02-2811-4BB9-9D79-B44A41AEA14C}" type="pres">
+      <dgm:prSet presAssocID="{C8CF37A4-89FA-4E13-AE69-DBA79014E9A3}" presName="node" presStyleLbl="node1" presStyleIdx="8" presStyleCnt="12">
         <dgm:presLayoutVars>
           <dgm:bulletEnabled val="1"/>
         </dgm:presLayoutVars>
       </dgm:prSet>
       <dgm:spPr/>
     </dgm:pt>
-    <dgm:pt modelId="{3746A91D-3286-45F6-A7A7-AFE3A0398DD8}" type="pres">
-      <dgm:prSet presAssocID="{B69B6ADC-62B2-4C3F-8B0D-EB9A6CE6090B}" presName="sibTrans" presStyleCnt="0"/>
+    <dgm:pt modelId="{A8EEB64F-A58F-457A-AE8E-67AB0A296859}" type="pres">
+      <dgm:prSet presAssocID="{5C33CC5D-636C-4410-ACB3-94B927631668}" presName="sibTrans" presStyleCnt="0"/>
       <dgm:spPr/>
     </dgm:pt>
-    <dgm:pt modelId="{3AB29765-0441-4720-BAD3-164ACDF7DAD6}" type="pres">
-      <dgm:prSet presAssocID="{C8CF37A4-89FA-4E13-AE69-DBA79014E9A3}" presName="node" presStyleLbl="node1" presStyleIdx="9" presStyleCnt="13">
+    <dgm:pt modelId="{22F730DD-272A-453C-AF8B-B79F9A87020F}" type="pres">
+      <dgm:prSet presAssocID="{A8A6DB08-8DFE-4A9B-9BC2-078BA8E213F2}" presName="node" presStyleLbl="node1" presStyleIdx="9" presStyleCnt="12">
         <dgm:presLayoutVars>
           <dgm:bulletEnabled val="1"/>
         </dgm:presLayoutVars>
       </dgm:prSet>
       <dgm:spPr/>
     </dgm:pt>
-    <dgm:pt modelId="{7FC9C750-FD56-40C8-A633-98E534C01448}" type="pres">
-      <dgm:prSet presAssocID="{5C33CC5D-636C-4410-ACB3-94B927631668}" presName="sibTrans" presStyleCnt="0"/>
+    <dgm:pt modelId="{069B02BD-CB95-4615-A67C-0F40A4BA2225}" type="pres">
+      <dgm:prSet presAssocID="{88BCA160-B8AE-464A-AA86-7366B0499F31}" presName="sibTrans" presStyleCnt="0"/>
       <dgm:spPr/>
     </dgm:pt>
-    <dgm:pt modelId="{E5F26795-37FA-4F02-98B3-769A0AC39830}" type="pres">
-      <dgm:prSet presAssocID="{A8A6DB08-8DFE-4A9B-9BC2-078BA8E213F2}" presName="node" presStyleLbl="node1" presStyleIdx="10" presStyleCnt="13">
+    <dgm:pt modelId="{9832C323-30DE-4B78-A17E-0D1BE3D3539F}" type="pres">
+      <dgm:prSet presAssocID="{8422E0F9-D4E2-4C99-96FE-43C9735635C1}" presName="node" presStyleLbl="node1" presStyleIdx="10" presStyleCnt="12" custLinFactNeighborX="-772" custLinFactNeighborY="-1929">
         <dgm:presLayoutVars>
           <dgm:bulletEnabled val="1"/>
         </dgm:presLayoutVars>
       </dgm:prSet>
       <dgm:spPr/>
     </dgm:pt>
-    <dgm:pt modelId="{AEF281E2-858A-45BC-A554-884DF266E6CE}" type="pres">
-      <dgm:prSet presAssocID="{88BCA160-B8AE-464A-AA86-7366B0499F31}" presName="sibTrans" presStyleCnt="0"/>
-      <dgm:spPr/>
-    </dgm:pt>
-    <dgm:pt modelId="{EEE83CCC-FDFB-4845-B74F-F5F33B085677}" type="pres">
-      <dgm:prSet presAssocID="{8422E0F9-D4E2-4C99-96FE-43C9735635C1}" presName="node" presStyleLbl="node1" presStyleIdx="11" presStyleCnt="13">
-        <dgm:presLayoutVars>
-          <dgm:bulletEnabled val="1"/>
-        </dgm:presLayoutVars>
-      </dgm:prSet>
-      <dgm:spPr/>
-    </dgm:pt>
-    <dgm:pt modelId="{474625A7-6E69-4766-A9AC-9A068B0C3C37}" type="pres">
+    <dgm:pt modelId="{9C055717-801A-446C-9FD3-1FDFB80CDB6A}" type="pres">
       <dgm:prSet presAssocID="{45AB8B4E-1342-44D5-BA7C-23B2C9C016E1}" presName="sibTrans" presStyleCnt="0"/>
       <dgm:spPr/>
     </dgm:pt>
-    <dgm:pt modelId="{4B5391F2-890B-4012-8A72-AFA0D3847CDE}" type="pres">
-      <dgm:prSet presAssocID="{E5E6FF57-6FA6-4661-AAD3-87E6D845946B}" presName="node" presStyleLbl="node1" presStyleIdx="12" presStyleCnt="13">
+    <dgm:pt modelId="{799BCA74-88C5-465E-8FFE-02CD5283601F}" type="pres">
+      <dgm:prSet presAssocID="{E5E6FF57-6FA6-4661-AAD3-87E6D845946B}" presName="node" presStyleLbl="node1" presStyleIdx="11" presStyleCnt="12">
         <dgm:presLayoutVars>
           <dgm:bulletEnabled val="1"/>
         </dgm:presLayoutVars>
@@ -1681,58 +2626,54 @@
     </dgm:pt>
   </dgm:ptLst>
   <dgm:cxnLst>
-    <dgm:cxn modelId="{5FDE1C2F-B90E-47B5-BA11-BBFC92946B82}" type="presOf" srcId="{E5E6FF57-6FA6-4661-AAD3-87E6D845946B}" destId="{4B5391F2-890B-4012-8A72-AFA0D3847CDE}" srcOrd="0" destOrd="0" presId="urn:microsoft.com/office/officeart/2005/8/layout/default"/>
-    <dgm:cxn modelId="{9E6C1439-E0FE-4871-9610-E2D582498829}" type="presOf" srcId="{5783B1A7-7C3E-4966-8072-B21A56A4918B}" destId="{470DDF54-8023-4795-AFCB-B2270B71986E}" srcOrd="0" destOrd="0" presId="urn:microsoft.com/office/officeart/2005/8/layout/default"/>
-    <dgm:cxn modelId="{FFA87839-D227-4380-B98B-ED5B8E66DCC3}" srcId="{5783B1A7-7C3E-4966-8072-B21A56A4918B}" destId="{A8A6DB08-8DFE-4A9B-9BC2-078BA8E213F2}" srcOrd="10" destOrd="0" parTransId="{EF2F65AD-075F-4CB3-9E53-CD1191660A82}" sibTransId="{88BCA160-B8AE-464A-AA86-7366B0499F31}"/>
-    <dgm:cxn modelId="{8582F139-0C5B-48E7-9B6E-718C9BD94F91}" type="presOf" srcId="{BE4E969F-D10E-4D3A-8B9C-773EB656F2FA}" destId="{48E5E647-A2DB-4EA6-81E7-C07F5B6C1798}" srcOrd="0" destOrd="0" presId="urn:microsoft.com/office/officeart/2005/8/layout/default"/>
+    <dgm:cxn modelId="{FFA87839-D227-4380-B98B-ED5B8E66DCC3}" srcId="{5783B1A7-7C3E-4966-8072-B21A56A4918B}" destId="{A8A6DB08-8DFE-4A9B-9BC2-078BA8E213F2}" srcOrd="9" destOrd="0" parTransId="{EF2F65AD-075F-4CB3-9E53-CD1191660A82}" sibTransId="{88BCA160-B8AE-464A-AA86-7366B0499F31}"/>
+    <dgm:cxn modelId="{3773223B-E0DA-4E44-B71F-A8A3C1512FFE}" type="presOf" srcId="{E5E6FF57-6FA6-4661-AAD3-87E6D845946B}" destId="{799BCA74-88C5-465E-8FFE-02CD5283601F}" srcOrd="0" destOrd="0" presId="urn:microsoft.com/office/officeart/2005/8/layout/default"/>
+    <dgm:cxn modelId="{3B671D3D-4DB3-469A-A789-E97AC21052C3}" type="presOf" srcId="{ABAF3EE1-36D9-49DF-A8BB-280F26938C19}" destId="{F7159F3D-69D7-4276-A1C8-6380AE0A4ECA}" srcOrd="0" destOrd="0" presId="urn:microsoft.com/office/officeart/2005/8/layout/default"/>
     <dgm:cxn modelId="{CF271B5B-080E-49DE-A4A0-58B74B831BED}" srcId="{5783B1A7-7C3E-4966-8072-B21A56A4918B}" destId="{A7B8DB72-32D3-47C7-9D05-E6A9A8F9949F}" srcOrd="5" destOrd="0" parTransId="{BCF4D6FE-BE7F-49DC-996B-DE214B494E33}" sibTransId="{091DF482-D47A-4231-82A8-87EEA1A034A7}"/>
-    <dgm:cxn modelId="{A8EF1062-DCFE-4B2E-8B92-D40C5EA6F790}" srcId="{5783B1A7-7C3E-4966-8072-B21A56A4918B}" destId="{C8CF37A4-89FA-4E13-AE69-DBA79014E9A3}" srcOrd="9" destOrd="0" parTransId="{45A26C10-8E93-465B-9AE4-BB6B3497C878}" sibTransId="{5C33CC5D-636C-4410-ACB3-94B927631668}"/>
+    <dgm:cxn modelId="{A8EF1062-DCFE-4B2E-8B92-D40C5EA6F790}" srcId="{5783B1A7-7C3E-4966-8072-B21A56A4918B}" destId="{C8CF37A4-89FA-4E13-AE69-DBA79014E9A3}" srcOrd="8" destOrd="0" parTransId="{45A26C10-8E93-465B-9AE4-BB6B3497C878}" sibTransId="{5C33CC5D-636C-4410-ACB3-94B927631668}"/>
+    <dgm:cxn modelId="{9115EC42-3F32-434A-BCB3-B38A5EA3CA43}" type="presOf" srcId="{5783B1A7-7C3E-4966-8072-B21A56A4918B}" destId="{42B7645F-F03B-4EAB-B449-10F94239458C}" srcOrd="0" destOrd="0" presId="urn:microsoft.com/office/officeart/2005/8/layout/default"/>
     <dgm:cxn modelId="{58A4A145-4ADA-4F50-9E74-F2315DCA3056}" srcId="{5783B1A7-7C3E-4966-8072-B21A56A4918B}" destId="{8A8CFE34-EE6C-406D-8570-44861350D468}" srcOrd="3" destOrd="0" parTransId="{8DBDECFB-77E9-45F5-A4FD-415AB707C476}" sibTransId="{513AAFB2-8907-47E7-AF5D-D1C62534DD27}"/>
+    <dgm:cxn modelId="{0A2C4467-A0F8-4804-8D88-8951066FFA86}" type="presOf" srcId="{A7B8DB72-32D3-47C7-9D05-E6A9A8F9949F}" destId="{AFE93984-53F6-4BB0-BCCF-FDEC334170E0}" srcOrd="0" destOrd="0" presId="urn:microsoft.com/office/officeart/2005/8/layout/default"/>
     <dgm:cxn modelId="{1D1D294A-ACE3-46FC-8C64-DA2BA545E679}" srcId="{5783B1A7-7C3E-4966-8072-B21A56A4918B}" destId="{04638E24-BC77-48DA-8350-7F0C95C1C6A7}" srcOrd="7" destOrd="0" parTransId="{D7BA2D0D-156C-4673-9CD2-E5E42101E028}" sibTransId="{80ECA1F9-F02A-422F-A77B-787956EBB19D}"/>
-    <dgm:cxn modelId="{164AE052-6EC6-457D-9DD0-639CC5D0A721}" srcId="{5783B1A7-7C3E-4966-8072-B21A56A4918B}" destId="{E5E6FF57-6FA6-4661-AAD3-87E6D845946B}" srcOrd="12" destOrd="0" parTransId="{DE348DC0-4623-45B7-A80E-6413253681C9}" sibTransId="{590706D2-961F-408F-9FE4-B523DE8213A7}"/>
-    <dgm:cxn modelId="{3895835A-B5F3-46E6-92C3-0256D5AEE10C}" type="presOf" srcId="{A903EAAD-DC4D-41BB-9194-075C8CCCC7B3}" destId="{7E5BE827-2852-4E96-B635-A300C17DF1F2}" srcOrd="0" destOrd="0" presId="urn:microsoft.com/office/officeart/2005/8/layout/default"/>
-    <dgm:cxn modelId="{01D75E7C-9F71-45FD-8A3D-5C5DEC5B6997}" type="presOf" srcId="{8A8CFE34-EE6C-406D-8570-44861350D468}" destId="{F611ABD2-3D71-4660-9BF3-3B08BF497D9E}" srcOrd="0" destOrd="0" presId="urn:microsoft.com/office/officeart/2005/8/layout/default"/>
-    <dgm:cxn modelId="{70D77D7E-E773-4C33-9150-2E0FE80F3182}" srcId="{5783B1A7-7C3E-4966-8072-B21A56A4918B}" destId="{8422E0F9-D4E2-4C99-96FE-43C9735635C1}" srcOrd="11" destOrd="0" parTransId="{3BFC1742-97A5-4A86-A5B4-F23B7ACE2BAD}" sibTransId="{45AB8B4E-1342-44D5-BA7C-23B2C9C016E1}"/>
-    <dgm:cxn modelId="{176EE086-AE48-4670-91A4-1D5597B3625C}" type="presOf" srcId="{04638E24-BC77-48DA-8350-7F0C95C1C6A7}" destId="{820BC05F-9DF7-4E81-A597-2313A83E4E5C}" srcOrd="0" destOrd="0" presId="urn:microsoft.com/office/officeart/2005/8/layout/default"/>
-    <dgm:cxn modelId="{FA1EDE8D-2AB0-4FA1-9665-5B6136471504}" srcId="{5783B1A7-7C3E-4966-8072-B21A56A4918B}" destId="{BE4E969F-D10E-4D3A-8B9C-773EB656F2FA}" srcOrd="8" destOrd="0" parTransId="{3BEC40F5-7AB7-4400-952C-2CC71BA66F75}" sibTransId="{B69B6ADC-62B2-4C3F-8B0D-EB9A6CE6090B}"/>
+    <dgm:cxn modelId="{0DF74E4B-A005-49E6-8017-84683E22F1D7}" type="presOf" srcId="{04638E24-BC77-48DA-8350-7F0C95C1C6A7}" destId="{9741F251-7D7D-42AF-9313-DC74E5328005}" srcOrd="0" destOrd="0" presId="urn:microsoft.com/office/officeart/2005/8/layout/default"/>
+    <dgm:cxn modelId="{0778FD4E-14F0-4718-8356-84BF7E3E830B}" type="presOf" srcId="{8A8CFE34-EE6C-406D-8570-44861350D468}" destId="{8E104505-4DCA-41C3-B460-A95CD3FA2A5C}" srcOrd="0" destOrd="0" presId="urn:microsoft.com/office/officeart/2005/8/layout/default"/>
+    <dgm:cxn modelId="{164AE052-6EC6-457D-9DD0-639CC5D0A721}" srcId="{5783B1A7-7C3E-4966-8072-B21A56A4918B}" destId="{E5E6FF57-6FA6-4661-AAD3-87E6D845946B}" srcOrd="11" destOrd="0" parTransId="{DE348DC0-4623-45B7-A80E-6413253681C9}" sibTransId="{590706D2-961F-408F-9FE4-B523DE8213A7}"/>
+    <dgm:cxn modelId="{4579C556-D06A-4446-BB3A-95F1F862FBA0}" type="presOf" srcId="{A8A6DB08-8DFE-4A9B-9BC2-078BA8E213F2}" destId="{22F730DD-272A-453C-AF8B-B79F9A87020F}" srcOrd="0" destOrd="0" presId="urn:microsoft.com/office/officeart/2005/8/layout/default"/>
+    <dgm:cxn modelId="{70D77D7E-E773-4C33-9150-2E0FE80F3182}" srcId="{5783B1A7-7C3E-4966-8072-B21A56A4918B}" destId="{8422E0F9-D4E2-4C99-96FE-43C9735635C1}" srcOrd="10" destOrd="0" parTransId="{3BFC1742-97A5-4A86-A5B4-F23B7ACE2BAD}" sibTransId="{45AB8B4E-1342-44D5-BA7C-23B2C9C016E1}"/>
+    <dgm:cxn modelId="{848B879B-F95F-4028-8B92-B314A5E46494}" type="presOf" srcId="{C8CF37A4-89FA-4E13-AE69-DBA79014E9A3}" destId="{377F5E02-2811-4BB9-9D79-B44A41AEA14C}" srcOrd="0" destOrd="0" presId="urn:microsoft.com/office/officeart/2005/8/layout/default"/>
     <dgm:cxn modelId="{A3E468AD-9E66-46E1-878E-6EF6681E2A62}" srcId="{5783B1A7-7C3E-4966-8072-B21A56A4918B}" destId="{5DBFE331-E2D0-44A4-8166-9002C13D85CE}" srcOrd="6" destOrd="0" parTransId="{D7145447-8B20-43B6-AD92-682E17D10CDA}" sibTransId="{CEE5404D-6FAD-42A9-8624-E94DFF4FA4CF}"/>
     <dgm:cxn modelId="{C768B4B7-F48B-434B-BE7C-AB2FB6490BDD}" srcId="{5783B1A7-7C3E-4966-8072-B21A56A4918B}" destId="{A903EAAD-DC4D-41BB-9194-075C8CCCC7B3}" srcOrd="1" destOrd="0" parTransId="{6075E822-460F-486D-BC41-17695D308D3A}" sibTransId="{379157BB-7A9D-4F7A-BF00-41BBF32A91E8}"/>
-    <dgm:cxn modelId="{947035B8-B466-4CD8-A93F-198CCC996946}" type="presOf" srcId="{D83E6E32-D2F3-40B6-980F-2305EE95E231}" destId="{5D0F8A23-E1DE-49AD-B216-BAB0179E89B9}" srcOrd="0" destOrd="0" presId="urn:microsoft.com/office/officeart/2005/8/layout/default"/>
-    <dgm:cxn modelId="{2C9D3DBC-115E-47AF-9A11-0CA49C05E126}" type="presOf" srcId="{ABAF3EE1-36D9-49DF-A8BB-280F26938C19}" destId="{17F1B36B-1E0D-4A87-BE88-DCC4B4A54789}" srcOrd="0" destOrd="0" presId="urn:microsoft.com/office/officeart/2005/8/layout/default"/>
-    <dgm:cxn modelId="{845CBCC4-1F92-45E0-B625-1857F4B70595}" type="presOf" srcId="{CB4B8CF6-3D23-42DD-AE4E-0AEA9A5DB8B3}" destId="{E713AF10-DAC9-42CA-9D31-F3B0D4E8A4E5}" srcOrd="0" destOrd="0" presId="urn:microsoft.com/office/officeart/2005/8/layout/default"/>
-    <dgm:cxn modelId="{C2AFDFC4-5B88-4AA6-9A14-220AE7D8C888}" type="presOf" srcId="{A7B8DB72-32D3-47C7-9D05-E6A9A8F9949F}" destId="{1155F733-54F9-4A1D-A04B-12E2BF57A76C}" srcOrd="0" destOrd="0" presId="urn:microsoft.com/office/officeart/2005/8/layout/default"/>
-    <dgm:cxn modelId="{52B464E2-F5B6-4CB6-8FEC-EDE4FEBFA2F9}" type="presOf" srcId="{C8CF37A4-89FA-4E13-AE69-DBA79014E9A3}" destId="{3AB29765-0441-4720-BAD3-164ACDF7DAD6}" srcOrd="0" destOrd="0" presId="urn:microsoft.com/office/officeart/2005/8/layout/default"/>
+    <dgm:cxn modelId="{951073BB-53F6-45EC-905F-4E9F3540F79F}" type="presOf" srcId="{CB4B8CF6-3D23-42DD-AE4E-0AEA9A5DB8B3}" destId="{022D5A29-0F74-4F38-9D8B-339BE06FE8CD}" srcOrd="0" destOrd="0" presId="urn:microsoft.com/office/officeart/2005/8/layout/default"/>
+    <dgm:cxn modelId="{DF0345DE-5ACD-4D41-90B9-45A90B0A9815}" type="presOf" srcId="{8422E0F9-D4E2-4C99-96FE-43C9735635C1}" destId="{9832C323-30DE-4B78-A17E-0D1BE3D3539F}" srcOrd="0" destOrd="0" presId="urn:microsoft.com/office/officeart/2005/8/layout/default"/>
     <dgm:cxn modelId="{E885E0E9-93E2-453E-8245-8128B92ED5DF}" srcId="{5783B1A7-7C3E-4966-8072-B21A56A4918B}" destId="{D83E6E32-D2F3-40B6-980F-2305EE95E231}" srcOrd="0" destOrd="0" parTransId="{091CC53F-B056-4A9A-9B2C-FB7771EE2067}" sibTransId="{FF73C89F-43B4-4D2A-B9CF-2ED987A7247A}"/>
     <dgm:cxn modelId="{B82CDCEA-B268-4745-9DD4-C3B24BAC0140}" srcId="{5783B1A7-7C3E-4966-8072-B21A56A4918B}" destId="{CB4B8CF6-3D23-42DD-AE4E-0AEA9A5DB8B3}" srcOrd="4" destOrd="0" parTransId="{BEFE2428-1A99-4BF2-AD4C-3D2393D6185F}" sibTransId="{89F4CD2D-51BC-45DF-88CA-38A25C23F699}"/>
-    <dgm:cxn modelId="{2DA75FF3-C3E6-4D88-B137-10123E9C279A}" type="presOf" srcId="{A8A6DB08-8DFE-4A9B-9BC2-078BA8E213F2}" destId="{E5F26795-37FA-4F02-98B3-769A0AC39830}" srcOrd="0" destOrd="0" presId="urn:microsoft.com/office/officeart/2005/8/layout/default"/>
-    <dgm:cxn modelId="{7A6CA5F4-5A9A-4503-AB30-012220108788}" type="presOf" srcId="{5DBFE331-E2D0-44A4-8166-9002C13D85CE}" destId="{A7E92FAD-D4CD-435D-AAFF-C29BA24A454D}" srcOrd="0" destOrd="0" presId="urn:microsoft.com/office/officeart/2005/8/layout/default"/>
+    <dgm:cxn modelId="{D61072F4-228D-4136-9283-794479285E23}" type="presOf" srcId="{D83E6E32-D2F3-40B6-980F-2305EE95E231}" destId="{920DF7B3-3FD2-46C4-8DBD-D636CEA86A52}" srcOrd="0" destOrd="0" presId="urn:microsoft.com/office/officeart/2005/8/layout/default"/>
     <dgm:cxn modelId="{177605F7-1937-4ADD-B735-A5B9745F0770}" srcId="{5783B1A7-7C3E-4966-8072-B21A56A4918B}" destId="{ABAF3EE1-36D9-49DF-A8BB-280F26938C19}" srcOrd="2" destOrd="0" parTransId="{513EA539-66FB-4B1A-B4F9-F9D70E698A38}" sibTransId="{27D8A8D7-DA7C-4313-8B75-C977BAED63B7}"/>
-    <dgm:cxn modelId="{DF3B51FC-219E-4B35-B191-2EB4DFB7E008}" type="presOf" srcId="{8422E0F9-D4E2-4C99-96FE-43C9735635C1}" destId="{EEE83CCC-FDFB-4845-B74F-F5F33B085677}" srcOrd="0" destOrd="0" presId="urn:microsoft.com/office/officeart/2005/8/layout/default"/>
-    <dgm:cxn modelId="{6B4BA3B0-96F6-48A3-B7BD-693EDCB1BECE}" type="presParOf" srcId="{470DDF54-8023-4795-AFCB-B2270B71986E}" destId="{5D0F8A23-E1DE-49AD-B216-BAB0179E89B9}" srcOrd="0" destOrd="0" presId="urn:microsoft.com/office/officeart/2005/8/layout/default"/>
-    <dgm:cxn modelId="{871414FD-2312-4A22-8B67-5373AF5CC3E4}" type="presParOf" srcId="{470DDF54-8023-4795-AFCB-B2270B71986E}" destId="{3B66966C-CDDE-47AA-857F-F0F36968FB2C}" srcOrd="1" destOrd="0" presId="urn:microsoft.com/office/officeart/2005/8/layout/default"/>
-    <dgm:cxn modelId="{1098B189-5B6C-49CD-BFB0-B7913344B321}" type="presParOf" srcId="{470DDF54-8023-4795-AFCB-B2270B71986E}" destId="{7E5BE827-2852-4E96-B635-A300C17DF1F2}" srcOrd="2" destOrd="0" presId="urn:microsoft.com/office/officeart/2005/8/layout/default"/>
-    <dgm:cxn modelId="{5D93B4D9-B78B-49BA-8E01-7558DCFB57B0}" type="presParOf" srcId="{470DDF54-8023-4795-AFCB-B2270B71986E}" destId="{664FE814-B1BA-4BCD-899E-00730EEAD0DD}" srcOrd="3" destOrd="0" presId="urn:microsoft.com/office/officeart/2005/8/layout/default"/>
-    <dgm:cxn modelId="{24BE29CE-E872-4845-8DB3-A8F7E487FE91}" type="presParOf" srcId="{470DDF54-8023-4795-AFCB-B2270B71986E}" destId="{17F1B36B-1E0D-4A87-BE88-DCC4B4A54789}" srcOrd="4" destOrd="0" presId="urn:microsoft.com/office/officeart/2005/8/layout/default"/>
-    <dgm:cxn modelId="{2E89F738-547D-4A4E-B4BB-939B05BE8771}" type="presParOf" srcId="{470DDF54-8023-4795-AFCB-B2270B71986E}" destId="{93DE7293-5397-498F-BCAB-1F3F83AC2F29}" srcOrd="5" destOrd="0" presId="urn:microsoft.com/office/officeart/2005/8/layout/default"/>
-    <dgm:cxn modelId="{453FDEE5-CCA4-4DED-AC53-46ADF3A3C2F9}" type="presParOf" srcId="{470DDF54-8023-4795-AFCB-B2270B71986E}" destId="{F611ABD2-3D71-4660-9BF3-3B08BF497D9E}" srcOrd="6" destOrd="0" presId="urn:microsoft.com/office/officeart/2005/8/layout/default"/>
-    <dgm:cxn modelId="{4FCE872B-DF05-46B4-AFFD-50BFB4056A3D}" type="presParOf" srcId="{470DDF54-8023-4795-AFCB-B2270B71986E}" destId="{90CF96BB-9FAB-4C96-8BDC-F948AC4DF018}" srcOrd="7" destOrd="0" presId="urn:microsoft.com/office/officeart/2005/8/layout/default"/>
-    <dgm:cxn modelId="{A6FEF42A-E886-4151-8C28-341014743ECF}" type="presParOf" srcId="{470DDF54-8023-4795-AFCB-B2270B71986E}" destId="{E713AF10-DAC9-42CA-9D31-F3B0D4E8A4E5}" srcOrd="8" destOrd="0" presId="urn:microsoft.com/office/officeart/2005/8/layout/default"/>
-    <dgm:cxn modelId="{C78845BB-94F5-4B9C-9AD2-DCCF5288722A}" type="presParOf" srcId="{470DDF54-8023-4795-AFCB-B2270B71986E}" destId="{CA022127-D9F1-4FB7-887A-CDB206882E3A}" srcOrd="9" destOrd="0" presId="urn:microsoft.com/office/officeart/2005/8/layout/default"/>
-    <dgm:cxn modelId="{13B7BF64-DC7F-465E-9AAF-109042108C10}" type="presParOf" srcId="{470DDF54-8023-4795-AFCB-B2270B71986E}" destId="{1155F733-54F9-4A1D-A04B-12E2BF57A76C}" srcOrd="10" destOrd="0" presId="urn:microsoft.com/office/officeart/2005/8/layout/default"/>
-    <dgm:cxn modelId="{78DEB906-C8C4-4A50-8457-7C0B0C19EF34}" type="presParOf" srcId="{470DDF54-8023-4795-AFCB-B2270B71986E}" destId="{D09CA63E-2BF0-46F3-BED6-3FE812D6B699}" srcOrd="11" destOrd="0" presId="urn:microsoft.com/office/officeart/2005/8/layout/default"/>
-    <dgm:cxn modelId="{CEDC837F-B43A-4C9D-B9D4-43C9EFAC9515}" type="presParOf" srcId="{470DDF54-8023-4795-AFCB-B2270B71986E}" destId="{A7E92FAD-D4CD-435D-AAFF-C29BA24A454D}" srcOrd="12" destOrd="0" presId="urn:microsoft.com/office/officeart/2005/8/layout/default"/>
-    <dgm:cxn modelId="{3E401AC3-5131-408E-9B2B-F647D58BE14B}" type="presParOf" srcId="{470DDF54-8023-4795-AFCB-B2270B71986E}" destId="{67A58CF8-14CA-4446-BF9D-CCC59AE45F5C}" srcOrd="13" destOrd="0" presId="urn:microsoft.com/office/officeart/2005/8/layout/default"/>
-    <dgm:cxn modelId="{B8889816-A600-4DD2-A7C6-731AB7C83EE2}" type="presParOf" srcId="{470DDF54-8023-4795-AFCB-B2270B71986E}" destId="{820BC05F-9DF7-4E81-A597-2313A83E4E5C}" srcOrd="14" destOrd="0" presId="urn:microsoft.com/office/officeart/2005/8/layout/default"/>
-    <dgm:cxn modelId="{58573274-50B2-4A5F-BF86-0ED1EDA40562}" type="presParOf" srcId="{470DDF54-8023-4795-AFCB-B2270B71986E}" destId="{AA17DEEA-944F-40E5-963D-40D6DDC2BCB9}" srcOrd="15" destOrd="0" presId="urn:microsoft.com/office/officeart/2005/8/layout/default"/>
-    <dgm:cxn modelId="{9640E7FF-15E1-4C2E-B251-512365AC6E62}" type="presParOf" srcId="{470DDF54-8023-4795-AFCB-B2270B71986E}" destId="{48E5E647-A2DB-4EA6-81E7-C07F5B6C1798}" srcOrd="16" destOrd="0" presId="urn:microsoft.com/office/officeart/2005/8/layout/default"/>
-    <dgm:cxn modelId="{9E701D87-B7E6-4CDA-B48E-50E29BA15930}" type="presParOf" srcId="{470DDF54-8023-4795-AFCB-B2270B71986E}" destId="{3746A91D-3286-45F6-A7A7-AFE3A0398DD8}" srcOrd="17" destOrd="0" presId="urn:microsoft.com/office/officeart/2005/8/layout/default"/>
-    <dgm:cxn modelId="{4B51749D-FA28-4C72-9BE6-669C8302E5A5}" type="presParOf" srcId="{470DDF54-8023-4795-AFCB-B2270B71986E}" destId="{3AB29765-0441-4720-BAD3-164ACDF7DAD6}" srcOrd="18" destOrd="0" presId="urn:microsoft.com/office/officeart/2005/8/layout/default"/>
-    <dgm:cxn modelId="{4868BF92-64BB-432B-954F-62C04FECF679}" type="presParOf" srcId="{470DDF54-8023-4795-AFCB-B2270B71986E}" destId="{7FC9C750-FD56-40C8-A633-98E534C01448}" srcOrd="19" destOrd="0" presId="urn:microsoft.com/office/officeart/2005/8/layout/default"/>
-    <dgm:cxn modelId="{2CA17200-C48C-43F4-8A30-262EE160012B}" type="presParOf" srcId="{470DDF54-8023-4795-AFCB-B2270B71986E}" destId="{E5F26795-37FA-4F02-98B3-769A0AC39830}" srcOrd="20" destOrd="0" presId="urn:microsoft.com/office/officeart/2005/8/layout/default"/>
-    <dgm:cxn modelId="{F2D17877-D661-4D17-A7ED-4565136B0F4F}" type="presParOf" srcId="{470DDF54-8023-4795-AFCB-B2270B71986E}" destId="{AEF281E2-858A-45BC-A554-884DF266E6CE}" srcOrd="21" destOrd="0" presId="urn:microsoft.com/office/officeart/2005/8/layout/default"/>
-    <dgm:cxn modelId="{68A798BF-C865-42EA-AEE2-B105A9CB7F96}" type="presParOf" srcId="{470DDF54-8023-4795-AFCB-B2270B71986E}" destId="{EEE83CCC-FDFB-4845-B74F-F5F33B085677}" srcOrd="22" destOrd="0" presId="urn:microsoft.com/office/officeart/2005/8/layout/default"/>
-    <dgm:cxn modelId="{4F587E2C-10DC-4E2A-989D-C40A00DF0119}" type="presParOf" srcId="{470DDF54-8023-4795-AFCB-B2270B71986E}" destId="{474625A7-6E69-4766-A9AC-9A068B0C3C37}" srcOrd="23" destOrd="0" presId="urn:microsoft.com/office/officeart/2005/8/layout/default"/>
-    <dgm:cxn modelId="{441C1634-2B1F-4B66-84DC-C70B8A908C31}" type="presParOf" srcId="{470DDF54-8023-4795-AFCB-B2270B71986E}" destId="{4B5391F2-890B-4012-8A72-AFA0D3847CDE}" srcOrd="24" destOrd="0" presId="urn:microsoft.com/office/officeart/2005/8/layout/default"/>
+    <dgm:cxn modelId="{1E6BE9FB-098B-4DB3-AB38-58078BF3D5EA}" type="presOf" srcId="{5DBFE331-E2D0-44A4-8166-9002C13D85CE}" destId="{63FA5490-82D2-4C60-937D-F5404AB30074}" srcOrd="0" destOrd="0" presId="urn:microsoft.com/office/officeart/2005/8/layout/default"/>
+    <dgm:cxn modelId="{56468DFE-6921-4BE6-80F7-D34E9080BDF2}" type="presOf" srcId="{A903EAAD-DC4D-41BB-9194-075C8CCCC7B3}" destId="{25C8FB64-129D-4009-BACA-3271ADD63FE2}" srcOrd="0" destOrd="0" presId="urn:microsoft.com/office/officeart/2005/8/layout/default"/>
+    <dgm:cxn modelId="{1671AD23-D68F-4534-8C0B-B189B0BC47A7}" type="presParOf" srcId="{42B7645F-F03B-4EAB-B449-10F94239458C}" destId="{920DF7B3-3FD2-46C4-8DBD-D636CEA86A52}" srcOrd="0" destOrd="0" presId="urn:microsoft.com/office/officeart/2005/8/layout/default"/>
+    <dgm:cxn modelId="{72F21EA1-C2FA-4100-BF55-CA32014E4611}" type="presParOf" srcId="{42B7645F-F03B-4EAB-B449-10F94239458C}" destId="{6B531FDC-FB09-4A0E-A0CA-0F673E970F6C}" srcOrd="1" destOrd="0" presId="urn:microsoft.com/office/officeart/2005/8/layout/default"/>
+    <dgm:cxn modelId="{82004A75-D45D-422E-9562-080D1740CD41}" type="presParOf" srcId="{42B7645F-F03B-4EAB-B449-10F94239458C}" destId="{25C8FB64-129D-4009-BACA-3271ADD63FE2}" srcOrd="2" destOrd="0" presId="urn:microsoft.com/office/officeart/2005/8/layout/default"/>
+    <dgm:cxn modelId="{6302DE4E-8DF3-42C9-AF48-46156699EE97}" type="presParOf" srcId="{42B7645F-F03B-4EAB-B449-10F94239458C}" destId="{57F4C432-985A-4AC6-9A55-7AF509391080}" srcOrd="3" destOrd="0" presId="urn:microsoft.com/office/officeart/2005/8/layout/default"/>
+    <dgm:cxn modelId="{BFFCFD8D-31A1-4EBE-8F24-B8DE1D108F39}" type="presParOf" srcId="{42B7645F-F03B-4EAB-B449-10F94239458C}" destId="{F7159F3D-69D7-4276-A1C8-6380AE0A4ECA}" srcOrd="4" destOrd="0" presId="urn:microsoft.com/office/officeart/2005/8/layout/default"/>
+    <dgm:cxn modelId="{28E631FE-E2D9-4EEC-940C-E037B4AB4397}" type="presParOf" srcId="{42B7645F-F03B-4EAB-B449-10F94239458C}" destId="{B4A8DC19-8695-40ED-88F8-5F085AC4EB51}" srcOrd="5" destOrd="0" presId="urn:microsoft.com/office/officeart/2005/8/layout/default"/>
+    <dgm:cxn modelId="{AB671424-8CEB-43D6-AB43-F67E42BC15D0}" type="presParOf" srcId="{42B7645F-F03B-4EAB-B449-10F94239458C}" destId="{8E104505-4DCA-41C3-B460-A95CD3FA2A5C}" srcOrd="6" destOrd="0" presId="urn:microsoft.com/office/officeart/2005/8/layout/default"/>
+    <dgm:cxn modelId="{48935472-A714-4A25-854C-2D4EC19AA53B}" type="presParOf" srcId="{42B7645F-F03B-4EAB-B449-10F94239458C}" destId="{E0E03AB6-6810-46AB-9380-C5BEC228C9BD}" srcOrd="7" destOrd="0" presId="urn:microsoft.com/office/officeart/2005/8/layout/default"/>
+    <dgm:cxn modelId="{A8158842-9ADE-4BA9-817C-33BE030AB4F8}" type="presParOf" srcId="{42B7645F-F03B-4EAB-B449-10F94239458C}" destId="{022D5A29-0F74-4F38-9D8B-339BE06FE8CD}" srcOrd="8" destOrd="0" presId="urn:microsoft.com/office/officeart/2005/8/layout/default"/>
+    <dgm:cxn modelId="{7FC6C5B9-06DD-4203-83EF-0D78FFABAB8D}" type="presParOf" srcId="{42B7645F-F03B-4EAB-B449-10F94239458C}" destId="{F61DC6E8-FCB4-4A53-805C-88EB5101F80B}" srcOrd="9" destOrd="0" presId="urn:microsoft.com/office/officeart/2005/8/layout/default"/>
+    <dgm:cxn modelId="{5C59D9B8-2BE7-4F5F-84B9-916AA44CD80F}" type="presParOf" srcId="{42B7645F-F03B-4EAB-B449-10F94239458C}" destId="{AFE93984-53F6-4BB0-BCCF-FDEC334170E0}" srcOrd="10" destOrd="0" presId="urn:microsoft.com/office/officeart/2005/8/layout/default"/>
+    <dgm:cxn modelId="{B4250640-2D2F-4B18-95A4-AF8D77728501}" type="presParOf" srcId="{42B7645F-F03B-4EAB-B449-10F94239458C}" destId="{78C92204-AB8F-4172-92E4-3B82CCA7BBE0}" srcOrd="11" destOrd="0" presId="urn:microsoft.com/office/officeart/2005/8/layout/default"/>
+    <dgm:cxn modelId="{4F87EF39-615E-470A-9424-64F1D2179687}" type="presParOf" srcId="{42B7645F-F03B-4EAB-B449-10F94239458C}" destId="{63FA5490-82D2-4C60-937D-F5404AB30074}" srcOrd="12" destOrd="0" presId="urn:microsoft.com/office/officeart/2005/8/layout/default"/>
+    <dgm:cxn modelId="{0EDF3C41-E3A0-4018-95AA-137204C0DF6C}" type="presParOf" srcId="{42B7645F-F03B-4EAB-B449-10F94239458C}" destId="{195D99E5-6C93-45AD-974E-227789E399E6}" srcOrd="13" destOrd="0" presId="urn:microsoft.com/office/officeart/2005/8/layout/default"/>
+    <dgm:cxn modelId="{831A6214-4DD3-441E-A3A3-AE792177B2D5}" type="presParOf" srcId="{42B7645F-F03B-4EAB-B449-10F94239458C}" destId="{9741F251-7D7D-42AF-9313-DC74E5328005}" srcOrd="14" destOrd="0" presId="urn:microsoft.com/office/officeart/2005/8/layout/default"/>
+    <dgm:cxn modelId="{1D9DB4DB-E1AD-49D6-960C-8B18BDD206DB}" type="presParOf" srcId="{42B7645F-F03B-4EAB-B449-10F94239458C}" destId="{1C130371-CBF8-45C4-A836-25F77BF73A6C}" srcOrd="15" destOrd="0" presId="urn:microsoft.com/office/officeart/2005/8/layout/default"/>
+    <dgm:cxn modelId="{2BFBD0AC-C582-47B0-80F7-249002773010}" type="presParOf" srcId="{42B7645F-F03B-4EAB-B449-10F94239458C}" destId="{377F5E02-2811-4BB9-9D79-B44A41AEA14C}" srcOrd="16" destOrd="0" presId="urn:microsoft.com/office/officeart/2005/8/layout/default"/>
+    <dgm:cxn modelId="{46649DCD-2B94-4C0C-B349-080B61441FFF}" type="presParOf" srcId="{42B7645F-F03B-4EAB-B449-10F94239458C}" destId="{A8EEB64F-A58F-457A-AE8E-67AB0A296859}" srcOrd="17" destOrd="0" presId="urn:microsoft.com/office/officeart/2005/8/layout/default"/>
+    <dgm:cxn modelId="{66BCC3CC-F264-4179-9382-A40781D107F2}" type="presParOf" srcId="{42B7645F-F03B-4EAB-B449-10F94239458C}" destId="{22F730DD-272A-453C-AF8B-B79F9A87020F}" srcOrd="18" destOrd="0" presId="urn:microsoft.com/office/officeart/2005/8/layout/default"/>
+    <dgm:cxn modelId="{2FD4B3F2-3529-41C2-B796-0C5C17F834B5}" type="presParOf" srcId="{42B7645F-F03B-4EAB-B449-10F94239458C}" destId="{069B02BD-CB95-4615-A67C-0F40A4BA2225}" srcOrd="19" destOrd="0" presId="urn:microsoft.com/office/officeart/2005/8/layout/default"/>
+    <dgm:cxn modelId="{D66C435F-B3B3-49C6-A9F1-0425736185B7}" type="presParOf" srcId="{42B7645F-F03B-4EAB-B449-10F94239458C}" destId="{9832C323-30DE-4B78-A17E-0D1BE3D3539F}" srcOrd="20" destOrd="0" presId="urn:microsoft.com/office/officeart/2005/8/layout/default"/>
+    <dgm:cxn modelId="{E232F79B-C353-4818-9A8C-F1728557A64B}" type="presParOf" srcId="{42B7645F-F03B-4EAB-B449-10F94239458C}" destId="{9C055717-801A-446C-9FD3-1FDFB80CDB6A}" srcOrd="21" destOrd="0" presId="urn:microsoft.com/office/officeart/2005/8/layout/default"/>
+    <dgm:cxn modelId="{E3EC541C-1D30-413C-97C6-B5A5E4E3E0D7}" type="presParOf" srcId="{42B7645F-F03B-4EAB-B449-10F94239458C}" destId="{799BCA74-88C5-465E-8FFE-02CD5283601F}" srcOrd="22" destOrd="0" presId="urn:microsoft.com/office/officeart/2005/8/layout/default"/>
   </dgm:cxnLst>
   <dgm:bg/>
   <dgm:whole/>
@@ -1752,21 +2693,21 @@
       <dsp:cNvGrpSpPr/>
     </dsp:nvGrpSpPr>
     <dsp:grpSpPr/>
-    <dsp:sp modelId="{5D0F8A23-E1DE-49AD-B216-BAB0179E89B9}">
+    <dsp:sp modelId="{125E1075-2B24-4BC6-9C98-EE542F4AA565}">
       <dsp:nvSpPr>
         <dsp:cNvPr id="0" name=""/>
         <dsp:cNvSpPr/>
       </dsp:nvSpPr>
       <dsp:spPr>
         <a:xfrm>
-          <a:off x="486363" y="1164"/>
-          <a:ext cx="1843537" cy="1106122"/>
+          <a:off x="0" y="263753"/>
+          <a:ext cx="6263640" cy="935415"/>
         </a:xfrm>
-        <a:prstGeom prst="rect">
+        <a:prstGeom prst="roundRect">
           <a:avLst/>
         </a:prstGeom>
         <a:solidFill>
-          <a:schemeClr val="accent2">
+          <a:schemeClr val="accent5">
             <a:hueOff val="0"/>
             <a:satOff val="0"/>
             <a:lumOff val="0"/>
@@ -1802,12 +2743,12 @@
         </a:fontRef>
       </dsp:style>
       <dsp:txBody>
-        <a:bodyPr spcFirstLastPara="0" vert="horz" wrap="square" lIns="53340" tIns="53340" rIns="53340" bIns="53340" numCol="1" spcCol="1270" anchor="ctr" anchorCtr="0">
+        <a:bodyPr spcFirstLastPara="0" vert="horz" wrap="square" lIns="148590" tIns="148590" rIns="148590" bIns="148590" numCol="1" spcCol="1270" anchor="ctr" anchorCtr="0">
           <a:noAutofit/>
         </a:bodyPr>
         <a:lstStyle/>
         <a:p>
-          <a:pPr marL="0" lvl="0" indent="0" algn="ctr" defTabSz="622300">
+          <a:pPr marL="0" lvl="0" indent="0" algn="l" defTabSz="1733550">
             <a:lnSpc>
               <a:spcPct val="90000"/>
             </a:lnSpc>
@@ -1820,34 +2761,148 @@
             <a:buNone/>
           </a:pPr>
           <a:r>
-            <a:rPr lang="en-US" sz="1400" kern="1200" dirty="0"/>
-            <a:t>1.  Remove punctuations / Remove special characters</a:t>
+            <a:rPr lang="en-US" sz="3900" kern="1200"/>
+            <a:t>Data columns </a:t>
           </a:r>
         </a:p>
       </dsp:txBody>
       <dsp:txXfrm>
-        <a:off x="486363" y="1164"/>
-        <a:ext cx="1843537" cy="1106122"/>
+        <a:off x="45663" y="309416"/>
+        <a:ext cx="6172314" cy="844089"/>
       </dsp:txXfrm>
     </dsp:sp>
-    <dsp:sp modelId="{7E5BE827-2852-4E96-B635-A300C17DF1F2}">
+    <dsp:sp modelId="{12A88BD9-089C-4A68-8F4A-3E280BDDB9F2}">
       <dsp:nvSpPr>
         <dsp:cNvPr id="0" name=""/>
         <dsp:cNvSpPr/>
       </dsp:nvSpPr>
       <dsp:spPr>
         <a:xfrm>
-          <a:off x="2514254" y="1164"/>
-          <a:ext cx="1843537" cy="1106122"/>
+          <a:off x="0" y="1199168"/>
+          <a:ext cx="6263640" cy="2058615"/>
         </a:xfrm>
         <a:prstGeom prst="rect">
           <a:avLst/>
         </a:prstGeom>
+        <a:noFill/>
+        <a:ln>
+          <a:noFill/>
+        </a:ln>
+        <a:effectLst/>
+      </dsp:spPr>
+      <dsp:style>
+        <a:lnRef idx="0">
+          <a:scrgbClr r="0" g="0" b="0"/>
+        </a:lnRef>
+        <a:fillRef idx="0">
+          <a:scrgbClr r="0" g="0" b="0"/>
+        </a:fillRef>
+        <a:effectRef idx="0">
+          <a:scrgbClr r="0" g="0" b="0"/>
+        </a:effectRef>
+        <a:fontRef idx="minor"/>
+      </dsp:style>
+      <dsp:txBody>
+        <a:bodyPr spcFirstLastPara="0" vert="horz" wrap="square" lIns="198871" tIns="49530" rIns="277368" bIns="49530" numCol="1" spcCol="1270" anchor="t" anchorCtr="0">
+          <a:noAutofit/>
+        </a:bodyPr>
+        <a:lstStyle/>
+        <a:p>
+          <a:pPr marL="285750" lvl="1" indent="-285750" algn="l" defTabSz="1333500">
+            <a:lnSpc>
+              <a:spcPct val="90000"/>
+            </a:lnSpc>
+            <a:spcBef>
+              <a:spcPct val="0"/>
+            </a:spcBef>
+            <a:spcAft>
+              <a:spcPct val="20000"/>
+            </a:spcAft>
+            <a:buChar char="•"/>
+          </a:pPr>
+          <a:r>
+            <a:rPr lang="en-US" sz="3000" kern="1200"/>
+            <a:t>textID = A unique number</a:t>
+          </a:r>
+        </a:p>
+        <a:p>
+          <a:pPr marL="285750" lvl="1" indent="-285750" algn="l" defTabSz="1333500">
+            <a:lnSpc>
+              <a:spcPct val="90000"/>
+            </a:lnSpc>
+            <a:spcBef>
+              <a:spcPct val="0"/>
+            </a:spcBef>
+            <a:spcAft>
+              <a:spcPct val="20000"/>
+            </a:spcAft>
+            <a:buChar char="•"/>
+          </a:pPr>
+          <a:r>
+            <a:rPr lang="en-US" sz="3000" kern="1200"/>
+            <a:t>text = Tweet</a:t>
+          </a:r>
+        </a:p>
+        <a:p>
+          <a:pPr marL="285750" lvl="1" indent="-285750" algn="l" defTabSz="1333500">
+            <a:lnSpc>
+              <a:spcPct val="90000"/>
+            </a:lnSpc>
+            <a:spcBef>
+              <a:spcPct val="0"/>
+            </a:spcBef>
+            <a:spcAft>
+              <a:spcPct val="20000"/>
+            </a:spcAft>
+            <a:buChar char="•"/>
+          </a:pPr>
+          <a:r>
+            <a:rPr lang="en-US" sz="3000" kern="1200"/>
+            <a:t>selected_text  </a:t>
+          </a:r>
+        </a:p>
+        <a:p>
+          <a:pPr marL="285750" lvl="1" indent="-285750" algn="l" defTabSz="1333500">
+            <a:lnSpc>
+              <a:spcPct val="90000"/>
+            </a:lnSpc>
+            <a:spcBef>
+              <a:spcPct val="0"/>
+            </a:spcBef>
+            <a:spcAft>
+              <a:spcPct val="20000"/>
+            </a:spcAft>
+            <a:buChar char="•"/>
+          </a:pPr>
+          <a:r>
+            <a:rPr lang="en-US" sz="3000" kern="1200" dirty="0"/>
+            <a:t>Sentiment =  Target Class</a:t>
+          </a:r>
+        </a:p>
+      </dsp:txBody>
+      <dsp:txXfrm>
+        <a:off x="0" y="1199168"/>
+        <a:ext cx="6263640" cy="2058615"/>
+      </dsp:txXfrm>
+    </dsp:sp>
+    <dsp:sp modelId="{134C355A-EA64-4281-8812-680D7093C178}">
+      <dsp:nvSpPr>
+        <dsp:cNvPr id="0" name=""/>
+        <dsp:cNvSpPr/>
+      </dsp:nvSpPr>
+      <dsp:spPr>
+        <a:xfrm>
+          <a:off x="0" y="3257784"/>
+          <a:ext cx="6263640" cy="935415"/>
+        </a:xfrm>
+        <a:prstGeom prst="roundRect">
+          <a:avLst/>
+        </a:prstGeom>
         <a:solidFill>
-          <a:schemeClr val="accent3">
-            <a:hueOff val="0"/>
-            <a:satOff val="0"/>
-            <a:lumOff val="0"/>
+          <a:schemeClr val="accent5">
+            <a:hueOff val="-3379271"/>
+            <a:satOff val="-8710"/>
+            <a:lumOff val="-5883"/>
             <a:alphaOff val="0"/>
           </a:schemeClr>
         </a:solidFill>
@@ -1880,12 +2935,12 @@
         </a:fontRef>
       </dsp:style>
       <dsp:txBody>
-        <a:bodyPr spcFirstLastPara="0" vert="horz" wrap="square" lIns="53340" tIns="53340" rIns="53340" bIns="53340" numCol="1" spcCol="1270" anchor="ctr" anchorCtr="0">
+        <a:bodyPr spcFirstLastPara="0" vert="horz" wrap="square" lIns="148590" tIns="148590" rIns="148590" bIns="148590" numCol="1" spcCol="1270" anchor="ctr" anchorCtr="0">
           <a:noAutofit/>
         </a:bodyPr>
         <a:lstStyle/>
         <a:p>
-          <a:pPr marL="0" lvl="0" indent="0" algn="ctr" defTabSz="622300">
+          <a:pPr marL="0" lvl="0" indent="0" algn="l" defTabSz="1733550">
             <a:lnSpc>
               <a:spcPct val="90000"/>
             </a:lnSpc>
@@ -1898,34 +2953,34 @@
             <a:buNone/>
           </a:pPr>
           <a:r>
-            <a:rPr lang="en-US" sz="1400" kern="1200" dirty="0"/>
-            <a:t>2.  Remove URLs</a:t>
+            <a:rPr lang="en-US" sz="3900" kern="1200" dirty="0"/>
+            <a:t>Train consist of 27481 tweets</a:t>
           </a:r>
         </a:p>
       </dsp:txBody>
       <dsp:txXfrm>
-        <a:off x="2514254" y="1164"/>
-        <a:ext cx="1843537" cy="1106122"/>
+        <a:off x="45663" y="3303447"/>
+        <a:ext cx="6172314" cy="844089"/>
       </dsp:txXfrm>
     </dsp:sp>
-    <dsp:sp modelId="{17F1B36B-1E0D-4A87-BE88-DCC4B4A54789}">
+    <dsp:sp modelId="{85B24522-039B-4C79-AF80-FAEC8682B783}">
       <dsp:nvSpPr>
         <dsp:cNvPr id="0" name=""/>
         <dsp:cNvSpPr/>
       </dsp:nvSpPr>
       <dsp:spPr>
         <a:xfrm>
-          <a:off x="4542145" y="1164"/>
-          <a:ext cx="1843537" cy="1106122"/>
+          <a:off x="0" y="4305519"/>
+          <a:ext cx="6263640" cy="935415"/>
         </a:xfrm>
-        <a:prstGeom prst="rect">
+        <a:prstGeom prst="roundRect">
           <a:avLst/>
         </a:prstGeom>
         <a:solidFill>
-          <a:schemeClr val="accent4">
-            <a:hueOff val="0"/>
-            <a:satOff val="0"/>
-            <a:lumOff val="0"/>
+          <a:schemeClr val="accent5">
+            <a:hueOff val="-6758543"/>
+            <a:satOff val="-17419"/>
+            <a:lumOff val="-11765"/>
             <a:alphaOff val="0"/>
           </a:schemeClr>
         </a:solidFill>
@@ -1958,12 +3013,12 @@
         </a:fontRef>
       </dsp:style>
       <dsp:txBody>
-        <a:bodyPr spcFirstLastPara="0" vert="horz" wrap="square" lIns="53340" tIns="53340" rIns="53340" bIns="53340" numCol="1" spcCol="1270" anchor="ctr" anchorCtr="0">
+        <a:bodyPr spcFirstLastPara="0" vert="horz" wrap="square" lIns="148590" tIns="148590" rIns="148590" bIns="148590" numCol="1" spcCol="1270" anchor="ctr" anchorCtr="0">
           <a:noAutofit/>
         </a:bodyPr>
         <a:lstStyle/>
         <a:p>
-          <a:pPr marL="0" lvl="0" indent="0" algn="ctr" defTabSz="622300">
+          <a:pPr marL="0" lvl="0" indent="0" algn="l" defTabSz="1733550">
             <a:lnSpc>
               <a:spcPct val="90000"/>
             </a:lnSpc>
@@ -1976,25 +3031,37 @@
             <a:buNone/>
           </a:pPr>
           <a:r>
-            <a:rPr lang="en-US" sz="1400" kern="1200"/>
-            <a:t>3.  Remove HTML tags</a:t>
+            <a:rPr lang="en-US" sz="3900" kern="1200"/>
+            <a:t>Test consist of 3534 tweets</a:t>
           </a:r>
         </a:p>
       </dsp:txBody>
       <dsp:txXfrm>
-        <a:off x="4542145" y="1164"/>
-        <a:ext cx="1843537" cy="1106122"/>
+        <a:off x="45663" y="4351182"/>
+        <a:ext cx="6172314" cy="844089"/>
       </dsp:txXfrm>
     </dsp:sp>
-    <dsp:sp modelId="{F611ABD2-3D71-4660-9BF3-3B08BF497D9E}">
+  </dsp:spTree>
+</dsp:drawing>
+</file>
+
+<file path=ppt/diagrams/drawing2.xml><?xml version="1.0" encoding="utf-8"?>
+<dsp:drawing xmlns:dgm="http://schemas.openxmlformats.org/drawingml/2006/diagram" xmlns:dsp="http://schemas.microsoft.com/office/drawing/2008/diagram" xmlns:a="http://schemas.openxmlformats.org/drawingml/2006/main">
+  <dsp:spTree>
+    <dsp:nvGrpSpPr>
+      <dsp:cNvPr id="0" name=""/>
+      <dsp:cNvGrpSpPr/>
+    </dsp:nvGrpSpPr>
+    <dsp:grpSpPr/>
+    <dsp:sp modelId="{920DF7B3-3FD2-46C4-8DBD-D636CEA86A52}">
       <dsp:nvSpPr>
         <dsp:cNvPr id="0" name=""/>
         <dsp:cNvSpPr/>
       </dsp:nvSpPr>
       <dsp:spPr>
         <a:xfrm>
-          <a:off x="6570037" y="1164"/>
-          <a:ext cx="1843537" cy="1106122"/>
+          <a:off x="582645" y="1178"/>
+          <a:ext cx="2174490" cy="1304694"/>
         </a:xfrm>
         <a:prstGeom prst="rect">
           <a:avLst/>
@@ -2036,12 +3103,12 @@
         </a:fontRef>
       </dsp:style>
       <dsp:txBody>
-        <a:bodyPr spcFirstLastPara="0" vert="horz" wrap="square" lIns="53340" tIns="53340" rIns="53340" bIns="53340" numCol="1" spcCol="1270" anchor="ctr" anchorCtr="0">
+        <a:bodyPr spcFirstLastPara="0" vert="horz" wrap="square" lIns="60960" tIns="60960" rIns="60960" bIns="60960" numCol="1" spcCol="1270" anchor="ctr" anchorCtr="0">
           <a:noAutofit/>
         </a:bodyPr>
         <a:lstStyle/>
         <a:p>
-          <a:pPr marL="0" lvl="0" indent="0" algn="ctr" defTabSz="622300">
+          <a:pPr marL="0" lvl="0" indent="0" algn="ctr" defTabSz="711200">
             <a:lnSpc>
               <a:spcPct val="90000"/>
             </a:lnSpc>
@@ -2054,34 +3121,34 @@
             <a:buNone/>
           </a:pPr>
           <a:r>
-            <a:rPr lang="en-US" sz="1400" kern="1200"/>
-            <a:t>4.  Remove emoji</a:t>
+            <a:rPr lang="en-US" sz="1600" kern="1200" dirty="0"/>
+            <a:t>1.  Remove punctuations / Remove special characters</a:t>
           </a:r>
         </a:p>
       </dsp:txBody>
       <dsp:txXfrm>
-        <a:off x="6570037" y="1164"/>
-        <a:ext cx="1843537" cy="1106122"/>
+        <a:off x="582645" y="1178"/>
+        <a:ext cx="2174490" cy="1304694"/>
       </dsp:txXfrm>
     </dsp:sp>
-    <dsp:sp modelId="{E713AF10-DAC9-42CA-9D31-F3B0D4E8A4E5}">
+    <dsp:sp modelId="{25C8FB64-129D-4009-BACA-3271ADD63FE2}">
       <dsp:nvSpPr>
         <dsp:cNvPr id="0" name=""/>
         <dsp:cNvSpPr/>
       </dsp:nvSpPr>
       <dsp:spPr>
         <a:xfrm>
-          <a:off x="8597928" y="1164"/>
-          <a:ext cx="1843537" cy="1106122"/>
+          <a:off x="2974584" y="1178"/>
+          <a:ext cx="2174490" cy="1304694"/>
         </a:xfrm>
         <a:prstGeom prst="rect">
           <a:avLst/>
         </a:prstGeom>
         <a:solidFill>
-          <a:schemeClr val="accent6">
-            <a:hueOff val="0"/>
-            <a:satOff val="0"/>
-            <a:lumOff val="0"/>
+          <a:schemeClr val="accent5">
+            <a:hueOff val="-614413"/>
+            <a:satOff val="-1584"/>
+            <a:lumOff val="-1070"/>
             <a:alphaOff val="0"/>
           </a:schemeClr>
         </a:solidFill>
@@ -2114,12 +3181,12 @@
         </a:fontRef>
       </dsp:style>
       <dsp:txBody>
-        <a:bodyPr spcFirstLastPara="0" vert="horz" wrap="square" lIns="53340" tIns="53340" rIns="53340" bIns="53340" numCol="1" spcCol="1270" anchor="ctr" anchorCtr="0">
+        <a:bodyPr spcFirstLastPara="0" vert="horz" wrap="square" lIns="60960" tIns="60960" rIns="60960" bIns="60960" numCol="1" spcCol="1270" anchor="ctr" anchorCtr="0">
           <a:noAutofit/>
         </a:bodyPr>
         <a:lstStyle/>
         <a:p>
-          <a:pPr marL="0" lvl="0" indent="0" algn="ctr" defTabSz="622300">
+          <a:pPr marL="0" lvl="0" indent="0" algn="ctr" defTabSz="711200">
             <a:lnSpc>
               <a:spcPct val="90000"/>
             </a:lnSpc>
@@ -2132,34 +3199,34 @@
             <a:buNone/>
           </a:pPr>
           <a:r>
-            <a:rPr lang="en-US" sz="1400" kern="1200"/>
-            <a:t>5.  Convert accented characters to ASCII characters</a:t>
+            <a:rPr lang="en-US" sz="1600" kern="1200" dirty="0"/>
+            <a:t>2.  Remove URLs</a:t>
           </a:r>
         </a:p>
       </dsp:txBody>
       <dsp:txXfrm>
-        <a:off x="8597928" y="1164"/>
-        <a:ext cx="1843537" cy="1106122"/>
+        <a:off x="2974584" y="1178"/>
+        <a:ext cx="2174490" cy="1304694"/>
       </dsp:txXfrm>
     </dsp:sp>
-    <dsp:sp modelId="{1155F733-54F9-4A1D-A04B-12E2BF57A76C}">
+    <dsp:sp modelId="{F7159F3D-69D7-4276-A1C8-6380AE0A4ECA}">
       <dsp:nvSpPr>
         <dsp:cNvPr id="0" name=""/>
         <dsp:cNvSpPr/>
       </dsp:nvSpPr>
       <dsp:spPr>
         <a:xfrm>
-          <a:off x="486363" y="1291641"/>
-          <a:ext cx="1843537" cy="1106122"/>
+          <a:off x="5366524" y="1178"/>
+          <a:ext cx="2174490" cy="1304694"/>
         </a:xfrm>
         <a:prstGeom prst="rect">
           <a:avLst/>
         </a:prstGeom>
         <a:solidFill>
-          <a:schemeClr val="accent2">
-            <a:hueOff val="0"/>
-            <a:satOff val="0"/>
-            <a:lumOff val="0"/>
+          <a:schemeClr val="accent5">
+            <a:hueOff val="-1228826"/>
+            <a:satOff val="-3167"/>
+            <a:lumOff val="-2139"/>
             <a:alphaOff val="0"/>
           </a:schemeClr>
         </a:solidFill>
@@ -2192,12 +3259,12 @@
         </a:fontRef>
       </dsp:style>
       <dsp:txBody>
-        <a:bodyPr spcFirstLastPara="0" vert="horz" wrap="square" lIns="53340" tIns="53340" rIns="53340" bIns="53340" numCol="1" spcCol="1270" anchor="ctr" anchorCtr="0">
+        <a:bodyPr spcFirstLastPara="0" vert="horz" wrap="square" lIns="60960" tIns="60960" rIns="60960" bIns="60960" numCol="1" spcCol="1270" anchor="ctr" anchorCtr="0">
           <a:noAutofit/>
         </a:bodyPr>
         <a:lstStyle/>
         <a:p>
-          <a:pPr marL="0" lvl="0" indent="0" algn="ctr" defTabSz="622300">
+          <a:pPr marL="0" lvl="0" indent="0" algn="ctr" defTabSz="711200">
             <a:lnSpc>
               <a:spcPct val="90000"/>
             </a:lnSpc>
@@ -2210,34 +3277,34 @@
             <a:buNone/>
           </a:pPr>
           <a:r>
-            <a:rPr lang="en-US" sz="1400" kern="1200"/>
-            <a:t>6.  Expand contractions</a:t>
+            <a:rPr lang="en-US" sz="1600" kern="1200"/>
+            <a:t>3.  Remove HTML tags</a:t>
           </a:r>
         </a:p>
       </dsp:txBody>
       <dsp:txXfrm>
-        <a:off x="486363" y="1291641"/>
-        <a:ext cx="1843537" cy="1106122"/>
+        <a:off x="5366524" y="1178"/>
+        <a:ext cx="2174490" cy="1304694"/>
       </dsp:txXfrm>
     </dsp:sp>
-    <dsp:sp modelId="{A7E92FAD-D4CD-435D-AAFF-C29BA24A454D}">
+    <dsp:sp modelId="{8E104505-4DCA-41C3-B460-A95CD3FA2A5C}">
       <dsp:nvSpPr>
         <dsp:cNvPr id="0" name=""/>
         <dsp:cNvSpPr/>
       </dsp:nvSpPr>
       <dsp:spPr>
         <a:xfrm>
-          <a:off x="2514254" y="1291641"/>
-          <a:ext cx="1843537" cy="1106122"/>
+          <a:off x="7758464" y="1178"/>
+          <a:ext cx="2174490" cy="1304694"/>
         </a:xfrm>
         <a:prstGeom prst="rect">
           <a:avLst/>
         </a:prstGeom>
         <a:solidFill>
-          <a:schemeClr val="accent3">
-            <a:hueOff val="0"/>
-            <a:satOff val="0"/>
-            <a:lumOff val="0"/>
+          <a:schemeClr val="accent5">
+            <a:hueOff val="-1843239"/>
+            <a:satOff val="-4751"/>
+            <a:lumOff val="-3209"/>
             <a:alphaOff val="0"/>
           </a:schemeClr>
         </a:solidFill>
@@ -2270,12 +3337,12 @@
         </a:fontRef>
       </dsp:style>
       <dsp:txBody>
-        <a:bodyPr spcFirstLastPara="0" vert="horz" wrap="square" lIns="53340" tIns="53340" rIns="53340" bIns="53340" numCol="1" spcCol="1270" anchor="ctr" anchorCtr="0">
+        <a:bodyPr spcFirstLastPara="0" vert="horz" wrap="square" lIns="60960" tIns="60960" rIns="60960" bIns="60960" numCol="1" spcCol="1270" anchor="ctr" anchorCtr="0">
           <a:noAutofit/>
         </a:bodyPr>
         <a:lstStyle/>
         <a:p>
-          <a:pPr marL="0" lvl="0" indent="0" algn="ctr" defTabSz="622300">
+          <a:pPr marL="0" lvl="0" indent="0" algn="ctr" defTabSz="711200">
             <a:lnSpc>
               <a:spcPct val="90000"/>
             </a:lnSpc>
@@ -2288,34 +3355,34 @@
             <a:buNone/>
           </a:pPr>
           <a:r>
-            <a:rPr lang="en-US" sz="1400" kern="1200"/>
-            <a:t>7.  Remove numbers (or converted on string)</a:t>
+            <a:rPr lang="en-US" sz="1600" kern="1200" dirty="0"/>
+            <a:t>4.  Remove emoji</a:t>
           </a:r>
         </a:p>
       </dsp:txBody>
       <dsp:txXfrm>
-        <a:off x="2514254" y="1291641"/>
-        <a:ext cx="1843537" cy="1106122"/>
+        <a:off x="7758464" y="1178"/>
+        <a:ext cx="2174490" cy="1304694"/>
       </dsp:txXfrm>
     </dsp:sp>
-    <dsp:sp modelId="{820BC05F-9DF7-4E81-A597-2313A83E4E5C}">
+    <dsp:sp modelId="{022D5A29-0F74-4F38-9D8B-339BE06FE8CD}">
       <dsp:nvSpPr>
         <dsp:cNvPr id="0" name=""/>
         <dsp:cNvSpPr/>
       </dsp:nvSpPr>
       <dsp:spPr>
         <a:xfrm>
-          <a:off x="4542145" y="1291641"/>
-          <a:ext cx="1843537" cy="1106122"/>
+          <a:off x="582645" y="1523321"/>
+          <a:ext cx="2174490" cy="1304694"/>
         </a:xfrm>
         <a:prstGeom prst="rect">
           <a:avLst/>
         </a:prstGeom>
         <a:solidFill>
-          <a:schemeClr val="accent4">
-            <a:hueOff val="0"/>
-            <a:satOff val="0"/>
-            <a:lumOff val="0"/>
+          <a:schemeClr val="accent5">
+            <a:hueOff val="-2457652"/>
+            <a:satOff val="-6334"/>
+            <a:lumOff val="-4278"/>
             <a:alphaOff val="0"/>
           </a:schemeClr>
         </a:solidFill>
@@ -2348,12 +3415,12 @@
         </a:fontRef>
       </dsp:style>
       <dsp:txBody>
-        <a:bodyPr spcFirstLastPara="0" vert="horz" wrap="square" lIns="53340" tIns="53340" rIns="53340" bIns="53340" numCol="1" spcCol="1270" anchor="ctr" anchorCtr="0">
+        <a:bodyPr spcFirstLastPara="0" vert="horz" wrap="square" lIns="60960" tIns="60960" rIns="60960" bIns="60960" numCol="1" spcCol="1270" anchor="ctr" anchorCtr="0">
           <a:noAutofit/>
         </a:bodyPr>
         <a:lstStyle/>
         <a:p>
-          <a:pPr marL="0" lvl="0" indent="0" algn="ctr" defTabSz="622300">
+          <a:pPr marL="0" lvl="0" indent="0" algn="ctr" defTabSz="711200">
             <a:lnSpc>
               <a:spcPct val="90000"/>
             </a:lnSpc>
@@ -2366,34 +3433,34 @@
             <a:buNone/>
           </a:pPr>
           <a:r>
-            <a:rPr lang="en-US" sz="1400" kern="1200"/>
-            <a:t>8.  Trim text and Remove extra whitespaces</a:t>
+            <a:rPr lang="en-US" sz="1600" kern="1200" dirty="0"/>
+            <a:t>5.  Convert accented characters to ASCII characters</a:t>
           </a:r>
         </a:p>
       </dsp:txBody>
       <dsp:txXfrm>
-        <a:off x="4542145" y="1291641"/>
-        <a:ext cx="1843537" cy="1106122"/>
+        <a:off x="582645" y="1523321"/>
+        <a:ext cx="2174490" cy="1304694"/>
       </dsp:txXfrm>
     </dsp:sp>
-    <dsp:sp modelId="{48E5E647-A2DB-4EA6-81E7-C07F5B6C1798}">
+    <dsp:sp modelId="{AFE93984-53F6-4BB0-BCCF-FDEC334170E0}">
       <dsp:nvSpPr>
         <dsp:cNvPr id="0" name=""/>
         <dsp:cNvSpPr/>
       </dsp:nvSpPr>
       <dsp:spPr>
         <a:xfrm>
-          <a:off x="6570037" y="1291641"/>
-          <a:ext cx="1843537" cy="1106122"/>
+          <a:off x="2974584" y="1523321"/>
+          <a:ext cx="2174490" cy="1304694"/>
         </a:xfrm>
         <a:prstGeom prst="rect">
           <a:avLst/>
         </a:prstGeom>
         <a:solidFill>
           <a:schemeClr val="accent5">
-            <a:hueOff val="0"/>
-            <a:satOff val="0"/>
-            <a:lumOff val="0"/>
+            <a:hueOff val="-3072065"/>
+            <a:satOff val="-7918"/>
+            <a:lumOff val="-5348"/>
             <a:alphaOff val="0"/>
           </a:schemeClr>
         </a:solidFill>
@@ -2426,12 +3493,12 @@
         </a:fontRef>
       </dsp:style>
       <dsp:txBody>
-        <a:bodyPr spcFirstLastPara="0" vert="horz" wrap="square" lIns="53340" tIns="53340" rIns="53340" bIns="53340" numCol="1" spcCol="1270" anchor="ctr" anchorCtr="0">
+        <a:bodyPr spcFirstLastPara="0" vert="horz" wrap="square" lIns="60960" tIns="60960" rIns="60960" bIns="60960" numCol="1" spcCol="1270" anchor="ctr" anchorCtr="0">
           <a:noAutofit/>
         </a:bodyPr>
         <a:lstStyle/>
         <a:p>
-          <a:pPr marL="0" lvl="0" indent="0" algn="ctr" defTabSz="622300">
+          <a:pPr marL="0" lvl="0" indent="0" algn="ctr" defTabSz="711200">
             <a:lnSpc>
               <a:spcPct val="90000"/>
             </a:lnSpc>
@@ -2444,34 +3511,34 @@
             <a:buNone/>
           </a:pPr>
           <a:r>
-            <a:rPr lang="en-US" sz="1400" kern="1200" dirty="0"/>
-            <a:t>9.  Expand contractions</a:t>
+            <a:rPr lang="en-US" sz="1600" kern="1200"/>
+            <a:t>6.  Expand contractions</a:t>
           </a:r>
         </a:p>
       </dsp:txBody>
       <dsp:txXfrm>
-        <a:off x="6570037" y="1291641"/>
-        <a:ext cx="1843537" cy="1106122"/>
+        <a:off x="2974584" y="1523321"/>
+        <a:ext cx="2174490" cy="1304694"/>
       </dsp:txXfrm>
     </dsp:sp>
-    <dsp:sp modelId="{3AB29765-0441-4720-BAD3-164ACDF7DAD6}">
+    <dsp:sp modelId="{63FA5490-82D2-4C60-937D-F5404AB30074}">
       <dsp:nvSpPr>
         <dsp:cNvPr id="0" name=""/>
         <dsp:cNvSpPr/>
       </dsp:nvSpPr>
       <dsp:spPr>
         <a:xfrm>
-          <a:off x="8597928" y="1291641"/>
-          <a:ext cx="1843537" cy="1106122"/>
+          <a:off x="5366524" y="1523321"/>
+          <a:ext cx="2174490" cy="1304694"/>
         </a:xfrm>
         <a:prstGeom prst="rect">
           <a:avLst/>
         </a:prstGeom>
         <a:solidFill>
-          <a:schemeClr val="accent6">
-            <a:hueOff val="0"/>
-            <a:satOff val="0"/>
-            <a:lumOff val="0"/>
+          <a:schemeClr val="accent5">
+            <a:hueOff val="-3686478"/>
+            <a:satOff val="-9501"/>
+            <a:lumOff val="-6417"/>
             <a:alphaOff val="0"/>
           </a:schemeClr>
         </a:solidFill>
@@ -2504,12 +3571,12 @@
         </a:fontRef>
       </dsp:style>
       <dsp:txBody>
-        <a:bodyPr spcFirstLastPara="0" vert="horz" wrap="square" lIns="53340" tIns="53340" rIns="53340" bIns="53340" numCol="1" spcCol="1270" anchor="ctr" anchorCtr="0">
+        <a:bodyPr spcFirstLastPara="0" vert="horz" wrap="square" lIns="60960" tIns="60960" rIns="60960" bIns="60960" numCol="1" spcCol="1270" anchor="ctr" anchorCtr="0">
           <a:noAutofit/>
         </a:bodyPr>
         <a:lstStyle/>
         <a:p>
-          <a:pPr marL="0" lvl="0" indent="0" algn="ctr" defTabSz="622300">
+          <a:pPr marL="0" lvl="0" indent="0" algn="ctr" defTabSz="711200">
             <a:lnSpc>
               <a:spcPct val="90000"/>
             </a:lnSpc>
@@ -2522,34 +3589,34 @@
             <a:buNone/>
           </a:pPr>
           <a:r>
-            <a:rPr lang="en-US" sz="1400" kern="1200"/>
-            <a:t>10.  Case Normalization: Lowercase all texts</a:t>
+            <a:rPr lang="en-US" sz="1600" kern="1200"/>
+            <a:t>7.  Remove numbers (or converted on string)</a:t>
           </a:r>
         </a:p>
       </dsp:txBody>
       <dsp:txXfrm>
-        <a:off x="8597928" y="1291641"/>
-        <a:ext cx="1843537" cy="1106122"/>
+        <a:off x="5366524" y="1523321"/>
+        <a:ext cx="2174490" cy="1304694"/>
       </dsp:txXfrm>
     </dsp:sp>
-    <dsp:sp modelId="{E5F26795-37FA-4F02-98B3-769A0AC39830}">
+    <dsp:sp modelId="{9741F251-7D7D-42AF-9313-DC74E5328005}">
       <dsp:nvSpPr>
         <dsp:cNvPr id="0" name=""/>
         <dsp:cNvSpPr/>
       </dsp:nvSpPr>
       <dsp:spPr>
         <a:xfrm>
-          <a:off x="2514254" y="2582117"/>
-          <a:ext cx="1843537" cy="1106122"/>
+          <a:off x="7758464" y="1523321"/>
+          <a:ext cx="2174490" cy="1304694"/>
         </a:xfrm>
         <a:prstGeom prst="rect">
           <a:avLst/>
         </a:prstGeom>
         <a:solidFill>
-          <a:schemeClr val="accent2">
-            <a:hueOff val="0"/>
-            <a:satOff val="0"/>
-            <a:lumOff val="0"/>
+          <a:schemeClr val="accent5">
+            <a:hueOff val="-4300891"/>
+            <a:satOff val="-11085"/>
+            <a:lumOff val="-7487"/>
             <a:alphaOff val="0"/>
           </a:schemeClr>
         </a:solidFill>
@@ -2582,12 +3649,12 @@
         </a:fontRef>
       </dsp:style>
       <dsp:txBody>
-        <a:bodyPr spcFirstLastPara="0" vert="horz" wrap="square" lIns="53340" tIns="53340" rIns="53340" bIns="53340" numCol="1" spcCol="1270" anchor="ctr" anchorCtr="0">
+        <a:bodyPr spcFirstLastPara="0" vert="horz" wrap="square" lIns="60960" tIns="60960" rIns="60960" bIns="60960" numCol="1" spcCol="1270" anchor="ctr" anchorCtr="0">
           <a:noAutofit/>
         </a:bodyPr>
         <a:lstStyle/>
         <a:p>
-          <a:pPr marL="0" lvl="0" indent="0" algn="ctr" defTabSz="622300">
+          <a:pPr marL="0" lvl="0" indent="0" algn="ctr" defTabSz="711200">
             <a:lnSpc>
               <a:spcPct val="90000"/>
             </a:lnSpc>
@@ -2600,34 +3667,34 @@
             <a:buNone/>
           </a:pPr>
           <a:r>
-            <a:rPr lang="en-US" sz="1400" kern="1200"/>
-            <a:t>11.  Remove stop words, no need for this operations since in sentiment analysis we will lose information</a:t>
+            <a:rPr lang="en-US" sz="1600" kern="1200"/>
+            <a:t>8.  Trim text and Remove extra whitespaces</a:t>
           </a:r>
         </a:p>
       </dsp:txBody>
       <dsp:txXfrm>
-        <a:off x="2514254" y="2582117"/>
-        <a:ext cx="1843537" cy="1106122"/>
+        <a:off x="7758464" y="1523321"/>
+        <a:ext cx="2174490" cy="1304694"/>
       </dsp:txXfrm>
     </dsp:sp>
-    <dsp:sp modelId="{EEE83CCC-FDFB-4845-B74F-F5F33B085677}">
+    <dsp:sp modelId="{377F5E02-2811-4BB9-9D79-B44A41AEA14C}">
       <dsp:nvSpPr>
         <dsp:cNvPr id="0" name=""/>
         <dsp:cNvSpPr/>
       </dsp:nvSpPr>
       <dsp:spPr>
         <a:xfrm>
-          <a:off x="4542145" y="2582117"/>
-          <a:ext cx="1843537" cy="1106122"/>
+          <a:off x="582645" y="3045465"/>
+          <a:ext cx="2174490" cy="1304694"/>
         </a:xfrm>
         <a:prstGeom prst="rect">
           <a:avLst/>
         </a:prstGeom>
         <a:solidFill>
-          <a:schemeClr val="accent3">
-            <a:hueOff val="0"/>
-            <a:satOff val="0"/>
-            <a:lumOff val="0"/>
+          <a:schemeClr val="accent5">
+            <a:hueOff val="-4915304"/>
+            <a:satOff val="-12668"/>
+            <a:lumOff val="-8556"/>
             <a:alphaOff val="0"/>
           </a:schemeClr>
         </a:solidFill>
@@ -2660,12 +3727,12 @@
         </a:fontRef>
       </dsp:style>
       <dsp:txBody>
-        <a:bodyPr spcFirstLastPara="0" vert="horz" wrap="square" lIns="53340" tIns="53340" rIns="53340" bIns="53340" numCol="1" spcCol="1270" anchor="ctr" anchorCtr="0">
+        <a:bodyPr spcFirstLastPara="0" vert="horz" wrap="square" lIns="60960" tIns="60960" rIns="60960" bIns="60960" numCol="1" spcCol="1270" anchor="ctr" anchorCtr="0">
           <a:noAutofit/>
         </a:bodyPr>
         <a:lstStyle/>
         <a:p>
-          <a:pPr marL="0" lvl="0" indent="0" algn="ctr" defTabSz="622300">
+          <a:pPr marL="0" lvl="0" indent="0" algn="ctr" defTabSz="711200">
             <a:lnSpc>
               <a:spcPct val="90000"/>
             </a:lnSpc>
@@ -2678,34 +3745,34 @@
             <a:buNone/>
           </a:pPr>
           <a:r>
-            <a:rPr lang="en-US" sz="1400" kern="1200"/>
-            <a:t>12.  Stemming vs Lemmatization (which one to choose?)</a:t>
+            <a:rPr lang="en-US" sz="1600" kern="1200"/>
+            <a:t>10.  Case Normalization: Lowercase all texts</a:t>
           </a:r>
         </a:p>
       </dsp:txBody>
       <dsp:txXfrm>
-        <a:off x="4542145" y="2582117"/>
-        <a:ext cx="1843537" cy="1106122"/>
+        <a:off x="582645" y="3045465"/>
+        <a:ext cx="2174490" cy="1304694"/>
       </dsp:txXfrm>
     </dsp:sp>
-    <dsp:sp modelId="{4B5391F2-890B-4012-8A72-AFA0D3847CDE}">
+    <dsp:sp modelId="{22F730DD-272A-453C-AF8B-B79F9A87020F}">
       <dsp:nvSpPr>
         <dsp:cNvPr id="0" name=""/>
         <dsp:cNvSpPr/>
       </dsp:nvSpPr>
       <dsp:spPr>
         <a:xfrm>
-          <a:off x="6570037" y="2582117"/>
-          <a:ext cx="1843537" cy="1106122"/>
+          <a:off x="2974584" y="3045465"/>
+          <a:ext cx="2174490" cy="1304694"/>
         </a:xfrm>
         <a:prstGeom prst="rect">
           <a:avLst/>
         </a:prstGeom>
         <a:solidFill>
-          <a:schemeClr val="accent4">
-            <a:hueOff val="0"/>
-            <a:satOff val="0"/>
-            <a:lumOff val="0"/>
+          <a:schemeClr val="accent5">
+            <a:hueOff val="-5529717"/>
+            <a:satOff val="-14252"/>
+            <a:lumOff val="-9626"/>
             <a:alphaOff val="0"/>
           </a:schemeClr>
         </a:solidFill>
@@ -2738,12 +3805,12 @@
         </a:fontRef>
       </dsp:style>
       <dsp:txBody>
-        <a:bodyPr spcFirstLastPara="0" vert="horz" wrap="square" lIns="53340" tIns="53340" rIns="53340" bIns="53340" numCol="1" spcCol="1270" anchor="ctr" anchorCtr="0">
+        <a:bodyPr spcFirstLastPara="0" vert="horz" wrap="square" lIns="60960" tIns="60960" rIns="60960" bIns="60960" numCol="1" spcCol="1270" anchor="ctr" anchorCtr="0">
           <a:noAutofit/>
         </a:bodyPr>
         <a:lstStyle/>
         <a:p>
-          <a:pPr marL="0" lvl="0" indent="0" algn="ctr" defTabSz="622300">
+          <a:pPr marL="0" lvl="0" indent="0" algn="ctr" defTabSz="711200">
             <a:lnSpc>
               <a:spcPct val="90000"/>
             </a:lnSpc>
@@ -2756,14 +3823,170 @@
             <a:buNone/>
           </a:pPr>
           <a:r>
-            <a:rPr lang="en-US" sz="1400" kern="1200"/>
+            <a:rPr lang="en-US" sz="1600" kern="1200"/>
+            <a:t>11.  Remove stop words, no need for this operations since in sentiment analysis we will lose information</a:t>
+          </a:r>
+        </a:p>
+      </dsp:txBody>
+      <dsp:txXfrm>
+        <a:off x="2974584" y="3045465"/>
+        <a:ext cx="2174490" cy="1304694"/>
+      </dsp:txXfrm>
+    </dsp:sp>
+    <dsp:sp modelId="{9832C323-30DE-4B78-A17E-0D1BE3D3539F}">
+      <dsp:nvSpPr>
+        <dsp:cNvPr id="0" name=""/>
+        <dsp:cNvSpPr/>
+      </dsp:nvSpPr>
+      <dsp:spPr>
+        <a:xfrm>
+          <a:off x="5349737" y="3020297"/>
+          <a:ext cx="2174490" cy="1304694"/>
+        </a:xfrm>
+        <a:prstGeom prst="rect">
+          <a:avLst/>
+        </a:prstGeom>
+        <a:solidFill>
+          <a:schemeClr val="accent5">
+            <a:hueOff val="-6144130"/>
+            <a:satOff val="-15835"/>
+            <a:lumOff val="-10695"/>
+            <a:alphaOff val="0"/>
+          </a:schemeClr>
+        </a:solidFill>
+        <a:ln w="12700" cap="flat" cmpd="sng" algn="ctr">
+          <a:solidFill>
+            <a:schemeClr val="lt1">
+              <a:hueOff val="0"/>
+              <a:satOff val="0"/>
+              <a:lumOff val="0"/>
+              <a:alphaOff val="0"/>
+            </a:schemeClr>
+          </a:solidFill>
+          <a:prstDash val="solid"/>
+          <a:miter lim="800000"/>
+        </a:ln>
+        <a:effectLst/>
+      </dsp:spPr>
+      <dsp:style>
+        <a:lnRef idx="2">
+          <a:scrgbClr r="0" g="0" b="0"/>
+        </a:lnRef>
+        <a:fillRef idx="1">
+          <a:scrgbClr r="0" g="0" b="0"/>
+        </a:fillRef>
+        <a:effectRef idx="0">
+          <a:scrgbClr r="0" g="0" b="0"/>
+        </a:effectRef>
+        <a:fontRef idx="minor">
+          <a:schemeClr val="lt1"/>
+        </a:fontRef>
+      </dsp:style>
+      <dsp:txBody>
+        <a:bodyPr spcFirstLastPara="0" vert="horz" wrap="square" lIns="60960" tIns="60960" rIns="60960" bIns="60960" numCol="1" spcCol="1270" anchor="ctr" anchorCtr="0">
+          <a:noAutofit/>
+        </a:bodyPr>
+        <a:lstStyle/>
+        <a:p>
+          <a:pPr marL="0" lvl="0" indent="0" algn="ctr" defTabSz="711200">
+            <a:lnSpc>
+              <a:spcPct val="90000"/>
+            </a:lnSpc>
+            <a:spcBef>
+              <a:spcPct val="0"/>
+            </a:spcBef>
+            <a:spcAft>
+              <a:spcPct val="35000"/>
+            </a:spcAft>
+            <a:buNone/>
+          </a:pPr>
+          <a:r>
+            <a:rPr lang="en-US" sz="1600" kern="1200" dirty="0"/>
+            <a:t>12.  Stemming vs Lemmatization (which one to choose?)</a:t>
+          </a:r>
+        </a:p>
+      </dsp:txBody>
+      <dsp:txXfrm>
+        <a:off x="5349737" y="3020297"/>
+        <a:ext cx="2174490" cy="1304694"/>
+      </dsp:txXfrm>
+    </dsp:sp>
+    <dsp:sp modelId="{799BCA74-88C5-465E-8FFE-02CD5283601F}">
+      <dsp:nvSpPr>
+        <dsp:cNvPr id="0" name=""/>
+        <dsp:cNvSpPr/>
+      </dsp:nvSpPr>
+      <dsp:spPr>
+        <a:xfrm>
+          <a:off x="7758464" y="3045465"/>
+          <a:ext cx="2174490" cy="1304694"/>
+        </a:xfrm>
+        <a:prstGeom prst="rect">
+          <a:avLst/>
+        </a:prstGeom>
+        <a:solidFill>
+          <a:schemeClr val="accent5">
+            <a:hueOff val="-6758543"/>
+            <a:satOff val="-17419"/>
+            <a:lumOff val="-11765"/>
+            <a:alphaOff val="0"/>
+          </a:schemeClr>
+        </a:solidFill>
+        <a:ln w="12700" cap="flat" cmpd="sng" algn="ctr">
+          <a:solidFill>
+            <a:schemeClr val="lt1">
+              <a:hueOff val="0"/>
+              <a:satOff val="0"/>
+              <a:lumOff val="0"/>
+              <a:alphaOff val="0"/>
+            </a:schemeClr>
+          </a:solidFill>
+          <a:prstDash val="solid"/>
+          <a:miter lim="800000"/>
+        </a:ln>
+        <a:effectLst/>
+      </dsp:spPr>
+      <dsp:style>
+        <a:lnRef idx="2">
+          <a:scrgbClr r="0" g="0" b="0"/>
+        </a:lnRef>
+        <a:fillRef idx="1">
+          <a:scrgbClr r="0" g="0" b="0"/>
+        </a:fillRef>
+        <a:effectRef idx="0">
+          <a:scrgbClr r="0" g="0" b="0"/>
+        </a:effectRef>
+        <a:fontRef idx="minor">
+          <a:schemeClr val="lt1"/>
+        </a:fontRef>
+      </dsp:style>
+      <dsp:txBody>
+        <a:bodyPr spcFirstLastPara="0" vert="horz" wrap="square" lIns="60960" tIns="60960" rIns="60960" bIns="60960" numCol="1" spcCol="1270" anchor="ctr" anchorCtr="0">
+          <a:noAutofit/>
+        </a:bodyPr>
+        <a:lstStyle/>
+        <a:p>
+          <a:pPr marL="0" lvl="0" indent="0" algn="ctr" defTabSz="711200">
+            <a:lnSpc>
+              <a:spcPct val="90000"/>
+            </a:lnSpc>
+            <a:spcBef>
+              <a:spcPct val="0"/>
+            </a:spcBef>
+            <a:spcAft>
+              <a:spcPct val="35000"/>
+            </a:spcAft>
+            <a:buNone/>
+          </a:pPr>
+          <a:r>
+            <a:rPr lang="en-US" sz="1600" kern="1200" dirty="0"/>
             <a:t>13. Tokenization (per sentence or all the corpus?)</a:t>
           </a:r>
         </a:p>
       </dsp:txBody>
       <dsp:txXfrm>
-        <a:off x="6570037" y="2582117"/>
-        <a:ext cx="1843537" cy="1106122"/>
+        <a:off x="7758464" y="3045465"/>
+        <a:ext cx="2174490" cy="1304694"/>
       </dsp:txXfrm>
     </dsp:sp>
   </dsp:spTree>
@@ -2771,6 +3994,173 @@
 </file>
 
 <file path=ppt/diagrams/layout1.xml><?xml version="1.0" encoding="utf-8"?>
+<dgm:layoutDef xmlns:dgm="http://schemas.openxmlformats.org/drawingml/2006/diagram" xmlns:a="http://schemas.openxmlformats.org/drawingml/2006/main" uniqueId="urn:microsoft.com/office/officeart/2005/8/layout/vList2">
+  <dgm:title val=""/>
+  <dgm:desc val=""/>
+  <dgm:catLst>
+    <dgm:cat type="list" pri="3000"/>
+    <dgm:cat type="convert" pri="1000"/>
+  </dgm:catLst>
+  <dgm:sampData>
+    <dgm:dataModel>
+      <dgm:ptLst>
+        <dgm:pt modelId="0" type="doc"/>
+        <dgm:pt modelId="1">
+          <dgm:prSet phldr="1"/>
+        </dgm:pt>
+        <dgm:pt modelId="11">
+          <dgm:prSet phldr="1"/>
+        </dgm:pt>
+        <dgm:pt modelId="2">
+          <dgm:prSet phldr="1"/>
+        </dgm:pt>
+        <dgm:pt modelId="21">
+          <dgm:prSet phldr="1"/>
+        </dgm:pt>
+      </dgm:ptLst>
+      <dgm:cxnLst>
+        <dgm:cxn modelId="4" srcId="0" destId="1" srcOrd="0" destOrd="0"/>
+        <dgm:cxn modelId="5" srcId="0" destId="2" srcOrd="1" destOrd="0"/>
+        <dgm:cxn modelId="12" srcId="1" destId="11" srcOrd="0" destOrd="0"/>
+        <dgm:cxn modelId="23" srcId="2" destId="21" srcOrd="0" destOrd="0"/>
+      </dgm:cxnLst>
+      <dgm:bg/>
+      <dgm:whole/>
+    </dgm:dataModel>
+  </dgm:sampData>
+  <dgm:styleData>
+    <dgm:dataModel>
+      <dgm:ptLst>
+        <dgm:pt modelId="0" type="doc"/>
+        <dgm:pt modelId="1"/>
+        <dgm:pt modelId="2"/>
+      </dgm:ptLst>
+      <dgm:cxnLst>
+        <dgm:cxn modelId="3" srcId="0" destId="1" srcOrd="0" destOrd="0"/>
+        <dgm:cxn modelId="4" srcId="0" destId="2" srcOrd="1" destOrd="0"/>
+      </dgm:cxnLst>
+      <dgm:bg/>
+      <dgm:whole/>
+    </dgm:dataModel>
+  </dgm:styleData>
+  <dgm:clrData>
+    <dgm:dataModel>
+      <dgm:ptLst>
+        <dgm:pt modelId="0" type="doc"/>
+        <dgm:pt modelId="1"/>
+        <dgm:pt modelId="2"/>
+        <dgm:pt modelId="3"/>
+        <dgm:pt modelId="4"/>
+      </dgm:ptLst>
+      <dgm:cxnLst>
+        <dgm:cxn modelId="5" srcId="0" destId="1" srcOrd="0" destOrd="0"/>
+        <dgm:cxn modelId="6" srcId="0" destId="2" srcOrd="1" destOrd="0"/>
+        <dgm:cxn modelId="7" srcId="0" destId="3" srcOrd="2" destOrd="0"/>
+        <dgm:cxn modelId="8" srcId="0" destId="4" srcOrd="3" destOrd="0"/>
+      </dgm:cxnLst>
+      <dgm:bg/>
+      <dgm:whole/>
+    </dgm:dataModel>
+  </dgm:clrData>
+  <dgm:layoutNode name="linear">
+    <dgm:varLst>
+      <dgm:animLvl val="lvl"/>
+      <dgm:resizeHandles val="exact"/>
+    </dgm:varLst>
+    <dgm:alg type="lin">
+      <dgm:param type="linDir" val="fromT"/>
+      <dgm:param type="vertAlign" val="mid"/>
+    </dgm:alg>
+    <dgm:shape xmlns:r="http://schemas.openxmlformats.org/officeDocument/2006/relationships" r:blip="">
+      <dgm:adjLst/>
+    </dgm:shape>
+    <dgm:presOf/>
+    <dgm:constrLst>
+      <dgm:constr type="w" for="ch" forName="parentText" refType="w"/>
+      <dgm:constr type="h" for="ch" forName="parentText" refType="primFontSz" refFor="ch" refForName="parentText" fact="0.52"/>
+      <dgm:constr type="w" for="ch" forName="childText" refType="w"/>
+      <dgm:constr type="h" for="ch" forName="childText" refType="primFontSz" refFor="ch" refForName="parentText" fact="0.46"/>
+      <dgm:constr type="h" for="ch" forName="parentText" op="equ"/>
+      <dgm:constr type="primFontSz" for="ch" forName="parentText" op="equ" val="65"/>
+      <dgm:constr type="primFontSz" for="ch" forName="childText" refType="primFontSz" refFor="ch" refForName="parentText" op="equ"/>
+      <dgm:constr type="h" for="ch" forName="spacer" refType="primFontSz" refFor="ch" refForName="parentText" fact="0.08"/>
+    </dgm:constrLst>
+    <dgm:ruleLst>
+      <dgm:rule type="primFontSz" for="ch" forName="parentText" val="5" fact="NaN" max="NaN"/>
+    </dgm:ruleLst>
+    <dgm:forEach name="Name0" axis="ch" ptType="node">
+      <dgm:layoutNode name="parentText" styleLbl="node1">
+        <dgm:varLst>
+          <dgm:chMax val="0"/>
+          <dgm:bulletEnabled val="1"/>
+        </dgm:varLst>
+        <dgm:alg type="tx">
+          <dgm:param type="parTxLTRAlign" val="l"/>
+          <dgm:param type="parTxRTLAlign" val="r"/>
+        </dgm:alg>
+        <dgm:shape xmlns:r="http://schemas.openxmlformats.org/officeDocument/2006/relationships" type="roundRect" r:blip="">
+          <dgm:adjLst/>
+        </dgm:shape>
+        <dgm:presOf axis="self"/>
+        <dgm:constrLst>
+          <dgm:constr type="tMarg" refType="primFontSz" fact="0.3"/>
+          <dgm:constr type="bMarg" refType="primFontSz" fact="0.3"/>
+          <dgm:constr type="lMarg" refType="primFontSz" fact="0.3"/>
+          <dgm:constr type="rMarg" refType="primFontSz" fact="0.3"/>
+        </dgm:constrLst>
+        <dgm:ruleLst>
+          <dgm:rule type="h" val="INF" fact="NaN" max="NaN"/>
+        </dgm:ruleLst>
+      </dgm:layoutNode>
+      <dgm:choose name="Name1">
+        <dgm:if name="Name2" axis="ch" ptType="node" func="cnt" op="gte" val="1">
+          <dgm:layoutNode name="childText" styleLbl="revTx">
+            <dgm:varLst>
+              <dgm:bulletEnabled val="1"/>
+            </dgm:varLst>
+            <dgm:alg type="tx">
+              <dgm:param type="stBulletLvl" val="1"/>
+              <dgm:param type="lnSpAfChP" val="20"/>
+            </dgm:alg>
+            <dgm:shape xmlns:r="http://schemas.openxmlformats.org/officeDocument/2006/relationships" type="rect" r:blip="">
+              <dgm:adjLst/>
+            </dgm:shape>
+            <dgm:presOf axis="des" ptType="node"/>
+            <dgm:constrLst>
+              <dgm:constr type="tMarg" refType="primFontSz" fact="0.1"/>
+              <dgm:constr type="bMarg" refType="primFontSz" fact="0.1"/>
+              <dgm:constr type="lMarg" refType="w" fact="0.09"/>
+            </dgm:constrLst>
+            <dgm:ruleLst>
+              <dgm:rule type="h" val="INF" fact="NaN" max="NaN"/>
+            </dgm:ruleLst>
+          </dgm:layoutNode>
+        </dgm:if>
+        <dgm:else name="Name3">
+          <dgm:choose name="Name4">
+            <dgm:if name="Name5" axis="par ch" ptType="doc node" func="cnt" op="gte" val="2">
+              <dgm:forEach name="Name6" axis="followSib" ptType="sibTrans" cnt="1">
+                <dgm:layoutNode name="spacer">
+                  <dgm:alg type="sp"/>
+                  <dgm:shape xmlns:r="http://schemas.openxmlformats.org/officeDocument/2006/relationships" r:blip="">
+                    <dgm:adjLst/>
+                  </dgm:shape>
+                  <dgm:presOf/>
+                  <dgm:constrLst/>
+                  <dgm:ruleLst/>
+                </dgm:layoutNode>
+              </dgm:forEach>
+            </dgm:if>
+            <dgm:else name="Name7"/>
+          </dgm:choose>
+        </dgm:else>
+      </dgm:choose>
+    </dgm:forEach>
+  </dgm:layoutNode>
+</dgm:layoutDef>
+</file>
+
+<file path=ppt/diagrams/layout2.xml><?xml version="1.0" encoding="utf-8"?>
 <dgm:layoutDef xmlns:dgm="http://schemas.openxmlformats.org/drawingml/2006/diagram" xmlns:a="http://schemas.openxmlformats.org/drawingml/2006/main" uniqueId="urn:microsoft.com/office/officeart/2005/8/layout/default">
   <dgm:title val=""/>
   <dgm:desc val=""/>
@@ -3951,6 +5341,1040 @@
 </dgm:styleDef>
 </file>
 
+<file path=ppt/diagrams/quickStyle2.xml><?xml version="1.0" encoding="utf-8"?>
+<dgm:styleDef xmlns:dgm="http://schemas.openxmlformats.org/drawingml/2006/diagram" xmlns:a="http://schemas.openxmlformats.org/drawingml/2006/main" uniqueId="urn:microsoft.com/office/officeart/2005/8/quickstyle/simple1">
+  <dgm:title val=""/>
+  <dgm:desc val=""/>
+  <dgm:catLst>
+    <dgm:cat type="simple" pri="10100"/>
+  </dgm:catLst>
+  <dgm:scene3d>
+    <a:camera prst="orthographicFront"/>
+    <a:lightRig rig="threePt" dir="t"/>
+  </dgm:scene3d>
+  <dgm:styleLbl name="node0">
+    <dgm:scene3d>
+      <a:camera prst="orthographicFront"/>
+      <a:lightRig rig="threePt" dir="t"/>
+    </dgm:scene3d>
+    <dgm:sp3d/>
+    <dgm:txPr/>
+    <dgm:style>
+      <a:lnRef idx="2">
+        <a:scrgbClr r="0" g="0" b="0"/>
+      </a:lnRef>
+      <a:fillRef idx="1">
+        <a:scrgbClr r="0" g="0" b="0"/>
+      </a:fillRef>
+      <a:effectRef idx="0">
+        <a:scrgbClr r="0" g="0" b="0"/>
+      </a:effectRef>
+      <a:fontRef idx="minor">
+        <a:schemeClr val="lt1"/>
+      </a:fontRef>
+    </dgm:style>
+  </dgm:styleLbl>
+  <dgm:styleLbl name="lnNode1">
+    <dgm:scene3d>
+      <a:camera prst="orthographicFront"/>
+      <a:lightRig rig="threePt" dir="t"/>
+    </dgm:scene3d>
+    <dgm:sp3d/>
+    <dgm:txPr/>
+    <dgm:style>
+      <a:lnRef idx="2">
+        <a:scrgbClr r="0" g="0" b="0"/>
+      </a:lnRef>
+      <a:fillRef idx="1">
+        <a:scrgbClr r="0" g="0" b="0"/>
+      </a:fillRef>
+      <a:effectRef idx="0">
+        <a:scrgbClr r="0" g="0" b="0"/>
+      </a:effectRef>
+      <a:fontRef idx="minor">
+        <a:schemeClr val="lt1"/>
+      </a:fontRef>
+    </dgm:style>
+  </dgm:styleLbl>
+  <dgm:styleLbl name="vennNode1">
+    <dgm:scene3d>
+      <a:camera prst="orthographicFront"/>
+      <a:lightRig rig="threePt" dir="t"/>
+    </dgm:scene3d>
+    <dgm:sp3d/>
+    <dgm:txPr/>
+    <dgm:style>
+      <a:lnRef idx="2">
+        <a:scrgbClr r="0" g="0" b="0"/>
+      </a:lnRef>
+      <a:fillRef idx="1">
+        <a:scrgbClr r="0" g="0" b="0"/>
+      </a:fillRef>
+      <a:effectRef idx="0">
+        <a:scrgbClr r="0" g="0" b="0"/>
+      </a:effectRef>
+      <a:fontRef idx="minor">
+        <a:schemeClr val="tx1"/>
+      </a:fontRef>
+    </dgm:style>
+  </dgm:styleLbl>
+  <dgm:styleLbl name="alignNode1">
+    <dgm:scene3d>
+      <a:camera prst="orthographicFront"/>
+      <a:lightRig rig="threePt" dir="t"/>
+    </dgm:scene3d>
+    <dgm:sp3d/>
+    <dgm:txPr/>
+    <dgm:style>
+      <a:lnRef idx="2">
+        <a:scrgbClr r="0" g="0" b="0"/>
+      </a:lnRef>
+      <a:fillRef idx="1">
+        <a:scrgbClr r="0" g="0" b="0"/>
+      </a:fillRef>
+      <a:effectRef idx="0">
+        <a:scrgbClr r="0" g="0" b="0"/>
+      </a:effectRef>
+      <a:fontRef idx="minor">
+        <a:schemeClr val="lt1"/>
+      </a:fontRef>
+    </dgm:style>
+  </dgm:styleLbl>
+  <dgm:styleLbl name="node1">
+    <dgm:scene3d>
+      <a:camera prst="orthographicFront"/>
+      <a:lightRig rig="threePt" dir="t"/>
+    </dgm:scene3d>
+    <dgm:sp3d/>
+    <dgm:txPr/>
+    <dgm:style>
+      <a:lnRef idx="2">
+        <a:scrgbClr r="0" g="0" b="0"/>
+      </a:lnRef>
+      <a:fillRef idx="1">
+        <a:scrgbClr r="0" g="0" b="0"/>
+      </a:fillRef>
+      <a:effectRef idx="0">
+        <a:scrgbClr r="0" g="0" b="0"/>
+      </a:effectRef>
+      <a:fontRef idx="minor">
+        <a:schemeClr val="lt1"/>
+      </a:fontRef>
+    </dgm:style>
+  </dgm:styleLbl>
+  <dgm:styleLbl name="node2">
+    <dgm:scene3d>
+      <a:camera prst="orthographicFront"/>
+      <a:lightRig rig="threePt" dir="t"/>
+    </dgm:scene3d>
+    <dgm:sp3d/>
+    <dgm:txPr/>
+    <dgm:style>
+      <a:lnRef idx="2">
+        <a:scrgbClr r="0" g="0" b="0"/>
+      </a:lnRef>
+      <a:fillRef idx="1">
+        <a:scrgbClr r="0" g="0" b="0"/>
+      </a:fillRef>
+      <a:effectRef idx="0">
+        <a:scrgbClr r="0" g="0" b="0"/>
+      </a:effectRef>
+      <a:fontRef idx="minor">
+        <a:schemeClr val="lt1"/>
+      </a:fontRef>
+    </dgm:style>
+  </dgm:styleLbl>
+  <dgm:styleLbl name="node3">
+    <dgm:scene3d>
+      <a:camera prst="orthographicFront"/>
+      <a:lightRig rig="threePt" dir="t"/>
+    </dgm:scene3d>
+    <dgm:sp3d/>
+    <dgm:txPr/>
+    <dgm:style>
+      <a:lnRef idx="2">
+        <a:scrgbClr r="0" g="0" b="0"/>
+      </a:lnRef>
+      <a:fillRef idx="1">
+        <a:scrgbClr r="0" g="0" b="0"/>
+      </a:fillRef>
+      <a:effectRef idx="0">
+        <a:scrgbClr r="0" g="0" b="0"/>
+      </a:effectRef>
+      <a:fontRef idx="minor">
+        <a:schemeClr val="lt1"/>
+      </a:fontRef>
+    </dgm:style>
+  </dgm:styleLbl>
+  <dgm:styleLbl name="node4">
+    <dgm:scene3d>
+      <a:camera prst="orthographicFront"/>
+      <a:lightRig rig="threePt" dir="t"/>
+    </dgm:scene3d>
+    <dgm:sp3d/>
+    <dgm:txPr/>
+    <dgm:style>
+      <a:lnRef idx="2">
+        <a:scrgbClr r="0" g="0" b="0"/>
+      </a:lnRef>
+      <a:fillRef idx="1">
+        <a:scrgbClr r="0" g="0" b="0"/>
+      </a:fillRef>
+      <a:effectRef idx="0">
+        <a:scrgbClr r="0" g="0" b="0"/>
+      </a:effectRef>
+      <a:fontRef idx="minor">
+        <a:schemeClr val="lt1"/>
+      </a:fontRef>
+    </dgm:style>
+  </dgm:styleLbl>
+  <dgm:styleLbl name="fgImgPlace1">
+    <dgm:scene3d>
+      <a:camera prst="orthographicFront"/>
+      <a:lightRig rig="threePt" dir="t"/>
+    </dgm:scene3d>
+    <dgm:sp3d/>
+    <dgm:txPr/>
+    <dgm:style>
+      <a:lnRef idx="2">
+        <a:scrgbClr r="0" g="0" b="0"/>
+      </a:lnRef>
+      <a:fillRef idx="1">
+        <a:scrgbClr r="0" g="0" b="0"/>
+      </a:fillRef>
+      <a:effectRef idx="0">
+        <a:scrgbClr r="0" g="0" b="0"/>
+      </a:effectRef>
+      <a:fontRef idx="minor"/>
+    </dgm:style>
+  </dgm:styleLbl>
+  <dgm:styleLbl name="alignImgPlace1">
+    <dgm:scene3d>
+      <a:camera prst="orthographicFront"/>
+      <a:lightRig rig="threePt" dir="t"/>
+    </dgm:scene3d>
+    <dgm:sp3d/>
+    <dgm:txPr/>
+    <dgm:style>
+      <a:lnRef idx="2">
+        <a:scrgbClr r="0" g="0" b="0"/>
+      </a:lnRef>
+      <a:fillRef idx="1">
+        <a:scrgbClr r="0" g="0" b="0"/>
+      </a:fillRef>
+      <a:effectRef idx="0">
+        <a:scrgbClr r="0" g="0" b="0"/>
+      </a:effectRef>
+      <a:fontRef idx="minor"/>
+    </dgm:style>
+  </dgm:styleLbl>
+  <dgm:styleLbl name="bgImgPlace1">
+    <dgm:scene3d>
+      <a:camera prst="orthographicFront"/>
+      <a:lightRig rig="threePt" dir="t"/>
+    </dgm:scene3d>
+    <dgm:sp3d/>
+    <dgm:txPr/>
+    <dgm:style>
+      <a:lnRef idx="2">
+        <a:scrgbClr r="0" g="0" b="0"/>
+      </a:lnRef>
+      <a:fillRef idx="1">
+        <a:scrgbClr r="0" g="0" b="0"/>
+      </a:fillRef>
+      <a:effectRef idx="0">
+        <a:scrgbClr r="0" g="0" b="0"/>
+      </a:effectRef>
+      <a:fontRef idx="minor"/>
+    </dgm:style>
+  </dgm:styleLbl>
+  <dgm:styleLbl name="sibTrans2D1">
+    <dgm:scene3d>
+      <a:camera prst="orthographicFront"/>
+      <a:lightRig rig="threePt" dir="t"/>
+    </dgm:scene3d>
+    <dgm:sp3d/>
+    <dgm:txPr/>
+    <dgm:style>
+      <a:lnRef idx="0">
+        <a:scrgbClr r="0" g="0" b="0"/>
+      </a:lnRef>
+      <a:fillRef idx="1">
+        <a:scrgbClr r="0" g="0" b="0"/>
+      </a:fillRef>
+      <a:effectRef idx="0">
+        <a:scrgbClr r="0" g="0" b="0"/>
+      </a:effectRef>
+      <a:fontRef idx="minor">
+        <a:schemeClr val="lt1"/>
+      </a:fontRef>
+    </dgm:style>
+  </dgm:styleLbl>
+  <dgm:styleLbl name="fgSibTrans2D1">
+    <dgm:scene3d>
+      <a:camera prst="orthographicFront"/>
+      <a:lightRig rig="threePt" dir="t"/>
+    </dgm:scene3d>
+    <dgm:sp3d/>
+    <dgm:txPr/>
+    <dgm:style>
+      <a:lnRef idx="0">
+        <a:scrgbClr r="0" g="0" b="0"/>
+      </a:lnRef>
+      <a:fillRef idx="1">
+        <a:scrgbClr r="0" g="0" b="0"/>
+      </a:fillRef>
+      <a:effectRef idx="0">
+        <a:scrgbClr r="0" g="0" b="0"/>
+      </a:effectRef>
+      <a:fontRef idx="minor">
+        <a:schemeClr val="lt1"/>
+      </a:fontRef>
+    </dgm:style>
+  </dgm:styleLbl>
+  <dgm:styleLbl name="bgSibTrans2D1">
+    <dgm:scene3d>
+      <a:camera prst="orthographicFront"/>
+      <a:lightRig rig="threePt" dir="t"/>
+    </dgm:scene3d>
+    <dgm:sp3d/>
+    <dgm:txPr/>
+    <dgm:style>
+      <a:lnRef idx="0">
+        <a:scrgbClr r="0" g="0" b="0"/>
+      </a:lnRef>
+      <a:fillRef idx="1">
+        <a:scrgbClr r="0" g="0" b="0"/>
+      </a:fillRef>
+      <a:effectRef idx="0">
+        <a:scrgbClr r="0" g="0" b="0"/>
+      </a:effectRef>
+      <a:fontRef idx="minor">
+        <a:schemeClr val="lt1"/>
+      </a:fontRef>
+    </dgm:style>
+  </dgm:styleLbl>
+  <dgm:styleLbl name="sibTrans1D1">
+    <dgm:scene3d>
+      <a:camera prst="orthographicFront"/>
+      <a:lightRig rig="threePt" dir="t"/>
+    </dgm:scene3d>
+    <dgm:sp3d/>
+    <dgm:txPr/>
+    <dgm:style>
+      <a:lnRef idx="1">
+        <a:scrgbClr r="0" g="0" b="0"/>
+      </a:lnRef>
+      <a:fillRef idx="0">
+        <a:scrgbClr r="0" g="0" b="0"/>
+      </a:fillRef>
+      <a:effectRef idx="0">
+        <a:scrgbClr r="0" g="0" b="0"/>
+      </a:effectRef>
+      <a:fontRef idx="minor"/>
+    </dgm:style>
+  </dgm:styleLbl>
+  <dgm:styleLbl name="callout">
+    <dgm:scene3d>
+      <a:camera prst="orthographicFront"/>
+      <a:lightRig rig="threePt" dir="t"/>
+    </dgm:scene3d>
+    <dgm:sp3d/>
+    <dgm:txPr/>
+    <dgm:style>
+      <a:lnRef idx="2">
+        <a:scrgbClr r="0" g="0" b="0"/>
+      </a:lnRef>
+      <a:fillRef idx="1">
+        <a:scrgbClr r="0" g="0" b="0"/>
+      </a:fillRef>
+      <a:effectRef idx="0">
+        <a:scrgbClr r="0" g="0" b="0"/>
+      </a:effectRef>
+      <a:fontRef idx="minor"/>
+    </dgm:style>
+  </dgm:styleLbl>
+  <dgm:styleLbl name="asst0">
+    <dgm:scene3d>
+      <a:camera prst="orthographicFront"/>
+      <a:lightRig rig="threePt" dir="t"/>
+    </dgm:scene3d>
+    <dgm:sp3d/>
+    <dgm:txPr/>
+    <dgm:style>
+      <a:lnRef idx="2">
+        <a:scrgbClr r="0" g="0" b="0"/>
+      </a:lnRef>
+      <a:fillRef idx="1">
+        <a:scrgbClr r="0" g="0" b="0"/>
+      </a:fillRef>
+      <a:effectRef idx="0">
+        <a:scrgbClr r="0" g="0" b="0"/>
+      </a:effectRef>
+      <a:fontRef idx="minor">
+        <a:schemeClr val="lt1"/>
+      </a:fontRef>
+    </dgm:style>
+  </dgm:styleLbl>
+  <dgm:styleLbl name="asst1">
+    <dgm:scene3d>
+      <a:camera prst="orthographicFront"/>
+      <a:lightRig rig="threePt" dir="t"/>
+    </dgm:scene3d>
+    <dgm:sp3d/>
+    <dgm:txPr/>
+    <dgm:style>
+      <a:lnRef idx="2">
+        <a:scrgbClr r="0" g="0" b="0"/>
+      </a:lnRef>
+      <a:fillRef idx="1">
+        <a:scrgbClr r="0" g="0" b="0"/>
+      </a:fillRef>
+      <a:effectRef idx="0">
+        <a:scrgbClr r="0" g="0" b="0"/>
+      </a:effectRef>
+      <a:fontRef idx="minor">
+        <a:schemeClr val="lt1"/>
+      </a:fontRef>
+    </dgm:style>
+  </dgm:styleLbl>
+  <dgm:styleLbl name="asst2">
+    <dgm:scene3d>
+      <a:camera prst="orthographicFront"/>
+      <a:lightRig rig="threePt" dir="t"/>
+    </dgm:scene3d>
+    <dgm:sp3d/>
+    <dgm:txPr/>
+    <dgm:style>
+      <a:lnRef idx="2">
+        <a:scrgbClr r="0" g="0" b="0"/>
+      </a:lnRef>
+      <a:fillRef idx="1">
+        <a:scrgbClr r="0" g="0" b="0"/>
+      </a:fillRef>
+      <a:effectRef idx="0">
+        <a:scrgbClr r="0" g="0" b="0"/>
+      </a:effectRef>
+      <a:fontRef idx="minor">
+        <a:schemeClr val="lt1"/>
+      </a:fontRef>
+    </dgm:style>
+  </dgm:styleLbl>
+  <dgm:styleLbl name="asst3">
+    <dgm:scene3d>
+      <a:camera prst="orthographicFront"/>
+      <a:lightRig rig="threePt" dir="t"/>
+    </dgm:scene3d>
+    <dgm:sp3d/>
+    <dgm:txPr/>
+    <dgm:style>
+      <a:lnRef idx="2">
+        <a:scrgbClr r="0" g="0" b="0"/>
+      </a:lnRef>
+      <a:fillRef idx="1">
+        <a:scrgbClr r="0" g="0" b="0"/>
+      </a:fillRef>
+      <a:effectRef idx="0">
+        <a:scrgbClr r="0" g="0" b="0"/>
+      </a:effectRef>
+      <a:fontRef idx="minor">
+        <a:schemeClr val="lt1"/>
+      </a:fontRef>
+    </dgm:style>
+  </dgm:styleLbl>
+  <dgm:styleLbl name="asst4">
+    <dgm:scene3d>
+      <a:camera prst="orthographicFront"/>
+      <a:lightRig rig="threePt" dir="t"/>
+    </dgm:scene3d>
+    <dgm:sp3d/>
+    <dgm:txPr/>
+    <dgm:style>
+      <a:lnRef idx="2">
+        <a:scrgbClr r="0" g="0" b="0"/>
+      </a:lnRef>
+      <a:fillRef idx="1">
+        <a:scrgbClr r="0" g="0" b="0"/>
+      </a:fillRef>
+      <a:effectRef idx="0">
+        <a:scrgbClr r="0" g="0" b="0"/>
+      </a:effectRef>
+      <a:fontRef idx="minor">
+        <a:schemeClr val="lt1"/>
+      </a:fontRef>
+    </dgm:style>
+  </dgm:styleLbl>
+  <dgm:styleLbl name="parChTrans2D1">
+    <dgm:scene3d>
+      <a:camera prst="orthographicFront"/>
+      <a:lightRig rig="threePt" dir="t"/>
+    </dgm:scene3d>
+    <dgm:sp3d/>
+    <dgm:txPr/>
+    <dgm:style>
+      <a:lnRef idx="2">
+        <a:scrgbClr r="0" g="0" b="0"/>
+      </a:lnRef>
+      <a:fillRef idx="1">
+        <a:scrgbClr r="0" g="0" b="0"/>
+      </a:fillRef>
+      <a:effectRef idx="0">
+        <a:scrgbClr r="0" g="0" b="0"/>
+      </a:effectRef>
+      <a:fontRef idx="minor">
+        <a:schemeClr val="lt1"/>
+      </a:fontRef>
+    </dgm:style>
+  </dgm:styleLbl>
+  <dgm:styleLbl name="parChTrans2D2">
+    <dgm:scene3d>
+      <a:camera prst="orthographicFront"/>
+      <a:lightRig rig="threePt" dir="t"/>
+    </dgm:scene3d>
+    <dgm:sp3d/>
+    <dgm:txPr/>
+    <dgm:style>
+      <a:lnRef idx="2">
+        <a:scrgbClr r="0" g="0" b="0"/>
+      </a:lnRef>
+      <a:fillRef idx="1">
+        <a:scrgbClr r="0" g="0" b="0"/>
+      </a:fillRef>
+      <a:effectRef idx="0">
+        <a:scrgbClr r="0" g="0" b="0"/>
+      </a:effectRef>
+      <a:fontRef idx="minor">
+        <a:schemeClr val="lt1"/>
+      </a:fontRef>
+    </dgm:style>
+  </dgm:styleLbl>
+  <dgm:styleLbl name="parChTrans2D3">
+    <dgm:scene3d>
+      <a:camera prst="orthographicFront"/>
+      <a:lightRig rig="threePt" dir="t"/>
+    </dgm:scene3d>
+    <dgm:sp3d/>
+    <dgm:txPr/>
+    <dgm:style>
+      <a:lnRef idx="2">
+        <a:scrgbClr r="0" g="0" b="0"/>
+      </a:lnRef>
+      <a:fillRef idx="1">
+        <a:scrgbClr r="0" g="0" b="0"/>
+      </a:fillRef>
+      <a:effectRef idx="0">
+        <a:scrgbClr r="0" g="0" b="0"/>
+      </a:effectRef>
+      <a:fontRef idx="minor">
+        <a:schemeClr val="lt1"/>
+      </a:fontRef>
+    </dgm:style>
+  </dgm:styleLbl>
+  <dgm:styleLbl name="parChTrans2D4">
+    <dgm:scene3d>
+      <a:camera prst="orthographicFront"/>
+      <a:lightRig rig="threePt" dir="t"/>
+    </dgm:scene3d>
+    <dgm:sp3d/>
+    <dgm:txPr/>
+    <dgm:style>
+      <a:lnRef idx="2">
+        <a:scrgbClr r="0" g="0" b="0"/>
+      </a:lnRef>
+      <a:fillRef idx="1">
+        <a:scrgbClr r="0" g="0" b="0"/>
+      </a:fillRef>
+      <a:effectRef idx="0">
+        <a:scrgbClr r="0" g="0" b="0"/>
+      </a:effectRef>
+      <a:fontRef idx="minor">
+        <a:schemeClr val="lt1"/>
+      </a:fontRef>
+    </dgm:style>
+  </dgm:styleLbl>
+  <dgm:styleLbl name="parChTrans1D1">
+    <dgm:scene3d>
+      <a:camera prst="orthographicFront"/>
+      <a:lightRig rig="threePt" dir="t"/>
+    </dgm:scene3d>
+    <dgm:sp3d/>
+    <dgm:txPr/>
+    <dgm:style>
+      <a:lnRef idx="2">
+        <a:scrgbClr r="0" g="0" b="0"/>
+      </a:lnRef>
+      <a:fillRef idx="0">
+        <a:scrgbClr r="0" g="0" b="0"/>
+      </a:fillRef>
+      <a:effectRef idx="0">
+        <a:scrgbClr r="0" g="0" b="0"/>
+      </a:effectRef>
+      <a:fontRef idx="minor"/>
+    </dgm:style>
+  </dgm:styleLbl>
+  <dgm:styleLbl name="parChTrans1D2">
+    <dgm:scene3d>
+      <a:camera prst="orthographicFront"/>
+      <a:lightRig rig="threePt" dir="t"/>
+    </dgm:scene3d>
+    <dgm:sp3d/>
+    <dgm:txPr/>
+    <dgm:style>
+      <a:lnRef idx="2">
+        <a:scrgbClr r="0" g="0" b="0"/>
+      </a:lnRef>
+      <a:fillRef idx="0">
+        <a:scrgbClr r="0" g="0" b="0"/>
+      </a:fillRef>
+      <a:effectRef idx="0">
+        <a:scrgbClr r="0" g="0" b="0"/>
+      </a:effectRef>
+      <a:fontRef idx="minor"/>
+    </dgm:style>
+  </dgm:styleLbl>
+  <dgm:styleLbl name="parChTrans1D3">
+    <dgm:scene3d>
+      <a:camera prst="orthographicFront"/>
+      <a:lightRig rig="threePt" dir="t"/>
+    </dgm:scene3d>
+    <dgm:sp3d/>
+    <dgm:txPr/>
+    <dgm:style>
+      <a:lnRef idx="2">
+        <a:scrgbClr r="0" g="0" b="0"/>
+      </a:lnRef>
+      <a:fillRef idx="0">
+        <a:scrgbClr r="0" g="0" b="0"/>
+      </a:fillRef>
+      <a:effectRef idx="0">
+        <a:scrgbClr r="0" g="0" b="0"/>
+      </a:effectRef>
+      <a:fontRef idx="minor"/>
+    </dgm:style>
+  </dgm:styleLbl>
+  <dgm:styleLbl name="parChTrans1D4">
+    <dgm:scene3d>
+      <a:camera prst="orthographicFront"/>
+      <a:lightRig rig="threePt" dir="t"/>
+    </dgm:scene3d>
+    <dgm:sp3d/>
+    <dgm:txPr/>
+    <dgm:style>
+      <a:lnRef idx="2">
+        <a:scrgbClr r="0" g="0" b="0"/>
+      </a:lnRef>
+      <a:fillRef idx="0">
+        <a:scrgbClr r="0" g="0" b="0"/>
+      </a:fillRef>
+      <a:effectRef idx="0">
+        <a:scrgbClr r="0" g="0" b="0"/>
+      </a:effectRef>
+      <a:fontRef idx="minor"/>
+    </dgm:style>
+  </dgm:styleLbl>
+  <dgm:styleLbl name="fgAcc1">
+    <dgm:scene3d>
+      <a:camera prst="orthographicFront"/>
+      <a:lightRig rig="threePt" dir="t"/>
+    </dgm:scene3d>
+    <dgm:sp3d/>
+    <dgm:txPr/>
+    <dgm:style>
+      <a:lnRef idx="2">
+        <a:scrgbClr r="0" g="0" b="0"/>
+      </a:lnRef>
+      <a:fillRef idx="1">
+        <a:scrgbClr r="0" g="0" b="0"/>
+      </a:fillRef>
+      <a:effectRef idx="0">
+        <a:scrgbClr r="0" g="0" b="0"/>
+      </a:effectRef>
+      <a:fontRef idx="minor"/>
+    </dgm:style>
+  </dgm:styleLbl>
+  <dgm:styleLbl name="conFgAcc1">
+    <dgm:scene3d>
+      <a:camera prst="orthographicFront"/>
+      <a:lightRig rig="threePt" dir="t"/>
+    </dgm:scene3d>
+    <dgm:sp3d/>
+    <dgm:txPr/>
+    <dgm:style>
+      <a:lnRef idx="2">
+        <a:scrgbClr r="0" g="0" b="0"/>
+      </a:lnRef>
+      <a:fillRef idx="1">
+        <a:scrgbClr r="0" g="0" b="0"/>
+      </a:fillRef>
+      <a:effectRef idx="0">
+        <a:scrgbClr r="0" g="0" b="0"/>
+      </a:effectRef>
+      <a:fontRef idx="minor"/>
+    </dgm:style>
+  </dgm:styleLbl>
+  <dgm:styleLbl name="alignAcc1">
+    <dgm:scene3d>
+      <a:camera prst="orthographicFront"/>
+      <a:lightRig rig="threePt" dir="t"/>
+    </dgm:scene3d>
+    <dgm:sp3d/>
+    <dgm:txPr/>
+    <dgm:style>
+      <a:lnRef idx="2">
+        <a:scrgbClr r="0" g="0" b="0"/>
+      </a:lnRef>
+      <a:fillRef idx="1">
+        <a:scrgbClr r="0" g="0" b="0"/>
+      </a:fillRef>
+      <a:effectRef idx="0">
+        <a:scrgbClr r="0" g="0" b="0"/>
+      </a:effectRef>
+      <a:fontRef idx="minor"/>
+    </dgm:style>
+  </dgm:styleLbl>
+  <dgm:styleLbl name="trAlignAcc1">
+    <dgm:scene3d>
+      <a:camera prst="orthographicFront"/>
+      <a:lightRig rig="threePt" dir="t"/>
+    </dgm:scene3d>
+    <dgm:sp3d/>
+    <dgm:txPr/>
+    <dgm:style>
+      <a:lnRef idx="1">
+        <a:scrgbClr r="0" g="0" b="0"/>
+      </a:lnRef>
+      <a:fillRef idx="1">
+        <a:scrgbClr r="0" g="0" b="0"/>
+      </a:fillRef>
+      <a:effectRef idx="0">
+        <a:scrgbClr r="0" g="0" b="0"/>
+      </a:effectRef>
+      <a:fontRef idx="minor"/>
+    </dgm:style>
+  </dgm:styleLbl>
+  <dgm:styleLbl name="bgAcc1">
+    <dgm:scene3d>
+      <a:camera prst="orthographicFront"/>
+      <a:lightRig rig="threePt" dir="t"/>
+    </dgm:scene3d>
+    <dgm:sp3d/>
+    <dgm:txPr/>
+    <dgm:style>
+      <a:lnRef idx="2">
+        <a:scrgbClr r="0" g="0" b="0"/>
+      </a:lnRef>
+      <a:fillRef idx="1">
+        <a:scrgbClr r="0" g="0" b="0"/>
+      </a:fillRef>
+      <a:effectRef idx="0">
+        <a:scrgbClr r="0" g="0" b="0"/>
+      </a:effectRef>
+      <a:fontRef idx="minor"/>
+    </dgm:style>
+  </dgm:styleLbl>
+  <dgm:styleLbl name="solidFgAcc1">
+    <dgm:scene3d>
+      <a:camera prst="orthographicFront"/>
+      <a:lightRig rig="threePt" dir="t"/>
+    </dgm:scene3d>
+    <dgm:sp3d/>
+    <dgm:txPr/>
+    <dgm:style>
+      <a:lnRef idx="2">
+        <a:scrgbClr r="0" g="0" b="0"/>
+      </a:lnRef>
+      <a:fillRef idx="1">
+        <a:scrgbClr r="0" g="0" b="0"/>
+      </a:fillRef>
+      <a:effectRef idx="0">
+        <a:scrgbClr r="0" g="0" b="0"/>
+      </a:effectRef>
+      <a:fontRef idx="minor"/>
+    </dgm:style>
+  </dgm:styleLbl>
+  <dgm:styleLbl name="solidAlignAcc1">
+    <dgm:scene3d>
+      <a:camera prst="orthographicFront"/>
+      <a:lightRig rig="threePt" dir="t"/>
+    </dgm:scene3d>
+    <dgm:sp3d/>
+    <dgm:txPr/>
+    <dgm:style>
+      <a:lnRef idx="2">
+        <a:scrgbClr r="0" g="0" b="0"/>
+      </a:lnRef>
+      <a:fillRef idx="1">
+        <a:scrgbClr r="0" g="0" b="0"/>
+      </a:fillRef>
+      <a:effectRef idx="0">
+        <a:scrgbClr r="0" g="0" b="0"/>
+      </a:effectRef>
+      <a:fontRef idx="minor"/>
+    </dgm:style>
+  </dgm:styleLbl>
+  <dgm:styleLbl name="solidBgAcc1">
+    <dgm:scene3d>
+      <a:camera prst="orthographicFront"/>
+      <a:lightRig rig="threePt" dir="t"/>
+    </dgm:scene3d>
+    <dgm:sp3d/>
+    <dgm:txPr/>
+    <dgm:style>
+      <a:lnRef idx="2">
+        <a:scrgbClr r="0" g="0" b="0"/>
+      </a:lnRef>
+      <a:fillRef idx="1">
+        <a:scrgbClr r="0" g="0" b="0"/>
+      </a:fillRef>
+      <a:effectRef idx="0">
+        <a:scrgbClr r="0" g="0" b="0"/>
+      </a:effectRef>
+      <a:fontRef idx="minor"/>
+    </dgm:style>
+  </dgm:styleLbl>
+  <dgm:styleLbl name="fgAccFollowNode1">
+    <dgm:scene3d>
+      <a:camera prst="orthographicFront"/>
+      <a:lightRig rig="threePt" dir="t"/>
+    </dgm:scene3d>
+    <dgm:sp3d/>
+    <dgm:txPr/>
+    <dgm:style>
+      <a:lnRef idx="2">
+        <a:scrgbClr r="0" g="0" b="0"/>
+      </a:lnRef>
+      <a:fillRef idx="1">
+        <a:scrgbClr r="0" g="0" b="0"/>
+      </a:fillRef>
+      <a:effectRef idx="0">
+        <a:scrgbClr r="0" g="0" b="0"/>
+      </a:effectRef>
+      <a:fontRef idx="minor"/>
+    </dgm:style>
+  </dgm:styleLbl>
+  <dgm:styleLbl name="alignAccFollowNode1">
+    <dgm:scene3d>
+      <a:camera prst="orthographicFront"/>
+      <a:lightRig rig="threePt" dir="t"/>
+    </dgm:scene3d>
+    <dgm:sp3d/>
+    <dgm:txPr/>
+    <dgm:style>
+      <a:lnRef idx="2">
+        <a:scrgbClr r="0" g="0" b="0"/>
+      </a:lnRef>
+      <a:fillRef idx="1">
+        <a:scrgbClr r="0" g="0" b="0"/>
+      </a:fillRef>
+      <a:effectRef idx="0">
+        <a:scrgbClr r="0" g="0" b="0"/>
+      </a:effectRef>
+      <a:fontRef idx="minor"/>
+    </dgm:style>
+  </dgm:styleLbl>
+  <dgm:styleLbl name="bgAccFollowNode1">
+    <dgm:scene3d>
+      <a:camera prst="orthographicFront"/>
+      <a:lightRig rig="threePt" dir="t"/>
+    </dgm:scene3d>
+    <dgm:sp3d/>
+    <dgm:txPr/>
+    <dgm:style>
+      <a:lnRef idx="2">
+        <a:scrgbClr r="0" g="0" b="0"/>
+      </a:lnRef>
+      <a:fillRef idx="1">
+        <a:scrgbClr r="0" g="0" b="0"/>
+      </a:fillRef>
+      <a:effectRef idx="0">
+        <a:scrgbClr r="0" g="0" b="0"/>
+      </a:effectRef>
+      <a:fontRef idx="minor"/>
+    </dgm:style>
+  </dgm:styleLbl>
+  <dgm:styleLbl name="fgAcc0">
+    <dgm:scene3d>
+      <a:camera prst="orthographicFront"/>
+      <a:lightRig rig="threePt" dir="t"/>
+    </dgm:scene3d>
+    <dgm:sp3d/>
+    <dgm:txPr/>
+    <dgm:style>
+      <a:lnRef idx="2">
+        <a:scrgbClr r="0" g="0" b="0"/>
+      </a:lnRef>
+      <a:fillRef idx="1">
+        <a:scrgbClr r="0" g="0" b="0"/>
+      </a:fillRef>
+      <a:effectRef idx="0">
+        <a:scrgbClr r="0" g="0" b="0"/>
+      </a:effectRef>
+      <a:fontRef idx="minor"/>
+    </dgm:style>
+  </dgm:styleLbl>
+  <dgm:styleLbl name="fgAcc2">
+    <dgm:scene3d>
+      <a:camera prst="orthographicFront"/>
+      <a:lightRig rig="threePt" dir="t"/>
+    </dgm:scene3d>
+    <dgm:sp3d/>
+    <dgm:txPr/>
+    <dgm:style>
+      <a:lnRef idx="2">
+        <a:scrgbClr r="0" g="0" b="0"/>
+      </a:lnRef>
+      <a:fillRef idx="1">
+        <a:scrgbClr r="0" g="0" b="0"/>
+      </a:fillRef>
+      <a:effectRef idx="0">
+        <a:scrgbClr r="0" g="0" b="0"/>
+      </a:effectRef>
+      <a:fontRef idx="minor"/>
+    </dgm:style>
+  </dgm:styleLbl>
+  <dgm:styleLbl name="fgAcc3">
+    <dgm:scene3d>
+      <a:camera prst="orthographicFront"/>
+      <a:lightRig rig="threePt" dir="t"/>
+    </dgm:scene3d>
+    <dgm:sp3d/>
+    <dgm:txPr/>
+    <dgm:style>
+      <a:lnRef idx="2">
+        <a:scrgbClr r="0" g="0" b="0"/>
+      </a:lnRef>
+      <a:fillRef idx="1">
+        <a:scrgbClr r="0" g="0" b="0"/>
+      </a:fillRef>
+      <a:effectRef idx="0">
+        <a:scrgbClr r="0" g="0" b="0"/>
+      </a:effectRef>
+      <a:fontRef idx="minor"/>
+    </dgm:style>
+  </dgm:styleLbl>
+  <dgm:styleLbl name="fgAcc4">
+    <dgm:scene3d>
+      <a:camera prst="orthographicFront"/>
+      <a:lightRig rig="threePt" dir="t"/>
+    </dgm:scene3d>
+    <dgm:sp3d/>
+    <dgm:txPr/>
+    <dgm:style>
+      <a:lnRef idx="2">
+        <a:scrgbClr r="0" g="0" b="0"/>
+      </a:lnRef>
+      <a:fillRef idx="1">
+        <a:scrgbClr r="0" g="0" b="0"/>
+      </a:fillRef>
+      <a:effectRef idx="0">
+        <a:scrgbClr r="0" g="0" b="0"/>
+      </a:effectRef>
+      <a:fontRef idx="minor"/>
+    </dgm:style>
+  </dgm:styleLbl>
+  <dgm:styleLbl name="bgShp">
+    <dgm:scene3d>
+      <a:camera prst="orthographicFront"/>
+      <a:lightRig rig="threePt" dir="t"/>
+    </dgm:scene3d>
+    <dgm:sp3d/>
+    <dgm:txPr/>
+    <dgm:style>
+      <a:lnRef idx="0">
+        <a:scrgbClr r="0" g="0" b="0"/>
+      </a:lnRef>
+      <a:fillRef idx="1">
+        <a:scrgbClr r="0" g="0" b="0"/>
+      </a:fillRef>
+      <a:effectRef idx="0">
+        <a:scrgbClr r="0" g="0" b="0"/>
+      </a:effectRef>
+      <a:fontRef idx="minor"/>
+    </dgm:style>
+  </dgm:styleLbl>
+  <dgm:styleLbl name="dkBgShp">
+    <dgm:scene3d>
+      <a:camera prst="orthographicFront"/>
+      <a:lightRig rig="threePt" dir="t"/>
+    </dgm:scene3d>
+    <dgm:sp3d/>
+    <dgm:txPr/>
+    <dgm:style>
+      <a:lnRef idx="0">
+        <a:scrgbClr r="0" g="0" b="0"/>
+      </a:lnRef>
+      <a:fillRef idx="1">
+        <a:scrgbClr r="0" g="0" b="0"/>
+      </a:fillRef>
+      <a:effectRef idx="0">
+        <a:scrgbClr r="0" g="0" b="0"/>
+      </a:effectRef>
+      <a:fontRef idx="minor"/>
+    </dgm:style>
+  </dgm:styleLbl>
+  <dgm:styleLbl name="trBgShp">
+    <dgm:scene3d>
+      <a:camera prst="orthographicFront"/>
+      <a:lightRig rig="threePt" dir="t"/>
+    </dgm:scene3d>
+    <dgm:sp3d/>
+    <dgm:txPr/>
+    <dgm:style>
+      <a:lnRef idx="0">
+        <a:scrgbClr r="0" g="0" b="0"/>
+      </a:lnRef>
+      <a:fillRef idx="1">
+        <a:scrgbClr r="0" g="0" b="0"/>
+      </a:fillRef>
+      <a:effectRef idx="0">
+        <a:scrgbClr r="0" g="0" b="0"/>
+      </a:effectRef>
+      <a:fontRef idx="minor"/>
+    </dgm:style>
+  </dgm:styleLbl>
+  <dgm:styleLbl name="fgShp">
+    <dgm:scene3d>
+      <a:camera prst="orthographicFront"/>
+      <a:lightRig rig="threePt" dir="t"/>
+    </dgm:scene3d>
+    <dgm:sp3d/>
+    <dgm:txPr/>
+    <dgm:style>
+      <a:lnRef idx="2">
+        <a:scrgbClr r="0" g="0" b="0"/>
+      </a:lnRef>
+      <a:fillRef idx="1">
+        <a:scrgbClr r="0" g="0" b="0"/>
+      </a:fillRef>
+      <a:effectRef idx="0">
+        <a:scrgbClr r="0" g="0" b="0"/>
+      </a:effectRef>
+      <a:fontRef idx="minor"/>
+    </dgm:style>
+  </dgm:styleLbl>
+  <dgm:styleLbl name="revTx">
+    <dgm:scene3d>
+      <a:camera prst="orthographicFront"/>
+      <a:lightRig rig="threePt" dir="t"/>
+    </dgm:scene3d>
+    <dgm:sp3d/>
+    <dgm:txPr/>
+    <dgm:style>
+      <a:lnRef idx="0">
+        <a:scrgbClr r="0" g="0" b="0"/>
+      </a:lnRef>
+      <a:fillRef idx="0">
+        <a:scrgbClr r="0" g="0" b="0"/>
+      </a:fillRef>
+      <a:effectRef idx="0">
+        <a:scrgbClr r="0" g="0" b="0"/>
+      </a:effectRef>
+      <a:fontRef idx="minor"/>
+    </dgm:style>
+  </dgm:styleLbl>
+</dgm:styleDef>
+</file>
+
 <file path=ppt/slideLayouts/slideLayout1.xml><?xml version="1.0" encoding="utf-8"?>
 <p:sldLayout xmlns:a="http://schemas.openxmlformats.org/drawingml/2006/main" xmlns:r="http://schemas.openxmlformats.org/officeDocument/2006/relationships" xmlns:p="http://schemas.openxmlformats.org/presentationml/2006/main" type="title" preserve="1">
   <p:cSld name="Title Slide">
@@ -4098,7 +6522,7 @@
           <a:p>
             <a:fld id="{2743EB9B-2488-4718-BE68-8707A217D453}" type="datetimeFigureOut">
               <a:rPr lang="en-US" smtClean="0"/>
-              <a:t>6/6/2021</a:t>
+              <a:t>6/8/2021</a:t>
             </a:fld>
             <a:endParaRPr lang="en-US"/>
           </a:p>
@@ -4296,7 +6720,7 @@
           <a:p>
             <a:fld id="{2743EB9B-2488-4718-BE68-8707A217D453}" type="datetimeFigureOut">
               <a:rPr lang="en-US" smtClean="0"/>
-              <a:t>6/6/2021</a:t>
+              <a:t>6/8/2021</a:t>
             </a:fld>
             <a:endParaRPr lang="en-US"/>
           </a:p>
@@ -4504,7 +6928,7 @@
           <a:p>
             <a:fld id="{2743EB9B-2488-4718-BE68-8707A217D453}" type="datetimeFigureOut">
               <a:rPr lang="en-US" smtClean="0"/>
-              <a:t>6/6/2021</a:t>
+              <a:t>6/8/2021</a:t>
             </a:fld>
             <a:endParaRPr lang="en-US"/>
           </a:p>
@@ -4702,7 +7126,7 @@
           <a:p>
             <a:fld id="{2743EB9B-2488-4718-BE68-8707A217D453}" type="datetimeFigureOut">
               <a:rPr lang="en-US" smtClean="0"/>
-              <a:t>6/6/2021</a:t>
+              <a:t>6/8/2021</a:t>
             </a:fld>
             <a:endParaRPr lang="en-US"/>
           </a:p>
@@ -4977,7 +7401,7 @@
           <a:p>
             <a:fld id="{2743EB9B-2488-4718-BE68-8707A217D453}" type="datetimeFigureOut">
               <a:rPr lang="en-US" smtClean="0"/>
-              <a:t>6/6/2021</a:t>
+              <a:t>6/8/2021</a:t>
             </a:fld>
             <a:endParaRPr lang="en-US"/>
           </a:p>
@@ -5242,7 +7666,7 @@
           <a:p>
             <a:fld id="{2743EB9B-2488-4718-BE68-8707A217D453}" type="datetimeFigureOut">
               <a:rPr lang="en-US" smtClean="0"/>
-              <a:t>6/6/2021</a:t>
+              <a:t>6/8/2021</a:t>
             </a:fld>
             <a:endParaRPr lang="en-US"/>
           </a:p>
@@ -5654,7 +8078,7 @@
           <a:p>
             <a:fld id="{2743EB9B-2488-4718-BE68-8707A217D453}" type="datetimeFigureOut">
               <a:rPr lang="en-US" smtClean="0"/>
-              <a:t>6/6/2021</a:t>
+              <a:t>6/8/2021</a:t>
             </a:fld>
             <a:endParaRPr lang="en-US"/>
           </a:p>
@@ -5795,7 +8219,7 @@
           <a:p>
             <a:fld id="{2743EB9B-2488-4718-BE68-8707A217D453}" type="datetimeFigureOut">
               <a:rPr lang="en-US" smtClean="0"/>
-              <a:t>6/6/2021</a:t>
+              <a:t>6/8/2021</a:t>
             </a:fld>
             <a:endParaRPr lang="en-US"/>
           </a:p>
@@ -5908,7 +8332,7 @@
           <a:p>
             <a:fld id="{2743EB9B-2488-4718-BE68-8707A217D453}" type="datetimeFigureOut">
               <a:rPr lang="en-US" smtClean="0"/>
-              <a:t>6/6/2021</a:t>
+              <a:t>6/8/2021</a:t>
             </a:fld>
             <a:endParaRPr lang="en-US"/>
           </a:p>
@@ -6219,7 +8643,7 @@
           <a:p>
             <a:fld id="{2743EB9B-2488-4718-BE68-8707A217D453}" type="datetimeFigureOut">
               <a:rPr lang="en-US" smtClean="0"/>
-              <a:t>6/6/2021</a:t>
+              <a:t>6/8/2021</a:t>
             </a:fld>
             <a:endParaRPr lang="en-US"/>
           </a:p>
@@ -6507,7 +8931,7 @@
           <a:p>
             <a:fld id="{2743EB9B-2488-4718-BE68-8707A217D453}" type="datetimeFigureOut">
               <a:rPr lang="en-US" smtClean="0"/>
-              <a:t>6/6/2021</a:t>
+              <a:t>6/8/2021</a:t>
             </a:fld>
             <a:endParaRPr lang="en-US"/>
           </a:p>
@@ -6748,7 +9172,7 @@
           <a:p>
             <a:fld id="{2743EB9B-2488-4718-BE68-8707A217D453}" type="datetimeFigureOut">
               <a:rPr lang="en-US" smtClean="0"/>
-              <a:t>6/6/2021</a:t>
+              <a:t>6/8/2021</a:t>
             </a:fld>
             <a:endParaRPr lang="en-US"/>
           </a:p>
@@ -7151,6 +9575,14 @@
 <file path=ppt/slides/slide1.xml><?xml version="1.0" encoding="utf-8"?>
 <p:sld xmlns:a="http://schemas.openxmlformats.org/drawingml/2006/main" xmlns:r="http://schemas.openxmlformats.org/officeDocument/2006/relationships" xmlns:p="http://schemas.openxmlformats.org/presentationml/2006/main">
   <p:cSld>
+    <p:bg>
+      <p:bgPr>
+        <a:solidFill>
+          <a:schemeClr val="bg1"/>
+        </a:solidFill>
+        <a:effectLst/>
+      </p:bgPr>
+    </p:bg>
     <p:spTree>
       <p:nvGrpSpPr>
         <p:cNvPr id="1" name=""/>
@@ -7167,6 +9599,76 @@
       </p:grpSpPr>
       <p:sp>
         <p:nvSpPr>
+          <p:cNvPr id="8" name="Rectangle 7">
+            <a:extLst>
+              <a:ext uri="{FF2B5EF4-FFF2-40B4-BE49-F238E27FC236}">
+                <a16:creationId xmlns:a16="http://schemas.microsoft.com/office/drawing/2014/main" id="{FB5B0058-AF13-4859-B429-4EDDE2A26F7F}"/>
+              </a:ext>
+              <a:ext uri="{C183D7F6-B498-43B3-948B-1728B52AA6E4}">
+                <adec:decorative xmlns:adec="http://schemas.microsoft.com/office/drawing/2017/decorative" val="1"/>
+              </a:ext>
+            </a:extLst>
+          </p:cNvPr>
+          <p:cNvSpPr>
+            <a:spLocks noGrp="1" noRot="1" noChangeAspect="1" noMove="1" noResize="1" noEditPoints="1" noAdjustHandles="1" noChangeArrowheads="1" noChangeShapeType="1" noTextEdit="1"/>
+          </p:cNvSpPr>
+          <p:nvPr>
+            <p:extLst>
+              <p:ext uri="{386F3935-93C4-4BCD-93E2-E3B085C9AB24}">
+                <p16:designElem xmlns:p16="http://schemas.microsoft.com/office/powerpoint/2015/main" val="1"/>
+              </p:ext>
+            </p:extLst>
+          </p:nvPr>
+        </p:nvSpPr>
+        <p:spPr>
+          <a:xfrm>
+            <a:off x="0" y="0"/>
+            <a:ext cx="12192000" cy="6858000"/>
+          </a:xfrm>
+          <a:prstGeom prst="rect">
+            <a:avLst/>
+          </a:prstGeom>
+          <a:solidFill>
+            <a:schemeClr val="tx1">
+              <a:lumMod val="95000"/>
+              <a:lumOff val="5000"/>
+            </a:schemeClr>
+          </a:solidFill>
+          <a:ln>
+            <a:noFill/>
+          </a:ln>
+        </p:spPr>
+        <p:style>
+          <a:lnRef idx="2">
+            <a:schemeClr val="accent1">
+              <a:shade val="50000"/>
+            </a:schemeClr>
+          </a:lnRef>
+          <a:fillRef idx="1">
+            <a:schemeClr val="accent1"/>
+          </a:fillRef>
+          <a:effectRef idx="0">
+            <a:schemeClr val="accent1"/>
+          </a:effectRef>
+          <a:fontRef idx="minor">
+            <a:schemeClr val="lt1"/>
+          </a:fontRef>
+        </p:style>
+        <p:txBody>
+          <a:bodyPr rtlCol="0" anchor="ctr"/>
+          <a:lstStyle/>
+          <a:p>
+            <a:pPr algn="ctr"/>
+            <a:endParaRPr lang="en-US" dirty="0">
+              <a:solidFill>
+                <a:schemeClr val="tx1"/>
+              </a:solidFill>
+            </a:endParaRPr>
+          </a:p>
+        </p:txBody>
+      </p:sp>
+      <p:sp>
+        <p:nvSpPr>
           <p:cNvPr id="2" name="Title 1">
             <a:extLst>
               <a:ext uri="{FF2B5EF4-FFF2-40B4-BE49-F238E27FC236}">
@@ -7181,12 +9683,26 @@
             <p:ph type="ctrTitle"/>
           </p:nvPr>
         </p:nvSpPr>
-        <p:spPr/>
+        <p:spPr>
+          <a:xfrm>
+            <a:off x="2399234" y="2073715"/>
+            <a:ext cx="6935759" cy="2993042"/>
+          </a:xfrm>
+        </p:spPr>
         <p:txBody>
-          <a:bodyPr/>
+          <a:bodyPr anchor="ctr">
+            <a:normAutofit/>
+          </a:bodyPr>
           <a:lstStyle/>
           <a:p>
-            <a:endParaRPr lang="en-US" dirty="0"/>
+            <a:r>
+              <a:rPr lang="en-US" sz="7500" dirty="0">
+                <a:solidFill>
+                  <a:schemeClr val="bg1"/>
+                </a:solidFill>
+              </a:rPr>
+              <a:t>Tweet Sentiment Extraction</a:t>
+            </a:r>
           </a:p>
         </p:txBody>
       </p:sp>
@@ -7206,15 +9722,196 @@
             <p:ph type="subTitle" idx="1"/>
           </p:nvPr>
         </p:nvSpPr>
-        <p:spPr/>
+        <p:spPr>
+          <a:xfrm>
+            <a:off x="2399234" y="1369077"/>
+            <a:ext cx="6935759" cy="2201159"/>
+          </a:xfrm>
+        </p:spPr>
         <p:txBody>
-          <a:bodyPr/>
+          <a:bodyPr>
+            <a:normAutofit/>
+          </a:bodyPr>
           <a:lstStyle/>
           <a:p>
+            <a:r>
+              <a:rPr lang="en-US" sz="2000">
+                <a:solidFill>
+                  <a:schemeClr val="bg1"/>
+                </a:solidFill>
+              </a:rPr>
+              <a:t>https://www.kaggle.com/c/tweet-sentiment-extraction/overview</a:t>
+            </a:r>
+          </a:p>
+        </p:txBody>
+      </p:sp>
+      <p:sp>
+        <p:nvSpPr>
+          <p:cNvPr id="10" name="Rectangle 9">
+            <a:extLst>
+              <a:ext uri="{FF2B5EF4-FFF2-40B4-BE49-F238E27FC236}">
+                <a16:creationId xmlns:a16="http://schemas.microsoft.com/office/drawing/2014/main" id="{81BD432D-FAB3-4B5D-BF27-4DA7C75B3238}"/>
+              </a:ext>
+              <a:ext uri="{C183D7F6-B498-43B3-948B-1728B52AA6E4}">
+                <adec:decorative xmlns:adec="http://schemas.microsoft.com/office/drawing/2017/decorative" val="1"/>
+              </a:ext>
+            </a:extLst>
+          </p:cNvPr>
+          <p:cNvSpPr>
+            <a:spLocks noGrp="1" noRot="1" noChangeAspect="1" noMove="1" noResize="1" noEditPoints="1" noAdjustHandles="1" noChangeArrowheads="1" noChangeShapeType="1" noTextEdit="1"/>
+          </p:cNvSpPr>
+          <p:nvPr>
+            <p:extLst>
+              <p:ext uri="{386F3935-93C4-4BCD-93E2-E3B085C9AB24}">
+                <p16:designElem xmlns:p16="http://schemas.microsoft.com/office/powerpoint/2015/main" val="1"/>
+              </p:ext>
+            </p:extLst>
+          </p:nvPr>
+        </p:nvSpPr>
+        <p:spPr>
+          <a:xfrm>
+            <a:off x="126206" y="115193"/>
+            <a:ext cx="11939588" cy="6627614"/>
+          </a:xfrm>
+          <a:prstGeom prst="rect">
+            <a:avLst/>
+          </a:prstGeom>
+          <a:noFill/>
+          <a:ln w="12700">
+            <a:solidFill>
+              <a:schemeClr val="accent2"/>
+            </a:solidFill>
+          </a:ln>
+        </p:spPr>
+        <p:style>
+          <a:lnRef idx="2">
+            <a:schemeClr val="accent1">
+              <a:shade val="50000"/>
+            </a:schemeClr>
+          </a:lnRef>
+          <a:fillRef idx="1">
+            <a:schemeClr val="accent1"/>
+          </a:fillRef>
+          <a:effectRef idx="0">
+            <a:schemeClr val="accent1"/>
+          </a:effectRef>
+          <a:fontRef idx="minor">
+            <a:schemeClr val="lt1"/>
+          </a:fontRef>
+        </p:style>
+        <p:txBody>
+          <a:bodyPr rtlCol="0" anchor="ctr"/>
+          <a:lstStyle/>
+          <a:p>
+            <a:pPr algn="ctr"/>
             <a:endParaRPr lang="en-US"/>
           </a:p>
         </p:txBody>
       </p:sp>
+      <p:cxnSp>
+        <p:nvCxnSpPr>
+          <p:cNvPr id="12" name="Straight Connector 11">
+            <a:extLst>
+              <a:ext uri="{FF2B5EF4-FFF2-40B4-BE49-F238E27FC236}">
+                <a16:creationId xmlns:a16="http://schemas.microsoft.com/office/drawing/2014/main" id="{E6D6B450-4278-45B8-88C7-C061710E3C7E}"/>
+              </a:ext>
+              <a:ext uri="{C183D7F6-B498-43B3-948B-1728B52AA6E4}">
+                <adec:decorative xmlns:adec="http://schemas.microsoft.com/office/drawing/2017/decorative" val="1"/>
+              </a:ext>
+            </a:extLst>
+          </p:cNvPr>
+          <p:cNvCxnSpPr>
+            <a:cxnSpLocks noGrp="1" noRot="1" noChangeAspect="1" noMove="1" noResize="1" noEditPoints="1" noAdjustHandles="1" noChangeArrowheads="1" noChangeShapeType="1"/>
+          </p:cNvCxnSpPr>
+          <p:nvPr>
+            <p:extLst>
+              <p:ext uri="{386F3935-93C4-4BCD-93E2-E3B085C9AB24}">
+                <p16:designElem xmlns:p16="http://schemas.microsoft.com/office/powerpoint/2015/main" val="1"/>
+              </p:ext>
+            </p:extLst>
+          </p:nvPr>
+        </p:nvCxnSpPr>
+        <p:spPr>
+          <a:xfrm flipH="1">
+            <a:off x="2399233" y="1883640"/>
+            <a:ext cx="6935760" cy="0"/>
+          </a:xfrm>
+          <a:prstGeom prst="line">
+            <a:avLst/>
+          </a:prstGeom>
+          <a:ln w="12700">
+            <a:solidFill>
+              <a:schemeClr val="accent2"/>
+            </a:solidFill>
+          </a:ln>
+        </p:spPr>
+        <p:style>
+          <a:lnRef idx="1">
+            <a:schemeClr val="accent1"/>
+          </a:lnRef>
+          <a:fillRef idx="0">
+            <a:schemeClr val="accent1"/>
+          </a:fillRef>
+          <a:effectRef idx="0">
+            <a:schemeClr val="accent1"/>
+          </a:effectRef>
+          <a:fontRef idx="minor">
+            <a:schemeClr val="tx1"/>
+          </a:fontRef>
+        </p:style>
+      </p:cxnSp>
+      <p:cxnSp>
+        <p:nvCxnSpPr>
+          <p:cNvPr id="14" name="Straight Connector 13">
+            <a:extLst>
+              <a:ext uri="{FF2B5EF4-FFF2-40B4-BE49-F238E27FC236}">
+                <a16:creationId xmlns:a16="http://schemas.microsoft.com/office/drawing/2014/main" id="{74234A4C-A256-4139-A5F4-27078F0D6796}"/>
+              </a:ext>
+              <a:ext uri="{C183D7F6-B498-43B3-948B-1728B52AA6E4}">
+                <adec:decorative xmlns:adec="http://schemas.microsoft.com/office/drawing/2017/decorative" val="1"/>
+              </a:ext>
+            </a:extLst>
+          </p:cNvPr>
+          <p:cNvCxnSpPr>
+            <a:cxnSpLocks noGrp="1" noRot="1" noChangeAspect="1" noMove="1" noResize="1" noEditPoints="1" noAdjustHandles="1" noChangeArrowheads="1" noChangeShapeType="1"/>
+          </p:cNvCxnSpPr>
+          <p:nvPr>
+            <p:extLst>
+              <p:ext uri="{386F3935-93C4-4BCD-93E2-E3B085C9AB24}">
+                <p16:designElem xmlns:p16="http://schemas.microsoft.com/office/powerpoint/2015/main" val="1"/>
+              </p:ext>
+            </p:extLst>
+          </p:nvPr>
+        </p:nvCxnSpPr>
+        <p:spPr>
+          <a:xfrm flipH="1">
+            <a:off x="2399233" y="5066757"/>
+            <a:ext cx="6935760" cy="0"/>
+          </a:xfrm>
+          <a:prstGeom prst="line">
+            <a:avLst/>
+          </a:prstGeom>
+          <a:ln w="12700">
+            <a:solidFill>
+              <a:schemeClr val="accent2"/>
+            </a:solidFill>
+          </a:ln>
+        </p:spPr>
+        <p:style>
+          <a:lnRef idx="1">
+            <a:schemeClr val="accent1"/>
+          </a:lnRef>
+          <a:fillRef idx="0">
+            <a:schemeClr val="accent1"/>
+          </a:fillRef>
+          <a:effectRef idx="0">
+            <a:schemeClr val="accent1"/>
+          </a:effectRef>
+          <a:fontRef idx="minor">
+            <a:schemeClr val="tx1"/>
+          </a:fontRef>
+        </p:style>
+      </p:cxnSp>
     </p:spTree>
     <p:extLst>
       <p:ext uri="{BB962C8B-B14F-4D97-AF65-F5344CB8AC3E}">
@@ -7225,10 +9922,321 @@
   <p:clrMapOvr>
     <a:masterClrMapping/>
   </p:clrMapOvr>
+  <p:timing>
+    <p:tnLst>
+      <p:par>
+        <p:cTn id="1" dur="indefinite" restart="never" nodeType="tmRoot">
+          <p:childTnLst>
+            <p:seq concurrent="1" nextAc="seek">
+              <p:cTn id="2" dur="indefinite" nodeType="mainSeq">
+                <p:childTnLst>
+                  <p:par>
+                    <p:cTn id="3" fill="hold">
+                      <p:stCondLst>
+                        <p:cond delay="indefinite"/>
+                        <p:cond evt="onBegin" delay="0">
+                          <p:tn val="2"/>
+                        </p:cond>
+                      </p:stCondLst>
+                      <p:childTnLst>
+                        <p:par>
+                          <p:cTn id="4" fill="hold">
+                            <p:stCondLst>
+                              <p:cond delay="0"/>
+                            </p:stCondLst>
+                            <p:childTnLst>
+                              <p:par>
+                                <p:cTn id="5" presetID="10" presetClass="entr" presetSubtype="0" fill="hold" grpId="0" nodeType="withEffect">
+                                  <p:stCondLst>
+                                    <p:cond delay="1000"/>
+                                  </p:stCondLst>
+                                  <p:iterate type="wd">
+                                    <p:tmPct val="15000"/>
+                                  </p:iterate>
+                                  <p:childTnLst>
+                                    <p:set>
+                                      <p:cBhvr>
+                                        <p:cTn id="6" dur="1" fill="hold">
+                                          <p:stCondLst>
+                                            <p:cond delay="0"/>
+                                          </p:stCondLst>
+                                        </p:cTn>
+                                        <p:tgtEl>
+                                          <p:spTgt spid="3">
+                                            <p:txEl>
+                                              <p:pRg st="0" end="0"/>
+                                            </p:txEl>
+                                          </p:spTgt>
+                                        </p:tgtEl>
+                                        <p:attrNameLst>
+                                          <p:attrName>style.visibility</p:attrName>
+                                        </p:attrNameLst>
+                                      </p:cBhvr>
+                                      <p:to>
+                                        <p:strVal val="visible"/>
+                                      </p:to>
+                                    </p:set>
+                                    <p:animEffect transition="in" filter="fade">
+                                      <p:cBhvr>
+                                        <p:cTn id="7" dur="1000"/>
+                                        <p:tgtEl>
+                                          <p:spTgt spid="3">
+                                            <p:txEl>
+                                              <p:pRg st="0" end="0"/>
+                                            </p:txEl>
+                                          </p:spTgt>
+                                        </p:tgtEl>
+                                      </p:cBhvr>
+                                    </p:animEffect>
+                                  </p:childTnLst>
+                                </p:cTn>
+                              </p:par>
+                              <p:par>
+                                <p:cTn id="8" presetID="10" presetClass="entr" presetSubtype="0" fill="hold" grpId="0" nodeType="withEffect">
+                                  <p:stCondLst>
+                                    <p:cond delay="500"/>
+                                  </p:stCondLst>
+                                  <p:iterate type="wd">
+                                    <p:tmPct val="15000"/>
+                                  </p:iterate>
+                                  <p:childTnLst>
+                                    <p:set>
+                                      <p:cBhvr>
+                                        <p:cTn id="9" dur="1" fill="hold">
+                                          <p:stCondLst>
+                                            <p:cond delay="0"/>
+                                          </p:stCondLst>
+                                        </p:cTn>
+                                        <p:tgtEl>
+                                          <p:spTgt spid="2"/>
+                                        </p:tgtEl>
+                                        <p:attrNameLst>
+                                          <p:attrName>style.visibility</p:attrName>
+                                        </p:attrNameLst>
+                                      </p:cBhvr>
+                                      <p:to>
+                                        <p:strVal val="visible"/>
+                                      </p:to>
+                                    </p:set>
+                                    <p:animEffect transition="in" filter="fade">
+                                      <p:cBhvr>
+                                        <p:cTn id="10" dur="1000"/>
+                                        <p:tgtEl>
+                                          <p:spTgt spid="2"/>
+                                        </p:tgtEl>
+                                      </p:cBhvr>
+                                    </p:animEffect>
+                                  </p:childTnLst>
+                                </p:cTn>
+                              </p:par>
+                            </p:childTnLst>
+                          </p:cTn>
+                        </p:par>
+                      </p:childTnLst>
+                    </p:cTn>
+                  </p:par>
+                </p:childTnLst>
+              </p:cTn>
+              <p:prevCondLst>
+                <p:cond evt="onPrev" delay="0">
+                  <p:tgtEl>
+                    <p:sldTgt/>
+                  </p:tgtEl>
+                </p:cond>
+              </p:prevCondLst>
+              <p:nextCondLst>
+                <p:cond evt="onNext" delay="0">
+                  <p:tgtEl>
+                    <p:sldTgt/>
+                  </p:tgtEl>
+                </p:cond>
+              </p:nextCondLst>
+            </p:seq>
+          </p:childTnLst>
+        </p:cTn>
+      </p:par>
+    </p:tnLst>
+    <p:bldLst>
+      <p:bldP spid="2" grpId="0"/>
+      <p:bldP spid="3" grpId="0" build="p"/>
+    </p:bldLst>
+  </p:timing>
 </p:sld>
 </file>
 
 <file path=ppt/slides/slide2.xml><?xml version="1.0" encoding="utf-8"?>
+<p:sld xmlns:a="http://schemas.openxmlformats.org/drawingml/2006/main" xmlns:r="http://schemas.openxmlformats.org/officeDocument/2006/relationships" xmlns:p="http://schemas.openxmlformats.org/presentationml/2006/main">
+  <p:cSld>
+    <p:bg>
+      <p:bgPr>
+        <a:solidFill>
+          <a:schemeClr val="bg1"/>
+        </a:solidFill>
+        <a:effectLst/>
+      </p:bgPr>
+    </p:bg>
+    <p:spTree>
+      <p:nvGrpSpPr>
+        <p:cNvPr id="1" name=""/>
+        <p:cNvGrpSpPr/>
+        <p:nvPr/>
+      </p:nvGrpSpPr>
+      <p:grpSpPr>
+        <a:xfrm>
+          <a:off x="0" y="0"/>
+          <a:ext cx="0" cy="0"/>
+          <a:chOff x="0" y="0"/>
+          <a:chExt cx="0" cy="0"/>
+        </a:xfrm>
+      </p:grpSpPr>
+      <p:sp>
+        <p:nvSpPr>
+          <p:cNvPr id="9" name="Rectangle 8">
+            <a:extLst>
+              <a:ext uri="{FF2B5EF4-FFF2-40B4-BE49-F238E27FC236}">
+                <a16:creationId xmlns:a16="http://schemas.microsoft.com/office/drawing/2014/main" id="{B819A166-7571-4003-A6B8-B62034C3ED30}"/>
+              </a:ext>
+              <a:ext uri="{C183D7F6-B498-43B3-948B-1728B52AA6E4}">
+                <adec:decorative xmlns:adec="http://schemas.microsoft.com/office/drawing/2017/decorative" val="1"/>
+              </a:ext>
+            </a:extLst>
+          </p:cNvPr>
+          <p:cNvSpPr>
+            <a:spLocks noGrp="1" noRot="1" noChangeAspect="1" noMove="1" noResize="1" noEditPoints="1" noAdjustHandles="1" noChangeArrowheads="1" noChangeShapeType="1" noTextEdit="1"/>
+          </p:cNvSpPr>
+          <p:nvPr>
+            <p:extLst>
+              <p:ext uri="{386F3935-93C4-4BCD-93E2-E3B085C9AB24}">
+                <p16:designElem xmlns:p16="http://schemas.microsoft.com/office/powerpoint/2015/main" val="1"/>
+              </p:ext>
+            </p:extLst>
+          </p:nvPr>
+        </p:nvSpPr>
+        <p:spPr>
+          <a:xfrm>
+            <a:off x="-1" y="0"/>
+            <a:ext cx="5093209" cy="6858000"/>
+          </a:xfrm>
+          <a:prstGeom prst="rect">
+            <a:avLst/>
+          </a:prstGeom>
+          <a:solidFill>
+            <a:schemeClr val="accent1"/>
+          </a:solidFill>
+          <a:ln>
+            <a:noFill/>
+          </a:ln>
+        </p:spPr>
+        <p:style>
+          <a:lnRef idx="2">
+            <a:schemeClr val="accent1">
+              <a:shade val="50000"/>
+            </a:schemeClr>
+          </a:lnRef>
+          <a:fillRef idx="1">
+            <a:schemeClr val="accent1"/>
+          </a:fillRef>
+          <a:effectRef idx="0">
+            <a:schemeClr val="accent1"/>
+          </a:effectRef>
+          <a:fontRef idx="minor">
+            <a:schemeClr val="lt1"/>
+          </a:fontRef>
+        </p:style>
+        <p:txBody>
+          <a:bodyPr rtlCol="0" anchor="ctr"/>
+          <a:lstStyle/>
+          <a:p>
+            <a:pPr algn="ctr"/>
+            <a:endParaRPr lang="en-US" dirty="0"/>
+          </a:p>
+        </p:txBody>
+      </p:sp>
+      <p:sp>
+        <p:nvSpPr>
+          <p:cNvPr id="2" name="Title 1">
+            <a:extLst>
+              <a:ext uri="{FF2B5EF4-FFF2-40B4-BE49-F238E27FC236}">
+                <a16:creationId xmlns:a16="http://schemas.microsoft.com/office/drawing/2014/main" id="{6F8EFF52-A005-4119-A602-6D50B64F33C5}"/>
+              </a:ext>
+            </a:extLst>
+          </p:cNvPr>
+          <p:cNvSpPr>
+            <a:spLocks noGrp="1"/>
+          </p:cNvSpPr>
+          <p:nvPr>
+            <p:ph type="title"/>
+          </p:nvPr>
+        </p:nvSpPr>
+        <p:spPr>
+          <a:xfrm>
+            <a:off x="524741" y="620392"/>
+            <a:ext cx="3808268" cy="5504688"/>
+          </a:xfrm>
+        </p:spPr>
+        <p:txBody>
+          <a:bodyPr>
+            <a:normAutofit/>
+          </a:bodyPr>
+          <a:lstStyle/>
+          <a:p>
+            <a:pPr algn="ctr"/>
+            <a:r>
+              <a:rPr lang="en-US" sz="6000" dirty="0">
+                <a:solidFill>
+                  <a:schemeClr val="bg1"/>
+                </a:solidFill>
+              </a:rPr>
+              <a:t>Dataset</a:t>
+            </a:r>
+          </a:p>
+        </p:txBody>
+      </p:sp>
+      <p:graphicFrame>
+        <p:nvGraphicFramePr>
+          <p:cNvPr id="5" name="Content Placeholder 2">
+            <a:extLst>
+              <a:ext uri="{FF2B5EF4-FFF2-40B4-BE49-F238E27FC236}">
+                <a16:creationId xmlns:a16="http://schemas.microsoft.com/office/drawing/2014/main" id="{89C43A55-6A7E-430F-AAB2-E60BEF596254}"/>
+              </a:ext>
+            </a:extLst>
+          </p:cNvPr>
+          <p:cNvGraphicFramePr>
+            <a:graphicFrameLocks noGrp="1"/>
+          </p:cNvGraphicFramePr>
+          <p:nvPr>
+            <p:ph idx="1"/>
+            <p:extLst>
+              <p:ext uri="{D42A27DB-BD31-4B8C-83A1-F6EECF244321}">
+                <p14:modId xmlns:p14="http://schemas.microsoft.com/office/powerpoint/2010/main" val="2255430401"/>
+              </p:ext>
+            </p:extLst>
+          </p:nvPr>
+        </p:nvGraphicFramePr>
+        <p:xfrm>
+          <a:off x="5468389" y="620392"/>
+          <a:ext cx="6263640" cy="5504688"/>
+        </p:xfrm>
+        <a:graphic>
+          <a:graphicData uri="http://schemas.openxmlformats.org/drawingml/2006/diagram">
+            <dgm:relIds xmlns:dgm="http://schemas.openxmlformats.org/drawingml/2006/diagram" xmlns:r="http://schemas.openxmlformats.org/officeDocument/2006/relationships" r:dm="rId2" r:lo="rId3" r:qs="rId4" r:cs="rId5"/>
+          </a:graphicData>
+        </a:graphic>
+      </p:graphicFrame>
+    </p:spTree>
+    <p:extLst>
+      <p:ext uri="{BB962C8B-B14F-4D97-AF65-F5344CB8AC3E}">
+        <p14:creationId xmlns:p14="http://schemas.microsoft.com/office/powerpoint/2010/main" val="4290914937"/>
+      </p:ext>
+    </p:extLst>
+  </p:cSld>
+  <p:clrMapOvr>
+    <a:masterClrMapping/>
+  </p:clrMapOvr>
+</p:sld>
+</file>
+
+<file path=ppt/slides/slide3.xml><?xml version="1.0" encoding="utf-8"?>
 <p:sld xmlns:a="http://schemas.openxmlformats.org/drawingml/2006/main" xmlns:r="http://schemas.openxmlformats.org/officeDocument/2006/relationships" xmlns:p="http://schemas.openxmlformats.org/presentationml/2006/main">
   <p:cSld>
     <p:bg>
@@ -7497,7 +10505,7 @@
                   <a:schemeClr val="bg1"/>
                 </a:solidFill>
               </a:rPr>
-              <a:t>negative     7781</a:t>
+              <a:t>Negative: 7781</a:t>
             </a:r>
           </a:p>
           <a:p>
@@ -7510,7 +10518,7 @@
                   <a:schemeClr val="bg1"/>
                 </a:solidFill>
               </a:rPr>
-              <a:t>neutral     11118</a:t>
+              <a:t>Neutral:   11118</a:t>
             </a:r>
           </a:p>
           <a:p>
@@ -7523,7 +10531,7 @@
                   <a:schemeClr val="bg1"/>
                 </a:solidFill>
               </a:rPr>
-              <a:t>positive     8582</a:t>
+              <a:t>Positive:   8582</a:t>
             </a:r>
           </a:p>
         </p:txBody>
@@ -7816,7 +10824,7 @@
                   <a:schemeClr val="bg1"/>
                 </a:solidFill>
               </a:rPr>
-              <a:t>negative     1001</a:t>
+              <a:t>Negative: 1001</a:t>
             </a:r>
           </a:p>
           <a:p>
@@ -7830,7 +10838,7 @@
                   <a:schemeClr val="bg1"/>
                 </a:solidFill>
               </a:rPr>
-              <a:t>neutral     1430</a:t>
+              <a:t>Neutral:   1430</a:t>
             </a:r>
           </a:p>
           <a:p>
@@ -7844,7 +10852,7 @@
                   <a:schemeClr val="bg1"/>
                 </a:solidFill>
               </a:rPr>
-              <a:t>positive     1103</a:t>
+              <a:t>Positive:   1103</a:t>
             </a:r>
           </a:p>
         </p:txBody>
@@ -7862,7 +10870,7 @@
 </p:sld>
 </file>
 
-<file path=ppt/slides/slide3.xml><?xml version="1.0" encoding="utf-8"?>
+<file path=ppt/slides/slide4.xml><?xml version="1.0" encoding="utf-8"?>
 <p:sld xmlns:a="http://schemas.openxmlformats.org/drawingml/2006/main" xmlns:r="http://schemas.openxmlformats.org/officeDocument/2006/relationships" xmlns:p="http://schemas.openxmlformats.org/presentationml/2006/main">
   <p:cSld>
     <p:bg>
@@ -8112,7 +11120,7 @@
                   <a:schemeClr val="bg1"/>
                 </a:solidFill>
               </a:rPr>
-              <a:t>Neutral: 7781</a:t>
+              <a:t>Neutral:   7781</a:t>
             </a:r>
           </a:p>
           <a:p>
@@ -8125,7 +11133,7 @@
                   <a:schemeClr val="bg1"/>
                 </a:solidFill>
               </a:rPr>
-              <a:t>Positive: 7781</a:t>
+              <a:t>Positive:   7781</a:t>
             </a:r>
           </a:p>
         </p:txBody>
@@ -8179,7 +11187,7 @@
 </p:sld>
 </file>
 
-<file path=ppt/slides/slide4.xml><?xml version="1.0" encoding="utf-8"?>
+<file path=ppt/slides/slide5.xml><?xml version="1.0" encoding="utf-8"?>
 <p:sld xmlns:a="http://schemas.openxmlformats.org/drawingml/2006/main" xmlns:r="http://schemas.openxmlformats.org/officeDocument/2006/relationships" xmlns:p="http://schemas.openxmlformats.org/presentationml/2006/main">
   <p:cSld>
     <p:bg>
@@ -8206,10 +11214,10 @@
       </p:grpSpPr>
       <p:sp useBgFill="1">
         <p:nvSpPr>
-          <p:cNvPr id="9" name="Rectangle 8">
+          <p:cNvPr id="20" name="Rectangle 19">
             <a:extLst>
               <a:ext uri="{FF2B5EF4-FFF2-40B4-BE49-F238E27FC236}">
-                <a16:creationId xmlns:a16="http://schemas.microsoft.com/office/drawing/2014/main" id="{BACC6370-2D7E-4714-9D71-7542949D7D5D}"/>
+                <a16:creationId xmlns:a16="http://schemas.microsoft.com/office/drawing/2014/main" id="{6C4028FD-8BAA-4A19-BFDE-594D991B7552}"/>
               </a:ext>
               <a:ext uri="{C183D7F6-B498-43B3-948B-1728B52AA6E4}">
                 <adec:decorative xmlns:adec="http://schemas.microsoft.com/office/drawing/2017/decorative" val="1"/>
@@ -8229,103 +11237,12 @@
         </p:nvSpPr>
         <p:spPr>
           <a:xfrm>
-            <a:off x="0" y="0"/>
-            <a:ext cx="12192000" cy="6858000"/>
+            <a:off x="-1" y="0"/>
+            <a:ext cx="12188952" cy="6858000"/>
           </a:xfrm>
           <a:prstGeom prst="rect">
             <a:avLst/>
           </a:prstGeom>
-          <a:ln w="12700" cap="flat" cmpd="sng" algn="ctr">
-            <a:noFill/>
-            <a:prstDash val="solid"/>
-            <a:miter lim="800000"/>
-          </a:ln>
-          <a:effectLst/>
-          <a:extLst>
-            <a:ext uri="{91240B29-F687-4F45-9708-019B960494DF}">
-              <a14:hiddenLine xmlns:a14="http://schemas.microsoft.com/office/drawing/2010/main" w="12700" cap="flat" cmpd="sng" algn="ctr">
-                <a:solidFill>
-                  <a:schemeClr val="accent1">
-                    <a:shade val="50000"/>
-                  </a:schemeClr>
-                </a:solidFill>
-                <a:prstDash val="solid"/>
-                <a:miter lim="800000"/>
-              </a14:hiddenLine>
-            </a:ext>
-          </a:extLst>
-        </p:spPr>
-        <p:style>
-          <a:lnRef idx="2">
-            <a:schemeClr val="accent1">
-              <a:shade val="50000"/>
-            </a:schemeClr>
-          </a:lnRef>
-          <a:fillRef idx="1">
-            <a:schemeClr val="accent1"/>
-          </a:fillRef>
-          <a:effectRef idx="0">
-            <a:schemeClr val="accent1"/>
-          </a:effectRef>
-          <a:fontRef idx="minor">
-            <a:schemeClr val="lt1"/>
-          </a:fontRef>
-        </p:style>
-        <p:txBody>
-          <a:bodyPr rtlCol="0" anchor="ctr"/>
-          <a:lstStyle/>
-          <a:p>
-            <a:pPr algn="ctr"/>
-            <a:endParaRPr lang="en-US"/>
-          </a:p>
-        </p:txBody>
-      </p:sp>
-      <p:sp>
-        <p:nvSpPr>
-          <p:cNvPr id="11" name="Rectangle 10">
-            <a:extLst>
-              <a:ext uri="{FF2B5EF4-FFF2-40B4-BE49-F238E27FC236}">
-                <a16:creationId xmlns:a16="http://schemas.microsoft.com/office/drawing/2014/main" id="{F68B3F68-107C-434F-AA38-110D5EA91B85}"/>
-              </a:ext>
-              <a:ext uri="{C183D7F6-B498-43B3-948B-1728B52AA6E4}">
-                <adec:decorative xmlns:adec="http://schemas.microsoft.com/office/drawing/2017/decorative" val="1"/>
-              </a:ext>
-            </a:extLst>
-          </p:cNvPr>
-          <p:cNvSpPr>
-            <a:spLocks noGrp="1" noRot="1" noChangeAspect="1" noMove="1" noResize="1" noEditPoints="1" noAdjustHandles="1" noChangeArrowheads="1" noChangeShapeType="1" noTextEdit="1"/>
-          </p:cNvSpPr>
-          <p:nvPr>
-            <p:extLst>
-              <p:ext uri="{386F3935-93C4-4BCD-93E2-E3B085C9AB24}">
-                <p16:designElem xmlns:p16="http://schemas.microsoft.com/office/powerpoint/2015/main" val="1"/>
-              </p:ext>
-            </p:extLst>
-          </p:nvPr>
-        </p:nvSpPr>
-        <p:spPr>
-          <a:xfrm flipH="1">
-            <a:off x="2" y="0"/>
-            <a:ext cx="12191998" cy="2170031"/>
-          </a:xfrm>
-          <a:prstGeom prst="rect">
-            <a:avLst/>
-          </a:prstGeom>
-          <a:gradFill>
-            <a:gsLst>
-              <a:gs pos="0">
-                <a:srgbClr val="000000">
-                  <a:alpha val="96000"/>
-                </a:srgbClr>
-              </a:gs>
-              <a:gs pos="100000">
-                <a:schemeClr val="accent1">
-                  <a:lumMod val="75000"/>
-                </a:schemeClr>
-              </a:gs>
-            </a:gsLst>
-            <a:lin ang="19800000" scaled="0"/>
-          </a:gradFill>
           <a:ln>
             <a:noFill/>
           </a:ln>
@@ -8357,10 +11274,114 @@
       </p:sp>
       <p:sp>
         <p:nvSpPr>
-          <p:cNvPr id="13" name="Rectangle 12">
+          <p:cNvPr id="2" name="Title 1">
             <a:extLst>
               <a:ext uri="{FF2B5EF4-FFF2-40B4-BE49-F238E27FC236}">
-                <a16:creationId xmlns:a16="http://schemas.microsoft.com/office/drawing/2014/main" id="{AAD0DBB9-1A4B-4391-81D4-CB19F9AB918A}"/>
+                <a16:creationId xmlns:a16="http://schemas.microsoft.com/office/drawing/2014/main" id="{86968473-CAA8-41C1-B581-286A97284554}"/>
+              </a:ext>
+            </a:extLst>
+          </p:cNvPr>
+          <p:cNvSpPr>
+            <a:spLocks noGrp="1"/>
+          </p:cNvSpPr>
+          <p:nvPr>
+            <p:ph type="title"/>
+          </p:nvPr>
+        </p:nvSpPr>
+        <p:spPr>
+          <a:xfrm>
+            <a:off x="838200" y="556995"/>
+            <a:ext cx="10515600" cy="1133693"/>
+          </a:xfrm>
+        </p:spPr>
+        <p:txBody>
+          <a:bodyPr>
+            <a:normAutofit/>
+          </a:bodyPr>
+          <a:lstStyle/>
+          <a:p>
+            <a:r>
+              <a:rPr lang="en-US" sz="5200"/>
+              <a:t>Text pre-processing Steps </a:t>
+            </a:r>
+          </a:p>
+        </p:txBody>
+      </p:sp>
+      <p:graphicFrame>
+        <p:nvGraphicFramePr>
+          <p:cNvPr id="5" name="Content Placeholder 2">
+            <a:extLst>
+              <a:ext uri="{FF2B5EF4-FFF2-40B4-BE49-F238E27FC236}">
+                <a16:creationId xmlns:a16="http://schemas.microsoft.com/office/drawing/2014/main" id="{E307E2E9-B278-48D3-A43E-C1E4FF41DF09}"/>
+              </a:ext>
+            </a:extLst>
+          </p:cNvPr>
+          <p:cNvGraphicFramePr>
+            <a:graphicFrameLocks noGrp="1"/>
+          </p:cNvGraphicFramePr>
+          <p:nvPr>
+            <p:ph idx="1"/>
+            <p:extLst>
+              <p:ext uri="{D42A27DB-BD31-4B8C-83A1-F6EECF244321}">
+                <p14:modId xmlns:p14="http://schemas.microsoft.com/office/powerpoint/2010/main" val="2932552543"/>
+              </p:ext>
+            </p:extLst>
+          </p:nvPr>
+        </p:nvGraphicFramePr>
+        <p:xfrm>
+          <a:off x="838200" y="1825625"/>
+          <a:ext cx="10515600" cy="4351338"/>
+        </p:xfrm>
+        <a:graphic>
+          <a:graphicData uri="http://schemas.openxmlformats.org/drawingml/2006/diagram">
+            <dgm:relIds xmlns:dgm="http://schemas.openxmlformats.org/drawingml/2006/diagram" xmlns:r="http://schemas.openxmlformats.org/officeDocument/2006/relationships" r:dm="rId2" r:lo="rId3" r:qs="rId4" r:cs="rId5"/>
+          </a:graphicData>
+        </a:graphic>
+      </p:graphicFrame>
+    </p:spTree>
+    <p:extLst>
+      <p:ext uri="{BB962C8B-B14F-4D97-AF65-F5344CB8AC3E}">
+        <p14:creationId xmlns:p14="http://schemas.microsoft.com/office/powerpoint/2010/main" val="3211443207"/>
+      </p:ext>
+    </p:extLst>
+  </p:cSld>
+  <p:clrMapOvr>
+    <a:masterClrMapping/>
+  </p:clrMapOvr>
+</p:sld>
+</file>
+
+<file path=ppt/slides/slide6.xml><?xml version="1.0" encoding="utf-8"?>
+<p:sld xmlns:a="http://schemas.openxmlformats.org/drawingml/2006/main" xmlns:r="http://schemas.openxmlformats.org/officeDocument/2006/relationships" xmlns:p="http://schemas.openxmlformats.org/presentationml/2006/main">
+  <p:cSld>
+    <p:bg>
+      <p:bgPr>
+        <a:solidFill>
+          <a:schemeClr val="bg1"/>
+        </a:solidFill>
+        <a:effectLst/>
+      </p:bgPr>
+    </p:bg>
+    <p:spTree>
+      <p:nvGrpSpPr>
+        <p:cNvPr id="1" name=""/>
+        <p:cNvGrpSpPr/>
+        <p:nvPr/>
+      </p:nvGrpSpPr>
+      <p:grpSpPr>
+        <a:xfrm>
+          <a:off x="0" y="0"/>
+          <a:ext cx="0" cy="0"/>
+          <a:chOff x="0" y="0"/>
+          <a:chExt cx="0" cy="0"/>
+        </a:xfrm>
+      </p:grpSpPr>
+      <p:sp>
+        <p:nvSpPr>
+          <p:cNvPr id="23" name="Rectangle 20">
+            <a:extLst>
+              <a:ext uri="{FF2B5EF4-FFF2-40B4-BE49-F238E27FC236}">
+                <a16:creationId xmlns:a16="http://schemas.microsoft.com/office/drawing/2014/main" id="{ADF2AA3E-C714-4E8D-9F46-9E6FFF7FBA36}"/>
               </a:ext>
               <a:ext uri="{C183D7F6-B498-43B3-948B-1728B52AA6E4}">
                 <adec:decorative xmlns:adec="http://schemas.microsoft.com/office/drawing/2017/decorative" val="1"/>
@@ -8378,32 +11399,27 @@
             </p:extLst>
           </p:nvPr>
         </p:nvSpPr>
-        <p:spPr>
-          <a:xfrm flipH="1">
-            <a:off x="8082819" y="0"/>
-            <a:ext cx="4097211" cy="2170661"/>
+        <p:spPr bwMode="ltGray">
+          <a:xfrm>
+            <a:off x="393308" y="338328"/>
+            <a:ext cx="11438793" cy="1577725"/>
           </a:xfrm>
           <a:prstGeom prst="rect">
             <a:avLst/>
           </a:prstGeom>
-          <a:gradFill>
-            <a:gsLst>
-              <a:gs pos="19000">
-                <a:schemeClr val="accent1">
-                  <a:lumMod val="50000"/>
-                  <a:alpha val="68000"/>
-                </a:schemeClr>
-              </a:gs>
-              <a:gs pos="100000">
-                <a:schemeClr val="accent1">
-                  <a:alpha val="48000"/>
-                </a:schemeClr>
-              </a:gs>
-            </a:gsLst>
-            <a:lin ang="19200000" scaled="0"/>
-          </a:gradFill>
-          <a:ln>
-            <a:noFill/>
+          <a:solidFill>
+            <a:schemeClr val="tx1">
+              <a:lumMod val="75000"/>
+              <a:lumOff val="25000"/>
+            </a:schemeClr>
+          </a:solidFill>
+          <a:ln w="127000" cap="sq" cmpd="thinThick">
+            <a:solidFill>
+              <a:schemeClr val="tx1">
+                <a:lumMod val="75000"/>
+                <a:lumOff val="25000"/>
+              </a:schemeClr>
+            </a:solidFill>
           </a:ln>
         </p:spPr>
         <p:style>
@@ -8426,187 +11442,40 @@
           <a:bodyPr rtlCol="0" anchor="ctr"/>
           <a:lstStyle/>
           <a:p>
-            <a:pPr algn="ctr"/>
-            <a:endParaRPr lang="en-US"/>
+            <a:pPr marL="0" marR="0" lvl="0" indent="0" algn="ctr" defTabSz="914400" rtl="0" eaLnBrk="1" fontAlgn="auto" latinLnBrk="0" hangingPunct="1">
+              <a:lnSpc>
+                <a:spcPct val="100000"/>
+              </a:lnSpc>
+              <a:spcBef>
+                <a:spcPts val="0"/>
+              </a:spcBef>
+              <a:spcAft>
+                <a:spcPts val="0"/>
+              </a:spcAft>
+              <a:buClrTx/>
+              <a:buSzTx/>
+              <a:buFontTx/>
+              <a:buNone/>
+              <a:tabLst/>
+              <a:defRPr/>
+            </a:pPr>
+            <a:endParaRPr kumimoji="0" lang="en-US" sz="1800" b="0" i="0" u="none" strike="noStrike" kern="1200" cap="none" spc="0" normalizeH="0" baseline="0" noProof="0">
+              <a:ln>
+                <a:noFill/>
+              </a:ln>
+              <a:solidFill>
+                <a:prstClr val="white"/>
+              </a:solidFill>
+              <a:effectLst/>
+              <a:uLnTx/>
+              <a:uFillTx/>
+              <a:latin typeface="Calibri" panose="020F0502020204030204"/>
+              <a:ea typeface="+mn-ea"/>
+              <a:cs typeface="+mn-cs"/>
+            </a:endParaRPr>
           </a:p>
         </p:txBody>
       </p:sp>
-      <p:sp>
-        <p:nvSpPr>
-          <p:cNvPr id="15" name="Rectangle 14">
-            <a:extLst>
-              <a:ext uri="{FF2B5EF4-FFF2-40B4-BE49-F238E27FC236}">
-                <a16:creationId xmlns:a16="http://schemas.microsoft.com/office/drawing/2014/main" id="{063BBA22-50EA-4C4D-BE05-F1CE4E63AA56}"/>
-              </a:ext>
-              <a:ext uri="{C183D7F6-B498-43B3-948B-1728B52AA6E4}">
-                <adec:decorative xmlns:adec="http://schemas.microsoft.com/office/drawing/2017/decorative" val="1"/>
-              </a:ext>
-            </a:extLst>
-          </p:cNvPr>
-          <p:cNvSpPr>
-            <a:spLocks noGrp="1" noRot="1" noChangeAspect="1" noMove="1" noResize="1" noEditPoints="1" noAdjustHandles="1" noChangeArrowheads="1" noChangeShapeType="1" noTextEdit="1"/>
-          </p:cNvSpPr>
-          <p:nvPr>
-            <p:extLst>
-              <p:ext uri="{386F3935-93C4-4BCD-93E2-E3B085C9AB24}">
-                <p16:designElem xmlns:p16="http://schemas.microsoft.com/office/powerpoint/2015/main" val="1"/>
-              </p:ext>
-            </p:extLst>
-          </p:nvPr>
-        </p:nvSpPr>
-        <p:spPr>
-          <a:xfrm rot="16200000" flipH="1">
-            <a:off x="5010646" y="-5010043"/>
-            <a:ext cx="2170709" cy="12192000"/>
-          </a:xfrm>
-          <a:prstGeom prst="rect">
-            <a:avLst/>
-          </a:prstGeom>
-          <a:gradFill>
-            <a:gsLst>
-              <a:gs pos="23000">
-                <a:schemeClr val="accent1">
-                  <a:lumMod val="75000"/>
-                  <a:alpha val="16000"/>
-                </a:schemeClr>
-              </a:gs>
-              <a:gs pos="99000">
-                <a:srgbClr val="000000">
-                  <a:alpha val="45000"/>
-                </a:srgbClr>
-              </a:gs>
-            </a:gsLst>
-            <a:lin ang="21000000" scaled="0"/>
-          </a:gradFill>
-          <a:ln>
-            <a:noFill/>
-          </a:ln>
-        </p:spPr>
-        <p:style>
-          <a:lnRef idx="2">
-            <a:schemeClr val="accent1">
-              <a:shade val="50000"/>
-            </a:schemeClr>
-          </a:lnRef>
-          <a:fillRef idx="1">
-            <a:schemeClr val="accent1"/>
-          </a:fillRef>
-          <a:effectRef idx="0">
-            <a:schemeClr val="accent1"/>
-          </a:effectRef>
-          <a:fontRef idx="minor">
-            <a:schemeClr val="lt1"/>
-          </a:fontRef>
-        </p:style>
-        <p:txBody>
-          <a:bodyPr rtlCol="0" anchor="ctr"/>
-          <a:lstStyle/>
-          <a:p>
-            <a:pPr algn="ctr"/>
-            <a:endParaRPr lang="en-US" dirty="0"/>
-          </a:p>
-        </p:txBody>
-      </p:sp>
-      <p:sp>
-        <p:nvSpPr>
-          <p:cNvPr id="2" name="Title 1">
-            <a:extLst>
-              <a:ext uri="{FF2B5EF4-FFF2-40B4-BE49-F238E27FC236}">
-                <a16:creationId xmlns:a16="http://schemas.microsoft.com/office/drawing/2014/main" id="{86968473-CAA8-41C1-B581-286A97284554}"/>
-              </a:ext>
-            </a:extLst>
-          </p:cNvPr>
-          <p:cNvSpPr>
-            <a:spLocks noGrp="1"/>
-          </p:cNvSpPr>
-          <p:nvPr>
-            <p:ph type="title"/>
-          </p:nvPr>
-        </p:nvSpPr>
-        <p:spPr>
-          <a:xfrm>
-            <a:off x="1383564" y="348865"/>
-            <a:ext cx="9718111" cy="1576446"/>
-          </a:xfrm>
-        </p:spPr>
-        <p:txBody>
-          <a:bodyPr anchor="ctr">
-            <a:normAutofit/>
-          </a:bodyPr>
-          <a:lstStyle/>
-          <a:p>
-            <a:r>
-              <a:rPr lang="en-US" sz="4000">
-                <a:solidFill>
-                  <a:srgbClr val="FFFFFF"/>
-                </a:solidFill>
-              </a:rPr>
-              <a:t>Text pre-processing Steps </a:t>
-            </a:r>
-          </a:p>
-        </p:txBody>
-      </p:sp>
-      <p:graphicFrame>
-        <p:nvGraphicFramePr>
-          <p:cNvPr id="5" name="Content Placeholder 2">
-            <a:extLst>
-              <a:ext uri="{FF2B5EF4-FFF2-40B4-BE49-F238E27FC236}">
-                <a16:creationId xmlns:a16="http://schemas.microsoft.com/office/drawing/2014/main" id="{E307E2E9-B278-48D3-A43E-C1E4FF41DF09}"/>
-              </a:ext>
-            </a:extLst>
-          </p:cNvPr>
-          <p:cNvGraphicFramePr>
-            <a:graphicFrameLocks noGrp="1"/>
-          </p:cNvGraphicFramePr>
-          <p:nvPr>
-            <p:ph idx="1"/>
-            <p:extLst>
-              <p:ext uri="{D42A27DB-BD31-4B8C-83A1-F6EECF244321}">
-                <p14:modId xmlns:p14="http://schemas.microsoft.com/office/powerpoint/2010/main" val="2935875921"/>
-              </p:ext>
-            </p:extLst>
-          </p:nvPr>
-        </p:nvGraphicFramePr>
-        <p:xfrm>
-          <a:off x="644056" y="2615979"/>
-          <a:ext cx="10927829" cy="3689405"/>
-        </p:xfrm>
-        <a:graphic>
-          <a:graphicData uri="http://schemas.openxmlformats.org/drawingml/2006/diagram">
-            <dgm:relIds xmlns:dgm="http://schemas.openxmlformats.org/drawingml/2006/diagram" xmlns:r="http://schemas.openxmlformats.org/officeDocument/2006/relationships" r:dm="rId2" r:lo="rId3" r:qs="rId4" r:cs="rId5"/>
-          </a:graphicData>
-        </a:graphic>
-      </p:graphicFrame>
-    </p:spTree>
-    <p:extLst>
-      <p:ext uri="{BB962C8B-B14F-4D97-AF65-F5344CB8AC3E}">
-        <p14:creationId xmlns:p14="http://schemas.microsoft.com/office/powerpoint/2010/main" val="3211443207"/>
-      </p:ext>
-    </p:extLst>
-  </p:cSld>
-  <p:clrMapOvr>
-    <a:masterClrMapping/>
-  </p:clrMapOvr>
-</p:sld>
-</file>
-
-<file path=ppt/slides/slide5.xml><?xml version="1.0" encoding="utf-8"?>
-<p:sld xmlns:a="http://schemas.openxmlformats.org/drawingml/2006/main" xmlns:r="http://schemas.openxmlformats.org/officeDocument/2006/relationships" xmlns:p="http://schemas.openxmlformats.org/presentationml/2006/main">
-  <p:cSld>
-    <p:spTree>
-      <p:nvGrpSpPr>
-        <p:cNvPr id="1" name=""/>
-        <p:cNvGrpSpPr/>
-        <p:nvPr/>
-      </p:nvGrpSpPr>
-      <p:grpSpPr>
-        <a:xfrm>
-          <a:off x="0" y="0"/>
-          <a:ext cx="0" cy="0"/>
-          <a:chOff x="0" y="0"/>
-          <a:chExt cx="0" cy="0"/>
-        </a:xfrm>
-      </p:grpSpPr>
       <p:sp>
         <p:nvSpPr>
           <p:cNvPr id="2" name="Title 1">
@@ -8623,13 +11492,24 @@
             <p:ph type="title"/>
           </p:nvPr>
         </p:nvSpPr>
-        <p:spPr/>
+        <p:spPr>
+          <a:xfrm>
+            <a:off x="838200" y="467541"/>
+            <a:ext cx="10515600" cy="1325563"/>
+          </a:xfrm>
+        </p:spPr>
         <p:txBody>
-          <a:bodyPr/>
+          <a:bodyPr>
+            <a:normAutofit/>
+          </a:bodyPr>
           <a:lstStyle/>
           <a:p>
             <a:r>
-              <a:rPr lang="en-US" dirty="0"/>
+              <a:rPr lang="en-US">
+                <a:solidFill>
+                  <a:schemeClr val="bg1"/>
+                </a:solidFill>
+              </a:rPr>
               <a:t>Text Cleaning Examples</a:t>
             </a:r>
           </a:p>
@@ -8651,28 +11531,28 @@
             <p:ph idx="1"/>
             <p:extLst>
               <p:ext uri="{D42A27DB-BD31-4B8C-83A1-F6EECF244321}">
-                <p14:modId xmlns:p14="http://schemas.microsoft.com/office/powerpoint/2010/main" val="1355649609"/>
+                <p14:modId xmlns:p14="http://schemas.microsoft.com/office/powerpoint/2010/main" val="3166789738"/>
               </p:ext>
             </p:extLst>
           </p:nvPr>
         </p:nvGraphicFramePr>
         <p:xfrm>
-          <a:off x="285226" y="1510018"/>
-          <a:ext cx="11068574" cy="4782947"/>
+          <a:off x="1348881" y="2281565"/>
+          <a:ext cx="9494238" cy="3939321"/>
         </p:xfrm>
         <a:graphic>
           <a:graphicData uri="http://schemas.openxmlformats.org/drawingml/2006/table">
             <a:tbl>
               <a:tblPr/>
               <a:tblGrid>
-                <a:gridCol w="5517189">
+                <a:gridCol w="4734061">
                   <a:extLst>
                     <a:ext uri="{9D8B030D-6E8A-4147-A177-3AD203B41FA5}">
                       <a16:colId xmlns:a16="http://schemas.microsoft.com/office/drawing/2014/main" val="2099994683"/>
                     </a:ext>
                   </a:extLst>
                 </a:gridCol>
-                <a:gridCol w="5551385">
+                <a:gridCol w="4760177">
                   <a:extLst>
                     <a:ext uri="{9D8B030D-6E8A-4147-A177-3AD203B41FA5}">
                       <a16:colId xmlns:a16="http://schemas.microsoft.com/office/drawing/2014/main" val="4125157345"/>
@@ -8680,14 +11560,14 @@
                   </a:extLst>
                 </a:gridCol>
               </a:tblGrid>
-              <a:tr h="189147">
+              <a:tr h="162810">
                 <a:tc>
                   <a:txBody>
                     <a:bodyPr/>
                     <a:lstStyle/>
                     <a:p>
                       <a:pPr algn="l" fontAlgn="b"/>
-                      <a:endParaRPr lang="en-US" sz="900" b="0" i="0" u="none" strike="noStrike" dirty="0">
+                      <a:endParaRPr lang="en-US" sz="800" b="0" i="0" u="none" strike="noStrike">
                         <a:solidFill>
                           <a:srgbClr val="000000"/>
                         </a:solidFill>
@@ -8696,7 +11576,7 @@
                       </a:endParaRPr>
                     </a:p>
                   </a:txBody>
-                  <a:tcPr marL="6498" marR="6498" marT="6498" marB="0" anchor="b">
+                  <a:tcPr marL="5499" marR="5499" marT="5499" marB="0" anchor="b">
                     <a:lnL>
                       <a:noFill/>
                     </a:lnL>
@@ -8717,7 +11597,7 @@
                     <a:lstStyle/>
                     <a:p>
                       <a:pPr algn="l" fontAlgn="b"/>
-                      <a:endParaRPr lang="en-US" sz="900" b="0" i="0" u="none" strike="noStrike" dirty="0">
+                      <a:endParaRPr lang="en-US" sz="800" b="0" i="0" u="none" strike="noStrike" dirty="0">
                         <a:solidFill>
                           <a:srgbClr val="000000"/>
                         </a:solidFill>
@@ -8726,7 +11606,7 @@
                       </a:endParaRPr>
                     </a:p>
                   </a:txBody>
-                  <a:tcPr marL="6498" marR="6498" marT="6498" marB="0" anchor="b">
+                  <a:tcPr marL="5499" marR="5499" marT="5499" marB="0" anchor="b">
                     <a:lnL>
                       <a:noFill/>
                     </a:lnL>
@@ -8747,7 +11627,7 @@
                   </a:ext>
                 </a:extLst>
               </a:tr>
-              <a:tr h="230693">
+              <a:tr h="263062">
                 <a:tc>
                   <a:txBody>
                     <a:bodyPr/>
@@ -8755,7 +11635,7 @@
                     <a:p>
                       <a:pPr algn="l" fontAlgn="b"/>
                       <a:r>
-                        <a:rPr lang="en-US" sz="1100" b="0" i="0" u="none" strike="noStrike" dirty="0">
+                        <a:rPr lang="en-US" sz="1500" b="1" i="0" u="none" strike="noStrike">
                           <a:solidFill>
                             <a:srgbClr val="000000"/>
                           </a:solidFill>
@@ -8766,7 +11646,7 @@
                       </a:r>
                     </a:p>
                   </a:txBody>
-                  <a:tcPr marL="7620" marR="7620" marT="7620" marB="0" anchor="b">
+                  <a:tcPr marL="6449" marR="6449" marT="6449" marB="0" anchor="b">
                     <a:lnL>
                       <a:noFill/>
                     </a:lnL>
@@ -8788,7 +11668,7 @@
                     <a:p>
                       <a:pPr algn="l" fontAlgn="b"/>
                       <a:r>
-                        <a:rPr lang="en-US" sz="1100" b="0" i="0" u="none" strike="noStrike" dirty="0">
+                        <a:rPr lang="en-US" sz="1500" b="1" i="0" u="none" strike="noStrike">
                           <a:solidFill>
                             <a:srgbClr val="000000"/>
                           </a:solidFill>
@@ -8799,7 +11679,7 @@
                       </a:r>
                     </a:p>
                   </a:txBody>
-                  <a:tcPr marL="7620" marR="7620" marT="7620" marB="0" anchor="b">
+                  <a:tcPr marL="6449" marR="6449" marT="6449" marB="0" anchor="b">
                     <a:lnL>
                       <a:noFill/>
                     </a:lnL>
@@ -8820,7 +11700,7 @@
                   </a:ext>
                 </a:extLst>
               </a:tr>
-              <a:tr h="230693">
+              <a:tr h="189323">
                 <a:tc>
                   <a:txBody>
                     <a:bodyPr/>
@@ -8828,7 +11708,7 @@
                     <a:p>
                       <a:pPr algn="l" fontAlgn="b"/>
                       <a:r>
-                        <a:rPr lang="en-US" sz="1100" b="0" i="0" u="none" strike="noStrike" dirty="0">
+                        <a:rPr lang="en-US" sz="1000" b="0" i="0" u="none" strike="noStrike">
                           <a:solidFill>
                             <a:srgbClr val="000000"/>
                           </a:solidFill>
@@ -8839,7 +11719,7 @@
                       </a:r>
                     </a:p>
                   </a:txBody>
-                  <a:tcPr marL="7620" marR="7620" marT="7620" marB="0" anchor="b">
+                  <a:tcPr marL="6449" marR="6449" marT="6449" marB="0" anchor="b">
                     <a:lnL>
                       <a:noFill/>
                     </a:lnL>
@@ -8861,48 +11741,18 @@
                     <a:p>
                       <a:pPr algn="l" fontAlgn="b"/>
                       <a:r>
-                        <a:rPr lang="en-US" sz="1100" b="0" i="0" u="none" strike="noStrike" dirty="0" err="1">
+                        <a:rPr lang="en-US" sz="1000" b="0" i="0" u="none" strike="noStrike">
                           <a:solidFill>
                             <a:srgbClr val="000000"/>
                           </a:solidFill>
                           <a:effectLst/>
                           <a:latin typeface="Calibri" panose="020F0502020204030204" pitchFamily="34" charset="0"/>
                         </a:rPr>
-                        <a:t>i</a:t>
-                      </a:r>
-                      <a:r>
-                        <a:rPr lang="en-US" sz="1100" b="0" i="0" u="none" strike="noStrike" dirty="0">
-                          <a:solidFill>
-                            <a:srgbClr val="000000"/>
-                          </a:solidFill>
-                          <a:effectLst/>
-                          <a:latin typeface="Calibri" panose="020F0502020204030204" pitchFamily="34" charset="0"/>
-                        </a:rPr>
-                        <a:t> ` d have responded if </a:t>
-                      </a:r>
-                      <a:r>
-                        <a:rPr lang="en-US" sz="1100" b="0" i="0" u="none" strike="noStrike" dirty="0" err="1">
-                          <a:solidFill>
-                            <a:srgbClr val="000000"/>
-                          </a:solidFill>
-                          <a:effectLst/>
-                          <a:latin typeface="Calibri" panose="020F0502020204030204" pitchFamily="34" charset="0"/>
-                        </a:rPr>
-                        <a:t>i</a:t>
-                      </a:r>
-                      <a:r>
-                        <a:rPr lang="en-US" sz="1100" b="0" i="0" u="none" strike="noStrike" dirty="0">
-                          <a:solidFill>
-                            <a:srgbClr val="000000"/>
-                          </a:solidFill>
-                          <a:effectLst/>
-                          <a:latin typeface="Calibri" panose="020F0502020204030204" pitchFamily="34" charset="0"/>
-                        </a:rPr>
-                        <a:t> were going</a:t>
+                        <a:t>i ` d have responded if i were going</a:t>
                       </a:r>
                     </a:p>
                   </a:txBody>
-                  <a:tcPr marL="7620" marR="7620" marT="7620" marB="0" anchor="b">
+                  <a:tcPr marL="6449" marR="6449" marT="6449" marB="0" anchor="b">
                     <a:lnL>
                       <a:noFill/>
                     </a:lnL>
@@ -8923,7 +11773,7 @@
                   </a:ext>
                 </a:extLst>
               </a:tr>
-              <a:tr h="230693">
+              <a:tr h="189323">
                 <a:tc>
                   <a:txBody>
                     <a:bodyPr/>
@@ -8931,7 +11781,7 @@
                     <a:p>
                       <a:pPr algn="l" fontAlgn="b"/>
                       <a:r>
-                        <a:rPr lang="en-US" sz="1100" b="0" i="0" u="none" strike="noStrike">
+                        <a:rPr lang="en-US" sz="1000" b="0" i="0" u="none" strike="noStrike">
                           <a:solidFill>
                             <a:srgbClr val="000000"/>
                           </a:solidFill>
@@ -8942,7 +11792,7 @@
                       </a:r>
                     </a:p>
                   </a:txBody>
-                  <a:tcPr marL="7620" marR="7620" marT="7620" marB="0" anchor="b">
+                  <a:tcPr marL="6449" marR="6449" marT="6449" marB="0" anchor="b">
                     <a:lnL>
                       <a:noFill/>
                     </a:lnL>
@@ -8964,7 +11814,7 @@
                     <a:p>
                       <a:pPr algn="l" fontAlgn="b"/>
                       <a:r>
-                        <a:rPr lang="en-US" sz="1100" b="0" i="0" u="none" strike="noStrike">
+                        <a:rPr lang="en-US" sz="1000" b="0" i="0" u="none" strike="noStrike">
                           <a:solidFill>
                             <a:srgbClr val="000000"/>
                           </a:solidFill>
@@ -8975,7 +11825,7 @@
                       </a:r>
                     </a:p>
                   </a:txBody>
-                  <a:tcPr marL="7620" marR="7620" marT="7620" marB="0" anchor="b">
+                  <a:tcPr marL="6449" marR="6449" marT="6449" marB="0" anchor="b">
                     <a:lnL>
                       <a:noFill/>
                     </a:lnL>
@@ -8996,7 +11846,7 @@
                   </a:ext>
                 </a:extLst>
               </a:tr>
-              <a:tr h="230693">
+              <a:tr h="189323">
                 <a:tc>
                   <a:txBody>
                     <a:bodyPr/>
@@ -9004,7 +11854,7 @@
                     <a:p>
                       <a:pPr algn="l" fontAlgn="b"/>
                       <a:r>
-                        <a:rPr lang="en-US" sz="1100" b="0" i="0" u="none" strike="noStrike">
+                        <a:rPr lang="en-US" sz="1000" b="0" i="0" u="none" strike="noStrike">
                           <a:solidFill>
                             <a:srgbClr val="000000"/>
                           </a:solidFill>
@@ -9015,7 +11865,7 @@
                       </a:r>
                     </a:p>
                   </a:txBody>
-                  <a:tcPr marL="7620" marR="7620" marT="7620" marB="0" anchor="b">
+                  <a:tcPr marL="6449" marR="6449" marT="6449" marB="0" anchor="b">
                     <a:lnL>
                       <a:noFill/>
                     </a:lnL>
@@ -9037,7 +11887,7 @@
                     <a:p>
                       <a:pPr algn="l" fontAlgn="b"/>
                       <a:r>
-                        <a:rPr lang="en-US" sz="1100" b="0" i="0" u="none" strike="noStrike">
+                        <a:rPr lang="en-US" sz="1000" b="0" i="0" u="none" strike="noStrike">
                           <a:solidFill>
                             <a:srgbClr val="000000"/>
                           </a:solidFill>
@@ -9048,7 +11898,7 @@
                       </a:r>
                     </a:p>
                   </a:txBody>
-                  <a:tcPr marL="7620" marR="7620" marT="7620" marB="0" anchor="b">
+                  <a:tcPr marL="6449" marR="6449" marT="6449" marB="0" anchor="b">
                     <a:lnL>
                       <a:noFill/>
                     </a:lnL>
@@ -9069,7 +11919,7 @@
                   </a:ext>
                 </a:extLst>
               </a:tr>
-              <a:tr h="230693">
+              <a:tr h="189323">
                 <a:tc>
                   <a:txBody>
                     <a:bodyPr/>
@@ -9077,28 +11927,18 @@
                     <a:p>
                       <a:pPr algn="l" fontAlgn="b"/>
                       <a:r>
-                        <a:rPr lang="en-US" sz="1100" b="0" i="0" u="none" strike="noStrike" dirty="0">
+                        <a:rPr lang="en-US" sz="1000" b="0" i="0" u="none" strike="noStrike">
                           <a:solidFill>
                             <a:srgbClr val="000000"/>
                           </a:solidFill>
                           <a:effectLst/>
                           <a:latin typeface="Calibri" panose="020F0502020204030204" pitchFamily="34" charset="0"/>
                         </a:rPr>
-                        <a:t> what interview! </a:t>
-                      </a:r>
-                      <a:r>
-                        <a:rPr lang="en-US" sz="1100" b="0" i="0" u="none" strike="noStrike">
-                          <a:solidFill>
-                            <a:srgbClr val="000000"/>
-                          </a:solidFill>
-                          <a:effectLst/>
-                          <a:latin typeface="Calibri" panose="020F0502020204030204" pitchFamily="34" charset="0"/>
-                        </a:rPr>
-                        <a:t>leave me alone</a:t>
+                        <a:t> what interview! leave me alone</a:t>
                       </a:r>
                     </a:p>
                   </a:txBody>
-                  <a:tcPr marL="7620" marR="7620" marT="7620" marB="0" anchor="b">
+                  <a:tcPr marL="6449" marR="6449" marT="6449" marB="0" anchor="b">
                     <a:lnL>
                       <a:noFill/>
                     </a:lnL>
@@ -9120,7 +11960,7 @@
                     <a:p>
                       <a:pPr algn="l" fontAlgn="b"/>
                       <a:r>
-                        <a:rPr lang="en-US" sz="1100" b="0" i="0" u="none" strike="noStrike">
+                        <a:rPr lang="en-US" sz="1000" b="0" i="0" u="none" strike="noStrike">
                           <a:solidFill>
                             <a:srgbClr val="000000"/>
                           </a:solidFill>
@@ -9131,7 +11971,7 @@
                       </a:r>
                     </a:p>
                   </a:txBody>
-                  <a:tcPr marL="7620" marR="7620" marT="7620" marB="0" anchor="b">
+                  <a:tcPr marL="6449" marR="6449" marT="6449" marB="0" anchor="b">
                     <a:lnL>
                       <a:noFill/>
                     </a:lnL>
@@ -9152,7 +11992,7 @@
                   </a:ext>
                 </a:extLst>
               </a:tr>
-              <a:tr h="230693">
+              <a:tr h="189323">
                 <a:tc>
                   <a:txBody>
                     <a:bodyPr/>
@@ -9160,7 +12000,7 @@
                     <a:p>
                       <a:pPr algn="l" fontAlgn="b"/>
                       <a:r>
-                        <a:rPr lang="en-US" sz="1100" b="0" i="0" u="none" strike="noStrike">
+                        <a:rPr lang="en-US" sz="1000" b="0" i="0" u="none" strike="noStrike">
                           <a:solidFill>
                             <a:srgbClr val="000000"/>
                           </a:solidFill>
@@ -9171,7 +12011,7 @@
                       </a:r>
                     </a:p>
                   </a:txBody>
-                  <a:tcPr marL="7620" marR="7620" marT="7620" marB="0" anchor="b">
+                  <a:tcPr marL="6449" marR="6449" marT="6449" marB="0" anchor="b">
                     <a:lnL>
                       <a:noFill/>
                     </a:lnL>
@@ -9193,7 +12033,7 @@
                     <a:p>
                       <a:pPr algn="l" fontAlgn="b"/>
                       <a:r>
-                        <a:rPr lang="en-US" sz="1100" b="0" i="0" u="none" strike="noStrike">
+                        <a:rPr lang="en-US" sz="1000" b="0" i="0" u="none" strike="noStrike">
                           <a:solidFill>
                             <a:srgbClr val="000000"/>
                           </a:solidFill>
@@ -9204,7 +12044,7 @@
                       </a:r>
                     </a:p>
                   </a:txBody>
-                  <a:tcPr marL="7620" marR="7620" marT="7620" marB="0" anchor="b">
+                  <a:tcPr marL="6449" marR="6449" marT="6449" marB="0" anchor="b">
                     <a:lnL>
                       <a:noFill/>
                     </a:lnL>
@@ -9225,7 +12065,7 @@
                   </a:ext>
                 </a:extLst>
               </a:tr>
-              <a:tr h="451356">
+              <a:tr h="336802">
                 <a:tc>
                   <a:txBody>
                     <a:bodyPr/>
@@ -9233,7 +12073,7 @@
                     <a:p>
                       <a:pPr algn="l" fontAlgn="b"/>
                       <a:r>
-                        <a:rPr lang="en-US" sz="1100" b="0" i="0" u="none" strike="noStrike">
+                        <a:rPr lang="en-US" sz="1000" b="0" i="0" u="none" strike="noStrike">
                           <a:solidFill>
                             <a:srgbClr val="000000"/>
                           </a:solidFill>
@@ -9244,7 +12084,7 @@
                       </a:r>
                     </a:p>
                   </a:txBody>
-                  <a:tcPr marL="7620" marR="7620" marT="7620" marB="0" anchor="b">
+                  <a:tcPr marL="6449" marR="6449" marT="6449" marB="0" anchor="b">
                     <a:lnL>
                       <a:noFill/>
                     </a:lnL>
@@ -9266,7 +12106,7 @@
                     <a:p>
                       <a:pPr algn="l" fontAlgn="b"/>
                       <a:r>
-                        <a:rPr lang="en-US" sz="1100" b="0" i="0" u="none" strike="noStrike">
+                        <a:rPr lang="en-US" sz="1000" b="0" i="0" u="none" strike="noStrike">
                           <a:solidFill>
                             <a:srgbClr val="000000"/>
                           </a:solidFill>
@@ -9277,7 +12117,7 @@
                       </a:r>
                     </a:p>
                   </a:txBody>
-                  <a:tcPr marL="7620" marR="7620" marT="7620" marB="0" anchor="b">
+                  <a:tcPr marL="6449" marR="6449" marT="6449" marB="0" anchor="b">
                     <a:lnL>
                       <a:noFill/>
                     </a:lnL>
@@ -9298,7 +12138,7 @@
                   </a:ext>
                 </a:extLst>
               </a:tr>
-              <a:tr h="230693">
+              <a:tr h="189323">
                 <a:tc>
                   <a:txBody>
                     <a:bodyPr/>
@@ -9306,7 +12146,7 @@
                     <a:p>
                       <a:pPr algn="l" fontAlgn="b"/>
                       <a:r>
-                        <a:rPr lang="en-US" sz="1100" b="0" i="0" u="none" strike="noStrike">
+                        <a:rPr lang="en-US" sz="1000" b="0" i="0" u="none" strike="noStrike">
                           <a:solidFill>
                             <a:srgbClr val="000000"/>
                           </a:solidFill>
@@ -9317,7 +12157,7 @@
                       </a:r>
                     </a:p>
                   </a:txBody>
-                  <a:tcPr marL="7620" marR="7620" marT="7620" marB="0" anchor="b">
+                  <a:tcPr marL="6449" marR="6449" marT="6449" marB="0" anchor="b">
                     <a:lnL>
                       <a:noFill/>
                     </a:lnL>
@@ -9339,7 +12179,7 @@
                     <a:p>
                       <a:pPr algn="l" fontAlgn="b"/>
                       <a:r>
-                        <a:rPr lang="en-US" sz="1100" b="0" i="0" u="none" strike="noStrike">
+                        <a:rPr lang="en-US" sz="1000" b="0" i="0" u="none" strike="noStrike">
                           <a:solidFill>
                             <a:srgbClr val="000000"/>
                           </a:solidFill>
@@ -9350,7 +12190,7 @@
                       </a:r>
                     </a:p>
                   </a:txBody>
-                  <a:tcPr marL="7620" marR="7620" marT="7620" marB="0" anchor="b">
+                  <a:tcPr marL="6449" marR="6449" marT="6449" marB="0" anchor="b">
                     <a:lnL>
                       <a:noFill/>
                     </a:lnL>
@@ -9371,7 +12211,7 @@
                   </a:ext>
                 </a:extLst>
               </a:tr>
-              <a:tr h="230693">
+              <a:tr h="189323">
                 <a:tc>
                   <a:txBody>
                     <a:bodyPr/>
@@ -9379,7 +12219,7 @@
                     <a:p>
                       <a:pPr algn="l" fontAlgn="b"/>
                       <a:r>
-                        <a:rPr lang="en-US" sz="1100" b="0" i="0" u="none" strike="noStrike">
+                        <a:rPr lang="en-US" sz="1000" b="0" i="0" u="none" strike="noStrike">
                           <a:solidFill>
                             <a:srgbClr val="000000"/>
                           </a:solidFill>
@@ -9390,7 +12230,7 @@
                       </a:r>
                     </a:p>
                   </a:txBody>
-                  <a:tcPr marL="7620" marR="7620" marT="7620" marB="0" anchor="b">
+                  <a:tcPr marL="6449" marR="6449" marT="6449" marB="0" anchor="b">
                     <a:lnL>
                       <a:noFill/>
                     </a:lnL>
@@ -9412,7 +12252,7 @@
                     <a:p>
                       <a:pPr algn="l" fontAlgn="b"/>
                       <a:r>
-                        <a:rPr lang="en-US" sz="1100" b="0" i="0" u="none" strike="noStrike">
+                        <a:rPr lang="en-US" sz="1000" b="0" i="0" u="none" strike="noStrike">
                           <a:solidFill>
                             <a:srgbClr val="000000"/>
                           </a:solidFill>
@@ -9423,7 +12263,7 @@
                       </a:r>
                     </a:p>
                   </a:txBody>
-                  <a:tcPr marL="7620" marR="7620" marT="7620" marB="0" anchor="b">
+                  <a:tcPr marL="6449" marR="6449" marT="6449" marB="0" anchor="b">
                     <a:lnL>
                       <a:noFill/>
                     </a:lnL>
@@ -9444,7 +12284,7 @@
                   </a:ext>
                 </a:extLst>
               </a:tr>
-              <a:tr h="230693">
+              <a:tr h="189323">
                 <a:tc>
                   <a:txBody>
                     <a:bodyPr/>
@@ -9452,7 +12292,7 @@
                     <a:p>
                       <a:pPr algn="l" fontAlgn="b"/>
                       <a:r>
-                        <a:rPr lang="en-US" sz="1100" b="0" i="0" u="none" strike="noStrike">
+                        <a:rPr lang="en-US" sz="1000" b="0" i="0" u="none" strike="noStrike">
                           <a:solidFill>
                             <a:srgbClr val="000000"/>
                           </a:solidFill>
@@ -9463,7 +12303,7 @@
                       </a:r>
                     </a:p>
                   </a:txBody>
-                  <a:tcPr marL="7620" marR="7620" marT="7620" marB="0" anchor="b">
+                  <a:tcPr marL="6449" marR="6449" marT="6449" marB="0" anchor="b">
                     <a:lnL>
                       <a:noFill/>
                     </a:lnL>
@@ -9485,7 +12325,7 @@
                     <a:p>
                       <a:pPr algn="l" fontAlgn="b"/>
                       <a:r>
-                        <a:rPr lang="en-US" sz="1100" b="0" i="0" u="none" strike="noStrike">
+                        <a:rPr lang="en-US" sz="1000" b="0" i="0" u="none" strike="noStrike">
                           <a:solidFill>
                             <a:srgbClr val="000000"/>
                           </a:solidFill>
@@ -9496,7 +12336,7 @@
                       </a:r>
                     </a:p>
                   </a:txBody>
-                  <a:tcPr marL="7620" marR="7620" marT="7620" marB="0" anchor="b">
+                  <a:tcPr marL="6449" marR="6449" marT="6449" marB="0" anchor="b">
                     <a:lnL>
                       <a:noFill/>
                     </a:lnL>
@@ -9517,7 +12357,7 @@
                   </a:ext>
                 </a:extLst>
               </a:tr>
-              <a:tr h="230693">
+              <a:tr h="189323">
                 <a:tc>
                   <a:txBody>
                     <a:bodyPr/>
@@ -9525,7 +12365,7 @@
                     <a:p>
                       <a:pPr algn="l" fontAlgn="b"/>
                       <a:r>
-                        <a:rPr lang="en-US" sz="1100" b="0" i="0" u="none" strike="noStrike">
+                        <a:rPr lang="en-US" sz="1000" b="0" i="0" u="none" strike="noStrike">
                           <a:solidFill>
                             <a:srgbClr val="000000"/>
                           </a:solidFill>
@@ -9536,7 +12376,7 @@
                       </a:r>
                     </a:p>
                   </a:txBody>
-                  <a:tcPr marL="7620" marR="7620" marT="7620" marB="0" anchor="b">
+                  <a:tcPr marL="6449" marR="6449" marT="6449" marB="0" anchor="b">
                     <a:lnL>
                       <a:noFill/>
                     </a:lnL>
@@ -9558,7 +12398,7 @@
                     <a:p>
                       <a:pPr algn="l" fontAlgn="b"/>
                       <a:r>
-                        <a:rPr lang="en-US" sz="1100" b="0" i="0" u="none" strike="noStrike">
+                        <a:rPr lang="en-US" sz="1000" b="0" i="0" u="none" strike="noStrike">
                           <a:solidFill>
                             <a:srgbClr val="000000"/>
                           </a:solidFill>
@@ -9569,7 +12409,7 @@
                       </a:r>
                     </a:p>
                   </a:txBody>
-                  <a:tcPr marL="7620" marR="7620" marT="7620" marB="0" anchor="b">
+                  <a:tcPr marL="6449" marR="6449" marT="6449" marB="0" anchor="b">
                     <a:lnL>
                       <a:noFill/>
                     </a:lnL>
@@ -9590,7 +12430,7 @@
                   </a:ext>
                 </a:extLst>
               </a:tr>
-              <a:tr h="451356">
+              <a:tr h="336802">
                 <a:tc>
                   <a:txBody>
                     <a:bodyPr/>
@@ -9598,7 +12438,7 @@
                     <a:p>
                       <a:pPr algn="l" fontAlgn="b"/>
                       <a:r>
-                        <a:rPr lang="en-US" sz="1100" b="0" i="0" u="none" strike="noStrike">
+                        <a:rPr lang="en-US" sz="1000" b="0" i="0" u="none" strike="noStrike">
                           <a:solidFill>
                             <a:srgbClr val="000000"/>
                           </a:solidFill>
@@ -9609,7 +12449,7 @@
                       </a:r>
                     </a:p>
                   </a:txBody>
-                  <a:tcPr marL="7620" marR="7620" marT="7620" marB="0" anchor="b">
+                  <a:tcPr marL="6449" marR="6449" marT="6449" marB="0" anchor="b">
                     <a:lnL>
                       <a:noFill/>
                     </a:lnL>
@@ -9631,7 +12471,7 @@
                     <a:p>
                       <a:pPr algn="l" fontAlgn="b"/>
                       <a:r>
-                        <a:rPr lang="en-US" sz="1100" b="0" i="0" u="none" strike="noStrike">
+                        <a:rPr lang="en-US" sz="1000" b="0" i="0" u="none" strike="noStrike">
                           <a:solidFill>
                             <a:srgbClr val="000000"/>
                           </a:solidFill>
@@ -9642,7 +12482,7 @@
                       </a:r>
                     </a:p>
                   </a:txBody>
-                  <a:tcPr marL="7620" marR="7620" marT="7620" marB="0" anchor="b">
+                  <a:tcPr marL="6449" marR="6449" marT="6449" marB="0" anchor="b">
                     <a:lnL>
                       <a:noFill/>
                     </a:lnL>
@@ -9663,7 +12503,7 @@
                   </a:ext>
                 </a:extLst>
               </a:tr>
-              <a:tr h="230693">
+              <a:tr h="189323">
                 <a:tc>
                   <a:txBody>
                     <a:bodyPr/>
@@ -9671,7 +12511,7 @@
                     <a:p>
                       <a:pPr algn="l" fontAlgn="b"/>
                       <a:r>
-                        <a:rPr lang="en-US" sz="1100" b="0" i="0" u="none" strike="noStrike">
+                        <a:rPr lang="en-US" sz="1000" b="0" i="0" u="none" strike="noStrike">
                           <a:solidFill>
                             <a:srgbClr val="000000"/>
                           </a:solidFill>
@@ -9682,7 +12522,7 @@
                       </a:r>
                     </a:p>
                   </a:txBody>
-                  <a:tcPr marL="7620" marR="7620" marT="7620" marB="0" anchor="b">
+                  <a:tcPr marL="6449" marR="6449" marT="6449" marB="0" anchor="b">
                     <a:lnL>
                       <a:noFill/>
                     </a:lnL>
@@ -9704,7 +12544,7 @@
                     <a:p>
                       <a:pPr algn="l" fontAlgn="b"/>
                       <a:r>
-                        <a:rPr lang="en-US" sz="1100" b="0" i="0" u="none" strike="noStrike">
+                        <a:rPr lang="en-US" sz="1000" b="0" i="0" u="none" strike="noStrike">
                           <a:solidFill>
                             <a:srgbClr val="000000"/>
                           </a:solidFill>
@@ -9715,7 +12555,7 @@
                       </a:r>
                     </a:p>
                   </a:txBody>
-                  <a:tcPr marL="7620" marR="7620" marT="7620" marB="0" anchor="b">
+                  <a:tcPr marL="6449" marR="6449" marT="6449" marB="0" anchor="b">
                     <a:lnL>
                       <a:noFill/>
                     </a:lnL>
@@ -9736,7 +12576,7 @@
                   </a:ext>
                 </a:extLst>
               </a:tr>
-              <a:tr h="230693">
+              <a:tr h="189323">
                 <a:tc>
                   <a:txBody>
                     <a:bodyPr/>
@@ -9744,7 +12584,7 @@
                     <a:p>
                       <a:pPr algn="l" fontAlgn="b"/>
                       <a:r>
-                        <a:rPr lang="en-US" sz="1100" b="0" i="0" u="none" strike="noStrike">
+                        <a:rPr lang="en-US" sz="1000" b="0" i="0" u="none" strike="noStrike">
                           <a:solidFill>
                             <a:srgbClr val="000000"/>
                           </a:solidFill>
@@ -9755,7 +12595,7 @@
                       </a:r>
                     </a:p>
                   </a:txBody>
-                  <a:tcPr marL="7620" marR="7620" marT="7620" marB="0" anchor="b">
+                  <a:tcPr marL="6449" marR="6449" marT="6449" marB="0" anchor="b">
                     <a:lnL>
                       <a:noFill/>
                     </a:lnL>
@@ -9777,7 +12617,7 @@
                     <a:p>
                       <a:pPr algn="l" fontAlgn="b"/>
                       <a:r>
-                        <a:rPr lang="en-US" sz="1100" b="0" i="0" u="none" strike="noStrike">
+                        <a:rPr lang="en-US" sz="1000" b="0" i="0" u="none" strike="noStrike">
                           <a:solidFill>
                             <a:srgbClr val="000000"/>
                           </a:solidFill>
@@ -9788,7 +12628,7 @@
                       </a:r>
                     </a:p>
                   </a:txBody>
-                  <a:tcPr marL="7620" marR="7620" marT="7620" marB="0" anchor="b">
+                  <a:tcPr marL="6449" marR="6449" marT="6449" marB="0" anchor="b">
                     <a:lnL>
                       <a:noFill/>
                     </a:lnL>
@@ -9809,7 +12649,7 @@
                   </a:ext>
                 </a:extLst>
               </a:tr>
-              <a:tr h="230693">
+              <a:tr h="189323">
                 <a:tc>
                   <a:txBody>
                     <a:bodyPr/>
@@ -9817,7 +12657,7 @@
                     <a:p>
                       <a:pPr algn="l" fontAlgn="b"/>
                       <a:r>
-                        <a:rPr lang="en-US" sz="1100" b="0" i="0" u="none" strike="noStrike">
+                        <a:rPr lang="en-US" sz="1000" b="0" i="0" u="none" strike="noStrike">
                           <a:solidFill>
                             <a:srgbClr val="000000"/>
                           </a:solidFill>
@@ -9828,7 +12668,7 @@
                       </a:r>
                     </a:p>
                   </a:txBody>
-                  <a:tcPr marL="7620" marR="7620" marT="7620" marB="0" anchor="b">
+                  <a:tcPr marL="6449" marR="6449" marT="6449" marB="0" anchor="b">
                     <a:lnL>
                       <a:noFill/>
                     </a:lnL>
@@ -9850,7 +12690,7 @@
                     <a:p>
                       <a:pPr algn="l" fontAlgn="b"/>
                       <a:r>
-                        <a:rPr lang="en-US" sz="1100" b="0" i="0" u="none" strike="noStrike">
+                        <a:rPr lang="en-US" sz="1000" b="0" i="0" u="none" strike="noStrike">
                           <a:solidFill>
                             <a:srgbClr val="000000"/>
                           </a:solidFill>
@@ -9861,7 +12701,7 @@
                       </a:r>
                     </a:p>
                   </a:txBody>
-                  <a:tcPr marL="7620" marR="7620" marT="7620" marB="0" anchor="b">
+                  <a:tcPr marL="6449" marR="6449" marT="6449" marB="0" anchor="b">
                     <a:lnL>
                       <a:noFill/>
                     </a:lnL>
@@ -9882,7 +12722,7 @@
                   </a:ext>
                 </a:extLst>
               </a:tr>
-              <a:tr h="230693">
+              <a:tr h="189323">
                 <a:tc>
                   <a:txBody>
                     <a:bodyPr/>
@@ -9890,7 +12730,7 @@
                     <a:p>
                       <a:pPr algn="l" fontAlgn="b"/>
                       <a:r>
-                        <a:rPr lang="en-US" sz="1100" b="0" i="0" u="none" strike="noStrike">
+                        <a:rPr lang="en-US" sz="1000" b="0" i="0" u="none" strike="noStrike">
                           <a:solidFill>
                             <a:srgbClr val="000000"/>
                           </a:solidFill>
@@ -9901,7 +12741,7 @@
                       </a:r>
                     </a:p>
                   </a:txBody>
-                  <a:tcPr marL="7620" marR="7620" marT="7620" marB="0" anchor="b">
+                  <a:tcPr marL="6449" marR="6449" marT="6449" marB="0" anchor="b">
                     <a:lnL>
                       <a:noFill/>
                     </a:lnL>
@@ -9923,7 +12763,7 @@
                     <a:p>
                       <a:pPr algn="l" fontAlgn="b"/>
                       <a:r>
-                        <a:rPr lang="en-US" sz="1100" b="0" i="0" u="none" strike="noStrike">
+                        <a:rPr lang="en-US" sz="1000" b="0" i="0" u="none" strike="noStrike">
                           <a:solidFill>
                             <a:srgbClr val="000000"/>
                           </a:solidFill>
@@ -9934,7 +12774,7 @@
                       </a:r>
                     </a:p>
                   </a:txBody>
-                  <a:tcPr marL="7620" marR="7620" marT="7620" marB="0" anchor="b">
+                  <a:tcPr marL="6449" marR="6449" marT="6449" marB="0" anchor="b">
                     <a:lnL>
                       <a:noFill/>
                     </a:lnL>
@@ -9955,7 +12795,7 @@
                   </a:ext>
                 </a:extLst>
               </a:tr>
-              <a:tr h="230693">
+              <a:tr h="189323">
                 <a:tc>
                   <a:txBody>
                     <a:bodyPr/>
@@ -9963,7 +12803,7 @@
                     <a:p>
                       <a:pPr algn="l" fontAlgn="b"/>
                       <a:r>
-                        <a:rPr lang="en-US" sz="1100" b="0" i="0" u="none" strike="noStrike">
+                        <a:rPr lang="en-US" sz="1000" b="0" i="0" u="none" strike="noStrike">
                           <a:solidFill>
                             <a:srgbClr val="000000"/>
                           </a:solidFill>
@@ -9974,7 +12814,7 @@
                       </a:r>
                     </a:p>
                   </a:txBody>
-                  <a:tcPr marL="7620" marR="7620" marT="7620" marB="0" anchor="b">
+                  <a:tcPr marL="6449" marR="6449" marT="6449" marB="0" anchor="b">
                     <a:lnL>
                       <a:noFill/>
                     </a:lnL>
@@ -9996,7 +12836,7 @@
                     <a:p>
                       <a:pPr algn="l" fontAlgn="b"/>
                       <a:r>
-                        <a:rPr lang="en-US" sz="1100" b="0" i="0" u="none" strike="noStrike">
+                        <a:rPr lang="en-US" sz="1000" b="0" i="0" u="none" strike="noStrike">
                           <a:solidFill>
                             <a:srgbClr val="000000"/>
                           </a:solidFill>
@@ -10007,7 +12847,7 @@
                       </a:r>
                     </a:p>
                   </a:txBody>
-                  <a:tcPr marL="7620" marR="7620" marT="7620" marB="0" anchor="b">
+                  <a:tcPr marL="6449" marR="6449" marT="6449" marB="0" anchor="b">
                     <a:lnL>
                       <a:noFill/>
                     </a:lnL>
@@ -10028,7 +12868,7 @@
                   </a:ext>
                 </a:extLst>
               </a:tr>
-              <a:tr h="230693">
+              <a:tr h="189323">
                 <a:tc>
                   <a:txBody>
                     <a:bodyPr/>
@@ -10036,7 +12876,7 @@
                     <a:p>
                       <a:pPr algn="l" fontAlgn="b"/>
                       <a:r>
-                        <a:rPr lang="en-US" sz="1100" b="0" i="0" u="none" strike="noStrike">
+                        <a:rPr lang="en-US" sz="1000" b="0" i="0" u="none" strike="noStrike">
                           <a:solidFill>
                             <a:srgbClr val="000000"/>
                           </a:solidFill>
@@ -10047,7 +12887,7 @@
                       </a:r>
                     </a:p>
                   </a:txBody>
-                  <a:tcPr marL="7620" marR="7620" marT="7620" marB="0" anchor="b">
+                  <a:tcPr marL="6449" marR="6449" marT="6449" marB="0" anchor="b">
                     <a:lnL>
                       <a:noFill/>
                     </a:lnL>
@@ -10069,7 +12909,7 @@
                     <a:p>
                       <a:pPr algn="l" fontAlgn="b"/>
                       <a:r>
-                        <a:rPr lang="en-US" sz="1100" b="0" i="0" u="none" strike="noStrike" dirty="0">
+                        <a:rPr lang="en-US" sz="1000" b="0" i="0" u="none" strike="noStrike">
                           <a:solidFill>
                             <a:srgbClr val="000000"/>
                           </a:solidFill>
@@ -10078,9 +12918,16 @@
                         </a:rPr>
                         <a:t>s ` ok trying to plot alternatives as we speak sigh</a:t>
                       </a:r>
+                      <a:endParaRPr lang="en-US" sz="1000" b="0" i="0" u="none" strike="noStrike" dirty="0">
+                        <a:solidFill>
+                          <a:srgbClr val="000000"/>
+                        </a:solidFill>
+                        <a:effectLst/>
+                        <a:latin typeface="Calibri" panose="020F0502020204030204" pitchFamily="34" charset="0"/>
+                      </a:endParaRPr>
                     </a:p>
                   </a:txBody>
-                  <a:tcPr marL="7620" marR="7620" marT="7620" marB="0" anchor="b">
+                  <a:tcPr marL="6449" marR="6449" marT="6449" marB="0" anchor="b">
                     <a:lnL>
                       <a:noFill/>
                     </a:lnL>
@@ -10118,7 +12965,7 @@
 </p:sld>
 </file>
 
-<file path=ppt/slides/slide6.xml><?xml version="1.0" encoding="utf-8"?>
+<file path=ppt/slides/slide7.xml><?xml version="1.0" encoding="utf-8"?>
 <p:sld xmlns:a="http://schemas.openxmlformats.org/drawingml/2006/main" xmlns:r="http://schemas.openxmlformats.org/officeDocument/2006/relationships" xmlns:p="http://schemas.openxmlformats.org/presentationml/2006/main">
   <p:cSld>
     <p:bg>

--- a/presentation/Presentation.pptx
+++ b/presentation/Presentation.pptx
@@ -10,8 +10,10 @@
     <p:sldId id="258" r:id="rId4"/>
     <p:sldId id="260" r:id="rId5"/>
     <p:sldId id="257" r:id="rId6"/>
-    <p:sldId id="262" r:id="rId7"/>
-    <p:sldId id="261" r:id="rId8"/>
+    <p:sldId id="264" r:id="rId7"/>
+    <p:sldId id="262" r:id="rId8"/>
+    <p:sldId id="261" r:id="rId9"/>
+    <p:sldId id="265" r:id="rId10"/>
   </p:sldIdLst>
   <p:sldSz cx="12192000" cy="6858000"/>
   <p:notesSz cx="6858000" cy="9144000"/>
@@ -6522,7 +6524,7 @@
           <a:p>
             <a:fld id="{2743EB9B-2488-4718-BE68-8707A217D453}" type="datetimeFigureOut">
               <a:rPr lang="en-US" smtClean="0"/>
-              <a:t>6/8/2021</a:t>
+              <a:t>6/9/2021</a:t>
             </a:fld>
             <a:endParaRPr lang="en-US"/>
           </a:p>
@@ -6720,7 +6722,7 @@
           <a:p>
             <a:fld id="{2743EB9B-2488-4718-BE68-8707A217D453}" type="datetimeFigureOut">
               <a:rPr lang="en-US" smtClean="0"/>
-              <a:t>6/8/2021</a:t>
+              <a:t>6/9/2021</a:t>
             </a:fld>
             <a:endParaRPr lang="en-US"/>
           </a:p>
@@ -6928,7 +6930,7 @@
           <a:p>
             <a:fld id="{2743EB9B-2488-4718-BE68-8707A217D453}" type="datetimeFigureOut">
               <a:rPr lang="en-US" smtClean="0"/>
-              <a:t>6/8/2021</a:t>
+              <a:t>6/9/2021</a:t>
             </a:fld>
             <a:endParaRPr lang="en-US"/>
           </a:p>
@@ -7126,7 +7128,7 @@
           <a:p>
             <a:fld id="{2743EB9B-2488-4718-BE68-8707A217D453}" type="datetimeFigureOut">
               <a:rPr lang="en-US" smtClean="0"/>
-              <a:t>6/8/2021</a:t>
+              <a:t>6/9/2021</a:t>
             </a:fld>
             <a:endParaRPr lang="en-US"/>
           </a:p>
@@ -7401,7 +7403,7 @@
           <a:p>
             <a:fld id="{2743EB9B-2488-4718-BE68-8707A217D453}" type="datetimeFigureOut">
               <a:rPr lang="en-US" smtClean="0"/>
-              <a:t>6/8/2021</a:t>
+              <a:t>6/9/2021</a:t>
             </a:fld>
             <a:endParaRPr lang="en-US"/>
           </a:p>
@@ -7666,7 +7668,7 @@
           <a:p>
             <a:fld id="{2743EB9B-2488-4718-BE68-8707A217D453}" type="datetimeFigureOut">
               <a:rPr lang="en-US" smtClean="0"/>
-              <a:t>6/8/2021</a:t>
+              <a:t>6/9/2021</a:t>
             </a:fld>
             <a:endParaRPr lang="en-US"/>
           </a:p>
@@ -8078,7 +8080,7 @@
           <a:p>
             <a:fld id="{2743EB9B-2488-4718-BE68-8707A217D453}" type="datetimeFigureOut">
               <a:rPr lang="en-US" smtClean="0"/>
-              <a:t>6/8/2021</a:t>
+              <a:t>6/9/2021</a:t>
             </a:fld>
             <a:endParaRPr lang="en-US"/>
           </a:p>
@@ -8219,7 +8221,7 @@
           <a:p>
             <a:fld id="{2743EB9B-2488-4718-BE68-8707A217D453}" type="datetimeFigureOut">
               <a:rPr lang="en-US" smtClean="0"/>
-              <a:t>6/8/2021</a:t>
+              <a:t>6/9/2021</a:t>
             </a:fld>
             <a:endParaRPr lang="en-US"/>
           </a:p>
@@ -8332,7 +8334,7 @@
           <a:p>
             <a:fld id="{2743EB9B-2488-4718-BE68-8707A217D453}" type="datetimeFigureOut">
               <a:rPr lang="en-US" smtClean="0"/>
-              <a:t>6/8/2021</a:t>
+              <a:t>6/9/2021</a:t>
             </a:fld>
             <a:endParaRPr lang="en-US"/>
           </a:p>
@@ -8643,7 +8645,7 @@
           <a:p>
             <a:fld id="{2743EB9B-2488-4718-BE68-8707A217D453}" type="datetimeFigureOut">
               <a:rPr lang="en-US" smtClean="0"/>
-              <a:t>6/8/2021</a:t>
+              <a:t>6/9/2021</a:t>
             </a:fld>
             <a:endParaRPr lang="en-US"/>
           </a:p>
@@ -8931,7 +8933,7 @@
           <a:p>
             <a:fld id="{2743EB9B-2488-4718-BE68-8707A217D453}" type="datetimeFigureOut">
               <a:rPr lang="en-US" smtClean="0"/>
-              <a:t>6/8/2021</a:t>
+              <a:t>6/9/2021</a:t>
             </a:fld>
             <a:endParaRPr lang="en-US"/>
           </a:p>
@@ -9172,7 +9174,7 @@
           <a:p>
             <a:fld id="{2743EB9B-2488-4718-BE68-8707A217D453}" type="datetimeFigureOut">
               <a:rPr lang="en-US" smtClean="0"/>
-              <a:t>6/8/2021</a:t>
+              <a:t>6/9/2021</a:t>
             </a:fld>
             <a:endParaRPr lang="en-US"/>
           </a:p>
@@ -11357,6 +11359,666 @@
     <p:bg>
       <p:bgPr>
         <a:solidFill>
+          <a:schemeClr val="bg1">
+            <a:tint val="95000"/>
+            <a:satMod val="170000"/>
+          </a:schemeClr>
+        </a:solidFill>
+        <a:effectLst/>
+      </p:bgPr>
+    </p:bg>
+    <p:spTree>
+      <p:nvGrpSpPr>
+        <p:cNvPr id="1" name=""/>
+        <p:cNvGrpSpPr/>
+        <p:nvPr/>
+      </p:nvGrpSpPr>
+      <p:grpSpPr>
+        <a:xfrm>
+          <a:off x="0" y="0"/>
+          <a:ext cx="0" cy="0"/>
+          <a:chOff x="0" y="0"/>
+          <a:chExt cx="0" cy="0"/>
+        </a:xfrm>
+      </p:grpSpPr>
+      <p:sp>
+        <p:nvSpPr>
+          <p:cNvPr id="9" name="Rectangle 8">
+            <a:extLst>
+              <a:ext uri="{FF2B5EF4-FFF2-40B4-BE49-F238E27FC236}">
+                <a16:creationId xmlns:a16="http://schemas.microsoft.com/office/drawing/2014/main" id="{EE1FC7B4-E4A7-4452-B413-1A623E3A7230}"/>
+              </a:ext>
+              <a:ext uri="{C183D7F6-B498-43B3-948B-1728B52AA6E4}">
+                <adec:decorative xmlns:adec="http://schemas.microsoft.com/office/drawing/2017/decorative" val="1"/>
+              </a:ext>
+            </a:extLst>
+          </p:cNvPr>
+          <p:cNvSpPr>
+            <a:spLocks noGrp="1" noRot="1" noChangeAspect="1" noMove="1" noResize="1" noEditPoints="1" noAdjustHandles="1" noChangeArrowheads="1" noChangeShapeType="1" noTextEdit="1"/>
+          </p:cNvSpPr>
+          <p:nvPr>
+            <p:extLst>
+              <p:ext uri="{386F3935-93C4-4BCD-93E2-E3B085C9AB24}">
+                <p16:designElem xmlns:p16="http://schemas.microsoft.com/office/powerpoint/2015/main" val="1"/>
+              </p:ext>
+            </p:extLst>
+          </p:nvPr>
+        </p:nvSpPr>
+        <p:spPr>
+          <a:xfrm>
+            <a:off x="0" y="-3324"/>
+            <a:ext cx="12192000" cy="6861324"/>
+          </a:xfrm>
+          <a:prstGeom prst="rect">
+            <a:avLst/>
+          </a:prstGeom>
+          <a:solidFill>
+            <a:schemeClr val="bg1">
+              <a:alpha val="9000"/>
+            </a:schemeClr>
+          </a:solidFill>
+          <a:ln>
+            <a:noFill/>
+          </a:ln>
+        </p:spPr>
+        <p:style>
+          <a:lnRef idx="2">
+            <a:schemeClr val="accent1">
+              <a:shade val="50000"/>
+            </a:schemeClr>
+          </a:lnRef>
+          <a:fillRef idx="1">
+            <a:schemeClr val="accent1"/>
+          </a:fillRef>
+          <a:effectRef idx="0">
+            <a:schemeClr val="accent1"/>
+          </a:effectRef>
+          <a:fontRef idx="minor">
+            <a:schemeClr val="lt1"/>
+          </a:fontRef>
+        </p:style>
+        <p:txBody>
+          <a:bodyPr rtlCol="0" anchor="ctr"/>
+          <a:lstStyle/>
+          <a:p>
+            <a:pPr algn="ctr"/>
+            <a:endParaRPr lang="en-US"/>
+          </a:p>
+        </p:txBody>
+      </p:sp>
+      <p:sp>
+        <p:nvSpPr>
+          <p:cNvPr id="11" name="Freeform 13">
+            <a:extLst>
+              <a:ext uri="{FF2B5EF4-FFF2-40B4-BE49-F238E27FC236}">
+                <a16:creationId xmlns:a16="http://schemas.microsoft.com/office/drawing/2014/main" id="{E0709AF0-24F0-4486-B189-BE6386BDB198}"/>
+              </a:ext>
+              <a:ext uri="{C183D7F6-B498-43B3-948B-1728B52AA6E4}">
+                <adec:decorative xmlns:adec="http://schemas.microsoft.com/office/drawing/2017/decorative" val="1"/>
+              </a:ext>
+            </a:extLst>
+          </p:cNvPr>
+          <p:cNvSpPr>
+            <a:spLocks noGrp="1" noRot="1" noChangeAspect="1" noMove="1" noResize="1" noEditPoints="1" noAdjustHandles="1" noChangeArrowheads="1" noChangeShapeType="1" noTextEdit="1"/>
+          </p:cNvSpPr>
+          <p:nvPr>
+            <p:extLst>
+              <p:ext uri="{386F3935-93C4-4BCD-93E2-E3B085C9AB24}">
+                <p16:designElem xmlns:p16="http://schemas.microsoft.com/office/powerpoint/2015/main" val="1"/>
+              </p:ext>
+            </p:extLst>
+          </p:nvPr>
+        </p:nvSpPr>
+        <p:spPr>
+          <a:xfrm>
+            <a:off x="0" y="0"/>
+            <a:ext cx="11786754" cy="6858000"/>
+          </a:xfrm>
+          <a:custGeom>
+            <a:avLst/>
+            <a:gdLst>
+              <a:gd name="connsiteX0" fmla="*/ 0 w 11786754"/>
+              <a:gd name="connsiteY0" fmla="*/ 0 h 6858000"/>
+              <a:gd name="connsiteX1" fmla="*/ 8610600 w 11786754"/>
+              <a:gd name="connsiteY1" fmla="*/ 0 h 6858000"/>
+              <a:gd name="connsiteX2" fmla="*/ 11786754 w 11786754"/>
+              <a:gd name="connsiteY2" fmla="*/ 6858000 h 6858000"/>
+              <a:gd name="connsiteX3" fmla="*/ 0 w 11786754"/>
+              <a:gd name="connsiteY3" fmla="*/ 6858000 h 6858000"/>
+            </a:gdLst>
+            <a:ahLst/>
+            <a:cxnLst>
+              <a:cxn ang="0">
+                <a:pos x="connsiteX0" y="connsiteY0"/>
+              </a:cxn>
+              <a:cxn ang="0">
+                <a:pos x="connsiteX1" y="connsiteY1"/>
+              </a:cxn>
+              <a:cxn ang="0">
+                <a:pos x="connsiteX2" y="connsiteY2"/>
+              </a:cxn>
+              <a:cxn ang="0">
+                <a:pos x="connsiteX3" y="connsiteY3"/>
+              </a:cxn>
+            </a:cxnLst>
+            <a:rect l="l" t="t" r="r" b="b"/>
+            <a:pathLst>
+              <a:path w="11786754" h="6858000">
+                <a:moveTo>
+                  <a:pt x="0" y="0"/>
+                </a:moveTo>
+                <a:lnTo>
+                  <a:pt x="8610600" y="0"/>
+                </a:lnTo>
+                <a:lnTo>
+                  <a:pt x="11786754" y="6858000"/>
+                </a:lnTo>
+                <a:lnTo>
+                  <a:pt x="0" y="6858000"/>
+                </a:lnTo>
+                <a:close/>
+              </a:path>
+            </a:pathLst>
+          </a:custGeom>
+          <a:solidFill>
+            <a:schemeClr val="bg1">
+              <a:alpha val="30000"/>
+            </a:schemeClr>
+          </a:solidFill>
+          <a:ln>
+            <a:noFill/>
+          </a:ln>
+        </p:spPr>
+        <p:style>
+          <a:lnRef idx="2">
+            <a:schemeClr val="accent1">
+              <a:shade val="50000"/>
+            </a:schemeClr>
+          </a:lnRef>
+          <a:fillRef idx="1">
+            <a:schemeClr val="accent1"/>
+          </a:fillRef>
+          <a:effectRef idx="0">
+            <a:schemeClr val="accent1"/>
+          </a:effectRef>
+          <a:fontRef idx="minor">
+            <a:schemeClr val="lt1"/>
+          </a:fontRef>
+        </p:style>
+        <p:txBody>
+          <a:bodyPr rtlCol="0" anchor="ctr"/>
+          <a:lstStyle/>
+          <a:p>
+            <a:pPr algn="ctr"/>
+            <a:endParaRPr lang="en-US"/>
+          </a:p>
+        </p:txBody>
+      </p:sp>
+      <p:sp>
+        <p:nvSpPr>
+          <p:cNvPr id="13" name="Freeform 11">
+            <a:extLst>
+              <a:ext uri="{FF2B5EF4-FFF2-40B4-BE49-F238E27FC236}">
+                <a16:creationId xmlns:a16="http://schemas.microsoft.com/office/drawing/2014/main" id="{FBE3B62F-5853-4A3C-B050-6186351A7176}"/>
+              </a:ext>
+              <a:ext uri="{C183D7F6-B498-43B3-948B-1728B52AA6E4}">
+                <adec:decorative xmlns:adec="http://schemas.microsoft.com/office/drawing/2017/decorative" val="1"/>
+              </a:ext>
+            </a:extLst>
+          </p:cNvPr>
+          <p:cNvSpPr>
+            <a:spLocks noGrp="1" noRot="1" noChangeAspect="1" noMove="1" noResize="1" noEditPoints="1" noAdjustHandles="1" noChangeArrowheads="1" noChangeShapeType="1" noTextEdit="1"/>
+          </p:cNvSpPr>
+          <p:nvPr>
+            <p:extLst>
+              <p:ext uri="{386F3935-93C4-4BCD-93E2-E3B085C9AB24}">
+                <p16:designElem xmlns:p16="http://schemas.microsoft.com/office/powerpoint/2015/main" val="1"/>
+              </p:ext>
+            </p:extLst>
+          </p:nvPr>
+        </p:nvSpPr>
+        <p:spPr>
+          <a:xfrm>
+            <a:off x="0" y="0"/>
+            <a:ext cx="3581400" cy="6858000"/>
+          </a:xfrm>
+          <a:custGeom>
+            <a:avLst/>
+            <a:gdLst>
+              <a:gd name="connsiteX0" fmla="*/ 0 w 3581400"/>
+              <a:gd name="connsiteY0" fmla="*/ 0 h 6858000"/>
+              <a:gd name="connsiteX1" fmla="*/ 405246 w 3581400"/>
+              <a:gd name="connsiteY1" fmla="*/ 0 h 6858000"/>
+              <a:gd name="connsiteX2" fmla="*/ 3581400 w 3581400"/>
+              <a:gd name="connsiteY2" fmla="*/ 6858000 h 6858000"/>
+              <a:gd name="connsiteX3" fmla="*/ 0 w 3581400"/>
+              <a:gd name="connsiteY3" fmla="*/ 6858000 h 6858000"/>
+            </a:gdLst>
+            <a:ahLst/>
+            <a:cxnLst>
+              <a:cxn ang="0">
+                <a:pos x="connsiteX0" y="connsiteY0"/>
+              </a:cxn>
+              <a:cxn ang="0">
+                <a:pos x="connsiteX1" y="connsiteY1"/>
+              </a:cxn>
+              <a:cxn ang="0">
+                <a:pos x="connsiteX2" y="connsiteY2"/>
+              </a:cxn>
+              <a:cxn ang="0">
+                <a:pos x="connsiteX3" y="connsiteY3"/>
+              </a:cxn>
+            </a:cxnLst>
+            <a:rect l="l" t="t" r="r" b="b"/>
+            <a:pathLst>
+              <a:path w="3581400" h="6858000">
+                <a:moveTo>
+                  <a:pt x="0" y="0"/>
+                </a:moveTo>
+                <a:lnTo>
+                  <a:pt x="405246" y="0"/>
+                </a:lnTo>
+                <a:lnTo>
+                  <a:pt x="3581400" y="6858000"/>
+                </a:lnTo>
+                <a:lnTo>
+                  <a:pt x="0" y="6858000"/>
+                </a:lnTo>
+                <a:close/>
+              </a:path>
+            </a:pathLst>
+          </a:custGeom>
+          <a:solidFill>
+            <a:schemeClr val="bg1">
+              <a:alpha val="30000"/>
+            </a:schemeClr>
+          </a:solidFill>
+          <a:ln>
+            <a:noFill/>
+          </a:ln>
+        </p:spPr>
+        <p:style>
+          <a:lnRef idx="2">
+            <a:schemeClr val="accent1">
+              <a:shade val="50000"/>
+            </a:schemeClr>
+          </a:lnRef>
+          <a:fillRef idx="1">
+            <a:schemeClr val="accent1"/>
+          </a:fillRef>
+          <a:effectRef idx="0">
+            <a:schemeClr val="accent1"/>
+          </a:effectRef>
+          <a:fontRef idx="minor">
+            <a:schemeClr val="lt1"/>
+          </a:fontRef>
+        </p:style>
+        <p:txBody>
+          <a:bodyPr wrap="square" rtlCol="0" anchor="ctr">
+            <a:noAutofit/>
+          </a:bodyPr>
+          <a:lstStyle/>
+          <a:p>
+            <a:pPr algn="ctr"/>
+            <a:endParaRPr lang="en-US"/>
+          </a:p>
+        </p:txBody>
+      </p:sp>
+      <p:sp>
+        <p:nvSpPr>
+          <p:cNvPr id="2" name="Title 1">
+            <a:extLst>
+              <a:ext uri="{FF2B5EF4-FFF2-40B4-BE49-F238E27FC236}">
+                <a16:creationId xmlns:a16="http://schemas.microsoft.com/office/drawing/2014/main" id="{31FDC1FB-2CC0-4652-BFE3-21DA26140E40}"/>
+              </a:ext>
+            </a:extLst>
+          </p:cNvPr>
+          <p:cNvSpPr>
+            <a:spLocks noGrp="1"/>
+          </p:cNvSpPr>
+          <p:nvPr>
+            <p:ph type="title"/>
+          </p:nvPr>
+        </p:nvSpPr>
+        <p:spPr>
+          <a:xfrm>
+            <a:off x="833002" y="448253"/>
+            <a:ext cx="10520702" cy="1325563"/>
+          </a:xfrm>
+        </p:spPr>
+        <p:txBody>
+          <a:bodyPr>
+            <a:normAutofit/>
+          </a:bodyPr>
+          <a:lstStyle/>
+          <a:p>
+            <a:r>
+              <a:rPr lang="en-US" dirty="0"/>
+              <a:t>Remove Stop Words</a:t>
+            </a:r>
+          </a:p>
+        </p:txBody>
+      </p:sp>
+      <p:sp>
+        <p:nvSpPr>
+          <p:cNvPr id="3" name="Content Placeholder 2">
+            <a:extLst>
+              <a:ext uri="{FF2B5EF4-FFF2-40B4-BE49-F238E27FC236}">
+                <a16:creationId xmlns:a16="http://schemas.microsoft.com/office/drawing/2014/main" id="{4BE61E99-C6D3-41FD-A5E6-0E96DF42C5B5}"/>
+              </a:ext>
+            </a:extLst>
+          </p:cNvPr>
+          <p:cNvSpPr>
+            <a:spLocks noGrp="1"/>
+          </p:cNvSpPr>
+          <p:nvPr>
+            <p:ph idx="1"/>
+          </p:nvPr>
+        </p:nvSpPr>
+        <p:spPr>
+          <a:xfrm>
+            <a:off x="838200" y="2191807"/>
+            <a:ext cx="4936067" cy="3985155"/>
+          </a:xfrm>
+        </p:spPr>
+        <p:txBody>
+          <a:bodyPr>
+            <a:normAutofit/>
+          </a:bodyPr>
+          <a:lstStyle/>
+          <a:p>
+            <a:pPr marL="0" indent="0">
+              <a:buNone/>
+            </a:pPr>
+            <a:endParaRPr lang="en-US" sz="2000" dirty="0"/>
+          </a:p>
+          <a:p>
+            <a:pPr marL="0" indent="0">
+              <a:buNone/>
+            </a:pPr>
+            <a:endParaRPr lang="en-US" sz="2000" dirty="0"/>
+          </a:p>
+          <a:p>
+            <a:pPr marL="0" indent="0">
+              <a:buNone/>
+            </a:pPr>
+            <a:endParaRPr lang="en-US" sz="2000" dirty="0"/>
+          </a:p>
+          <a:p>
+            <a:pPr marL="0" indent="0">
+              <a:buNone/>
+            </a:pPr>
+            <a:endParaRPr lang="en-US" sz="2000" dirty="0"/>
+          </a:p>
+          <a:p>
+            <a:pPr marL="0" indent="0">
+              <a:buNone/>
+            </a:pPr>
+            <a:r>
+              <a:rPr lang="en-US" sz="2000" dirty="0"/>
+              <a:t>As it can be seen from the output, removal of stop words can remove words that required in order to perform accurate sentiment analysis</a:t>
+            </a:r>
+          </a:p>
+          <a:p>
+            <a:pPr marL="0" indent="0">
+              <a:buNone/>
+            </a:pPr>
+            <a:endParaRPr lang="en-US" sz="2000" dirty="0"/>
+          </a:p>
+        </p:txBody>
+      </p:sp>
+      <p:graphicFrame>
+        <p:nvGraphicFramePr>
+          <p:cNvPr id="4" name="Table 4">
+            <a:extLst>
+              <a:ext uri="{FF2B5EF4-FFF2-40B4-BE49-F238E27FC236}">
+                <a16:creationId xmlns:a16="http://schemas.microsoft.com/office/drawing/2014/main" id="{72497A3D-637F-4472-BDDE-253EFF798FF9}"/>
+              </a:ext>
+            </a:extLst>
+          </p:cNvPr>
+          <p:cNvGraphicFramePr>
+            <a:graphicFrameLocks noGrp="1"/>
+          </p:cNvGraphicFramePr>
+          <p:nvPr>
+            <p:extLst>
+              <p:ext uri="{D42A27DB-BD31-4B8C-83A1-F6EECF244321}">
+                <p14:modId xmlns:p14="http://schemas.microsoft.com/office/powerpoint/2010/main" val="3023415563"/>
+              </p:ext>
+            </p:extLst>
+          </p:nvPr>
+        </p:nvGraphicFramePr>
+        <p:xfrm>
+          <a:off x="6096000" y="2788920"/>
+          <a:ext cx="5690754" cy="2677804"/>
+        </p:xfrm>
+        <a:graphic>
+          <a:graphicData uri="http://schemas.openxmlformats.org/drawingml/2006/table">
+            <a:tbl>
+              <a:tblPr firstRow="1" bandRow="1">
+                <a:tableStyleId>{5C22544A-7EE6-4342-B048-85BDC9FD1C3A}</a:tableStyleId>
+              </a:tblPr>
+              <a:tblGrid>
+                <a:gridCol w="2930291">
+                  <a:extLst>
+                    <a:ext uri="{9D8B030D-6E8A-4147-A177-3AD203B41FA5}">
+                      <a16:colId xmlns:a16="http://schemas.microsoft.com/office/drawing/2014/main" val="1547744216"/>
+                    </a:ext>
+                  </a:extLst>
+                </a:gridCol>
+                <a:gridCol w="2760463">
+                  <a:extLst>
+                    <a:ext uri="{9D8B030D-6E8A-4147-A177-3AD203B41FA5}">
+                      <a16:colId xmlns:a16="http://schemas.microsoft.com/office/drawing/2014/main" val="2417617999"/>
+                    </a:ext>
+                  </a:extLst>
+                </a:gridCol>
+              </a:tblGrid>
+              <a:tr h="442945">
+                <a:tc>
+                  <a:txBody>
+                    <a:bodyPr/>
+                    <a:lstStyle/>
+                    <a:p>
+                      <a:r>
+                        <a:rPr lang="en-US" sz="1900"/>
+                        <a:t>Input</a:t>
+                      </a:r>
+                    </a:p>
+                  </a:txBody>
+                  <a:tcPr marL="96416" marR="96416" marT="48208" marB="48208"/>
+                </a:tc>
+                <a:tc>
+                  <a:txBody>
+                    <a:bodyPr/>
+                    <a:lstStyle/>
+                    <a:p>
+                      <a:r>
+                        <a:rPr lang="en-US" sz="1900"/>
+                        <a:t>Output</a:t>
+                      </a:r>
+                    </a:p>
+                  </a:txBody>
+                  <a:tcPr marL="96416" marR="96416" marT="48208" marB="48208"/>
+                </a:tc>
+                <a:extLst>
+                  <a:ext uri="{0D108BD9-81ED-4DB2-BD59-A6C34878D82A}">
+                    <a16:rowId xmlns:a16="http://schemas.microsoft.com/office/drawing/2014/main" val="2815098923"/>
+                  </a:ext>
+                </a:extLst>
+              </a:tr>
+              <a:tr h="744953">
+                <a:tc>
+                  <a:txBody>
+                    <a:bodyPr/>
+                    <a:lstStyle/>
+                    <a:p>
+                      <a:r>
+                        <a:rPr lang="en-US" sz="1900" dirty="0"/>
+                        <a:t>Restaurant had a really good service!! </a:t>
+                      </a:r>
+                    </a:p>
+                  </a:txBody>
+                  <a:tcPr marL="96416" marR="96416" marT="48208" marB="48208"/>
+                </a:tc>
+                <a:tc>
+                  <a:txBody>
+                    <a:bodyPr/>
+                    <a:lstStyle/>
+                    <a:p>
+                      <a:pPr marL="0" marR="0" lvl="0" indent="0" algn="l" defTabSz="914400" rtl="0" eaLnBrk="1" fontAlgn="auto" latinLnBrk="0" hangingPunct="1">
+                        <a:lnSpc>
+                          <a:spcPct val="100000"/>
+                        </a:lnSpc>
+                        <a:spcBef>
+                          <a:spcPts val="0"/>
+                        </a:spcBef>
+                        <a:spcAft>
+                          <a:spcPts val="0"/>
+                        </a:spcAft>
+                        <a:buClrTx/>
+                        <a:buSzTx/>
+                        <a:buFontTx/>
+                        <a:buNone/>
+                        <a:tabLst/>
+                        <a:defRPr/>
+                      </a:pPr>
+                      <a:r>
+                        <a:rPr lang="en-US" sz="1900"/>
+                        <a:t>Restaurant good service!!</a:t>
+                      </a:r>
+                    </a:p>
+                  </a:txBody>
+                  <a:tcPr marL="96416" marR="96416" marT="48208" marB="48208"/>
+                </a:tc>
+                <a:extLst>
+                  <a:ext uri="{0D108BD9-81ED-4DB2-BD59-A6C34878D82A}">
+                    <a16:rowId xmlns:a16="http://schemas.microsoft.com/office/drawing/2014/main" val="3434076770"/>
+                  </a:ext>
+                </a:extLst>
+              </a:tr>
+              <a:tr h="744953">
+                <a:tc>
+                  <a:txBody>
+                    <a:bodyPr/>
+                    <a:lstStyle/>
+                    <a:p>
+                      <a:r>
+                        <a:rPr lang="en-US" sz="1900"/>
+                        <a:t>I did not like the food!! </a:t>
+                      </a:r>
+                    </a:p>
+                  </a:txBody>
+                  <a:tcPr marL="96416" marR="96416" marT="48208" marB="48208"/>
+                </a:tc>
+                <a:tc>
+                  <a:txBody>
+                    <a:bodyPr/>
+                    <a:lstStyle/>
+                    <a:p>
+                      <a:pPr marL="0" marR="0" lvl="0" indent="0" algn="l" defTabSz="914400" rtl="0" eaLnBrk="1" fontAlgn="auto" latinLnBrk="0" hangingPunct="1">
+                        <a:lnSpc>
+                          <a:spcPct val="100000"/>
+                        </a:lnSpc>
+                        <a:spcBef>
+                          <a:spcPts val="0"/>
+                        </a:spcBef>
+                        <a:spcAft>
+                          <a:spcPts val="0"/>
+                        </a:spcAft>
+                        <a:buClrTx/>
+                        <a:buSzTx/>
+                        <a:buFontTx/>
+                        <a:buNone/>
+                        <a:tabLst/>
+                        <a:defRPr/>
+                      </a:pPr>
+                      <a:r>
+                        <a:rPr lang="en-US" sz="1900"/>
+                        <a:t>I like food!!</a:t>
+                      </a:r>
+                    </a:p>
+                  </a:txBody>
+                  <a:tcPr marL="96416" marR="96416" marT="48208" marB="48208"/>
+                </a:tc>
+                <a:extLst>
+                  <a:ext uri="{0D108BD9-81ED-4DB2-BD59-A6C34878D82A}">
+                    <a16:rowId xmlns:a16="http://schemas.microsoft.com/office/drawing/2014/main" val="2878111560"/>
+                  </a:ext>
+                </a:extLst>
+              </a:tr>
+              <a:tr h="744953">
+                <a:tc>
+                  <a:txBody>
+                    <a:bodyPr/>
+                    <a:lstStyle/>
+                    <a:p>
+                      <a:r>
+                        <a:rPr lang="en-US" sz="1900"/>
+                        <a:t>This product is not good!! </a:t>
+                      </a:r>
+                    </a:p>
+                  </a:txBody>
+                  <a:tcPr marL="96416" marR="96416" marT="48208" marB="48208"/>
+                </a:tc>
+                <a:tc>
+                  <a:txBody>
+                    <a:bodyPr/>
+                    <a:lstStyle/>
+                    <a:p>
+                      <a:pPr marL="0" marR="0" lvl="0" indent="0" algn="l" defTabSz="914400" rtl="0" eaLnBrk="1" fontAlgn="auto" latinLnBrk="0" hangingPunct="1">
+                        <a:lnSpc>
+                          <a:spcPct val="100000"/>
+                        </a:lnSpc>
+                        <a:spcBef>
+                          <a:spcPts val="0"/>
+                        </a:spcBef>
+                        <a:spcAft>
+                          <a:spcPts val="0"/>
+                        </a:spcAft>
+                        <a:buClrTx/>
+                        <a:buSzTx/>
+                        <a:buFontTx/>
+                        <a:buNone/>
+                        <a:tabLst/>
+                        <a:defRPr/>
+                      </a:pPr>
+                      <a:r>
+                        <a:rPr lang="en-US" sz="1900" dirty="0"/>
+                        <a:t>This product good!!</a:t>
+                      </a:r>
+                    </a:p>
+                  </a:txBody>
+                  <a:tcPr marL="96416" marR="96416" marT="48208" marB="48208"/>
+                </a:tc>
+                <a:extLst>
+                  <a:ext uri="{0D108BD9-81ED-4DB2-BD59-A6C34878D82A}">
+                    <a16:rowId xmlns:a16="http://schemas.microsoft.com/office/drawing/2014/main" val="2000727450"/>
+                  </a:ext>
+                </a:extLst>
+              </a:tr>
+            </a:tbl>
+          </a:graphicData>
+        </a:graphic>
+      </p:graphicFrame>
+    </p:spTree>
+    <p:extLst>
+      <p:ext uri="{BB962C8B-B14F-4D97-AF65-F5344CB8AC3E}">
+        <p14:creationId xmlns:p14="http://schemas.microsoft.com/office/powerpoint/2010/main" val="416962808"/>
+      </p:ext>
+    </p:extLst>
+  </p:cSld>
+  <p:clrMapOvr>
+    <a:overrideClrMapping bg1="dk1" tx1="lt1" bg2="dk2" tx2="lt2" accent1="accent1" accent2="accent2" accent3="accent3" accent4="accent4" accent5="accent5" accent6="accent6" hlink="hlink" folHlink="folHlink"/>
+  </p:clrMapOvr>
+</p:sld>
+</file>
+
+<file path=ppt/slides/slide7.xml><?xml version="1.0" encoding="utf-8"?>
+<p:sld xmlns:a="http://schemas.openxmlformats.org/drawingml/2006/main" xmlns:r="http://schemas.openxmlformats.org/officeDocument/2006/relationships" xmlns:p="http://schemas.openxmlformats.org/presentationml/2006/main">
+  <p:cSld>
+    <p:bg>
+      <p:bgPr>
+        <a:solidFill>
           <a:schemeClr val="bg1"/>
         </a:solidFill>
         <a:effectLst/>
@@ -12965,7 +13627,7 @@
 </p:sld>
 </file>
 
-<file path=ppt/slides/slide7.xml><?xml version="1.0" encoding="utf-8"?>
+<file path=ppt/slides/slide8.xml><?xml version="1.0" encoding="utf-8"?>
 <p:sld xmlns:a="http://schemas.openxmlformats.org/drawingml/2006/main" xmlns:r="http://schemas.openxmlformats.org/officeDocument/2006/relationships" xmlns:p="http://schemas.openxmlformats.org/presentationml/2006/main">
   <p:cSld>
     <p:bg>
@@ -13374,6 +14036,92 @@
 </p:sld>
 </file>
 
+<file path=ppt/slides/slide9.xml><?xml version="1.0" encoding="utf-8"?>
+<p:sld xmlns:a="http://schemas.openxmlformats.org/drawingml/2006/main" xmlns:r="http://schemas.openxmlformats.org/officeDocument/2006/relationships" xmlns:p="http://schemas.openxmlformats.org/presentationml/2006/main">
+  <p:cSld>
+    <p:spTree>
+      <p:nvGrpSpPr>
+        <p:cNvPr id="1" name=""/>
+        <p:cNvGrpSpPr/>
+        <p:nvPr/>
+      </p:nvGrpSpPr>
+      <p:grpSpPr>
+        <a:xfrm>
+          <a:off x="0" y="0"/>
+          <a:ext cx="0" cy="0"/>
+          <a:chOff x="0" y="0"/>
+          <a:chExt cx="0" cy="0"/>
+        </a:xfrm>
+      </p:grpSpPr>
+      <p:sp>
+        <p:nvSpPr>
+          <p:cNvPr id="2" name="Title 1">
+            <a:extLst>
+              <a:ext uri="{FF2B5EF4-FFF2-40B4-BE49-F238E27FC236}">
+                <a16:creationId xmlns:a16="http://schemas.microsoft.com/office/drawing/2014/main" id="{80F5D099-4504-48D9-9FE4-9E88FDAD56B1}"/>
+              </a:ext>
+            </a:extLst>
+          </p:cNvPr>
+          <p:cNvSpPr>
+            <a:spLocks noGrp="1"/>
+          </p:cNvSpPr>
+          <p:nvPr>
+            <p:ph type="title"/>
+          </p:nvPr>
+        </p:nvSpPr>
+        <p:spPr/>
+        <p:txBody>
+          <a:bodyPr/>
+          <a:lstStyle/>
+          <a:p>
+            <a:r>
+              <a:rPr lang="en-US" dirty="0"/>
+              <a:t>Dictionary</a:t>
+            </a:r>
+          </a:p>
+        </p:txBody>
+      </p:sp>
+      <p:sp>
+        <p:nvSpPr>
+          <p:cNvPr id="3" name="Content Placeholder 2">
+            <a:extLst>
+              <a:ext uri="{FF2B5EF4-FFF2-40B4-BE49-F238E27FC236}">
+                <a16:creationId xmlns:a16="http://schemas.microsoft.com/office/drawing/2014/main" id="{60066502-79B7-48B0-9774-995E5E4CE913}"/>
+              </a:ext>
+            </a:extLst>
+          </p:cNvPr>
+          <p:cNvSpPr>
+            <a:spLocks noGrp="1"/>
+          </p:cNvSpPr>
+          <p:nvPr>
+            <p:ph idx="1"/>
+          </p:nvPr>
+        </p:nvSpPr>
+        <p:spPr/>
+        <p:txBody>
+          <a:bodyPr/>
+          <a:lstStyle/>
+          <a:p>
+            <a:r>
+              <a:rPr lang="en-US" dirty="0"/>
+              <a:t>TODO</a:t>
+            </a:r>
+          </a:p>
+        </p:txBody>
+      </p:sp>
+    </p:spTree>
+    <p:extLst>
+      <p:ext uri="{BB962C8B-B14F-4D97-AF65-F5344CB8AC3E}">
+        <p14:creationId xmlns:p14="http://schemas.microsoft.com/office/powerpoint/2010/main" val="3853963368"/>
+      </p:ext>
+    </p:extLst>
+  </p:cSld>
+  <p:clrMapOvr>
+    <a:masterClrMapping/>
+  </p:clrMapOvr>
+</p:sld>
+</file>
+
 <file path=ppt/theme/theme1.xml><?xml version="1.0" encoding="utf-8"?>
 <a:theme xmlns:a="http://schemas.openxmlformats.org/drawingml/2006/main" name="Office Theme">
   <a:themeElements>

--- a/presentation/Presentation.pptx
+++ b/presentation/Presentation.pptx
@@ -9,11 +9,13 @@
     <p:sldId id="263" r:id="rId3"/>
     <p:sldId id="258" r:id="rId4"/>
     <p:sldId id="260" r:id="rId5"/>
-    <p:sldId id="257" r:id="rId6"/>
-    <p:sldId id="264" r:id="rId7"/>
-    <p:sldId id="262" r:id="rId8"/>
-    <p:sldId id="261" r:id="rId9"/>
-    <p:sldId id="265" r:id="rId10"/>
+    <p:sldId id="266" r:id="rId6"/>
+    <p:sldId id="257" r:id="rId7"/>
+    <p:sldId id="264" r:id="rId8"/>
+    <p:sldId id="268" r:id="rId9"/>
+    <p:sldId id="262" r:id="rId10"/>
+    <p:sldId id="261" r:id="rId11"/>
+    <p:sldId id="265" r:id="rId12"/>
   </p:sldIdLst>
   <p:sldSz cx="12192000" cy="6858000"/>
   <p:notesSz cx="6858000" cy="9144000"/>
@@ -903,45 +905,42 @@
 </file>
 
 <file path=ppt/diagrams/colors2.xml><?xml version="1.0" encoding="utf-8"?>
-<dgm:colorsDef xmlns:dgm="http://schemas.openxmlformats.org/drawingml/2006/diagram" xmlns:a="http://schemas.openxmlformats.org/drawingml/2006/main" uniqueId="urn:microsoft.com/office/officeart/2005/8/colors/colorful5">
+<dgm:colorsDef xmlns:dgm="http://schemas.openxmlformats.org/drawingml/2006/diagram" xmlns:a="http://schemas.openxmlformats.org/drawingml/2006/main" uniqueId="urn:microsoft.com/office/officeart/2005/8/colors/accent0_3">
   <dgm:title val=""/>
   <dgm:desc val=""/>
   <dgm:catLst>
-    <dgm:cat type="colorful" pri="10500"/>
+    <dgm:cat type="mainScheme" pri="10300"/>
   </dgm:catLst>
   <dgm:styleLbl name="node0">
     <dgm:fillClrLst meth="repeat">
-      <a:schemeClr val="accent4"/>
+      <a:schemeClr val="dk2"/>
     </dgm:fillClrLst>
     <dgm:linClrLst meth="repeat">
-      <a:schemeClr val="lt1"/>
+      <a:schemeClr val="lt2"/>
     </dgm:linClrLst>
     <dgm:effectClrLst/>
     <dgm:txLinClrLst/>
     <dgm:txFillClrLst/>
     <dgm:txEffectClrLst/>
   </dgm:styleLbl>
-  <dgm:styleLbl name="node1">
-    <dgm:fillClrLst>
-      <a:schemeClr val="accent5"/>
-      <a:schemeClr val="accent6"/>
+  <dgm:styleLbl name="alignNode1">
+    <dgm:fillClrLst meth="repeat">
+      <a:schemeClr val="dk2"/>
     </dgm:fillClrLst>
     <dgm:linClrLst meth="repeat">
-      <a:schemeClr val="lt1"/>
+      <a:schemeClr val="dk2"/>
     </dgm:linClrLst>
     <dgm:effectClrLst/>
     <dgm:txLinClrLst/>
     <dgm:txFillClrLst/>
     <dgm:txEffectClrLst/>
   </dgm:styleLbl>
-  <dgm:styleLbl name="alignNode1">
-    <dgm:fillClrLst>
-      <a:schemeClr val="accent5"/>
-      <a:schemeClr val="accent6"/>
+  <dgm:styleLbl name="node1">
+    <dgm:fillClrLst meth="repeat">
+      <a:schemeClr val="dk2"/>
     </dgm:fillClrLst>
-    <dgm:linClrLst>
-      <a:schemeClr val="accent5"/>
-      <a:schemeClr val="accent6"/>
+    <dgm:linClrLst meth="repeat">
+      <a:schemeClr val="lt2"/>
     </dgm:linClrLst>
     <dgm:effectClrLst/>
     <dgm:txLinClrLst/>
@@ -949,12 +948,11 @@
     <dgm:txEffectClrLst/>
   </dgm:styleLbl>
   <dgm:styleLbl name="lnNode1">
-    <dgm:fillClrLst>
-      <a:schemeClr val="accent5"/>
-      <a:schemeClr val="accent6"/>
+    <dgm:fillClrLst meth="repeat">
+      <a:schemeClr val="dk2"/>
     </dgm:fillClrLst>
     <dgm:linClrLst meth="repeat">
-      <a:schemeClr val="lt1"/>
+      <a:schemeClr val="lt2"/>
     </dgm:linClrLst>
     <dgm:effectClrLst/>
     <dgm:txLinClrLst/>
@@ -962,16 +960,13 @@
     <dgm:txEffectClrLst/>
   </dgm:styleLbl>
   <dgm:styleLbl name="vennNode1">
-    <dgm:fillClrLst>
-      <a:schemeClr val="accent5">
-        <a:alpha val="50000"/>
-      </a:schemeClr>
-      <a:schemeClr val="accent6">
+    <dgm:fillClrLst meth="repeat">
+      <a:schemeClr val="dk2">
         <a:alpha val="50000"/>
       </a:schemeClr>
     </dgm:fillClrLst>
     <dgm:linClrLst meth="repeat">
-      <a:schemeClr val="lt1"/>
+      <a:schemeClr val="lt2"/>
     </dgm:linClrLst>
     <dgm:effectClrLst/>
     <dgm:txLinClrLst/>
@@ -979,11 +974,11 @@
     <dgm:txEffectClrLst/>
   </dgm:styleLbl>
   <dgm:styleLbl name="node2">
-    <dgm:fillClrLst>
-      <a:schemeClr val="accent6"/>
+    <dgm:fillClrLst meth="repeat">
+      <a:schemeClr val="dk2"/>
     </dgm:fillClrLst>
     <dgm:linClrLst meth="repeat">
-      <a:schemeClr val="lt1"/>
+      <a:schemeClr val="lt2"/>
     </dgm:linClrLst>
     <dgm:effectClrLst/>
     <dgm:txLinClrLst/>
@@ -991,11 +986,11 @@
     <dgm:txEffectClrLst/>
   </dgm:styleLbl>
   <dgm:styleLbl name="node3">
-    <dgm:fillClrLst>
-      <a:schemeClr val="accent1"/>
+    <dgm:fillClrLst meth="repeat">
+      <a:schemeClr val="dk2"/>
     </dgm:fillClrLst>
     <dgm:linClrLst meth="repeat">
-      <a:schemeClr val="lt1"/>
+      <a:schemeClr val="lt2"/>
     </dgm:linClrLst>
     <dgm:effectClrLst/>
     <dgm:txLinClrLst/>
@@ -1003,11 +998,11 @@
     <dgm:txEffectClrLst/>
   </dgm:styleLbl>
   <dgm:styleLbl name="node4">
-    <dgm:fillClrLst>
-      <a:schemeClr val="accent2"/>
+    <dgm:fillClrLst meth="repeat">
+      <a:schemeClr val="dk2"/>
     </dgm:fillClrLst>
     <dgm:linClrLst meth="repeat">
-      <a:schemeClr val="lt1"/>
+      <a:schemeClr val="lt2"/>
     </dgm:linClrLst>
     <dgm:effectClrLst/>
     <dgm:txLinClrLst/>
@@ -1015,69 +1010,67 @@
     <dgm:txEffectClrLst/>
   </dgm:styleLbl>
   <dgm:styleLbl name="fgImgPlace1">
-    <dgm:fillClrLst>
-      <a:schemeClr val="accent5">
-        <a:tint val="50000"/>
-      </a:schemeClr>
-      <a:schemeClr val="accent6">
+    <dgm:fillClrLst meth="repeat">
+      <a:schemeClr val="dk2">
         <a:tint val="50000"/>
       </a:schemeClr>
     </dgm:fillClrLst>
     <dgm:linClrLst meth="repeat">
-      <a:schemeClr val="lt1"/>
+      <a:schemeClr val="lt2"/>
     </dgm:linClrLst>
     <dgm:effectClrLst/>
     <dgm:txLinClrLst/>
     <dgm:txFillClrLst meth="repeat">
-      <a:schemeClr val="lt1"/>
+      <a:schemeClr val="lt2"/>
     </dgm:txFillClrLst>
     <dgm:txEffectClrLst/>
   </dgm:styleLbl>
   <dgm:styleLbl name="alignImgPlace1">
-    <dgm:fillClrLst>
-      <a:schemeClr val="accent5">
+    <dgm:fillClrLst meth="repeat">
+      <a:schemeClr val="dk2">
         <a:tint val="50000"/>
-      </a:schemeClr>
-      <a:schemeClr val="accent6">
-        <a:tint val="20000"/>
       </a:schemeClr>
     </dgm:fillClrLst>
     <dgm:linClrLst meth="repeat">
-      <a:schemeClr val="lt1"/>
+      <a:schemeClr val="dk2">
+        <a:shade val="80000"/>
+      </a:schemeClr>
     </dgm:linClrLst>
     <dgm:effectClrLst/>
     <dgm:txLinClrLst/>
     <dgm:txFillClrLst meth="repeat">
-      <a:schemeClr val="lt1"/>
+      <a:schemeClr val="lt2"/>
     </dgm:txFillClrLst>
     <dgm:txEffectClrLst/>
   </dgm:styleLbl>
   <dgm:styleLbl name="bgImgPlace1">
-    <dgm:fillClrLst>
-      <a:schemeClr val="accent5">
+    <dgm:fillClrLst meth="repeat">
+      <a:schemeClr val="dk2">
         <a:tint val="50000"/>
-      </a:schemeClr>
-      <a:schemeClr val="accent6">
-        <a:tint val="20000"/>
       </a:schemeClr>
     </dgm:fillClrLst>
     <dgm:linClrLst meth="repeat">
-      <a:schemeClr val="lt1"/>
+      <a:schemeClr val="dk2">
+        <a:shade val="80000"/>
+      </a:schemeClr>
     </dgm:linClrLst>
     <dgm:effectClrLst/>
     <dgm:txLinClrLst/>
     <dgm:txFillClrLst meth="repeat">
-      <a:schemeClr val="lt1"/>
+      <a:schemeClr val="lt2"/>
     </dgm:txFillClrLst>
     <dgm:txEffectClrLst/>
   </dgm:styleLbl>
   <dgm:styleLbl name="sibTrans2D1">
-    <dgm:fillClrLst>
-      <a:schemeClr val="accent5"/>
-      <a:schemeClr val="accent6"/>
+    <dgm:fillClrLst meth="repeat">
+      <a:schemeClr val="dk2">
+        <a:tint val="60000"/>
+      </a:schemeClr>
     </dgm:fillClrLst>
     <dgm:linClrLst meth="repeat">
-      <a:schemeClr val="lt1"/>
+      <a:schemeClr val="dk2">
+        <a:tint val="60000"/>
+      </a:schemeClr>
     </dgm:linClrLst>
     <dgm:effectClrLst/>
     <dgm:txLinClrLst/>
@@ -1085,55 +1078,194 @@
     <dgm:txEffectClrLst/>
   </dgm:styleLbl>
   <dgm:styleLbl name="fgSibTrans2D1">
-    <dgm:fillClrLst>
-      <a:schemeClr val="accent5"/>
-      <a:schemeClr val="accent6"/>
+    <dgm:fillClrLst meth="repeat">
+      <a:schemeClr val="dk2">
+        <a:tint val="60000"/>
+      </a:schemeClr>
     </dgm:fillClrLst>
     <dgm:linClrLst meth="repeat">
-      <a:schemeClr val="lt1"/>
+      <a:schemeClr val="dk2">
+        <a:tint val="60000"/>
+      </a:schemeClr>
+    </dgm:linClrLst>
+    <dgm:effectClrLst/>
+    <dgm:txLinClrLst/>
+    <dgm:txFillClrLst/>
+    <dgm:txEffectClrLst/>
+  </dgm:styleLbl>
+  <dgm:styleLbl name="bgSibTrans2D1">
+    <dgm:fillClrLst meth="repeat">
+      <a:schemeClr val="dk2">
+        <a:tint val="60000"/>
+      </a:schemeClr>
+    </dgm:fillClrLst>
+    <dgm:linClrLst meth="repeat">
+      <a:schemeClr val="dk2">
+        <a:tint val="60000"/>
+      </a:schemeClr>
+    </dgm:linClrLst>
+    <dgm:effectClrLst/>
+    <dgm:txLinClrLst/>
+    <dgm:txFillClrLst/>
+    <dgm:txEffectClrLst/>
+  </dgm:styleLbl>
+  <dgm:styleLbl name="sibTrans1D1">
+    <dgm:fillClrLst meth="repeat">
+      <a:schemeClr val="dk2"/>
+    </dgm:fillClrLst>
+    <dgm:linClrLst meth="repeat">
+      <a:schemeClr val="dk2"/>
     </dgm:linClrLst>
     <dgm:effectClrLst/>
     <dgm:txLinClrLst/>
     <dgm:txFillClrLst meth="repeat">
-      <a:schemeClr val="lt1"/>
+      <a:schemeClr val="lt2"/>
     </dgm:txFillClrLst>
     <dgm:txEffectClrLst/>
   </dgm:styleLbl>
-  <dgm:styleLbl name="bgSibTrans2D1">
-    <dgm:fillClrLst>
-      <a:schemeClr val="accent5"/>
-      <a:schemeClr val="accent6"/>
+  <dgm:styleLbl name="callout">
+    <dgm:fillClrLst meth="repeat">
+      <a:schemeClr val="dk2"/>
     </dgm:fillClrLst>
     <dgm:linClrLst meth="repeat">
-      <a:schemeClr val="lt1"/>
+      <a:schemeClr val="dk2">
+        <a:tint val="50000"/>
+      </a:schemeClr>
     </dgm:linClrLst>
     <dgm:effectClrLst/>
     <dgm:txLinClrLst/>
     <dgm:txFillClrLst meth="repeat">
-      <a:schemeClr val="lt1"/>
+      <a:schemeClr val="lt2"/>
     </dgm:txFillClrLst>
     <dgm:txEffectClrLst/>
   </dgm:styleLbl>
-  <dgm:styleLbl name="sibTrans1D1">
-    <dgm:fillClrLst/>
-    <dgm:linClrLst>
-      <a:schemeClr val="accent5"/>
-      <a:schemeClr val="accent6"/>
+  <dgm:styleLbl name="asst0">
+    <dgm:fillClrLst meth="repeat">
+      <a:schemeClr val="dk2"/>
+    </dgm:fillClrLst>
+    <dgm:linClrLst meth="repeat">
+      <a:schemeClr val="lt2"/>
+    </dgm:linClrLst>
+    <dgm:effectClrLst/>
+    <dgm:txLinClrLst/>
+    <dgm:txFillClrLst/>
+    <dgm:txEffectClrLst/>
+  </dgm:styleLbl>
+  <dgm:styleLbl name="asst1">
+    <dgm:fillClrLst meth="repeat">
+      <a:schemeClr val="dk2"/>
+    </dgm:fillClrLst>
+    <dgm:linClrLst meth="repeat">
+      <a:schemeClr val="lt2"/>
+    </dgm:linClrLst>
+    <dgm:effectClrLst/>
+    <dgm:txLinClrLst/>
+    <dgm:txFillClrLst/>
+    <dgm:txEffectClrLst/>
+  </dgm:styleLbl>
+  <dgm:styleLbl name="asst2">
+    <dgm:fillClrLst meth="repeat">
+      <a:schemeClr val="dk2"/>
+    </dgm:fillClrLst>
+    <dgm:linClrLst meth="repeat">
+      <a:schemeClr val="lt2"/>
+    </dgm:linClrLst>
+    <dgm:effectClrLst/>
+    <dgm:txLinClrLst/>
+    <dgm:txFillClrLst/>
+    <dgm:txEffectClrLst/>
+  </dgm:styleLbl>
+  <dgm:styleLbl name="asst3">
+    <dgm:fillClrLst meth="repeat">
+      <a:schemeClr val="dk2"/>
+    </dgm:fillClrLst>
+    <dgm:linClrLst meth="repeat">
+      <a:schemeClr val="lt2"/>
+    </dgm:linClrLst>
+    <dgm:effectClrLst/>
+    <dgm:txLinClrLst/>
+    <dgm:txFillClrLst/>
+    <dgm:txEffectClrLst/>
+  </dgm:styleLbl>
+  <dgm:styleLbl name="asst4">
+    <dgm:fillClrLst meth="repeat">
+      <a:schemeClr val="dk2"/>
+    </dgm:fillClrLst>
+    <dgm:linClrLst meth="repeat">
+      <a:schemeClr val="lt2"/>
+    </dgm:linClrLst>
+    <dgm:effectClrLst/>
+    <dgm:txLinClrLst/>
+    <dgm:txFillClrLst/>
+    <dgm:txEffectClrLst/>
+  </dgm:styleLbl>
+  <dgm:styleLbl name="parChTrans2D1">
+    <dgm:fillClrLst meth="repeat">
+      <a:schemeClr val="dk2">
+        <a:tint val="60000"/>
+      </a:schemeClr>
+    </dgm:fillClrLst>
+    <dgm:linClrLst meth="repeat">
+      <a:schemeClr val="dk2">
+        <a:tint val="60000"/>
+      </a:schemeClr>
     </dgm:linClrLst>
     <dgm:effectClrLst/>
     <dgm:txLinClrLst/>
     <dgm:txFillClrLst meth="repeat">
-      <a:schemeClr val="tx1"/>
+      <a:schemeClr val="lt2"/>
     </dgm:txFillClrLst>
     <dgm:txEffectClrLst/>
   </dgm:styleLbl>
-  <dgm:styleLbl name="callout">
+  <dgm:styleLbl name="parChTrans2D2">
     <dgm:fillClrLst meth="repeat">
-      <a:schemeClr val="accent5"/>
+      <a:schemeClr val="dk2"/>
     </dgm:fillClrLst>
     <dgm:linClrLst meth="repeat">
-      <a:schemeClr val="accent5">
-        <a:tint val="50000"/>
+      <a:schemeClr val="dk2"/>
+    </dgm:linClrLst>
+    <dgm:effectClrLst/>
+    <dgm:txLinClrLst/>
+    <dgm:txFillClrLst meth="repeat">
+      <a:schemeClr val="lt2"/>
+    </dgm:txFillClrLst>
+    <dgm:txEffectClrLst/>
+  </dgm:styleLbl>
+  <dgm:styleLbl name="parChTrans2D3">
+    <dgm:fillClrLst meth="repeat">
+      <a:schemeClr val="dk2"/>
+    </dgm:fillClrLst>
+    <dgm:linClrLst meth="repeat">
+      <a:schemeClr val="dk2"/>
+    </dgm:linClrLst>
+    <dgm:effectClrLst/>
+    <dgm:txLinClrLst/>
+    <dgm:txFillClrLst meth="repeat">
+      <a:schemeClr val="lt2"/>
+    </dgm:txFillClrLst>
+    <dgm:txEffectClrLst/>
+  </dgm:styleLbl>
+  <dgm:styleLbl name="parChTrans2D4">
+    <dgm:fillClrLst meth="repeat">
+      <a:schemeClr val="dk2"/>
+    </dgm:fillClrLst>
+    <dgm:linClrLst meth="repeat">
+      <a:schemeClr val="dk2"/>
+    </dgm:linClrLst>
+    <dgm:effectClrLst/>
+    <dgm:txLinClrLst/>
+    <dgm:txFillClrLst meth="repeat">
+      <a:schemeClr val="lt2"/>
+    </dgm:txFillClrLst>
+    <dgm:txEffectClrLst/>
+  </dgm:styleLbl>
+  <dgm:styleLbl name="parChTrans1D1">
+    <dgm:fillClrLst meth="repeat">
+      <a:schemeClr val="dk2"/>
+    </dgm:fillClrLst>
+    <dgm:linClrLst meth="repeat">
+      <a:schemeClr val="dk2">
+        <a:shade val="60000"/>
       </a:schemeClr>
     </dgm:linClrLst>
     <dgm:effectClrLst/>
@@ -1143,128 +1275,14 @@
     </dgm:txFillClrLst>
     <dgm:txEffectClrLst/>
   </dgm:styleLbl>
-  <dgm:styleLbl name="asst0">
+  <dgm:styleLbl name="parChTrans1D2">
     <dgm:fillClrLst meth="repeat">
-      <a:schemeClr val="accent5"/>
+      <a:schemeClr val="dk2"/>
     </dgm:fillClrLst>
     <dgm:linClrLst meth="repeat">
-      <a:schemeClr val="lt1">
-        <a:shade val="80000"/>
+      <a:schemeClr val="dk2">
+        <a:shade val="60000"/>
       </a:schemeClr>
-    </dgm:linClrLst>
-    <dgm:effectClrLst/>
-    <dgm:txLinClrLst/>
-    <dgm:txFillClrLst/>
-    <dgm:txEffectClrLst/>
-  </dgm:styleLbl>
-  <dgm:styleLbl name="asst1">
-    <dgm:fillClrLst meth="repeat">
-      <a:schemeClr val="accent6"/>
-    </dgm:fillClrLst>
-    <dgm:linClrLst meth="repeat">
-      <a:schemeClr val="lt1">
-        <a:shade val="80000"/>
-      </a:schemeClr>
-    </dgm:linClrLst>
-    <dgm:effectClrLst/>
-    <dgm:txLinClrLst/>
-    <dgm:txFillClrLst/>
-    <dgm:txEffectClrLst/>
-  </dgm:styleLbl>
-  <dgm:styleLbl name="asst2">
-    <dgm:fillClrLst>
-      <a:schemeClr val="accent1"/>
-    </dgm:fillClrLst>
-    <dgm:linClrLst meth="repeat">
-      <a:schemeClr val="lt1"/>
-    </dgm:linClrLst>
-    <dgm:effectClrLst/>
-    <dgm:txLinClrLst/>
-    <dgm:txFillClrLst/>
-    <dgm:txEffectClrLst/>
-  </dgm:styleLbl>
-  <dgm:styleLbl name="asst3">
-    <dgm:fillClrLst>
-      <a:schemeClr val="accent2"/>
-    </dgm:fillClrLst>
-    <dgm:linClrLst meth="repeat">
-      <a:schemeClr val="lt1"/>
-    </dgm:linClrLst>
-    <dgm:effectClrLst/>
-    <dgm:txLinClrLst/>
-    <dgm:txFillClrLst/>
-    <dgm:txEffectClrLst/>
-  </dgm:styleLbl>
-  <dgm:styleLbl name="asst4">
-    <dgm:fillClrLst>
-      <a:schemeClr val="accent3"/>
-    </dgm:fillClrLst>
-    <dgm:linClrLst meth="repeat">
-      <a:schemeClr val="lt1"/>
-    </dgm:linClrLst>
-    <dgm:effectClrLst/>
-    <dgm:txLinClrLst/>
-    <dgm:txFillClrLst/>
-    <dgm:txEffectClrLst/>
-  </dgm:styleLbl>
-  <dgm:styleLbl name="parChTrans2D1">
-    <dgm:fillClrLst meth="repeat">
-      <a:schemeClr val="accent5"/>
-    </dgm:fillClrLst>
-    <dgm:linClrLst meth="repeat">
-      <a:schemeClr val="lt1"/>
-    </dgm:linClrLst>
-    <dgm:effectClrLst/>
-    <dgm:txLinClrLst/>
-    <dgm:txFillClrLst meth="repeat">
-      <a:schemeClr val="lt1"/>
-    </dgm:txFillClrLst>
-    <dgm:txEffectClrLst/>
-  </dgm:styleLbl>
-  <dgm:styleLbl name="parChTrans2D2">
-    <dgm:fillClrLst meth="repeat">
-      <a:schemeClr val="accent6"/>
-    </dgm:fillClrLst>
-    <dgm:linClrLst meth="repeat">
-      <a:schemeClr val="lt1"/>
-    </dgm:linClrLst>
-    <dgm:effectClrLst/>
-    <dgm:txLinClrLst/>
-    <dgm:txFillClrLst/>
-    <dgm:txEffectClrLst/>
-  </dgm:styleLbl>
-  <dgm:styleLbl name="parChTrans2D3">
-    <dgm:fillClrLst meth="repeat">
-      <a:schemeClr val="accent6"/>
-    </dgm:fillClrLst>
-    <dgm:linClrLst meth="repeat">
-      <a:schemeClr val="lt1"/>
-    </dgm:linClrLst>
-    <dgm:effectClrLst/>
-    <dgm:txLinClrLst/>
-    <dgm:txFillClrLst/>
-    <dgm:txEffectClrLst/>
-  </dgm:styleLbl>
-  <dgm:styleLbl name="parChTrans2D4">
-    <dgm:fillClrLst meth="repeat">
-      <a:schemeClr val="accent1"/>
-    </dgm:fillClrLst>
-    <dgm:linClrLst meth="repeat">
-      <a:schemeClr val="lt1"/>
-    </dgm:linClrLst>
-    <dgm:effectClrLst/>
-    <dgm:txLinClrLst/>
-    <dgm:txFillClrLst meth="repeat">
-      <a:schemeClr val="lt1"/>
-    </dgm:txFillClrLst>
-    <dgm:txEffectClrLst/>
-  </dgm:styleLbl>
-  <dgm:styleLbl name="parChTrans1D1">
-    <dgm:fillClrLst meth="repeat">
-      <a:schemeClr val="accent5"/>
-    </dgm:fillClrLst>
-    <dgm:linClrLst meth="repeat">
-      <a:schemeClr val="accent5"/>
     </dgm:linClrLst>
     <dgm:effectClrLst/>
     <dgm:txLinClrLst/>
@@ -1273,14 +1291,14 @@
     </dgm:txFillClrLst>
     <dgm:txEffectClrLst/>
   </dgm:styleLbl>
-  <dgm:styleLbl name="parChTrans1D2">
+  <dgm:styleLbl name="parChTrans1D3">
     <dgm:fillClrLst meth="repeat">
-      <a:schemeClr val="accent6">
-        <a:tint val="90000"/>
-      </a:schemeClr>
+      <a:schemeClr val="dk2"/>
     </dgm:fillClrLst>
     <dgm:linClrLst meth="repeat">
-      <a:schemeClr val="accent6"/>
+      <a:schemeClr val="dk2">
+        <a:shade val="80000"/>
+      </a:schemeClr>
     </dgm:linClrLst>
     <dgm:effectClrLst/>
     <dgm:txLinClrLst/>
@@ -1289,14 +1307,14 @@
     </dgm:txFillClrLst>
     <dgm:txEffectClrLst/>
   </dgm:styleLbl>
-  <dgm:styleLbl name="parChTrans1D3">
+  <dgm:styleLbl name="parChTrans1D4">
     <dgm:fillClrLst meth="repeat">
-      <a:schemeClr val="accent6">
-        <a:tint val="70000"/>
-      </a:schemeClr>
+      <a:schemeClr val="dk2"/>
     </dgm:fillClrLst>
     <dgm:linClrLst meth="repeat">
-      <a:schemeClr val="accent1"/>
+      <a:schemeClr val="dk2">
+        <a:shade val="80000"/>
+      </a:schemeClr>
     </dgm:linClrLst>
     <dgm:effectClrLst/>
     <dgm:txLinClrLst/>
@@ -1305,31 +1323,14 @@
     </dgm:txFillClrLst>
     <dgm:txEffectClrLst/>
   </dgm:styleLbl>
-  <dgm:styleLbl name="parChTrans1D4">
+  <dgm:styleLbl name="fgAcc1">
     <dgm:fillClrLst meth="repeat">
-      <a:schemeClr val="accent6">
-        <a:tint val="50000"/>
+      <a:schemeClr val="lt2">
+        <a:alpha val="90000"/>
       </a:schemeClr>
     </dgm:fillClrLst>
     <dgm:linClrLst meth="repeat">
-      <a:schemeClr val="accent2"/>
-    </dgm:linClrLst>
-    <dgm:effectClrLst/>
-    <dgm:txLinClrLst/>
-    <dgm:txFillClrLst meth="repeat">
-      <a:schemeClr val="tx1"/>
-    </dgm:txFillClrLst>
-    <dgm:txEffectClrLst/>
-  </dgm:styleLbl>
-  <dgm:styleLbl name="fgAcc1">
-    <dgm:fillClrLst meth="repeat">
-      <a:schemeClr val="lt1">
-        <a:alpha val="90000"/>
-      </a:schemeClr>
-    </dgm:fillClrLst>
-    <dgm:linClrLst>
-      <a:schemeClr val="accent5"/>
-      <a:schemeClr val="accent6"/>
+      <a:schemeClr val="dk2"/>
     </dgm:linClrLst>
     <dgm:effectClrLst/>
     <dgm:txLinClrLst/>
@@ -1340,13 +1341,12 @@
   </dgm:styleLbl>
   <dgm:styleLbl name="conFgAcc1">
     <dgm:fillClrLst meth="repeat">
-      <a:schemeClr val="lt1">
+      <a:schemeClr val="lt2">
         <a:alpha val="90000"/>
       </a:schemeClr>
     </dgm:fillClrLst>
-    <dgm:linClrLst>
-      <a:schemeClr val="accent5"/>
-      <a:schemeClr val="accent6"/>
+    <dgm:linClrLst meth="repeat">
+      <a:schemeClr val="dk2"/>
     </dgm:linClrLst>
     <dgm:effectClrLst/>
     <dgm:txLinClrLst/>
@@ -1357,13 +1357,12 @@
   </dgm:styleLbl>
   <dgm:styleLbl name="alignAcc1">
     <dgm:fillClrLst meth="repeat">
-      <a:schemeClr val="lt1">
+      <a:schemeClr val="lt2">
         <a:alpha val="90000"/>
       </a:schemeClr>
     </dgm:fillClrLst>
-    <dgm:linClrLst>
-      <a:schemeClr val="accent5"/>
-      <a:schemeClr val="accent6"/>
+    <dgm:linClrLst meth="repeat">
+      <a:schemeClr val="dk2"/>
     </dgm:linClrLst>
     <dgm:effectClrLst/>
     <dgm:txLinClrLst/>
@@ -1374,12 +1373,12 @@
   </dgm:styleLbl>
   <dgm:styleLbl name="trAlignAcc1">
     <dgm:fillClrLst meth="repeat">
-      <a:schemeClr val="lt1">
+      <a:schemeClr val="lt2">
         <a:alpha val="40000"/>
       </a:schemeClr>
     </dgm:fillClrLst>
     <dgm:linClrLst meth="repeat">
-      <a:schemeClr val="accent5"/>
+      <a:schemeClr val="dk2"/>
     </dgm:linClrLst>
     <dgm:effectClrLst/>
     <dgm:txLinClrLst/>
@@ -1390,13 +1389,12 @@
   </dgm:styleLbl>
   <dgm:styleLbl name="bgAcc1">
     <dgm:fillClrLst meth="repeat">
-      <a:schemeClr val="lt1">
+      <a:schemeClr val="lt2">
         <a:alpha val="90000"/>
       </a:schemeClr>
     </dgm:fillClrLst>
-    <dgm:linClrLst>
-      <a:schemeClr val="accent5"/>
-      <a:schemeClr val="accent6"/>
+    <dgm:linClrLst meth="repeat">
+      <a:schemeClr val="dk2"/>
     </dgm:linClrLst>
     <dgm:effectClrLst/>
     <dgm:txLinClrLst/>
@@ -1407,11 +1405,10 @@
   </dgm:styleLbl>
   <dgm:styleLbl name="solidFgAcc1">
     <dgm:fillClrLst meth="repeat">
-      <a:schemeClr val="lt1"/>
+      <a:schemeClr val="lt2"/>
     </dgm:fillClrLst>
-    <dgm:linClrLst>
-      <a:schemeClr val="accent5"/>
-      <a:schemeClr val="accent6"/>
+    <dgm:linClrLst meth="repeat">
+      <a:schemeClr val="dk2"/>
     </dgm:linClrLst>
     <dgm:effectClrLst/>
     <dgm:txLinClrLst/>
@@ -1422,11 +1419,10 @@
   </dgm:styleLbl>
   <dgm:styleLbl name="solidAlignAcc1">
     <dgm:fillClrLst meth="repeat">
-      <a:schemeClr val="lt1"/>
+      <a:schemeClr val="lt2"/>
     </dgm:fillClrLst>
-    <dgm:linClrLst>
-      <a:schemeClr val="accent5"/>
-      <a:schemeClr val="accent6"/>
+    <dgm:linClrLst meth="repeat">
+      <a:schemeClr val="dk2"/>
     </dgm:linClrLst>
     <dgm:effectClrLst/>
     <dgm:txLinClrLst/>
@@ -1437,11 +1433,10 @@
   </dgm:styleLbl>
   <dgm:styleLbl name="solidBgAcc1">
     <dgm:fillClrLst meth="repeat">
-      <a:schemeClr val="lt1"/>
+      <a:schemeClr val="lt2"/>
     </dgm:fillClrLst>
-    <dgm:linClrLst>
-      <a:schemeClr val="accent5"/>
-      <a:schemeClr val="accent6"/>
+    <dgm:linClrLst meth="repeat">
+      <a:schemeClr val="dk2"/>
     </dgm:linClrLst>
     <dgm:effectClrLst/>
     <dgm:txLinClrLst/>
@@ -1451,24 +1446,16 @@
     <dgm:txEffectClrLst/>
   </dgm:styleLbl>
   <dgm:styleLbl name="fgAccFollowNode1">
-    <dgm:fillClrLst>
-      <a:schemeClr val="accent5">
+    <dgm:fillClrLst meth="repeat">
+      <a:schemeClr val="dk2">
+        <a:alpha val="90000"/>
         <a:tint val="40000"/>
-        <a:alpha val="90000"/>
-      </a:schemeClr>
-      <a:schemeClr val="accent6">
-        <a:tint val="40000"/>
-        <a:alpha val="90000"/>
       </a:schemeClr>
     </dgm:fillClrLst>
-    <dgm:linClrLst>
-      <a:schemeClr val="accent5">
+    <dgm:linClrLst meth="repeat">
+      <a:schemeClr val="dk2">
+        <a:alpha val="90000"/>
         <a:tint val="40000"/>
-        <a:alpha val="90000"/>
-      </a:schemeClr>
-      <a:schemeClr val="accent5">
-        <a:tint val="40000"/>
-        <a:alpha val="90000"/>
       </a:schemeClr>
     </dgm:linClrLst>
     <dgm:effectClrLst/>
@@ -1479,24 +1466,16 @@
     <dgm:txEffectClrLst/>
   </dgm:styleLbl>
   <dgm:styleLbl name="alignAccFollowNode1">
-    <dgm:fillClrLst>
-      <a:schemeClr val="accent5">
+    <dgm:fillClrLst meth="repeat">
+      <a:schemeClr val="dk2">
+        <a:alpha val="90000"/>
         <a:tint val="40000"/>
-        <a:alpha val="90000"/>
-      </a:schemeClr>
-      <a:schemeClr val="accent6">
-        <a:tint val="40000"/>
-        <a:alpha val="90000"/>
       </a:schemeClr>
     </dgm:fillClrLst>
-    <dgm:linClrLst>
-      <a:schemeClr val="accent5">
+    <dgm:linClrLst meth="repeat">
+      <a:schemeClr val="dk2">
+        <a:alpha val="90000"/>
         <a:tint val="40000"/>
-        <a:alpha val="90000"/>
-      </a:schemeClr>
-      <a:schemeClr val="accent6">
-        <a:tint val="40000"/>
-        <a:alpha val="90000"/>
       </a:schemeClr>
     </dgm:linClrLst>
     <dgm:effectClrLst/>
@@ -1507,24 +1486,16 @@
     <dgm:txEffectClrLst/>
   </dgm:styleLbl>
   <dgm:styleLbl name="bgAccFollowNode1">
-    <dgm:fillClrLst>
-      <a:schemeClr val="accent5">
+    <dgm:fillClrLst meth="repeat">
+      <a:schemeClr val="dk2">
+        <a:alpha val="90000"/>
         <a:tint val="40000"/>
-        <a:alpha val="90000"/>
-      </a:schemeClr>
-      <a:schemeClr val="accent6">
-        <a:tint val="40000"/>
-        <a:alpha val="90000"/>
       </a:schemeClr>
     </dgm:fillClrLst>
-    <dgm:linClrLst>
-      <a:schemeClr val="accent5">
+    <dgm:linClrLst meth="repeat">
+      <a:schemeClr val="dk2">
+        <a:alpha val="90000"/>
         <a:tint val="40000"/>
-        <a:alpha val="90000"/>
-      </a:schemeClr>
-      <a:schemeClr val="accent6">
-        <a:tint val="40000"/>
-        <a:alpha val="90000"/>
       </a:schemeClr>
     </dgm:linClrLst>
     <dgm:effectClrLst/>
@@ -1536,12 +1507,12 @@
   </dgm:styleLbl>
   <dgm:styleLbl name="fgAcc0">
     <dgm:fillClrLst meth="repeat">
-      <a:schemeClr val="lt1">
+      <a:schemeClr val="lt2">
         <a:alpha val="90000"/>
       </a:schemeClr>
     </dgm:fillClrLst>
-    <dgm:linClrLst>
-      <a:schemeClr val="accent4"/>
+    <dgm:linClrLst meth="repeat">
+      <a:schemeClr val="dk2"/>
     </dgm:linClrLst>
     <dgm:effectClrLst/>
     <dgm:txLinClrLst/>
@@ -1552,12 +1523,12 @@
   </dgm:styleLbl>
   <dgm:styleLbl name="fgAcc2">
     <dgm:fillClrLst meth="repeat">
-      <a:schemeClr val="lt1">
+      <a:schemeClr val="lt2">
         <a:alpha val="90000"/>
       </a:schemeClr>
     </dgm:fillClrLst>
-    <dgm:linClrLst>
-      <a:schemeClr val="accent6"/>
+    <dgm:linClrLst meth="repeat">
+      <a:schemeClr val="dk2"/>
     </dgm:linClrLst>
     <dgm:effectClrLst/>
     <dgm:txLinClrLst/>
@@ -1568,12 +1539,12 @@
   </dgm:styleLbl>
   <dgm:styleLbl name="fgAcc3">
     <dgm:fillClrLst meth="repeat">
-      <a:schemeClr val="lt1">
+      <a:schemeClr val="lt2">
         <a:alpha val="90000"/>
       </a:schemeClr>
     </dgm:fillClrLst>
-    <dgm:linClrLst>
-      <a:schemeClr val="accent1"/>
+    <dgm:linClrLst meth="repeat">
+      <a:schemeClr val="dk2"/>
     </dgm:linClrLst>
     <dgm:effectClrLst/>
     <dgm:txLinClrLst/>
@@ -1584,12 +1555,12 @@
   </dgm:styleLbl>
   <dgm:styleLbl name="fgAcc4">
     <dgm:fillClrLst meth="repeat">
-      <a:schemeClr val="lt1">
+      <a:schemeClr val="lt2">
         <a:alpha val="90000"/>
       </a:schemeClr>
     </dgm:fillClrLst>
-    <dgm:linClrLst>
-      <a:schemeClr val="accent2"/>
+    <dgm:linClrLst meth="repeat">
+      <a:schemeClr val="dk2"/>
     </dgm:linClrLst>
     <dgm:effectClrLst/>
     <dgm:txLinClrLst/>
@@ -1600,12 +1571,12 @@
   </dgm:styleLbl>
   <dgm:styleLbl name="bgShp">
     <dgm:fillClrLst meth="repeat">
-      <a:schemeClr val="accent5">
+      <a:schemeClr val="dk2">
         <a:tint val="40000"/>
       </a:schemeClr>
     </dgm:fillClrLst>
     <dgm:linClrLst meth="repeat">
-      <a:schemeClr val="dk1"/>
+      <a:schemeClr val="dk2"/>
     </dgm:linClrLst>
     <dgm:effectClrLst/>
     <dgm:txLinClrLst/>
@@ -1616,12 +1587,12 @@
   </dgm:styleLbl>
   <dgm:styleLbl name="dkBgShp">
     <dgm:fillClrLst meth="repeat">
-      <a:schemeClr val="accent5">
-        <a:shade val="90000"/>
+      <a:schemeClr val="dk2">
+        <a:shade val="80000"/>
       </a:schemeClr>
     </dgm:fillClrLst>
     <dgm:linClrLst meth="repeat">
-      <a:schemeClr val="dk1"/>
+      <a:schemeClr val="dk2"/>
     </dgm:linClrLst>
     <dgm:effectClrLst/>
     <dgm:txLinClrLst/>
@@ -1632,13 +1603,13 @@
   </dgm:styleLbl>
   <dgm:styleLbl name="trBgShp">
     <dgm:fillClrLst meth="repeat">
-      <a:schemeClr val="accent5">
+      <a:schemeClr val="dk2">
         <a:tint val="50000"/>
         <a:alpha val="40000"/>
       </a:schemeClr>
     </dgm:fillClrLst>
     <dgm:linClrLst meth="repeat">
-      <a:schemeClr val="accent5"/>
+      <a:schemeClr val="dk2"/>
     </dgm:linClrLst>
     <dgm:effectClrLst/>
     <dgm:txLinClrLst/>
@@ -1649,12 +1620,12 @@
   </dgm:styleLbl>
   <dgm:styleLbl name="fgShp">
     <dgm:fillClrLst meth="repeat">
-      <a:schemeClr val="accent5">
-        <a:tint val="40000"/>
+      <a:schemeClr val="dk2">
+        <a:tint val="60000"/>
       </a:schemeClr>
     </dgm:fillClrLst>
     <dgm:linClrLst meth="repeat">
-      <a:schemeClr val="lt1"/>
+      <a:schemeClr val="lt2"/>
     </dgm:linClrLst>
     <dgm:effectClrLst/>
     <dgm:txLinClrLst/>
@@ -1665,7 +1636,7 @@
   </dgm:styleLbl>
   <dgm:styleLbl name="revTx">
     <dgm:fillClrLst meth="repeat">
-      <a:schemeClr val="lt1">
+      <a:schemeClr val="lt2">
         <a:alpha val="0"/>
       </a:schemeClr>
     </dgm:fillClrLst>
@@ -1688,7 +1659,7 @@
 <dgm:dataModel xmlns:dgm="http://schemas.openxmlformats.org/drawingml/2006/diagram" xmlns:a="http://schemas.openxmlformats.org/drawingml/2006/main">
   <dgm:ptLst>
     <dgm:pt modelId="{36DF5A14-CB4D-40FD-9B87-7A2891F3331B}" type="doc">
-      <dgm:prSet loTypeId="urn:microsoft.com/office/officeart/2005/8/layout/vList2" loCatId="list" qsTypeId="urn:microsoft.com/office/officeart/2005/8/quickstyle/simple1" qsCatId="simple" csTypeId="urn:microsoft.com/office/officeart/2005/8/colors/colorful5" csCatId="colorful"/>
+      <dgm:prSet loTypeId="urn:microsoft.com/office/officeart/2005/8/layout/vList2" loCatId="list" qsTypeId="urn:microsoft.com/office/officeart/2005/8/quickstyle/simple1" qsCatId="simple" csTypeId="urn:microsoft.com/office/officeart/2005/8/colors/colorful5" csCatId="colorful" phldr="1"/>
       <dgm:spPr/>
       <dgm:t>
         <a:bodyPr/>
@@ -1742,8 +1713,12 @@
         <a:lstStyle/>
         <a:p>
           <a:r>
-            <a:rPr lang="en-US"/>
-            <a:t>textID = A unique number</a:t>
+            <a:rPr lang="en-US" dirty="0" err="1"/>
+            <a:t>textID</a:t>
+          </a:r>
+          <a:r>
+            <a:rPr lang="en-US" dirty="0"/>
+            <a:t> = A unique identifier</a:t>
           </a:r>
         </a:p>
       </dgm:t>
@@ -2035,7 +2010,7 @@
 <dgm:dataModel xmlns:dgm="http://schemas.openxmlformats.org/drawingml/2006/diagram" xmlns:a="http://schemas.openxmlformats.org/drawingml/2006/main">
   <dgm:ptLst>
     <dgm:pt modelId="{5783B1A7-7C3E-4966-8072-B21A56A4918B}" type="doc">
-      <dgm:prSet loTypeId="urn:microsoft.com/office/officeart/2005/8/layout/default" loCatId="list" qsTypeId="urn:microsoft.com/office/officeart/2005/8/quickstyle/simple1" qsCatId="simple" csTypeId="urn:microsoft.com/office/officeart/2005/8/colors/colorful5" csCatId="colorful"/>
+      <dgm:prSet loTypeId="urn:microsoft.com/office/officeart/2008/layout/LinedList" loCatId="list" qsTypeId="urn:microsoft.com/office/officeart/2005/8/quickstyle/3d4" qsCatId="3D" csTypeId="urn:microsoft.com/office/officeart/2005/8/colors/accent0_3" csCatId="mainScheme" phldr="1"/>
       <dgm:spPr/>
       <dgm:t>
         <a:bodyPr/>
@@ -2054,7 +2029,7 @@
         <a:p>
           <a:r>
             <a:rPr lang="en-US" dirty="0"/>
-            <a:t>1.  Remove punctuations / Remove special characters</a:t>
+            <a:t>1.  Convert Text to lower case</a:t>
           </a:r>
         </a:p>
       </dgm:t>
@@ -2090,7 +2065,7 @@
         <a:p>
           <a:r>
             <a:rPr lang="en-US" dirty="0"/>
-            <a:t>2.  Remove URLs</a:t>
+            <a:t>2.  Expand contractions</a:t>
           </a:r>
         </a:p>
       </dgm:t>
@@ -2125,8 +2100,8 @@
         <a:lstStyle/>
         <a:p>
           <a:r>
-            <a:rPr lang="en-US"/>
-            <a:t>3.  Remove HTML tags</a:t>
+            <a:rPr lang="en-US" dirty="0"/>
+            <a:t>3.  Replace Slang Words</a:t>
           </a:r>
         </a:p>
       </dgm:t>
@@ -2233,8 +2208,8 @@
         <a:lstStyle/>
         <a:p>
           <a:r>
-            <a:rPr lang="en-US"/>
-            <a:t>6.  Expand contractions</a:t>
+            <a:rPr lang="en-US" dirty="0"/>
+            <a:t>6.  Remove punctuations and special characters</a:t>
           </a:r>
         </a:p>
       </dgm:t>
@@ -2269,8 +2244,8 @@
         <a:lstStyle/>
         <a:p>
           <a:r>
-            <a:rPr lang="en-US"/>
-            <a:t>7.  Remove numbers (or converted on string)</a:t>
+            <a:rPr lang="en-US" dirty="0"/>
+            <a:t>7.  Remove Consequently Char</a:t>
           </a:r>
         </a:p>
       </dgm:t>
@@ -2305,8 +2280,8 @@
         <a:lstStyle/>
         <a:p>
           <a:r>
-            <a:rPr lang="en-US"/>
-            <a:t>8.  Trim text and Remove extra whitespaces</a:t>
+            <a:rPr lang="en-US" dirty="0"/>
+            <a:t>8.  Remove Numbers</a:t>
           </a:r>
         </a:p>
       </dgm:t>
@@ -2341,8 +2316,8 @@
         <a:lstStyle/>
         <a:p>
           <a:r>
-            <a:rPr lang="en-US"/>
-            <a:t>10.  Case Normalization: Lowercase all texts</a:t>
+            <a:rPr lang="en-US" dirty="0"/>
+            <a:t>10.  Trim text and Remove extra double whitespaces</a:t>
           </a:r>
         </a:p>
       </dgm:t>
@@ -2377,8 +2352,8 @@
         <a:lstStyle/>
         <a:p>
           <a:r>
-            <a:rPr lang="en-US"/>
-            <a:t>11.  Remove stop words, no need for this operations since in sentiment analysis we will lose information</a:t>
+            <a:rPr lang="en-US" dirty="0"/>
+            <a:t>11.  Auto Spelling</a:t>
           </a:r>
         </a:p>
       </dgm:t>
@@ -2414,7 +2389,7 @@
         <a:p>
           <a:r>
             <a:rPr lang="en-US" dirty="0"/>
-            <a:t>12.  Stemming vs Lemmatization (which one to choose?)</a:t>
+            <a:t>12.  Lemmatization</a:t>
           </a:r>
         </a:p>
       </dgm:t>
@@ -2441,7 +2416,7 @@
         </a:p>
       </dgm:t>
     </dgm:pt>
-    <dgm:pt modelId="{E5E6FF57-6FA6-4661-AAD3-87E6D845946B}">
+    <dgm:pt modelId="{08C902F6-8FB3-419B-892B-52EAE6713662}">
       <dgm:prSet/>
       <dgm:spPr/>
       <dgm:t>
@@ -2450,12 +2425,12 @@
         <a:p>
           <a:r>
             <a:rPr lang="en-US" dirty="0"/>
-            <a:t>13. Tokenization (per sentence or all the corpus?)</a:t>
+            <a:t>5. Remove HTML tags</a:t>
           </a:r>
         </a:p>
       </dgm:t>
     </dgm:pt>
-    <dgm:pt modelId="{DE348DC0-4623-45B7-A80E-6413253681C9}" type="parTrans" cxnId="{164AE052-6EC6-457D-9DD0-639CC5D0A721}">
+    <dgm:pt modelId="{F513CFC4-4D44-45C6-993F-DFDBE1CBD288}" type="parTrans" cxnId="{7F6321F6-1637-4A92-BB6B-B87C16D8BA7B}">
       <dgm:prSet/>
       <dgm:spPr/>
       <dgm:t>
@@ -2466,7 +2441,7 @@
         </a:p>
       </dgm:t>
     </dgm:pt>
-    <dgm:pt modelId="{590706D2-961F-408F-9FE4-B523DE8213A7}" type="sibTrans" cxnId="{164AE052-6EC6-457D-9DD0-639CC5D0A721}">
+    <dgm:pt modelId="{A4320D39-AFF9-4E09-B9E6-FB73C51826E1}" type="sibTrans" cxnId="{7F6321F6-1637-4A92-BB6B-B87C16D8BA7B}">
       <dgm:prSet/>
       <dgm:spPr/>
       <dgm:t>
@@ -2477,205 +2452,283 @@
         </a:p>
       </dgm:t>
     </dgm:pt>
-    <dgm:pt modelId="{42B7645F-F03B-4EAB-B449-10F94239458C}" type="pres">
-      <dgm:prSet presAssocID="{5783B1A7-7C3E-4966-8072-B21A56A4918B}" presName="diagram" presStyleCnt="0">
+    <dgm:pt modelId="{BA1BD131-9820-43F8-B225-66C841430696}" type="pres">
+      <dgm:prSet presAssocID="{5783B1A7-7C3E-4966-8072-B21A56A4918B}" presName="vert0" presStyleCnt="0">
         <dgm:presLayoutVars>
           <dgm:dir/>
-          <dgm:resizeHandles val="exact"/>
+          <dgm:animOne val="branch"/>
+          <dgm:animLvl val="lvl"/>
         </dgm:presLayoutVars>
       </dgm:prSet>
       <dgm:spPr/>
     </dgm:pt>
-    <dgm:pt modelId="{920DF7B3-3FD2-46C4-8DBD-D636CEA86A52}" type="pres">
-      <dgm:prSet presAssocID="{D83E6E32-D2F3-40B6-980F-2305EE95E231}" presName="node" presStyleLbl="node1" presStyleIdx="0" presStyleCnt="12">
-        <dgm:presLayoutVars>
-          <dgm:bulletEnabled val="1"/>
-        </dgm:presLayoutVars>
-      </dgm:prSet>
+    <dgm:pt modelId="{06A69AA1-0810-45E0-BC3B-6DD9DD4B1D98}" type="pres">
+      <dgm:prSet presAssocID="{D83E6E32-D2F3-40B6-980F-2305EE95E231}" presName="thickLine" presStyleLbl="alignNode1" presStyleIdx="0" presStyleCnt="12"/>
       <dgm:spPr/>
     </dgm:pt>
-    <dgm:pt modelId="{6B531FDC-FB09-4A0E-A0CA-0F673E970F6C}" type="pres">
-      <dgm:prSet presAssocID="{FF73C89F-43B4-4D2A-B9CF-2ED987A7247A}" presName="sibTrans" presStyleCnt="0"/>
+    <dgm:pt modelId="{2BB95054-F087-4586-9410-4EB9B001994D}" type="pres">
+      <dgm:prSet presAssocID="{D83E6E32-D2F3-40B6-980F-2305EE95E231}" presName="horz1" presStyleCnt="0"/>
       <dgm:spPr/>
     </dgm:pt>
-    <dgm:pt modelId="{25C8FB64-129D-4009-BACA-3271ADD63FE2}" type="pres">
-      <dgm:prSet presAssocID="{A903EAAD-DC4D-41BB-9194-075C8CCCC7B3}" presName="node" presStyleLbl="node1" presStyleIdx="1" presStyleCnt="12">
-        <dgm:presLayoutVars>
-          <dgm:bulletEnabled val="1"/>
-        </dgm:presLayoutVars>
-      </dgm:prSet>
+    <dgm:pt modelId="{00516CB4-9741-443A-A931-9EE4781477FC}" type="pres">
+      <dgm:prSet presAssocID="{D83E6E32-D2F3-40B6-980F-2305EE95E231}" presName="tx1" presStyleLbl="revTx" presStyleIdx="0" presStyleCnt="12"/>
       <dgm:spPr/>
     </dgm:pt>
-    <dgm:pt modelId="{57F4C432-985A-4AC6-9A55-7AF509391080}" type="pres">
-      <dgm:prSet presAssocID="{379157BB-7A9D-4F7A-BF00-41BBF32A91E8}" presName="sibTrans" presStyleCnt="0"/>
+    <dgm:pt modelId="{749E41FF-A357-43AA-9B40-7CB2D78B4BE4}" type="pres">
+      <dgm:prSet presAssocID="{D83E6E32-D2F3-40B6-980F-2305EE95E231}" presName="vert1" presStyleCnt="0"/>
       <dgm:spPr/>
     </dgm:pt>
-    <dgm:pt modelId="{F7159F3D-69D7-4276-A1C8-6380AE0A4ECA}" type="pres">
-      <dgm:prSet presAssocID="{ABAF3EE1-36D9-49DF-A8BB-280F26938C19}" presName="node" presStyleLbl="node1" presStyleIdx="2" presStyleCnt="12">
-        <dgm:presLayoutVars>
-          <dgm:bulletEnabled val="1"/>
-        </dgm:presLayoutVars>
-      </dgm:prSet>
+    <dgm:pt modelId="{2A119A3A-3227-4D88-AA8D-6CC8EC0FF42B}" type="pres">
+      <dgm:prSet presAssocID="{A903EAAD-DC4D-41BB-9194-075C8CCCC7B3}" presName="thickLine" presStyleLbl="alignNode1" presStyleIdx="1" presStyleCnt="12"/>
       <dgm:spPr/>
     </dgm:pt>
-    <dgm:pt modelId="{B4A8DC19-8695-40ED-88F8-5F085AC4EB51}" type="pres">
-      <dgm:prSet presAssocID="{27D8A8D7-DA7C-4313-8B75-C977BAED63B7}" presName="sibTrans" presStyleCnt="0"/>
+    <dgm:pt modelId="{36FD7ED6-E77E-44A6-9817-7AA5571E20FB}" type="pres">
+      <dgm:prSet presAssocID="{A903EAAD-DC4D-41BB-9194-075C8CCCC7B3}" presName="horz1" presStyleCnt="0"/>
       <dgm:spPr/>
     </dgm:pt>
-    <dgm:pt modelId="{8E104505-4DCA-41C3-B460-A95CD3FA2A5C}" type="pres">
-      <dgm:prSet presAssocID="{8A8CFE34-EE6C-406D-8570-44861350D468}" presName="node" presStyleLbl="node1" presStyleIdx="3" presStyleCnt="12">
-        <dgm:presLayoutVars>
-          <dgm:bulletEnabled val="1"/>
-        </dgm:presLayoutVars>
-      </dgm:prSet>
+    <dgm:pt modelId="{55393548-5B8F-423A-B5D0-21D7663D454B}" type="pres">
+      <dgm:prSet presAssocID="{A903EAAD-DC4D-41BB-9194-075C8CCCC7B3}" presName="tx1" presStyleLbl="revTx" presStyleIdx="1" presStyleCnt="12"/>
       <dgm:spPr/>
     </dgm:pt>
-    <dgm:pt modelId="{E0E03AB6-6810-46AB-9380-C5BEC228C9BD}" type="pres">
-      <dgm:prSet presAssocID="{513AAFB2-8907-47E7-AF5D-D1C62534DD27}" presName="sibTrans" presStyleCnt="0"/>
+    <dgm:pt modelId="{11B77E01-A256-44E5-ADC3-28CDA1988451}" type="pres">
+      <dgm:prSet presAssocID="{A903EAAD-DC4D-41BB-9194-075C8CCCC7B3}" presName="vert1" presStyleCnt="0"/>
       <dgm:spPr/>
     </dgm:pt>
-    <dgm:pt modelId="{022D5A29-0F74-4F38-9D8B-339BE06FE8CD}" type="pres">
-      <dgm:prSet presAssocID="{CB4B8CF6-3D23-42DD-AE4E-0AEA9A5DB8B3}" presName="node" presStyleLbl="node1" presStyleIdx="4" presStyleCnt="12">
-        <dgm:presLayoutVars>
-          <dgm:bulletEnabled val="1"/>
-        </dgm:presLayoutVars>
-      </dgm:prSet>
+    <dgm:pt modelId="{93EE461B-7317-4454-A834-250BD2B4BAB0}" type="pres">
+      <dgm:prSet presAssocID="{ABAF3EE1-36D9-49DF-A8BB-280F26938C19}" presName="thickLine" presStyleLbl="alignNode1" presStyleIdx="2" presStyleCnt="12"/>
       <dgm:spPr/>
     </dgm:pt>
-    <dgm:pt modelId="{F61DC6E8-FCB4-4A53-805C-88EB5101F80B}" type="pres">
-      <dgm:prSet presAssocID="{89F4CD2D-51BC-45DF-88CA-38A25C23F699}" presName="sibTrans" presStyleCnt="0"/>
+    <dgm:pt modelId="{4A9E5156-E901-411C-925E-FE7E23F8F3D3}" type="pres">
+      <dgm:prSet presAssocID="{ABAF3EE1-36D9-49DF-A8BB-280F26938C19}" presName="horz1" presStyleCnt="0"/>
       <dgm:spPr/>
     </dgm:pt>
-    <dgm:pt modelId="{AFE93984-53F6-4BB0-BCCF-FDEC334170E0}" type="pres">
-      <dgm:prSet presAssocID="{A7B8DB72-32D3-47C7-9D05-E6A9A8F9949F}" presName="node" presStyleLbl="node1" presStyleIdx="5" presStyleCnt="12">
-        <dgm:presLayoutVars>
-          <dgm:bulletEnabled val="1"/>
-        </dgm:presLayoutVars>
-      </dgm:prSet>
+    <dgm:pt modelId="{8990E564-5C4A-4708-9640-E029D591A704}" type="pres">
+      <dgm:prSet presAssocID="{ABAF3EE1-36D9-49DF-A8BB-280F26938C19}" presName="tx1" presStyleLbl="revTx" presStyleIdx="2" presStyleCnt="12"/>
       <dgm:spPr/>
     </dgm:pt>
-    <dgm:pt modelId="{78C92204-AB8F-4172-92E4-3B82CCA7BBE0}" type="pres">
-      <dgm:prSet presAssocID="{091DF482-D47A-4231-82A8-87EEA1A034A7}" presName="sibTrans" presStyleCnt="0"/>
+    <dgm:pt modelId="{372BDB55-ABDC-4CC9-9625-748DCDC637F1}" type="pres">
+      <dgm:prSet presAssocID="{ABAF3EE1-36D9-49DF-A8BB-280F26938C19}" presName="vert1" presStyleCnt="0"/>
       <dgm:spPr/>
     </dgm:pt>
-    <dgm:pt modelId="{63FA5490-82D2-4C60-937D-F5404AB30074}" type="pres">
-      <dgm:prSet presAssocID="{5DBFE331-E2D0-44A4-8166-9002C13D85CE}" presName="node" presStyleLbl="node1" presStyleIdx="6" presStyleCnt="12">
-        <dgm:presLayoutVars>
-          <dgm:bulletEnabled val="1"/>
-        </dgm:presLayoutVars>
-      </dgm:prSet>
+    <dgm:pt modelId="{8CFB7579-03A1-454E-9CB3-A95D444C799B}" type="pres">
+      <dgm:prSet presAssocID="{08C902F6-8FB3-419B-892B-52EAE6713662}" presName="thickLine" presStyleLbl="alignNode1" presStyleIdx="3" presStyleCnt="12"/>
       <dgm:spPr/>
     </dgm:pt>
-    <dgm:pt modelId="{195D99E5-6C93-45AD-974E-227789E399E6}" type="pres">
-      <dgm:prSet presAssocID="{CEE5404D-6FAD-42A9-8624-E94DFF4FA4CF}" presName="sibTrans" presStyleCnt="0"/>
+    <dgm:pt modelId="{12D24396-F772-46B6-B91B-22F717B1BB54}" type="pres">
+      <dgm:prSet presAssocID="{08C902F6-8FB3-419B-892B-52EAE6713662}" presName="horz1" presStyleCnt="0"/>
       <dgm:spPr/>
     </dgm:pt>
-    <dgm:pt modelId="{9741F251-7D7D-42AF-9313-DC74E5328005}" type="pres">
-      <dgm:prSet presAssocID="{04638E24-BC77-48DA-8350-7F0C95C1C6A7}" presName="node" presStyleLbl="node1" presStyleIdx="7" presStyleCnt="12">
-        <dgm:presLayoutVars>
-          <dgm:bulletEnabled val="1"/>
-        </dgm:presLayoutVars>
-      </dgm:prSet>
+    <dgm:pt modelId="{81702892-B202-45EC-9BAE-4D71A9F48E12}" type="pres">
+      <dgm:prSet presAssocID="{08C902F6-8FB3-419B-892B-52EAE6713662}" presName="tx1" presStyleLbl="revTx" presStyleIdx="3" presStyleCnt="12"/>
       <dgm:spPr/>
     </dgm:pt>
-    <dgm:pt modelId="{1C130371-CBF8-45C4-A836-25F77BF73A6C}" type="pres">
-      <dgm:prSet presAssocID="{80ECA1F9-F02A-422F-A77B-787956EBB19D}" presName="sibTrans" presStyleCnt="0"/>
+    <dgm:pt modelId="{37570005-6EF2-4E2C-A81D-53DBAF3251E9}" type="pres">
+      <dgm:prSet presAssocID="{08C902F6-8FB3-419B-892B-52EAE6713662}" presName="vert1" presStyleCnt="0"/>
       <dgm:spPr/>
     </dgm:pt>
-    <dgm:pt modelId="{377F5E02-2811-4BB9-9D79-B44A41AEA14C}" type="pres">
-      <dgm:prSet presAssocID="{C8CF37A4-89FA-4E13-AE69-DBA79014E9A3}" presName="node" presStyleLbl="node1" presStyleIdx="8" presStyleCnt="12">
-        <dgm:presLayoutVars>
-          <dgm:bulletEnabled val="1"/>
-        </dgm:presLayoutVars>
-      </dgm:prSet>
+    <dgm:pt modelId="{B0265CF3-7658-4A95-8E7D-6CA1FAFD5CB3}" type="pres">
+      <dgm:prSet presAssocID="{8A8CFE34-EE6C-406D-8570-44861350D468}" presName="thickLine" presStyleLbl="alignNode1" presStyleIdx="4" presStyleCnt="12"/>
       <dgm:spPr/>
     </dgm:pt>
-    <dgm:pt modelId="{A8EEB64F-A58F-457A-AE8E-67AB0A296859}" type="pres">
-      <dgm:prSet presAssocID="{5C33CC5D-636C-4410-ACB3-94B927631668}" presName="sibTrans" presStyleCnt="0"/>
+    <dgm:pt modelId="{2730E5CE-77A3-4E68-9406-D129405CE9DB}" type="pres">
+      <dgm:prSet presAssocID="{8A8CFE34-EE6C-406D-8570-44861350D468}" presName="horz1" presStyleCnt="0"/>
       <dgm:spPr/>
     </dgm:pt>
-    <dgm:pt modelId="{22F730DD-272A-453C-AF8B-B79F9A87020F}" type="pres">
-      <dgm:prSet presAssocID="{A8A6DB08-8DFE-4A9B-9BC2-078BA8E213F2}" presName="node" presStyleLbl="node1" presStyleIdx="9" presStyleCnt="12">
-        <dgm:presLayoutVars>
-          <dgm:bulletEnabled val="1"/>
-        </dgm:presLayoutVars>
-      </dgm:prSet>
+    <dgm:pt modelId="{247D332B-4BA3-4500-88A6-12086804C1B3}" type="pres">
+      <dgm:prSet presAssocID="{8A8CFE34-EE6C-406D-8570-44861350D468}" presName="tx1" presStyleLbl="revTx" presStyleIdx="4" presStyleCnt="12"/>
       <dgm:spPr/>
     </dgm:pt>
-    <dgm:pt modelId="{069B02BD-CB95-4615-A67C-0F40A4BA2225}" type="pres">
-      <dgm:prSet presAssocID="{88BCA160-B8AE-464A-AA86-7366B0499F31}" presName="sibTrans" presStyleCnt="0"/>
+    <dgm:pt modelId="{EB2BF0C4-07E2-4165-A9EC-DF7DAB3897E6}" type="pres">
+      <dgm:prSet presAssocID="{8A8CFE34-EE6C-406D-8570-44861350D468}" presName="vert1" presStyleCnt="0"/>
       <dgm:spPr/>
     </dgm:pt>
-    <dgm:pt modelId="{9832C323-30DE-4B78-A17E-0D1BE3D3539F}" type="pres">
-      <dgm:prSet presAssocID="{8422E0F9-D4E2-4C99-96FE-43C9735635C1}" presName="node" presStyleLbl="node1" presStyleIdx="10" presStyleCnt="12" custLinFactNeighborX="-772" custLinFactNeighborY="-1929">
-        <dgm:presLayoutVars>
-          <dgm:bulletEnabled val="1"/>
-        </dgm:presLayoutVars>
-      </dgm:prSet>
+    <dgm:pt modelId="{51613C02-7B9B-4791-B43C-FDB92B7E2D32}" type="pres">
+      <dgm:prSet presAssocID="{CB4B8CF6-3D23-42DD-AE4E-0AEA9A5DB8B3}" presName="thickLine" presStyleLbl="alignNode1" presStyleIdx="5" presStyleCnt="12"/>
       <dgm:spPr/>
     </dgm:pt>
-    <dgm:pt modelId="{9C055717-801A-446C-9FD3-1FDFB80CDB6A}" type="pres">
-      <dgm:prSet presAssocID="{45AB8B4E-1342-44D5-BA7C-23B2C9C016E1}" presName="sibTrans" presStyleCnt="0"/>
+    <dgm:pt modelId="{F706F903-EE17-4014-8356-5D8E48A0D77B}" type="pres">
+      <dgm:prSet presAssocID="{CB4B8CF6-3D23-42DD-AE4E-0AEA9A5DB8B3}" presName="horz1" presStyleCnt="0"/>
       <dgm:spPr/>
     </dgm:pt>
-    <dgm:pt modelId="{799BCA74-88C5-465E-8FFE-02CD5283601F}" type="pres">
-      <dgm:prSet presAssocID="{E5E6FF57-6FA6-4661-AAD3-87E6D845946B}" presName="node" presStyleLbl="node1" presStyleIdx="11" presStyleCnt="12">
-        <dgm:presLayoutVars>
-          <dgm:bulletEnabled val="1"/>
-        </dgm:presLayoutVars>
-      </dgm:prSet>
+    <dgm:pt modelId="{07E640DD-2234-4EB9-8F34-E8C26F63C6CE}" type="pres">
+      <dgm:prSet presAssocID="{CB4B8CF6-3D23-42DD-AE4E-0AEA9A5DB8B3}" presName="tx1" presStyleLbl="revTx" presStyleIdx="5" presStyleCnt="12"/>
+      <dgm:spPr/>
+    </dgm:pt>
+    <dgm:pt modelId="{4C2EC1A6-4B29-4CE3-9AF4-F7E44350A722}" type="pres">
+      <dgm:prSet presAssocID="{CB4B8CF6-3D23-42DD-AE4E-0AEA9A5DB8B3}" presName="vert1" presStyleCnt="0"/>
+      <dgm:spPr/>
+    </dgm:pt>
+    <dgm:pt modelId="{85786CB9-BEFD-4D58-9E5C-CC82B0D57F86}" type="pres">
+      <dgm:prSet presAssocID="{A7B8DB72-32D3-47C7-9D05-E6A9A8F9949F}" presName="thickLine" presStyleLbl="alignNode1" presStyleIdx="6" presStyleCnt="12"/>
+      <dgm:spPr/>
+    </dgm:pt>
+    <dgm:pt modelId="{6133261D-0E49-43A4-AF92-25ADAD356459}" type="pres">
+      <dgm:prSet presAssocID="{A7B8DB72-32D3-47C7-9D05-E6A9A8F9949F}" presName="horz1" presStyleCnt="0"/>
+      <dgm:spPr/>
+    </dgm:pt>
+    <dgm:pt modelId="{9DE7D8D3-D651-465F-B150-E19DDBB7B460}" type="pres">
+      <dgm:prSet presAssocID="{A7B8DB72-32D3-47C7-9D05-E6A9A8F9949F}" presName="tx1" presStyleLbl="revTx" presStyleIdx="6" presStyleCnt="12"/>
+      <dgm:spPr/>
+    </dgm:pt>
+    <dgm:pt modelId="{D0C2AAC2-8A4D-4180-BBA0-E7F34ED9FA1A}" type="pres">
+      <dgm:prSet presAssocID="{A7B8DB72-32D3-47C7-9D05-E6A9A8F9949F}" presName="vert1" presStyleCnt="0"/>
+      <dgm:spPr/>
+    </dgm:pt>
+    <dgm:pt modelId="{CCEFF5D2-DDBA-41BE-BC37-19C250219AEF}" type="pres">
+      <dgm:prSet presAssocID="{5DBFE331-E2D0-44A4-8166-9002C13D85CE}" presName="thickLine" presStyleLbl="alignNode1" presStyleIdx="7" presStyleCnt="12"/>
+      <dgm:spPr/>
+    </dgm:pt>
+    <dgm:pt modelId="{9D281155-E060-40B7-826F-6ADF52E06E27}" type="pres">
+      <dgm:prSet presAssocID="{5DBFE331-E2D0-44A4-8166-9002C13D85CE}" presName="horz1" presStyleCnt="0"/>
+      <dgm:spPr/>
+    </dgm:pt>
+    <dgm:pt modelId="{AEFEDEB4-E3DB-4DDB-A435-338DA630698D}" type="pres">
+      <dgm:prSet presAssocID="{5DBFE331-E2D0-44A4-8166-9002C13D85CE}" presName="tx1" presStyleLbl="revTx" presStyleIdx="7" presStyleCnt="12"/>
+      <dgm:spPr/>
+    </dgm:pt>
+    <dgm:pt modelId="{2CB59029-CC76-4AEE-816E-3A5E51FD83E3}" type="pres">
+      <dgm:prSet presAssocID="{5DBFE331-E2D0-44A4-8166-9002C13D85CE}" presName="vert1" presStyleCnt="0"/>
+      <dgm:spPr/>
+    </dgm:pt>
+    <dgm:pt modelId="{CD13C757-F124-404D-8479-76D750AE0C64}" type="pres">
+      <dgm:prSet presAssocID="{04638E24-BC77-48DA-8350-7F0C95C1C6A7}" presName="thickLine" presStyleLbl="alignNode1" presStyleIdx="8" presStyleCnt="12"/>
+      <dgm:spPr/>
+    </dgm:pt>
+    <dgm:pt modelId="{1BD5B097-FCAD-48C9-9AF5-901E088F4AEA}" type="pres">
+      <dgm:prSet presAssocID="{04638E24-BC77-48DA-8350-7F0C95C1C6A7}" presName="horz1" presStyleCnt="0"/>
+      <dgm:spPr/>
+    </dgm:pt>
+    <dgm:pt modelId="{7F592A91-9D6C-493E-8299-3FBB47217E26}" type="pres">
+      <dgm:prSet presAssocID="{04638E24-BC77-48DA-8350-7F0C95C1C6A7}" presName="tx1" presStyleLbl="revTx" presStyleIdx="8" presStyleCnt="12"/>
+      <dgm:spPr/>
+    </dgm:pt>
+    <dgm:pt modelId="{21EAE9A6-A131-4033-BDBE-544E723158A7}" type="pres">
+      <dgm:prSet presAssocID="{04638E24-BC77-48DA-8350-7F0C95C1C6A7}" presName="vert1" presStyleCnt="0"/>
+      <dgm:spPr/>
+    </dgm:pt>
+    <dgm:pt modelId="{B9C15AEC-D10D-42B6-B7D9-1383B6C69389}" type="pres">
+      <dgm:prSet presAssocID="{C8CF37A4-89FA-4E13-AE69-DBA79014E9A3}" presName="thickLine" presStyleLbl="alignNode1" presStyleIdx="9" presStyleCnt="12"/>
+      <dgm:spPr/>
+    </dgm:pt>
+    <dgm:pt modelId="{65584922-E380-4BD9-B716-1D9BEBC09EED}" type="pres">
+      <dgm:prSet presAssocID="{C8CF37A4-89FA-4E13-AE69-DBA79014E9A3}" presName="horz1" presStyleCnt="0"/>
+      <dgm:spPr/>
+    </dgm:pt>
+    <dgm:pt modelId="{887E838F-B31C-4502-B1B8-8FB48C82996E}" type="pres">
+      <dgm:prSet presAssocID="{C8CF37A4-89FA-4E13-AE69-DBA79014E9A3}" presName="tx1" presStyleLbl="revTx" presStyleIdx="9" presStyleCnt="12"/>
+      <dgm:spPr/>
+    </dgm:pt>
+    <dgm:pt modelId="{A3F3F9A1-30A2-435C-9C37-E79B0AD4FD8D}" type="pres">
+      <dgm:prSet presAssocID="{C8CF37A4-89FA-4E13-AE69-DBA79014E9A3}" presName="vert1" presStyleCnt="0"/>
+      <dgm:spPr/>
+    </dgm:pt>
+    <dgm:pt modelId="{BB35D34C-3CCD-44B2-952A-1AF68543D74E}" type="pres">
+      <dgm:prSet presAssocID="{A8A6DB08-8DFE-4A9B-9BC2-078BA8E213F2}" presName="thickLine" presStyleLbl="alignNode1" presStyleIdx="10" presStyleCnt="12"/>
+      <dgm:spPr/>
+    </dgm:pt>
+    <dgm:pt modelId="{B2BB2302-C80D-42DB-9A0C-9341AF4AEA47}" type="pres">
+      <dgm:prSet presAssocID="{A8A6DB08-8DFE-4A9B-9BC2-078BA8E213F2}" presName="horz1" presStyleCnt="0"/>
+      <dgm:spPr/>
+    </dgm:pt>
+    <dgm:pt modelId="{4873F53C-3E2A-4738-AEC2-99DB5BE94659}" type="pres">
+      <dgm:prSet presAssocID="{A8A6DB08-8DFE-4A9B-9BC2-078BA8E213F2}" presName="tx1" presStyleLbl="revTx" presStyleIdx="10" presStyleCnt="12"/>
+      <dgm:spPr/>
+    </dgm:pt>
+    <dgm:pt modelId="{A16535E9-E1D1-4C60-9DD5-A784587564AE}" type="pres">
+      <dgm:prSet presAssocID="{A8A6DB08-8DFE-4A9B-9BC2-078BA8E213F2}" presName="vert1" presStyleCnt="0"/>
+      <dgm:spPr/>
+    </dgm:pt>
+    <dgm:pt modelId="{9317748B-924A-4403-BF2C-989BC6E68390}" type="pres">
+      <dgm:prSet presAssocID="{8422E0F9-D4E2-4C99-96FE-43C9735635C1}" presName="thickLine" presStyleLbl="alignNode1" presStyleIdx="11" presStyleCnt="12"/>
+      <dgm:spPr/>
+    </dgm:pt>
+    <dgm:pt modelId="{B7B9E7A5-570F-4FEE-89D4-AC675FE3BFEA}" type="pres">
+      <dgm:prSet presAssocID="{8422E0F9-D4E2-4C99-96FE-43C9735635C1}" presName="horz1" presStyleCnt="0"/>
+      <dgm:spPr/>
+    </dgm:pt>
+    <dgm:pt modelId="{554900DF-9E2B-41AC-8E0D-73315D55A88C}" type="pres">
+      <dgm:prSet presAssocID="{8422E0F9-D4E2-4C99-96FE-43C9735635C1}" presName="tx1" presStyleLbl="revTx" presStyleIdx="11" presStyleCnt="12"/>
+      <dgm:spPr/>
+    </dgm:pt>
+    <dgm:pt modelId="{8D5B6CEF-6CC5-48E8-9386-6B8DBDBF03EC}" type="pres">
+      <dgm:prSet presAssocID="{8422E0F9-D4E2-4C99-96FE-43C9735635C1}" presName="vert1" presStyleCnt="0"/>
       <dgm:spPr/>
     </dgm:pt>
   </dgm:ptLst>
   <dgm:cxnLst>
-    <dgm:cxn modelId="{FFA87839-D227-4380-B98B-ED5B8E66DCC3}" srcId="{5783B1A7-7C3E-4966-8072-B21A56A4918B}" destId="{A8A6DB08-8DFE-4A9B-9BC2-078BA8E213F2}" srcOrd="9" destOrd="0" parTransId="{EF2F65AD-075F-4CB3-9E53-CD1191660A82}" sibTransId="{88BCA160-B8AE-464A-AA86-7366B0499F31}"/>
-    <dgm:cxn modelId="{3773223B-E0DA-4E44-B71F-A8A3C1512FFE}" type="presOf" srcId="{E5E6FF57-6FA6-4661-AAD3-87E6D845946B}" destId="{799BCA74-88C5-465E-8FFE-02CD5283601F}" srcOrd="0" destOrd="0" presId="urn:microsoft.com/office/officeart/2005/8/layout/default"/>
-    <dgm:cxn modelId="{3B671D3D-4DB3-469A-A789-E97AC21052C3}" type="presOf" srcId="{ABAF3EE1-36D9-49DF-A8BB-280F26938C19}" destId="{F7159F3D-69D7-4276-A1C8-6380AE0A4ECA}" srcOrd="0" destOrd="0" presId="urn:microsoft.com/office/officeart/2005/8/layout/default"/>
-    <dgm:cxn modelId="{CF271B5B-080E-49DE-A4A0-58B74B831BED}" srcId="{5783B1A7-7C3E-4966-8072-B21A56A4918B}" destId="{A7B8DB72-32D3-47C7-9D05-E6A9A8F9949F}" srcOrd="5" destOrd="0" parTransId="{BCF4D6FE-BE7F-49DC-996B-DE214B494E33}" sibTransId="{091DF482-D47A-4231-82A8-87EEA1A034A7}"/>
-    <dgm:cxn modelId="{A8EF1062-DCFE-4B2E-8B92-D40C5EA6F790}" srcId="{5783B1A7-7C3E-4966-8072-B21A56A4918B}" destId="{C8CF37A4-89FA-4E13-AE69-DBA79014E9A3}" srcOrd="8" destOrd="0" parTransId="{45A26C10-8E93-465B-9AE4-BB6B3497C878}" sibTransId="{5C33CC5D-636C-4410-ACB3-94B927631668}"/>
-    <dgm:cxn modelId="{9115EC42-3F32-434A-BCB3-B38A5EA3CA43}" type="presOf" srcId="{5783B1A7-7C3E-4966-8072-B21A56A4918B}" destId="{42B7645F-F03B-4EAB-B449-10F94239458C}" srcOrd="0" destOrd="0" presId="urn:microsoft.com/office/officeart/2005/8/layout/default"/>
-    <dgm:cxn modelId="{58A4A145-4ADA-4F50-9E74-F2315DCA3056}" srcId="{5783B1A7-7C3E-4966-8072-B21A56A4918B}" destId="{8A8CFE34-EE6C-406D-8570-44861350D468}" srcOrd="3" destOrd="0" parTransId="{8DBDECFB-77E9-45F5-A4FD-415AB707C476}" sibTransId="{513AAFB2-8907-47E7-AF5D-D1C62534DD27}"/>
-    <dgm:cxn modelId="{0A2C4467-A0F8-4804-8D88-8951066FFA86}" type="presOf" srcId="{A7B8DB72-32D3-47C7-9D05-E6A9A8F9949F}" destId="{AFE93984-53F6-4BB0-BCCF-FDEC334170E0}" srcOrd="0" destOrd="0" presId="urn:microsoft.com/office/officeart/2005/8/layout/default"/>
-    <dgm:cxn modelId="{1D1D294A-ACE3-46FC-8C64-DA2BA545E679}" srcId="{5783B1A7-7C3E-4966-8072-B21A56A4918B}" destId="{04638E24-BC77-48DA-8350-7F0C95C1C6A7}" srcOrd="7" destOrd="0" parTransId="{D7BA2D0D-156C-4673-9CD2-E5E42101E028}" sibTransId="{80ECA1F9-F02A-422F-A77B-787956EBB19D}"/>
-    <dgm:cxn modelId="{0DF74E4B-A005-49E6-8017-84683E22F1D7}" type="presOf" srcId="{04638E24-BC77-48DA-8350-7F0C95C1C6A7}" destId="{9741F251-7D7D-42AF-9313-DC74E5328005}" srcOrd="0" destOrd="0" presId="urn:microsoft.com/office/officeart/2005/8/layout/default"/>
-    <dgm:cxn modelId="{0778FD4E-14F0-4718-8356-84BF7E3E830B}" type="presOf" srcId="{8A8CFE34-EE6C-406D-8570-44861350D468}" destId="{8E104505-4DCA-41C3-B460-A95CD3FA2A5C}" srcOrd="0" destOrd="0" presId="urn:microsoft.com/office/officeart/2005/8/layout/default"/>
-    <dgm:cxn modelId="{164AE052-6EC6-457D-9DD0-639CC5D0A721}" srcId="{5783B1A7-7C3E-4966-8072-B21A56A4918B}" destId="{E5E6FF57-6FA6-4661-AAD3-87E6D845946B}" srcOrd="11" destOrd="0" parTransId="{DE348DC0-4623-45B7-A80E-6413253681C9}" sibTransId="{590706D2-961F-408F-9FE4-B523DE8213A7}"/>
-    <dgm:cxn modelId="{4579C556-D06A-4446-BB3A-95F1F862FBA0}" type="presOf" srcId="{A8A6DB08-8DFE-4A9B-9BC2-078BA8E213F2}" destId="{22F730DD-272A-453C-AF8B-B79F9A87020F}" srcOrd="0" destOrd="0" presId="urn:microsoft.com/office/officeart/2005/8/layout/default"/>
-    <dgm:cxn modelId="{70D77D7E-E773-4C33-9150-2E0FE80F3182}" srcId="{5783B1A7-7C3E-4966-8072-B21A56A4918B}" destId="{8422E0F9-D4E2-4C99-96FE-43C9735635C1}" srcOrd="10" destOrd="0" parTransId="{3BFC1742-97A5-4A86-A5B4-F23B7ACE2BAD}" sibTransId="{45AB8B4E-1342-44D5-BA7C-23B2C9C016E1}"/>
-    <dgm:cxn modelId="{848B879B-F95F-4028-8B92-B314A5E46494}" type="presOf" srcId="{C8CF37A4-89FA-4E13-AE69-DBA79014E9A3}" destId="{377F5E02-2811-4BB9-9D79-B44A41AEA14C}" srcOrd="0" destOrd="0" presId="urn:microsoft.com/office/officeart/2005/8/layout/default"/>
-    <dgm:cxn modelId="{A3E468AD-9E66-46E1-878E-6EF6681E2A62}" srcId="{5783B1A7-7C3E-4966-8072-B21A56A4918B}" destId="{5DBFE331-E2D0-44A4-8166-9002C13D85CE}" srcOrd="6" destOrd="0" parTransId="{D7145447-8B20-43B6-AD92-682E17D10CDA}" sibTransId="{CEE5404D-6FAD-42A9-8624-E94DFF4FA4CF}"/>
+    <dgm:cxn modelId="{3AF5521B-43F2-4FC4-BE58-19BB8A73D8FD}" type="presOf" srcId="{A7B8DB72-32D3-47C7-9D05-E6A9A8F9949F}" destId="{9DE7D8D3-D651-465F-B150-E19DDBB7B460}" srcOrd="0" destOrd="0" presId="urn:microsoft.com/office/officeart/2008/layout/LinedList"/>
+    <dgm:cxn modelId="{BFCA342C-173D-46B2-9919-E99FDF7B3A56}" type="presOf" srcId="{5DBFE331-E2D0-44A4-8166-9002C13D85CE}" destId="{AEFEDEB4-E3DB-4DDB-A435-338DA630698D}" srcOrd="0" destOrd="0" presId="urn:microsoft.com/office/officeart/2008/layout/LinedList"/>
+    <dgm:cxn modelId="{C4920931-5E5F-4EFD-A9D3-599B097CADF0}" type="presOf" srcId="{08C902F6-8FB3-419B-892B-52EAE6713662}" destId="{81702892-B202-45EC-9BAE-4D71A9F48E12}" srcOrd="0" destOrd="0" presId="urn:microsoft.com/office/officeart/2008/layout/LinedList"/>
+    <dgm:cxn modelId="{FFA87839-D227-4380-B98B-ED5B8E66DCC3}" srcId="{5783B1A7-7C3E-4966-8072-B21A56A4918B}" destId="{A8A6DB08-8DFE-4A9B-9BC2-078BA8E213F2}" srcOrd="10" destOrd="0" parTransId="{EF2F65AD-075F-4CB3-9E53-CD1191660A82}" sibTransId="{88BCA160-B8AE-464A-AA86-7366B0499F31}"/>
+    <dgm:cxn modelId="{CF271B5B-080E-49DE-A4A0-58B74B831BED}" srcId="{5783B1A7-7C3E-4966-8072-B21A56A4918B}" destId="{A7B8DB72-32D3-47C7-9D05-E6A9A8F9949F}" srcOrd="6" destOrd="0" parTransId="{BCF4D6FE-BE7F-49DC-996B-DE214B494E33}" sibTransId="{091DF482-D47A-4231-82A8-87EEA1A034A7}"/>
+    <dgm:cxn modelId="{D98BEC5E-76B6-4833-BC0F-2438ABB15F8F}" type="presOf" srcId="{04638E24-BC77-48DA-8350-7F0C95C1C6A7}" destId="{7F592A91-9D6C-493E-8299-3FBB47217E26}" srcOrd="0" destOrd="0" presId="urn:microsoft.com/office/officeart/2008/layout/LinedList"/>
+    <dgm:cxn modelId="{F246EC5F-23FD-4589-BE7E-40FEE16922CE}" type="presOf" srcId="{A8A6DB08-8DFE-4A9B-9BC2-078BA8E213F2}" destId="{4873F53C-3E2A-4738-AEC2-99DB5BE94659}" srcOrd="0" destOrd="0" presId="urn:microsoft.com/office/officeart/2008/layout/LinedList"/>
+    <dgm:cxn modelId="{A8EF1062-DCFE-4B2E-8B92-D40C5EA6F790}" srcId="{5783B1A7-7C3E-4966-8072-B21A56A4918B}" destId="{C8CF37A4-89FA-4E13-AE69-DBA79014E9A3}" srcOrd="9" destOrd="0" parTransId="{45A26C10-8E93-465B-9AE4-BB6B3497C878}" sibTransId="{5C33CC5D-636C-4410-ACB3-94B927631668}"/>
+    <dgm:cxn modelId="{58A4A145-4ADA-4F50-9E74-F2315DCA3056}" srcId="{5783B1A7-7C3E-4966-8072-B21A56A4918B}" destId="{8A8CFE34-EE6C-406D-8570-44861350D468}" srcOrd="4" destOrd="0" parTransId="{8DBDECFB-77E9-45F5-A4FD-415AB707C476}" sibTransId="{513AAFB2-8907-47E7-AF5D-D1C62534DD27}"/>
+    <dgm:cxn modelId="{1D1D294A-ACE3-46FC-8C64-DA2BA545E679}" srcId="{5783B1A7-7C3E-4966-8072-B21A56A4918B}" destId="{04638E24-BC77-48DA-8350-7F0C95C1C6A7}" srcOrd="8" destOrd="0" parTransId="{D7BA2D0D-156C-4673-9CD2-E5E42101E028}" sibTransId="{80ECA1F9-F02A-422F-A77B-787956EBB19D}"/>
+    <dgm:cxn modelId="{70D77D7E-E773-4C33-9150-2E0FE80F3182}" srcId="{5783B1A7-7C3E-4966-8072-B21A56A4918B}" destId="{8422E0F9-D4E2-4C99-96FE-43C9735635C1}" srcOrd="11" destOrd="0" parTransId="{3BFC1742-97A5-4A86-A5B4-F23B7ACE2BAD}" sibTransId="{45AB8B4E-1342-44D5-BA7C-23B2C9C016E1}"/>
+    <dgm:cxn modelId="{3614998B-00CE-4DDA-A9DE-B61359BFE593}" type="presOf" srcId="{CB4B8CF6-3D23-42DD-AE4E-0AEA9A5DB8B3}" destId="{07E640DD-2234-4EB9-8F34-E8C26F63C6CE}" srcOrd="0" destOrd="0" presId="urn:microsoft.com/office/officeart/2008/layout/LinedList"/>
+    <dgm:cxn modelId="{25411298-6F0B-49B2-9058-8FCE3BC3D6B4}" type="presOf" srcId="{5783B1A7-7C3E-4966-8072-B21A56A4918B}" destId="{BA1BD131-9820-43F8-B225-66C841430696}" srcOrd="0" destOrd="0" presId="urn:microsoft.com/office/officeart/2008/layout/LinedList"/>
+    <dgm:cxn modelId="{54C569A5-D14D-41EB-BE33-18FFA1894E6B}" type="presOf" srcId="{ABAF3EE1-36D9-49DF-A8BB-280F26938C19}" destId="{8990E564-5C4A-4708-9640-E029D591A704}" srcOrd="0" destOrd="0" presId="urn:microsoft.com/office/officeart/2008/layout/LinedList"/>
+    <dgm:cxn modelId="{A3E468AD-9E66-46E1-878E-6EF6681E2A62}" srcId="{5783B1A7-7C3E-4966-8072-B21A56A4918B}" destId="{5DBFE331-E2D0-44A4-8166-9002C13D85CE}" srcOrd="7" destOrd="0" parTransId="{D7145447-8B20-43B6-AD92-682E17D10CDA}" sibTransId="{CEE5404D-6FAD-42A9-8624-E94DFF4FA4CF}"/>
     <dgm:cxn modelId="{C768B4B7-F48B-434B-BE7C-AB2FB6490BDD}" srcId="{5783B1A7-7C3E-4966-8072-B21A56A4918B}" destId="{A903EAAD-DC4D-41BB-9194-075C8CCCC7B3}" srcOrd="1" destOrd="0" parTransId="{6075E822-460F-486D-BC41-17695D308D3A}" sibTransId="{379157BB-7A9D-4F7A-BF00-41BBF32A91E8}"/>
-    <dgm:cxn modelId="{951073BB-53F6-45EC-905F-4E9F3540F79F}" type="presOf" srcId="{CB4B8CF6-3D23-42DD-AE4E-0AEA9A5DB8B3}" destId="{022D5A29-0F74-4F38-9D8B-339BE06FE8CD}" srcOrd="0" destOrd="0" presId="urn:microsoft.com/office/officeart/2005/8/layout/default"/>
-    <dgm:cxn modelId="{DF0345DE-5ACD-4D41-90B9-45A90B0A9815}" type="presOf" srcId="{8422E0F9-D4E2-4C99-96FE-43C9735635C1}" destId="{9832C323-30DE-4B78-A17E-0D1BE3D3539F}" srcOrd="0" destOrd="0" presId="urn:microsoft.com/office/officeart/2005/8/layout/default"/>
+    <dgm:cxn modelId="{B58F52D2-ACB5-4CFA-9603-09CECE543DDB}" type="presOf" srcId="{D83E6E32-D2F3-40B6-980F-2305EE95E231}" destId="{00516CB4-9741-443A-A931-9EE4781477FC}" srcOrd="0" destOrd="0" presId="urn:microsoft.com/office/officeart/2008/layout/LinedList"/>
+    <dgm:cxn modelId="{75A6F5D8-44E9-47C5-8CC1-084A3E911998}" type="presOf" srcId="{C8CF37A4-89FA-4E13-AE69-DBA79014E9A3}" destId="{887E838F-B31C-4502-B1B8-8FB48C82996E}" srcOrd="0" destOrd="0" presId="urn:microsoft.com/office/officeart/2008/layout/LinedList"/>
+    <dgm:cxn modelId="{4E5F11E9-EBE3-4474-B42C-090125BD5253}" type="presOf" srcId="{A903EAAD-DC4D-41BB-9194-075C8CCCC7B3}" destId="{55393548-5B8F-423A-B5D0-21D7663D454B}" srcOrd="0" destOrd="0" presId="urn:microsoft.com/office/officeart/2008/layout/LinedList"/>
     <dgm:cxn modelId="{E885E0E9-93E2-453E-8245-8128B92ED5DF}" srcId="{5783B1A7-7C3E-4966-8072-B21A56A4918B}" destId="{D83E6E32-D2F3-40B6-980F-2305EE95E231}" srcOrd="0" destOrd="0" parTransId="{091CC53F-B056-4A9A-9B2C-FB7771EE2067}" sibTransId="{FF73C89F-43B4-4D2A-B9CF-2ED987A7247A}"/>
-    <dgm:cxn modelId="{B82CDCEA-B268-4745-9DD4-C3B24BAC0140}" srcId="{5783B1A7-7C3E-4966-8072-B21A56A4918B}" destId="{CB4B8CF6-3D23-42DD-AE4E-0AEA9A5DB8B3}" srcOrd="4" destOrd="0" parTransId="{BEFE2428-1A99-4BF2-AD4C-3D2393D6185F}" sibTransId="{89F4CD2D-51BC-45DF-88CA-38A25C23F699}"/>
-    <dgm:cxn modelId="{D61072F4-228D-4136-9283-794479285E23}" type="presOf" srcId="{D83E6E32-D2F3-40B6-980F-2305EE95E231}" destId="{920DF7B3-3FD2-46C4-8DBD-D636CEA86A52}" srcOrd="0" destOrd="0" presId="urn:microsoft.com/office/officeart/2005/8/layout/default"/>
+    <dgm:cxn modelId="{B82CDCEA-B268-4745-9DD4-C3B24BAC0140}" srcId="{5783B1A7-7C3E-4966-8072-B21A56A4918B}" destId="{CB4B8CF6-3D23-42DD-AE4E-0AEA9A5DB8B3}" srcOrd="5" destOrd="0" parTransId="{BEFE2428-1A99-4BF2-AD4C-3D2393D6185F}" sibTransId="{89F4CD2D-51BC-45DF-88CA-38A25C23F699}"/>
+    <dgm:cxn modelId="{7F6321F6-1637-4A92-BB6B-B87C16D8BA7B}" srcId="{5783B1A7-7C3E-4966-8072-B21A56A4918B}" destId="{08C902F6-8FB3-419B-892B-52EAE6713662}" srcOrd="3" destOrd="0" parTransId="{F513CFC4-4D44-45C6-993F-DFDBE1CBD288}" sibTransId="{A4320D39-AFF9-4E09-B9E6-FB73C51826E1}"/>
     <dgm:cxn modelId="{177605F7-1937-4ADD-B735-A5B9745F0770}" srcId="{5783B1A7-7C3E-4966-8072-B21A56A4918B}" destId="{ABAF3EE1-36D9-49DF-A8BB-280F26938C19}" srcOrd="2" destOrd="0" parTransId="{513EA539-66FB-4B1A-B4F9-F9D70E698A38}" sibTransId="{27D8A8D7-DA7C-4313-8B75-C977BAED63B7}"/>
-    <dgm:cxn modelId="{1E6BE9FB-098B-4DB3-AB38-58078BF3D5EA}" type="presOf" srcId="{5DBFE331-E2D0-44A4-8166-9002C13D85CE}" destId="{63FA5490-82D2-4C60-937D-F5404AB30074}" srcOrd="0" destOrd="0" presId="urn:microsoft.com/office/officeart/2005/8/layout/default"/>
-    <dgm:cxn modelId="{56468DFE-6921-4BE6-80F7-D34E9080BDF2}" type="presOf" srcId="{A903EAAD-DC4D-41BB-9194-075C8CCCC7B3}" destId="{25C8FB64-129D-4009-BACA-3271ADD63FE2}" srcOrd="0" destOrd="0" presId="urn:microsoft.com/office/officeart/2005/8/layout/default"/>
-    <dgm:cxn modelId="{1671AD23-D68F-4534-8C0B-B189B0BC47A7}" type="presParOf" srcId="{42B7645F-F03B-4EAB-B449-10F94239458C}" destId="{920DF7B3-3FD2-46C4-8DBD-D636CEA86A52}" srcOrd="0" destOrd="0" presId="urn:microsoft.com/office/officeart/2005/8/layout/default"/>
-    <dgm:cxn modelId="{72F21EA1-C2FA-4100-BF55-CA32014E4611}" type="presParOf" srcId="{42B7645F-F03B-4EAB-B449-10F94239458C}" destId="{6B531FDC-FB09-4A0E-A0CA-0F673E970F6C}" srcOrd="1" destOrd="0" presId="urn:microsoft.com/office/officeart/2005/8/layout/default"/>
-    <dgm:cxn modelId="{82004A75-D45D-422E-9562-080D1740CD41}" type="presParOf" srcId="{42B7645F-F03B-4EAB-B449-10F94239458C}" destId="{25C8FB64-129D-4009-BACA-3271ADD63FE2}" srcOrd="2" destOrd="0" presId="urn:microsoft.com/office/officeart/2005/8/layout/default"/>
-    <dgm:cxn modelId="{6302DE4E-8DF3-42C9-AF48-46156699EE97}" type="presParOf" srcId="{42B7645F-F03B-4EAB-B449-10F94239458C}" destId="{57F4C432-985A-4AC6-9A55-7AF509391080}" srcOrd="3" destOrd="0" presId="urn:microsoft.com/office/officeart/2005/8/layout/default"/>
-    <dgm:cxn modelId="{BFFCFD8D-31A1-4EBE-8F24-B8DE1D108F39}" type="presParOf" srcId="{42B7645F-F03B-4EAB-B449-10F94239458C}" destId="{F7159F3D-69D7-4276-A1C8-6380AE0A4ECA}" srcOrd="4" destOrd="0" presId="urn:microsoft.com/office/officeart/2005/8/layout/default"/>
-    <dgm:cxn modelId="{28E631FE-E2D9-4EEC-940C-E037B4AB4397}" type="presParOf" srcId="{42B7645F-F03B-4EAB-B449-10F94239458C}" destId="{B4A8DC19-8695-40ED-88F8-5F085AC4EB51}" srcOrd="5" destOrd="0" presId="urn:microsoft.com/office/officeart/2005/8/layout/default"/>
-    <dgm:cxn modelId="{AB671424-8CEB-43D6-AB43-F67E42BC15D0}" type="presParOf" srcId="{42B7645F-F03B-4EAB-B449-10F94239458C}" destId="{8E104505-4DCA-41C3-B460-A95CD3FA2A5C}" srcOrd="6" destOrd="0" presId="urn:microsoft.com/office/officeart/2005/8/layout/default"/>
-    <dgm:cxn modelId="{48935472-A714-4A25-854C-2D4EC19AA53B}" type="presParOf" srcId="{42B7645F-F03B-4EAB-B449-10F94239458C}" destId="{E0E03AB6-6810-46AB-9380-C5BEC228C9BD}" srcOrd="7" destOrd="0" presId="urn:microsoft.com/office/officeart/2005/8/layout/default"/>
-    <dgm:cxn modelId="{A8158842-9ADE-4BA9-817C-33BE030AB4F8}" type="presParOf" srcId="{42B7645F-F03B-4EAB-B449-10F94239458C}" destId="{022D5A29-0F74-4F38-9D8B-339BE06FE8CD}" srcOrd="8" destOrd="0" presId="urn:microsoft.com/office/officeart/2005/8/layout/default"/>
-    <dgm:cxn modelId="{7FC6C5B9-06DD-4203-83EF-0D78FFABAB8D}" type="presParOf" srcId="{42B7645F-F03B-4EAB-B449-10F94239458C}" destId="{F61DC6E8-FCB4-4A53-805C-88EB5101F80B}" srcOrd="9" destOrd="0" presId="urn:microsoft.com/office/officeart/2005/8/layout/default"/>
-    <dgm:cxn modelId="{5C59D9B8-2BE7-4F5F-84B9-916AA44CD80F}" type="presParOf" srcId="{42B7645F-F03B-4EAB-B449-10F94239458C}" destId="{AFE93984-53F6-4BB0-BCCF-FDEC334170E0}" srcOrd="10" destOrd="0" presId="urn:microsoft.com/office/officeart/2005/8/layout/default"/>
-    <dgm:cxn modelId="{B4250640-2D2F-4B18-95A4-AF8D77728501}" type="presParOf" srcId="{42B7645F-F03B-4EAB-B449-10F94239458C}" destId="{78C92204-AB8F-4172-92E4-3B82CCA7BBE0}" srcOrd="11" destOrd="0" presId="urn:microsoft.com/office/officeart/2005/8/layout/default"/>
-    <dgm:cxn modelId="{4F87EF39-615E-470A-9424-64F1D2179687}" type="presParOf" srcId="{42B7645F-F03B-4EAB-B449-10F94239458C}" destId="{63FA5490-82D2-4C60-937D-F5404AB30074}" srcOrd="12" destOrd="0" presId="urn:microsoft.com/office/officeart/2005/8/layout/default"/>
-    <dgm:cxn modelId="{0EDF3C41-E3A0-4018-95AA-137204C0DF6C}" type="presParOf" srcId="{42B7645F-F03B-4EAB-B449-10F94239458C}" destId="{195D99E5-6C93-45AD-974E-227789E399E6}" srcOrd="13" destOrd="0" presId="urn:microsoft.com/office/officeart/2005/8/layout/default"/>
-    <dgm:cxn modelId="{831A6214-4DD3-441E-A3A3-AE792177B2D5}" type="presParOf" srcId="{42B7645F-F03B-4EAB-B449-10F94239458C}" destId="{9741F251-7D7D-42AF-9313-DC74E5328005}" srcOrd="14" destOrd="0" presId="urn:microsoft.com/office/officeart/2005/8/layout/default"/>
-    <dgm:cxn modelId="{1D9DB4DB-E1AD-49D6-960C-8B18BDD206DB}" type="presParOf" srcId="{42B7645F-F03B-4EAB-B449-10F94239458C}" destId="{1C130371-CBF8-45C4-A836-25F77BF73A6C}" srcOrd="15" destOrd="0" presId="urn:microsoft.com/office/officeart/2005/8/layout/default"/>
-    <dgm:cxn modelId="{2BFBD0AC-C582-47B0-80F7-249002773010}" type="presParOf" srcId="{42B7645F-F03B-4EAB-B449-10F94239458C}" destId="{377F5E02-2811-4BB9-9D79-B44A41AEA14C}" srcOrd="16" destOrd="0" presId="urn:microsoft.com/office/officeart/2005/8/layout/default"/>
-    <dgm:cxn modelId="{46649DCD-2B94-4C0C-B349-080B61441FFF}" type="presParOf" srcId="{42B7645F-F03B-4EAB-B449-10F94239458C}" destId="{A8EEB64F-A58F-457A-AE8E-67AB0A296859}" srcOrd="17" destOrd="0" presId="urn:microsoft.com/office/officeart/2005/8/layout/default"/>
-    <dgm:cxn modelId="{66BCC3CC-F264-4179-9382-A40781D107F2}" type="presParOf" srcId="{42B7645F-F03B-4EAB-B449-10F94239458C}" destId="{22F730DD-272A-453C-AF8B-B79F9A87020F}" srcOrd="18" destOrd="0" presId="urn:microsoft.com/office/officeart/2005/8/layout/default"/>
-    <dgm:cxn modelId="{2FD4B3F2-3529-41C2-B796-0C5C17F834B5}" type="presParOf" srcId="{42B7645F-F03B-4EAB-B449-10F94239458C}" destId="{069B02BD-CB95-4615-A67C-0F40A4BA2225}" srcOrd="19" destOrd="0" presId="urn:microsoft.com/office/officeart/2005/8/layout/default"/>
-    <dgm:cxn modelId="{D66C435F-B3B3-49C6-A9F1-0425736185B7}" type="presParOf" srcId="{42B7645F-F03B-4EAB-B449-10F94239458C}" destId="{9832C323-30DE-4B78-A17E-0D1BE3D3539F}" srcOrd="20" destOrd="0" presId="urn:microsoft.com/office/officeart/2005/8/layout/default"/>
-    <dgm:cxn modelId="{E232F79B-C353-4818-9A8C-F1728557A64B}" type="presParOf" srcId="{42B7645F-F03B-4EAB-B449-10F94239458C}" destId="{9C055717-801A-446C-9FD3-1FDFB80CDB6A}" srcOrd="21" destOrd="0" presId="urn:microsoft.com/office/officeart/2005/8/layout/default"/>
-    <dgm:cxn modelId="{E3EC541C-1D30-413C-97C6-B5A5E4E3E0D7}" type="presParOf" srcId="{42B7645F-F03B-4EAB-B449-10F94239458C}" destId="{799BCA74-88C5-465E-8FFE-02CD5283601F}" srcOrd="22" destOrd="0" presId="urn:microsoft.com/office/officeart/2005/8/layout/default"/>
+    <dgm:cxn modelId="{82CB4CF7-192F-4C03-B647-73F7A7DEC17D}" type="presOf" srcId="{8A8CFE34-EE6C-406D-8570-44861350D468}" destId="{247D332B-4BA3-4500-88A6-12086804C1B3}" srcOrd="0" destOrd="0" presId="urn:microsoft.com/office/officeart/2008/layout/LinedList"/>
+    <dgm:cxn modelId="{AEAAEFFB-26F8-4A45-8BEE-7E5EEA62CDF2}" type="presOf" srcId="{8422E0F9-D4E2-4C99-96FE-43C9735635C1}" destId="{554900DF-9E2B-41AC-8E0D-73315D55A88C}" srcOrd="0" destOrd="0" presId="urn:microsoft.com/office/officeart/2008/layout/LinedList"/>
+    <dgm:cxn modelId="{D89F5D7C-C09A-4AB8-947C-CC6F25419184}" type="presParOf" srcId="{BA1BD131-9820-43F8-B225-66C841430696}" destId="{06A69AA1-0810-45E0-BC3B-6DD9DD4B1D98}" srcOrd="0" destOrd="0" presId="urn:microsoft.com/office/officeart/2008/layout/LinedList"/>
+    <dgm:cxn modelId="{302E7877-EC76-4D73-A87F-8E8251D4E888}" type="presParOf" srcId="{BA1BD131-9820-43F8-B225-66C841430696}" destId="{2BB95054-F087-4586-9410-4EB9B001994D}" srcOrd="1" destOrd="0" presId="urn:microsoft.com/office/officeart/2008/layout/LinedList"/>
+    <dgm:cxn modelId="{DCF74C37-3F2D-4B93-B503-F9704115AE11}" type="presParOf" srcId="{2BB95054-F087-4586-9410-4EB9B001994D}" destId="{00516CB4-9741-443A-A931-9EE4781477FC}" srcOrd="0" destOrd="0" presId="urn:microsoft.com/office/officeart/2008/layout/LinedList"/>
+    <dgm:cxn modelId="{E071DE65-9379-4CFE-91B2-A253313E9DE3}" type="presParOf" srcId="{2BB95054-F087-4586-9410-4EB9B001994D}" destId="{749E41FF-A357-43AA-9B40-7CB2D78B4BE4}" srcOrd="1" destOrd="0" presId="urn:microsoft.com/office/officeart/2008/layout/LinedList"/>
+    <dgm:cxn modelId="{AE68E038-A6C6-4FC2-81F2-3EB6C625219A}" type="presParOf" srcId="{BA1BD131-9820-43F8-B225-66C841430696}" destId="{2A119A3A-3227-4D88-AA8D-6CC8EC0FF42B}" srcOrd="2" destOrd="0" presId="urn:microsoft.com/office/officeart/2008/layout/LinedList"/>
+    <dgm:cxn modelId="{9204DA7D-2672-450D-96A3-C53818E92C5B}" type="presParOf" srcId="{BA1BD131-9820-43F8-B225-66C841430696}" destId="{36FD7ED6-E77E-44A6-9817-7AA5571E20FB}" srcOrd="3" destOrd="0" presId="urn:microsoft.com/office/officeart/2008/layout/LinedList"/>
+    <dgm:cxn modelId="{32FBC7BE-A621-4D9B-9C8C-9416B3B13C77}" type="presParOf" srcId="{36FD7ED6-E77E-44A6-9817-7AA5571E20FB}" destId="{55393548-5B8F-423A-B5D0-21D7663D454B}" srcOrd="0" destOrd="0" presId="urn:microsoft.com/office/officeart/2008/layout/LinedList"/>
+    <dgm:cxn modelId="{F873AA40-4DCE-4C81-AF25-9C3AB4A404E0}" type="presParOf" srcId="{36FD7ED6-E77E-44A6-9817-7AA5571E20FB}" destId="{11B77E01-A256-44E5-ADC3-28CDA1988451}" srcOrd="1" destOrd="0" presId="urn:microsoft.com/office/officeart/2008/layout/LinedList"/>
+    <dgm:cxn modelId="{BCFDC4E9-A4C5-4E86-8CB9-247E5B72AB5E}" type="presParOf" srcId="{BA1BD131-9820-43F8-B225-66C841430696}" destId="{93EE461B-7317-4454-A834-250BD2B4BAB0}" srcOrd="4" destOrd="0" presId="urn:microsoft.com/office/officeart/2008/layout/LinedList"/>
+    <dgm:cxn modelId="{87339E65-2D6A-46C3-B0A5-3BF431F5CB60}" type="presParOf" srcId="{BA1BD131-9820-43F8-B225-66C841430696}" destId="{4A9E5156-E901-411C-925E-FE7E23F8F3D3}" srcOrd="5" destOrd="0" presId="urn:microsoft.com/office/officeart/2008/layout/LinedList"/>
+    <dgm:cxn modelId="{ADAF04FC-4F5E-42DF-9E5F-AA4139F3B2AE}" type="presParOf" srcId="{4A9E5156-E901-411C-925E-FE7E23F8F3D3}" destId="{8990E564-5C4A-4708-9640-E029D591A704}" srcOrd="0" destOrd="0" presId="urn:microsoft.com/office/officeart/2008/layout/LinedList"/>
+    <dgm:cxn modelId="{A7110E24-79BF-4243-9F12-FB4F378389AB}" type="presParOf" srcId="{4A9E5156-E901-411C-925E-FE7E23F8F3D3}" destId="{372BDB55-ABDC-4CC9-9625-748DCDC637F1}" srcOrd="1" destOrd="0" presId="urn:microsoft.com/office/officeart/2008/layout/LinedList"/>
+    <dgm:cxn modelId="{459D4399-AD28-4065-B494-D977EAF4ED48}" type="presParOf" srcId="{BA1BD131-9820-43F8-B225-66C841430696}" destId="{8CFB7579-03A1-454E-9CB3-A95D444C799B}" srcOrd="6" destOrd="0" presId="urn:microsoft.com/office/officeart/2008/layout/LinedList"/>
+    <dgm:cxn modelId="{3C554419-FA08-49A1-8A4D-B40B5B42AFF3}" type="presParOf" srcId="{BA1BD131-9820-43F8-B225-66C841430696}" destId="{12D24396-F772-46B6-B91B-22F717B1BB54}" srcOrd="7" destOrd="0" presId="urn:microsoft.com/office/officeart/2008/layout/LinedList"/>
+    <dgm:cxn modelId="{9C46B825-F592-405D-BC9F-F833961D8136}" type="presParOf" srcId="{12D24396-F772-46B6-B91B-22F717B1BB54}" destId="{81702892-B202-45EC-9BAE-4D71A9F48E12}" srcOrd="0" destOrd="0" presId="urn:microsoft.com/office/officeart/2008/layout/LinedList"/>
+    <dgm:cxn modelId="{35892609-69D3-49F9-B9CE-A4C558A39994}" type="presParOf" srcId="{12D24396-F772-46B6-B91B-22F717B1BB54}" destId="{37570005-6EF2-4E2C-A81D-53DBAF3251E9}" srcOrd="1" destOrd="0" presId="urn:microsoft.com/office/officeart/2008/layout/LinedList"/>
+    <dgm:cxn modelId="{5B05DD0E-180E-4A25-B596-032F9AD0FB3F}" type="presParOf" srcId="{BA1BD131-9820-43F8-B225-66C841430696}" destId="{B0265CF3-7658-4A95-8E7D-6CA1FAFD5CB3}" srcOrd="8" destOrd="0" presId="urn:microsoft.com/office/officeart/2008/layout/LinedList"/>
+    <dgm:cxn modelId="{FB0CD469-B940-422D-AE33-76ADC5940042}" type="presParOf" srcId="{BA1BD131-9820-43F8-B225-66C841430696}" destId="{2730E5CE-77A3-4E68-9406-D129405CE9DB}" srcOrd="9" destOrd="0" presId="urn:microsoft.com/office/officeart/2008/layout/LinedList"/>
+    <dgm:cxn modelId="{878F76CD-FC9D-4373-AB81-2883683A15A2}" type="presParOf" srcId="{2730E5CE-77A3-4E68-9406-D129405CE9DB}" destId="{247D332B-4BA3-4500-88A6-12086804C1B3}" srcOrd="0" destOrd="0" presId="urn:microsoft.com/office/officeart/2008/layout/LinedList"/>
+    <dgm:cxn modelId="{55248C09-98B9-4368-9BD1-1EE1445C97A6}" type="presParOf" srcId="{2730E5CE-77A3-4E68-9406-D129405CE9DB}" destId="{EB2BF0C4-07E2-4165-A9EC-DF7DAB3897E6}" srcOrd="1" destOrd="0" presId="urn:microsoft.com/office/officeart/2008/layout/LinedList"/>
+    <dgm:cxn modelId="{506AC00A-9784-4D8B-A941-785A3189334F}" type="presParOf" srcId="{BA1BD131-9820-43F8-B225-66C841430696}" destId="{51613C02-7B9B-4791-B43C-FDB92B7E2D32}" srcOrd="10" destOrd="0" presId="urn:microsoft.com/office/officeart/2008/layout/LinedList"/>
+    <dgm:cxn modelId="{3E203FE4-CF9E-4069-A050-7A568ABE6C2F}" type="presParOf" srcId="{BA1BD131-9820-43F8-B225-66C841430696}" destId="{F706F903-EE17-4014-8356-5D8E48A0D77B}" srcOrd="11" destOrd="0" presId="urn:microsoft.com/office/officeart/2008/layout/LinedList"/>
+    <dgm:cxn modelId="{204E74A9-F0C5-4268-A12D-A93FCFE39877}" type="presParOf" srcId="{F706F903-EE17-4014-8356-5D8E48A0D77B}" destId="{07E640DD-2234-4EB9-8F34-E8C26F63C6CE}" srcOrd="0" destOrd="0" presId="urn:microsoft.com/office/officeart/2008/layout/LinedList"/>
+    <dgm:cxn modelId="{F2DEBF75-8400-4FFB-9BBA-A8E041AED73E}" type="presParOf" srcId="{F706F903-EE17-4014-8356-5D8E48A0D77B}" destId="{4C2EC1A6-4B29-4CE3-9AF4-F7E44350A722}" srcOrd="1" destOrd="0" presId="urn:microsoft.com/office/officeart/2008/layout/LinedList"/>
+    <dgm:cxn modelId="{DA1CAB3C-26C6-47EF-BD4C-2B0F81099414}" type="presParOf" srcId="{BA1BD131-9820-43F8-B225-66C841430696}" destId="{85786CB9-BEFD-4D58-9E5C-CC82B0D57F86}" srcOrd="12" destOrd="0" presId="urn:microsoft.com/office/officeart/2008/layout/LinedList"/>
+    <dgm:cxn modelId="{A28FF9DA-D297-4B2B-91D5-678FF1AB0DD7}" type="presParOf" srcId="{BA1BD131-9820-43F8-B225-66C841430696}" destId="{6133261D-0E49-43A4-AF92-25ADAD356459}" srcOrd="13" destOrd="0" presId="urn:microsoft.com/office/officeart/2008/layout/LinedList"/>
+    <dgm:cxn modelId="{28A07C72-C16D-4D75-9956-8B230E6A6262}" type="presParOf" srcId="{6133261D-0E49-43A4-AF92-25ADAD356459}" destId="{9DE7D8D3-D651-465F-B150-E19DDBB7B460}" srcOrd="0" destOrd="0" presId="urn:microsoft.com/office/officeart/2008/layout/LinedList"/>
+    <dgm:cxn modelId="{29B5A67B-98F7-47B4-A703-9A12E9FC1C14}" type="presParOf" srcId="{6133261D-0E49-43A4-AF92-25ADAD356459}" destId="{D0C2AAC2-8A4D-4180-BBA0-E7F34ED9FA1A}" srcOrd="1" destOrd="0" presId="urn:microsoft.com/office/officeart/2008/layout/LinedList"/>
+    <dgm:cxn modelId="{D4CD32E9-0AD1-4330-9281-8D7F6FDCF396}" type="presParOf" srcId="{BA1BD131-9820-43F8-B225-66C841430696}" destId="{CCEFF5D2-DDBA-41BE-BC37-19C250219AEF}" srcOrd="14" destOrd="0" presId="urn:microsoft.com/office/officeart/2008/layout/LinedList"/>
+    <dgm:cxn modelId="{915B7C5F-44AA-4FC5-9821-6DF9AA2849F4}" type="presParOf" srcId="{BA1BD131-9820-43F8-B225-66C841430696}" destId="{9D281155-E060-40B7-826F-6ADF52E06E27}" srcOrd="15" destOrd="0" presId="urn:microsoft.com/office/officeart/2008/layout/LinedList"/>
+    <dgm:cxn modelId="{2B17C8ED-EE11-4A29-BA47-E00C7673A4FC}" type="presParOf" srcId="{9D281155-E060-40B7-826F-6ADF52E06E27}" destId="{AEFEDEB4-E3DB-4DDB-A435-338DA630698D}" srcOrd="0" destOrd="0" presId="urn:microsoft.com/office/officeart/2008/layout/LinedList"/>
+    <dgm:cxn modelId="{34066682-E037-45AF-B2CA-AEBFFE23A3B3}" type="presParOf" srcId="{9D281155-E060-40B7-826F-6ADF52E06E27}" destId="{2CB59029-CC76-4AEE-816E-3A5E51FD83E3}" srcOrd="1" destOrd="0" presId="urn:microsoft.com/office/officeart/2008/layout/LinedList"/>
+    <dgm:cxn modelId="{E8C40DC7-FB99-4672-BFEB-A3E5B03AB32C}" type="presParOf" srcId="{BA1BD131-9820-43F8-B225-66C841430696}" destId="{CD13C757-F124-404D-8479-76D750AE0C64}" srcOrd="16" destOrd="0" presId="urn:microsoft.com/office/officeart/2008/layout/LinedList"/>
+    <dgm:cxn modelId="{8E3C76A3-2764-42B0-B236-693885BCC01D}" type="presParOf" srcId="{BA1BD131-9820-43F8-B225-66C841430696}" destId="{1BD5B097-FCAD-48C9-9AF5-901E088F4AEA}" srcOrd="17" destOrd="0" presId="urn:microsoft.com/office/officeart/2008/layout/LinedList"/>
+    <dgm:cxn modelId="{48CB8462-3C30-45F3-825B-04B7FCED3A6E}" type="presParOf" srcId="{1BD5B097-FCAD-48C9-9AF5-901E088F4AEA}" destId="{7F592A91-9D6C-493E-8299-3FBB47217E26}" srcOrd="0" destOrd="0" presId="urn:microsoft.com/office/officeart/2008/layout/LinedList"/>
+    <dgm:cxn modelId="{7F1F8AEC-B587-4C7D-8B9A-3F719FD218C4}" type="presParOf" srcId="{1BD5B097-FCAD-48C9-9AF5-901E088F4AEA}" destId="{21EAE9A6-A131-4033-BDBE-544E723158A7}" srcOrd="1" destOrd="0" presId="urn:microsoft.com/office/officeart/2008/layout/LinedList"/>
+    <dgm:cxn modelId="{C8FDC208-5477-426B-BC58-CF8958A4FB3D}" type="presParOf" srcId="{BA1BD131-9820-43F8-B225-66C841430696}" destId="{B9C15AEC-D10D-42B6-B7D9-1383B6C69389}" srcOrd="18" destOrd="0" presId="urn:microsoft.com/office/officeart/2008/layout/LinedList"/>
+    <dgm:cxn modelId="{70D03197-564F-4FF1-8BAC-F300F9684D6F}" type="presParOf" srcId="{BA1BD131-9820-43F8-B225-66C841430696}" destId="{65584922-E380-4BD9-B716-1D9BEBC09EED}" srcOrd="19" destOrd="0" presId="urn:microsoft.com/office/officeart/2008/layout/LinedList"/>
+    <dgm:cxn modelId="{6828A588-F563-46AC-9DF5-38C3B0FC67C5}" type="presParOf" srcId="{65584922-E380-4BD9-B716-1D9BEBC09EED}" destId="{887E838F-B31C-4502-B1B8-8FB48C82996E}" srcOrd="0" destOrd="0" presId="urn:microsoft.com/office/officeart/2008/layout/LinedList"/>
+    <dgm:cxn modelId="{04B0803C-6803-4F02-9DE6-8214F30405FA}" type="presParOf" srcId="{65584922-E380-4BD9-B716-1D9BEBC09EED}" destId="{A3F3F9A1-30A2-435C-9C37-E79B0AD4FD8D}" srcOrd="1" destOrd="0" presId="urn:microsoft.com/office/officeart/2008/layout/LinedList"/>
+    <dgm:cxn modelId="{1A293FA6-6A63-4AA1-8A43-E86EAAAAF99B}" type="presParOf" srcId="{BA1BD131-9820-43F8-B225-66C841430696}" destId="{BB35D34C-3CCD-44B2-952A-1AF68543D74E}" srcOrd="20" destOrd="0" presId="urn:microsoft.com/office/officeart/2008/layout/LinedList"/>
+    <dgm:cxn modelId="{A17597EC-2D41-4DBA-8A96-9C31E82845B9}" type="presParOf" srcId="{BA1BD131-9820-43F8-B225-66C841430696}" destId="{B2BB2302-C80D-42DB-9A0C-9341AF4AEA47}" srcOrd="21" destOrd="0" presId="urn:microsoft.com/office/officeart/2008/layout/LinedList"/>
+    <dgm:cxn modelId="{1F619597-DABB-49D6-B046-D08A38C7EAB5}" type="presParOf" srcId="{B2BB2302-C80D-42DB-9A0C-9341AF4AEA47}" destId="{4873F53C-3E2A-4738-AEC2-99DB5BE94659}" srcOrd="0" destOrd="0" presId="urn:microsoft.com/office/officeart/2008/layout/LinedList"/>
+    <dgm:cxn modelId="{A623D2D0-0A12-41E2-AD4E-383613277AF5}" type="presParOf" srcId="{B2BB2302-C80D-42DB-9A0C-9341AF4AEA47}" destId="{A16535E9-E1D1-4C60-9DD5-A784587564AE}" srcOrd="1" destOrd="0" presId="urn:microsoft.com/office/officeart/2008/layout/LinedList"/>
+    <dgm:cxn modelId="{5338B651-FF74-4E57-BFE1-990EBD9A7BEA}" type="presParOf" srcId="{BA1BD131-9820-43F8-B225-66C841430696}" destId="{9317748B-924A-4403-BF2C-989BC6E68390}" srcOrd="22" destOrd="0" presId="urn:microsoft.com/office/officeart/2008/layout/LinedList"/>
+    <dgm:cxn modelId="{8339AEC8-0A56-4A11-AF61-1FD31C6A9FA8}" type="presParOf" srcId="{BA1BD131-9820-43F8-B225-66C841430696}" destId="{B7B9E7A5-570F-4FEE-89D4-AC675FE3BFEA}" srcOrd="23" destOrd="0" presId="urn:microsoft.com/office/officeart/2008/layout/LinedList"/>
+    <dgm:cxn modelId="{A859BE47-982B-4A88-879F-2A30A3D0BB6B}" type="presParOf" srcId="{B7B9E7A5-570F-4FEE-89D4-AC675FE3BFEA}" destId="{554900DF-9E2B-41AC-8E0D-73315D55A88C}" srcOrd="0" destOrd="0" presId="urn:microsoft.com/office/officeart/2008/layout/LinedList"/>
+    <dgm:cxn modelId="{9009ED5A-A39D-40AE-8C2E-9AE8E06F01C1}" type="presParOf" srcId="{B7B9E7A5-570F-4FEE-89D4-AC675FE3BFEA}" destId="{8D5B6CEF-6CC5-48E8-9386-6B8DBDBF03EC}" srcOrd="1" destOrd="0" presId="urn:microsoft.com/office/officeart/2008/layout/LinedList"/>
   </dgm:cxnLst>
   <dgm:bg/>
   <dgm:whole/>
@@ -2823,8 +2876,12 @@
             <a:buChar char="•"/>
           </a:pPr>
           <a:r>
-            <a:rPr lang="en-US" sz="3000" kern="1200"/>
-            <a:t>textID = A unique number</a:t>
+            <a:rPr lang="en-US" sz="3000" kern="1200" dirty="0" err="1"/>
+            <a:t>textID</a:t>
+          </a:r>
+          <a:r>
+            <a:rPr lang="en-US" sz="3000" kern="1200" dirty="0"/>
+            <a:t> = A unique identifier</a:t>
           </a:r>
         </a:p>
         <a:p>
@@ -3055,30 +3112,30 @@
       <dsp:cNvGrpSpPr/>
     </dsp:nvGrpSpPr>
     <dsp:grpSpPr/>
-    <dsp:sp modelId="{920DF7B3-3FD2-46C4-8DBD-D636CEA86A52}">
+    <dsp:sp modelId="{06A69AA1-0810-45E0-BC3B-6DD9DD4B1D98}">
       <dsp:nvSpPr>
         <dsp:cNvPr id="0" name=""/>
         <dsp:cNvSpPr/>
       </dsp:nvSpPr>
       <dsp:spPr>
         <a:xfrm>
-          <a:off x="582645" y="1178"/>
-          <a:ext cx="2174490" cy="1304694"/>
+          <a:off x="0" y="2492"/>
+          <a:ext cx="6492875" cy="0"/>
         </a:xfrm>
-        <a:prstGeom prst="rect">
+        <a:prstGeom prst="line">
           <a:avLst/>
         </a:prstGeom>
         <a:solidFill>
-          <a:schemeClr val="accent5">
+          <a:schemeClr val="dk2">
             <a:hueOff val="0"/>
             <a:satOff val="0"/>
             <a:lumOff val="0"/>
             <a:alphaOff val="0"/>
           </a:schemeClr>
         </a:solidFill>
-        <a:ln w="12700" cap="flat" cmpd="sng" algn="ctr">
+        <a:ln w="6350" cap="flat" cmpd="sng" algn="ctr">
           <a:solidFill>
-            <a:schemeClr val="lt1">
+            <a:schemeClr val="dk2">
               <a:hueOff val="0"/>
               <a:satOff val="0"/>
               <a:lumOff val="0"/>
@@ -3089,9 +3146,16 @@
           <a:miter lim="800000"/>
         </a:ln>
         <a:effectLst/>
+        <a:scene3d>
+          <a:camera prst="orthographicFront"/>
+          <a:lightRig rig="chilly" dir="t"/>
+        </a:scene3d>
+        <a:sp3d prstMaterial="translucentPowder">
+          <a:bevelT w="127000" h="25400" prst="softRound"/>
+        </a:sp3d>
       </dsp:spPr>
       <dsp:style>
-        <a:lnRef idx="2">
+        <a:lnRef idx="1">
           <a:scrgbClr r="0" g="0" b="0"/>
         </a:lnRef>
         <a:fillRef idx="1">
@@ -3104,13 +3168,45 @@
           <a:schemeClr val="lt1"/>
         </a:fontRef>
       </dsp:style>
+    </dsp:sp>
+    <dsp:sp modelId="{00516CB4-9741-443A-A931-9EE4781477FC}">
+      <dsp:nvSpPr>
+        <dsp:cNvPr id="0" name=""/>
+        <dsp:cNvSpPr/>
+      </dsp:nvSpPr>
+      <dsp:spPr>
+        <a:xfrm>
+          <a:off x="0" y="2492"/>
+          <a:ext cx="6492875" cy="425034"/>
+        </a:xfrm>
+        <a:prstGeom prst="rect">
+          <a:avLst/>
+        </a:prstGeom>
+        <a:noFill/>
+        <a:ln>
+          <a:noFill/>
+        </a:ln>
+        <a:effectLst/>
+      </dsp:spPr>
+      <dsp:style>
+        <a:lnRef idx="0">
+          <a:scrgbClr r="0" g="0" b="0"/>
+        </a:lnRef>
+        <a:fillRef idx="0">
+          <a:scrgbClr r="0" g="0" b="0"/>
+        </a:fillRef>
+        <a:effectRef idx="0">
+          <a:scrgbClr r="0" g="0" b="0"/>
+        </a:effectRef>
+        <a:fontRef idx="minor"/>
+      </dsp:style>
       <dsp:txBody>
-        <a:bodyPr spcFirstLastPara="0" vert="horz" wrap="square" lIns="60960" tIns="60960" rIns="60960" bIns="60960" numCol="1" spcCol="1270" anchor="ctr" anchorCtr="0">
+        <a:bodyPr spcFirstLastPara="0" vert="horz" wrap="square" lIns="72390" tIns="72390" rIns="72390" bIns="72390" numCol="1" spcCol="1270" anchor="t" anchorCtr="0">
           <a:noAutofit/>
         </a:bodyPr>
         <a:lstStyle/>
         <a:p>
-          <a:pPr marL="0" lvl="0" indent="0" algn="ctr" defTabSz="711200">
+          <a:pPr marL="0" lvl="0" indent="0" algn="l" defTabSz="844550">
             <a:lnSpc>
               <a:spcPct val="90000"/>
             </a:lnSpc>
@@ -3123,40 +3219,40 @@
             <a:buNone/>
           </a:pPr>
           <a:r>
-            <a:rPr lang="en-US" sz="1600" kern="1200" dirty="0"/>
-            <a:t>1.  Remove punctuations / Remove special characters</a:t>
+            <a:rPr lang="en-US" sz="1900" kern="1200" dirty="0"/>
+            <a:t>1.  Convert Text to lower case</a:t>
           </a:r>
         </a:p>
       </dsp:txBody>
       <dsp:txXfrm>
-        <a:off x="582645" y="1178"/>
-        <a:ext cx="2174490" cy="1304694"/>
+        <a:off x="0" y="2492"/>
+        <a:ext cx="6492875" cy="425034"/>
       </dsp:txXfrm>
     </dsp:sp>
-    <dsp:sp modelId="{25C8FB64-129D-4009-BACA-3271ADD63FE2}">
+    <dsp:sp modelId="{2A119A3A-3227-4D88-AA8D-6CC8EC0FF42B}">
       <dsp:nvSpPr>
         <dsp:cNvPr id="0" name=""/>
         <dsp:cNvSpPr/>
       </dsp:nvSpPr>
       <dsp:spPr>
         <a:xfrm>
-          <a:off x="2974584" y="1178"/>
-          <a:ext cx="2174490" cy="1304694"/>
+          <a:off x="0" y="427527"/>
+          <a:ext cx="6492875" cy="0"/>
         </a:xfrm>
-        <a:prstGeom prst="rect">
+        <a:prstGeom prst="line">
           <a:avLst/>
         </a:prstGeom>
         <a:solidFill>
-          <a:schemeClr val="accent5">
-            <a:hueOff val="-614413"/>
-            <a:satOff val="-1584"/>
-            <a:lumOff val="-1070"/>
+          <a:schemeClr val="dk2">
+            <a:hueOff val="0"/>
+            <a:satOff val="0"/>
+            <a:lumOff val="0"/>
             <a:alphaOff val="0"/>
           </a:schemeClr>
         </a:solidFill>
-        <a:ln w="12700" cap="flat" cmpd="sng" algn="ctr">
+        <a:ln w="6350" cap="flat" cmpd="sng" algn="ctr">
           <a:solidFill>
-            <a:schemeClr val="lt1">
+            <a:schemeClr val="dk2">
               <a:hueOff val="0"/>
               <a:satOff val="0"/>
               <a:lumOff val="0"/>
@@ -3167,9 +3263,16 @@
           <a:miter lim="800000"/>
         </a:ln>
         <a:effectLst/>
+        <a:scene3d>
+          <a:camera prst="orthographicFront"/>
+          <a:lightRig rig="chilly" dir="t"/>
+        </a:scene3d>
+        <a:sp3d prstMaterial="translucentPowder">
+          <a:bevelT w="127000" h="25400" prst="softRound"/>
+        </a:sp3d>
       </dsp:spPr>
       <dsp:style>
-        <a:lnRef idx="2">
+        <a:lnRef idx="1">
           <a:scrgbClr r="0" g="0" b="0"/>
         </a:lnRef>
         <a:fillRef idx="1">
@@ -3182,13 +3285,45 @@
           <a:schemeClr val="lt1"/>
         </a:fontRef>
       </dsp:style>
+    </dsp:sp>
+    <dsp:sp modelId="{55393548-5B8F-423A-B5D0-21D7663D454B}">
+      <dsp:nvSpPr>
+        <dsp:cNvPr id="0" name=""/>
+        <dsp:cNvSpPr/>
+      </dsp:nvSpPr>
+      <dsp:spPr>
+        <a:xfrm>
+          <a:off x="0" y="427527"/>
+          <a:ext cx="6492875" cy="425034"/>
+        </a:xfrm>
+        <a:prstGeom prst="rect">
+          <a:avLst/>
+        </a:prstGeom>
+        <a:noFill/>
+        <a:ln>
+          <a:noFill/>
+        </a:ln>
+        <a:effectLst/>
+      </dsp:spPr>
+      <dsp:style>
+        <a:lnRef idx="0">
+          <a:scrgbClr r="0" g="0" b="0"/>
+        </a:lnRef>
+        <a:fillRef idx="0">
+          <a:scrgbClr r="0" g="0" b="0"/>
+        </a:fillRef>
+        <a:effectRef idx="0">
+          <a:scrgbClr r="0" g="0" b="0"/>
+        </a:effectRef>
+        <a:fontRef idx="minor"/>
+      </dsp:style>
       <dsp:txBody>
-        <a:bodyPr spcFirstLastPara="0" vert="horz" wrap="square" lIns="60960" tIns="60960" rIns="60960" bIns="60960" numCol="1" spcCol="1270" anchor="ctr" anchorCtr="0">
+        <a:bodyPr spcFirstLastPara="0" vert="horz" wrap="square" lIns="72390" tIns="72390" rIns="72390" bIns="72390" numCol="1" spcCol="1270" anchor="t" anchorCtr="0">
           <a:noAutofit/>
         </a:bodyPr>
         <a:lstStyle/>
         <a:p>
-          <a:pPr marL="0" lvl="0" indent="0" algn="ctr" defTabSz="711200">
+          <a:pPr marL="0" lvl="0" indent="0" algn="l" defTabSz="844550">
             <a:lnSpc>
               <a:spcPct val="90000"/>
             </a:lnSpc>
@@ -3201,40 +3336,40 @@
             <a:buNone/>
           </a:pPr>
           <a:r>
-            <a:rPr lang="en-US" sz="1600" kern="1200" dirty="0"/>
-            <a:t>2.  Remove URLs</a:t>
+            <a:rPr lang="en-US" sz="1900" kern="1200" dirty="0"/>
+            <a:t>2.  Expand contractions</a:t>
           </a:r>
         </a:p>
       </dsp:txBody>
       <dsp:txXfrm>
-        <a:off x="2974584" y="1178"/>
-        <a:ext cx="2174490" cy="1304694"/>
+        <a:off x="0" y="427527"/>
+        <a:ext cx="6492875" cy="425034"/>
       </dsp:txXfrm>
     </dsp:sp>
-    <dsp:sp modelId="{F7159F3D-69D7-4276-A1C8-6380AE0A4ECA}">
+    <dsp:sp modelId="{93EE461B-7317-4454-A834-250BD2B4BAB0}">
       <dsp:nvSpPr>
         <dsp:cNvPr id="0" name=""/>
         <dsp:cNvSpPr/>
       </dsp:nvSpPr>
       <dsp:spPr>
         <a:xfrm>
-          <a:off x="5366524" y="1178"/>
-          <a:ext cx="2174490" cy="1304694"/>
+          <a:off x="0" y="852561"/>
+          <a:ext cx="6492875" cy="0"/>
         </a:xfrm>
-        <a:prstGeom prst="rect">
+        <a:prstGeom prst="line">
           <a:avLst/>
         </a:prstGeom>
         <a:solidFill>
-          <a:schemeClr val="accent5">
-            <a:hueOff val="-1228826"/>
-            <a:satOff val="-3167"/>
-            <a:lumOff val="-2139"/>
+          <a:schemeClr val="dk2">
+            <a:hueOff val="0"/>
+            <a:satOff val="0"/>
+            <a:lumOff val="0"/>
             <a:alphaOff val="0"/>
           </a:schemeClr>
         </a:solidFill>
-        <a:ln w="12700" cap="flat" cmpd="sng" algn="ctr">
+        <a:ln w="6350" cap="flat" cmpd="sng" algn="ctr">
           <a:solidFill>
-            <a:schemeClr val="lt1">
+            <a:schemeClr val="dk2">
               <a:hueOff val="0"/>
               <a:satOff val="0"/>
               <a:lumOff val="0"/>
@@ -3245,9 +3380,16 @@
           <a:miter lim="800000"/>
         </a:ln>
         <a:effectLst/>
+        <a:scene3d>
+          <a:camera prst="orthographicFront"/>
+          <a:lightRig rig="chilly" dir="t"/>
+        </a:scene3d>
+        <a:sp3d prstMaterial="translucentPowder">
+          <a:bevelT w="127000" h="25400" prst="softRound"/>
+        </a:sp3d>
       </dsp:spPr>
       <dsp:style>
-        <a:lnRef idx="2">
+        <a:lnRef idx="1">
           <a:scrgbClr r="0" g="0" b="0"/>
         </a:lnRef>
         <a:fillRef idx="1">
@@ -3260,13 +3402,45 @@
           <a:schemeClr val="lt1"/>
         </a:fontRef>
       </dsp:style>
+    </dsp:sp>
+    <dsp:sp modelId="{8990E564-5C4A-4708-9640-E029D591A704}">
+      <dsp:nvSpPr>
+        <dsp:cNvPr id="0" name=""/>
+        <dsp:cNvSpPr/>
+      </dsp:nvSpPr>
+      <dsp:spPr>
+        <a:xfrm>
+          <a:off x="0" y="852561"/>
+          <a:ext cx="6492875" cy="425034"/>
+        </a:xfrm>
+        <a:prstGeom prst="rect">
+          <a:avLst/>
+        </a:prstGeom>
+        <a:noFill/>
+        <a:ln>
+          <a:noFill/>
+        </a:ln>
+        <a:effectLst/>
+      </dsp:spPr>
+      <dsp:style>
+        <a:lnRef idx="0">
+          <a:scrgbClr r="0" g="0" b="0"/>
+        </a:lnRef>
+        <a:fillRef idx="0">
+          <a:scrgbClr r="0" g="0" b="0"/>
+        </a:fillRef>
+        <a:effectRef idx="0">
+          <a:scrgbClr r="0" g="0" b="0"/>
+        </a:effectRef>
+        <a:fontRef idx="minor"/>
+      </dsp:style>
       <dsp:txBody>
-        <a:bodyPr spcFirstLastPara="0" vert="horz" wrap="square" lIns="60960" tIns="60960" rIns="60960" bIns="60960" numCol="1" spcCol="1270" anchor="ctr" anchorCtr="0">
+        <a:bodyPr spcFirstLastPara="0" vert="horz" wrap="square" lIns="72390" tIns="72390" rIns="72390" bIns="72390" numCol="1" spcCol="1270" anchor="t" anchorCtr="0">
           <a:noAutofit/>
         </a:bodyPr>
         <a:lstStyle/>
         <a:p>
-          <a:pPr marL="0" lvl="0" indent="0" algn="ctr" defTabSz="711200">
+          <a:pPr marL="0" lvl="0" indent="0" algn="l" defTabSz="844550">
             <a:lnSpc>
               <a:spcPct val="90000"/>
             </a:lnSpc>
@@ -3279,40 +3453,40 @@
             <a:buNone/>
           </a:pPr>
           <a:r>
-            <a:rPr lang="en-US" sz="1600" kern="1200"/>
-            <a:t>3.  Remove HTML tags</a:t>
+            <a:rPr lang="en-US" sz="1900" kern="1200" dirty="0"/>
+            <a:t>3.  Replace Slang Words</a:t>
           </a:r>
         </a:p>
       </dsp:txBody>
       <dsp:txXfrm>
-        <a:off x="5366524" y="1178"/>
-        <a:ext cx="2174490" cy="1304694"/>
+        <a:off x="0" y="852561"/>
+        <a:ext cx="6492875" cy="425034"/>
       </dsp:txXfrm>
     </dsp:sp>
-    <dsp:sp modelId="{8E104505-4DCA-41C3-B460-A95CD3FA2A5C}">
+    <dsp:sp modelId="{8CFB7579-03A1-454E-9CB3-A95D444C799B}">
       <dsp:nvSpPr>
         <dsp:cNvPr id="0" name=""/>
         <dsp:cNvSpPr/>
       </dsp:nvSpPr>
       <dsp:spPr>
         <a:xfrm>
-          <a:off x="7758464" y="1178"/>
-          <a:ext cx="2174490" cy="1304694"/>
+          <a:off x="0" y="1277596"/>
+          <a:ext cx="6492875" cy="0"/>
         </a:xfrm>
-        <a:prstGeom prst="rect">
+        <a:prstGeom prst="line">
           <a:avLst/>
         </a:prstGeom>
         <a:solidFill>
-          <a:schemeClr val="accent5">
-            <a:hueOff val="-1843239"/>
-            <a:satOff val="-4751"/>
-            <a:lumOff val="-3209"/>
+          <a:schemeClr val="dk2">
+            <a:hueOff val="0"/>
+            <a:satOff val="0"/>
+            <a:lumOff val="0"/>
             <a:alphaOff val="0"/>
           </a:schemeClr>
         </a:solidFill>
-        <a:ln w="12700" cap="flat" cmpd="sng" algn="ctr">
+        <a:ln w="6350" cap="flat" cmpd="sng" algn="ctr">
           <a:solidFill>
-            <a:schemeClr val="lt1">
+            <a:schemeClr val="dk2">
               <a:hueOff val="0"/>
               <a:satOff val="0"/>
               <a:lumOff val="0"/>
@@ -3323,9 +3497,16 @@
           <a:miter lim="800000"/>
         </a:ln>
         <a:effectLst/>
+        <a:scene3d>
+          <a:camera prst="orthographicFront"/>
+          <a:lightRig rig="chilly" dir="t"/>
+        </a:scene3d>
+        <a:sp3d prstMaterial="translucentPowder">
+          <a:bevelT w="127000" h="25400" prst="softRound"/>
+        </a:sp3d>
       </dsp:spPr>
       <dsp:style>
-        <a:lnRef idx="2">
+        <a:lnRef idx="1">
           <a:scrgbClr r="0" g="0" b="0"/>
         </a:lnRef>
         <a:fillRef idx="1">
@@ -3338,13 +3519,45 @@
           <a:schemeClr val="lt1"/>
         </a:fontRef>
       </dsp:style>
+    </dsp:sp>
+    <dsp:sp modelId="{81702892-B202-45EC-9BAE-4D71A9F48E12}">
+      <dsp:nvSpPr>
+        <dsp:cNvPr id="0" name=""/>
+        <dsp:cNvSpPr/>
+      </dsp:nvSpPr>
+      <dsp:spPr>
+        <a:xfrm>
+          <a:off x="0" y="1277596"/>
+          <a:ext cx="6492875" cy="425034"/>
+        </a:xfrm>
+        <a:prstGeom prst="rect">
+          <a:avLst/>
+        </a:prstGeom>
+        <a:noFill/>
+        <a:ln>
+          <a:noFill/>
+        </a:ln>
+        <a:effectLst/>
+      </dsp:spPr>
+      <dsp:style>
+        <a:lnRef idx="0">
+          <a:scrgbClr r="0" g="0" b="0"/>
+        </a:lnRef>
+        <a:fillRef idx="0">
+          <a:scrgbClr r="0" g="0" b="0"/>
+        </a:fillRef>
+        <a:effectRef idx="0">
+          <a:scrgbClr r="0" g="0" b="0"/>
+        </a:effectRef>
+        <a:fontRef idx="minor"/>
+      </dsp:style>
       <dsp:txBody>
-        <a:bodyPr spcFirstLastPara="0" vert="horz" wrap="square" lIns="60960" tIns="60960" rIns="60960" bIns="60960" numCol="1" spcCol="1270" anchor="ctr" anchorCtr="0">
+        <a:bodyPr spcFirstLastPara="0" vert="horz" wrap="square" lIns="72390" tIns="72390" rIns="72390" bIns="72390" numCol="1" spcCol="1270" anchor="t" anchorCtr="0">
           <a:noAutofit/>
         </a:bodyPr>
         <a:lstStyle/>
         <a:p>
-          <a:pPr marL="0" lvl="0" indent="0" algn="ctr" defTabSz="711200">
+          <a:pPr marL="0" lvl="0" indent="0" algn="l" defTabSz="844550">
             <a:lnSpc>
               <a:spcPct val="90000"/>
             </a:lnSpc>
@@ -3357,40 +3570,40 @@
             <a:buNone/>
           </a:pPr>
           <a:r>
-            <a:rPr lang="en-US" sz="1600" kern="1200" dirty="0"/>
-            <a:t>4.  Remove emoji</a:t>
+            <a:rPr lang="en-US" sz="1900" kern="1200" dirty="0"/>
+            <a:t>5. Remove HTML tags</a:t>
           </a:r>
         </a:p>
       </dsp:txBody>
       <dsp:txXfrm>
-        <a:off x="7758464" y="1178"/>
-        <a:ext cx="2174490" cy="1304694"/>
+        <a:off x="0" y="1277596"/>
+        <a:ext cx="6492875" cy="425034"/>
       </dsp:txXfrm>
     </dsp:sp>
-    <dsp:sp modelId="{022D5A29-0F74-4F38-9D8B-339BE06FE8CD}">
+    <dsp:sp modelId="{B0265CF3-7658-4A95-8E7D-6CA1FAFD5CB3}">
       <dsp:nvSpPr>
         <dsp:cNvPr id="0" name=""/>
         <dsp:cNvSpPr/>
       </dsp:nvSpPr>
       <dsp:spPr>
         <a:xfrm>
-          <a:off x="582645" y="1523321"/>
-          <a:ext cx="2174490" cy="1304694"/>
+          <a:off x="0" y="1702630"/>
+          <a:ext cx="6492875" cy="0"/>
         </a:xfrm>
-        <a:prstGeom prst="rect">
+        <a:prstGeom prst="line">
           <a:avLst/>
         </a:prstGeom>
         <a:solidFill>
-          <a:schemeClr val="accent5">
-            <a:hueOff val="-2457652"/>
-            <a:satOff val="-6334"/>
-            <a:lumOff val="-4278"/>
+          <a:schemeClr val="dk2">
+            <a:hueOff val="0"/>
+            <a:satOff val="0"/>
+            <a:lumOff val="0"/>
             <a:alphaOff val="0"/>
           </a:schemeClr>
         </a:solidFill>
-        <a:ln w="12700" cap="flat" cmpd="sng" algn="ctr">
+        <a:ln w="6350" cap="flat" cmpd="sng" algn="ctr">
           <a:solidFill>
-            <a:schemeClr val="lt1">
+            <a:schemeClr val="dk2">
               <a:hueOff val="0"/>
               <a:satOff val="0"/>
               <a:lumOff val="0"/>
@@ -3401,9 +3614,16 @@
           <a:miter lim="800000"/>
         </a:ln>
         <a:effectLst/>
+        <a:scene3d>
+          <a:camera prst="orthographicFront"/>
+          <a:lightRig rig="chilly" dir="t"/>
+        </a:scene3d>
+        <a:sp3d prstMaterial="translucentPowder">
+          <a:bevelT w="127000" h="25400" prst="softRound"/>
+        </a:sp3d>
       </dsp:spPr>
       <dsp:style>
-        <a:lnRef idx="2">
+        <a:lnRef idx="1">
           <a:scrgbClr r="0" g="0" b="0"/>
         </a:lnRef>
         <a:fillRef idx="1">
@@ -3416,13 +3636,45 @@
           <a:schemeClr val="lt1"/>
         </a:fontRef>
       </dsp:style>
+    </dsp:sp>
+    <dsp:sp modelId="{247D332B-4BA3-4500-88A6-12086804C1B3}">
+      <dsp:nvSpPr>
+        <dsp:cNvPr id="0" name=""/>
+        <dsp:cNvSpPr/>
+      </dsp:nvSpPr>
+      <dsp:spPr>
+        <a:xfrm>
+          <a:off x="0" y="1702630"/>
+          <a:ext cx="6492875" cy="425034"/>
+        </a:xfrm>
+        <a:prstGeom prst="rect">
+          <a:avLst/>
+        </a:prstGeom>
+        <a:noFill/>
+        <a:ln>
+          <a:noFill/>
+        </a:ln>
+        <a:effectLst/>
+      </dsp:spPr>
+      <dsp:style>
+        <a:lnRef idx="0">
+          <a:scrgbClr r="0" g="0" b="0"/>
+        </a:lnRef>
+        <a:fillRef idx="0">
+          <a:scrgbClr r="0" g="0" b="0"/>
+        </a:fillRef>
+        <a:effectRef idx="0">
+          <a:scrgbClr r="0" g="0" b="0"/>
+        </a:effectRef>
+        <a:fontRef idx="minor"/>
+      </dsp:style>
       <dsp:txBody>
-        <a:bodyPr spcFirstLastPara="0" vert="horz" wrap="square" lIns="60960" tIns="60960" rIns="60960" bIns="60960" numCol="1" spcCol="1270" anchor="ctr" anchorCtr="0">
+        <a:bodyPr spcFirstLastPara="0" vert="horz" wrap="square" lIns="72390" tIns="72390" rIns="72390" bIns="72390" numCol="1" spcCol="1270" anchor="t" anchorCtr="0">
           <a:noAutofit/>
         </a:bodyPr>
         <a:lstStyle/>
         <a:p>
-          <a:pPr marL="0" lvl="0" indent="0" algn="ctr" defTabSz="711200">
+          <a:pPr marL="0" lvl="0" indent="0" algn="l" defTabSz="844550">
             <a:lnSpc>
               <a:spcPct val="90000"/>
             </a:lnSpc>
@@ -3435,40 +3687,40 @@
             <a:buNone/>
           </a:pPr>
           <a:r>
-            <a:rPr lang="en-US" sz="1600" kern="1200" dirty="0"/>
-            <a:t>5.  Convert accented characters to ASCII characters</a:t>
+            <a:rPr lang="en-US" sz="1900" kern="1200" dirty="0"/>
+            <a:t>4.  Remove emoji</a:t>
           </a:r>
         </a:p>
       </dsp:txBody>
       <dsp:txXfrm>
-        <a:off x="582645" y="1523321"/>
-        <a:ext cx="2174490" cy="1304694"/>
+        <a:off x="0" y="1702630"/>
+        <a:ext cx="6492875" cy="425034"/>
       </dsp:txXfrm>
     </dsp:sp>
-    <dsp:sp modelId="{AFE93984-53F6-4BB0-BCCF-FDEC334170E0}">
+    <dsp:sp modelId="{51613C02-7B9B-4791-B43C-FDB92B7E2D32}">
       <dsp:nvSpPr>
         <dsp:cNvPr id="0" name=""/>
         <dsp:cNvSpPr/>
       </dsp:nvSpPr>
       <dsp:spPr>
         <a:xfrm>
-          <a:off x="2974584" y="1523321"/>
-          <a:ext cx="2174490" cy="1304694"/>
+          <a:off x="0" y="2127665"/>
+          <a:ext cx="6492875" cy="0"/>
         </a:xfrm>
-        <a:prstGeom prst="rect">
+        <a:prstGeom prst="line">
           <a:avLst/>
         </a:prstGeom>
         <a:solidFill>
-          <a:schemeClr val="accent5">
-            <a:hueOff val="-3072065"/>
-            <a:satOff val="-7918"/>
-            <a:lumOff val="-5348"/>
+          <a:schemeClr val="dk2">
+            <a:hueOff val="0"/>
+            <a:satOff val="0"/>
+            <a:lumOff val="0"/>
             <a:alphaOff val="0"/>
           </a:schemeClr>
         </a:solidFill>
-        <a:ln w="12700" cap="flat" cmpd="sng" algn="ctr">
+        <a:ln w="6350" cap="flat" cmpd="sng" algn="ctr">
           <a:solidFill>
-            <a:schemeClr val="lt1">
+            <a:schemeClr val="dk2">
               <a:hueOff val="0"/>
               <a:satOff val="0"/>
               <a:lumOff val="0"/>
@@ -3479,9 +3731,16 @@
           <a:miter lim="800000"/>
         </a:ln>
         <a:effectLst/>
+        <a:scene3d>
+          <a:camera prst="orthographicFront"/>
+          <a:lightRig rig="chilly" dir="t"/>
+        </a:scene3d>
+        <a:sp3d prstMaterial="translucentPowder">
+          <a:bevelT w="127000" h="25400" prst="softRound"/>
+        </a:sp3d>
       </dsp:spPr>
       <dsp:style>
-        <a:lnRef idx="2">
+        <a:lnRef idx="1">
           <a:scrgbClr r="0" g="0" b="0"/>
         </a:lnRef>
         <a:fillRef idx="1">
@@ -3494,13 +3753,45 @@
           <a:schemeClr val="lt1"/>
         </a:fontRef>
       </dsp:style>
+    </dsp:sp>
+    <dsp:sp modelId="{07E640DD-2234-4EB9-8F34-E8C26F63C6CE}">
+      <dsp:nvSpPr>
+        <dsp:cNvPr id="0" name=""/>
+        <dsp:cNvSpPr/>
+      </dsp:nvSpPr>
+      <dsp:spPr>
+        <a:xfrm>
+          <a:off x="0" y="2127665"/>
+          <a:ext cx="6492875" cy="425034"/>
+        </a:xfrm>
+        <a:prstGeom prst="rect">
+          <a:avLst/>
+        </a:prstGeom>
+        <a:noFill/>
+        <a:ln>
+          <a:noFill/>
+        </a:ln>
+        <a:effectLst/>
+      </dsp:spPr>
+      <dsp:style>
+        <a:lnRef idx="0">
+          <a:scrgbClr r="0" g="0" b="0"/>
+        </a:lnRef>
+        <a:fillRef idx="0">
+          <a:scrgbClr r="0" g="0" b="0"/>
+        </a:fillRef>
+        <a:effectRef idx="0">
+          <a:scrgbClr r="0" g="0" b="0"/>
+        </a:effectRef>
+        <a:fontRef idx="minor"/>
+      </dsp:style>
       <dsp:txBody>
-        <a:bodyPr spcFirstLastPara="0" vert="horz" wrap="square" lIns="60960" tIns="60960" rIns="60960" bIns="60960" numCol="1" spcCol="1270" anchor="ctr" anchorCtr="0">
+        <a:bodyPr spcFirstLastPara="0" vert="horz" wrap="square" lIns="72390" tIns="72390" rIns="72390" bIns="72390" numCol="1" spcCol="1270" anchor="t" anchorCtr="0">
           <a:noAutofit/>
         </a:bodyPr>
         <a:lstStyle/>
         <a:p>
-          <a:pPr marL="0" lvl="0" indent="0" algn="ctr" defTabSz="711200">
+          <a:pPr marL="0" lvl="0" indent="0" algn="l" defTabSz="844550">
             <a:lnSpc>
               <a:spcPct val="90000"/>
             </a:lnSpc>
@@ -3513,40 +3804,40 @@
             <a:buNone/>
           </a:pPr>
           <a:r>
-            <a:rPr lang="en-US" sz="1600" kern="1200"/>
-            <a:t>6.  Expand contractions</a:t>
+            <a:rPr lang="en-US" sz="1900" kern="1200" dirty="0"/>
+            <a:t>5.  Convert accented characters to ASCII characters</a:t>
           </a:r>
         </a:p>
       </dsp:txBody>
       <dsp:txXfrm>
-        <a:off x="2974584" y="1523321"/>
-        <a:ext cx="2174490" cy="1304694"/>
+        <a:off x="0" y="2127665"/>
+        <a:ext cx="6492875" cy="425034"/>
       </dsp:txXfrm>
     </dsp:sp>
-    <dsp:sp modelId="{63FA5490-82D2-4C60-937D-F5404AB30074}">
+    <dsp:sp modelId="{85786CB9-BEFD-4D58-9E5C-CC82B0D57F86}">
       <dsp:nvSpPr>
         <dsp:cNvPr id="0" name=""/>
         <dsp:cNvSpPr/>
       </dsp:nvSpPr>
       <dsp:spPr>
         <a:xfrm>
-          <a:off x="5366524" y="1523321"/>
-          <a:ext cx="2174490" cy="1304694"/>
+          <a:off x="0" y="2552699"/>
+          <a:ext cx="6492875" cy="0"/>
         </a:xfrm>
-        <a:prstGeom prst="rect">
+        <a:prstGeom prst="line">
           <a:avLst/>
         </a:prstGeom>
         <a:solidFill>
-          <a:schemeClr val="accent5">
-            <a:hueOff val="-3686478"/>
-            <a:satOff val="-9501"/>
-            <a:lumOff val="-6417"/>
+          <a:schemeClr val="dk2">
+            <a:hueOff val="0"/>
+            <a:satOff val="0"/>
+            <a:lumOff val="0"/>
             <a:alphaOff val="0"/>
           </a:schemeClr>
         </a:solidFill>
-        <a:ln w="12700" cap="flat" cmpd="sng" algn="ctr">
+        <a:ln w="6350" cap="flat" cmpd="sng" algn="ctr">
           <a:solidFill>
-            <a:schemeClr val="lt1">
+            <a:schemeClr val="dk2">
               <a:hueOff val="0"/>
               <a:satOff val="0"/>
               <a:lumOff val="0"/>
@@ -3557,9 +3848,16 @@
           <a:miter lim="800000"/>
         </a:ln>
         <a:effectLst/>
+        <a:scene3d>
+          <a:camera prst="orthographicFront"/>
+          <a:lightRig rig="chilly" dir="t"/>
+        </a:scene3d>
+        <a:sp3d prstMaterial="translucentPowder">
+          <a:bevelT w="127000" h="25400" prst="softRound"/>
+        </a:sp3d>
       </dsp:spPr>
       <dsp:style>
-        <a:lnRef idx="2">
+        <a:lnRef idx="1">
           <a:scrgbClr r="0" g="0" b="0"/>
         </a:lnRef>
         <a:fillRef idx="1">
@@ -3572,13 +3870,45 @@
           <a:schemeClr val="lt1"/>
         </a:fontRef>
       </dsp:style>
+    </dsp:sp>
+    <dsp:sp modelId="{9DE7D8D3-D651-465F-B150-E19DDBB7B460}">
+      <dsp:nvSpPr>
+        <dsp:cNvPr id="0" name=""/>
+        <dsp:cNvSpPr/>
+      </dsp:nvSpPr>
+      <dsp:spPr>
+        <a:xfrm>
+          <a:off x="0" y="2552700"/>
+          <a:ext cx="6492875" cy="425034"/>
+        </a:xfrm>
+        <a:prstGeom prst="rect">
+          <a:avLst/>
+        </a:prstGeom>
+        <a:noFill/>
+        <a:ln>
+          <a:noFill/>
+        </a:ln>
+        <a:effectLst/>
+      </dsp:spPr>
+      <dsp:style>
+        <a:lnRef idx="0">
+          <a:scrgbClr r="0" g="0" b="0"/>
+        </a:lnRef>
+        <a:fillRef idx="0">
+          <a:scrgbClr r="0" g="0" b="0"/>
+        </a:fillRef>
+        <a:effectRef idx="0">
+          <a:scrgbClr r="0" g="0" b="0"/>
+        </a:effectRef>
+        <a:fontRef idx="minor"/>
+      </dsp:style>
       <dsp:txBody>
-        <a:bodyPr spcFirstLastPara="0" vert="horz" wrap="square" lIns="60960" tIns="60960" rIns="60960" bIns="60960" numCol="1" spcCol="1270" anchor="ctr" anchorCtr="0">
+        <a:bodyPr spcFirstLastPara="0" vert="horz" wrap="square" lIns="72390" tIns="72390" rIns="72390" bIns="72390" numCol="1" spcCol="1270" anchor="t" anchorCtr="0">
           <a:noAutofit/>
         </a:bodyPr>
         <a:lstStyle/>
         <a:p>
-          <a:pPr marL="0" lvl="0" indent="0" algn="ctr" defTabSz="711200">
+          <a:pPr marL="0" lvl="0" indent="0" algn="l" defTabSz="844550">
             <a:lnSpc>
               <a:spcPct val="90000"/>
             </a:lnSpc>
@@ -3591,40 +3921,40 @@
             <a:buNone/>
           </a:pPr>
           <a:r>
-            <a:rPr lang="en-US" sz="1600" kern="1200"/>
-            <a:t>7.  Remove numbers (or converted on string)</a:t>
+            <a:rPr lang="en-US" sz="1900" kern="1200" dirty="0"/>
+            <a:t>6.  Remove punctuations and special characters</a:t>
           </a:r>
         </a:p>
       </dsp:txBody>
       <dsp:txXfrm>
-        <a:off x="5366524" y="1523321"/>
-        <a:ext cx="2174490" cy="1304694"/>
+        <a:off x="0" y="2552700"/>
+        <a:ext cx="6492875" cy="425034"/>
       </dsp:txXfrm>
     </dsp:sp>
-    <dsp:sp modelId="{9741F251-7D7D-42AF-9313-DC74E5328005}">
+    <dsp:sp modelId="{CCEFF5D2-DDBA-41BE-BC37-19C250219AEF}">
       <dsp:nvSpPr>
         <dsp:cNvPr id="0" name=""/>
         <dsp:cNvSpPr/>
       </dsp:nvSpPr>
       <dsp:spPr>
         <a:xfrm>
-          <a:off x="7758464" y="1523321"/>
-          <a:ext cx="2174490" cy="1304694"/>
+          <a:off x="0" y="2977734"/>
+          <a:ext cx="6492875" cy="0"/>
         </a:xfrm>
-        <a:prstGeom prst="rect">
+        <a:prstGeom prst="line">
           <a:avLst/>
         </a:prstGeom>
         <a:solidFill>
-          <a:schemeClr val="accent5">
-            <a:hueOff val="-4300891"/>
-            <a:satOff val="-11085"/>
-            <a:lumOff val="-7487"/>
+          <a:schemeClr val="dk2">
+            <a:hueOff val="0"/>
+            <a:satOff val="0"/>
+            <a:lumOff val="0"/>
             <a:alphaOff val="0"/>
           </a:schemeClr>
         </a:solidFill>
-        <a:ln w="12700" cap="flat" cmpd="sng" algn="ctr">
+        <a:ln w="6350" cap="flat" cmpd="sng" algn="ctr">
           <a:solidFill>
-            <a:schemeClr val="lt1">
+            <a:schemeClr val="dk2">
               <a:hueOff val="0"/>
               <a:satOff val="0"/>
               <a:lumOff val="0"/>
@@ -3635,9 +3965,16 @@
           <a:miter lim="800000"/>
         </a:ln>
         <a:effectLst/>
+        <a:scene3d>
+          <a:camera prst="orthographicFront"/>
+          <a:lightRig rig="chilly" dir="t"/>
+        </a:scene3d>
+        <a:sp3d prstMaterial="translucentPowder">
+          <a:bevelT w="127000" h="25400" prst="softRound"/>
+        </a:sp3d>
       </dsp:spPr>
       <dsp:style>
-        <a:lnRef idx="2">
+        <a:lnRef idx="1">
           <a:scrgbClr r="0" g="0" b="0"/>
         </a:lnRef>
         <a:fillRef idx="1">
@@ -3650,13 +3987,45 @@
           <a:schemeClr val="lt1"/>
         </a:fontRef>
       </dsp:style>
+    </dsp:sp>
+    <dsp:sp modelId="{AEFEDEB4-E3DB-4DDB-A435-338DA630698D}">
+      <dsp:nvSpPr>
+        <dsp:cNvPr id="0" name=""/>
+        <dsp:cNvSpPr/>
+      </dsp:nvSpPr>
+      <dsp:spPr>
+        <a:xfrm>
+          <a:off x="0" y="2977734"/>
+          <a:ext cx="6492875" cy="425034"/>
+        </a:xfrm>
+        <a:prstGeom prst="rect">
+          <a:avLst/>
+        </a:prstGeom>
+        <a:noFill/>
+        <a:ln>
+          <a:noFill/>
+        </a:ln>
+        <a:effectLst/>
+      </dsp:spPr>
+      <dsp:style>
+        <a:lnRef idx="0">
+          <a:scrgbClr r="0" g="0" b="0"/>
+        </a:lnRef>
+        <a:fillRef idx="0">
+          <a:scrgbClr r="0" g="0" b="0"/>
+        </a:fillRef>
+        <a:effectRef idx="0">
+          <a:scrgbClr r="0" g="0" b="0"/>
+        </a:effectRef>
+        <a:fontRef idx="minor"/>
+      </dsp:style>
       <dsp:txBody>
-        <a:bodyPr spcFirstLastPara="0" vert="horz" wrap="square" lIns="60960" tIns="60960" rIns="60960" bIns="60960" numCol="1" spcCol="1270" anchor="ctr" anchorCtr="0">
+        <a:bodyPr spcFirstLastPara="0" vert="horz" wrap="square" lIns="72390" tIns="72390" rIns="72390" bIns="72390" numCol="1" spcCol="1270" anchor="t" anchorCtr="0">
           <a:noAutofit/>
         </a:bodyPr>
         <a:lstStyle/>
         <a:p>
-          <a:pPr marL="0" lvl="0" indent="0" algn="ctr" defTabSz="711200">
+          <a:pPr marL="0" lvl="0" indent="0" algn="l" defTabSz="844550">
             <a:lnSpc>
               <a:spcPct val="90000"/>
             </a:lnSpc>
@@ -3669,40 +4038,40 @@
             <a:buNone/>
           </a:pPr>
           <a:r>
-            <a:rPr lang="en-US" sz="1600" kern="1200"/>
-            <a:t>8.  Trim text and Remove extra whitespaces</a:t>
+            <a:rPr lang="en-US" sz="1900" kern="1200" dirty="0"/>
+            <a:t>7.  Remove Consequently Char</a:t>
           </a:r>
         </a:p>
       </dsp:txBody>
       <dsp:txXfrm>
-        <a:off x="7758464" y="1523321"/>
-        <a:ext cx="2174490" cy="1304694"/>
+        <a:off x="0" y="2977734"/>
+        <a:ext cx="6492875" cy="425034"/>
       </dsp:txXfrm>
     </dsp:sp>
-    <dsp:sp modelId="{377F5E02-2811-4BB9-9D79-B44A41AEA14C}">
+    <dsp:sp modelId="{CD13C757-F124-404D-8479-76D750AE0C64}">
       <dsp:nvSpPr>
         <dsp:cNvPr id="0" name=""/>
         <dsp:cNvSpPr/>
       </dsp:nvSpPr>
       <dsp:spPr>
         <a:xfrm>
-          <a:off x="582645" y="3045465"/>
-          <a:ext cx="2174490" cy="1304694"/>
+          <a:off x="0" y="3402769"/>
+          <a:ext cx="6492875" cy="0"/>
         </a:xfrm>
-        <a:prstGeom prst="rect">
+        <a:prstGeom prst="line">
           <a:avLst/>
         </a:prstGeom>
         <a:solidFill>
-          <a:schemeClr val="accent5">
-            <a:hueOff val="-4915304"/>
-            <a:satOff val="-12668"/>
-            <a:lumOff val="-8556"/>
+          <a:schemeClr val="dk2">
+            <a:hueOff val="0"/>
+            <a:satOff val="0"/>
+            <a:lumOff val="0"/>
             <a:alphaOff val="0"/>
           </a:schemeClr>
         </a:solidFill>
-        <a:ln w="12700" cap="flat" cmpd="sng" algn="ctr">
+        <a:ln w="6350" cap="flat" cmpd="sng" algn="ctr">
           <a:solidFill>
-            <a:schemeClr val="lt1">
+            <a:schemeClr val="dk2">
               <a:hueOff val="0"/>
               <a:satOff val="0"/>
               <a:lumOff val="0"/>
@@ -3713,9 +4082,16 @@
           <a:miter lim="800000"/>
         </a:ln>
         <a:effectLst/>
+        <a:scene3d>
+          <a:camera prst="orthographicFront"/>
+          <a:lightRig rig="chilly" dir="t"/>
+        </a:scene3d>
+        <a:sp3d prstMaterial="translucentPowder">
+          <a:bevelT w="127000" h="25400" prst="softRound"/>
+        </a:sp3d>
       </dsp:spPr>
       <dsp:style>
-        <a:lnRef idx="2">
+        <a:lnRef idx="1">
           <a:scrgbClr r="0" g="0" b="0"/>
         </a:lnRef>
         <a:fillRef idx="1">
@@ -3728,13 +4104,45 @@
           <a:schemeClr val="lt1"/>
         </a:fontRef>
       </dsp:style>
+    </dsp:sp>
+    <dsp:sp modelId="{7F592A91-9D6C-493E-8299-3FBB47217E26}">
+      <dsp:nvSpPr>
+        <dsp:cNvPr id="0" name=""/>
+        <dsp:cNvSpPr/>
+      </dsp:nvSpPr>
+      <dsp:spPr>
+        <a:xfrm>
+          <a:off x="0" y="3402769"/>
+          <a:ext cx="6492875" cy="425034"/>
+        </a:xfrm>
+        <a:prstGeom prst="rect">
+          <a:avLst/>
+        </a:prstGeom>
+        <a:noFill/>
+        <a:ln>
+          <a:noFill/>
+        </a:ln>
+        <a:effectLst/>
+      </dsp:spPr>
+      <dsp:style>
+        <a:lnRef idx="0">
+          <a:scrgbClr r="0" g="0" b="0"/>
+        </a:lnRef>
+        <a:fillRef idx="0">
+          <a:scrgbClr r="0" g="0" b="0"/>
+        </a:fillRef>
+        <a:effectRef idx="0">
+          <a:scrgbClr r="0" g="0" b="0"/>
+        </a:effectRef>
+        <a:fontRef idx="minor"/>
+      </dsp:style>
       <dsp:txBody>
-        <a:bodyPr spcFirstLastPara="0" vert="horz" wrap="square" lIns="60960" tIns="60960" rIns="60960" bIns="60960" numCol="1" spcCol="1270" anchor="ctr" anchorCtr="0">
+        <a:bodyPr spcFirstLastPara="0" vert="horz" wrap="square" lIns="72390" tIns="72390" rIns="72390" bIns="72390" numCol="1" spcCol="1270" anchor="t" anchorCtr="0">
           <a:noAutofit/>
         </a:bodyPr>
         <a:lstStyle/>
         <a:p>
-          <a:pPr marL="0" lvl="0" indent="0" algn="ctr" defTabSz="711200">
+          <a:pPr marL="0" lvl="0" indent="0" algn="l" defTabSz="844550">
             <a:lnSpc>
               <a:spcPct val="90000"/>
             </a:lnSpc>
@@ -3747,40 +4155,40 @@
             <a:buNone/>
           </a:pPr>
           <a:r>
-            <a:rPr lang="en-US" sz="1600" kern="1200"/>
-            <a:t>10.  Case Normalization: Lowercase all texts</a:t>
+            <a:rPr lang="en-US" sz="1900" kern="1200" dirty="0"/>
+            <a:t>8.  Remove Numbers</a:t>
           </a:r>
         </a:p>
       </dsp:txBody>
       <dsp:txXfrm>
-        <a:off x="582645" y="3045465"/>
-        <a:ext cx="2174490" cy="1304694"/>
+        <a:off x="0" y="3402769"/>
+        <a:ext cx="6492875" cy="425034"/>
       </dsp:txXfrm>
     </dsp:sp>
-    <dsp:sp modelId="{22F730DD-272A-453C-AF8B-B79F9A87020F}">
+    <dsp:sp modelId="{B9C15AEC-D10D-42B6-B7D9-1383B6C69389}">
       <dsp:nvSpPr>
         <dsp:cNvPr id="0" name=""/>
         <dsp:cNvSpPr/>
       </dsp:nvSpPr>
       <dsp:spPr>
         <a:xfrm>
-          <a:off x="2974584" y="3045465"/>
-          <a:ext cx="2174490" cy="1304694"/>
+          <a:off x="0" y="3827803"/>
+          <a:ext cx="6492875" cy="0"/>
         </a:xfrm>
-        <a:prstGeom prst="rect">
+        <a:prstGeom prst="line">
           <a:avLst/>
         </a:prstGeom>
         <a:solidFill>
-          <a:schemeClr val="accent5">
-            <a:hueOff val="-5529717"/>
-            <a:satOff val="-14252"/>
-            <a:lumOff val="-9626"/>
+          <a:schemeClr val="dk2">
+            <a:hueOff val="0"/>
+            <a:satOff val="0"/>
+            <a:lumOff val="0"/>
             <a:alphaOff val="0"/>
           </a:schemeClr>
         </a:solidFill>
-        <a:ln w="12700" cap="flat" cmpd="sng" algn="ctr">
+        <a:ln w="6350" cap="flat" cmpd="sng" algn="ctr">
           <a:solidFill>
-            <a:schemeClr val="lt1">
+            <a:schemeClr val="dk2">
               <a:hueOff val="0"/>
               <a:satOff val="0"/>
               <a:lumOff val="0"/>
@@ -3791,9 +4199,16 @@
           <a:miter lim="800000"/>
         </a:ln>
         <a:effectLst/>
+        <a:scene3d>
+          <a:camera prst="orthographicFront"/>
+          <a:lightRig rig="chilly" dir="t"/>
+        </a:scene3d>
+        <a:sp3d prstMaterial="translucentPowder">
+          <a:bevelT w="127000" h="25400" prst="softRound"/>
+        </a:sp3d>
       </dsp:spPr>
       <dsp:style>
-        <a:lnRef idx="2">
+        <a:lnRef idx="1">
           <a:scrgbClr r="0" g="0" b="0"/>
         </a:lnRef>
         <a:fillRef idx="1">
@@ -3806,13 +4221,45 @@
           <a:schemeClr val="lt1"/>
         </a:fontRef>
       </dsp:style>
+    </dsp:sp>
+    <dsp:sp modelId="{887E838F-B31C-4502-B1B8-8FB48C82996E}">
+      <dsp:nvSpPr>
+        <dsp:cNvPr id="0" name=""/>
+        <dsp:cNvSpPr/>
+      </dsp:nvSpPr>
+      <dsp:spPr>
+        <a:xfrm>
+          <a:off x="0" y="3827803"/>
+          <a:ext cx="6492875" cy="425034"/>
+        </a:xfrm>
+        <a:prstGeom prst="rect">
+          <a:avLst/>
+        </a:prstGeom>
+        <a:noFill/>
+        <a:ln>
+          <a:noFill/>
+        </a:ln>
+        <a:effectLst/>
+      </dsp:spPr>
+      <dsp:style>
+        <a:lnRef idx="0">
+          <a:scrgbClr r="0" g="0" b="0"/>
+        </a:lnRef>
+        <a:fillRef idx="0">
+          <a:scrgbClr r="0" g="0" b="0"/>
+        </a:fillRef>
+        <a:effectRef idx="0">
+          <a:scrgbClr r="0" g="0" b="0"/>
+        </a:effectRef>
+        <a:fontRef idx="minor"/>
+      </dsp:style>
       <dsp:txBody>
-        <a:bodyPr spcFirstLastPara="0" vert="horz" wrap="square" lIns="60960" tIns="60960" rIns="60960" bIns="60960" numCol="1" spcCol="1270" anchor="ctr" anchorCtr="0">
+        <a:bodyPr spcFirstLastPara="0" vert="horz" wrap="square" lIns="72390" tIns="72390" rIns="72390" bIns="72390" numCol="1" spcCol="1270" anchor="t" anchorCtr="0">
           <a:noAutofit/>
         </a:bodyPr>
         <a:lstStyle/>
         <a:p>
-          <a:pPr marL="0" lvl="0" indent="0" algn="ctr" defTabSz="711200">
+          <a:pPr marL="0" lvl="0" indent="0" algn="l" defTabSz="844550">
             <a:lnSpc>
               <a:spcPct val="90000"/>
             </a:lnSpc>
@@ -3825,40 +4272,40 @@
             <a:buNone/>
           </a:pPr>
           <a:r>
-            <a:rPr lang="en-US" sz="1600" kern="1200"/>
-            <a:t>11.  Remove stop words, no need for this operations since in sentiment analysis we will lose information</a:t>
+            <a:rPr lang="en-US" sz="1900" kern="1200" dirty="0"/>
+            <a:t>10.  Trim text and Remove extra double whitespaces</a:t>
           </a:r>
         </a:p>
       </dsp:txBody>
       <dsp:txXfrm>
-        <a:off x="2974584" y="3045465"/>
-        <a:ext cx="2174490" cy="1304694"/>
+        <a:off x="0" y="3827803"/>
+        <a:ext cx="6492875" cy="425034"/>
       </dsp:txXfrm>
     </dsp:sp>
-    <dsp:sp modelId="{9832C323-30DE-4B78-A17E-0D1BE3D3539F}">
+    <dsp:sp modelId="{BB35D34C-3CCD-44B2-952A-1AF68543D74E}">
       <dsp:nvSpPr>
         <dsp:cNvPr id="0" name=""/>
         <dsp:cNvSpPr/>
       </dsp:nvSpPr>
       <dsp:spPr>
         <a:xfrm>
-          <a:off x="5349737" y="3020297"/>
-          <a:ext cx="2174490" cy="1304694"/>
+          <a:off x="0" y="4252838"/>
+          <a:ext cx="6492875" cy="0"/>
         </a:xfrm>
-        <a:prstGeom prst="rect">
+        <a:prstGeom prst="line">
           <a:avLst/>
         </a:prstGeom>
         <a:solidFill>
-          <a:schemeClr val="accent5">
-            <a:hueOff val="-6144130"/>
-            <a:satOff val="-15835"/>
-            <a:lumOff val="-10695"/>
+          <a:schemeClr val="dk2">
+            <a:hueOff val="0"/>
+            <a:satOff val="0"/>
+            <a:lumOff val="0"/>
             <a:alphaOff val="0"/>
           </a:schemeClr>
         </a:solidFill>
-        <a:ln w="12700" cap="flat" cmpd="sng" algn="ctr">
+        <a:ln w="6350" cap="flat" cmpd="sng" algn="ctr">
           <a:solidFill>
-            <a:schemeClr val="lt1">
+            <a:schemeClr val="dk2">
               <a:hueOff val="0"/>
               <a:satOff val="0"/>
               <a:lumOff val="0"/>
@@ -3869,9 +4316,16 @@
           <a:miter lim="800000"/>
         </a:ln>
         <a:effectLst/>
+        <a:scene3d>
+          <a:camera prst="orthographicFront"/>
+          <a:lightRig rig="chilly" dir="t"/>
+        </a:scene3d>
+        <a:sp3d prstMaterial="translucentPowder">
+          <a:bevelT w="127000" h="25400" prst="softRound"/>
+        </a:sp3d>
       </dsp:spPr>
       <dsp:style>
-        <a:lnRef idx="2">
+        <a:lnRef idx="1">
           <a:scrgbClr r="0" g="0" b="0"/>
         </a:lnRef>
         <a:fillRef idx="1">
@@ -3884,13 +4338,45 @@
           <a:schemeClr val="lt1"/>
         </a:fontRef>
       </dsp:style>
+    </dsp:sp>
+    <dsp:sp modelId="{4873F53C-3E2A-4738-AEC2-99DB5BE94659}">
+      <dsp:nvSpPr>
+        <dsp:cNvPr id="0" name=""/>
+        <dsp:cNvSpPr/>
+      </dsp:nvSpPr>
+      <dsp:spPr>
+        <a:xfrm>
+          <a:off x="0" y="4252838"/>
+          <a:ext cx="6492875" cy="425034"/>
+        </a:xfrm>
+        <a:prstGeom prst="rect">
+          <a:avLst/>
+        </a:prstGeom>
+        <a:noFill/>
+        <a:ln>
+          <a:noFill/>
+        </a:ln>
+        <a:effectLst/>
+      </dsp:spPr>
+      <dsp:style>
+        <a:lnRef idx="0">
+          <a:scrgbClr r="0" g="0" b="0"/>
+        </a:lnRef>
+        <a:fillRef idx="0">
+          <a:scrgbClr r="0" g="0" b="0"/>
+        </a:fillRef>
+        <a:effectRef idx="0">
+          <a:scrgbClr r="0" g="0" b="0"/>
+        </a:effectRef>
+        <a:fontRef idx="minor"/>
+      </dsp:style>
       <dsp:txBody>
-        <a:bodyPr spcFirstLastPara="0" vert="horz" wrap="square" lIns="60960" tIns="60960" rIns="60960" bIns="60960" numCol="1" spcCol="1270" anchor="ctr" anchorCtr="0">
+        <a:bodyPr spcFirstLastPara="0" vert="horz" wrap="square" lIns="72390" tIns="72390" rIns="72390" bIns="72390" numCol="1" spcCol="1270" anchor="t" anchorCtr="0">
           <a:noAutofit/>
         </a:bodyPr>
         <a:lstStyle/>
         <a:p>
-          <a:pPr marL="0" lvl="0" indent="0" algn="ctr" defTabSz="711200">
+          <a:pPr marL="0" lvl="0" indent="0" algn="l" defTabSz="844550">
             <a:lnSpc>
               <a:spcPct val="90000"/>
             </a:lnSpc>
@@ -3903,40 +4389,40 @@
             <a:buNone/>
           </a:pPr>
           <a:r>
-            <a:rPr lang="en-US" sz="1600" kern="1200" dirty="0"/>
-            <a:t>12.  Stemming vs Lemmatization (which one to choose?)</a:t>
+            <a:rPr lang="en-US" sz="1900" kern="1200" dirty="0"/>
+            <a:t>11.  Auto Spelling</a:t>
           </a:r>
         </a:p>
       </dsp:txBody>
       <dsp:txXfrm>
-        <a:off x="5349737" y="3020297"/>
-        <a:ext cx="2174490" cy="1304694"/>
+        <a:off x="0" y="4252838"/>
+        <a:ext cx="6492875" cy="425034"/>
       </dsp:txXfrm>
     </dsp:sp>
-    <dsp:sp modelId="{799BCA74-88C5-465E-8FFE-02CD5283601F}">
+    <dsp:sp modelId="{9317748B-924A-4403-BF2C-989BC6E68390}">
       <dsp:nvSpPr>
         <dsp:cNvPr id="0" name=""/>
         <dsp:cNvSpPr/>
       </dsp:nvSpPr>
       <dsp:spPr>
         <a:xfrm>
-          <a:off x="7758464" y="3045465"/>
-          <a:ext cx="2174490" cy="1304694"/>
+          <a:off x="0" y="4677872"/>
+          <a:ext cx="6492875" cy="0"/>
         </a:xfrm>
-        <a:prstGeom prst="rect">
+        <a:prstGeom prst="line">
           <a:avLst/>
         </a:prstGeom>
         <a:solidFill>
-          <a:schemeClr val="accent5">
-            <a:hueOff val="-6758543"/>
-            <a:satOff val="-17419"/>
-            <a:lumOff val="-11765"/>
+          <a:schemeClr val="dk2">
+            <a:hueOff val="0"/>
+            <a:satOff val="0"/>
+            <a:lumOff val="0"/>
             <a:alphaOff val="0"/>
           </a:schemeClr>
         </a:solidFill>
-        <a:ln w="12700" cap="flat" cmpd="sng" algn="ctr">
+        <a:ln w="6350" cap="flat" cmpd="sng" algn="ctr">
           <a:solidFill>
-            <a:schemeClr val="lt1">
+            <a:schemeClr val="dk2">
               <a:hueOff val="0"/>
               <a:satOff val="0"/>
               <a:lumOff val="0"/>
@@ -3947,9 +4433,16 @@
           <a:miter lim="800000"/>
         </a:ln>
         <a:effectLst/>
+        <a:scene3d>
+          <a:camera prst="orthographicFront"/>
+          <a:lightRig rig="chilly" dir="t"/>
+        </a:scene3d>
+        <a:sp3d prstMaterial="translucentPowder">
+          <a:bevelT w="127000" h="25400" prst="softRound"/>
+        </a:sp3d>
       </dsp:spPr>
       <dsp:style>
-        <a:lnRef idx="2">
+        <a:lnRef idx="1">
           <a:scrgbClr r="0" g="0" b="0"/>
         </a:lnRef>
         <a:fillRef idx="1">
@@ -3962,13 +4455,45 @@
           <a:schemeClr val="lt1"/>
         </a:fontRef>
       </dsp:style>
+    </dsp:sp>
+    <dsp:sp modelId="{554900DF-9E2B-41AC-8E0D-73315D55A88C}">
+      <dsp:nvSpPr>
+        <dsp:cNvPr id="0" name=""/>
+        <dsp:cNvSpPr/>
+      </dsp:nvSpPr>
+      <dsp:spPr>
+        <a:xfrm>
+          <a:off x="0" y="4677872"/>
+          <a:ext cx="6492875" cy="425034"/>
+        </a:xfrm>
+        <a:prstGeom prst="rect">
+          <a:avLst/>
+        </a:prstGeom>
+        <a:noFill/>
+        <a:ln>
+          <a:noFill/>
+        </a:ln>
+        <a:effectLst/>
+      </dsp:spPr>
+      <dsp:style>
+        <a:lnRef idx="0">
+          <a:scrgbClr r="0" g="0" b="0"/>
+        </a:lnRef>
+        <a:fillRef idx="0">
+          <a:scrgbClr r="0" g="0" b="0"/>
+        </a:fillRef>
+        <a:effectRef idx="0">
+          <a:scrgbClr r="0" g="0" b="0"/>
+        </a:effectRef>
+        <a:fontRef idx="minor"/>
+      </dsp:style>
       <dsp:txBody>
-        <a:bodyPr spcFirstLastPara="0" vert="horz" wrap="square" lIns="60960" tIns="60960" rIns="60960" bIns="60960" numCol="1" spcCol="1270" anchor="ctr" anchorCtr="0">
+        <a:bodyPr spcFirstLastPara="0" vert="horz" wrap="square" lIns="72390" tIns="72390" rIns="72390" bIns="72390" numCol="1" spcCol="1270" anchor="t" anchorCtr="0">
           <a:noAutofit/>
         </a:bodyPr>
         <a:lstStyle/>
         <a:p>
-          <a:pPr marL="0" lvl="0" indent="0" algn="ctr" defTabSz="711200">
+          <a:pPr marL="0" lvl="0" indent="0" algn="l" defTabSz="844550">
             <a:lnSpc>
               <a:spcPct val="90000"/>
             </a:lnSpc>
@@ -3981,14 +4506,14 @@
             <a:buNone/>
           </a:pPr>
           <a:r>
-            <a:rPr lang="en-US" sz="1600" kern="1200" dirty="0"/>
-            <a:t>13. Tokenization (per sentence or all the corpus?)</a:t>
+            <a:rPr lang="en-US" sz="1900" kern="1200" dirty="0"/>
+            <a:t>12.  Lemmatization</a:t>
           </a:r>
         </a:p>
       </dsp:txBody>
       <dsp:txXfrm>
-        <a:off x="7758464" y="3045465"/>
-        <a:ext cx="2174490" cy="1304694"/>
+        <a:off x="0" y="4677872"/>
+        <a:ext cx="6492875" cy="425034"/>
       </dsp:txXfrm>
     </dsp:sp>
   </dsp:spTree>
@@ -4163,11 +4688,12 @@
 </file>
 
 <file path=ppt/diagrams/layout2.xml><?xml version="1.0" encoding="utf-8"?>
-<dgm:layoutDef xmlns:dgm="http://schemas.openxmlformats.org/drawingml/2006/diagram" xmlns:a="http://schemas.openxmlformats.org/drawingml/2006/main" uniqueId="urn:microsoft.com/office/officeart/2005/8/layout/default">
+<dgm:layoutDef xmlns:dgm="http://schemas.openxmlformats.org/drawingml/2006/diagram" xmlns:a="http://schemas.openxmlformats.org/drawingml/2006/main" uniqueId="urn:microsoft.com/office/officeart/2008/layout/LinedList">
   <dgm:title val=""/>
   <dgm:desc val=""/>
   <dgm:catLst>
-    <dgm:cat type="list" pri="400"/>
+    <dgm:cat type="hierarchy" pri="8000"/>
+    <dgm:cat type="list" pri="2500"/>
   </dgm:catLst>
   <dgm:sampData>
     <dgm:dataModel>
@@ -4176,25 +4702,21 @@
         <dgm:pt modelId="1">
           <dgm:prSet phldr="1"/>
         </dgm:pt>
-        <dgm:pt modelId="2">
+        <dgm:pt modelId="11">
           <dgm:prSet phldr="1"/>
         </dgm:pt>
-        <dgm:pt modelId="3">
+        <dgm:pt modelId="12">
           <dgm:prSet phldr="1"/>
         </dgm:pt>
-        <dgm:pt modelId="4">
-          <dgm:prSet phldr="1"/>
-        </dgm:pt>
-        <dgm:pt modelId="5">
+        <dgm:pt modelId="13">
           <dgm:prSet phldr="1"/>
         </dgm:pt>
       </dgm:ptLst>
       <dgm:cxnLst>
-        <dgm:cxn modelId="6" srcId="0" destId="1" srcOrd="0" destOrd="0"/>
-        <dgm:cxn modelId="7" srcId="0" destId="2" srcOrd="1" destOrd="0"/>
-        <dgm:cxn modelId="8" srcId="0" destId="3" srcOrd="2" destOrd="0"/>
-        <dgm:cxn modelId="9" srcId="0" destId="4" srcOrd="3" destOrd="0"/>
-        <dgm:cxn modelId="10" srcId="0" destId="5" srcOrd="4" destOrd="0"/>
+        <dgm:cxn modelId="2" srcId="0" destId="1" srcOrd="0" destOrd="0"/>
+        <dgm:cxn modelId="3" srcId="1" destId="11" srcOrd="0" destOrd="0"/>
+        <dgm:cxn modelId="4" srcId="1" destId="12" srcOrd="1" destOrd="0"/>
+        <dgm:cxn modelId="5" srcId="1" destId="13" srcOrd="2" destOrd="0"/>
       </dgm:cxnLst>
       <dgm:bg/>
       <dgm:whole/>
@@ -4204,12 +4726,20 @@
     <dgm:dataModel>
       <dgm:ptLst>
         <dgm:pt modelId="0" type="doc"/>
-        <dgm:pt modelId="1"/>
-        <dgm:pt modelId="2"/>
+        <dgm:pt modelId="1">
+          <dgm:prSet phldr="1"/>
+        </dgm:pt>
+        <dgm:pt modelId="11">
+          <dgm:prSet phldr="1"/>
+        </dgm:pt>
+        <dgm:pt modelId="12">
+          <dgm:prSet phldr="1"/>
+        </dgm:pt>
       </dgm:ptLst>
       <dgm:cxnLst>
-        <dgm:cxn modelId="3" srcId="0" destId="1" srcOrd="0" destOrd="0"/>
-        <dgm:cxn modelId="4" srcId="0" destId="2" srcOrd="1" destOrd="0"/>
+        <dgm:cxn modelId="2" srcId="0" destId="1" srcOrd="0" destOrd="0"/>
+        <dgm:cxn modelId="3" srcId="1" destId="11" srcOrd="0" destOrd="0"/>
+        <dgm:cxn modelId="4" srcId="1" destId="12" srcOrd="1" destOrd="0"/>
       </dgm:cxnLst>
       <dgm:bg/>
       <dgm:whole/>
@@ -4219,45 +4749,42 @@
     <dgm:dataModel>
       <dgm:ptLst>
         <dgm:pt modelId="0" type="doc"/>
-        <dgm:pt modelId="1"/>
-        <dgm:pt modelId="2"/>
-        <dgm:pt modelId="3"/>
-        <dgm:pt modelId="4"/>
-        <dgm:pt modelId="5"/>
-        <dgm:pt modelId="6"/>
+        <dgm:pt modelId="1">
+          <dgm:prSet phldr="1"/>
+        </dgm:pt>
+        <dgm:pt modelId="11">
+          <dgm:prSet phldr="1"/>
+        </dgm:pt>
+        <dgm:pt modelId="12">
+          <dgm:prSet phldr="1"/>
+        </dgm:pt>
       </dgm:ptLst>
       <dgm:cxnLst>
-        <dgm:cxn modelId="7" srcId="0" destId="1" srcOrd="0" destOrd="0"/>
-        <dgm:cxn modelId="8" srcId="0" destId="2" srcOrd="1" destOrd="0"/>
-        <dgm:cxn modelId="9" srcId="0" destId="3" srcOrd="2" destOrd="0"/>
-        <dgm:cxn modelId="10" srcId="0" destId="4" srcOrd="3" destOrd="0"/>
-        <dgm:cxn modelId="11" srcId="0" destId="5" srcOrd="4" destOrd="0"/>
-        <dgm:cxn modelId="12" srcId="0" destId="6" srcOrd="5" destOrd="0"/>
+        <dgm:cxn modelId="2" srcId="0" destId="1" srcOrd="0" destOrd="0"/>
+        <dgm:cxn modelId="3" srcId="1" destId="11" srcOrd="0" destOrd="0"/>
+        <dgm:cxn modelId="4" srcId="1" destId="12" srcOrd="1" destOrd="0"/>
       </dgm:cxnLst>
       <dgm:bg/>
       <dgm:whole/>
     </dgm:dataModel>
   </dgm:clrData>
-  <dgm:layoutNode name="diagram">
+  <dgm:layoutNode name="vert0">
     <dgm:varLst>
       <dgm:dir/>
-      <dgm:resizeHandles val="exact"/>
+      <dgm:animOne val="branch"/>
+      <dgm:animLvl val="lvl"/>
     </dgm:varLst>
     <dgm:choose name="Name0">
       <dgm:if name="Name1" func="var" arg="dir" op="equ" val="norm">
-        <dgm:alg type="snake">
-          <dgm:param type="grDir" val="tL"/>
-          <dgm:param type="flowDir" val="row"/>
-          <dgm:param type="contDir" val="sameDir"/>
-          <dgm:param type="off" val="ctr"/>
+        <dgm:alg type="lin">
+          <dgm:param type="linDir" val="fromT"/>
+          <dgm:param type="nodeHorzAlign" val="l"/>
         </dgm:alg>
       </dgm:if>
       <dgm:else name="Name2">
-        <dgm:alg type="snake">
-          <dgm:param type="grDir" val="tR"/>
-          <dgm:param type="flowDir" val="row"/>
-          <dgm:param type="contDir" val="sameDir"/>
-          <dgm:param type="off" val="ctr"/>
+        <dgm:alg type="lin">
+          <dgm:param type="linDir" val="fromT"/>
+          <dgm:param type="nodeHorzAlign" val="r"/>
         </dgm:alg>
       </dgm:else>
     </dgm:choose>
@@ -4266,44 +4793,361 @@
     </dgm:shape>
     <dgm:presOf/>
     <dgm:constrLst>
-      <dgm:constr type="w" for="ch" forName="node" refType="w"/>
-      <dgm:constr type="h" for="ch" forName="node" refType="w" refFor="ch" refForName="node" fact="0.6"/>
-      <dgm:constr type="w" for="ch" forName="sibTrans" refType="w" refFor="ch" refForName="node" fact="0.1"/>
-      <dgm:constr type="sp" refType="w" refFor="ch" refForName="sibTrans"/>
-      <dgm:constr type="primFontSz" for="ch" forName="node" op="equ" val="65"/>
+      <dgm:constr type="w" for="ch" forName="horz1" refType="w"/>
+      <dgm:constr type="h" for="ch" forName="horz1" refType="h"/>
+      <dgm:constr type="h" for="des" forName="vert1" refType="h"/>
+      <dgm:constr type="h" for="des" forName="tx1" refType="h"/>
+      <dgm:constr type="h" for="des" forName="horz2" refType="h"/>
+      <dgm:constr type="h" for="des" forName="vert2" refType="h"/>
+      <dgm:constr type="h" for="des" forName="horz3" refType="h"/>
+      <dgm:constr type="h" for="des" forName="vert3" refType="h"/>
+      <dgm:constr type="h" for="des" forName="horz4" refType="h"/>
+      <dgm:constr type="h" for="des" ptType="node" refType="h"/>
+      <dgm:constr type="primFontSz" for="des" forName="tx1" op="equ" val="65"/>
+      <dgm:constr type="primFontSz" for="des" forName="tx2" op="equ" val="65"/>
+      <dgm:constr type="primFontSz" for="des" forName="tx3" op="equ" val="65"/>
+      <dgm:constr type="primFontSz" for="des" forName="tx4" op="equ" val="65"/>
+      <dgm:constr type="w" for="des" forName="thickLine" refType="w"/>
+      <dgm:constr type="h" for="des" forName="thickLine"/>
+      <dgm:constr type="h" for="des" forName="thinLine1"/>
+      <dgm:constr type="h" for="des" forName="thinLine2b"/>
+      <dgm:constr type="h" for="des" forName="thinLine3"/>
+      <dgm:constr type="h" for="des" forName="vertSpace2a" refType="h" fact="0.05"/>
+      <dgm:constr type="h" for="des" forName="vertSpace2b" refType="h" refFor="des" refForName="vertSpace2a"/>
     </dgm:constrLst>
-    <dgm:ruleLst/>
     <dgm:forEach name="Name3" axis="ch" ptType="node">
-      <dgm:layoutNode name="node">
-        <dgm:varLst>
-          <dgm:bulletEnabled val="1"/>
-        </dgm:varLst>
-        <dgm:alg type="tx"/>
-        <dgm:shape xmlns:r="http://schemas.openxmlformats.org/officeDocument/2006/relationships" type="rect" r:blip="">
+      <dgm:layoutNode name="thickLine" styleLbl="alignNode1">
+        <dgm:alg type="sp"/>
+        <dgm:shape xmlns:r="http://schemas.openxmlformats.org/officeDocument/2006/relationships" type="line" r:blip="">
           <dgm:adjLst/>
         </dgm:shape>
-        <dgm:presOf axis="desOrSelf" ptType="node"/>
-        <dgm:constrLst>
-          <dgm:constr type="lMarg" refType="primFontSz" fact="0.3"/>
-          <dgm:constr type="rMarg" refType="primFontSz" fact="0.3"/>
-          <dgm:constr type="tMarg" refType="primFontSz" fact="0.3"/>
-          <dgm:constr type="bMarg" refType="primFontSz" fact="0.3"/>
-        </dgm:constrLst>
-        <dgm:ruleLst>
-          <dgm:rule type="primFontSz" val="5" fact="NaN" max="NaN"/>
-        </dgm:ruleLst>
+        <dgm:presOf/>
       </dgm:layoutNode>
-      <dgm:forEach name="Name4" axis="followSib" ptType="sibTrans" cnt="1">
-        <dgm:layoutNode name="sibTrans">
-          <dgm:alg type="sp"/>
+      <dgm:layoutNode name="horz1">
+        <dgm:choose name="Name4">
+          <dgm:if name="Name5" func="var" arg="dir" op="equ" val="norm">
+            <dgm:alg type="lin">
+              <dgm:param type="linDir" val="fromL"/>
+              <dgm:param type="nodeVertAlign" val="t"/>
+            </dgm:alg>
+          </dgm:if>
+          <dgm:else name="Name6">
+            <dgm:alg type="lin">
+              <dgm:param type="linDir" val="fromR"/>
+              <dgm:param type="nodeVertAlign" val="t"/>
+            </dgm:alg>
+          </dgm:else>
+        </dgm:choose>
+        <dgm:shape xmlns:r="http://schemas.openxmlformats.org/officeDocument/2006/relationships" r:blip="">
+          <dgm:adjLst/>
+        </dgm:shape>
+        <dgm:presOf/>
+        <dgm:choose name="Name7">
+          <dgm:if name="Name8" axis="root des" func="maxDepth" op="equ" val="1">
+            <dgm:constrLst>
+              <dgm:constr type="w" for="ch" forName="tx1" refType="w"/>
+            </dgm:constrLst>
+          </dgm:if>
+          <dgm:if name="Name9" axis="root des" func="maxDepth" op="equ" val="2">
+            <dgm:constrLst>
+              <dgm:constr type="w" for="ch" forName="tx1" refType="w" fact="0.2"/>
+              <dgm:constr type="w" for="des" forName="tx2" refType="w" fact="0.785"/>
+              <dgm:constr type="w" for="des" forName="horzSpace2" refType="w" fact="0.015"/>
+              <dgm:constr type="w" for="des" forName="thinLine2b" refType="w" fact="0.8"/>
+            </dgm:constrLst>
+          </dgm:if>
+          <dgm:if name="Name10" axis="root des" func="maxDepth" op="equ" val="3">
+            <dgm:constrLst>
+              <dgm:constr type="w" for="ch" forName="tx1" refType="w" fact="0.2"/>
+              <dgm:constr type="w" for="des" forName="tx2" refType="w" fact="0.385"/>
+              <dgm:constr type="w" for="des" forName="tx3" refType="w" fact="0.385"/>
+              <dgm:constr type="w" for="des" forName="horzSpace2" refType="w" fact="0.015"/>
+              <dgm:constr type="w" for="des" forName="horzSpace3" refType="w" fact="0.015"/>
+              <dgm:constr type="w" for="des" forName="thinLine2b" refType="w" fact="0.8"/>
+              <dgm:constr type="w" for="des" forName="thinLine3" refType="w" fact="0.385"/>
+            </dgm:constrLst>
+          </dgm:if>
+          <dgm:if name="Name11" axis="root des" func="maxDepth" op="gte" val="4">
+            <dgm:constrLst>
+              <dgm:constr type="w" for="ch" forName="tx1" refType="w" fact="0.2"/>
+              <dgm:constr type="w" for="des" forName="tx2" refType="w" fact="0.2516"/>
+              <dgm:constr type="w" for="des" forName="tx3" refType="w" fact="0.2516"/>
+              <dgm:constr type="w" for="des" forName="tx4" refType="w" fact="0.2516"/>
+              <dgm:constr type="w" for="des" forName="horzSpace2" refType="w" fact="0.015"/>
+              <dgm:constr type="w" for="des" forName="horzSpace3" refType="w" fact="0.015"/>
+              <dgm:constr type="w" for="des" forName="horzSpace4" refType="w" fact="0.015"/>
+              <dgm:constr type="w" for="des" forName="thinLine2b" refType="w" fact="0.8"/>
+              <dgm:constr type="w" for="des" forName="thinLine3" refType="w" fact="0.5332"/>
+            </dgm:constrLst>
+          </dgm:if>
+          <dgm:else name="Name12"/>
+        </dgm:choose>
+        <dgm:layoutNode name="tx1" styleLbl="revTx">
+          <dgm:alg type="tx">
+            <dgm:param type="parTxLTRAlign" val="l"/>
+            <dgm:param type="parTxRTLAlign" val="r"/>
+            <dgm:param type="txAnchorVert" val="t"/>
+          </dgm:alg>
+          <dgm:shape xmlns:r="http://schemas.openxmlformats.org/officeDocument/2006/relationships" type="rect" r:blip="">
+            <dgm:adjLst/>
+          </dgm:shape>
+          <dgm:presOf axis="self"/>
+          <dgm:constrLst>
+            <dgm:constr type="tMarg" refType="primFontSz" fact="0.3"/>
+            <dgm:constr type="bMarg" refType="primFontSz" fact="0.3"/>
+            <dgm:constr type="lMarg" refType="primFontSz" fact="0.3"/>
+            <dgm:constr type="rMarg" refType="primFontSz" fact="0.3"/>
+          </dgm:constrLst>
+          <dgm:ruleLst>
+            <dgm:rule type="primFontSz" val="5" fact="NaN" max="NaN"/>
+          </dgm:ruleLst>
+        </dgm:layoutNode>
+        <dgm:layoutNode name="vert1">
+          <dgm:choose name="Name13">
+            <dgm:if name="Name14" func="var" arg="dir" op="equ" val="norm">
+              <dgm:alg type="lin">
+                <dgm:param type="linDir" val="fromT"/>
+                <dgm:param type="nodeHorzAlign" val="l"/>
+              </dgm:alg>
+            </dgm:if>
+            <dgm:else name="Name15">
+              <dgm:alg type="lin">
+                <dgm:param type="linDir" val="fromT"/>
+                <dgm:param type="nodeHorzAlign" val="r"/>
+              </dgm:alg>
+            </dgm:else>
+          </dgm:choose>
           <dgm:shape xmlns:r="http://schemas.openxmlformats.org/officeDocument/2006/relationships" r:blip="">
             <dgm:adjLst/>
           </dgm:shape>
           <dgm:presOf/>
-          <dgm:constrLst/>
-          <dgm:ruleLst/>
+          <dgm:forEach name="Name16" axis="ch" ptType="node">
+            <dgm:choose name="Name17">
+              <dgm:if name="Name18" axis="self" ptType="node" func="pos" op="equ" val="1">
+                <dgm:layoutNode name="vertSpace2a">
+                  <dgm:alg type="sp"/>
+                  <dgm:shape xmlns:r="http://schemas.openxmlformats.org/officeDocument/2006/relationships" r:blip="">
+                    <dgm:adjLst/>
+                  </dgm:shape>
+                  <dgm:presOf/>
+                </dgm:layoutNode>
+              </dgm:if>
+              <dgm:else name="Name19"/>
+            </dgm:choose>
+            <dgm:layoutNode name="horz2">
+              <dgm:choose name="Name20">
+                <dgm:if name="Name21" func="var" arg="dir" op="equ" val="norm">
+                  <dgm:alg type="lin">
+                    <dgm:param type="linDir" val="fromL"/>
+                    <dgm:param type="nodeVertAlign" val="t"/>
+                  </dgm:alg>
+                </dgm:if>
+                <dgm:else name="Name22">
+                  <dgm:alg type="lin">
+                    <dgm:param type="linDir" val="fromR"/>
+                    <dgm:param type="nodeVertAlign" val="t"/>
+                  </dgm:alg>
+                </dgm:else>
+              </dgm:choose>
+              <dgm:shape xmlns:r="http://schemas.openxmlformats.org/officeDocument/2006/relationships" r:blip="">
+                <dgm:adjLst/>
+              </dgm:shape>
+              <dgm:presOf/>
+              <dgm:layoutNode name="horzSpace2">
+                <dgm:alg type="sp"/>
+                <dgm:shape xmlns:r="http://schemas.openxmlformats.org/officeDocument/2006/relationships" r:blip="">
+                  <dgm:adjLst/>
+                </dgm:shape>
+                <dgm:presOf/>
+              </dgm:layoutNode>
+              <dgm:layoutNode name="tx2" styleLbl="revTx">
+                <dgm:alg type="tx">
+                  <dgm:param type="parTxLTRAlign" val="l"/>
+                  <dgm:param type="parTxRTLAlign" val="r"/>
+                  <dgm:param type="txAnchorVert" val="t"/>
+                </dgm:alg>
+                <dgm:shape xmlns:r="http://schemas.openxmlformats.org/officeDocument/2006/relationships" type="rect" r:blip="">
+                  <dgm:adjLst/>
+                </dgm:shape>
+                <dgm:presOf axis="self"/>
+                <dgm:constrLst>
+                  <dgm:constr type="tMarg" refType="primFontSz" fact="0.3"/>
+                  <dgm:constr type="bMarg" refType="primFontSz" fact="0.3"/>
+                  <dgm:constr type="lMarg" refType="primFontSz" fact="0.3"/>
+                  <dgm:constr type="rMarg" refType="primFontSz" fact="0.3"/>
+                </dgm:constrLst>
+                <dgm:ruleLst>
+                  <dgm:rule type="primFontSz" val="5" fact="NaN" max="NaN"/>
+                </dgm:ruleLst>
+              </dgm:layoutNode>
+              <dgm:layoutNode name="vert2">
+                <dgm:choose name="Name23">
+                  <dgm:if name="Name24" func="var" arg="dir" op="equ" val="norm">
+                    <dgm:alg type="lin">
+                      <dgm:param type="linDir" val="fromT"/>
+                      <dgm:param type="nodeHorzAlign" val="l"/>
+                    </dgm:alg>
+                  </dgm:if>
+                  <dgm:else name="Name25">
+                    <dgm:alg type="lin">
+                      <dgm:param type="linDir" val="fromT"/>
+                      <dgm:param type="nodeHorzAlign" val="r"/>
+                    </dgm:alg>
+                  </dgm:else>
+                </dgm:choose>
+                <dgm:shape xmlns:r="http://schemas.openxmlformats.org/officeDocument/2006/relationships" r:blip="">
+                  <dgm:adjLst/>
+                </dgm:shape>
+                <dgm:presOf/>
+                <dgm:forEach name="Name26" axis="ch" ptType="node">
+                  <dgm:layoutNode name="horz3">
+                    <dgm:choose name="Name27">
+                      <dgm:if name="Name28" func="var" arg="dir" op="equ" val="norm">
+                        <dgm:alg type="lin">
+                          <dgm:param type="linDir" val="fromL"/>
+                          <dgm:param type="nodeVertAlign" val="t"/>
+                        </dgm:alg>
+                      </dgm:if>
+                      <dgm:else name="Name29">
+                        <dgm:alg type="lin">
+                          <dgm:param type="linDir" val="fromR"/>
+                          <dgm:param type="nodeVertAlign" val="t"/>
+                        </dgm:alg>
+                      </dgm:else>
+                    </dgm:choose>
+                    <dgm:shape xmlns:r="http://schemas.openxmlformats.org/officeDocument/2006/relationships" r:blip="">
+                      <dgm:adjLst/>
+                    </dgm:shape>
+                    <dgm:presOf/>
+                    <dgm:layoutNode name="horzSpace3">
+                      <dgm:alg type="sp"/>
+                      <dgm:shape xmlns:r="http://schemas.openxmlformats.org/officeDocument/2006/relationships" r:blip="">
+                        <dgm:adjLst/>
+                      </dgm:shape>
+                      <dgm:presOf/>
+                    </dgm:layoutNode>
+                    <dgm:layoutNode name="tx3" styleLbl="revTx">
+                      <dgm:alg type="tx">
+                        <dgm:param type="parTxLTRAlign" val="l"/>
+                        <dgm:param type="parTxRTLAlign" val="r"/>
+                        <dgm:param type="txAnchorVert" val="t"/>
+                      </dgm:alg>
+                      <dgm:shape xmlns:r="http://schemas.openxmlformats.org/officeDocument/2006/relationships" type="rect" r:blip="">
+                        <dgm:adjLst/>
+                      </dgm:shape>
+                      <dgm:presOf axis="self"/>
+                      <dgm:constrLst>
+                        <dgm:constr type="tMarg" refType="primFontSz" fact="0.3"/>
+                        <dgm:constr type="bMarg" refType="primFontSz" fact="0.3"/>
+                        <dgm:constr type="lMarg" refType="primFontSz" fact="0.3"/>
+                        <dgm:constr type="rMarg" refType="primFontSz" fact="0.3"/>
+                      </dgm:constrLst>
+                      <dgm:ruleLst>
+                        <dgm:rule type="primFontSz" val="5" fact="NaN" max="NaN"/>
+                      </dgm:ruleLst>
+                    </dgm:layoutNode>
+                    <dgm:layoutNode name="vert3">
+                      <dgm:choose name="Name30">
+                        <dgm:if name="Name31" func="var" arg="dir" op="equ" val="norm">
+                          <dgm:alg type="lin">
+                            <dgm:param type="linDir" val="fromT"/>
+                            <dgm:param type="nodeHorzAlign" val="l"/>
+                          </dgm:alg>
+                        </dgm:if>
+                        <dgm:else name="Name32">
+                          <dgm:alg type="lin">
+                            <dgm:param type="linDir" val="fromT"/>
+                            <dgm:param type="nodeHorzAlign" val="r"/>
+                          </dgm:alg>
+                        </dgm:else>
+                      </dgm:choose>
+                      <dgm:shape xmlns:r="http://schemas.openxmlformats.org/officeDocument/2006/relationships" r:blip="">
+                        <dgm:adjLst/>
+                      </dgm:shape>
+                      <dgm:presOf/>
+                      <dgm:forEach name="Name33" axis="ch" ptType="node">
+                        <dgm:layoutNode name="horz4">
+                          <dgm:choose name="Name34">
+                            <dgm:if name="Name35" func="var" arg="dir" op="equ" val="norm">
+                              <dgm:alg type="lin">
+                                <dgm:param type="linDir" val="fromL"/>
+                                <dgm:param type="nodeVertAlign" val="t"/>
+                              </dgm:alg>
+                            </dgm:if>
+                            <dgm:else name="Name36">
+                              <dgm:alg type="lin">
+                                <dgm:param type="linDir" val="fromR"/>
+                                <dgm:param type="nodeVertAlign" val="t"/>
+                              </dgm:alg>
+                            </dgm:else>
+                          </dgm:choose>
+                          <dgm:shape xmlns:r="http://schemas.openxmlformats.org/officeDocument/2006/relationships" r:blip="">
+                            <dgm:adjLst/>
+                          </dgm:shape>
+                          <dgm:presOf/>
+                          <dgm:layoutNode name="horzSpace4">
+                            <dgm:alg type="sp"/>
+                            <dgm:shape xmlns:r="http://schemas.openxmlformats.org/officeDocument/2006/relationships" r:blip="">
+                              <dgm:adjLst/>
+                            </dgm:shape>
+                            <dgm:presOf/>
+                          </dgm:layoutNode>
+                          <dgm:layoutNode name="tx4" styleLbl="revTx">
+                            <dgm:varLst>
+                              <dgm:bulletEnabled val="1"/>
+                            </dgm:varLst>
+                            <dgm:alg type="tx">
+                              <dgm:param type="parTxLTRAlign" val="l"/>
+                              <dgm:param type="parTxRTLAlign" val="r"/>
+                              <dgm:param type="txAnchorVert" val="t"/>
+                            </dgm:alg>
+                            <dgm:shape xmlns:r="http://schemas.openxmlformats.org/officeDocument/2006/relationships" type="rect" r:blip="">
+                              <dgm:adjLst/>
+                            </dgm:shape>
+                            <dgm:presOf axis="desOrSelf" ptType="node"/>
+                            <dgm:constrLst>
+                              <dgm:constr type="tMarg" refType="primFontSz" fact="0.3"/>
+                              <dgm:constr type="bMarg" refType="primFontSz" fact="0.3"/>
+                              <dgm:constr type="lMarg" refType="primFontSz" fact="0.3"/>
+                              <dgm:constr type="rMarg" refType="primFontSz" fact="0.3"/>
+                            </dgm:constrLst>
+                            <dgm:ruleLst>
+                              <dgm:rule type="primFontSz" val="5" fact="NaN" max="NaN"/>
+                            </dgm:ruleLst>
+                          </dgm:layoutNode>
+                        </dgm:layoutNode>
+                      </dgm:forEach>
+                    </dgm:layoutNode>
+                  </dgm:layoutNode>
+                  <dgm:forEach name="Name37" axis="followSib" ptType="sibTrans" cnt="1">
+                    <dgm:layoutNode name="thinLine3" styleLbl="callout">
+                      <dgm:alg type="sp"/>
+                      <dgm:shape xmlns:r="http://schemas.openxmlformats.org/officeDocument/2006/relationships" type="line" r:blip="">
+                        <dgm:adjLst/>
+                      </dgm:shape>
+                      <dgm:presOf/>
+                    </dgm:layoutNode>
+                  </dgm:forEach>
+                </dgm:forEach>
+              </dgm:layoutNode>
+            </dgm:layoutNode>
+            <dgm:layoutNode name="thinLine2b" styleLbl="callout">
+              <dgm:alg type="sp"/>
+              <dgm:shape xmlns:r="http://schemas.openxmlformats.org/officeDocument/2006/relationships" type="line" r:blip="">
+                <dgm:adjLst/>
+              </dgm:shape>
+              <dgm:presOf/>
+            </dgm:layoutNode>
+            <dgm:layoutNode name="vertSpace2b">
+              <dgm:alg type="sp"/>
+              <dgm:shape xmlns:r="http://schemas.openxmlformats.org/officeDocument/2006/relationships" r:blip="">
+                <dgm:adjLst/>
+              </dgm:shape>
+              <dgm:presOf/>
+            </dgm:layoutNode>
+          </dgm:forEach>
         </dgm:layoutNode>
-      </dgm:forEach>
+      </dgm:layoutNode>
     </dgm:forEach>
   </dgm:layoutNode>
 </dgm:layoutDef>
@@ -5344,11 +6188,11 @@
 </file>
 
 <file path=ppt/diagrams/quickStyle2.xml><?xml version="1.0" encoding="utf-8"?>
-<dgm:styleDef xmlns:dgm="http://schemas.openxmlformats.org/drawingml/2006/diagram" xmlns:a="http://schemas.openxmlformats.org/drawingml/2006/main" uniqueId="urn:microsoft.com/office/officeart/2005/8/quickstyle/simple1">
+<dgm:styleDef xmlns:dgm="http://schemas.openxmlformats.org/drawingml/2006/diagram" xmlns:a="http://schemas.openxmlformats.org/drawingml/2006/main" uniqueId="urn:microsoft.com/office/officeart/2005/8/quickstyle/3d4">
   <dgm:title val=""/>
   <dgm:desc val=""/>
   <dgm:catLst>
-    <dgm:cat type="simple" pri="10100"/>
+    <dgm:cat type="3D" pri="11400"/>
   </dgm:catLst>
   <dgm:scene3d>
     <a:camera prst="orthographicFront"/>
@@ -5357,12 +6201,14 @@
   <dgm:styleLbl name="node0">
     <dgm:scene3d>
       <a:camera prst="orthographicFront"/>
-      <a:lightRig rig="threePt" dir="t"/>
+      <a:lightRig rig="chilly" dir="t"/>
     </dgm:scene3d>
-    <dgm:sp3d/>
+    <dgm:sp3d prstMaterial="translucentPowder">
+      <a:bevelT w="127000" h="25400" prst="softRound"/>
+    </dgm:sp3d>
     <dgm:txPr/>
     <dgm:style>
-      <a:lnRef idx="2">
+      <a:lnRef idx="0">
         <a:scrgbClr r="0" g="0" b="0"/>
       </a:lnRef>
       <a:fillRef idx="1">
@@ -5379,12 +6225,14 @@
   <dgm:styleLbl name="lnNode1">
     <dgm:scene3d>
       <a:camera prst="orthographicFront"/>
-      <a:lightRig rig="threePt" dir="t"/>
+      <a:lightRig rig="chilly" dir="t"/>
     </dgm:scene3d>
-    <dgm:sp3d/>
+    <dgm:sp3d prstMaterial="translucentPowder">
+      <a:bevelT w="127000" h="25400" prst="softRound"/>
+    </dgm:sp3d>
     <dgm:txPr/>
     <dgm:style>
-      <a:lnRef idx="2">
+      <a:lnRef idx="0">
         <a:scrgbClr r="0" g="0" b="0"/>
       </a:lnRef>
       <a:fillRef idx="1">
@@ -5401,12 +6249,14 @@
   <dgm:styleLbl name="vennNode1">
     <dgm:scene3d>
       <a:camera prst="orthographicFront"/>
-      <a:lightRig rig="threePt" dir="t"/>
+      <a:lightRig rig="chilly" dir="t"/>
     </dgm:scene3d>
-    <dgm:sp3d/>
+    <dgm:sp3d prstMaterial="translucentPowder">
+      <a:bevelT w="127000" h="25400" prst="softRound"/>
+    </dgm:sp3d>
     <dgm:txPr/>
     <dgm:style>
-      <a:lnRef idx="2">
+      <a:lnRef idx="0">
         <a:scrgbClr r="0" g="0" b="0"/>
       </a:lnRef>
       <a:fillRef idx="1">
@@ -5423,12 +6273,14 @@
   <dgm:styleLbl name="alignNode1">
     <dgm:scene3d>
       <a:camera prst="orthographicFront"/>
-      <a:lightRig rig="threePt" dir="t"/>
+      <a:lightRig rig="chilly" dir="t"/>
     </dgm:scene3d>
-    <dgm:sp3d/>
+    <dgm:sp3d prstMaterial="translucentPowder">
+      <a:bevelT w="127000" h="25400" prst="softRound"/>
+    </dgm:sp3d>
     <dgm:txPr/>
     <dgm:style>
-      <a:lnRef idx="2">
+      <a:lnRef idx="1">
         <a:scrgbClr r="0" g="0" b="0"/>
       </a:lnRef>
       <a:fillRef idx="1">
@@ -5445,12 +6297,14 @@
   <dgm:styleLbl name="node1">
     <dgm:scene3d>
       <a:camera prst="orthographicFront"/>
-      <a:lightRig rig="threePt" dir="t"/>
+      <a:lightRig rig="chilly" dir="t"/>
     </dgm:scene3d>
-    <dgm:sp3d/>
+    <dgm:sp3d prstMaterial="translucentPowder">
+      <a:bevelT w="127000" h="25400" prst="softRound"/>
+    </dgm:sp3d>
     <dgm:txPr/>
     <dgm:style>
-      <a:lnRef idx="2">
+      <a:lnRef idx="0">
         <a:scrgbClr r="0" g="0" b="0"/>
       </a:lnRef>
       <a:fillRef idx="1">
@@ -5467,12 +6321,14 @@
   <dgm:styleLbl name="node2">
     <dgm:scene3d>
       <a:camera prst="orthographicFront"/>
-      <a:lightRig rig="threePt" dir="t"/>
+      <a:lightRig rig="chilly" dir="t"/>
     </dgm:scene3d>
-    <dgm:sp3d/>
+    <dgm:sp3d prstMaterial="translucentPowder">
+      <a:bevelT w="127000" h="25400" prst="softRound"/>
+    </dgm:sp3d>
     <dgm:txPr/>
     <dgm:style>
-      <a:lnRef idx="2">
+      <a:lnRef idx="0">
         <a:scrgbClr r="0" g="0" b="0"/>
       </a:lnRef>
       <a:fillRef idx="1">
@@ -5489,12 +6345,14 @@
   <dgm:styleLbl name="node3">
     <dgm:scene3d>
       <a:camera prst="orthographicFront"/>
-      <a:lightRig rig="threePt" dir="t"/>
+      <a:lightRig rig="chilly" dir="t"/>
     </dgm:scene3d>
-    <dgm:sp3d/>
+    <dgm:sp3d prstMaterial="translucentPowder">
+      <a:bevelT w="127000" h="25400" prst="softRound"/>
+    </dgm:sp3d>
     <dgm:txPr/>
     <dgm:style>
-      <a:lnRef idx="2">
+      <a:lnRef idx="0">
         <a:scrgbClr r="0" g="0" b="0"/>
       </a:lnRef>
       <a:fillRef idx="1">
@@ -5511,12 +6369,14 @@
   <dgm:styleLbl name="node4">
     <dgm:scene3d>
       <a:camera prst="orthographicFront"/>
-      <a:lightRig rig="threePt" dir="t"/>
+      <a:lightRig rig="chilly" dir="t"/>
     </dgm:scene3d>
-    <dgm:sp3d/>
+    <dgm:sp3d prstMaterial="translucentPowder">
+      <a:bevelT w="127000" h="25400" prst="softRound"/>
+    </dgm:sp3d>
     <dgm:txPr/>
     <dgm:style>
-      <a:lnRef idx="2">
+      <a:lnRef idx="0">
         <a:scrgbClr r="0" g="0" b="0"/>
       </a:lnRef>
       <a:fillRef idx="1">
@@ -5533,12 +6393,15 @@
   <dgm:styleLbl name="fgImgPlace1">
     <dgm:scene3d>
       <a:camera prst="orthographicFront"/>
-      <a:lightRig rig="threePt" dir="t"/>
+      <a:lightRig rig="chilly" dir="t"/>
     </dgm:scene3d>
-    <dgm:sp3d/>
+    <dgm:sp3d z="12700" extrusionH="12700" prstMaterial="translucentPowder">
+      <a:bevelT w="25400" h="6350" prst="softRound"/>
+      <a:bevelB w="0" h="0" prst="convex"/>
+    </dgm:sp3d>
     <dgm:txPr/>
     <dgm:style>
-      <a:lnRef idx="2">
+      <a:lnRef idx="0">
         <a:scrgbClr r="0" g="0" b="0"/>
       </a:lnRef>
       <a:fillRef idx="1">
@@ -5553,49 +6416,11 @@
   <dgm:styleLbl name="alignImgPlace1">
     <dgm:scene3d>
       <a:camera prst="orthographicFront"/>
-      <a:lightRig rig="threePt" dir="t"/>
+      <a:lightRig rig="chilly" dir="t"/>
     </dgm:scene3d>
-    <dgm:sp3d/>
-    <dgm:txPr/>
-    <dgm:style>
-      <a:lnRef idx="2">
-        <a:scrgbClr r="0" g="0" b="0"/>
-      </a:lnRef>
-      <a:fillRef idx="1">
-        <a:scrgbClr r="0" g="0" b="0"/>
-      </a:fillRef>
-      <a:effectRef idx="0">
-        <a:scrgbClr r="0" g="0" b="0"/>
-      </a:effectRef>
-      <a:fontRef idx="minor"/>
-    </dgm:style>
-  </dgm:styleLbl>
-  <dgm:styleLbl name="bgImgPlace1">
-    <dgm:scene3d>
-      <a:camera prst="orthographicFront"/>
-      <a:lightRig rig="threePt" dir="t"/>
-    </dgm:scene3d>
-    <dgm:sp3d/>
-    <dgm:txPr/>
-    <dgm:style>
-      <a:lnRef idx="2">
-        <a:scrgbClr r="0" g="0" b="0"/>
-      </a:lnRef>
-      <a:fillRef idx="1">
-        <a:scrgbClr r="0" g="0" b="0"/>
-      </a:fillRef>
-      <a:effectRef idx="0">
-        <a:scrgbClr r="0" g="0" b="0"/>
-      </a:effectRef>
-      <a:fontRef idx="minor"/>
-    </dgm:style>
-  </dgm:styleLbl>
-  <dgm:styleLbl name="sibTrans2D1">
-    <dgm:scene3d>
-      <a:camera prst="orthographicFront"/>
-      <a:lightRig rig="threePt" dir="t"/>
-    </dgm:scene3d>
-    <dgm:sp3d/>
+    <dgm:sp3d prstMaterial="translucentPowder">
+      <a:bevelT w="127000" h="25400" prst="softRound"/>
+    </dgm:sp3d>
     <dgm:txPr/>
     <dgm:style>
       <a:lnRef idx="0">
@@ -5612,12 +6437,39 @@
       </a:fontRef>
     </dgm:style>
   </dgm:styleLbl>
-  <dgm:styleLbl name="fgSibTrans2D1">
+  <dgm:styleLbl name="bgImgPlace1">
     <dgm:scene3d>
       <a:camera prst="orthographicFront"/>
-      <a:lightRig rig="threePt" dir="t"/>
+      <a:lightRig rig="chilly" dir="t"/>
     </dgm:scene3d>
-    <dgm:sp3d/>
+    <dgm:sp3d z="-25700" extrusionH="63500" contourW="12700" prstMaterial="matte">
+      <a:contourClr>
+        <a:schemeClr val="lt1"/>
+      </a:contourClr>
+    </dgm:sp3d>
+    <dgm:txPr/>
+    <dgm:style>
+      <a:lnRef idx="0">
+        <a:scrgbClr r="0" g="0" b="0"/>
+      </a:lnRef>
+      <a:fillRef idx="1">
+        <a:scrgbClr r="0" g="0" b="0"/>
+      </a:fillRef>
+      <a:effectRef idx="0">
+        <a:scrgbClr r="0" g="0" b="0"/>
+      </a:effectRef>
+      <a:fontRef idx="minor"/>
+    </dgm:style>
+  </dgm:styleLbl>
+  <dgm:styleLbl name="sibTrans2D1">
+    <dgm:scene3d>
+      <a:camera prst="orthographicFront"/>
+      <a:lightRig rig="chilly" dir="t"/>
+    </dgm:scene3d>
+    <dgm:sp3d z="-70000" extrusionH="1700" prstMaterial="translucentPowder">
+      <a:bevelT w="25400" h="6350" prst="softRound"/>
+      <a:bevelB w="0" h="0" prst="convex"/>
+    </dgm:sp3d>
     <dgm:txPr/>
     <dgm:style>
       <a:lnRef idx="0">
@@ -5634,12 +6486,100 @@
       </a:fontRef>
     </dgm:style>
   </dgm:styleLbl>
+  <dgm:styleLbl name="fgSibTrans2D1">
+    <dgm:scene3d>
+      <a:camera prst="orthographicFront"/>
+      <a:lightRig rig="chilly" dir="t"/>
+    </dgm:scene3d>
+    <dgm:sp3d z="12700" extrusionH="1700" prstMaterial="translucentPowder">
+      <a:bevelT w="25400" h="6350" prst="softRound"/>
+      <a:bevelB w="0" h="0" prst="convex"/>
+    </dgm:sp3d>
+    <dgm:txPr/>
+    <dgm:style>
+      <a:lnRef idx="0">
+        <a:scrgbClr r="0" g="0" b="0"/>
+      </a:lnRef>
+      <a:fillRef idx="1">
+        <a:scrgbClr r="0" g="0" b="0"/>
+      </a:fillRef>
+      <a:effectRef idx="0">
+        <a:scrgbClr r="0" g="0" b="0"/>
+      </a:effectRef>
+      <a:fontRef idx="minor"/>
+    </dgm:style>
+  </dgm:styleLbl>
   <dgm:styleLbl name="bgSibTrans2D1">
     <dgm:scene3d>
       <a:camera prst="orthographicFront"/>
-      <a:lightRig rig="threePt" dir="t"/>
+      <a:lightRig rig="chilly" dir="t"/>
     </dgm:scene3d>
-    <dgm:sp3d/>
+    <dgm:sp3d z="-25700" extrusionH="1700" prstMaterial="translucentPowder">
+      <a:bevelT w="25400" h="6350" prst="softRound"/>
+      <a:bevelB w="0" h="0" prst="convex"/>
+    </dgm:sp3d>
+    <dgm:txPr/>
+    <dgm:style>
+      <a:lnRef idx="0">
+        <a:scrgbClr r="0" g="0" b="0"/>
+      </a:lnRef>
+      <a:fillRef idx="1">
+        <a:scrgbClr r="0" g="0" b="0"/>
+      </a:fillRef>
+      <a:effectRef idx="0">
+        <a:scrgbClr r="0" g="0" b="0"/>
+      </a:effectRef>
+      <a:fontRef idx="minor"/>
+    </dgm:style>
+  </dgm:styleLbl>
+  <dgm:styleLbl name="sibTrans1D1">
+    <dgm:scene3d>
+      <a:camera prst="orthographicFront"/>
+      <a:lightRig rig="chilly" dir="t"/>
+    </dgm:scene3d>
+    <dgm:sp3d z="-40000" prstMaterial="matte"/>
+    <dgm:txPr/>
+    <dgm:style>
+      <a:lnRef idx="1">
+        <a:scrgbClr r="0" g="0" b="0"/>
+      </a:lnRef>
+      <a:fillRef idx="0">
+        <a:scrgbClr r="0" g="0" b="0"/>
+      </a:fillRef>
+      <a:effectRef idx="0">
+        <a:scrgbClr r="0" g="0" b="0"/>
+      </a:effectRef>
+      <a:fontRef idx="minor"/>
+    </dgm:style>
+  </dgm:styleLbl>
+  <dgm:styleLbl name="callout">
+    <dgm:scene3d>
+      <a:camera prst="orthographicFront"/>
+      <a:lightRig rig="chilly" dir="t"/>
+    </dgm:scene3d>
+    <dgm:sp3d z="127000" prstMaterial="matte"/>
+    <dgm:txPr/>
+    <dgm:style>
+      <a:lnRef idx="2">
+        <a:scrgbClr r="0" g="0" b="0"/>
+      </a:lnRef>
+      <a:fillRef idx="1">
+        <a:scrgbClr r="0" g="0" b="0"/>
+      </a:fillRef>
+      <a:effectRef idx="0">
+        <a:scrgbClr r="0" g="0" b="0"/>
+      </a:effectRef>
+      <a:fontRef idx="minor"/>
+    </dgm:style>
+  </dgm:styleLbl>
+  <dgm:styleLbl name="asst0">
+    <dgm:scene3d>
+      <a:camera prst="orthographicFront"/>
+      <a:lightRig rig="chilly" dir="t"/>
+    </dgm:scene3d>
+    <dgm:sp3d prstMaterial="translucentPowder">
+      <a:bevelT w="127000" h="25400" prst="softRound"/>
+    </dgm:sp3d>
     <dgm:txPr/>
     <dgm:style>
       <a:lnRef idx="0">
@@ -5656,55 +6596,17 @@
       </a:fontRef>
     </dgm:style>
   </dgm:styleLbl>
-  <dgm:styleLbl name="sibTrans1D1">
+  <dgm:styleLbl name="asst1">
     <dgm:scene3d>
       <a:camera prst="orthographicFront"/>
-      <a:lightRig rig="threePt" dir="t"/>
+      <a:lightRig rig="chilly" dir="t"/>
     </dgm:scene3d>
-    <dgm:sp3d/>
+    <dgm:sp3d prstMaterial="translucentPowder">
+      <a:bevelT w="127000" h="25400" prst="softRound"/>
+    </dgm:sp3d>
     <dgm:txPr/>
     <dgm:style>
-      <a:lnRef idx="1">
-        <a:scrgbClr r="0" g="0" b="0"/>
-      </a:lnRef>
-      <a:fillRef idx="0">
-        <a:scrgbClr r="0" g="0" b="0"/>
-      </a:fillRef>
-      <a:effectRef idx="0">
-        <a:scrgbClr r="0" g="0" b="0"/>
-      </a:effectRef>
-      <a:fontRef idx="minor"/>
-    </dgm:style>
-  </dgm:styleLbl>
-  <dgm:styleLbl name="callout">
-    <dgm:scene3d>
-      <a:camera prst="orthographicFront"/>
-      <a:lightRig rig="threePt" dir="t"/>
-    </dgm:scene3d>
-    <dgm:sp3d/>
-    <dgm:txPr/>
-    <dgm:style>
-      <a:lnRef idx="2">
-        <a:scrgbClr r="0" g="0" b="0"/>
-      </a:lnRef>
-      <a:fillRef idx="1">
-        <a:scrgbClr r="0" g="0" b="0"/>
-      </a:fillRef>
-      <a:effectRef idx="0">
-        <a:scrgbClr r="0" g="0" b="0"/>
-      </a:effectRef>
-      <a:fontRef idx="minor"/>
-    </dgm:style>
-  </dgm:styleLbl>
-  <dgm:styleLbl name="asst0">
-    <dgm:scene3d>
-      <a:camera prst="orthographicFront"/>
-      <a:lightRig rig="threePt" dir="t"/>
-    </dgm:scene3d>
-    <dgm:sp3d/>
-    <dgm:txPr/>
-    <dgm:style>
-      <a:lnRef idx="2">
+      <a:lnRef idx="0">
         <a:scrgbClr r="0" g="0" b="0"/>
       </a:lnRef>
       <a:fillRef idx="1">
@@ -5718,15 +6620,17 @@
       </a:fontRef>
     </dgm:style>
   </dgm:styleLbl>
-  <dgm:styleLbl name="asst1">
+  <dgm:styleLbl name="asst2">
     <dgm:scene3d>
       <a:camera prst="orthographicFront"/>
-      <a:lightRig rig="threePt" dir="t"/>
+      <a:lightRig rig="chilly" dir="t"/>
     </dgm:scene3d>
-    <dgm:sp3d/>
+    <dgm:sp3d prstMaterial="translucentPowder">
+      <a:bevelT w="127000" h="25400" prst="softRound"/>
+    </dgm:sp3d>
     <dgm:txPr/>
     <dgm:style>
-      <a:lnRef idx="2">
+      <a:lnRef idx="0">
         <a:scrgbClr r="0" g="0" b="0"/>
       </a:lnRef>
       <a:fillRef idx="1">
@@ -5740,15 +6644,17 @@
       </a:fontRef>
     </dgm:style>
   </dgm:styleLbl>
-  <dgm:styleLbl name="asst2">
+  <dgm:styleLbl name="asst3">
     <dgm:scene3d>
       <a:camera prst="orthographicFront"/>
-      <a:lightRig rig="threePt" dir="t"/>
+      <a:lightRig rig="chilly" dir="t"/>
     </dgm:scene3d>
-    <dgm:sp3d/>
+    <dgm:sp3d prstMaterial="translucentPowder">
+      <a:bevelT w="127000" h="25400" prst="softRound"/>
+    </dgm:sp3d>
     <dgm:txPr/>
     <dgm:style>
-      <a:lnRef idx="2">
+      <a:lnRef idx="0">
         <a:scrgbClr r="0" g="0" b="0"/>
       </a:lnRef>
       <a:fillRef idx="1">
@@ -5762,15 +6668,258 @@
       </a:fontRef>
     </dgm:style>
   </dgm:styleLbl>
-  <dgm:styleLbl name="asst3">
+  <dgm:styleLbl name="parChTrans2D1">
+    <dgm:scene3d>
+      <a:camera prst="orthographicFront"/>
+      <a:lightRig rig="chilly" dir="t"/>
+    </dgm:scene3d>
+    <dgm:sp3d z="1700" extrusionH="1700" prstMaterial="translucentPowder">
+      <a:bevelT w="25400" h="6350" prst="softRound"/>
+      <a:bevelB w="0" h="0" prst="convex"/>
+    </dgm:sp3d>
+    <dgm:txPr/>
+    <dgm:style>
+      <a:lnRef idx="0">
+        <a:scrgbClr r="0" g="0" b="0"/>
+      </a:lnRef>
+      <a:fillRef idx="1">
+        <a:scrgbClr r="0" g="0" b="0"/>
+      </a:fillRef>
+      <a:effectRef idx="0">
+        <a:scrgbClr r="0" g="0" b="0"/>
+      </a:effectRef>
+      <a:fontRef idx="minor"/>
+    </dgm:style>
+  </dgm:styleLbl>
+  <dgm:styleLbl name="parChTrans2D2">
+    <dgm:scene3d>
+      <a:camera prst="orthographicFront"/>
+      <a:lightRig rig="chilly" dir="t"/>
+    </dgm:scene3d>
+    <dgm:sp3d z="1700" extrusionH="1700" prstMaterial="translucentPowder">
+      <a:bevelT w="25400" h="6350" prst="softRound"/>
+      <a:bevelB w="0" h="0" prst="convex"/>
+    </dgm:sp3d>
+    <dgm:txPr/>
+    <dgm:style>
+      <a:lnRef idx="0">
+        <a:scrgbClr r="0" g="0" b="0"/>
+      </a:lnRef>
+      <a:fillRef idx="1">
+        <a:scrgbClr r="0" g="0" b="0"/>
+      </a:fillRef>
+      <a:effectRef idx="0">
+        <a:scrgbClr r="0" g="0" b="0"/>
+      </a:effectRef>
+      <a:fontRef idx="minor"/>
+    </dgm:style>
+  </dgm:styleLbl>
+  <dgm:styleLbl name="parChTrans2D3">
+    <dgm:scene3d>
+      <a:camera prst="orthographicFront"/>
+      <a:lightRig rig="chilly" dir="t"/>
+    </dgm:scene3d>
+    <dgm:sp3d extrusionH="1700" prstMaterial="translucentPowder">
+      <a:bevelT w="25400" h="6350" prst="softRound"/>
+      <a:bevelB w="0" h="0" prst="convex"/>
+    </dgm:sp3d>
+    <dgm:txPr/>
+    <dgm:style>
+      <a:lnRef idx="0">
+        <a:scrgbClr r="0" g="0" b="0"/>
+      </a:lnRef>
+      <a:fillRef idx="1">
+        <a:scrgbClr r="0" g="0" b="0"/>
+      </a:fillRef>
+      <a:effectRef idx="0">
+        <a:scrgbClr r="0" g="0" b="0"/>
+      </a:effectRef>
+      <a:fontRef idx="minor"/>
+    </dgm:style>
+  </dgm:styleLbl>
+  <dgm:styleLbl name="parChTrans2D4">
+    <dgm:scene3d>
+      <a:camera prst="orthographicFront"/>
+      <a:lightRig rig="chilly" dir="t"/>
+    </dgm:scene3d>
+    <dgm:sp3d extrusionH="1700" prstMaterial="translucentPowder">
+      <a:bevelT w="25400" h="6350" prst="softRound"/>
+      <a:bevelB w="0" h="0" prst="convex"/>
+    </dgm:sp3d>
+    <dgm:txPr/>
+    <dgm:style>
+      <a:lnRef idx="0">
+        <a:scrgbClr r="0" g="0" b="0"/>
+      </a:lnRef>
+      <a:fillRef idx="1">
+        <a:scrgbClr r="0" g="0" b="0"/>
+      </a:fillRef>
+      <a:effectRef idx="0">
+        <a:scrgbClr r="0" g="0" b="0"/>
+      </a:effectRef>
+      <a:fontRef idx="minor"/>
+    </dgm:style>
+  </dgm:styleLbl>
+  <dgm:styleLbl name="parChTrans1D1">
+    <dgm:scene3d>
+      <a:camera prst="orthographicFront"/>
+      <a:lightRig rig="chilly" dir="t"/>
+    </dgm:scene3d>
+    <dgm:sp3d z="-40000" prstMaterial="matte"/>
+    <dgm:txPr/>
+    <dgm:style>
+      <a:lnRef idx="2">
+        <a:scrgbClr r="0" g="0" b="0"/>
+      </a:lnRef>
+      <a:fillRef idx="0">
+        <a:scrgbClr r="0" g="0" b="0"/>
+      </a:fillRef>
+      <a:effectRef idx="0">
+        <a:scrgbClr r="0" g="0" b="0"/>
+      </a:effectRef>
+      <a:fontRef idx="minor"/>
+    </dgm:style>
+  </dgm:styleLbl>
+  <dgm:styleLbl name="parChTrans1D2">
     <dgm:scene3d>
       <a:camera prst="orthographicFront"/>
       <a:lightRig rig="threePt" dir="t"/>
     </dgm:scene3d>
-    <dgm:sp3d/>
+    <dgm:sp3d z="-40000" prstMaterial="matte"/>
     <dgm:txPr/>
     <dgm:style>
       <a:lnRef idx="2">
+        <a:scrgbClr r="0" g="0" b="0"/>
+      </a:lnRef>
+      <a:fillRef idx="0">
+        <a:scrgbClr r="0" g="0" b="0"/>
+      </a:fillRef>
+      <a:effectRef idx="0">
+        <a:scrgbClr r="0" g="0" b="0"/>
+      </a:effectRef>
+      <a:fontRef idx="minor"/>
+    </dgm:style>
+  </dgm:styleLbl>
+  <dgm:styleLbl name="parChTrans1D3">
+    <dgm:scene3d>
+      <a:camera prst="orthographicFront"/>
+      <a:lightRig rig="chilly" dir="t"/>
+    </dgm:scene3d>
+    <dgm:sp3d z="-40000" prstMaterial="matte"/>
+    <dgm:txPr/>
+    <dgm:style>
+      <a:lnRef idx="2">
+        <a:scrgbClr r="0" g="0" b="0"/>
+      </a:lnRef>
+      <a:fillRef idx="0">
+        <a:scrgbClr r="0" g="0" b="0"/>
+      </a:fillRef>
+      <a:effectRef idx="0">
+        <a:scrgbClr r="0" g="0" b="0"/>
+      </a:effectRef>
+      <a:fontRef idx="minor"/>
+    </dgm:style>
+  </dgm:styleLbl>
+  <dgm:styleLbl name="parChTrans1D4">
+    <dgm:scene3d>
+      <a:camera prst="orthographicFront"/>
+      <a:lightRig rig="chilly" dir="t"/>
+    </dgm:scene3d>
+    <dgm:sp3d z="-40000" prstMaterial="matte"/>
+    <dgm:txPr/>
+    <dgm:style>
+      <a:lnRef idx="2">
+        <a:scrgbClr r="0" g="0" b="0"/>
+      </a:lnRef>
+      <a:fillRef idx="0">
+        <a:scrgbClr r="0" g="0" b="0"/>
+      </a:fillRef>
+      <a:effectRef idx="0">
+        <a:scrgbClr r="0" g="0" b="0"/>
+      </a:effectRef>
+      <a:fontRef idx="minor"/>
+    </dgm:style>
+  </dgm:styleLbl>
+  <dgm:styleLbl name="fgAcc1">
+    <dgm:scene3d>
+      <a:camera prst="orthographicFront"/>
+      <a:lightRig rig="chilly" dir="t"/>
+    </dgm:scene3d>
+    <dgm:sp3d z="12700" extrusionH="1700" prstMaterial="dkEdge">
+      <a:bevelT w="25400" h="6350" prst="softRound"/>
+      <a:bevelB w="0" h="0" prst="convex"/>
+    </dgm:sp3d>
+    <dgm:txPr/>
+    <dgm:style>
+      <a:lnRef idx="1">
+        <a:scrgbClr r="0" g="0" b="0"/>
+      </a:lnRef>
+      <a:fillRef idx="1">
+        <a:scrgbClr r="0" g="0" b="0"/>
+      </a:fillRef>
+      <a:effectRef idx="0">
+        <a:scrgbClr r="0" g="0" b="0"/>
+      </a:effectRef>
+      <a:fontRef idx="minor"/>
+    </dgm:style>
+  </dgm:styleLbl>
+  <dgm:styleLbl name="conFgAcc1">
+    <dgm:scene3d>
+      <a:camera prst="orthographicFront"/>
+      <a:lightRig rig="chilly" dir="t"/>
+    </dgm:scene3d>
+    <dgm:sp3d z="12700" extrusionH="1700" prstMaterial="dkEdge">
+      <a:bevelT w="25400" h="6350" prst="softRound"/>
+      <a:bevelB w="0" h="0" prst="convex"/>
+    </dgm:sp3d>
+    <dgm:txPr/>
+    <dgm:style>
+      <a:lnRef idx="1">
+        <a:scrgbClr r="0" g="0" b="0"/>
+      </a:lnRef>
+      <a:fillRef idx="1">
+        <a:scrgbClr r="0" g="0" b="0"/>
+      </a:fillRef>
+      <a:effectRef idx="0">
+        <a:scrgbClr r="0" g="0" b="0"/>
+      </a:effectRef>
+      <a:fontRef idx="minor"/>
+    </dgm:style>
+  </dgm:styleLbl>
+  <dgm:styleLbl name="alignAcc1">
+    <dgm:scene3d>
+      <a:camera prst="orthographicFront"/>
+      <a:lightRig rig="chilly" dir="t"/>
+    </dgm:scene3d>
+    <dgm:sp3d prstMaterial="dkEdge">
+      <a:bevelT w="25400" h="6350" prst="softRound"/>
+      <a:bevelB w="0" h="0" prst="convex"/>
+    </dgm:sp3d>
+    <dgm:txPr/>
+    <dgm:style>
+      <a:lnRef idx="1">
+        <a:scrgbClr r="0" g="0" b="0"/>
+      </a:lnRef>
+      <a:fillRef idx="1">
+        <a:scrgbClr r="0" g="0" b="0"/>
+      </a:fillRef>
+      <a:effectRef idx="0">
+        <a:scrgbClr r="0" g="0" b="0"/>
+      </a:effectRef>
+      <a:fontRef idx="minor"/>
+    </dgm:style>
+  </dgm:styleLbl>
+  <dgm:styleLbl name="trAlignAcc1">
+    <dgm:scene3d>
+      <a:camera prst="orthographicFront"/>
+      <a:lightRig rig="chilly" dir="t"/>
+    </dgm:scene3d>
+    <dgm:sp3d prstMaterial="dkEdge">
+      <a:bevelT w="127000" h="25400"/>
+    </dgm:sp3d>
+    <dgm:txPr/>
+    <dgm:style>
+      <a:lnRef idx="1">
         <a:scrgbClr r="0" g="0" b="0"/>
       </a:lnRef>
       <a:fillRef idx="1">
@@ -5784,128 +6933,21 @@
       </a:fontRef>
     </dgm:style>
   </dgm:styleLbl>
-  <dgm:styleLbl name="asst4">
+  <dgm:styleLbl name="bgAcc1">
     <dgm:scene3d>
       <a:camera prst="orthographicFront"/>
-      <a:lightRig rig="threePt" dir="t"/>
+      <a:lightRig rig="chilly" dir="t"/>
     </dgm:scene3d>
-    <dgm:sp3d/>
+    <dgm:sp3d z="-12700" extrusionH="1700" prstMaterial="dkEdge">
+      <a:bevelT w="25400" h="6350" prst="softRound"/>
+      <a:bevelB w="0" h="0" prst="convex"/>
+    </dgm:sp3d>
     <dgm:txPr/>
     <dgm:style>
-      <a:lnRef idx="2">
+      <a:lnRef idx="1">
         <a:scrgbClr r="0" g="0" b="0"/>
       </a:lnRef>
       <a:fillRef idx="1">
-        <a:scrgbClr r="0" g="0" b="0"/>
-      </a:fillRef>
-      <a:effectRef idx="0">
-        <a:scrgbClr r="0" g="0" b="0"/>
-      </a:effectRef>
-      <a:fontRef idx="minor">
-        <a:schemeClr val="lt1"/>
-      </a:fontRef>
-    </dgm:style>
-  </dgm:styleLbl>
-  <dgm:styleLbl name="parChTrans2D1">
-    <dgm:scene3d>
-      <a:camera prst="orthographicFront"/>
-      <a:lightRig rig="threePt" dir="t"/>
-    </dgm:scene3d>
-    <dgm:sp3d/>
-    <dgm:txPr/>
-    <dgm:style>
-      <a:lnRef idx="2">
-        <a:scrgbClr r="0" g="0" b="0"/>
-      </a:lnRef>
-      <a:fillRef idx="1">
-        <a:scrgbClr r="0" g="0" b="0"/>
-      </a:fillRef>
-      <a:effectRef idx="0">
-        <a:scrgbClr r="0" g="0" b="0"/>
-      </a:effectRef>
-      <a:fontRef idx="minor">
-        <a:schemeClr val="lt1"/>
-      </a:fontRef>
-    </dgm:style>
-  </dgm:styleLbl>
-  <dgm:styleLbl name="parChTrans2D2">
-    <dgm:scene3d>
-      <a:camera prst="orthographicFront"/>
-      <a:lightRig rig="threePt" dir="t"/>
-    </dgm:scene3d>
-    <dgm:sp3d/>
-    <dgm:txPr/>
-    <dgm:style>
-      <a:lnRef idx="2">
-        <a:scrgbClr r="0" g="0" b="0"/>
-      </a:lnRef>
-      <a:fillRef idx="1">
-        <a:scrgbClr r="0" g="0" b="0"/>
-      </a:fillRef>
-      <a:effectRef idx="0">
-        <a:scrgbClr r="0" g="0" b="0"/>
-      </a:effectRef>
-      <a:fontRef idx="minor">
-        <a:schemeClr val="lt1"/>
-      </a:fontRef>
-    </dgm:style>
-  </dgm:styleLbl>
-  <dgm:styleLbl name="parChTrans2D3">
-    <dgm:scene3d>
-      <a:camera prst="orthographicFront"/>
-      <a:lightRig rig="threePt" dir="t"/>
-    </dgm:scene3d>
-    <dgm:sp3d/>
-    <dgm:txPr/>
-    <dgm:style>
-      <a:lnRef idx="2">
-        <a:scrgbClr r="0" g="0" b="0"/>
-      </a:lnRef>
-      <a:fillRef idx="1">
-        <a:scrgbClr r="0" g="0" b="0"/>
-      </a:fillRef>
-      <a:effectRef idx="0">
-        <a:scrgbClr r="0" g="0" b="0"/>
-      </a:effectRef>
-      <a:fontRef idx="minor">
-        <a:schemeClr val="lt1"/>
-      </a:fontRef>
-    </dgm:style>
-  </dgm:styleLbl>
-  <dgm:styleLbl name="parChTrans2D4">
-    <dgm:scene3d>
-      <a:camera prst="orthographicFront"/>
-      <a:lightRig rig="threePt" dir="t"/>
-    </dgm:scene3d>
-    <dgm:sp3d/>
-    <dgm:txPr/>
-    <dgm:style>
-      <a:lnRef idx="2">
-        <a:scrgbClr r="0" g="0" b="0"/>
-      </a:lnRef>
-      <a:fillRef idx="1">
-        <a:scrgbClr r="0" g="0" b="0"/>
-      </a:fillRef>
-      <a:effectRef idx="0">
-        <a:scrgbClr r="0" g="0" b="0"/>
-      </a:effectRef>
-      <a:fontRef idx="minor">
-        <a:schemeClr val="lt1"/>
-      </a:fontRef>
-    </dgm:style>
-  </dgm:styleLbl>
-  <dgm:styleLbl name="parChTrans1D1">
-    <dgm:scene3d>
-      <a:camera prst="orthographicFront"/>
-      <a:lightRig rig="threePt" dir="t"/>
-    </dgm:scene3d>
-    <dgm:sp3d/>
-    <dgm:txPr/>
-    <dgm:style>
-      <a:lnRef idx="2">
-        <a:scrgbClr r="0" g="0" b="0"/>
-      </a:lnRef>
-      <a:fillRef idx="0">
         <a:scrgbClr r="0" g="0" b="0"/>
       </a:fillRef>
       <a:effectRef idx="0">
@@ -5914,18 +6956,21 @@
       <a:fontRef idx="minor"/>
     </dgm:style>
   </dgm:styleLbl>
-  <dgm:styleLbl name="parChTrans1D2">
+  <dgm:styleLbl name="solidFgAcc1">
     <dgm:scene3d>
       <a:camera prst="orthographicFront"/>
-      <a:lightRig rig="threePt" dir="t"/>
+      <a:lightRig rig="chilly" dir="t"/>
     </dgm:scene3d>
-    <dgm:sp3d/>
+    <dgm:sp3d z="12700" extrusionH="1700" prstMaterial="dkEdge">
+      <a:bevelT w="25400" h="6350" prst="softRound"/>
+      <a:bevelB w="0" h="0" prst="convex"/>
+    </dgm:sp3d>
     <dgm:txPr/>
     <dgm:style>
-      <a:lnRef idx="2">
+      <a:lnRef idx="1">
         <a:scrgbClr r="0" g="0" b="0"/>
       </a:lnRef>
-      <a:fillRef idx="0">
+      <a:fillRef idx="1">
         <a:scrgbClr r="0" g="0" b="0"/>
       </a:fillRef>
       <a:effectRef idx="0">
@@ -5934,18 +6979,21 @@
       <a:fontRef idx="minor"/>
     </dgm:style>
   </dgm:styleLbl>
-  <dgm:styleLbl name="parChTrans1D3">
+  <dgm:styleLbl name="solidAlignAcc1">
     <dgm:scene3d>
       <a:camera prst="orthographicFront"/>
-      <a:lightRig rig="threePt" dir="t"/>
+      <a:lightRig rig="chilly" dir="t"/>
     </dgm:scene3d>
-    <dgm:sp3d/>
+    <dgm:sp3d extrusionH="1700" prstMaterial="dkEdge">
+      <a:bevelT w="25400" h="6350" prst="softRound"/>
+      <a:bevelB w="0" h="0" prst="convex"/>
+    </dgm:sp3d>
     <dgm:txPr/>
     <dgm:style>
-      <a:lnRef idx="2">
+      <a:lnRef idx="1">
         <a:scrgbClr r="0" g="0" b="0"/>
       </a:lnRef>
-      <a:fillRef idx="0">
+      <a:fillRef idx="1">
         <a:scrgbClr r="0" g="0" b="0"/>
       </a:fillRef>
       <a:effectRef idx="0">
@@ -5954,18 +7002,21 @@
       <a:fontRef idx="minor"/>
     </dgm:style>
   </dgm:styleLbl>
-  <dgm:styleLbl name="parChTrans1D4">
+  <dgm:styleLbl name="solidBgAcc1">
     <dgm:scene3d>
       <a:camera prst="orthographicFront"/>
-      <a:lightRig rig="threePt" dir="t"/>
+      <a:lightRig rig="chilly" dir="t"/>
     </dgm:scene3d>
-    <dgm:sp3d/>
+    <dgm:sp3d z="-12700" extrusionH="1700" prstMaterial="dkEdge">
+      <a:bevelT w="25400" h="6350" prst="softRound"/>
+      <a:bevelB w="0" h="0" prst="convex"/>
+    </dgm:sp3d>
     <dgm:txPr/>
     <dgm:style>
-      <a:lnRef idx="2">
+      <a:lnRef idx="1">
         <a:scrgbClr r="0" g="0" b="0"/>
       </a:lnRef>
-      <a:fillRef idx="0">
+      <a:fillRef idx="1">
         <a:scrgbClr r="0" g="0" b="0"/>
       </a:fillRef>
       <a:effectRef idx="0">
@@ -5974,15 +7025,18 @@
       <a:fontRef idx="minor"/>
     </dgm:style>
   </dgm:styleLbl>
-  <dgm:styleLbl name="fgAcc1">
+  <dgm:styleLbl name="fgAccFollowNode1">
     <dgm:scene3d>
       <a:camera prst="orthographicFront"/>
-      <a:lightRig rig="threePt" dir="t"/>
+      <a:lightRig rig="chilly" dir="t"/>
     </dgm:scene3d>
-    <dgm:sp3d/>
+    <dgm:sp3d z="12700" extrusionH="1700" prstMaterial="dkEdge">
+      <a:bevelT w="25400" h="6350" prst="softRound"/>
+      <a:bevelB w="0" h="0" prst="convex"/>
+    </dgm:sp3d>
     <dgm:txPr/>
     <dgm:style>
-      <a:lnRef idx="2">
+      <a:lnRef idx="1">
         <a:scrgbClr r="0" g="0" b="0"/>
       </a:lnRef>
       <a:fillRef idx="1">
@@ -5994,15 +7048,18 @@
       <a:fontRef idx="minor"/>
     </dgm:style>
   </dgm:styleLbl>
-  <dgm:styleLbl name="conFgAcc1">
+  <dgm:styleLbl name="alignAccFollowNode1">
     <dgm:scene3d>
       <a:camera prst="orthographicFront"/>
-      <a:lightRig rig="threePt" dir="t"/>
+      <a:lightRig rig="chilly" dir="t"/>
     </dgm:scene3d>
-    <dgm:sp3d/>
+    <dgm:sp3d extrusionH="1700" prstMaterial="dkEdge">
+      <a:bevelT w="25400" h="6350" prst="softRound"/>
+      <a:bevelB w="0" h="0" prst="convex"/>
+    </dgm:sp3d>
     <dgm:txPr/>
     <dgm:style>
-      <a:lnRef idx="2">
+      <a:lnRef idx="1">
         <a:scrgbClr r="0" g="0" b="0"/>
       </a:lnRef>
       <a:fillRef idx="1">
@@ -6014,15 +7071,18 @@
       <a:fontRef idx="minor"/>
     </dgm:style>
   </dgm:styleLbl>
-  <dgm:styleLbl name="alignAcc1">
+  <dgm:styleLbl name="bgAccFollowNode1">
     <dgm:scene3d>
       <a:camera prst="orthographicFront"/>
-      <a:lightRig rig="threePt" dir="t"/>
+      <a:lightRig rig="chilly" dir="t"/>
     </dgm:scene3d>
-    <dgm:sp3d/>
+    <dgm:sp3d z="-12700" extrusionH="1700" prstMaterial="dkEdge">
+      <a:bevelT w="25400" h="6350" prst="softRound"/>
+      <a:bevelB w="0" h="0" prst="convex"/>
+    </dgm:sp3d>
     <dgm:txPr/>
     <dgm:style>
-      <a:lnRef idx="2">
+      <a:lnRef idx="1">
         <a:scrgbClr r="0" g="0" b="0"/>
       </a:lnRef>
       <a:fillRef idx="1">
@@ -6034,12 +7094,15 @@
       <a:fontRef idx="minor"/>
     </dgm:style>
   </dgm:styleLbl>
-  <dgm:styleLbl name="trAlignAcc1">
+  <dgm:styleLbl name="fgAcc0">
     <dgm:scene3d>
       <a:camera prst="orthographicFront"/>
-      <a:lightRig rig="threePt" dir="t"/>
+      <a:lightRig rig="chilly" dir="t"/>
     </dgm:scene3d>
-    <dgm:sp3d/>
+    <dgm:sp3d z="12700" extrusionH="1700" prstMaterial="dkEdge">
+      <a:bevelT w="25400" h="6350" prst="softRound"/>
+      <a:bevelB w="0" h="0" prst="convex"/>
+    </dgm:sp3d>
     <dgm:txPr/>
     <dgm:style>
       <a:lnRef idx="1">
@@ -6054,15 +7117,18 @@
       <a:fontRef idx="minor"/>
     </dgm:style>
   </dgm:styleLbl>
-  <dgm:styleLbl name="bgAcc1">
+  <dgm:styleLbl name="fgAcc2">
     <dgm:scene3d>
       <a:camera prst="orthographicFront"/>
-      <a:lightRig rig="threePt" dir="t"/>
+      <a:lightRig rig="chilly" dir="t"/>
     </dgm:scene3d>
-    <dgm:sp3d/>
+    <dgm:sp3d z="12700" extrusionH="1700" prstMaterial="dkEdge">
+      <a:bevelT w="25400" h="6350" prst="softRound"/>
+      <a:bevelB w="0" h="0" prst="convex"/>
+    </dgm:sp3d>
     <dgm:txPr/>
     <dgm:style>
-      <a:lnRef idx="2">
+      <a:lnRef idx="1">
         <a:scrgbClr r="0" g="0" b="0"/>
       </a:lnRef>
       <a:fillRef idx="1">
@@ -6074,15 +7140,18 @@
       <a:fontRef idx="minor"/>
     </dgm:style>
   </dgm:styleLbl>
-  <dgm:styleLbl name="solidFgAcc1">
+  <dgm:styleLbl name="fgAcc3">
     <dgm:scene3d>
       <a:camera prst="orthographicFront"/>
-      <a:lightRig rig="threePt" dir="t"/>
+      <a:lightRig rig="chilly" dir="t"/>
     </dgm:scene3d>
-    <dgm:sp3d/>
+    <dgm:sp3d z="12700" extrusionH="1700" prstMaterial="dkEdge">
+      <a:bevelT w="25400" h="6350" prst="softRound"/>
+      <a:bevelB w="0" h="0" prst="convex"/>
+    </dgm:sp3d>
     <dgm:txPr/>
     <dgm:style>
-      <a:lnRef idx="2">
+      <a:lnRef idx="1">
         <a:scrgbClr r="0" g="0" b="0"/>
       </a:lnRef>
       <a:fillRef idx="1">
@@ -6094,15 +7163,18 @@
       <a:fontRef idx="minor"/>
     </dgm:style>
   </dgm:styleLbl>
-  <dgm:styleLbl name="solidAlignAcc1">
+  <dgm:styleLbl name="fgAcc4">
     <dgm:scene3d>
       <a:camera prst="orthographicFront"/>
-      <a:lightRig rig="threePt" dir="t"/>
+      <a:lightRig rig="chilly" dir="t"/>
     </dgm:scene3d>
-    <dgm:sp3d/>
+    <dgm:sp3d z="12700" extrusionH="1700" prstMaterial="dkEdge">
+      <a:bevelT w="25400" h="6350" prst="softRound"/>
+      <a:bevelB w="0" h="0" prst="convex"/>
+    </dgm:sp3d>
     <dgm:txPr/>
     <dgm:style>
-      <a:lnRef idx="2">
+      <a:lnRef idx="1">
         <a:scrgbClr r="0" g="0" b="0"/>
       </a:lnRef>
       <a:fillRef idx="1">
@@ -6114,15 +7186,18 @@
       <a:fontRef idx="minor"/>
     </dgm:style>
   </dgm:styleLbl>
-  <dgm:styleLbl name="solidBgAcc1">
+  <dgm:styleLbl name="bgShp">
     <dgm:scene3d>
       <a:camera prst="orthographicFront"/>
-      <a:lightRig rig="threePt" dir="t"/>
+      <a:lightRig rig="chilly" dir="t"/>
     </dgm:scene3d>
-    <dgm:sp3d/>
+    <dgm:sp3d z="-12700" extrusionH="1700" prstMaterial="translucentPowder">
+      <a:bevelT w="25400" h="6350" prst="softRound"/>
+      <a:bevelB w="0" h="0" prst="convex"/>
+    </dgm:sp3d>
     <dgm:txPr/>
     <dgm:style>
-      <a:lnRef idx="2">
+      <a:lnRef idx="0">
         <a:scrgbClr r="0" g="0" b="0"/>
       </a:lnRef>
       <a:fillRef idx="1">
@@ -6134,15 +7209,18 @@
       <a:fontRef idx="minor"/>
     </dgm:style>
   </dgm:styleLbl>
-  <dgm:styleLbl name="fgAccFollowNode1">
+  <dgm:styleLbl name="dkBgShp">
     <dgm:scene3d>
       <a:camera prst="orthographicFront"/>
-      <a:lightRig rig="threePt" dir="t"/>
+      <a:lightRig rig="chilly" dir="t"/>
     </dgm:scene3d>
-    <dgm:sp3d/>
+    <dgm:sp3d extrusionH="1700" prstMaterial="translucentPowder">
+      <a:bevelT w="25400" h="6350" prst="softRound"/>
+      <a:bevelB w="0" h="0" prst="convex"/>
+    </dgm:sp3d>
     <dgm:txPr/>
     <dgm:style>
-      <a:lnRef idx="2">
+      <a:lnRef idx="0">
         <a:scrgbClr r="0" g="0" b="0"/>
       </a:lnRef>
       <a:fillRef idx="1">
@@ -6154,15 +7232,15 @@
       <a:fontRef idx="minor"/>
     </dgm:style>
   </dgm:styleLbl>
-  <dgm:styleLbl name="alignAccFollowNode1">
+  <dgm:styleLbl name="trBgShp">
     <dgm:scene3d>
       <a:camera prst="orthographicFront"/>
-      <a:lightRig rig="threePt" dir="t"/>
+      <a:lightRig rig="chilly" dir="t"/>
     </dgm:scene3d>
-    <dgm:sp3d/>
+    <dgm:sp3d z="-152400" prstMaterial="matte"/>
     <dgm:txPr/>
     <dgm:style>
-      <a:lnRef idx="2">
+      <a:lnRef idx="0">
         <a:scrgbClr r="0" g="0" b="0"/>
       </a:lnRef>
       <a:fillRef idx="1">
@@ -6174,175 +7252,18 @@
       <a:fontRef idx="minor"/>
     </dgm:style>
   </dgm:styleLbl>
-  <dgm:styleLbl name="bgAccFollowNode1">
+  <dgm:styleLbl name="fgShp">
     <dgm:scene3d>
       <a:camera prst="orthographicFront"/>
-      <a:lightRig rig="threePt" dir="t"/>
+      <a:lightRig rig="chilly" dir="t"/>
     </dgm:scene3d>
-    <dgm:sp3d/>
-    <dgm:txPr/>
-    <dgm:style>
-      <a:lnRef idx="2">
-        <a:scrgbClr r="0" g="0" b="0"/>
-      </a:lnRef>
-      <a:fillRef idx="1">
-        <a:scrgbClr r="0" g="0" b="0"/>
-      </a:fillRef>
-      <a:effectRef idx="0">
-        <a:scrgbClr r="0" g="0" b="0"/>
-      </a:effectRef>
-      <a:fontRef idx="minor"/>
-    </dgm:style>
-  </dgm:styleLbl>
-  <dgm:styleLbl name="fgAcc0">
-    <dgm:scene3d>
-      <a:camera prst="orthographicFront"/>
-      <a:lightRig rig="threePt" dir="t"/>
-    </dgm:scene3d>
-    <dgm:sp3d/>
-    <dgm:txPr/>
-    <dgm:style>
-      <a:lnRef idx="2">
-        <a:scrgbClr r="0" g="0" b="0"/>
-      </a:lnRef>
-      <a:fillRef idx="1">
-        <a:scrgbClr r="0" g="0" b="0"/>
-      </a:fillRef>
-      <a:effectRef idx="0">
-        <a:scrgbClr r="0" g="0" b="0"/>
-      </a:effectRef>
-      <a:fontRef idx="minor"/>
-    </dgm:style>
-  </dgm:styleLbl>
-  <dgm:styleLbl name="fgAcc2">
-    <dgm:scene3d>
-      <a:camera prst="orthographicFront"/>
-      <a:lightRig rig="threePt" dir="t"/>
-    </dgm:scene3d>
-    <dgm:sp3d/>
-    <dgm:txPr/>
-    <dgm:style>
-      <a:lnRef idx="2">
-        <a:scrgbClr r="0" g="0" b="0"/>
-      </a:lnRef>
-      <a:fillRef idx="1">
-        <a:scrgbClr r="0" g="0" b="0"/>
-      </a:fillRef>
-      <a:effectRef idx="0">
-        <a:scrgbClr r="0" g="0" b="0"/>
-      </a:effectRef>
-      <a:fontRef idx="minor"/>
-    </dgm:style>
-  </dgm:styleLbl>
-  <dgm:styleLbl name="fgAcc3">
-    <dgm:scene3d>
-      <a:camera prst="orthographicFront"/>
-      <a:lightRig rig="threePt" dir="t"/>
-    </dgm:scene3d>
-    <dgm:sp3d/>
-    <dgm:txPr/>
-    <dgm:style>
-      <a:lnRef idx="2">
-        <a:scrgbClr r="0" g="0" b="0"/>
-      </a:lnRef>
-      <a:fillRef idx="1">
-        <a:scrgbClr r="0" g="0" b="0"/>
-      </a:fillRef>
-      <a:effectRef idx="0">
-        <a:scrgbClr r="0" g="0" b="0"/>
-      </a:effectRef>
-      <a:fontRef idx="minor"/>
-    </dgm:style>
-  </dgm:styleLbl>
-  <dgm:styleLbl name="fgAcc4">
-    <dgm:scene3d>
-      <a:camera prst="orthographicFront"/>
-      <a:lightRig rig="threePt" dir="t"/>
-    </dgm:scene3d>
-    <dgm:sp3d/>
-    <dgm:txPr/>
-    <dgm:style>
-      <a:lnRef idx="2">
-        <a:scrgbClr r="0" g="0" b="0"/>
-      </a:lnRef>
-      <a:fillRef idx="1">
-        <a:scrgbClr r="0" g="0" b="0"/>
-      </a:fillRef>
-      <a:effectRef idx="0">
-        <a:scrgbClr r="0" g="0" b="0"/>
-      </a:effectRef>
-      <a:fontRef idx="minor"/>
-    </dgm:style>
-  </dgm:styleLbl>
-  <dgm:styleLbl name="bgShp">
-    <dgm:scene3d>
-      <a:camera prst="orthographicFront"/>
-      <a:lightRig rig="threePt" dir="t"/>
-    </dgm:scene3d>
-    <dgm:sp3d/>
+    <dgm:sp3d z="12700" extrusionH="1700" prstMaterial="translucentPowder">
+      <a:bevelT w="25400" h="6350" prst="softRound"/>
+      <a:bevelB w="0" h="0" prst="convex"/>
+    </dgm:sp3d>
     <dgm:txPr/>
     <dgm:style>
       <a:lnRef idx="0">
-        <a:scrgbClr r="0" g="0" b="0"/>
-      </a:lnRef>
-      <a:fillRef idx="1">
-        <a:scrgbClr r="0" g="0" b="0"/>
-      </a:fillRef>
-      <a:effectRef idx="0">
-        <a:scrgbClr r="0" g="0" b="0"/>
-      </a:effectRef>
-      <a:fontRef idx="minor"/>
-    </dgm:style>
-  </dgm:styleLbl>
-  <dgm:styleLbl name="dkBgShp">
-    <dgm:scene3d>
-      <a:camera prst="orthographicFront"/>
-      <a:lightRig rig="threePt" dir="t"/>
-    </dgm:scene3d>
-    <dgm:sp3d/>
-    <dgm:txPr/>
-    <dgm:style>
-      <a:lnRef idx="0">
-        <a:scrgbClr r="0" g="0" b="0"/>
-      </a:lnRef>
-      <a:fillRef idx="1">
-        <a:scrgbClr r="0" g="0" b="0"/>
-      </a:fillRef>
-      <a:effectRef idx="0">
-        <a:scrgbClr r="0" g="0" b="0"/>
-      </a:effectRef>
-      <a:fontRef idx="minor"/>
-    </dgm:style>
-  </dgm:styleLbl>
-  <dgm:styleLbl name="trBgShp">
-    <dgm:scene3d>
-      <a:camera prst="orthographicFront"/>
-      <a:lightRig rig="threePt" dir="t"/>
-    </dgm:scene3d>
-    <dgm:sp3d/>
-    <dgm:txPr/>
-    <dgm:style>
-      <a:lnRef idx="0">
-        <a:scrgbClr r="0" g="0" b="0"/>
-      </a:lnRef>
-      <a:fillRef idx="1">
-        <a:scrgbClr r="0" g="0" b="0"/>
-      </a:fillRef>
-      <a:effectRef idx="0">
-        <a:scrgbClr r="0" g="0" b="0"/>
-      </a:effectRef>
-      <a:fontRef idx="minor"/>
-    </dgm:style>
-  </dgm:styleLbl>
-  <dgm:styleLbl name="fgShp">
-    <dgm:scene3d>
-      <a:camera prst="orthographicFront"/>
-      <a:lightRig rig="threePt" dir="t"/>
-    </dgm:scene3d>
-    <dgm:sp3d/>
-    <dgm:txPr/>
-    <dgm:style>
-      <a:lnRef idx="2">
         <a:scrgbClr r="0" g="0" b="0"/>
       </a:lnRef>
       <a:fillRef idx="1">
@@ -6524,7 +7445,7 @@
           <a:p>
             <a:fld id="{2743EB9B-2488-4718-BE68-8707A217D453}" type="datetimeFigureOut">
               <a:rPr lang="en-US" smtClean="0"/>
-              <a:t>6/9/2021</a:t>
+              <a:t>6/10/2021</a:t>
             </a:fld>
             <a:endParaRPr lang="en-US"/>
           </a:p>
@@ -6722,7 +7643,7 @@
           <a:p>
             <a:fld id="{2743EB9B-2488-4718-BE68-8707A217D453}" type="datetimeFigureOut">
               <a:rPr lang="en-US" smtClean="0"/>
-              <a:t>6/9/2021</a:t>
+              <a:t>6/10/2021</a:t>
             </a:fld>
             <a:endParaRPr lang="en-US"/>
           </a:p>
@@ -6930,7 +7851,7 @@
           <a:p>
             <a:fld id="{2743EB9B-2488-4718-BE68-8707A217D453}" type="datetimeFigureOut">
               <a:rPr lang="en-US" smtClean="0"/>
-              <a:t>6/9/2021</a:t>
+              <a:t>6/10/2021</a:t>
             </a:fld>
             <a:endParaRPr lang="en-US"/>
           </a:p>
@@ -7128,7 +8049,7 @@
           <a:p>
             <a:fld id="{2743EB9B-2488-4718-BE68-8707A217D453}" type="datetimeFigureOut">
               <a:rPr lang="en-US" smtClean="0"/>
-              <a:t>6/9/2021</a:t>
+              <a:t>6/10/2021</a:t>
             </a:fld>
             <a:endParaRPr lang="en-US"/>
           </a:p>
@@ -7403,7 +8324,7 @@
           <a:p>
             <a:fld id="{2743EB9B-2488-4718-BE68-8707A217D453}" type="datetimeFigureOut">
               <a:rPr lang="en-US" smtClean="0"/>
-              <a:t>6/9/2021</a:t>
+              <a:t>6/10/2021</a:t>
             </a:fld>
             <a:endParaRPr lang="en-US"/>
           </a:p>
@@ -7668,7 +8589,7 @@
           <a:p>
             <a:fld id="{2743EB9B-2488-4718-BE68-8707A217D453}" type="datetimeFigureOut">
               <a:rPr lang="en-US" smtClean="0"/>
-              <a:t>6/9/2021</a:t>
+              <a:t>6/10/2021</a:t>
             </a:fld>
             <a:endParaRPr lang="en-US"/>
           </a:p>
@@ -8080,7 +9001,7 @@
           <a:p>
             <a:fld id="{2743EB9B-2488-4718-BE68-8707A217D453}" type="datetimeFigureOut">
               <a:rPr lang="en-US" smtClean="0"/>
-              <a:t>6/9/2021</a:t>
+              <a:t>6/10/2021</a:t>
             </a:fld>
             <a:endParaRPr lang="en-US"/>
           </a:p>
@@ -8221,7 +9142,7 @@
           <a:p>
             <a:fld id="{2743EB9B-2488-4718-BE68-8707A217D453}" type="datetimeFigureOut">
               <a:rPr lang="en-US" smtClean="0"/>
-              <a:t>6/9/2021</a:t>
+              <a:t>6/10/2021</a:t>
             </a:fld>
             <a:endParaRPr lang="en-US"/>
           </a:p>
@@ -8334,7 +9255,7 @@
           <a:p>
             <a:fld id="{2743EB9B-2488-4718-BE68-8707A217D453}" type="datetimeFigureOut">
               <a:rPr lang="en-US" smtClean="0"/>
-              <a:t>6/9/2021</a:t>
+              <a:t>6/10/2021</a:t>
             </a:fld>
             <a:endParaRPr lang="en-US"/>
           </a:p>
@@ -8645,7 +9566,7 @@
           <a:p>
             <a:fld id="{2743EB9B-2488-4718-BE68-8707A217D453}" type="datetimeFigureOut">
               <a:rPr lang="en-US" smtClean="0"/>
-              <a:t>6/9/2021</a:t>
+              <a:t>6/10/2021</a:t>
             </a:fld>
             <a:endParaRPr lang="en-US"/>
           </a:p>
@@ -8933,7 +9854,7 @@
           <a:p>
             <a:fld id="{2743EB9B-2488-4718-BE68-8707A217D453}" type="datetimeFigureOut">
               <a:rPr lang="en-US" smtClean="0"/>
-              <a:t>6/9/2021</a:t>
+              <a:t>6/10/2021</a:t>
             </a:fld>
             <a:endParaRPr lang="en-US"/>
           </a:p>
@@ -9174,7 +10095,7 @@
           <a:p>
             <a:fld id="{2743EB9B-2488-4718-BE68-8707A217D453}" type="datetimeFigureOut">
               <a:rPr lang="en-US" smtClean="0"/>
-              <a:t>6/9/2021</a:t>
+              <a:t>6/10/2021</a:t>
             </a:fld>
             <a:endParaRPr lang="en-US"/>
           </a:p>
@@ -10066,6 +10987,501 @@
 </p:sld>
 </file>
 
+<file path=ppt/slides/slide10.xml><?xml version="1.0" encoding="utf-8"?>
+<p:sld xmlns:a="http://schemas.openxmlformats.org/drawingml/2006/main" xmlns:r="http://schemas.openxmlformats.org/officeDocument/2006/relationships" xmlns:p="http://schemas.openxmlformats.org/presentationml/2006/main">
+  <p:cSld>
+    <p:bg>
+      <p:bgPr>
+        <a:solidFill>
+          <a:schemeClr val="bg1"/>
+        </a:solidFill>
+        <a:effectLst/>
+      </p:bgPr>
+    </p:bg>
+    <p:spTree>
+      <p:nvGrpSpPr>
+        <p:cNvPr id="1" name=""/>
+        <p:cNvGrpSpPr/>
+        <p:nvPr/>
+      </p:nvGrpSpPr>
+      <p:grpSpPr>
+        <a:xfrm>
+          <a:off x="0" y="0"/>
+          <a:ext cx="0" cy="0"/>
+          <a:chOff x="0" y="0"/>
+          <a:chExt cx="0" cy="0"/>
+        </a:xfrm>
+      </p:grpSpPr>
+      <p:cxnSp>
+        <p:nvCxnSpPr>
+          <p:cNvPr id="22" name="Straight Connector 21">
+            <a:extLst>
+              <a:ext uri="{FF2B5EF4-FFF2-40B4-BE49-F238E27FC236}">
+                <a16:creationId xmlns:a16="http://schemas.microsoft.com/office/drawing/2014/main" id="{99AE2756-0FC4-4155-83E7-58AAAB63E757}"/>
+              </a:ext>
+              <a:ext uri="{C183D7F6-B498-43B3-948B-1728B52AA6E4}">
+                <adec:decorative xmlns:adec="http://schemas.microsoft.com/office/drawing/2017/decorative" val="1"/>
+              </a:ext>
+            </a:extLst>
+          </p:cNvPr>
+          <p:cNvCxnSpPr>
+            <a:cxnSpLocks noGrp="1" noRot="1" noChangeAspect="1" noMove="1" noResize="1" noEditPoints="1" noAdjustHandles="1" noChangeArrowheads="1" noChangeShapeType="1"/>
+          </p:cNvCxnSpPr>
+          <p:nvPr>
+            <p:extLst>
+              <p:ext uri="{386F3935-93C4-4BCD-93E2-E3B085C9AB24}">
+                <p16:designElem xmlns:p16="http://schemas.microsoft.com/office/powerpoint/2015/main" val="1"/>
+              </p:ext>
+            </p:extLst>
+          </p:nvPr>
+        </p:nvCxnSpPr>
+        <p:spPr>
+          <a:xfrm>
+            <a:off x="4065689" y="477749"/>
+            <a:ext cx="0" cy="3657600"/>
+          </a:xfrm>
+          <a:prstGeom prst="line">
+            <a:avLst/>
+          </a:prstGeom>
+          <a:ln w="101600" cmpd="dbl">
+            <a:solidFill>
+              <a:srgbClr val="595959"/>
+            </a:solidFill>
+          </a:ln>
+        </p:spPr>
+        <p:style>
+          <a:lnRef idx="1">
+            <a:schemeClr val="accent1"/>
+          </a:lnRef>
+          <a:fillRef idx="0">
+            <a:schemeClr val="accent1"/>
+          </a:fillRef>
+          <a:effectRef idx="0">
+            <a:schemeClr val="accent1"/>
+          </a:effectRef>
+          <a:fontRef idx="minor">
+            <a:schemeClr val="tx1"/>
+          </a:fontRef>
+        </p:style>
+      </p:cxnSp>
+      <p:sp>
+        <p:nvSpPr>
+          <p:cNvPr id="24" name="Rectangle 23">
+            <a:extLst>
+              <a:ext uri="{FF2B5EF4-FFF2-40B4-BE49-F238E27FC236}">
+                <a16:creationId xmlns:a16="http://schemas.microsoft.com/office/drawing/2014/main" id="{247AB924-1B87-43FC-B7C7-B112D5C51A0E}"/>
+              </a:ext>
+              <a:ext uri="{C183D7F6-B498-43B3-948B-1728B52AA6E4}">
+                <adec:decorative xmlns:adec="http://schemas.microsoft.com/office/drawing/2017/decorative" val="1"/>
+              </a:ext>
+            </a:extLst>
+          </p:cNvPr>
+          <p:cNvSpPr>
+            <a:spLocks noGrp="1" noRot="1" noChangeAspect="1" noMove="1" noResize="1" noEditPoints="1" noAdjustHandles="1" noChangeArrowheads="1" noChangeShapeType="1" noTextEdit="1"/>
+          </p:cNvSpPr>
+          <p:nvPr>
+            <p:extLst>
+              <p:ext uri="{386F3935-93C4-4BCD-93E2-E3B085C9AB24}">
+                <p16:designElem xmlns:p16="http://schemas.microsoft.com/office/powerpoint/2015/main" val="1"/>
+              </p:ext>
+            </p:extLst>
+          </p:nvPr>
+        </p:nvSpPr>
+        <p:spPr bwMode="ltGray">
+          <a:xfrm>
+            <a:off x="378068" y="4633546"/>
+            <a:ext cx="11438793" cy="1844256"/>
+          </a:xfrm>
+          <a:prstGeom prst="rect">
+            <a:avLst/>
+          </a:prstGeom>
+          <a:solidFill>
+            <a:srgbClr val="404040"/>
+          </a:solidFill>
+          <a:ln w="127000" cap="sq" cmpd="thinThick">
+            <a:solidFill>
+              <a:srgbClr val="404040"/>
+            </a:solidFill>
+          </a:ln>
+        </p:spPr>
+        <p:style>
+          <a:lnRef idx="2">
+            <a:schemeClr val="accent1">
+              <a:shade val="50000"/>
+            </a:schemeClr>
+          </a:lnRef>
+          <a:fillRef idx="1">
+            <a:schemeClr val="accent1"/>
+          </a:fillRef>
+          <a:effectRef idx="0">
+            <a:schemeClr val="accent1"/>
+          </a:effectRef>
+          <a:fontRef idx="minor">
+            <a:schemeClr val="lt1"/>
+          </a:fontRef>
+        </p:style>
+        <p:txBody>
+          <a:bodyPr rtlCol="0" anchor="ctr"/>
+          <a:lstStyle/>
+          <a:p>
+            <a:pPr algn="ctr"/>
+            <a:endParaRPr lang="en-US"/>
+          </a:p>
+        </p:txBody>
+      </p:sp>
+      <p:sp>
+        <p:nvSpPr>
+          <p:cNvPr id="2" name="Title 1">
+            <a:extLst>
+              <a:ext uri="{FF2B5EF4-FFF2-40B4-BE49-F238E27FC236}">
+                <a16:creationId xmlns:a16="http://schemas.microsoft.com/office/drawing/2014/main" id="{499CA8CF-3826-4E05-8816-FDE7F7DFCF33}"/>
+              </a:ext>
+            </a:extLst>
+          </p:cNvPr>
+          <p:cNvSpPr>
+            <a:spLocks noGrp="1"/>
+          </p:cNvSpPr>
+          <p:nvPr>
+            <p:ph type="title"/>
+          </p:nvPr>
+        </p:nvSpPr>
+        <p:spPr>
+          <a:xfrm>
+            <a:off x="527538" y="4756638"/>
+            <a:ext cx="11139854" cy="930447"/>
+          </a:xfrm>
+        </p:spPr>
+        <p:txBody>
+          <a:bodyPr vert="horz" lIns="91440" tIns="45720" rIns="91440" bIns="45720" rtlCol="0" anchor="b">
+            <a:normAutofit/>
+          </a:bodyPr>
+          <a:lstStyle/>
+          <a:p>
+            <a:pPr algn="ctr"/>
+            <a:r>
+              <a:rPr lang="en-US" sz="5400" dirty="0">
+                <a:solidFill>
+                  <a:srgbClr val="FFFFFF"/>
+                </a:solidFill>
+              </a:rPr>
+              <a:t>Application Stack</a:t>
+            </a:r>
+          </a:p>
+        </p:txBody>
+      </p:sp>
+      <p:pic>
+        <p:nvPicPr>
+          <p:cNvPr id="17" name="Content Placeholder 16" descr="Logo, company name&#10;&#10;Description automatically generated">
+            <a:extLst>
+              <a:ext uri="{FF2B5EF4-FFF2-40B4-BE49-F238E27FC236}">
+                <a16:creationId xmlns:a16="http://schemas.microsoft.com/office/drawing/2014/main" id="{D0F1CDDD-F818-4B3D-B9D1-C687E76A6914}"/>
+              </a:ext>
+            </a:extLst>
+          </p:cNvPr>
+          <p:cNvPicPr>
+            <a:picLocks noGrp="1" noChangeAspect="1"/>
+          </p:cNvPicPr>
+          <p:nvPr>
+            <p:ph idx="1"/>
+          </p:nvPr>
+        </p:nvPicPr>
+        <p:blipFill>
+          <a:blip r:embed="rId2">
+            <a:extLst>
+              <a:ext uri="{28A0092B-C50C-407E-A947-70E740481C1C}">
+                <a14:useLocalDpi xmlns:a14="http://schemas.microsoft.com/office/drawing/2010/main" val="0"/>
+              </a:ext>
+            </a:extLst>
+          </a:blip>
+          <a:stretch>
+            <a:fillRect/>
+          </a:stretch>
+        </p:blipFill>
+        <p:spPr>
+          <a:xfrm>
+            <a:off x="320040" y="593745"/>
+            <a:ext cx="3425609" cy="3425609"/>
+          </a:xfrm>
+          <a:prstGeom prst="rect">
+            <a:avLst/>
+          </a:prstGeom>
+        </p:spPr>
+      </p:pic>
+      <p:pic>
+        <p:nvPicPr>
+          <p:cNvPr id="7" name="Picture 6" descr="Text&#10;&#10;Description automatically generated">
+            <a:extLst>
+              <a:ext uri="{FF2B5EF4-FFF2-40B4-BE49-F238E27FC236}">
+                <a16:creationId xmlns:a16="http://schemas.microsoft.com/office/drawing/2014/main" id="{E4672EDD-8B6E-454B-A0AB-517EB413632B}"/>
+              </a:ext>
+            </a:extLst>
+          </p:cNvPr>
+          <p:cNvPicPr>
+            <a:picLocks noChangeAspect="1"/>
+          </p:cNvPicPr>
+          <p:nvPr/>
+        </p:nvPicPr>
+        <p:blipFill>
+          <a:blip r:embed="rId3">
+            <a:extLst>
+              <a:ext uri="{28A0092B-C50C-407E-A947-70E740481C1C}">
+                <a14:useLocalDpi xmlns:a14="http://schemas.microsoft.com/office/drawing/2010/main" val="0"/>
+              </a:ext>
+            </a:extLst>
+          </a:blip>
+          <a:stretch>
+            <a:fillRect/>
+          </a:stretch>
+        </p:blipFill>
+        <p:spPr>
+          <a:xfrm>
+            <a:off x="4385729" y="1345219"/>
+            <a:ext cx="3433324" cy="1922661"/>
+          </a:xfrm>
+          <a:prstGeom prst="rect">
+            <a:avLst/>
+          </a:prstGeom>
+        </p:spPr>
+      </p:pic>
+      <p:cxnSp>
+        <p:nvCxnSpPr>
+          <p:cNvPr id="26" name="Straight Connector 25">
+            <a:extLst>
+              <a:ext uri="{FF2B5EF4-FFF2-40B4-BE49-F238E27FC236}">
+                <a16:creationId xmlns:a16="http://schemas.microsoft.com/office/drawing/2014/main" id="{818DC98F-4057-4645-B948-F604F39A9CFE}"/>
+              </a:ext>
+              <a:ext uri="{C183D7F6-B498-43B3-948B-1728B52AA6E4}">
+                <adec:decorative xmlns:adec="http://schemas.microsoft.com/office/drawing/2017/decorative" val="1"/>
+              </a:ext>
+            </a:extLst>
+          </p:cNvPr>
+          <p:cNvCxnSpPr>
+            <a:cxnSpLocks noGrp="1" noRot="1" noChangeAspect="1" noMove="1" noResize="1" noEditPoints="1" noAdjustHandles="1" noChangeArrowheads="1" noChangeShapeType="1"/>
+          </p:cNvCxnSpPr>
+          <p:nvPr>
+            <p:extLst>
+              <p:ext uri="{386F3935-93C4-4BCD-93E2-E3B085C9AB24}">
+                <p16:designElem xmlns:p16="http://schemas.microsoft.com/office/powerpoint/2015/main" val="1"/>
+              </p:ext>
+            </p:extLst>
+          </p:nvPr>
+        </p:nvCxnSpPr>
+        <p:spPr>
+          <a:xfrm>
+            <a:off x="8153400" y="477749"/>
+            <a:ext cx="0" cy="3657600"/>
+          </a:xfrm>
+          <a:prstGeom prst="line">
+            <a:avLst/>
+          </a:prstGeom>
+          <a:ln w="101600" cmpd="dbl">
+            <a:solidFill>
+              <a:srgbClr val="595959"/>
+            </a:solidFill>
+          </a:ln>
+        </p:spPr>
+        <p:style>
+          <a:lnRef idx="1">
+            <a:schemeClr val="accent1"/>
+          </a:lnRef>
+          <a:fillRef idx="0">
+            <a:schemeClr val="accent1"/>
+          </a:fillRef>
+          <a:effectRef idx="0">
+            <a:schemeClr val="accent1"/>
+          </a:effectRef>
+          <a:fontRef idx="minor">
+            <a:schemeClr val="tx1"/>
+          </a:fontRef>
+        </p:style>
+      </p:cxnSp>
+      <p:pic>
+        <p:nvPicPr>
+          <p:cNvPr id="13" name="Picture 12" descr="Logo&#10;&#10;Description automatically generated with medium confidence">
+            <a:extLst>
+              <a:ext uri="{FF2B5EF4-FFF2-40B4-BE49-F238E27FC236}">
+                <a16:creationId xmlns:a16="http://schemas.microsoft.com/office/drawing/2014/main" id="{21439542-F5DD-44A0-BF1C-2990DEA9F4C6}"/>
+              </a:ext>
+            </a:extLst>
+          </p:cNvPr>
+          <p:cNvPicPr>
+            <a:picLocks noChangeAspect="1"/>
+          </p:cNvPicPr>
+          <p:nvPr/>
+        </p:nvPicPr>
+        <p:blipFill>
+          <a:blip r:embed="rId4">
+            <a:extLst>
+              <a:ext uri="{28A0092B-C50C-407E-A947-70E740481C1C}">
+                <a14:useLocalDpi xmlns:a14="http://schemas.microsoft.com/office/drawing/2010/main" val="0"/>
+              </a:ext>
+            </a:extLst>
+          </a:blip>
+          <a:stretch>
+            <a:fillRect/>
+          </a:stretch>
+        </p:blipFill>
+        <p:spPr>
+          <a:xfrm>
+            <a:off x="8733261" y="698057"/>
+            <a:ext cx="2730770" cy="3052794"/>
+          </a:xfrm>
+          <a:prstGeom prst="rect">
+            <a:avLst/>
+          </a:prstGeom>
+        </p:spPr>
+      </p:pic>
+      <p:cxnSp>
+        <p:nvCxnSpPr>
+          <p:cNvPr id="28" name="Straight Connector 27">
+            <a:extLst>
+              <a:ext uri="{FF2B5EF4-FFF2-40B4-BE49-F238E27FC236}">
+                <a16:creationId xmlns:a16="http://schemas.microsoft.com/office/drawing/2014/main" id="{DAD2B705-4A9B-408D-AA80-4F41045E09DE}"/>
+              </a:ext>
+              <a:ext uri="{C183D7F6-B498-43B3-948B-1728B52AA6E4}">
+                <adec:decorative xmlns:adec="http://schemas.microsoft.com/office/drawing/2017/decorative" val="1"/>
+              </a:ext>
+            </a:extLst>
+          </p:cNvPr>
+          <p:cNvCxnSpPr>
+            <a:cxnSpLocks noGrp="1" noRot="1" noChangeAspect="1" noMove="1" noResize="1" noEditPoints="1" noAdjustHandles="1" noChangeArrowheads="1" noChangeShapeType="1"/>
+          </p:cNvCxnSpPr>
+          <p:nvPr>
+            <p:extLst>
+              <p:ext uri="{386F3935-93C4-4BCD-93E2-E3B085C9AB24}">
+                <p16:designElem xmlns:p16="http://schemas.microsoft.com/office/powerpoint/2015/main" val="1"/>
+              </p:ext>
+            </p:extLst>
+          </p:nvPr>
+        </p:nvCxnSpPr>
+        <p:spPr>
+          <a:xfrm>
+            <a:off x="2209800" y="5738691"/>
+            <a:ext cx="7772400" cy="0"/>
+          </a:xfrm>
+          <a:prstGeom prst="line">
+            <a:avLst/>
+          </a:prstGeom>
+          <a:ln w="22225">
+            <a:solidFill>
+              <a:srgbClr val="D9D9D9"/>
+            </a:solidFill>
+          </a:ln>
+        </p:spPr>
+        <p:style>
+          <a:lnRef idx="1">
+            <a:schemeClr val="accent1"/>
+          </a:lnRef>
+          <a:fillRef idx="0">
+            <a:schemeClr val="accent1"/>
+          </a:fillRef>
+          <a:effectRef idx="0">
+            <a:schemeClr val="accent1"/>
+          </a:effectRef>
+          <a:fontRef idx="minor">
+            <a:schemeClr val="tx1"/>
+          </a:fontRef>
+        </p:style>
+      </p:cxnSp>
+    </p:spTree>
+    <p:extLst>
+      <p:ext uri="{BB962C8B-B14F-4D97-AF65-F5344CB8AC3E}">
+        <p14:creationId xmlns:p14="http://schemas.microsoft.com/office/powerpoint/2010/main" val="3065766950"/>
+      </p:ext>
+    </p:extLst>
+  </p:cSld>
+  <p:clrMapOvr>
+    <a:masterClrMapping/>
+  </p:clrMapOvr>
+</p:sld>
+</file>
+
+<file path=ppt/slides/slide11.xml><?xml version="1.0" encoding="utf-8"?>
+<p:sld xmlns:a="http://schemas.openxmlformats.org/drawingml/2006/main" xmlns:r="http://schemas.openxmlformats.org/officeDocument/2006/relationships" xmlns:p="http://schemas.openxmlformats.org/presentationml/2006/main">
+  <p:cSld>
+    <p:spTree>
+      <p:nvGrpSpPr>
+        <p:cNvPr id="1" name=""/>
+        <p:cNvGrpSpPr/>
+        <p:nvPr/>
+      </p:nvGrpSpPr>
+      <p:grpSpPr>
+        <a:xfrm>
+          <a:off x="0" y="0"/>
+          <a:ext cx="0" cy="0"/>
+          <a:chOff x="0" y="0"/>
+          <a:chExt cx="0" cy="0"/>
+        </a:xfrm>
+      </p:grpSpPr>
+      <p:sp>
+        <p:nvSpPr>
+          <p:cNvPr id="2" name="Title 1">
+            <a:extLst>
+              <a:ext uri="{FF2B5EF4-FFF2-40B4-BE49-F238E27FC236}">
+                <a16:creationId xmlns:a16="http://schemas.microsoft.com/office/drawing/2014/main" id="{80F5D099-4504-48D9-9FE4-9E88FDAD56B1}"/>
+              </a:ext>
+            </a:extLst>
+          </p:cNvPr>
+          <p:cNvSpPr>
+            <a:spLocks noGrp="1"/>
+          </p:cNvSpPr>
+          <p:nvPr>
+            <p:ph type="title"/>
+          </p:nvPr>
+        </p:nvSpPr>
+        <p:spPr/>
+        <p:txBody>
+          <a:bodyPr/>
+          <a:lstStyle/>
+          <a:p>
+            <a:r>
+              <a:rPr lang="en-US" dirty="0"/>
+              <a:t>Dictionary</a:t>
+            </a:r>
+          </a:p>
+        </p:txBody>
+      </p:sp>
+      <p:sp>
+        <p:nvSpPr>
+          <p:cNvPr id="3" name="Content Placeholder 2">
+            <a:extLst>
+              <a:ext uri="{FF2B5EF4-FFF2-40B4-BE49-F238E27FC236}">
+                <a16:creationId xmlns:a16="http://schemas.microsoft.com/office/drawing/2014/main" id="{60066502-79B7-48B0-9774-995E5E4CE913}"/>
+              </a:ext>
+            </a:extLst>
+          </p:cNvPr>
+          <p:cNvSpPr>
+            <a:spLocks noGrp="1"/>
+          </p:cNvSpPr>
+          <p:nvPr>
+            <p:ph idx="1"/>
+          </p:nvPr>
+        </p:nvSpPr>
+        <p:spPr/>
+        <p:txBody>
+          <a:bodyPr/>
+          <a:lstStyle/>
+          <a:p>
+            <a:r>
+              <a:rPr lang="en-US" dirty="0"/>
+              <a:t>TODO</a:t>
+            </a:r>
+          </a:p>
+        </p:txBody>
+      </p:sp>
+    </p:spTree>
+    <p:extLst>
+      <p:ext uri="{BB962C8B-B14F-4D97-AF65-F5344CB8AC3E}">
+        <p14:creationId xmlns:p14="http://schemas.microsoft.com/office/powerpoint/2010/main" val="3853963368"/>
+      </p:ext>
+    </p:extLst>
+  </p:cSld>
+  <p:clrMapOvr>
+    <a:masterClrMapping/>
+  </p:clrMapOvr>
+</p:sld>
+</file>
+
 <file path=ppt/slides/slide2.xml><?xml version="1.0" encoding="utf-8"?>
 <p:sld xmlns:a="http://schemas.openxmlformats.org/drawingml/2006/main" xmlns:r="http://schemas.openxmlformats.org/officeDocument/2006/relationships" xmlns:p="http://schemas.openxmlformats.org/presentationml/2006/main">
   <p:cSld>
@@ -10210,7 +11626,7 @@
             <p:ph idx="1"/>
             <p:extLst>
               <p:ext uri="{D42A27DB-BD31-4B8C-83A1-F6EECF244321}">
-                <p14:modId xmlns:p14="http://schemas.microsoft.com/office/powerpoint/2010/main" val="2255430401"/>
+                <p14:modId xmlns:p14="http://schemas.microsoft.com/office/powerpoint/2010/main" val="3630236791"/>
               </p:ext>
             </p:extLst>
           </p:nvPr>
@@ -10391,14 +11807,14 @@
           </a:bodyPr>
           <a:lstStyle/>
           <a:p>
-            <a:pPr algn="r"/>
+            <a:pPr algn="ctr"/>
             <a:r>
               <a:rPr lang="en-US" sz="3000" dirty="0">
                 <a:solidFill>
                   <a:schemeClr val="bg1"/>
                 </a:solidFill>
               </a:rPr>
-              <a:t>Unbalanced Dataset</a:t>
+              <a:t>Target Distribution</a:t>
             </a:r>
           </a:p>
         </p:txBody>
@@ -10997,13 +12413,18 @@
           <a:lstStyle/>
           <a:p>
             <a:r>
-              <a:rPr lang="en-US" sz="3600" dirty="0">
+              <a:rPr lang="en-US" sz="3000" dirty="0" err="1">
                 <a:solidFill>
                   <a:schemeClr val="bg1"/>
                 </a:solidFill>
               </a:rPr>
-              <a:t>Balanced Dataset</a:t>
+              <a:t>Undersampling</a:t>
             </a:r>
+            <a:endParaRPr lang="en-US" sz="3000" dirty="0">
+              <a:solidFill>
+                <a:schemeClr val="bg1"/>
+              </a:solidFill>
+            </a:endParaRPr>
           </a:p>
         </p:txBody>
       </p:sp>
@@ -11214,12 +12635,12 @@
           <a:chExt cx="0" cy="0"/>
         </a:xfrm>
       </p:grpSpPr>
-      <p:sp useBgFill="1">
+      <p:sp>
         <p:nvSpPr>
-          <p:cNvPr id="20" name="Rectangle 19">
+          <p:cNvPr id="17" name="Rectangle 16">
             <a:extLst>
               <a:ext uri="{FF2B5EF4-FFF2-40B4-BE49-F238E27FC236}">
-                <a16:creationId xmlns:a16="http://schemas.microsoft.com/office/drawing/2014/main" id="{6C4028FD-8BAA-4A19-BFDE-594D991B7552}"/>
+                <a16:creationId xmlns:a16="http://schemas.microsoft.com/office/drawing/2014/main" id="{CEB41C5C-0F34-4DDA-9D7C-5E717F35F60C}"/>
               </a:ext>
               <a:ext uri="{C183D7F6-B498-43B3-948B-1728B52AA6E4}">
                 <adec:decorative xmlns:adec="http://schemas.microsoft.com/office/drawing/2017/decorative" val="1"/>
@@ -11237,16 +12658,27 @@
             </p:extLst>
           </p:nvPr>
         </p:nvSpPr>
-        <p:spPr>
+        <p:spPr bwMode="ltGray">
           <a:xfrm>
-            <a:off x="-1" y="0"/>
-            <a:ext cx="12188952" cy="6858000"/>
+            <a:off x="336384" y="303591"/>
+            <a:ext cx="4334256" cy="5896743"/>
           </a:xfrm>
           <a:prstGeom prst="rect">
             <a:avLst/>
           </a:prstGeom>
-          <a:ln>
-            <a:noFill/>
+          <a:solidFill>
+            <a:schemeClr val="tx1">
+              <a:lumMod val="75000"/>
+              <a:lumOff val="25000"/>
+            </a:schemeClr>
+          </a:solidFill>
+          <a:ln w="127000" cap="sq" cmpd="thinThick">
+            <a:solidFill>
+              <a:schemeClr val="tx1">
+                <a:lumMod val="75000"/>
+                <a:lumOff val="25000"/>
+              </a:schemeClr>
+            </a:solidFill>
           </a:ln>
         </p:spPr>
         <p:style>
@@ -11279,6 +12711,846 @@
           <p:cNvPr id="2" name="Title 1">
             <a:extLst>
               <a:ext uri="{FF2B5EF4-FFF2-40B4-BE49-F238E27FC236}">
+                <a16:creationId xmlns:a16="http://schemas.microsoft.com/office/drawing/2014/main" id="{F5AF1F82-158D-4B0B-BCC5-91F803D2B09E}"/>
+              </a:ext>
+            </a:extLst>
+          </p:cNvPr>
+          <p:cNvSpPr>
+            <a:spLocks noGrp="1"/>
+          </p:cNvSpPr>
+          <p:nvPr>
+            <p:ph type="title"/>
+          </p:nvPr>
+        </p:nvSpPr>
+        <p:spPr>
+          <a:xfrm>
+            <a:off x="594360" y="640263"/>
+            <a:ext cx="3822192" cy="1344975"/>
+          </a:xfrm>
+        </p:spPr>
+        <p:txBody>
+          <a:bodyPr>
+            <a:normAutofit/>
+          </a:bodyPr>
+          <a:lstStyle/>
+          <a:p>
+            <a:r>
+              <a:rPr lang="en-US" sz="3600" dirty="0">
+                <a:solidFill>
+                  <a:schemeClr val="bg1"/>
+                </a:solidFill>
+              </a:rPr>
+              <a:t>Oversampling</a:t>
+            </a:r>
+          </a:p>
+        </p:txBody>
+      </p:sp>
+      <p:cxnSp>
+        <p:nvCxnSpPr>
+          <p:cNvPr id="19" name="Straight Connector 18">
+            <a:extLst>
+              <a:ext uri="{FF2B5EF4-FFF2-40B4-BE49-F238E27FC236}">
+                <a16:creationId xmlns:a16="http://schemas.microsoft.com/office/drawing/2014/main" id="{57E1E5E6-F385-4E9C-B201-BA5BDE5CAD52}"/>
+              </a:ext>
+              <a:ext uri="{C183D7F6-B498-43B3-948B-1728B52AA6E4}">
+                <adec:decorative xmlns:adec="http://schemas.microsoft.com/office/drawing/2017/decorative" val="1"/>
+              </a:ext>
+            </a:extLst>
+          </p:cNvPr>
+          <p:cNvCxnSpPr>
+            <a:cxnSpLocks noGrp="1" noRot="1" noChangeAspect="1" noMove="1" noResize="1" noEditPoints="1" noAdjustHandles="1" noChangeArrowheads="1" noChangeShapeType="1"/>
+          </p:cNvCxnSpPr>
+          <p:nvPr>
+            <p:extLst>
+              <p:ext uri="{386F3935-93C4-4BCD-93E2-E3B085C9AB24}">
+                <p16:designElem xmlns:p16="http://schemas.microsoft.com/office/powerpoint/2015/main" val="1"/>
+              </p:ext>
+            </p:extLst>
+          </p:nvPr>
+        </p:nvCxnSpPr>
+        <p:spPr>
+          <a:xfrm>
+            <a:off x="704088" y="2050687"/>
+            <a:ext cx="3685032" cy="0"/>
+          </a:xfrm>
+          <a:prstGeom prst="line">
+            <a:avLst/>
+          </a:prstGeom>
+          <a:ln w="22225">
+            <a:solidFill>
+              <a:srgbClr val="E7E6E6"/>
+            </a:solidFill>
+          </a:ln>
+        </p:spPr>
+        <p:style>
+          <a:lnRef idx="1">
+            <a:schemeClr val="accent1"/>
+          </a:lnRef>
+          <a:fillRef idx="0">
+            <a:schemeClr val="accent1"/>
+          </a:fillRef>
+          <a:effectRef idx="0">
+            <a:schemeClr val="accent1"/>
+          </a:effectRef>
+          <a:fontRef idx="minor">
+            <a:schemeClr val="tx1"/>
+          </a:fontRef>
+        </p:style>
+      </p:cxnSp>
+      <p:sp>
+        <p:nvSpPr>
+          <p:cNvPr id="9" name="Content Placeholder 8">
+            <a:extLst>
+              <a:ext uri="{FF2B5EF4-FFF2-40B4-BE49-F238E27FC236}">
+                <a16:creationId xmlns:a16="http://schemas.microsoft.com/office/drawing/2014/main" id="{4611C9F9-F3C2-493D-B990-ADD218060599}"/>
+              </a:ext>
+            </a:extLst>
+          </p:cNvPr>
+          <p:cNvSpPr>
+            <a:spLocks noGrp="1"/>
+          </p:cNvSpPr>
+          <p:nvPr>
+            <p:ph idx="1"/>
+          </p:nvPr>
+        </p:nvSpPr>
+        <p:spPr>
+          <a:xfrm>
+            <a:off x="593610" y="2121763"/>
+            <a:ext cx="3822192" cy="3773010"/>
+          </a:xfrm>
+        </p:spPr>
+        <p:txBody>
+          <a:bodyPr>
+            <a:normAutofit/>
+          </a:bodyPr>
+          <a:lstStyle/>
+          <a:p>
+            <a:pPr marL="0" indent="0">
+              <a:buNone/>
+            </a:pPr>
+            <a:r>
+              <a:rPr lang="en-US" sz="2000" dirty="0">
+                <a:solidFill>
+                  <a:schemeClr val="bg1"/>
+                </a:solidFill>
+              </a:rPr>
+              <a:t>Train distribution</a:t>
+            </a:r>
+          </a:p>
+          <a:p>
+            <a:pPr marL="0" indent="0">
+              <a:buNone/>
+            </a:pPr>
+            <a:r>
+              <a:rPr lang="en-US" sz="2000" dirty="0">
+                <a:solidFill>
+                  <a:schemeClr val="bg1"/>
+                </a:solidFill>
+              </a:rPr>
+              <a:t>Negative: 11118</a:t>
+            </a:r>
+          </a:p>
+          <a:p>
+            <a:pPr marL="0" indent="0">
+              <a:buNone/>
+            </a:pPr>
+            <a:r>
+              <a:rPr lang="en-US" sz="2000" dirty="0">
+                <a:solidFill>
+                  <a:schemeClr val="bg1"/>
+                </a:solidFill>
+              </a:rPr>
+              <a:t>Neutral:   11118</a:t>
+            </a:r>
+          </a:p>
+          <a:p>
+            <a:pPr marL="0" indent="0">
+              <a:buNone/>
+            </a:pPr>
+            <a:r>
+              <a:rPr lang="en-US" sz="2000" dirty="0">
+                <a:solidFill>
+                  <a:schemeClr val="bg1"/>
+                </a:solidFill>
+              </a:rPr>
+              <a:t>Positive:   11118</a:t>
+            </a:r>
+          </a:p>
+        </p:txBody>
+      </p:sp>
+      <p:pic>
+        <p:nvPicPr>
+          <p:cNvPr id="5" name="Content Placeholder 4">
+            <a:extLst>
+              <a:ext uri="{FF2B5EF4-FFF2-40B4-BE49-F238E27FC236}">
+                <a16:creationId xmlns:a16="http://schemas.microsoft.com/office/drawing/2014/main" id="{BCCCF02E-A125-4D9E-B105-8E8E94ADE773}"/>
+              </a:ext>
+            </a:extLst>
+          </p:cNvPr>
+          <p:cNvPicPr>
+            <a:picLocks noChangeAspect="1"/>
+          </p:cNvPicPr>
+          <p:nvPr/>
+        </p:nvPicPr>
+        <p:blipFill>
+          <a:blip r:embed="rId2">
+            <a:extLst>
+              <a:ext uri="{28A0092B-C50C-407E-A947-70E740481C1C}">
+                <a14:useLocalDpi xmlns:a14="http://schemas.microsoft.com/office/drawing/2010/main" val="0"/>
+              </a:ext>
+            </a:extLst>
+          </a:blip>
+          <a:stretch>
+            <a:fillRect/>
+          </a:stretch>
+        </p:blipFill>
+        <p:spPr>
+          <a:xfrm>
+            <a:off x="5110716" y="1001218"/>
+            <a:ext cx="6596652" cy="4700114"/>
+          </a:xfrm>
+          <a:prstGeom prst="rect">
+            <a:avLst/>
+          </a:prstGeom>
+        </p:spPr>
+      </p:pic>
+    </p:spTree>
+    <p:extLst>
+      <p:ext uri="{BB962C8B-B14F-4D97-AF65-F5344CB8AC3E}">
+        <p14:creationId xmlns:p14="http://schemas.microsoft.com/office/powerpoint/2010/main" val="1283002359"/>
+      </p:ext>
+    </p:extLst>
+  </p:cSld>
+  <p:clrMapOvr>
+    <a:masterClrMapping/>
+  </p:clrMapOvr>
+</p:sld>
+</file>
+
+<file path=ppt/slides/slide6.xml><?xml version="1.0" encoding="utf-8"?>
+<p:sld xmlns:a="http://schemas.openxmlformats.org/drawingml/2006/main" xmlns:r="http://schemas.openxmlformats.org/officeDocument/2006/relationships" xmlns:p="http://schemas.openxmlformats.org/presentationml/2006/main">
+  <p:cSld>
+    <p:bg>
+      <p:bgPr>
+        <a:solidFill>
+          <a:schemeClr val="bg1"/>
+        </a:solidFill>
+        <a:effectLst/>
+      </p:bgPr>
+    </p:bg>
+    <p:spTree>
+      <p:nvGrpSpPr>
+        <p:cNvPr id="1" name=""/>
+        <p:cNvGrpSpPr/>
+        <p:nvPr/>
+      </p:nvGrpSpPr>
+      <p:grpSpPr>
+        <a:xfrm>
+          <a:off x="0" y="0"/>
+          <a:ext cx="0" cy="0"/>
+          <a:chOff x="0" y="0"/>
+          <a:chExt cx="0" cy="0"/>
+        </a:xfrm>
+      </p:grpSpPr>
+      <p:sp>
+        <p:nvSpPr>
+          <p:cNvPr id="25" name="Freeform: Shape 24">
+            <a:extLst>
+              <a:ext uri="{FF2B5EF4-FFF2-40B4-BE49-F238E27FC236}">
+                <a16:creationId xmlns:a16="http://schemas.microsoft.com/office/drawing/2014/main" id="{42285737-90EE-47DC-AC80-8AE156B11969}"/>
+              </a:ext>
+              <a:ext uri="{C183D7F6-B498-43B3-948B-1728B52AA6E4}">
+                <adec:decorative xmlns:adec="http://schemas.microsoft.com/office/drawing/2017/decorative" val="1"/>
+              </a:ext>
+            </a:extLst>
+          </p:cNvPr>
+          <p:cNvSpPr>
+            <a:spLocks noGrp="1" noRot="1" noChangeAspect="1" noMove="1" noResize="1" noEditPoints="1" noAdjustHandles="1" noChangeArrowheads="1" noChangeShapeType="1" noTextEdit="1"/>
+          </p:cNvSpPr>
+          <p:nvPr>
+            <p:extLst>
+              <p:ext uri="{386F3935-93C4-4BCD-93E2-E3B085C9AB24}">
+                <p16:designElem xmlns:p16="http://schemas.microsoft.com/office/powerpoint/2015/main" val="1"/>
+              </p:ext>
+            </p:extLst>
+          </p:nvPr>
+        </p:nvSpPr>
+        <p:spPr>
+          <a:xfrm flipV="1">
+            <a:off x="-1" y="-1"/>
+            <a:ext cx="4403709" cy="6858001"/>
+          </a:xfrm>
+          <a:custGeom>
+            <a:avLst/>
+            <a:gdLst>
+              <a:gd name="connsiteX0" fmla="*/ 3223890 w 4403709"/>
+              <a:gd name="connsiteY0" fmla="*/ 6858001 h 6858001"/>
+              <a:gd name="connsiteX1" fmla="*/ 4101908 w 4403709"/>
+              <a:gd name="connsiteY1" fmla="*/ 6858001 h 6858001"/>
+              <a:gd name="connsiteX2" fmla="*/ 3254950 w 4403709"/>
+              <a:gd name="connsiteY2" fmla="*/ 1599356 h 6858001"/>
+              <a:gd name="connsiteX3" fmla="*/ 3254950 w 4403709"/>
+              <a:gd name="connsiteY3" fmla="*/ 1594062 h 6858001"/>
+              <a:gd name="connsiteX4" fmla="*/ 4403709 w 4403709"/>
+              <a:gd name="connsiteY4" fmla="*/ 0 h 6858001"/>
+              <a:gd name="connsiteX5" fmla="*/ 3254950 w 4403709"/>
+              <a:gd name="connsiteY5" fmla="*/ 0 h 6858001"/>
+              <a:gd name="connsiteX6" fmla="*/ 2903520 w 4403709"/>
+              <a:gd name="connsiteY6" fmla="*/ 0 h 6858001"/>
+              <a:gd name="connsiteX7" fmla="*/ 0 w 4403709"/>
+              <a:gd name="connsiteY7" fmla="*/ 0 h 6858001"/>
+              <a:gd name="connsiteX8" fmla="*/ 0 w 4403709"/>
+              <a:gd name="connsiteY8" fmla="*/ 6858000 h 6858001"/>
+              <a:gd name="connsiteX9" fmla="*/ 3223890 w 4403709"/>
+              <a:gd name="connsiteY9" fmla="*/ 6858000 h 6858001"/>
+            </a:gdLst>
+            <a:ahLst/>
+            <a:cxnLst>
+              <a:cxn ang="0">
+                <a:pos x="connsiteX0" y="connsiteY0"/>
+              </a:cxn>
+              <a:cxn ang="0">
+                <a:pos x="connsiteX1" y="connsiteY1"/>
+              </a:cxn>
+              <a:cxn ang="0">
+                <a:pos x="connsiteX2" y="connsiteY2"/>
+              </a:cxn>
+              <a:cxn ang="0">
+                <a:pos x="connsiteX3" y="connsiteY3"/>
+              </a:cxn>
+              <a:cxn ang="0">
+                <a:pos x="connsiteX4" y="connsiteY4"/>
+              </a:cxn>
+              <a:cxn ang="0">
+                <a:pos x="connsiteX5" y="connsiteY5"/>
+              </a:cxn>
+              <a:cxn ang="0">
+                <a:pos x="connsiteX6" y="connsiteY6"/>
+              </a:cxn>
+              <a:cxn ang="0">
+                <a:pos x="connsiteX7" y="connsiteY7"/>
+              </a:cxn>
+              <a:cxn ang="0">
+                <a:pos x="connsiteX8" y="connsiteY8"/>
+              </a:cxn>
+              <a:cxn ang="0">
+                <a:pos x="connsiteX9" y="connsiteY9"/>
+              </a:cxn>
+            </a:cxnLst>
+            <a:rect l="l" t="t" r="r" b="b"/>
+            <a:pathLst>
+              <a:path w="4403709" h="6858001">
+                <a:moveTo>
+                  <a:pt x="3223890" y="6858001"/>
+                </a:moveTo>
+                <a:lnTo>
+                  <a:pt x="4101908" y="6858001"/>
+                </a:lnTo>
+                <a:lnTo>
+                  <a:pt x="3254950" y="1599356"/>
+                </a:lnTo>
+                <a:lnTo>
+                  <a:pt x="3254950" y="1594062"/>
+                </a:lnTo>
+                <a:lnTo>
+                  <a:pt x="4403709" y="0"/>
+                </a:lnTo>
+                <a:lnTo>
+                  <a:pt x="3254950" y="0"/>
+                </a:lnTo>
+                <a:lnTo>
+                  <a:pt x="2903520" y="0"/>
+                </a:lnTo>
+                <a:lnTo>
+                  <a:pt x="0" y="0"/>
+                </a:lnTo>
+                <a:lnTo>
+                  <a:pt x="0" y="6858000"/>
+                </a:lnTo>
+                <a:lnTo>
+                  <a:pt x="3223890" y="6858000"/>
+                </a:lnTo>
+                <a:close/>
+              </a:path>
+            </a:pathLst>
+          </a:custGeom>
+          <a:ln>
+            <a:noFill/>
+          </a:ln>
+        </p:spPr>
+        <p:style>
+          <a:lnRef idx="2">
+            <a:schemeClr val="accent1">
+              <a:shade val="50000"/>
+            </a:schemeClr>
+          </a:lnRef>
+          <a:fillRef idx="1002">
+            <a:schemeClr val="dk1"/>
+          </a:fillRef>
+          <a:effectRef idx="0">
+            <a:schemeClr val="accent1"/>
+          </a:effectRef>
+          <a:fontRef idx="minor">
+            <a:schemeClr val="lt1"/>
+          </a:fontRef>
+        </p:style>
+        <p:txBody>
+          <a:bodyPr rtlCol="0" anchor="ctr"/>
+          <a:lstStyle/>
+          <a:p>
+            <a:pPr marL="0" marR="0" lvl="0" indent="0" algn="ctr" defTabSz="457200" rtl="0" eaLnBrk="1" fontAlgn="auto" latinLnBrk="0" hangingPunct="1">
+              <a:lnSpc>
+                <a:spcPct val="100000"/>
+              </a:lnSpc>
+              <a:spcBef>
+                <a:spcPts val="0"/>
+              </a:spcBef>
+              <a:spcAft>
+                <a:spcPts val="0"/>
+              </a:spcAft>
+              <a:buClrTx/>
+              <a:buSzTx/>
+              <a:buFontTx/>
+              <a:buNone/>
+              <a:tabLst/>
+              <a:defRPr/>
+            </a:pPr>
+            <a:endParaRPr kumimoji="0" lang="en-US" sz="1800" b="0" i="0" u="none" strike="noStrike" kern="1200" cap="none" spc="0" normalizeH="0" baseline="0" noProof="0">
+              <a:ln>
+                <a:noFill/>
+              </a:ln>
+              <a:solidFill>
+                <a:prstClr val="black"/>
+              </a:solidFill>
+              <a:effectLst/>
+              <a:uLnTx/>
+              <a:uFillTx/>
+              <a:latin typeface="Calibri" panose="020F0502020204030204"/>
+              <a:ea typeface="+mn-ea"/>
+              <a:cs typeface="+mn-cs"/>
+            </a:endParaRPr>
+          </a:p>
+        </p:txBody>
+      </p:sp>
+      <p:grpSp>
+        <p:nvGrpSpPr>
+          <p:cNvPr id="27" name="Group 26">
+            <a:extLst>
+              <a:ext uri="{FF2B5EF4-FFF2-40B4-BE49-F238E27FC236}">
+                <a16:creationId xmlns:a16="http://schemas.microsoft.com/office/drawing/2014/main" id="{B57BDC17-F1B3-455F-BBF1-680AA1F25C06}"/>
+              </a:ext>
+              <a:ext uri="{C183D7F6-B498-43B3-948B-1728B52AA6E4}">
+                <adec:decorative xmlns:adec="http://schemas.microsoft.com/office/drawing/2017/decorative" val="1"/>
+              </a:ext>
+            </a:extLst>
+          </p:cNvPr>
+          <p:cNvGrpSpPr>
+            <a:grpSpLocks noGrp="1" noUngrp="1" noRot="1" noChangeAspect="1" noMove="1" noResize="1"/>
+          </p:cNvGrpSpPr>
+          <p:nvPr>
+            <p:extLst>
+              <p:ext uri="{386F3935-93C4-4BCD-93E2-E3B085C9AB24}">
+                <p16:designElem xmlns:p16="http://schemas.microsoft.com/office/powerpoint/2015/main" val="1"/>
+              </p:ext>
+            </p:extLst>
+          </p:nvPr>
+        </p:nvGrpSpPr>
+        <p:grpSpPr>
+          <a:xfrm>
+            <a:off x="3315292" y="0"/>
+            <a:ext cx="2436813" cy="6858001"/>
+            <a:chOff x="1320800" y="0"/>
+            <a:chExt cx="2436813" cy="6858001"/>
+          </a:xfrm>
+        </p:grpSpPr>
+        <p:sp>
+          <p:nvSpPr>
+            <p:cNvPr id="28" name="Freeform 6">
+              <a:extLst>
+                <a:ext uri="{FF2B5EF4-FFF2-40B4-BE49-F238E27FC236}">
+                  <a16:creationId xmlns:a16="http://schemas.microsoft.com/office/drawing/2014/main" id="{64E2FA9A-FEF7-4501-B0EB-5E45EDD2177A}"/>
+                </a:ext>
+                <a:ext uri="{C183D7F6-B498-43B3-948B-1728B52AA6E4}">
+                  <adec:decorative xmlns:adec="http://schemas.microsoft.com/office/drawing/2017/decorative" val="1"/>
+                </a:ext>
+              </a:extLst>
+            </p:cNvPr>
+            <p:cNvSpPr/>
+            <p:nvPr>
+              <p:extLst>
+                <p:ext uri="{386F3935-93C4-4BCD-93E2-E3B085C9AB24}">
+                  <p16:designElem xmlns:p16="http://schemas.microsoft.com/office/powerpoint/2015/main" val="1"/>
+                </p:ext>
+              </p:extLst>
+            </p:nvPr>
+          </p:nvSpPr>
+          <p:spPr bwMode="auto">
+            <a:xfrm>
+              <a:off x="1627188" y="0"/>
+              <a:ext cx="1122363" cy="5329238"/>
+            </a:xfrm>
+            <a:custGeom>
+              <a:avLst/>
+              <a:gdLst/>
+              <a:ahLst/>
+              <a:cxnLst/>
+              <a:rect l="0" t="0" r="r" b="b"/>
+              <a:pathLst>
+                <a:path w="707" h="3357">
+                  <a:moveTo>
+                    <a:pt x="0" y="3330"/>
+                  </a:moveTo>
+                  <a:lnTo>
+                    <a:pt x="156" y="3357"/>
+                  </a:lnTo>
+                  <a:lnTo>
+                    <a:pt x="707" y="0"/>
+                  </a:lnTo>
+                  <a:lnTo>
+                    <a:pt x="547" y="0"/>
+                  </a:lnTo>
+                  <a:lnTo>
+                    <a:pt x="0" y="3330"/>
+                  </a:lnTo>
+                  <a:close/>
+                </a:path>
+              </a:pathLst>
+            </a:custGeom>
+            <a:solidFill>
+              <a:schemeClr val="accent1"/>
+            </a:solidFill>
+            <a:ln>
+              <a:noFill/>
+            </a:ln>
+          </p:spPr>
+        </p:sp>
+        <p:sp>
+          <p:nvSpPr>
+            <p:cNvPr id="29" name="Freeform 7">
+              <a:extLst>
+                <a:ext uri="{FF2B5EF4-FFF2-40B4-BE49-F238E27FC236}">
+                  <a16:creationId xmlns:a16="http://schemas.microsoft.com/office/drawing/2014/main" id="{BC38192B-B4CB-47D4-A3B1-10010247F158}"/>
+                </a:ext>
+                <a:ext uri="{C183D7F6-B498-43B3-948B-1728B52AA6E4}">
+                  <adec:decorative xmlns:adec="http://schemas.microsoft.com/office/drawing/2017/decorative" val="1"/>
+                </a:ext>
+              </a:extLst>
+            </p:cNvPr>
+            <p:cNvSpPr/>
+            <p:nvPr>
+              <p:extLst>
+                <p:ext uri="{386F3935-93C4-4BCD-93E2-E3B085C9AB24}">
+                  <p16:designElem xmlns:p16="http://schemas.microsoft.com/office/powerpoint/2015/main" val="1"/>
+                </p:ext>
+              </p:extLst>
+            </p:nvPr>
+          </p:nvSpPr>
+          <p:spPr bwMode="auto">
+            <a:xfrm>
+              <a:off x="1320800" y="0"/>
+              <a:ext cx="1117600" cy="5276850"/>
+            </a:xfrm>
+            <a:custGeom>
+              <a:avLst/>
+              <a:gdLst/>
+              <a:ahLst/>
+              <a:cxnLst/>
+              <a:rect l="0" t="0" r="r" b="b"/>
+              <a:pathLst>
+                <a:path w="704" h="3324">
+                  <a:moveTo>
+                    <a:pt x="704" y="0"/>
+                  </a:moveTo>
+                  <a:lnTo>
+                    <a:pt x="545" y="0"/>
+                  </a:lnTo>
+                  <a:lnTo>
+                    <a:pt x="0" y="3300"/>
+                  </a:lnTo>
+                  <a:lnTo>
+                    <a:pt x="157" y="3324"/>
+                  </a:lnTo>
+                  <a:lnTo>
+                    <a:pt x="704" y="0"/>
+                  </a:lnTo>
+                  <a:close/>
+                </a:path>
+              </a:pathLst>
+            </a:custGeom>
+            <a:solidFill>
+              <a:srgbClr val="595959"/>
+            </a:solidFill>
+            <a:ln>
+              <a:noFill/>
+            </a:ln>
+          </p:spPr>
+        </p:sp>
+        <p:sp>
+          <p:nvSpPr>
+            <p:cNvPr id="30" name="Freeform 8">
+              <a:extLst>
+                <a:ext uri="{FF2B5EF4-FFF2-40B4-BE49-F238E27FC236}">
+                  <a16:creationId xmlns:a16="http://schemas.microsoft.com/office/drawing/2014/main" id="{96330E33-E171-4B0F-82B5-AF7230399B5C}"/>
+                </a:ext>
+                <a:ext uri="{C183D7F6-B498-43B3-948B-1728B52AA6E4}">
+                  <adec:decorative xmlns:adec="http://schemas.microsoft.com/office/drawing/2017/decorative" val="1"/>
+                </a:ext>
+              </a:extLst>
+            </p:cNvPr>
+            <p:cNvSpPr/>
+            <p:nvPr>
+              <p:extLst>
+                <p:ext uri="{386F3935-93C4-4BCD-93E2-E3B085C9AB24}">
+                  <p16:designElem xmlns:p16="http://schemas.microsoft.com/office/powerpoint/2015/main" val="1"/>
+                </p:ext>
+              </p:extLst>
+            </p:nvPr>
+          </p:nvSpPr>
+          <p:spPr bwMode="auto">
+            <a:xfrm>
+              <a:off x="1320800" y="5238750"/>
+              <a:ext cx="1228725" cy="1619250"/>
+            </a:xfrm>
+            <a:custGeom>
+              <a:avLst/>
+              <a:gdLst/>
+              <a:ahLst/>
+              <a:cxnLst/>
+              <a:rect l="0" t="0" r="r" b="b"/>
+              <a:pathLst>
+                <a:path w="774" h="1020">
+                  <a:moveTo>
+                    <a:pt x="0" y="0"/>
+                  </a:moveTo>
+                  <a:lnTo>
+                    <a:pt x="740" y="1020"/>
+                  </a:lnTo>
+                  <a:lnTo>
+                    <a:pt x="774" y="1020"/>
+                  </a:lnTo>
+                  <a:lnTo>
+                    <a:pt x="0" y="0"/>
+                  </a:lnTo>
+                  <a:close/>
+                </a:path>
+              </a:pathLst>
+            </a:custGeom>
+            <a:solidFill>
+              <a:srgbClr val="262626"/>
+            </a:solidFill>
+            <a:ln>
+              <a:noFill/>
+            </a:ln>
+          </p:spPr>
+        </p:sp>
+        <p:sp>
+          <p:nvSpPr>
+            <p:cNvPr id="31" name="Freeform 9">
+              <a:extLst>
+                <a:ext uri="{FF2B5EF4-FFF2-40B4-BE49-F238E27FC236}">
+                  <a16:creationId xmlns:a16="http://schemas.microsoft.com/office/drawing/2014/main" id="{332B1723-69BF-42D7-B757-0FA059E15256}"/>
+                </a:ext>
+                <a:ext uri="{C183D7F6-B498-43B3-948B-1728B52AA6E4}">
+                  <adec:decorative xmlns:adec="http://schemas.microsoft.com/office/drawing/2017/decorative" val="1"/>
+                </a:ext>
+              </a:extLst>
+            </p:cNvPr>
+            <p:cNvSpPr/>
+            <p:nvPr>
+              <p:extLst>
+                <p:ext uri="{386F3935-93C4-4BCD-93E2-E3B085C9AB24}">
+                  <p16:designElem xmlns:p16="http://schemas.microsoft.com/office/powerpoint/2015/main" val="1"/>
+                </p:ext>
+              </p:extLst>
+            </p:nvPr>
+          </p:nvSpPr>
+          <p:spPr bwMode="auto">
+            <a:xfrm>
+              <a:off x="1627188" y="5291138"/>
+              <a:ext cx="1495425" cy="1566863"/>
+            </a:xfrm>
+            <a:custGeom>
+              <a:avLst/>
+              <a:gdLst/>
+              <a:ahLst/>
+              <a:cxnLst/>
+              <a:rect l="0" t="0" r="r" b="b"/>
+              <a:pathLst>
+                <a:path w="942" h="987">
+                  <a:moveTo>
+                    <a:pt x="0" y="0"/>
+                  </a:moveTo>
+                  <a:lnTo>
+                    <a:pt x="909" y="987"/>
+                  </a:lnTo>
+                  <a:lnTo>
+                    <a:pt x="942" y="987"/>
+                  </a:lnTo>
+                  <a:lnTo>
+                    <a:pt x="0" y="0"/>
+                  </a:lnTo>
+                  <a:close/>
+                </a:path>
+              </a:pathLst>
+            </a:custGeom>
+            <a:solidFill>
+              <a:schemeClr val="accent1">
+                <a:lumMod val="50000"/>
+              </a:schemeClr>
+            </a:solidFill>
+            <a:ln>
+              <a:noFill/>
+            </a:ln>
+          </p:spPr>
+        </p:sp>
+        <p:sp>
+          <p:nvSpPr>
+            <p:cNvPr id="32" name="Freeform 10">
+              <a:extLst>
+                <a:ext uri="{FF2B5EF4-FFF2-40B4-BE49-F238E27FC236}">
+                  <a16:creationId xmlns:a16="http://schemas.microsoft.com/office/drawing/2014/main" id="{F115D62D-1E96-48D1-A78D-D370A0BFB9B5}"/>
+                </a:ext>
+                <a:ext uri="{C183D7F6-B498-43B3-948B-1728B52AA6E4}">
+                  <adec:decorative xmlns:adec="http://schemas.microsoft.com/office/drawing/2017/decorative" val="1"/>
+                </a:ext>
+              </a:extLst>
+            </p:cNvPr>
+            <p:cNvSpPr/>
+            <p:nvPr>
+              <p:extLst>
+                <p:ext uri="{386F3935-93C4-4BCD-93E2-E3B085C9AB24}">
+                  <p16:designElem xmlns:p16="http://schemas.microsoft.com/office/powerpoint/2015/main" val="1"/>
+                </p:ext>
+              </p:extLst>
+            </p:nvPr>
+          </p:nvSpPr>
+          <p:spPr bwMode="auto">
+            <a:xfrm>
+              <a:off x="1627188" y="5286375"/>
+              <a:ext cx="2130425" cy="1571625"/>
+            </a:xfrm>
+            <a:custGeom>
+              <a:avLst/>
+              <a:gdLst/>
+              <a:ahLst/>
+              <a:cxnLst/>
+              <a:rect l="0" t="0" r="r" b="b"/>
+              <a:pathLst>
+                <a:path w="1342" h="990">
+                  <a:moveTo>
+                    <a:pt x="0" y="3"/>
+                  </a:moveTo>
+                  <a:lnTo>
+                    <a:pt x="942" y="990"/>
+                  </a:lnTo>
+                  <a:lnTo>
+                    <a:pt x="1342" y="990"/>
+                  </a:lnTo>
+                  <a:lnTo>
+                    <a:pt x="156" y="27"/>
+                  </a:lnTo>
+                  <a:lnTo>
+                    <a:pt x="0" y="0"/>
+                  </a:lnTo>
+                  <a:lnTo>
+                    <a:pt x="0" y="3"/>
+                  </a:lnTo>
+                  <a:close/>
+                </a:path>
+              </a:pathLst>
+            </a:custGeom>
+            <a:solidFill>
+              <a:schemeClr val="accent1">
+                <a:lumMod val="75000"/>
+              </a:schemeClr>
+            </a:solidFill>
+            <a:ln>
+              <a:noFill/>
+            </a:ln>
+          </p:spPr>
+        </p:sp>
+        <p:sp>
+          <p:nvSpPr>
+            <p:cNvPr id="33" name="Freeform 11">
+              <a:extLst>
+                <a:ext uri="{FF2B5EF4-FFF2-40B4-BE49-F238E27FC236}">
+                  <a16:creationId xmlns:a16="http://schemas.microsoft.com/office/drawing/2014/main" id="{91C2876A-169D-4822-A766-C00578C88B4B}"/>
+                </a:ext>
+                <a:ext uri="{C183D7F6-B498-43B3-948B-1728B52AA6E4}">
+                  <adec:decorative xmlns:adec="http://schemas.microsoft.com/office/drawing/2017/decorative" val="1"/>
+                </a:ext>
+              </a:extLst>
+            </p:cNvPr>
+            <p:cNvSpPr/>
+            <p:nvPr>
+              <p:extLst>
+                <p:ext uri="{386F3935-93C4-4BCD-93E2-E3B085C9AB24}">
+                  <p16:designElem xmlns:p16="http://schemas.microsoft.com/office/powerpoint/2015/main" val="1"/>
+                </p:ext>
+              </p:extLst>
+            </p:nvPr>
+          </p:nvSpPr>
+          <p:spPr bwMode="auto">
+            <a:xfrm>
+              <a:off x="1320800" y="5238750"/>
+              <a:ext cx="1695450" cy="1619250"/>
+            </a:xfrm>
+            <a:custGeom>
+              <a:avLst/>
+              <a:gdLst/>
+              <a:ahLst/>
+              <a:cxnLst/>
+              <a:rect l="0" t="0" r="r" b="b"/>
+              <a:pathLst>
+                <a:path w="1068" h="1020">
+                  <a:moveTo>
+                    <a:pt x="1068" y="1020"/>
+                  </a:moveTo>
+                  <a:lnTo>
+                    <a:pt x="184" y="60"/>
+                  </a:lnTo>
+                  <a:lnTo>
+                    <a:pt x="154" y="27"/>
+                  </a:lnTo>
+                  <a:lnTo>
+                    <a:pt x="157" y="27"/>
+                  </a:lnTo>
+                  <a:lnTo>
+                    <a:pt x="157" y="24"/>
+                  </a:lnTo>
+                  <a:lnTo>
+                    <a:pt x="154" y="24"/>
+                  </a:lnTo>
+                  <a:lnTo>
+                    <a:pt x="0" y="0"/>
+                  </a:lnTo>
+                  <a:lnTo>
+                    <a:pt x="0" y="0"/>
+                  </a:lnTo>
+                  <a:lnTo>
+                    <a:pt x="774" y="1020"/>
+                  </a:lnTo>
+                  <a:lnTo>
+                    <a:pt x="1068" y="1020"/>
+                  </a:lnTo>
+                  <a:close/>
+                </a:path>
+              </a:pathLst>
+            </a:custGeom>
+            <a:solidFill>
+              <a:srgbClr val="404040"/>
+            </a:solidFill>
+            <a:ln>
+              <a:noFill/>
+            </a:ln>
+          </p:spPr>
+        </p:sp>
+      </p:grpSp>
+      <p:sp>
+        <p:nvSpPr>
+          <p:cNvPr id="2" name="Title 1">
+            <a:extLst>
+              <a:ext uri="{FF2B5EF4-FFF2-40B4-BE49-F238E27FC236}">
                 <a16:creationId xmlns:a16="http://schemas.microsoft.com/office/drawing/2014/main" id="{86968473-CAA8-41C1-B581-286A97284554}"/>
               </a:ext>
             </a:extLst>
@@ -11292,8 +13564,8 @@
         </p:nvSpPr>
         <p:spPr>
           <a:xfrm>
-            <a:off x="838200" y="556995"/>
-            <a:ext cx="10515600" cy="1133693"/>
+            <a:off x="535020" y="685800"/>
+            <a:ext cx="2780271" cy="5105400"/>
           </a:xfrm>
         </p:spPr>
         <p:txBody>
@@ -11303,7 +13575,11 @@
           <a:lstStyle/>
           <a:p>
             <a:r>
-              <a:rPr lang="en-US" sz="5200"/>
+              <a:rPr lang="en-US" sz="4000">
+                <a:solidFill>
+                  <a:srgbClr val="FFFFFF"/>
+                </a:solidFill>
+              </a:rPr>
               <a:t>Text pre-processing Steps </a:t>
             </a:r>
           </a:p>
@@ -11325,14 +13601,14 @@
             <p:ph idx="1"/>
             <p:extLst>
               <p:ext uri="{D42A27DB-BD31-4B8C-83A1-F6EECF244321}">
-                <p14:modId xmlns:p14="http://schemas.microsoft.com/office/powerpoint/2010/main" val="2932552543"/>
+                <p14:modId xmlns:p14="http://schemas.microsoft.com/office/powerpoint/2010/main" val="1407678348"/>
               </p:ext>
             </p:extLst>
           </p:nvPr>
         </p:nvGraphicFramePr>
         <p:xfrm>
-          <a:off x="838200" y="1825625"/>
-          <a:ext cx="10515600" cy="4351338"/>
+          <a:off x="5010150" y="685800"/>
+          <a:ext cx="6492875" cy="5105400"/>
         </p:xfrm>
         <a:graphic>
           <a:graphicData uri="http://schemas.openxmlformats.org/drawingml/2006/diagram">
@@ -11353,7 +13629,7 @@
 </p:sld>
 </file>
 
-<file path=ppt/slides/slide6.xml><?xml version="1.0" encoding="utf-8"?>
+<file path=ppt/slides/slide7.xml><?xml version="1.0" encoding="utf-8"?>
 <p:sld xmlns:a="http://schemas.openxmlformats.org/drawingml/2006/main" xmlns:r="http://schemas.openxmlformats.org/officeDocument/2006/relationships" xmlns:p="http://schemas.openxmlformats.org/presentationml/2006/main">
   <p:cSld>
     <p:bg>
@@ -11820,7 +14096,7 @@
                     <a:lstStyle/>
                     <a:p>
                       <a:r>
-                        <a:rPr lang="en-US" sz="1900"/>
+                        <a:rPr lang="en-US" sz="1900" dirty="0"/>
                         <a:t>Input</a:t>
                       </a:r>
                     </a:p>
@@ -12013,7 +14289,1283 @@
 </p:sld>
 </file>
 
-<file path=ppt/slides/slide7.xml><?xml version="1.0" encoding="utf-8"?>
+<file path=ppt/slides/slide8.xml><?xml version="1.0" encoding="utf-8"?>
+<p:sld xmlns:a="http://schemas.openxmlformats.org/drawingml/2006/main" xmlns:r="http://schemas.openxmlformats.org/officeDocument/2006/relationships" xmlns:p="http://schemas.openxmlformats.org/presentationml/2006/main">
+  <p:cSld>
+    <p:bg>
+      <p:bgPr>
+        <a:solidFill>
+          <a:schemeClr val="bg1"/>
+        </a:solidFill>
+        <a:effectLst/>
+      </p:bgPr>
+    </p:bg>
+    <p:spTree>
+      <p:nvGrpSpPr>
+        <p:cNvPr id="1" name=""/>
+        <p:cNvGrpSpPr/>
+        <p:nvPr/>
+      </p:nvGrpSpPr>
+      <p:grpSpPr>
+        <a:xfrm>
+          <a:off x="0" y="0"/>
+          <a:ext cx="0" cy="0"/>
+          <a:chOff x="0" y="0"/>
+          <a:chExt cx="0" cy="0"/>
+        </a:xfrm>
+      </p:grpSpPr>
+      <p:sp useBgFill="1">
+        <p:nvSpPr>
+          <p:cNvPr id="9" name="Rectangle 8">
+            <a:extLst>
+              <a:ext uri="{FF2B5EF4-FFF2-40B4-BE49-F238E27FC236}">
+                <a16:creationId xmlns:a16="http://schemas.microsoft.com/office/drawing/2014/main" id="{33CD251C-A887-4D2F-925B-FC097198538B}"/>
+              </a:ext>
+              <a:ext uri="{C183D7F6-B498-43B3-948B-1728B52AA6E4}">
+                <adec:decorative xmlns:adec="http://schemas.microsoft.com/office/drawing/2017/decorative" val="1"/>
+              </a:ext>
+            </a:extLst>
+          </p:cNvPr>
+          <p:cNvSpPr>
+            <a:spLocks noGrp="1" noRot="1" noChangeAspect="1" noMove="1" noResize="1" noEditPoints="1" noAdjustHandles="1" noChangeArrowheads="1" noChangeShapeType="1" noTextEdit="1"/>
+          </p:cNvSpPr>
+          <p:nvPr>
+            <p:extLst>
+              <p:ext uri="{386F3935-93C4-4BCD-93E2-E3B085C9AB24}">
+                <p16:designElem xmlns:p16="http://schemas.microsoft.com/office/powerpoint/2015/main" val="1"/>
+              </p:ext>
+            </p:extLst>
+          </p:nvPr>
+        </p:nvSpPr>
+        <p:spPr>
+          <a:xfrm>
+            <a:off x="0" y="0"/>
+            <a:ext cx="12192000" cy="6858000"/>
+          </a:xfrm>
+          <a:prstGeom prst="rect">
+            <a:avLst/>
+          </a:prstGeom>
+          <a:ln>
+            <a:noFill/>
+          </a:ln>
+        </p:spPr>
+        <p:style>
+          <a:lnRef idx="2">
+            <a:schemeClr val="accent1">
+              <a:shade val="50000"/>
+            </a:schemeClr>
+          </a:lnRef>
+          <a:fillRef idx="1">
+            <a:schemeClr val="accent1"/>
+          </a:fillRef>
+          <a:effectRef idx="0">
+            <a:schemeClr val="accent1"/>
+          </a:effectRef>
+          <a:fontRef idx="minor">
+            <a:schemeClr val="lt1"/>
+          </a:fontRef>
+        </p:style>
+        <p:txBody>
+          <a:bodyPr rtlCol="0" anchor="ctr"/>
+          <a:lstStyle/>
+          <a:p>
+            <a:pPr algn="ctr"/>
+            <a:endParaRPr lang="en-US"/>
+          </a:p>
+        </p:txBody>
+      </p:sp>
+      <p:sp>
+        <p:nvSpPr>
+          <p:cNvPr id="11" name="Rectangle 10">
+            <a:extLst>
+              <a:ext uri="{FF2B5EF4-FFF2-40B4-BE49-F238E27FC236}">
+                <a16:creationId xmlns:a16="http://schemas.microsoft.com/office/drawing/2014/main" id="{B19D093C-27FB-4032-B282-42C4563F257C}"/>
+              </a:ext>
+              <a:ext uri="{C183D7F6-B498-43B3-948B-1728B52AA6E4}">
+                <adec:decorative xmlns:adec="http://schemas.microsoft.com/office/drawing/2017/decorative" val="1"/>
+              </a:ext>
+            </a:extLst>
+          </p:cNvPr>
+          <p:cNvSpPr>
+            <a:spLocks noGrp="1" noRot="1" noChangeAspect="1" noMove="1" noResize="1" noEditPoints="1" noAdjustHandles="1" noChangeArrowheads="1" noChangeShapeType="1" noTextEdit="1"/>
+          </p:cNvSpPr>
+          <p:nvPr>
+            <p:extLst>
+              <p:ext uri="{386F3935-93C4-4BCD-93E2-E3B085C9AB24}">
+                <p16:designElem xmlns:p16="http://schemas.microsoft.com/office/powerpoint/2015/main" val="1"/>
+              </p:ext>
+            </p:extLst>
+          </p:nvPr>
+        </p:nvSpPr>
+        <p:spPr>
+          <a:xfrm>
+            <a:off x="0" y="0"/>
+            <a:ext cx="4694548" cy="6858000"/>
+          </a:xfrm>
+          <a:prstGeom prst="rect">
+            <a:avLst/>
+          </a:prstGeom>
+          <a:solidFill>
+            <a:schemeClr val="tx1"/>
+          </a:solidFill>
+          <a:ln>
+            <a:noFill/>
+          </a:ln>
+        </p:spPr>
+        <p:style>
+          <a:lnRef idx="2">
+            <a:schemeClr val="accent1">
+              <a:shade val="50000"/>
+            </a:schemeClr>
+          </a:lnRef>
+          <a:fillRef idx="1">
+            <a:schemeClr val="accent1"/>
+          </a:fillRef>
+          <a:effectRef idx="0">
+            <a:schemeClr val="accent1"/>
+          </a:effectRef>
+          <a:fontRef idx="minor">
+            <a:schemeClr val="lt1"/>
+          </a:fontRef>
+        </p:style>
+        <p:txBody>
+          <a:bodyPr rtlCol="0" anchor="ctr"/>
+          <a:lstStyle/>
+          <a:p>
+            <a:pPr algn="ctr"/>
+            <a:endParaRPr lang="en-US"/>
+          </a:p>
+        </p:txBody>
+      </p:sp>
+      <p:sp>
+        <p:nvSpPr>
+          <p:cNvPr id="2" name="Title 1">
+            <a:extLst>
+              <a:ext uri="{FF2B5EF4-FFF2-40B4-BE49-F238E27FC236}">
+                <a16:creationId xmlns:a16="http://schemas.microsoft.com/office/drawing/2014/main" id="{31FDC1FB-2CC0-4652-BFE3-21DA26140E40}"/>
+              </a:ext>
+            </a:extLst>
+          </p:cNvPr>
+          <p:cNvSpPr>
+            <a:spLocks noGrp="1"/>
+          </p:cNvSpPr>
+          <p:nvPr>
+            <p:ph type="title"/>
+          </p:nvPr>
+        </p:nvSpPr>
+        <p:spPr>
+          <a:xfrm>
+            <a:off x="767290" y="1780661"/>
+            <a:ext cx="3582073" cy="1463472"/>
+          </a:xfrm>
+        </p:spPr>
+        <p:txBody>
+          <a:bodyPr anchor="t">
+            <a:normAutofit fontScale="90000"/>
+          </a:bodyPr>
+          <a:lstStyle/>
+          <a:p>
+            <a:r>
+              <a:rPr lang="en-US" sz="4800" dirty="0">
+                <a:solidFill>
+                  <a:schemeClr val="bg1"/>
+                </a:solidFill>
+              </a:rPr>
+              <a:t>Text Normalization</a:t>
+            </a:r>
+          </a:p>
+        </p:txBody>
+      </p:sp>
+      <p:grpSp>
+        <p:nvGrpSpPr>
+          <p:cNvPr id="13" name="Group 12">
+            <a:extLst>
+              <a:ext uri="{FF2B5EF4-FFF2-40B4-BE49-F238E27FC236}">
+                <a16:creationId xmlns:a16="http://schemas.microsoft.com/office/drawing/2014/main" id="{35EE815E-1BD3-4777-B652-6D98825BF66B}"/>
+              </a:ext>
+              <a:ext uri="{C183D7F6-B498-43B3-948B-1728B52AA6E4}">
+                <adec:decorative xmlns:adec="http://schemas.microsoft.com/office/drawing/2017/decorative" val="1"/>
+              </a:ext>
+            </a:extLst>
+          </p:cNvPr>
+          <p:cNvGrpSpPr>
+            <a:grpSpLocks noGrp="1" noUngrp="1" noRot="1" noChangeAspect="1" noMove="1" noResize="1"/>
+          </p:cNvGrpSpPr>
+          <p:nvPr>
+            <p:extLst>
+              <p:ext uri="{386F3935-93C4-4BCD-93E2-E3B085C9AB24}">
+                <p16:designElem xmlns:p16="http://schemas.microsoft.com/office/powerpoint/2015/main" val="1"/>
+              </p:ext>
+            </p:extLst>
+          </p:nvPr>
+        </p:nvGrpSpPr>
+        <p:grpSpPr>
+          <a:xfrm>
+            <a:off x="767290" y="681628"/>
+            <a:ext cx="1128382" cy="847206"/>
+            <a:chOff x="668003" y="1684057"/>
+            <a:chExt cx="1128382" cy="847206"/>
+          </a:xfrm>
+        </p:grpSpPr>
+        <p:sp>
+          <p:nvSpPr>
+            <p:cNvPr id="14" name="Freeform 5">
+              <a:extLst>
+                <a:ext uri="{FF2B5EF4-FFF2-40B4-BE49-F238E27FC236}">
+                  <a16:creationId xmlns:a16="http://schemas.microsoft.com/office/drawing/2014/main" id="{E6692982-4A7D-4392-87CD-F0CD4B027DDE}"/>
+                </a:ext>
+                <a:ext uri="{C183D7F6-B498-43B3-948B-1728B52AA6E4}">
+                  <adec:decorative xmlns:adec="http://schemas.microsoft.com/office/drawing/2017/decorative" val="1"/>
+                </a:ext>
+              </a:extLst>
+            </p:cNvPr>
+            <p:cNvSpPr>
+              <a:spLocks/>
+            </p:cNvSpPr>
+            <p:nvPr>
+              <p:extLst>
+                <p:ext uri="{386F3935-93C4-4BCD-93E2-E3B085C9AB24}">
+                  <p16:designElem xmlns:p16="http://schemas.microsoft.com/office/powerpoint/2015/main" val="1"/>
+                </p:ext>
+              </p:extLst>
+            </p:nvPr>
+          </p:nvSpPr>
+          <p:spPr bwMode="auto">
+            <a:xfrm>
+              <a:off x="668003" y="1935883"/>
+              <a:ext cx="675351" cy="595380"/>
+            </a:xfrm>
+            <a:custGeom>
+              <a:avLst/>
+              <a:gdLst>
+                <a:gd name="T0" fmla="*/ 225 w 785"/>
+                <a:gd name="T1" fmla="*/ 692 h 692"/>
+                <a:gd name="T2" fmla="*/ 177 w 785"/>
+                <a:gd name="T3" fmla="*/ 665 h 692"/>
+                <a:gd name="T4" fmla="*/ 9 w 785"/>
+                <a:gd name="T5" fmla="*/ 374 h 692"/>
+                <a:gd name="T6" fmla="*/ 9 w 785"/>
+                <a:gd name="T7" fmla="*/ 318 h 692"/>
+                <a:gd name="T8" fmla="*/ 177 w 785"/>
+                <a:gd name="T9" fmla="*/ 27 h 692"/>
+                <a:gd name="T10" fmla="*/ 225 w 785"/>
+                <a:gd name="T11" fmla="*/ 0 h 692"/>
+                <a:gd name="T12" fmla="*/ 561 w 785"/>
+                <a:gd name="T13" fmla="*/ 0 h 692"/>
+                <a:gd name="T14" fmla="*/ 609 w 785"/>
+                <a:gd name="T15" fmla="*/ 27 h 692"/>
+                <a:gd name="T16" fmla="*/ 777 w 785"/>
+                <a:gd name="T17" fmla="*/ 318 h 692"/>
+                <a:gd name="T18" fmla="*/ 777 w 785"/>
+                <a:gd name="T19" fmla="*/ 374 h 692"/>
+                <a:gd name="T20" fmla="*/ 609 w 785"/>
+                <a:gd name="T21" fmla="*/ 665 h 692"/>
+                <a:gd name="T22" fmla="*/ 561 w 785"/>
+                <a:gd name="T23" fmla="*/ 692 h 692"/>
+                <a:gd name="T24" fmla="*/ 225 w 785"/>
+                <a:gd name="T25" fmla="*/ 692 h 692"/>
+              </a:gdLst>
+              <a:ahLst/>
+              <a:cxnLst>
+                <a:cxn ang="0">
+                  <a:pos x="T0" y="T1"/>
+                </a:cxn>
+                <a:cxn ang="0">
+                  <a:pos x="T2" y="T3"/>
+                </a:cxn>
+                <a:cxn ang="0">
+                  <a:pos x="T4" y="T5"/>
+                </a:cxn>
+                <a:cxn ang="0">
+                  <a:pos x="T6" y="T7"/>
+                </a:cxn>
+                <a:cxn ang="0">
+                  <a:pos x="T8" y="T9"/>
+                </a:cxn>
+                <a:cxn ang="0">
+                  <a:pos x="T10" y="T11"/>
+                </a:cxn>
+                <a:cxn ang="0">
+                  <a:pos x="T12" y="T13"/>
+                </a:cxn>
+                <a:cxn ang="0">
+                  <a:pos x="T14" y="T15"/>
+                </a:cxn>
+                <a:cxn ang="0">
+                  <a:pos x="T16" y="T17"/>
+                </a:cxn>
+                <a:cxn ang="0">
+                  <a:pos x="T18" y="T19"/>
+                </a:cxn>
+                <a:cxn ang="0">
+                  <a:pos x="T20" y="T21"/>
+                </a:cxn>
+                <a:cxn ang="0">
+                  <a:pos x="T22" y="T23"/>
+                </a:cxn>
+                <a:cxn ang="0">
+                  <a:pos x="T24" y="T25"/>
+                </a:cxn>
+              </a:cxnLst>
+              <a:rect l="0" t="0" r="r" b="b"/>
+              <a:pathLst>
+                <a:path w="785" h="692">
+                  <a:moveTo>
+                    <a:pt x="225" y="692"/>
+                  </a:moveTo>
+                  <a:cubicBezTo>
+                    <a:pt x="207" y="692"/>
+                    <a:pt x="185" y="680"/>
+                    <a:pt x="177" y="665"/>
+                  </a:cubicBezTo>
+                  <a:cubicBezTo>
+                    <a:pt x="9" y="374"/>
+                    <a:pt x="9" y="374"/>
+                    <a:pt x="9" y="374"/>
+                  </a:cubicBezTo>
+                  <a:cubicBezTo>
+                    <a:pt x="0" y="358"/>
+                    <a:pt x="0" y="334"/>
+                    <a:pt x="9" y="318"/>
+                  </a:cubicBezTo>
+                  <a:cubicBezTo>
+                    <a:pt x="177" y="27"/>
+                    <a:pt x="177" y="27"/>
+                    <a:pt x="177" y="27"/>
+                  </a:cubicBezTo>
+                  <a:cubicBezTo>
+                    <a:pt x="185" y="12"/>
+                    <a:pt x="207" y="0"/>
+                    <a:pt x="225" y="0"/>
+                  </a:cubicBezTo>
+                  <a:cubicBezTo>
+                    <a:pt x="561" y="0"/>
+                    <a:pt x="561" y="0"/>
+                    <a:pt x="561" y="0"/>
+                  </a:cubicBezTo>
+                  <a:cubicBezTo>
+                    <a:pt x="578" y="0"/>
+                    <a:pt x="600" y="12"/>
+                    <a:pt x="609" y="27"/>
+                  </a:cubicBezTo>
+                  <a:cubicBezTo>
+                    <a:pt x="777" y="318"/>
+                    <a:pt x="777" y="318"/>
+                    <a:pt x="777" y="318"/>
+                  </a:cubicBezTo>
+                  <a:cubicBezTo>
+                    <a:pt x="785" y="334"/>
+                    <a:pt x="785" y="358"/>
+                    <a:pt x="777" y="374"/>
+                  </a:cubicBezTo>
+                  <a:cubicBezTo>
+                    <a:pt x="609" y="665"/>
+                    <a:pt x="609" y="665"/>
+                    <a:pt x="609" y="665"/>
+                  </a:cubicBezTo>
+                  <a:cubicBezTo>
+                    <a:pt x="600" y="680"/>
+                    <a:pt x="578" y="692"/>
+                    <a:pt x="561" y="692"/>
+                  </a:cubicBezTo>
+                  <a:lnTo>
+                    <a:pt x="225" y="692"/>
+                  </a:lnTo>
+                  <a:close/>
+                </a:path>
+              </a:pathLst>
+            </a:custGeom>
+            <a:noFill/>
+            <a:ln w="28575" cmpd="sng">
+              <a:solidFill>
+                <a:schemeClr val="bg1"/>
+              </a:solidFill>
+            </a:ln>
+          </p:spPr>
+          <p:txBody>
+            <a:bodyPr vert="horz" wrap="square" lIns="91440" tIns="45720" rIns="91440" bIns="45720" numCol="1" anchor="t" anchorCtr="0" compatLnSpc="1">
+              <a:prstTxWarp prst="textNoShape">
+                <a:avLst/>
+              </a:prstTxWarp>
+            </a:bodyPr>
+            <a:lstStyle/>
+            <a:p>
+              <a:endParaRPr lang="en-US"/>
+            </a:p>
+          </p:txBody>
+        </p:sp>
+        <p:sp>
+          <p:nvSpPr>
+            <p:cNvPr id="15" name="Freeform 5">
+              <a:extLst>
+                <a:ext uri="{FF2B5EF4-FFF2-40B4-BE49-F238E27FC236}">
+                  <a16:creationId xmlns:a16="http://schemas.microsoft.com/office/drawing/2014/main" id="{196485F7-F277-4123-AC53-98EA4C858774}"/>
+                </a:ext>
+                <a:ext uri="{C183D7F6-B498-43B3-948B-1728B52AA6E4}">
+                  <adec:decorative xmlns:adec="http://schemas.microsoft.com/office/drawing/2017/decorative" val="1"/>
+                </a:ext>
+              </a:extLst>
+            </p:cNvPr>
+            <p:cNvSpPr>
+              <a:spLocks/>
+            </p:cNvSpPr>
+            <p:nvPr>
+              <p:extLst>
+                <p:ext uri="{386F3935-93C4-4BCD-93E2-E3B085C9AB24}">
+                  <p16:designElem xmlns:p16="http://schemas.microsoft.com/office/powerpoint/2015/main" val="1"/>
+                </p:ext>
+              </p:extLst>
+            </p:nvPr>
+          </p:nvSpPr>
+          <p:spPr bwMode="auto">
+            <a:xfrm>
+              <a:off x="1245893" y="1684057"/>
+              <a:ext cx="550492" cy="485306"/>
+            </a:xfrm>
+            <a:custGeom>
+              <a:avLst/>
+              <a:gdLst>
+                <a:gd name="T0" fmla="*/ 225 w 785"/>
+                <a:gd name="T1" fmla="*/ 692 h 692"/>
+                <a:gd name="T2" fmla="*/ 177 w 785"/>
+                <a:gd name="T3" fmla="*/ 665 h 692"/>
+                <a:gd name="T4" fmla="*/ 9 w 785"/>
+                <a:gd name="T5" fmla="*/ 374 h 692"/>
+                <a:gd name="T6" fmla="*/ 9 w 785"/>
+                <a:gd name="T7" fmla="*/ 318 h 692"/>
+                <a:gd name="T8" fmla="*/ 177 w 785"/>
+                <a:gd name="T9" fmla="*/ 27 h 692"/>
+                <a:gd name="T10" fmla="*/ 225 w 785"/>
+                <a:gd name="T11" fmla="*/ 0 h 692"/>
+                <a:gd name="T12" fmla="*/ 561 w 785"/>
+                <a:gd name="T13" fmla="*/ 0 h 692"/>
+                <a:gd name="T14" fmla="*/ 609 w 785"/>
+                <a:gd name="T15" fmla="*/ 27 h 692"/>
+                <a:gd name="T16" fmla="*/ 777 w 785"/>
+                <a:gd name="T17" fmla="*/ 318 h 692"/>
+                <a:gd name="T18" fmla="*/ 777 w 785"/>
+                <a:gd name="T19" fmla="*/ 374 h 692"/>
+                <a:gd name="T20" fmla="*/ 609 w 785"/>
+                <a:gd name="T21" fmla="*/ 665 h 692"/>
+                <a:gd name="T22" fmla="*/ 561 w 785"/>
+                <a:gd name="T23" fmla="*/ 692 h 692"/>
+                <a:gd name="T24" fmla="*/ 225 w 785"/>
+                <a:gd name="T25" fmla="*/ 692 h 692"/>
+              </a:gdLst>
+              <a:ahLst/>
+              <a:cxnLst>
+                <a:cxn ang="0">
+                  <a:pos x="T0" y="T1"/>
+                </a:cxn>
+                <a:cxn ang="0">
+                  <a:pos x="T2" y="T3"/>
+                </a:cxn>
+                <a:cxn ang="0">
+                  <a:pos x="T4" y="T5"/>
+                </a:cxn>
+                <a:cxn ang="0">
+                  <a:pos x="T6" y="T7"/>
+                </a:cxn>
+                <a:cxn ang="0">
+                  <a:pos x="T8" y="T9"/>
+                </a:cxn>
+                <a:cxn ang="0">
+                  <a:pos x="T10" y="T11"/>
+                </a:cxn>
+                <a:cxn ang="0">
+                  <a:pos x="T12" y="T13"/>
+                </a:cxn>
+                <a:cxn ang="0">
+                  <a:pos x="T14" y="T15"/>
+                </a:cxn>
+                <a:cxn ang="0">
+                  <a:pos x="T16" y="T17"/>
+                </a:cxn>
+                <a:cxn ang="0">
+                  <a:pos x="T18" y="T19"/>
+                </a:cxn>
+                <a:cxn ang="0">
+                  <a:pos x="T20" y="T21"/>
+                </a:cxn>
+                <a:cxn ang="0">
+                  <a:pos x="T22" y="T23"/>
+                </a:cxn>
+                <a:cxn ang="0">
+                  <a:pos x="T24" y="T25"/>
+                </a:cxn>
+              </a:cxnLst>
+              <a:rect l="0" t="0" r="r" b="b"/>
+              <a:pathLst>
+                <a:path w="785" h="692">
+                  <a:moveTo>
+                    <a:pt x="225" y="692"/>
+                  </a:moveTo>
+                  <a:cubicBezTo>
+                    <a:pt x="207" y="692"/>
+                    <a:pt x="185" y="680"/>
+                    <a:pt x="177" y="665"/>
+                  </a:cubicBezTo>
+                  <a:cubicBezTo>
+                    <a:pt x="9" y="374"/>
+                    <a:pt x="9" y="374"/>
+                    <a:pt x="9" y="374"/>
+                  </a:cubicBezTo>
+                  <a:cubicBezTo>
+                    <a:pt x="0" y="358"/>
+                    <a:pt x="0" y="334"/>
+                    <a:pt x="9" y="318"/>
+                  </a:cubicBezTo>
+                  <a:cubicBezTo>
+                    <a:pt x="177" y="27"/>
+                    <a:pt x="177" y="27"/>
+                    <a:pt x="177" y="27"/>
+                  </a:cubicBezTo>
+                  <a:cubicBezTo>
+                    <a:pt x="185" y="12"/>
+                    <a:pt x="207" y="0"/>
+                    <a:pt x="225" y="0"/>
+                  </a:cubicBezTo>
+                  <a:cubicBezTo>
+                    <a:pt x="561" y="0"/>
+                    <a:pt x="561" y="0"/>
+                    <a:pt x="561" y="0"/>
+                  </a:cubicBezTo>
+                  <a:cubicBezTo>
+                    <a:pt x="578" y="0"/>
+                    <a:pt x="600" y="12"/>
+                    <a:pt x="609" y="27"/>
+                  </a:cubicBezTo>
+                  <a:cubicBezTo>
+                    <a:pt x="777" y="318"/>
+                    <a:pt x="777" y="318"/>
+                    <a:pt x="777" y="318"/>
+                  </a:cubicBezTo>
+                  <a:cubicBezTo>
+                    <a:pt x="785" y="334"/>
+                    <a:pt x="785" y="358"/>
+                    <a:pt x="777" y="374"/>
+                  </a:cubicBezTo>
+                  <a:cubicBezTo>
+                    <a:pt x="609" y="665"/>
+                    <a:pt x="609" y="665"/>
+                    <a:pt x="609" y="665"/>
+                  </a:cubicBezTo>
+                  <a:cubicBezTo>
+                    <a:pt x="600" y="680"/>
+                    <a:pt x="578" y="692"/>
+                    <a:pt x="561" y="692"/>
+                  </a:cubicBezTo>
+                  <a:lnTo>
+                    <a:pt x="225" y="692"/>
+                  </a:lnTo>
+                  <a:close/>
+                </a:path>
+              </a:pathLst>
+            </a:custGeom>
+            <a:noFill/>
+            <a:ln w="28575" cmpd="sng">
+              <a:solidFill>
+                <a:schemeClr val="bg1"/>
+              </a:solidFill>
+            </a:ln>
+          </p:spPr>
+          <p:txBody>
+            <a:bodyPr vert="horz" wrap="square" lIns="91440" tIns="45720" rIns="91440" bIns="45720" numCol="1" anchor="t" anchorCtr="0" compatLnSpc="1">
+              <a:prstTxWarp prst="textNoShape">
+                <a:avLst/>
+              </a:prstTxWarp>
+            </a:bodyPr>
+            <a:lstStyle/>
+            <a:p>
+              <a:endParaRPr lang="en-US"/>
+            </a:p>
+          </p:txBody>
+        </p:sp>
+      </p:grpSp>
+      <p:sp>
+        <p:nvSpPr>
+          <p:cNvPr id="3" name="Content Placeholder 2">
+            <a:extLst>
+              <a:ext uri="{FF2B5EF4-FFF2-40B4-BE49-F238E27FC236}">
+                <a16:creationId xmlns:a16="http://schemas.microsoft.com/office/drawing/2014/main" id="{4BE61E99-C6D3-41FD-A5E6-0E96DF42C5B5}"/>
+              </a:ext>
+            </a:extLst>
+          </p:cNvPr>
+          <p:cNvSpPr>
+            <a:spLocks noGrp="1"/>
+          </p:cNvSpPr>
+          <p:nvPr>
+            <p:ph idx="1"/>
+          </p:nvPr>
+        </p:nvSpPr>
+        <p:spPr>
+          <a:xfrm>
+            <a:off x="767290" y="3383121"/>
+            <a:ext cx="3582072" cy="2793251"/>
+          </a:xfrm>
+        </p:spPr>
+        <p:txBody>
+          <a:bodyPr anchor="t">
+            <a:normAutofit/>
+          </a:bodyPr>
+          <a:lstStyle/>
+          <a:p>
+            <a:pPr marL="0" indent="0">
+              <a:buNone/>
+            </a:pPr>
+            <a:endParaRPr lang="en-US" sz="1700" dirty="0">
+              <a:solidFill>
+                <a:schemeClr val="bg1"/>
+              </a:solidFill>
+            </a:endParaRPr>
+          </a:p>
+          <a:p>
+            <a:pPr marL="0" indent="0">
+              <a:buNone/>
+            </a:pPr>
+            <a:endParaRPr lang="en-US" sz="1700" dirty="0">
+              <a:solidFill>
+                <a:schemeClr val="bg1"/>
+              </a:solidFill>
+            </a:endParaRPr>
+          </a:p>
+          <a:p>
+            <a:pPr marL="0" indent="0" algn="ctr">
+              <a:buNone/>
+            </a:pPr>
+            <a:r>
+              <a:rPr lang="en-US" sz="3200" dirty="0">
+                <a:solidFill>
+                  <a:schemeClr val="bg1"/>
+                </a:solidFill>
+              </a:rPr>
+              <a:t>Stemming</a:t>
+            </a:r>
+            <a:br>
+              <a:rPr lang="en-US" sz="3200" dirty="0">
+                <a:solidFill>
+                  <a:schemeClr val="bg1"/>
+                </a:solidFill>
+              </a:rPr>
+            </a:br>
+            <a:r>
+              <a:rPr lang="en-US" sz="3200" dirty="0">
+                <a:solidFill>
+                  <a:schemeClr val="bg1"/>
+                </a:solidFill>
+              </a:rPr>
+              <a:t>VS</a:t>
+            </a:r>
+          </a:p>
+          <a:p>
+            <a:pPr marL="0" indent="0" algn="ctr">
+              <a:buNone/>
+            </a:pPr>
+            <a:r>
+              <a:rPr lang="en-US" sz="3200" dirty="0">
+                <a:solidFill>
+                  <a:schemeClr val="bg1"/>
+                </a:solidFill>
+              </a:rPr>
+              <a:t>Lemmatization</a:t>
+            </a:r>
+          </a:p>
+        </p:txBody>
+      </p:sp>
+      <p:graphicFrame>
+        <p:nvGraphicFramePr>
+          <p:cNvPr id="4" name="Table 4">
+            <a:extLst>
+              <a:ext uri="{FF2B5EF4-FFF2-40B4-BE49-F238E27FC236}">
+                <a16:creationId xmlns:a16="http://schemas.microsoft.com/office/drawing/2014/main" id="{72497A3D-637F-4472-BDDE-253EFF798FF9}"/>
+              </a:ext>
+            </a:extLst>
+          </p:cNvPr>
+          <p:cNvGraphicFramePr>
+            <a:graphicFrameLocks noGrp="1"/>
+          </p:cNvGraphicFramePr>
+          <p:nvPr>
+            <p:extLst>
+              <p:ext uri="{D42A27DB-BD31-4B8C-83A1-F6EECF244321}">
+                <p14:modId xmlns:p14="http://schemas.microsoft.com/office/powerpoint/2010/main" val="3474863699"/>
+              </p:ext>
+            </p:extLst>
+          </p:nvPr>
+        </p:nvGraphicFramePr>
+        <p:xfrm>
+          <a:off x="5116652" y="1354413"/>
+          <a:ext cx="6642532" cy="2974306"/>
+        </p:xfrm>
+        <a:graphic>
+          <a:graphicData uri="http://schemas.openxmlformats.org/drawingml/2006/table">
+            <a:tbl>
+              <a:tblPr firstRow="1" bandRow="1">
+                <a:solidFill>
+                  <a:schemeClr val="bg1"/>
+                </a:solidFill>
+                <a:tableStyleId>{5C22544A-7EE6-4342-B048-85BDC9FD1C3A}</a:tableStyleId>
+              </a:tblPr>
+              <a:tblGrid>
+                <a:gridCol w="2651554">
+                  <a:extLst>
+                    <a:ext uri="{9D8B030D-6E8A-4147-A177-3AD203B41FA5}">
+                      <a16:colId xmlns:a16="http://schemas.microsoft.com/office/drawing/2014/main" val="1547744216"/>
+                    </a:ext>
+                  </a:extLst>
+                </a:gridCol>
+                <a:gridCol w="2461035">
+                  <a:extLst>
+                    <a:ext uri="{9D8B030D-6E8A-4147-A177-3AD203B41FA5}">
+                      <a16:colId xmlns:a16="http://schemas.microsoft.com/office/drawing/2014/main" val="2417617999"/>
+                    </a:ext>
+                  </a:extLst>
+                </a:gridCol>
+                <a:gridCol w="1529943">
+                  <a:extLst>
+                    <a:ext uri="{9D8B030D-6E8A-4147-A177-3AD203B41FA5}">
+                      <a16:colId xmlns:a16="http://schemas.microsoft.com/office/drawing/2014/main" val="544178921"/>
+                    </a:ext>
+                  </a:extLst>
+                </a:gridCol>
+              </a:tblGrid>
+              <a:tr h="1016670">
+                <a:tc>
+                  <a:txBody>
+                    <a:bodyPr/>
+                    <a:lstStyle/>
+                    <a:p>
+                      <a:r>
+                        <a:rPr lang="en-US" sz="2300" b="0" cap="none" spc="0" dirty="0">
+                          <a:solidFill>
+                            <a:schemeClr val="bg1"/>
+                          </a:solidFill>
+                        </a:rPr>
+                        <a:t>Word</a:t>
+                      </a:r>
+                    </a:p>
+                  </a:txBody>
+                  <a:tcPr marL="196705" marR="159545" marT="151311" marB="151311" anchor="ctr">
+                    <a:lnL w="19050" cap="flat" cmpd="sng" algn="ctr">
+                      <a:solidFill>
+                        <a:schemeClr val="tx1"/>
+                      </a:solidFill>
+                      <a:prstDash val="solid"/>
+                    </a:lnL>
+                    <a:lnR w="12700" cmpd="sng">
+                      <a:noFill/>
+                    </a:lnR>
+                    <a:lnT w="19050" cap="flat" cmpd="sng" algn="ctr">
+                      <a:solidFill>
+                        <a:schemeClr val="tx1"/>
+                      </a:solidFill>
+                      <a:prstDash val="solid"/>
+                    </a:lnT>
+                    <a:lnB w="38100" cmpd="sng">
+                      <a:noFill/>
+                    </a:lnB>
+                    <a:solidFill>
+                      <a:schemeClr val="tx1"/>
+                    </a:solidFill>
+                  </a:tcPr>
+                </a:tc>
+                <a:tc>
+                  <a:txBody>
+                    <a:bodyPr/>
+                    <a:lstStyle/>
+                    <a:p>
+                      <a:r>
+                        <a:rPr lang="en-US" sz="2300" b="0" cap="none" spc="0" dirty="0">
+                          <a:solidFill>
+                            <a:schemeClr val="bg1"/>
+                          </a:solidFill>
+                        </a:rPr>
+                        <a:t>Lemma</a:t>
+                      </a:r>
+                    </a:p>
+                  </a:txBody>
+                  <a:tcPr marL="196705" marR="159545" marT="151311" marB="151311" anchor="ctr">
+                    <a:lnL w="12700" cmpd="sng">
+                      <a:noFill/>
+                    </a:lnL>
+                    <a:lnR w="12700" cmpd="sng">
+                      <a:noFill/>
+                    </a:lnR>
+                    <a:lnT w="19050" cap="flat" cmpd="sng" algn="ctr">
+                      <a:solidFill>
+                        <a:schemeClr val="tx1"/>
+                      </a:solidFill>
+                      <a:prstDash val="solid"/>
+                    </a:lnT>
+                    <a:lnB w="38100" cmpd="sng">
+                      <a:noFill/>
+                    </a:lnB>
+                    <a:solidFill>
+                      <a:schemeClr val="tx1"/>
+                    </a:solidFill>
+                  </a:tcPr>
+                </a:tc>
+                <a:tc>
+                  <a:txBody>
+                    <a:bodyPr/>
+                    <a:lstStyle/>
+                    <a:p>
+                      <a:r>
+                        <a:rPr lang="en-US" sz="2300" b="0" cap="none" spc="0" dirty="0">
+                          <a:solidFill>
+                            <a:schemeClr val="bg1"/>
+                          </a:solidFill>
+                        </a:rPr>
+                        <a:t>Stem</a:t>
+                      </a:r>
+                    </a:p>
+                  </a:txBody>
+                  <a:tcPr marL="196705" marR="159545" marT="151311" marB="151311" anchor="ctr">
+                    <a:lnL w="12700" cmpd="sng">
+                      <a:noFill/>
+                    </a:lnL>
+                    <a:lnR w="12700" cmpd="sng">
+                      <a:noFill/>
+                    </a:lnR>
+                    <a:lnT w="19050" cap="flat" cmpd="sng" algn="ctr">
+                      <a:solidFill>
+                        <a:schemeClr val="tx1"/>
+                      </a:solidFill>
+                      <a:prstDash val="solid"/>
+                      <a:round/>
+                      <a:headEnd type="none" w="med" len="med"/>
+                      <a:tailEnd type="none" w="med" len="med"/>
+                    </a:lnT>
+                    <a:lnB w="38100" cmpd="sng">
+                      <a:noFill/>
+                    </a:lnB>
+                    <a:solidFill>
+                      <a:schemeClr val="tx1"/>
+                    </a:solidFill>
+                  </a:tcPr>
+                </a:tc>
+                <a:extLst>
+                  <a:ext uri="{0D108BD9-81ED-4DB2-BD59-A6C34878D82A}">
+                    <a16:rowId xmlns:a16="http://schemas.microsoft.com/office/drawing/2014/main" val="2815098923"/>
+                  </a:ext>
+                </a:extLst>
+              </a:tr>
+              <a:tr h="801395">
+                <a:tc>
+                  <a:txBody>
+                    <a:bodyPr/>
+                    <a:lstStyle/>
+                    <a:p>
+                      <a:r>
+                        <a:rPr lang="en-US" sz="1800" b="1" i="0" kern="1200" dirty="0">
+                          <a:solidFill>
+                            <a:schemeClr val="dk1"/>
+                          </a:solidFill>
+                          <a:effectLst/>
+                          <a:latin typeface="+mn-lt"/>
+                          <a:ea typeface="+mn-ea"/>
+                          <a:cs typeface="+mn-cs"/>
+                        </a:rPr>
+                        <a:t>studies</a:t>
+                      </a:r>
+                      <a:endParaRPr lang="en-US" sz="2300" cap="none" spc="0" dirty="0">
+                        <a:solidFill>
+                          <a:schemeClr val="tx1"/>
+                        </a:solidFill>
+                      </a:endParaRPr>
+                    </a:p>
+                  </a:txBody>
+                  <a:tcPr marL="196705" marR="159545" marT="151311" marB="151311">
+                    <a:lnL w="19050" cap="flat" cmpd="sng" algn="ctr">
+                      <a:solidFill>
+                        <a:schemeClr val="tx1"/>
+                      </a:solidFill>
+                      <a:prstDash val="solid"/>
+                    </a:lnL>
+                    <a:lnR w="6350" cap="flat" cmpd="sng" algn="ctr">
+                      <a:solidFill>
+                        <a:schemeClr val="tx1">
+                          <a:lumMod val="50000"/>
+                          <a:lumOff val="50000"/>
+                        </a:schemeClr>
+                      </a:solidFill>
+                      <a:prstDash val="solid"/>
+                    </a:lnR>
+                    <a:lnT w="38100" cmpd="sng">
+                      <a:noFill/>
+                    </a:lnT>
+                    <a:lnB w="6350" cap="flat" cmpd="sng" algn="ctr">
+                      <a:solidFill>
+                        <a:schemeClr val="tx1">
+                          <a:lumMod val="50000"/>
+                          <a:lumOff val="50000"/>
+                        </a:schemeClr>
+                      </a:solidFill>
+                      <a:prstDash val="solid"/>
+                    </a:lnB>
+                    <a:noFill/>
+                  </a:tcPr>
+                </a:tc>
+                <a:tc>
+                  <a:txBody>
+                    <a:bodyPr/>
+                    <a:lstStyle/>
+                    <a:p>
+                      <a:pPr marL="0" marR="0" lvl="0" indent="0" algn="l" defTabSz="914400" rtl="0" eaLnBrk="1" fontAlgn="auto" latinLnBrk="0" hangingPunct="1">
+                        <a:lnSpc>
+                          <a:spcPct val="100000"/>
+                        </a:lnSpc>
+                        <a:spcBef>
+                          <a:spcPts val="0"/>
+                        </a:spcBef>
+                        <a:spcAft>
+                          <a:spcPts val="0"/>
+                        </a:spcAft>
+                        <a:buClrTx/>
+                        <a:buSzTx/>
+                        <a:buFontTx/>
+                        <a:buNone/>
+                        <a:tabLst/>
+                        <a:defRPr/>
+                      </a:pPr>
+                      <a:r>
+                        <a:rPr lang="en-US" sz="2300" cap="none" spc="0" dirty="0">
+                          <a:solidFill>
+                            <a:schemeClr val="tx1"/>
+                          </a:solidFill>
+                        </a:rPr>
+                        <a:t>study</a:t>
+                      </a:r>
+                    </a:p>
+                  </a:txBody>
+                  <a:tcPr marL="196705" marR="159545" marT="151311" marB="151311">
+                    <a:lnL w="6350" cap="flat" cmpd="sng" algn="ctr">
+                      <a:solidFill>
+                        <a:schemeClr val="tx1">
+                          <a:lumMod val="50000"/>
+                          <a:lumOff val="50000"/>
+                        </a:schemeClr>
+                      </a:solidFill>
+                      <a:prstDash val="solid"/>
+                    </a:lnL>
+                    <a:lnR w="19050" cap="flat" cmpd="sng" algn="ctr">
+                      <a:solidFill>
+                        <a:schemeClr val="tx1"/>
+                      </a:solidFill>
+                      <a:prstDash val="solid"/>
+                      <a:round/>
+                      <a:headEnd type="none" w="med" len="med"/>
+                      <a:tailEnd type="none" w="med" len="med"/>
+                    </a:lnR>
+                    <a:lnT w="38100" cmpd="sng">
+                      <a:noFill/>
+                    </a:lnT>
+                    <a:lnB w="6350" cap="flat" cmpd="sng" algn="ctr">
+                      <a:solidFill>
+                        <a:schemeClr val="tx1">
+                          <a:lumMod val="50000"/>
+                          <a:lumOff val="50000"/>
+                        </a:schemeClr>
+                      </a:solidFill>
+                      <a:prstDash val="solid"/>
+                    </a:lnB>
+                    <a:noFill/>
+                  </a:tcPr>
+                </a:tc>
+                <a:tc>
+                  <a:txBody>
+                    <a:bodyPr/>
+                    <a:lstStyle/>
+                    <a:p>
+                      <a:pPr marL="0" marR="0" lvl="0" indent="0" algn="l" defTabSz="914400" rtl="0" eaLnBrk="1" fontAlgn="auto" latinLnBrk="0" hangingPunct="1">
+                        <a:lnSpc>
+                          <a:spcPct val="100000"/>
+                        </a:lnSpc>
+                        <a:spcBef>
+                          <a:spcPts val="0"/>
+                        </a:spcBef>
+                        <a:spcAft>
+                          <a:spcPts val="0"/>
+                        </a:spcAft>
+                        <a:buClrTx/>
+                        <a:buSzTx/>
+                        <a:buFontTx/>
+                        <a:buNone/>
+                        <a:tabLst/>
+                        <a:defRPr/>
+                      </a:pPr>
+                      <a:r>
+                        <a:rPr lang="en-US" sz="2300" cap="none" spc="0" dirty="0" err="1">
+                          <a:solidFill>
+                            <a:schemeClr val="tx1"/>
+                          </a:solidFill>
+                        </a:rPr>
+                        <a:t>studi</a:t>
+                      </a:r>
+                      <a:endParaRPr lang="en-US" sz="2300" cap="none" spc="0" dirty="0">
+                        <a:solidFill>
+                          <a:schemeClr val="tx1"/>
+                        </a:solidFill>
+                      </a:endParaRPr>
+                    </a:p>
+                  </a:txBody>
+                  <a:tcPr marL="196705" marR="159545" marT="151311" marB="151311">
+                    <a:lnL w="19050" cap="flat" cmpd="sng" algn="ctr">
+                      <a:solidFill>
+                        <a:schemeClr val="tx1"/>
+                      </a:solidFill>
+                      <a:prstDash val="solid"/>
+                      <a:round/>
+                      <a:headEnd type="none" w="med" len="med"/>
+                      <a:tailEnd type="none" w="med" len="med"/>
+                    </a:lnL>
+                    <a:lnR w="19050" cap="flat" cmpd="sng" algn="ctr">
+                      <a:solidFill>
+                        <a:schemeClr val="tx1"/>
+                      </a:solidFill>
+                      <a:prstDash val="solid"/>
+                    </a:lnR>
+                    <a:lnT w="38100" cmpd="sng">
+                      <a:noFill/>
+                    </a:lnT>
+                    <a:lnB w="6350" cap="flat" cmpd="sng" algn="ctr">
+                      <a:solidFill>
+                        <a:schemeClr val="tx1">
+                          <a:lumMod val="50000"/>
+                          <a:lumOff val="50000"/>
+                        </a:schemeClr>
+                      </a:solidFill>
+                      <a:prstDash val="solid"/>
+                      <a:round/>
+                      <a:headEnd type="none" w="med" len="med"/>
+                      <a:tailEnd type="none" w="med" len="med"/>
+                    </a:lnB>
+                    <a:noFill/>
+                  </a:tcPr>
+                </a:tc>
+                <a:extLst>
+                  <a:ext uri="{0D108BD9-81ED-4DB2-BD59-A6C34878D82A}">
+                    <a16:rowId xmlns:a16="http://schemas.microsoft.com/office/drawing/2014/main" val="3434076770"/>
+                  </a:ext>
+                </a:extLst>
+              </a:tr>
+              <a:tr h="1156241">
+                <a:tc>
+                  <a:txBody>
+                    <a:bodyPr/>
+                    <a:lstStyle/>
+                    <a:p>
+                      <a:r>
+                        <a:rPr lang="en-US" sz="2300" cap="none" spc="0" dirty="0">
+                          <a:solidFill>
+                            <a:schemeClr val="tx1"/>
+                          </a:solidFill>
+                        </a:rPr>
+                        <a:t>cries</a:t>
+                      </a:r>
+                    </a:p>
+                  </a:txBody>
+                  <a:tcPr marL="196705" marR="159545" marT="151311" marB="151311">
+                    <a:lnL w="6350" cap="flat" cmpd="sng" algn="ctr">
+                      <a:solidFill>
+                        <a:schemeClr val="tx1">
+                          <a:lumMod val="50000"/>
+                          <a:lumOff val="50000"/>
+                        </a:schemeClr>
+                      </a:solidFill>
+                      <a:prstDash val="solid"/>
+                    </a:lnL>
+                    <a:lnR w="6350" cap="flat" cmpd="sng" algn="ctr">
+                      <a:solidFill>
+                        <a:schemeClr val="tx1">
+                          <a:lumMod val="50000"/>
+                          <a:lumOff val="50000"/>
+                        </a:schemeClr>
+                      </a:solidFill>
+                      <a:prstDash val="solid"/>
+                    </a:lnR>
+                    <a:lnT w="6350" cap="flat" cmpd="sng" algn="ctr">
+                      <a:solidFill>
+                        <a:schemeClr val="tx1">
+                          <a:lumMod val="50000"/>
+                          <a:lumOff val="50000"/>
+                        </a:schemeClr>
+                      </a:solidFill>
+                      <a:prstDash val="solid"/>
+                    </a:lnT>
+                    <a:lnB w="19050" cap="flat" cmpd="sng" algn="ctr">
+                      <a:solidFill>
+                        <a:schemeClr val="tx1"/>
+                      </a:solidFill>
+                      <a:prstDash val="solid"/>
+                    </a:lnB>
+                    <a:solidFill>
+                      <a:schemeClr val="bg1">
+                        <a:lumMod val="85000"/>
+                      </a:schemeClr>
+                    </a:solidFill>
+                  </a:tcPr>
+                </a:tc>
+                <a:tc>
+                  <a:txBody>
+                    <a:bodyPr/>
+                    <a:lstStyle/>
+                    <a:p>
+                      <a:pPr marL="0" marR="0" lvl="0" indent="0" algn="l" defTabSz="914400" rtl="0" eaLnBrk="1" fontAlgn="auto" latinLnBrk="0" hangingPunct="1">
+                        <a:lnSpc>
+                          <a:spcPct val="100000"/>
+                        </a:lnSpc>
+                        <a:spcBef>
+                          <a:spcPts val="0"/>
+                        </a:spcBef>
+                        <a:spcAft>
+                          <a:spcPts val="0"/>
+                        </a:spcAft>
+                        <a:buClrTx/>
+                        <a:buSzTx/>
+                        <a:buFontTx/>
+                        <a:buNone/>
+                        <a:tabLst/>
+                        <a:defRPr/>
+                      </a:pPr>
+                      <a:r>
+                        <a:rPr lang="en-US" sz="2300" cap="none" spc="0" dirty="0">
+                          <a:solidFill>
+                            <a:schemeClr val="tx1"/>
+                          </a:solidFill>
+                        </a:rPr>
+                        <a:t>cry</a:t>
+                      </a:r>
+                    </a:p>
+                  </a:txBody>
+                  <a:tcPr marL="196705" marR="159545" marT="151311" marB="151311">
+                    <a:lnL w="6350" cap="flat" cmpd="sng" algn="ctr">
+                      <a:solidFill>
+                        <a:schemeClr val="tx1">
+                          <a:lumMod val="50000"/>
+                          <a:lumOff val="50000"/>
+                        </a:schemeClr>
+                      </a:solidFill>
+                      <a:prstDash val="solid"/>
+                    </a:lnL>
+                    <a:lnR w="12700" cmpd="sng">
+                      <a:noFill/>
+                      <a:prstDash val="solid"/>
+                    </a:lnR>
+                    <a:lnT w="6350" cap="flat" cmpd="sng" algn="ctr">
+                      <a:solidFill>
+                        <a:schemeClr val="tx1">
+                          <a:lumMod val="50000"/>
+                          <a:lumOff val="50000"/>
+                        </a:schemeClr>
+                      </a:solidFill>
+                      <a:prstDash val="solid"/>
+                    </a:lnT>
+                    <a:lnB w="19050" cap="flat" cmpd="sng" algn="ctr">
+                      <a:solidFill>
+                        <a:schemeClr val="tx1"/>
+                      </a:solidFill>
+                      <a:prstDash val="solid"/>
+                    </a:lnB>
+                    <a:solidFill>
+                      <a:schemeClr val="bg1">
+                        <a:lumMod val="85000"/>
+                      </a:schemeClr>
+                    </a:solidFill>
+                  </a:tcPr>
+                </a:tc>
+                <a:tc>
+                  <a:txBody>
+                    <a:bodyPr/>
+                    <a:lstStyle/>
+                    <a:p>
+                      <a:pPr marL="0" marR="0" lvl="0" indent="0" algn="l" defTabSz="914400" rtl="0" eaLnBrk="1" fontAlgn="auto" latinLnBrk="0" hangingPunct="1">
+                        <a:lnSpc>
+                          <a:spcPct val="100000"/>
+                        </a:lnSpc>
+                        <a:spcBef>
+                          <a:spcPts val="0"/>
+                        </a:spcBef>
+                        <a:spcAft>
+                          <a:spcPts val="0"/>
+                        </a:spcAft>
+                        <a:buClrTx/>
+                        <a:buSzTx/>
+                        <a:buFontTx/>
+                        <a:buNone/>
+                        <a:tabLst/>
+                        <a:defRPr/>
+                      </a:pPr>
+                      <a:r>
+                        <a:rPr lang="en-US" sz="2300" cap="none" spc="0" dirty="0">
+                          <a:solidFill>
+                            <a:schemeClr val="tx1"/>
+                          </a:solidFill>
+                        </a:rPr>
+                        <a:t>cri</a:t>
+                      </a:r>
+                    </a:p>
+                  </a:txBody>
+                  <a:tcPr marL="196705" marR="159545" marT="151311" marB="151311">
+                    <a:lnL w="6350" cap="flat" cmpd="sng" algn="ctr">
+                      <a:noFill/>
+                      <a:prstDash val="solid"/>
+                    </a:lnL>
+                    <a:lnR w="12700" cmpd="sng">
+                      <a:noFill/>
+                      <a:prstDash val="solid"/>
+                    </a:lnR>
+                    <a:lnT w="6350" cap="flat" cmpd="sng" algn="ctr">
+                      <a:solidFill>
+                        <a:schemeClr val="tx1">
+                          <a:lumMod val="50000"/>
+                          <a:lumOff val="50000"/>
+                        </a:schemeClr>
+                      </a:solidFill>
+                      <a:prstDash val="solid"/>
+                      <a:round/>
+                      <a:headEnd type="none" w="med" len="med"/>
+                      <a:tailEnd type="none" w="med" len="med"/>
+                    </a:lnT>
+                    <a:lnB w="19050" cap="flat" cmpd="sng" algn="ctr">
+                      <a:solidFill>
+                        <a:schemeClr val="tx1"/>
+                      </a:solidFill>
+                      <a:prstDash val="solid"/>
+                      <a:round/>
+                      <a:headEnd type="none" w="med" len="med"/>
+                      <a:tailEnd type="none" w="med" len="med"/>
+                    </a:lnB>
+                    <a:solidFill>
+                      <a:schemeClr val="bg1">
+                        <a:lumMod val="85000"/>
+                      </a:schemeClr>
+                    </a:solidFill>
+                  </a:tcPr>
+                </a:tc>
+                <a:extLst>
+                  <a:ext uri="{0D108BD9-81ED-4DB2-BD59-A6C34878D82A}">
+                    <a16:rowId xmlns:a16="http://schemas.microsoft.com/office/drawing/2014/main" val="2878111560"/>
+                  </a:ext>
+                </a:extLst>
+              </a:tr>
+            </a:tbl>
+          </a:graphicData>
+        </a:graphic>
+      </p:graphicFrame>
+    </p:spTree>
+    <p:extLst>
+      <p:ext uri="{BB962C8B-B14F-4D97-AF65-F5344CB8AC3E}">
+        <p14:creationId xmlns:p14="http://schemas.microsoft.com/office/powerpoint/2010/main" val="3586568483"/>
+      </p:ext>
+    </p:extLst>
+  </p:cSld>
+  <p:clrMapOvr>
+    <a:masterClrMapping/>
+  </p:clrMapOvr>
+</p:sld>
+</file>
+
+<file path=ppt/slides/slide9.xml><?xml version="1.0" encoding="utf-8"?>
 <p:sld xmlns:a="http://schemas.openxmlformats.org/drawingml/2006/main" xmlns:r="http://schemas.openxmlformats.org/officeDocument/2006/relationships" xmlns:p="http://schemas.openxmlformats.org/presentationml/2006/main">
   <p:cSld>
     <p:bg>
@@ -12193,7 +15745,7 @@
             <p:ph idx="1"/>
             <p:extLst>
               <p:ext uri="{D42A27DB-BD31-4B8C-83A1-F6EECF244321}">
-                <p14:modId xmlns:p14="http://schemas.microsoft.com/office/powerpoint/2010/main" val="3166789738"/>
+                <p14:modId xmlns:p14="http://schemas.microsoft.com/office/powerpoint/2010/main" val="3036169088"/>
               </p:ext>
             </p:extLst>
           </p:nvPr>
@@ -12251,6 +15803,7 @@
                     <a:lnB>
                       <a:noFill/>
                     </a:lnB>
+                    <a:noFill/>
                   </a:tcPr>
                 </a:tc>
                 <a:tc>
@@ -12281,6 +15834,7 @@
                     <a:lnB>
                       <a:noFill/>
                     </a:lnB>
+                    <a:noFill/>
                   </a:tcPr>
                 </a:tc>
                 <a:extLst>
@@ -12297,7 +15851,7 @@
                     <a:p>
                       <a:pPr algn="l" fontAlgn="b"/>
                       <a:r>
-                        <a:rPr lang="en-US" sz="1500" b="1" i="0" u="none" strike="noStrike">
+                        <a:rPr lang="en-US" sz="1500" b="1" i="0" u="none" strike="noStrike" dirty="0">
                           <a:solidFill>
                             <a:srgbClr val="000000"/>
                           </a:solidFill>
@@ -12321,6 +15875,7 @@
                     <a:lnB>
                       <a:noFill/>
                     </a:lnB>
+                    <a:noFill/>
                   </a:tcPr>
                 </a:tc>
                 <a:tc>
@@ -12354,6 +15909,7 @@
                     <a:lnB>
                       <a:noFill/>
                     </a:lnB>
+                    <a:noFill/>
                   </a:tcPr>
                 </a:tc>
                 <a:extLst>
@@ -12394,6 +15950,7 @@
                     <a:lnB>
                       <a:noFill/>
                     </a:lnB>
+                    <a:noFill/>
                   </a:tcPr>
                 </a:tc>
                 <a:tc>
@@ -12427,6 +15984,7 @@
                     <a:lnB>
                       <a:noFill/>
                     </a:lnB>
+                    <a:noFill/>
                   </a:tcPr>
                 </a:tc>
                 <a:extLst>
@@ -12467,6 +16025,7 @@
                     <a:lnB>
                       <a:noFill/>
                     </a:lnB>
+                    <a:noFill/>
                   </a:tcPr>
                 </a:tc>
                 <a:tc>
@@ -12476,15 +16035,72 @@
                     <a:p>
                       <a:pPr algn="l" fontAlgn="b"/>
                       <a:r>
-                        <a:rPr lang="en-US" sz="1000" b="0" i="0" u="none" strike="noStrike">
+                        <a:rPr lang="en-US" sz="1000" b="0" i="0" u="none" strike="noStrike" dirty="0">
                           <a:solidFill>
                             <a:srgbClr val="000000"/>
                           </a:solidFill>
                           <a:effectLst/>
                           <a:latin typeface="Calibri" panose="020F0502020204030204" pitchFamily="34" charset="0"/>
                         </a:rPr>
-                        <a:t>soon sad i will miss you here in san diego</a:t>
+                        <a:t>soon sad </a:t>
                       </a:r>
+                      <a:r>
+                        <a:rPr lang="en-US" sz="1000" b="0" i="0" u="none" strike="noStrike" dirty="0" err="1">
+                          <a:solidFill>
+                            <a:srgbClr val="000000"/>
+                          </a:solidFill>
+                          <a:effectLst/>
+                          <a:latin typeface="Calibri" panose="020F0502020204030204" pitchFamily="34" charset="0"/>
+                        </a:rPr>
+                        <a:t>i</a:t>
+                      </a:r>
+                      <a:r>
+                        <a:rPr lang="en-US" sz="1000" b="0" i="0" u="none" strike="noStrike" dirty="0">
+                          <a:solidFill>
+                            <a:srgbClr val="000000"/>
+                          </a:solidFill>
+                          <a:effectLst/>
+                          <a:latin typeface="Calibri" panose="020F0502020204030204" pitchFamily="34" charset="0"/>
+                        </a:rPr>
+                        <a:t> will miss you here in </a:t>
+                      </a:r>
+                      <a:r>
+                        <a:rPr lang="en-US" sz="1000" b="0" i="0" u="none" strike="noStrike" dirty="0" err="1">
+                          <a:solidFill>
+                            <a:srgbClr val="000000"/>
+                          </a:solidFill>
+                          <a:effectLst/>
+                          <a:latin typeface="Calibri" panose="020F0502020204030204" pitchFamily="34" charset="0"/>
+                        </a:rPr>
+                        <a:t>san</a:t>
+                      </a:r>
+                      <a:r>
+                        <a:rPr lang="en-US" sz="1000" b="0" i="0" u="none" strike="noStrike" dirty="0">
+                          <a:solidFill>
+                            <a:srgbClr val="000000"/>
+                          </a:solidFill>
+                          <a:effectLst/>
+                          <a:latin typeface="Calibri" panose="020F0502020204030204" pitchFamily="34" charset="0"/>
+                        </a:rPr>
+                        <a:t> </a:t>
+                      </a:r>
+                      <a:r>
+                        <a:rPr lang="en-US" sz="1000" b="0" i="0" u="none" strike="noStrike" dirty="0" err="1">
+                          <a:solidFill>
+                            <a:srgbClr val="000000"/>
+                          </a:solidFill>
+                          <a:effectLst/>
+                          <a:latin typeface="Calibri" panose="020F0502020204030204" pitchFamily="34" charset="0"/>
+                        </a:rPr>
+                        <a:t>diego</a:t>
+                      </a:r>
+                      <a:endParaRPr lang="en-US" sz="1000" b="0" i="0" u="none" strike="noStrike" dirty="0">
+                        <a:solidFill>
+                          <a:srgbClr val="000000"/>
+                        </a:solidFill>
+                        <a:effectLst/>
+                        <a:latin typeface="Calibri" panose="020F0502020204030204" pitchFamily="34" charset="0"/>
+                      </a:endParaRPr>
                     </a:p>
                   </a:txBody>
                   <a:tcPr marL="6449" marR="6449" marT="6449" marB="0" anchor="b">
@@ -12500,6 +16116,7 @@
                     <a:lnB>
                       <a:noFill/>
                     </a:lnB>
+                    <a:noFill/>
                   </a:tcPr>
                 </a:tc>
                 <a:extLst>
@@ -12540,6 +16157,7 @@
                     <a:lnB>
                       <a:noFill/>
                     </a:lnB>
+                    <a:noFill/>
                   </a:tcPr>
                 </a:tc>
                 <a:tc>
@@ -12573,6 +16191,7 @@
                     <a:lnB>
                       <a:noFill/>
                     </a:lnB>
+                    <a:noFill/>
                   </a:tcPr>
                 </a:tc>
                 <a:extLst>
@@ -12613,6 +16232,7 @@
                     <a:lnB>
                       <a:noFill/>
                     </a:lnB>
+                    <a:noFill/>
                   </a:tcPr>
                 </a:tc>
                 <a:tc>
@@ -12646,6 +16266,7 @@
                     <a:lnB>
                       <a:noFill/>
                     </a:lnB>
+                    <a:noFill/>
                   </a:tcPr>
                 </a:tc>
                 <a:extLst>
@@ -12686,6 +16307,7 @@
                     <a:lnB>
                       <a:noFill/>
                     </a:lnB>
+                    <a:noFill/>
                   </a:tcPr>
                 </a:tc>
                 <a:tc>
@@ -12719,6 +16341,7 @@
                     <a:lnB>
                       <a:noFill/>
                     </a:lnB>
+                    <a:noFill/>
                   </a:tcPr>
                 </a:tc>
                 <a:extLst>
@@ -12735,7 +16358,7 @@
                     <a:p>
                       <a:pPr algn="l" fontAlgn="b"/>
                       <a:r>
-                        <a:rPr lang="en-US" sz="1000" b="0" i="0" u="none" strike="noStrike">
+                        <a:rPr lang="en-US" sz="1000" b="0" i="0" u="none" strike="noStrike" dirty="0">
                           <a:solidFill>
                             <a:srgbClr val="000000"/>
                           </a:solidFill>
@@ -12759,6 +16382,7 @@
                     <a:lnB>
                       <a:noFill/>
                     </a:lnB>
+                    <a:noFill/>
                   </a:tcPr>
                 </a:tc>
                 <a:tc>
@@ -12792,6 +16416,7 @@
                     <a:lnB>
                       <a:noFill/>
                     </a:lnB>
+                    <a:noFill/>
                   </a:tcPr>
                 </a:tc>
                 <a:extLst>
@@ -12832,6 +16457,7 @@
                     <a:lnB>
                       <a:noFill/>
                     </a:lnB>
+                    <a:noFill/>
                   </a:tcPr>
                 </a:tc>
                 <a:tc>
@@ -12865,6 +16491,7 @@
                     <a:lnB>
                       <a:noFill/>
                     </a:lnB>
+                    <a:noFill/>
                   </a:tcPr>
                 </a:tc>
                 <a:extLst>
@@ -12905,6 +16532,7 @@
                     <a:lnB>
                       <a:noFill/>
                     </a:lnB>
+                    <a:noFill/>
                   </a:tcPr>
                 </a:tc>
                 <a:tc>
@@ -12914,7 +16542,7 @@
                     <a:p>
                       <a:pPr algn="l" fontAlgn="b"/>
                       <a:r>
-                        <a:rPr lang="en-US" sz="1000" b="0" i="0" u="none" strike="noStrike">
+                        <a:rPr lang="en-US" sz="1000" b="0" i="0" u="none" strike="noStrike" dirty="0">
                           <a:solidFill>
                             <a:srgbClr val="000000"/>
                           </a:solidFill>
@@ -12938,6 +16566,7 @@
                     <a:lnB>
                       <a:noFill/>
                     </a:lnB>
+                    <a:noFill/>
                   </a:tcPr>
                 </a:tc>
                 <a:extLst>
@@ -12978,6 +16607,7 @@
                     <a:lnB>
                       <a:noFill/>
                     </a:lnB>
+                    <a:noFill/>
                   </a:tcPr>
                 </a:tc>
                 <a:tc>
@@ -12987,7 +16617,7 @@
                     <a:p>
                       <a:pPr algn="l" fontAlgn="b"/>
                       <a:r>
-                        <a:rPr lang="en-US" sz="1000" b="0" i="0" u="none" strike="noStrike">
+                        <a:rPr lang="en-US" sz="1000" b="0" i="0" u="none" strike="noStrike" dirty="0">
                           <a:solidFill>
                             <a:srgbClr val="000000"/>
                           </a:solidFill>
@@ -13011,6 +16641,7 @@
                     <a:lnB>
                       <a:noFill/>
                     </a:lnB>
+                    <a:noFill/>
                   </a:tcPr>
                 </a:tc>
                 <a:extLst>
@@ -13051,6 +16682,7 @@
                     <a:lnB>
                       <a:noFill/>
                     </a:lnB>
+                    <a:noFill/>
                   </a:tcPr>
                 </a:tc>
                 <a:tc>
@@ -13060,7 +16692,7 @@
                     <a:p>
                       <a:pPr algn="l" fontAlgn="b"/>
                       <a:r>
-                        <a:rPr lang="en-US" sz="1000" b="0" i="0" u="none" strike="noStrike">
+                        <a:rPr lang="en-US" sz="1000" b="0" i="0" u="none" strike="noStrike" dirty="0">
                           <a:solidFill>
                             <a:srgbClr val="000000"/>
                           </a:solidFill>
@@ -13084,6 +16716,7 @@
                     <a:lnB>
                       <a:noFill/>
                     </a:lnB>
+                    <a:noFill/>
                   </a:tcPr>
                 </a:tc>
                 <a:extLst>
@@ -13124,6 +16757,7 @@
                     <a:lnB>
                       <a:noFill/>
                     </a:lnB>
+                    <a:noFill/>
                   </a:tcPr>
                 </a:tc>
                 <a:tc>
@@ -13157,6 +16791,7 @@
                     <a:lnB>
                       <a:noFill/>
                     </a:lnB>
+                    <a:noFill/>
                   </a:tcPr>
                 </a:tc>
                 <a:extLst>
@@ -13197,6 +16832,7 @@
                     <a:lnB>
                       <a:noFill/>
                     </a:lnB>
+                    <a:noFill/>
                   </a:tcPr>
                 </a:tc>
                 <a:tc>
@@ -13230,6 +16866,7 @@
                     <a:lnB>
                       <a:noFill/>
                     </a:lnB>
+                    <a:noFill/>
                   </a:tcPr>
                 </a:tc>
                 <a:extLst>
@@ -13270,6 +16907,7 @@
                     <a:lnB>
                       <a:noFill/>
                     </a:lnB>
+                    <a:noFill/>
                   </a:tcPr>
                 </a:tc>
                 <a:tc>
@@ -13279,7 +16917,7 @@
                     <a:p>
                       <a:pPr algn="l" fontAlgn="b"/>
                       <a:r>
-                        <a:rPr lang="en-US" sz="1000" b="0" i="0" u="none" strike="noStrike">
+                        <a:rPr lang="en-US" sz="1000" b="0" i="0" u="none" strike="noStrike" dirty="0">
                           <a:solidFill>
                             <a:srgbClr val="000000"/>
                           </a:solidFill>
@@ -13303,6 +16941,7 @@
                     <a:lnB>
                       <a:noFill/>
                     </a:lnB>
+                    <a:noFill/>
                   </a:tcPr>
                 </a:tc>
                 <a:extLst>
@@ -13343,6 +16982,7 @@
                     <a:lnB>
                       <a:noFill/>
                     </a:lnB>
+                    <a:noFill/>
                   </a:tcPr>
                 </a:tc>
                 <a:tc>
@@ -13376,6 +17016,7 @@
                     <a:lnB>
                       <a:noFill/>
                     </a:lnB>
+                    <a:noFill/>
                   </a:tcPr>
                 </a:tc>
                 <a:extLst>
@@ -13416,6 +17057,7 @@
                     <a:lnB>
                       <a:noFill/>
                     </a:lnB>
+                    <a:noFill/>
                   </a:tcPr>
                 </a:tc>
                 <a:tc>
@@ -13449,6 +17091,7 @@
                     <a:lnB>
                       <a:noFill/>
                     </a:lnB>
+                    <a:noFill/>
                   </a:tcPr>
                 </a:tc>
                 <a:extLst>
@@ -13465,7 +17108,7 @@
                     <a:p>
                       <a:pPr algn="l" fontAlgn="b"/>
                       <a:r>
-                        <a:rPr lang="en-US" sz="1000" b="0" i="0" u="none" strike="noStrike">
+                        <a:rPr lang="en-US" sz="1000" b="0" i="0" u="none" strike="noStrike" dirty="0">
                           <a:solidFill>
                             <a:srgbClr val="000000"/>
                           </a:solidFill>
@@ -13489,6 +17132,7 @@
                     <a:lnB>
                       <a:noFill/>
                     </a:lnB>
+                    <a:noFill/>
                   </a:tcPr>
                 </a:tc>
                 <a:tc>
@@ -13522,6 +17166,7 @@
                     <a:lnB>
                       <a:noFill/>
                     </a:lnB>
+                    <a:noFill/>
                   </a:tcPr>
                 </a:tc>
                 <a:extLst>
@@ -13562,6 +17207,7 @@
                     <a:lnB>
                       <a:noFill/>
                     </a:lnB>
+                    <a:noFill/>
                   </a:tcPr>
                 </a:tc>
                 <a:tc>
@@ -13571,7 +17217,7 @@
                     <a:p>
                       <a:pPr algn="l" fontAlgn="b"/>
                       <a:r>
-                        <a:rPr lang="en-US" sz="1000" b="0" i="0" u="none" strike="noStrike">
+                        <a:rPr lang="en-US" sz="1000" b="0" i="0" u="none" strike="noStrike" dirty="0">
                           <a:solidFill>
                             <a:srgbClr val="000000"/>
                           </a:solidFill>
@@ -13580,13 +17226,6 @@
                         </a:rPr>
                         <a:t>s ` ok trying to plot alternatives as we speak sigh</a:t>
                       </a:r>
-                      <a:endParaRPr lang="en-US" sz="1000" b="0" i="0" u="none" strike="noStrike" dirty="0">
-                        <a:solidFill>
-                          <a:srgbClr val="000000"/>
-                        </a:solidFill>
-                        <a:effectLst/>
-                        <a:latin typeface="Calibri" panose="020F0502020204030204" pitchFamily="34" charset="0"/>
-                      </a:endParaRPr>
                     </a:p>
                   </a:txBody>
                   <a:tcPr marL="6449" marR="6449" marT="6449" marB="0" anchor="b">
@@ -13602,6 +17241,7 @@
                     <a:lnB>
                       <a:noFill/>
                     </a:lnB>
+                    <a:noFill/>
                   </a:tcPr>
                 </a:tc>
                 <a:extLst>
@@ -13618,501 +17258,6 @@
     <p:extLst>
       <p:ext uri="{BB962C8B-B14F-4D97-AF65-F5344CB8AC3E}">
         <p14:creationId xmlns:p14="http://schemas.microsoft.com/office/powerpoint/2010/main" val="471472887"/>
-      </p:ext>
-    </p:extLst>
-  </p:cSld>
-  <p:clrMapOvr>
-    <a:masterClrMapping/>
-  </p:clrMapOvr>
-</p:sld>
-</file>
-
-<file path=ppt/slides/slide8.xml><?xml version="1.0" encoding="utf-8"?>
-<p:sld xmlns:a="http://schemas.openxmlformats.org/drawingml/2006/main" xmlns:r="http://schemas.openxmlformats.org/officeDocument/2006/relationships" xmlns:p="http://schemas.openxmlformats.org/presentationml/2006/main">
-  <p:cSld>
-    <p:bg>
-      <p:bgPr>
-        <a:solidFill>
-          <a:schemeClr val="bg1"/>
-        </a:solidFill>
-        <a:effectLst/>
-      </p:bgPr>
-    </p:bg>
-    <p:spTree>
-      <p:nvGrpSpPr>
-        <p:cNvPr id="1" name=""/>
-        <p:cNvGrpSpPr/>
-        <p:nvPr/>
-      </p:nvGrpSpPr>
-      <p:grpSpPr>
-        <a:xfrm>
-          <a:off x="0" y="0"/>
-          <a:ext cx="0" cy="0"/>
-          <a:chOff x="0" y="0"/>
-          <a:chExt cx="0" cy="0"/>
-        </a:xfrm>
-      </p:grpSpPr>
-      <p:cxnSp>
-        <p:nvCxnSpPr>
-          <p:cNvPr id="22" name="Straight Connector 21">
-            <a:extLst>
-              <a:ext uri="{FF2B5EF4-FFF2-40B4-BE49-F238E27FC236}">
-                <a16:creationId xmlns:a16="http://schemas.microsoft.com/office/drawing/2014/main" id="{99AE2756-0FC4-4155-83E7-58AAAB63E757}"/>
-              </a:ext>
-              <a:ext uri="{C183D7F6-B498-43B3-948B-1728B52AA6E4}">
-                <adec:decorative xmlns:adec="http://schemas.microsoft.com/office/drawing/2017/decorative" val="1"/>
-              </a:ext>
-            </a:extLst>
-          </p:cNvPr>
-          <p:cNvCxnSpPr>
-            <a:cxnSpLocks noGrp="1" noRot="1" noChangeAspect="1" noMove="1" noResize="1" noEditPoints="1" noAdjustHandles="1" noChangeArrowheads="1" noChangeShapeType="1"/>
-          </p:cNvCxnSpPr>
-          <p:nvPr>
-            <p:extLst>
-              <p:ext uri="{386F3935-93C4-4BCD-93E2-E3B085C9AB24}">
-                <p16:designElem xmlns:p16="http://schemas.microsoft.com/office/powerpoint/2015/main" val="1"/>
-              </p:ext>
-            </p:extLst>
-          </p:nvPr>
-        </p:nvCxnSpPr>
-        <p:spPr>
-          <a:xfrm>
-            <a:off x="4065689" y="477749"/>
-            <a:ext cx="0" cy="3657600"/>
-          </a:xfrm>
-          <a:prstGeom prst="line">
-            <a:avLst/>
-          </a:prstGeom>
-          <a:ln w="101600" cmpd="dbl">
-            <a:solidFill>
-              <a:srgbClr val="595959"/>
-            </a:solidFill>
-          </a:ln>
-        </p:spPr>
-        <p:style>
-          <a:lnRef idx="1">
-            <a:schemeClr val="accent1"/>
-          </a:lnRef>
-          <a:fillRef idx="0">
-            <a:schemeClr val="accent1"/>
-          </a:fillRef>
-          <a:effectRef idx="0">
-            <a:schemeClr val="accent1"/>
-          </a:effectRef>
-          <a:fontRef idx="minor">
-            <a:schemeClr val="tx1"/>
-          </a:fontRef>
-        </p:style>
-      </p:cxnSp>
-      <p:sp>
-        <p:nvSpPr>
-          <p:cNvPr id="24" name="Rectangle 23">
-            <a:extLst>
-              <a:ext uri="{FF2B5EF4-FFF2-40B4-BE49-F238E27FC236}">
-                <a16:creationId xmlns:a16="http://schemas.microsoft.com/office/drawing/2014/main" id="{247AB924-1B87-43FC-B7C7-B112D5C51A0E}"/>
-              </a:ext>
-              <a:ext uri="{C183D7F6-B498-43B3-948B-1728B52AA6E4}">
-                <adec:decorative xmlns:adec="http://schemas.microsoft.com/office/drawing/2017/decorative" val="1"/>
-              </a:ext>
-            </a:extLst>
-          </p:cNvPr>
-          <p:cNvSpPr>
-            <a:spLocks noGrp="1" noRot="1" noChangeAspect="1" noMove="1" noResize="1" noEditPoints="1" noAdjustHandles="1" noChangeArrowheads="1" noChangeShapeType="1" noTextEdit="1"/>
-          </p:cNvSpPr>
-          <p:nvPr>
-            <p:extLst>
-              <p:ext uri="{386F3935-93C4-4BCD-93E2-E3B085C9AB24}">
-                <p16:designElem xmlns:p16="http://schemas.microsoft.com/office/powerpoint/2015/main" val="1"/>
-              </p:ext>
-            </p:extLst>
-          </p:nvPr>
-        </p:nvSpPr>
-        <p:spPr bwMode="ltGray">
-          <a:xfrm>
-            <a:off x="378068" y="4633546"/>
-            <a:ext cx="11438793" cy="1844256"/>
-          </a:xfrm>
-          <a:prstGeom prst="rect">
-            <a:avLst/>
-          </a:prstGeom>
-          <a:solidFill>
-            <a:srgbClr val="404040"/>
-          </a:solidFill>
-          <a:ln w="127000" cap="sq" cmpd="thinThick">
-            <a:solidFill>
-              <a:srgbClr val="404040"/>
-            </a:solidFill>
-          </a:ln>
-        </p:spPr>
-        <p:style>
-          <a:lnRef idx="2">
-            <a:schemeClr val="accent1">
-              <a:shade val="50000"/>
-            </a:schemeClr>
-          </a:lnRef>
-          <a:fillRef idx="1">
-            <a:schemeClr val="accent1"/>
-          </a:fillRef>
-          <a:effectRef idx="0">
-            <a:schemeClr val="accent1"/>
-          </a:effectRef>
-          <a:fontRef idx="minor">
-            <a:schemeClr val="lt1"/>
-          </a:fontRef>
-        </p:style>
-        <p:txBody>
-          <a:bodyPr rtlCol="0" anchor="ctr"/>
-          <a:lstStyle/>
-          <a:p>
-            <a:pPr algn="ctr"/>
-            <a:endParaRPr lang="en-US"/>
-          </a:p>
-        </p:txBody>
-      </p:sp>
-      <p:sp>
-        <p:nvSpPr>
-          <p:cNvPr id="2" name="Title 1">
-            <a:extLst>
-              <a:ext uri="{FF2B5EF4-FFF2-40B4-BE49-F238E27FC236}">
-                <a16:creationId xmlns:a16="http://schemas.microsoft.com/office/drawing/2014/main" id="{499CA8CF-3826-4E05-8816-FDE7F7DFCF33}"/>
-              </a:ext>
-            </a:extLst>
-          </p:cNvPr>
-          <p:cNvSpPr>
-            <a:spLocks noGrp="1"/>
-          </p:cNvSpPr>
-          <p:nvPr>
-            <p:ph type="title"/>
-          </p:nvPr>
-        </p:nvSpPr>
-        <p:spPr>
-          <a:xfrm>
-            <a:off x="527538" y="4756638"/>
-            <a:ext cx="11139854" cy="930447"/>
-          </a:xfrm>
-        </p:spPr>
-        <p:txBody>
-          <a:bodyPr vert="horz" lIns="91440" tIns="45720" rIns="91440" bIns="45720" rtlCol="0" anchor="b">
-            <a:normAutofit/>
-          </a:bodyPr>
-          <a:lstStyle/>
-          <a:p>
-            <a:pPr algn="ctr"/>
-            <a:r>
-              <a:rPr lang="en-US" sz="5400" dirty="0">
-                <a:solidFill>
-                  <a:srgbClr val="FFFFFF"/>
-                </a:solidFill>
-              </a:rPr>
-              <a:t>Application Stack</a:t>
-            </a:r>
-          </a:p>
-        </p:txBody>
-      </p:sp>
-      <p:pic>
-        <p:nvPicPr>
-          <p:cNvPr id="17" name="Content Placeholder 16" descr="Logo, company name&#10;&#10;Description automatically generated">
-            <a:extLst>
-              <a:ext uri="{FF2B5EF4-FFF2-40B4-BE49-F238E27FC236}">
-                <a16:creationId xmlns:a16="http://schemas.microsoft.com/office/drawing/2014/main" id="{D0F1CDDD-F818-4B3D-B9D1-C687E76A6914}"/>
-              </a:ext>
-            </a:extLst>
-          </p:cNvPr>
-          <p:cNvPicPr>
-            <a:picLocks noGrp="1" noChangeAspect="1"/>
-          </p:cNvPicPr>
-          <p:nvPr>
-            <p:ph idx="1"/>
-          </p:nvPr>
-        </p:nvPicPr>
-        <p:blipFill>
-          <a:blip r:embed="rId2">
-            <a:extLst>
-              <a:ext uri="{28A0092B-C50C-407E-A947-70E740481C1C}">
-                <a14:useLocalDpi xmlns:a14="http://schemas.microsoft.com/office/drawing/2010/main" val="0"/>
-              </a:ext>
-            </a:extLst>
-          </a:blip>
-          <a:stretch>
-            <a:fillRect/>
-          </a:stretch>
-        </p:blipFill>
-        <p:spPr>
-          <a:xfrm>
-            <a:off x="320040" y="593745"/>
-            <a:ext cx="3425609" cy="3425609"/>
-          </a:xfrm>
-          <a:prstGeom prst="rect">
-            <a:avLst/>
-          </a:prstGeom>
-        </p:spPr>
-      </p:pic>
-      <p:pic>
-        <p:nvPicPr>
-          <p:cNvPr id="7" name="Picture 6" descr="Text&#10;&#10;Description automatically generated">
-            <a:extLst>
-              <a:ext uri="{FF2B5EF4-FFF2-40B4-BE49-F238E27FC236}">
-                <a16:creationId xmlns:a16="http://schemas.microsoft.com/office/drawing/2014/main" id="{E4672EDD-8B6E-454B-A0AB-517EB413632B}"/>
-              </a:ext>
-            </a:extLst>
-          </p:cNvPr>
-          <p:cNvPicPr>
-            <a:picLocks noChangeAspect="1"/>
-          </p:cNvPicPr>
-          <p:nvPr/>
-        </p:nvPicPr>
-        <p:blipFill>
-          <a:blip r:embed="rId3">
-            <a:extLst>
-              <a:ext uri="{28A0092B-C50C-407E-A947-70E740481C1C}">
-                <a14:useLocalDpi xmlns:a14="http://schemas.microsoft.com/office/drawing/2010/main" val="0"/>
-              </a:ext>
-            </a:extLst>
-          </a:blip>
-          <a:stretch>
-            <a:fillRect/>
-          </a:stretch>
-        </p:blipFill>
-        <p:spPr>
-          <a:xfrm>
-            <a:off x="4385729" y="1345219"/>
-            <a:ext cx="3433324" cy="1922661"/>
-          </a:xfrm>
-          <a:prstGeom prst="rect">
-            <a:avLst/>
-          </a:prstGeom>
-        </p:spPr>
-      </p:pic>
-      <p:cxnSp>
-        <p:nvCxnSpPr>
-          <p:cNvPr id="26" name="Straight Connector 25">
-            <a:extLst>
-              <a:ext uri="{FF2B5EF4-FFF2-40B4-BE49-F238E27FC236}">
-                <a16:creationId xmlns:a16="http://schemas.microsoft.com/office/drawing/2014/main" id="{818DC98F-4057-4645-B948-F604F39A9CFE}"/>
-              </a:ext>
-              <a:ext uri="{C183D7F6-B498-43B3-948B-1728B52AA6E4}">
-                <adec:decorative xmlns:adec="http://schemas.microsoft.com/office/drawing/2017/decorative" val="1"/>
-              </a:ext>
-            </a:extLst>
-          </p:cNvPr>
-          <p:cNvCxnSpPr>
-            <a:cxnSpLocks noGrp="1" noRot="1" noChangeAspect="1" noMove="1" noResize="1" noEditPoints="1" noAdjustHandles="1" noChangeArrowheads="1" noChangeShapeType="1"/>
-          </p:cNvCxnSpPr>
-          <p:nvPr>
-            <p:extLst>
-              <p:ext uri="{386F3935-93C4-4BCD-93E2-E3B085C9AB24}">
-                <p16:designElem xmlns:p16="http://schemas.microsoft.com/office/powerpoint/2015/main" val="1"/>
-              </p:ext>
-            </p:extLst>
-          </p:nvPr>
-        </p:nvCxnSpPr>
-        <p:spPr>
-          <a:xfrm>
-            <a:off x="8153400" y="477749"/>
-            <a:ext cx="0" cy="3657600"/>
-          </a:xfrm>
-          <a:prstGeom prst="line">
-            <a:avLst/>
-          </a:prstGeom>
-          <a:ln w="101600" cmpd="dbl">
-            <a:solidFill>
-              <a:srgbClr val="595959"/>
-            </a:solidFill>
-          </a:ln>
-        </p:spPr>
-        <p:style>
-          <a:lnRef idx="1">
-            <a:schemeClr val="accent1"/>
-          </a:lnRef>
-          <a:fillRef idx="0">
-            <a:schemeClr val="accent1"/>
-          </a:fillRef>
-          <a:effectRef idx="0">
-            <a:schemeClr val="accent1"/>
-          </a:effectRef>
-          <a:fontRef idx="minor">
-            <a:schemeClr val="tx1"/>
-          </a:fontRef>
-        </p:style>
-      </p:cxnSp>
-      <p:pic>
-        <p:nvPicPr>
-          <p:cNvPr id="13" name="Picture 12" descr="Logo&#10;&#10;Description automatically generated with medium confidence">
-            <a:extLst>
-              <a:ext uri="{FF2B5EF4-FFF2-40B4-BE49-F238E27FC236}">
-                <a16:creationId xmlns:a16="http://schemas.microsoft.com/office/drawing/2014/main" id="{21439542-F5DD-44A0-BF1C-2990DEA9F4C6}"/>
-              </a:ext>
-            </a:extLst>
-          </p:cNvPr>
-          <p:cNvPicPr>
-            <a:picLocks noChangeAspect="1"/>
-          </p:cNvPicPr>
-          <p:nvPr/>
-        </p:nvPicPr>
-        <p:blipFill>
-          <a:blip r:embed="rId4">
-            <a:extLst>
-              <a:ext uri="{28A0092B-C50C-407E-A947-70E740481C1C}">
-                <a14:useLocalDpi xmlns:a14="http://schemas.microsoft.com/office/drawing/2010/main" val="0"/>
-              </a:ext>
-            </a:extLst>
-          </a:blip>
-          <a:stretch>
-            <a:fillRect/>
-          </a:stretch>
-        </p:blipFill>
-        <p:spPr>
-          <a:xfrm>
-            <a:off x="8733261" y="698057"/>
-            <a:ext cx="2730770" cy="3052794"/>
-          </a:xfrm>
-          <a:prstGeom prst="rect">
-            <a:avLst/>
-          </a:prstGeom>
-        </p:spPr>
-      </p:pic>
-      <p:cxnSp>
-        <p:nvCxnSpPr>
-          <p:cNvPr id="28" name="Straight Connector 27">
-            <a:extLst>
-              <a:ext uri="{FF2B5EF4-FFF2-40B4-BE49-F238E27FC236}">
-                <a16:creationId xmlns:a16="http://schemas.microsoft.com/office/drawing/2014/main" id="{DAD2B705-4A9B-408D-AA80-4F41045E09DE}"/>
-              </a:ext>
-              <a:ext uri="{C183D7F6-B498-43B3-948B-1728B52AA6E4}">
-                <adec:decorative xmlns:adec="http://schemas.microsoft.com/office/drawing/2017/decorative" val="1"/>
-              </a:ext>
-            </a:extLst>
-          </p:cNvPr>
-          <p:cNvCxnSpPr>
-            <a:cxnSpLocks noGrp="1" noRot="1" noChangeAspect="1" noMove="1" noResize="1" noEditPoints="1" noAdjustHandles="1" noChangeArrowheads="1" noChangeShapeType="1"/>
-          </p:cNvCxnSpPr>
-          <p:nvPr>
-            <p:extLst>
-              <p:ext uri="{386F3935-93C4-4BCD-93E2-E3B085C9AB24}">
-                <p16:designElem xmlns:p16="http://schemas.microsoft.com/office/powerpoint/2015/main" val="1"/>
-              </p:ext>
-            </p:extLst>
-          </p:nvPr>
-        </p:nvCxnSpPr>
-        <p:spPr>
-          <a:xfrm>
-            <a:off x="2209800" y="5738691"/>
-            <a:ext cx="7772400" cy="0"/>
-          </a:xfrm>
-          <a:prstGeom prst="line">
-            <a:avLst/>
-          </a:prstGeom>
-          <a:ln w="22225">
-            <a:solidFill>
-              <a:srgbClr val="D9D9D9"/>
-            </a:solidFill>
-          </a:ln>
-        </p:spPr>
-        <p:style>
-          <a:lnRef idx="1">
-            <a:schemeClr val="accent1"/>
-          </a:lnRef>
-          <a:fillRef idx="0">
-            <a:schemeClr val="accent1"/>
-          </a:fillRef>
-          <a:effectRef idx="0">
-            <a:schemeClr val="accent1"/>
-          </a:effectRef>
-          <a:fontRef idx="minor">
-            <a:schemeClr val="tx1"/>
-          </a:fontRef>
-        </p:style>
-      </p:cxnSp>
-    </p:spTree>
-    <p:extLst>
-      <p:ext uri="{BB962C8B-B14F-4D97-AF65-F5344CB8AC3E}">
-        <p14:creationId xmlns:p14="http://schemas.microsoft.com/office/powerpoint/2010/main" val="3065766950"/>
-      </p:ext>
-    </p:extLst>
-  </p:cSld>
-  <p:clrMapOvr>
-    <a:masterClrMapping/>
-  </p:clrMapOvr>
-</p:sld>
-</file>
-
-<file path=ppt/slides/slide9.xml><?xml version="1.0" encoding="utf-8"?>
-<p:sld xmlns:a="http://schemas.openxmlformats.org/drawingml/2006/main" xmlns:r="http://schemas.openxmlformats.org/officeDocument/2006/relationships" xmlns:p="http://schemas.openxmlformats.org/presentationml/2006/main">
-  <p:cSld>
-    <p:spTree>
-      <p:nvGrpSpPr>
-        <p:cNvPr id="1" name=""/>
-        <p:cNvGrpSpPr/>
-        <p:nvPr/>
-      </p:nvGrpSpPr>
-      <p:grpSpPr>
-        <a:xfrm>
-          <a:off x="0" y="0"/>
-          <a:ext cx="0" cy="0"/>
-          <a:chOff x="0" y="0"/>
-          <a:chExt cx="0" cy="0"/>
-        </a:xfrm>
-      </p:grpSpPr>
-      <p:sp>
-        <p:nvSpPr>
-          <p:cNvPr id="2" name="Title 1">
-            <a:extLst>
-              <a:ext uri="{FF2B5EF4-FFF2-40B4-BE49-F238E27FC236}">
-                <a16:creationId xmlns:a16="http://schemas.microsoft.com/office/drawing/2014/main" id="{80F5D099-4504-48D9-9FE4-9E88FDAD56B1}"/>
-              </a:ext>
-            </a:extLst>
-          </p:cNvPr>
-          <p:cNvSpPr>
-            <a:spLocks noGrp="1"/>
-          </p:cNvSpPr>
-          <p:nvPr>
-            <p:ph type="title"/>
-          </p:nvPr>
-        </p:nvSpPr>
-        <p:spPr/>
-        <p:txBody>
-          <a:bodyPr/>
-          <a:lstStyle/>
-          <a:p>
-            <a:r>
-              <a:rPr lang="en-US" dirty="0"/>
-              <a:t>Dictionary</a:t>
-            </a:r>
-          </a:p>
-        </p:txBody>
-      </p:sp>
-      <p:sp>
-        <p:nvSpPr>
-          <p:cNvPr id="3" name="Content Placeholder 2">
-            <a:extLst>
-              <a:ext uri="{FF2B5EF4-FFF2-40B4-BE49-F238E27FC236}">
-                <a16:creationId xmlns:a16="http://schemas.microsoft.com/office/drawing/2014/main" id="{60066502-79B7-48B0-9774-995E5E4CE913}"/>
-              </a:ext>
-            </a:extLst>
-          </p:cNvPr>
-          <p:cNvSpPr>
-            <a:spLocks noGrp="1"/>
-          </p:cNvSpPr>
-          <p:nvPr>
-            <p:ph idx="1"/>
-          </p:nvPr>
-        </p:nvSpPr>
-        <p:spPr/>
-        <p:txBody>
-          <a:bodyPr/>
-          <a:lstStyle/>
-          <a:p>
-            <a:r>
-              <a:rPr lang="en-US" dirty="0"/>
-              <a:t>TODO</a:t>
-            </a:r>
-          </a:p>
-        </p:txBody>
-      </p:sp>
-    </p:spTree>
-    <p:extLst>
-      <p:ext uri="{BB962C8B-B14F-4D97-AF65-F5344CB8AC3E}">
-        <p14:creationId xmlns:p14="http://schemas.microsoft.com/office/powerpoint/2010/main" val="3853963368"/>
       </p:ext>
     </p:extLst>
   </p:cSld>

--- a/presentation/Presentation.pptx
+++ b/presentation/Presentation.pptx
@@ -16,6 +16,7 @@
     <p:sldId id="262" r:id="rId10"/>
     <p:sldId id="261" r:id="rId11"/>
     <p:sldId id="265" r:id="rId12"/>
+    <p:sldId id="269" r:id="rId13"/>
   </p:sldIdLst>
   <p:sldSz cx="12192000" cy="6858000"/>
   <p:notesSz cx="6858000" cy="9144000"/>
@@ -11473,6 +11474,666 @@
     <p:extLst>
       <p:ext uri="{BB962C8B-B14F-4D97-AF65-F5344CB8AC3E}">
         <p14:creationId xmlns:p14="http://schemas.microsoft.com/office/powerpoint/2010/main" val="3853963368"/>
+      </p:ext>
+    </p:extLst>
+  </p:cSld>
+  <p:clrMapOvr>
+    <a:masterClrMapping/>
+  </p:clrMapOvr>
+</p:sld>
+</file>
+
+<file path=ppt/slides/slide12.xml><?xml version="1.0" encoding="utf-8"?>
+<p:sld xmlns:a="http://schemas.openxmlformats.org/drawingml/2006/main" xmlns:r="http://schemas.openxmlformats.org/officeDocument/2006/relationships" xmlns:p="http://schemas.openxmlformats.org/presentationml/2006/main">
+  <p:cSld>
+    <p:bg>
+      <p:bgPr>
+        <a:solidFill>
+          <a:schemeClr val="bg1"/>
+        </a:solidFill>
+        <a:effectLst/>
+      </p:bgPr>
+    </p:bg>
+    <p:spTree>
+      <p:nvGrpSpPr>
+        <p:cNvPr id="1" name=""/>
+        <p:cNvGrpSpPr/>
+        <p:nvPr/>
+      </p:nvGrpSpPr>
+      <p:grpSpPr>
+        <a:xfrm>
+          <a:off x="0" y="0"/>
+          <a:ext cx="0" cy="0"/>
+          <a:chOff x="0" y="0"/>
+          <a:chExt cx="0" cy="0"/>
+        </a:xfrm>
+      </p:grpSpPr>
+      <p:sp useBgFill="1">
+        <p:nvSpPr>
+          <p:cNvPr id="8" name="Rectangle 7">
+            <a:extLst>
+              <a:ext uri="{FF2B5EF4-FFF2-40B4-BE49-F238E27FC236}">
+                <a16:creationId xmlns:a16="http://schemas.microsoft.com/office/drawing/2014/main" id="{33CD251C-A887-4D2F-925B-FC097198538B}"/>
+              </a:ext>
+              <a:ext uri="{C183D7F6-B498-43B3-948B-1728B52AA6E4}">
+                <adec:decorative xmlns:adec="http://schemas.microsoft.com/office/drawing/2017/decorative" val="1"/>
+              </a:ext>
+            </a:extLst>
+          </p:cNvPr>
+          <p:cNvSpPr>
+            <a:spLocks noGrp="1" noRot="1" noChangeAspect="1" noMove="1" noResize="1" noEditPoints="1" noAdjustHandles="1" noChangeArrowheads="1" noChangeShapeType="1" noTextEdit="1"/>
+          </p:cNvSpPr>
+          <p:nvPr>
+            <p:extLst>
+              <p:ext uri="{386F3935-93C4-4BCD-93E2-E3B085C9AB24}">
+                <p16:designElem xmlns:p16="http://schemas.microsoft.com/office/powerpoint/2015/main" val="1"/>
+              </p:ext>
+            </p:extLst>
+          </p:nvPr>
+        </p:nvSpPr>
+        <p:spPr>
+          <a:xfrm>
+            <a:off x="0" y="0"/>
+            <a:ext cx="12192000" cy="6858000"/>
+          </a:xfrm>
+          <a:prstGeom prst="rect">
+            <a:avLst/>
+          </a:prstGeom>
+          <a:ln>
+            <a:noFill/>
+          </a:ln>
+        </p:spPr>
+        <p:style>
+          <a:lnRef idx="2">
+            <a:schemeClr val="accent1">
+              <a:shade val="50000"/>
+            </a:schemeClr>
+          </a:lnRef>
+          <a:fillRef idx="1">
+            <a:schemeClr val="accent1"/>
+          </a:fillRef>
+          <a:effectRef idx="0">
+            <a:schemeClr val="accent1"/>
+          </a:effectRef>
+          <a:fontRef idx="minor">
+            <a:schemeClr val="lt1"/>
+          </a:fontRef>
+        </p:style>
+        <p:txBody>
+          <a:bodyPr rtlCol="0" anchor="ctr"/>
+          <a:lstStyle/>
+          <a:p>
+            <a:pPr algn="ctr"/>
+            <a:endParaRPr lang="en-US"/>
+          </a:p>
+        </p:txBody>
+      </p:sp>
+      <p:sp>
+        <p:nvSpPr>
+          <p:cNvPr id="10" name="Rectangle 9">
+            <a:extLst>
+              <a:ext uri="{FF2B5EF4-FFF2-40B4-BE49-F238E27FC236}">
+                <a16:creationId xmlns:a16="http://schemas.microsoft.com/office/drawing/2014/main" id="{B19D093C-27FB-4032-B282-42C4563F257C}"/>
+              </a:ext>
+              <a:ext uri="{C183D7F6-B498-43B3-948B-1728B52AA6E4}">
+                <adec:decorative xmlns:adec="http://schemas.microsoft.com/office/drawing/2017/decorative" val="1"/>
+              </a:ext>
+            </a:extLst>
+          </p:cNvPr>
+          <p:cNvSpPr>
+            <a:spLocks noGrp="1" noRot="1" noChangeAspect="1" noMove="1" noResize="1" noEditPoints="1" noAdjustHandles="1" noChangeArrowheads="1" noChangeShapeType="1" noTextEdit="1"/>
+          </p:cNvSpPr>
+          <p:nvPr>
+            <p:extLst>
+              <p:ext uri="{386F3935-93C4-4BCD-93E2-E3B085C9AB24}">
+                <p16:designElem xmlns:p16="http://schemas.microsoft.com/office/powerpoint/2015/main" val="1"/>
+              </p:ext>
+            </p:extLst>
+          </p:nvPr>
+        </p:nvSpPr>
+        <p:spPr>
+          <a:xfrm>
+            <a:off x="0" y="0"/>
+            <a:ext cx="4694548" cy="6858000"/>
+          </a:xfrm>
+          <a:prstGeom prst="rect">
+            <a:avLst/>
+          </a:prstGeom>
+          <a:solidFill>
+            <a:schemeClr val="tx1"/>
+          </a:solidFill>
+          <a:ln>
+            <a:noFill/>
+          </a:ln>
+        </p:spPr>
+        <p:style>
+          <a:lnRef idx="2">
+            <a:schemeClr val="accent1">
+              <a:shade val="50000"/>
+            </a:schemeClr>
+          </a:lnRef>
+          <a:fillRef idx="1">
+            <a:schemeClr val="accent1"/>
+          </a:fillRef>
+          <a:effectRef idx="0">
+            <a:schemeClr val="accent1"/>
+          </a:effectRef>
+          <a:fontRef idx="minor">
+            <a:schemeClr val="lt1"/>
+          </a:fontRef>
+        </p:style>
+        <p:txBody>
+          <a:bodyPr rtlCol="0" anchor="ctr"/>
+          <a:lstStyle/>
+          <a:p>
+            <a:pPr algn="ctr"/>
+            <a:endParaRPr lang="en-US"/>
+          </a:p>
+        </p:txBody>
+      </p:sp>
+      <p:grpSp>
+        <p:nvGrpSpPr>
+          <p:cNvPr id="12" name="Group 11">
+            <a:extLst>
+              <a:ext uri="{FF2B5EF4-FFF2-40B4-BE49-F238E27FC236}">
+                <a16:creationId xmlns:a16="http://schemas.microsoft.com/office/drawing/2014/main" id="{35EE815E-1BD3-4777-B652-6D98825BF66B}"/>
+              </a:ext>
+              <a:ext uri="{C183D7F6-B498-43B3-948B-1728B52AA6E4}">
+                <adec:decorative xmlns:adec="http://schemas.microsoft.com/office/drawing/2017/decorative" val="1"/>
+              </a:ext>
+            </a:extLst>
+          </p:cNvPr>
+          <p:cNvGrpSpPr>
+            <a:grpSpLocks noGrp="1" noUngrp="1" noRot="1" noChangeAspect="1" noMove="1" noResize="1"/>
+          </p:cNvGrpSpPr>
+          <p:nvPr>
+            <p:extLst>
+              <p:ext uri="{386F3935-93C4-4BCD-93E2-E3B085C9AB24}">
+                <p16:designElem xmlns:p16="http://schemas.microsoft.com/office/powerpoint/2015/main" val="1"/>
+              </p:ext>
+            </p:extLst>
+          </p:nvPr>
+        </p:nvGrpSpPr>
+        <p:grpSpPr>
+          <a:xfrm>
+            <a:off x="767290" y="681628"/>
+            <a:ext cx="1128382" cy="847206"/>
+            <a:chOff x="668003" y="1684057"/>
+            <a:chExt cx="1128382" cy="847206"/>
+          </a:xfrm>
+        </p:grpSpPr>
+        <p:sp>
+          <p:nvSpPr>
+            <p:cNvPr id="13" name="Freeform 5">
+              <a:extLst>
+                <a:ext uri="{FF2B5EF4-FFF2-40B4-BE49-F238E27FC236}">
+                  <a16:creationId xmlns:a16="http://schemas.microsoft.com/office/drawing/2014/main" id="{E6692982-4A7D-4392-87CD-F0CD4B027DDE}"/>
+                </a:ext>
+                <a:ext uri="{C183D7F6-B498-43B3-948B-1728B52AA6E4}">
+                  <adec:decorative xmlns:adec="http://schemas.microsoft.com/office/drawing/2017/decorative" val="1"/>
+                </a:ext>
+              </a:extLst>
+            </p:cNvPr>
+            <p:cNvSpPr>
+              <a:spLocks/>
+            </p:cNvSpPr>
+            <p:nvPr>
+              <p:extLst>
+                <p:ext uri="{386F3935-93C4-4BCD-93E2-E3B085C9AB24}">
+                  <p16:designElem xmlns:p16="http://schemas.microsoft.com/office/powerpoint/2015/main" val="1"/>
+                </p:ext>
+              </p:extLst>
+            </p:nvPr>
+          </p:nvSpPr>
+          <p:spPr bwMode="auto">
+            <a:xfrm>
+              <a:off x="668003" y="1935883"/>
+              <a:ext cx="675351" cy="595380"/>
+            </a:xfrm>
+            <a:custGeom>
+              <a:avLst/>
+              <a:gdLst>
+                <a:gd name="T0" fmla="*/ 225 w 785"/>
+                <a:gd name="T1" fmla="*/ 692 h 692"/>
+                <a:gd name="T2" fmla="*/ 177 w 785"/>
+                <a:gd name="T3" fmla="*/ 665 h 692"/>
+                <a:gd name="T4" fmla="*/ 9 w 785"/>
+                <a:gd name="T5" fmla="*/ 374 h 692"/>
+                <a:gd name="T6" fmla="*/ 9 w 785"/>
+                <a:gd name="T7" fmla="*/ 318 h 692"/>
+                <a:gd name="T8" fmla="*/ 177 w 785"/>
+                <a:gd name="T9" fmla="*/ 27 h 692"/>
+                <a:gd name="T10" fmla="*/ 225 w 785"/>
+                <a:gd name="T11" fmla="*/ 0 h 692"/>
+                <a:gd name="T12" fmla="*/ 561 w 785"/>
+                <a:gd name="T13" fmla="*/ 0 h 692"/>
+                <a:gd name="T14" fmla="*/ 609 w 785"/>
+                <a:gd name="T15" fmla="*/ 27 h 692"/>
+                <a:gd name="T16" fmla="*/ 777 w 785"/>
+                <a:gd name="T17" fmla="*/ 318 h 692"/>
+                <a:gd name="T18" fmla="*/ 777 w 785"/>
+                <a:gd name="T19" fmla="*/ 374 h 692"/>
+                <a:gd name="T20" fmla="*/ 609 w 785"/>
+                <a:gd name="T21" fmla="*/ 665 h 692"/>
+                <a:gd name="T22" fmla="*/ 561 w 785"/>
+                <a:gd name="T23" fmla="*/ 692 h 692"/>
+                <a:gd name="T24" fmla="*/ 225 w 785"/>
+                <a:gd name="T25" fmla="*/ 692 h 692"/>
+              </a:gdLst>
+              <a:ahLst/>
+              <a:cxnLst>
+                <a:cxn ang="0">
+                  <a:pos x="T0" y="T1"/>
+                </a:cxn>
+                <a:cxn ang="0">
+                  <a:pos x="T2" y="T3"/>
+                </a:cxn>
+                <a:cxn ang="0">
+                  <a:pos x="T4" y="T5"/>
+                </a:cxn>
+                <a:cxn ang="0">
+                  <a:pos x="T6" y="T7"/>
+                </a:cxn>
+                <a:cxn ang="0">
+                  <a:pos x="T8" y="T9"/>
+                </a:cxn>
+                <a:cxn ang="0">
+                  <a:pos x="T10" y="T11"/>
+                </a:cxn>
+                <a:cxn ang="0">
+                  <a:pos x="T12" y="T13"/>
+                </a:cxn>
+                <a:cxn ang="0">
+                  <a:pos x="T14" y="T15"/>
+                </a:cxn>
+                <a:cxn ang="0">
+                  <a:pos x="T16" y="T17"/>
+                </a:cxn>
+                <a:cxn ang="0">
+                  <a:pos x="T18" y="T19"/>
+                </a:cxn>
+                <a:cxn ang="0">
+                  <a:pos x="T20" y="T21"/>
+                </a:cxn>
+                <a:cxn ang="0">
+                  <a:pos x="T22" y="T23"/>
+                </a:cxn>
+                <a:cxn ang="0">
+                  <a:pos x="T24" y="T25"/>
+                </a:cxn>
+              </a:cxnLst>
+              <a:rect l="0" t="0" r="r" b="b"/>
+              <a:pathLst>
+                <a:path w="785" h="692">
+                  <a:moveTo>
+                    <a:pt x="225" y="692"/>
+                  </a:moveTo>
+                  <a:cubicBezTo>
+                    <a:pt x="207" y="692"/>
+                    <a:pt x="185" y="680"/>
+                    <a:pt x="177" y="665"/>
+                  </a:cubicBezTo>
+                  <a:cubicBezTo>
+                    <a:pt x="9" y="374"/>
+                    <a:pt x="9" y="374"/>
+                    <a:pt x="9" y="374"/>
+                  </a:cubicBezTo>
+                  <a:cubicBezTo>
+                    <a:pt x="0" y="358"/>
+                    <a:pt x="0" y="334"/>
+                    <a:pt x="9" y="318"/>
+                  </a:cubicBezTo>
+                  <a:cubicBezTo>
+                    <a:pt x="177" y="27"/>
+                    <a:pt x="177" y="27"/>
+                    <a:pt x="177" y="27"/>
+                  </a:cubicBezTo>
+                  <a:cubicBezTo>
+                    <a:pt x="185" y="12"/>
+                    <a:pt x="207" y="0"/>
+                    <a:pt x="225" y="0"/>
+                  </a:cubicBezTo>
+                  <a:cubicBezTo>
+                    <a:pt x="561" y="0"/>
+                    <a:pt x="561" y="0"/>
+                    <a:pt x="561" y="0"/>
+                  </a:cubicBezTo>
+                  <a:cubicBezTo>
+                    <a:pt x="578" y="0"/>
+                    <a:pt x="600" y="12"/>
+                    <a:pt x="609" y="27"/>
+                  </a:cubicBezTo>
+                  <a:cubicBezTo>
+                    <a:pt x="777" y="318"/>
+                    <a:pt x="777" y="318"/>
+                    <a:pt x="777" y="318"/>
+                  </a:cubicBezTo>
+                  <a:cubicBezTo>
+                    <a:pt x="785" y="334"/>
+                    <a:pt x="785" y="358"/>
+                    <a:pt x="777" y="374"/>
+                  </a:cubicBezTo>
+                  <a:cubicBezTo>
+                    <a:pt x="609" y="665"/>
+                    <a:pt x="609" y="665"/>
+                    <a:pt x="609" y="665"/>
+                  </a:cubicBezTo>
+                  <a:cubicBezTo>
+                    <a:pt x="600" y="680"/>
+                    <a:pt x="578" y="692"/>
+                    <a:pt x="561" y="692"/>
+                  </a:cubicBezTo>
+                  <a:lnTo>
+                    <a:pt x="225" y="692"/>
+                  </a:lnTo>
+                  <a:close/>
+                </a:path>
+              </a:pathLst>
+            </a:custGeom>
+            <a:noFill/>
+            <a:ln w="28575" cmpd="sng">
+              <a:solidFill>
+                <a:schemeClr val="bg1"/>
+              </a:solidFill>
+            </a:ln>
+          </p:spPr>
+          <p:txBody>
+            <a:bodyPr vert="horz" wrap="square" lIns="91440" tIns="45720" rIns="91440" bIns="45720" numCol="1" anchor="t" anchorCtr="0" compatLnSpc="1">
+              <a:prstTxWarp prst="textNoShape">
+                <a:avLst/>
+              </a:prstTxWarp>
+            </a:bodyPr>
+            <a:lstStyle/>
+            <a:p>
+              <a:endParaRPr lang="en-US"/>
+            </a:p>
+          </p:txBody>
+        </p:sp>
+        <p:sp>
+          <p:nvSpPr>
+            <p:cNvPr id="14" name="Freeform 5">
+              <a:extLst>
+                <a:ext uri="{FF2B5EF4-FFF2-40B4-BE49-F238E27FC236}">
+                  <a16:creationId xmlns:a16="http://schemas.microsoft.com/office/drawing/2014/main" id="{196485F7-F277-4123-AC53-98EA4C858774}"/>
+                </a:ext>
+                <a:ext uri="{C183D7F6-B498-43B3-948B-1728B52AA6E4}">
+                  <adec:decorative xmlns:adec="http://schemas.microsoft.com/office/drawing/2017/decorative" val="1"/>
+                </a:ext>
+              </a:extLst>
+            </p:cNvPr>
+            <p:cNvSpPr>
+              <a:spLocks/>
+            </p:cNvSpPr>
+            <p:nvPr>
+              <p:extLst>
+                <p:ext uri="{386F3935-93C4-4BCD-93E2-E3B085C9AB24}">
+                  <p16:designElem xmlns:p16="http://schemas.microsoft.com/office/powerpoint/2015/main" val="1"/>
+                </p:ext>
+              </p:extLst>
+            </p:nvPr>
+          </p:nvSpPr>
+          <p:spPr bwMode="auto">
+            <a:xfrm>
+              <a:off x="1245893" y="1684057"/>
+              <a:ext cx="550492" cy="485306"/>
+            </a:xfrm>
+            <a:custGeom>
+              <a:avLst/>
+              <a:gdLst>
+                <a:gd name="T0" fmla="*/ 225 w 785"/>
+                <a:gd name="T1" fmla="*/ 692 h 692"/>
+                <a:gd name="T2" fmla="*/ 177 w 785"/>
+                <a:gd name="T3" fmla="*/ 665 h 692"/>
+                <a:gd name="T4" fmla="*/ 9 w 785"/>
+                <a:gd name="T5" fmla="*/ 374 h 692"/>
+                <a:gd name="T6" fmla="*/ 9 w 785"/>
+                <a:gd name="T7" fmla="*/ 318 h 692"/>
+                <a:gd name="T8" fmla="*/ 177 w 785"/>
+                <a:gd name="T9" fmla="*/ 27 h 692"/>
+                <a:gd name="T10" fmla="*/ 225 w 785"/>
+                <a:gd name="T11" fmla="*/ 0 h 692"/>
+                <a:gd name="T12" fmla="*/ 561 w 785"/>
+                <a:gd name="T13" fmla="*/ 0 h 692"/>
+                <a:gd name="T14" fmla="*/ 609 w 785"/>
+                <a:gd name="T15" fmla="*/ 27 h 692"/>
+                <a:gd name="T16" fmla="*/ 777 w 785"/>
+                <a:gd name="T17" fmla="*/ 318 h 692"/>
+                <a:gd name="T18" fmla="*/ 777 w 785"/>
+                <a:gd name="T19" fmla="*/ 374 h 692"/>
+                <a:gd name="T20" fmla="*/ 609 w 785"/>
+                <a:gd name="T21" fmla="*/ 665 h 692"/>
+                <a:gd name="T22" fmla="*/ 561 w 785"/>
+                <a:gd name="T23" fmla="*/ 692 h 692"/>
+                <a:gd name="T24" fmla="*/ 225 w 785"/>
+                <a:gd name="T25" fmla="*/ 692 h 692"/>
+              </a:gdLst>
+              <a:ahLst/>
+              <a:cxnLst>
+                <a:cxn ang="0">
+                  <a:pos x="T0" y="T1"/>
+                </a:cxn>
+                <a:cxn ang="0">
+                  <a:pos x="T2" y="T3"/>
+                </a:cxn>
+                <a:cxn ang="0">
+                  <a:pos x="T4" y="T5"/>
+                </a:cxn>
+                <a:cxn ang="0">
+                  <a:pos x="T6" y="T7"/>
+                </a:cxn>
+                <a:cxn ang="0">
+                  <a:pos x="T8" y="T9"/>
+                </a:cxn>
+                <a:cxn ang="0">
+                  <a:pos x="T10" y="T11"/>
+                </a:cxn>
+                <a:cxn ang="0">
+                  <a:pos x="T12" y="T13"/>
+                </a:cxn>
+                <a:cxn ang="0">
+                  <a:pos x="T14" y="T15"/>
+                </a:cxn>
+                <a:cxn ang="0">
+                  <a:pos x="T16" y="T17"/>
+                </a:cxn>
+                <a:cxn ang="0">
+                  <a:pos x="T18" y="T19"/>
+                </a:cxn>
+                <a:cxn ang="0">
+                  <a:pos x="T20" y="T21"/>
+                </a:cxn>
+                <a:cxn ang="0">
+                  <a:pos x="T22" y="T23"/>
+                </a:cxn>
+                <a:cxn ang="0">
+                  <a:pos x="T24" y="T25"/>
+                </a:cxn>
+              </a:cxnLst>
+              <a:rect l="0" t="0" r="r" b="b"/>
+              <a:pathLst>
+                <a:path w="785" h="692">
+                  <a:moveTo>
+                    <a:pt x="225" y="692"/>
+                  </a:moveTo>
+                  <a:cubicBezTo>
+                    <a:pt x="207" y="692"/>
+                    <a:pt x="185" y="680"/>
+                    <a:pt x="177" y="665"/>
+                  </a:cubicBezTo>
+                  <a:cubicBezTo>
+                    <a:pt x="9" y="374"/>
+                    <a:pt x="9" y="374"/>
+                    <a:pt x="9" y="374"/>
+                  </a:cubicBezTo>
+                  <a:cubicBezTo>
+                    <a:pt x="0" y="358"/>
+                    <a:pt x="0" y="334"/>
+                    <a:pt x="9" y="318"/>
+                  </a:cubicBezTo>
+                  <a:cubicBezTo>
+                    <a:pt x="177" y="27"/>
+                    <a:pt x="177" y="27"/>
+                    <a:pt x="177" y="27"/>
+                  </a:cubicBezTo>
+                  <a:cubicBezTo>
+                    <a:pt x="185" y="12"/>
+                    <a:pt x="207" y="0"/>
+                    <a:pt x="225" y="0"/>
+                  </a:cubicBezTo>
+                  <a:cubicBezTo>
+                    <a:pt x="561" y="0"/>
+                    <a:pt x="561" y="0"/>
+                    <a:pt x="561" y="0"/>
+                  </a:cubicBezTo>
+                  <a:cubicBezTo>
+                    <a:pt x="578" y="0"/>
+                    <a:pt x="600" y="12"/>
+                    <a:pt x="609" y="27"/>
+                  </a:cubicBezTo>
+                  <a:cubicBezTo>
+                    <a:pt x="777" y="318"/>
+                    <a:pt x="777" y="318"/>
+                    <a:pt x="777" y="318"/>
+                  </a:cubicBezTo>
+                  <a:cubicBezTo>
+                    <a:pt x="785" y="334"/>
+                    <a:pt x="785" y="358"/>
+                    <a:pt x="777" y="374"/>
+                  </a:cubicBezTo>
+                  <a:cubicBezTo>
+                    <a:pt x="609" y="665"/>
+                    <a:pt x="609" y="665"/>
+                    <a:pt x="609" y="665"/>
+                  </a:cubicBezTo>
+                  <a:cubicBezTo>
+                    <a:pt x="600" y="680"/>
+                    <a:pt x="578" y="692"/>
+                    <a:pt x="561" y="692"/>
+                  </a:cubicBezTo>
+                  <a:lnTo>
+                    <a:pt x="225" y="692"/>
+                  </a:lnTo>
+                  <a:close/>
+                </a:path>
+              </a:pathLst>
+            </a:custGeom>
+            <a:noFill/>
+            <a:ln w="28575" cmpd="sng">
+              <a:solidFill>
+                <a:schemeClr val="bg1"/>
+              </a:solidFill>
+            </a:ln>
+          </p:spPr>
+          <p:txBody>
+            <a:bodyPr vert="horz" wrap="square" lIns="91440" tIns="45720" rIns="91440" bIns="45720" numCol="1" anchor="t" anchorCtr="0" compatLnSpc="1">
+              <a:prstTxWarp prst="textNoShape">
+                <a:avLst/>
+              </a:prstTxWarp>
+            </a:bodyPr>
+            <a:lstStyle/>
+            <a:p>
+              <a:endParaRPr lang="en-US"/>
+            </a:p>
+          </p:txBody>
+        </p:sp>
+      </p:grpSp>
+      <p:sp>
+        <p:nvSpPr>
+          <p:cNvPr id="2" name="Title 1">
+            <a:extLst>
+              <a:ext uri="{FF2B5EF4-FFF2-40B4-BE49-F238E27FC236}">
+                <a16:creationId xmlns:a16="http://schemas.microsoft.com/office/drawing/2014/main" id="{72435E97-8E7A-4036-B16A-B49EF49B3DA6}"/>
+              </a:ext>
+            </a:extLst>
+          </p:cNvPr>
+          <p:cNvSpPr>
+            <a:spLocks noGrp="1"/>
+          </p:cNvSpPr>
+          <p:nvPr>
+            <p:ph type="title"/>
+          </p:nvPr>
+        </p:nvSpPr>
+        <p:spPr>
+          <a:xfrm>
+            <a:off x="767290" y="1166932"/>
+            <a:ext cx="3582073" cy="4279709"/>
+          </a:xfrm>
+        </p:spPr>
+        <p:txBody>
+          <a:bodyPr anchor="ctr">
+            <a:normAutofit/>
+          </a:bodyPr>
+          <a:lstStyle/>
+          <a:p>
+            <a:r>
+              <a:rPr lang="en-US" sz="4800" dirty="0">
+                <a:solidFill>
+                  <a:schemeClr val="bg1"/>
+                </a:solidFill>
+              </a:rPr>
+              <a:t>Text Vectorization</a:t>
+            </a:r>
+          </a:p>
+        </p:txBody>
+      </p:sp>
+      <p:sp>
+        <p:nvSpPr>
+          <p:cNvPr id="3" name="Content Placeholder 2">
+            <a:extLst>
+              <a:ext uri="{FF2B5EF4-FFF2-40B4-BE49-F238E27FC236}">
+                <a16:creationId xmlns:a16="http://schemas.microsoft.com/office/drawing/2014/main" id="{5BF9433E-798E-4A53-8B50-D157D7563D26}"/>
+              </a:ext>
+            </a:extLst>
+          </p:cNvPr>
+          <p:cNvSpPr>
+            <a:spLocks noGrp="1"/>
+          </p:cNvSpPr>
+          <p:nvPr>
+            <p:ph idx="1"/>
+          </p:nvPr>
+        </p:nvSpPr>
+        <p:spPr>
+          <a:xfrm>
+            <a:off x="5573864" y="1166933"/>
+            <a:ext cx="5716988" cy="4279709"/>
+          </a:xfrm>
+        </p:spPr>
+        <p:txBody>
+          <a:bodyPr anchor="ctr">
+            <a:normAutofit/>
+          </a:bodyPr>
+          <a:lstStyle/>
+          <a:p>
+            <a:r>
+              <a:rPr lang="en-US" sz="2400" dirty="0"/>
+              <a:t>Bag of words </a:t>
+            </a:r>
+          </a:p>
+          <a:p>
+            <a:r>
+              <a:rPr lang="en-US" sz="2400" dirty="0"/>
+              <a:t>Word2vec</a:t>
+            </a:r>
+          </a:p>
+          <a:p>
+            <a:r>
+              <a:rPr lang="en-US" sz="2400" dirty="0" err="1"/>
+              <a:t>TfidfVectorizer</a:t>
+            </a:r>
+            <a:endParaRPr lang="en-US" sz="2400" dirty="0"/>
+          </a:p>
+          <a:p>
+            <a:r>
+              <a:rPr lang="en-US" sz="2400" dirty="0"/>
+              <a:t>Skip-Thought Vectors</a:t>
+            </a:r>
+          </a:p>
+        </p:txBody>
+      </p:sp>
+    </p:spTree>
+    <p:extLst>
+      <p:ext uri="{BB962C8B-B14F-4D97-AF65-F5344CB8AC3E}">
+        <p14:creationId xmlns:p14="http://schemas.microsoft.com/office/powerpoint/2010/main" val="2013308458"/>
       </p:ext>
     </p:extLst>
   </p:cSld>

--- a/presentation/Presentation.pptx
+++ b/presentation/Presentation.pptx
@@ -7446,7 +7446,7 @@
           <a:p>
             <a:fld id="{2743EB9B-2488-4718-BE68-8707A217D453}" type="datetimeFigureOut">
               <a:rPr lang="en-US" smtClean="0"/>
-              <a:t>6/10/2021</a:t>
+              <a:t>6/11/2021</a:t>
             </a:fld>
             <a:endParaRPr lang="en-US"/>
           </a:p>
@@ -7644,7 +7644,7 @@
           <a:p>
             <a:fld id="{2743EB9B-2488-4718-BE68-8707A217D453}" type="datetimeFigureOut">
               <a:rPr lang="en-US" smtClean="0"/>
-              <a:t>6/10/2021</a:t>
+              <a:t>6/11/2021</a:t>
             </a:fld>
             <a:endParaRPr lang="en-US"/>
           </a:p>
@@ -7852,7 +7852,7 @@
           <a:p>
             <a:fld id="{2743EB9B-2488-4718-BE68-8707A217D453}" type="datetimeFigureOut">
               <a:rPr lang="en-US" smtClean="0"/>
-              <a:t>6/10/2021</a:t>
+              <a:t>6/11/2021</a:t>
             </a:fld>
             <a:endParaRPr lang="en-US"/>
           </a:p>
@@ -8050,7 +8050,7 @@
           <a:p>
             <a:fld id="{2743EB9B-2488-4718-BE68-8707A217D453}" type="datetimeFigureOut">
               <a:rPr lang="en-US" smtClean="0"/>
-              <a:t>6/10/2021</a:t>
+              <a:t>6/11/2021</a:t>
             </a:fld>
             <a:endParaRPr lang="en-US"/>
           </a:p>
@@ -8325,7 +8325,7 @@
           <a:p>
             <a:fld id="{2743EB9B-2488-4718-BE68-8707A217D453}" type="datetimeFigureOut">
               <a:rPr lang="en-US" smtClean="0"/>
-              <a:t>6/10/2021</a:t>
+              <a:t>6/11/2021</a:t>
             </a:fld>
             <a:endParaRPr lang="en-US"/>
           </a:p>
@@ -8590,7 +8590,7 @@
           <a:p>
             <a:fld id="{2743EB9B-2488-4718-BE68-8707A217D453}" type="datetimeFigureOut">
               <a:rPr lang="en-US" smtClean="0"/>
-              <a:t>6/10/2021</a:t>
+              <a:t>6/11/2021</a:t>
             </a:fld>
             <a:endParaRPr lang="en-US"/>
           </a:p>
@@ -9002,7 +9002,7 @@
           <a:p>
             <a:fld id="{2743EB9B-2488-4718-BE68-8707A217D453}" type="datetimeFigureOut">
               <a:rPr lang="en-US" smtClean="0"/>
-              <a:t>6/10/2021</a:t>
+              <a:t>6/11/2021</a:t>
             </a:fld>
             <a:endParaRPr lang="en-US"/>
           </a:p>
@@ -9143,7 +9143,7 @@
           <a:p>
             <a:fld id="{2743EB9B-2488-4718-BE68-8707A217D453}" type="datetimeFigureOut">
               <a:rPr lang="en-US" smtClean="0"/>
-              <a:t>6/10/2021</a:t>
+              <a:t>6/11/2021</a:t>
             </a:fld>
             <a:endParaRPr lang="en-US"/>
           </a:p>
@@ -9256,7 +9256,7 @@
           <a:p>
             <a:fld id="{2743EB9B-2488-4718-BE68-8707A217D453}" type="datetimeFigureOut">
               <a:rPr lang="en-US" smtClean="0"/>
-              <a:t>6/10/2021</a:t>
+              <a:t>6/11/2021</a:t>
             </a:fld>
             <a:endParaRPr lang="en-US"/>
           </a:p>
@@ -9567,7 +9567,7 @@
           <a:p>
             <a:fld id="{2743EB9B-2488-4718-BE68-8707A217D453}" type="datetimeFigureOut">
               <a:rPr lang="en-US" smtClean="0"/>
-              <a:t>6/10/2021</a:t>
+              <a:t>6/11/2021</a:t>
             </a:fld>
             <a:endParaRPr lang="en-US"/>
           </a:p>
@@ -9855,7 +9855,7 @@
           <a:p>
             <a:fld id="{2743EB9B-2488-4718-BE68-8707A217D453}" type="datetimeFigureOut">
               <a:rPr lang="en-US" smtClean="0"/>
-              <a:t>6/10/2021</a:t>
+              <a:t>6/11/2021</a:t>
             </a:fld>
             <a:endParaRPr lang="en-US"/>
           </a:p>
@@ -10096,7 +10096,7 @@
           <a:p>
             <a:fld id="{2743EB9B-2488-4718-BE68-8707A217D453}" type="datetimeFigureOut">
               <a:rPr lang="en-US" smtClean="0"/>
-              <a:t>6/10/2021</a:t>
+              <a:t>6/11/2021</a:t>
             </a:fld>
             <a:endParaRPr lang="en-US"/>
           </a:p>
@@ -12071,7 +12071,7 @@
                   <a:schemeClr val="bg1"/>
                 </a:solidFill>
               </a:rPr>
-              <a:t>Text Vectorization</a:t>
+              <a:t>Word Embeddings</a:t>
             </a:r>
           </a:p>
         </p:txBody>

--- a/presentation/Presentation.pptx
+++ b/presentation/Presentation.pptx
@@ -18,7 +18,8 @@
     <p:sldId id="261" r:id="rId12"/>
     <p:sldId id="265" r:id="rId13"/>
     <p:sldId id="269" r:id="rId14"/>
-    <p:sldId id="271" r:id="rId15"/>
+    <p:sldId id="272" r:id="rId15"/>
+    <p:sldId id="271" r:id="rId16"/>
   </p:sldIdLst>
   <p:sldSz cx="12192000" cy="6858000"/>
   <p:notesSz cx="6858000" cy="9144000"/>
@@ -7448,7 +7449,7 @@
           <a:p>
             <a:fld id="{2743EB9B-2488-4718-BE68-8707A217D453}" type="datetimeFigureOut">
               <a:rPr lang="en-US" smtClean="0"/>
-              <a:t>6/15/2021</a:t>
+              <a:t>6/20/2021</a:t>
             </a:fld>
             <a:endParaRPr lang="en-US"/>
           </a:p>
@@ -7646,7 +7647,7 @@
           <a:p>
             <a:fld id="{2743EB9B-2488-4718-BE68-8707A217D453}" type="datetimeFigureOut">
               <a:rPr lang="en-US" smtClean="0"/>
-              <a:t>6/15/2021</a:t>
+              <a:t>6/20/2021</a:t>
             </a:fld>
             <a:endParaRPr lang="en-US"/>
           </a:p>
@@ -7854,7 +7855,7 @@
           <a:p>
             <a:fld id="{2743EB9B-2488-4718-BE68-8707A217D453}" type="datetimeFigureOut">
               <a:rPr lang="en-US" smtClean="0"/>
-              <a:t>6/15/2021</a:t>
+              <a:t>6/20/2021</a:t>
             </a:fld>
             <a:endParaRPr lang="en-US"/>
           </a:p>
@@ -8052,7 +8053,7 @@
           <a:p>
             <a:fld id="{2743EB9B-2488-4718-BE68-8707A217D453}" type="datetimeFigureOut">
               <a:rPr lang="en-US" smtClean="0"/>
-              <a:t>6/15/2021</a:t>
+              <a:t>6/20/2021</a:t>
             </a:fld>
             <a:endParaRPr lang="en-US"/>
           </a:p>
@@ -8327,7 +8328,7 @@
           <a:p>
             <a:fld id="{2743EB9B-2488-4718-BE68-8707A217D453}" type="datetimeFigureOut">
               <a:rPr lang="en-US" smtClean="0"/>
-              <a:t>6/15/2021</a:t>
+              <a:t>6/20/2021</a:t>
             </a:fld>
             <a:endParaRPr lang="en-US"/>
           </a:p>
@@ -8592,7 +8593,7 @@
           <a:p>
             <a:fld id="{2743EB9B-2488-4718-BE68-8707A217D453}" type="datetimeFigureOut">
               <a:rPr lang="en-US" smtClean="0"/>
-              <a:t>6/15/2021</a:t>
+              <a:t>6/20/2021</a:t>
             </a:fld>
             <a:endParaRPr lang="en-US"/>
           </a:p>
@@ -9004,7 +9005,7 @@
           <a:p>
             <a:fld id="{2743EB9B-2488-4718-BE68-8707A217D453}" type="datetimeFigureOut">
               <a:rPr lang="en-US" smtClean="0"/>
-              <a:t>6/15/2021</a:t>
+              <a:t>6/20/2021</a:t>
             </a:fld>
             <a:endParaRPr lang="en-US"/>
           </a:p>
@@ -9145,7 +9146,7 @@
           <a:p>
             <a:fld id="{2743EB9B-2488-4718-BE68-8707A217D453}" type="datetimeFigureOut">
               <a:rPr lang="en-US" smtClean="0"/>
-              <a:t>6/15/2021</a:t>
+              <a:t>6/20/2021</a:t>
             </a:fld>
             <a:endParaRPr lang="en-US"/>
           </a:p>
@@ -9258,7 +9259,7 @@
           <a:p>
             <a:fld id="{2743EB9B-2488-4718-BE68-8707A217D453}" type="datetimeFigureOut">
               <a:rPr lang="en-US" smtClean="0"/>
-              <a:t>6/15/2021</a:t>
+              <a:t>6/20/2021</a:t>
             </a:fld>
             <a:endParaRPr lang="en-US"/>
           </a:p>
@@ -9569,7 +9570,7 @@
           <a:p>
             <a:fld id="{2743EB9B-2488-4718-BE68-8707A217D453}" type="datetimeFigureOut">
               <a:rPr lang="en-US" smtClean="0"/>
-              <a:t>6/15/2021</a:t>
+              <a:t>6/20/2021</a:t>
             </a:fld>
             <a:endParaRPr lang="en-US"/>
           </a:p>
@@ -9857,7 +9858,7 @@
           <a:p>
             <a:fld id="{2743EB9B-2488-4718-BE68-8707A217D453}" type="datetimeFigureOut">
               <a:rPr lang="en-US" smtClean="0"/>
-              <a:t>6/15/2021</a:t>
+              <a:t>6/20/2021</a:t>
             </a:fld>
             <a:endParaRPr lang="en-US"/>
           </a:p>
@@ -10098,7 +10099,7 @@
           <a:p>
             <a:fld id="{2743EB9B-2488-4718-BE68-8707A217D453}" type="datetimeFigureOut">
               <a:rPr lang="en-US" smtClean="0"/>
-              <a:t>6/15/2021</a:t>
+              <a:t>6/20/2021</a:t>
             </a:fld>
             <a:endParaRPr lang="en-US"/>
           </a:p>
@@ -13104,6 +13105,14 @@
 <file path=ppt/slides/slide12.xml><?xml version="1.0" encoding="utf-8"?>
 <p:sld xmlns:a="http://schemas.openxmlformats.org/drawingml/2006/main" xmlns:r="http://schemas.openxmlformats.org/officeDocument/2006/relationships" xmlns:p="http://schemas.openxmlformats.org/presentationml/2006/main">
   <p:cSld>
+    <p:bg>
+      <p:bgPr>
+        <a:solidFill>
+          <a:schemeClr val="bg1"/>
+        </a:solidFill>
+        <a:effectLst/>
+      </p:bgPr>
+    </p:bg>
     <p:spTree>
       <p:nvGrpSpPr>
         <p:cNvPr id="1" name=""/>
@@ -13120,6 +13129,72 @@
       </p:grpSpPr>
       <p:sp>
         <p:nvSpPr>
+          <p:cNvPr id="8" name="Rectangle 7">
+            <a:extLst>
+              <a:ext uri="{FF2B5EF4-FFF2-40B4-BE49-F238E27FC236}">
+                <a16:creationId xmlns:a16="http://schemas.microsoft.com/office/drawing/2014/main" id="{C3896A03-3945-419A-B66B-4EE266EDD152}"/>
+              </a:ext>
+              <a:ext uri="{C183D7F6-B498-43B3-948B-1728B52AA6E4}">
+                <adec:decorative xmlns:adec="http://schemas.microsoft.com/office/drawing/2017/decorative" val="1"/>
+              </a:ext>
+            </a:extLst>
+          </p:cNvPr>
+          <p:cNvSpPr>
+            <a:spLocks noGrp="1" noRot="1" noChangeAspect="1" noMove="1" noResize="1" noEditPoints="1" noAdjustHandles="1" noChangeArrowheads="1" noChangeShapeType="1" noTextEdit="1"/>
+          </p:cNvSpPr>
+          <p:nvPr>
+            <p:extLst>
+              <p:ext uri="{386F3935-93C4-4BCD-93E2-E3B085C9AB24}">
+                <p16:designElem xmlns:p16="http://schemas.microsoft.com/office/powerpoint/2015/main" val="1"/>
+              </p:ext>
+            </p:extLst>
+          </p:nvPr>
+        </p:nvSpPr>
+        <p:spPr>
+          <a:xfrm>
+            <a:off x="11" y="0"/>
+            <a:ext cx="4654286" cy="6858001"/>
+          </a:xfrm>
+          <a:prstGeom prst="rect">
+            <a:avLst/>
+          </a:prstGeom>
+          <a:solidFill>
+            <a:schemeClr val="tx1">
+              <a:lumMod val="85000"/>
+              <a:lumOff val="15000"/>
+            </a:schemeClr>
+          </a:solidFill>
+          <a:ln>
+            <a:noFill/>
+          </a:ln>
+        </p:spPr>
+        <p:style>
+          <a:lnRef idx="2">
+            <a:schemeClr val="accent1">
+              <a:shade val="50000"/>
+            </a:schemeClr>
+          </a:lnRef>
+          <a:fillRef idx="1">
+            <a:schemeClr val="accent1"/>
+          </a:fillRef>
+          <a:effectRef idx="0">
+            <a:schemeClr val="accent1"/>
+          </a:effectRef>
+          <a:fontRef idx="minor">
+            <a:schemeClr val="lt1"/>
+          </a:fontRef>
+        </p:style>
+        <p:txBody>
+          <a:bodyPr rtlCol="0" anchor="ctr"/>
+          <a:lstStyle/>
+          <a:p>
+            <a:pPr algn="ctr"/>
+            <a:endParaRPr lang="en-US"/>
+          </a:p>
+        </p:txBody>
+      </p:sp>
+      <p:sp>
+        <p:nvSpPr>
           <p:cNvPr id="2" name="Title 1">
             <a:extLst>
               <a:ext uri="{FF2B5EF4-FFF2-40B4-BE49-F238E27FC236}">
@@ -13134,15 +13209,94 @@
             <p:ph type="title"/>
           </p:nvPr>
         </p:nvSpPr>
-        <p:spPr/>
+        <p:spPr>
+          <a:xfrm>
+            <a:off x="1155559" y="637762"/>
+            <a:ext cx="2899568" cy="5576770"/>
+          </a:xfrm>
+        </p:spPr>
         <p:txBody>
-          <a:bodyPr/>
+          <a:bodyPr vert="horz" lIns="91440" tIns="45720" rIns="91440" bIns="45720" rtlCol="0" anchor="ctr">
+            <a:normAutofit/>
+          </a:bodyPr>
           <a:lstStyle/>
           <a:p>
             <a:r>
-              <a:rPr lang="en-US" dirty="0"/>
+              <a:rPr lang="en-US" sz="4800" kern="1200">
+                <a:solidFill>
+                  <a:schemeClr val="bg1"/>
+                </a:solidFill>
+                <a:latin typeface="+mj-lt"/>
+                <a:ea typeface="+mj-ea"/>
+                <a:cs typeface="+mj-cs"/>
+              </a:rPr>
               <a:t>Dictionary</a:t>
             </a:r>
+          </a:p>
+        </p:txBody>
+      </p:sp>
+      <p:sp>
+        <p:nvSpPr>
+          <p:cNvPr id="10" name="Rectangle 9">
+            <a:extLst>
+              <a:ext uri="{FF2B5EF4-FFF2-40B4-BE49-F238E27FC236}">
+                <a16:creationId xmlns:a16="http://schemas.microsoft.com/office/drawing/2014/main" id="{B34F5AD2-EDBD-4BBD-A55C-EAFFD0C7097A}"/>
+              </a:ext>
+              <a:ext uri="{C183D7F6-B498-43B3-948B-1728B52AA6E4}">
+                <adec:decorative xmlns:adec="http://schemas.microsoft.com/office/drawing/2017/decorative" val="1"/>
+              </a:ext>
+            </a:extLst>
+          </p:cNvPr>
+          <p:cNvSpPr>
+            <a:spLocks noGrp="1" noRot="1" noChangeAspect="1" noMove="1" noResize="1" noEditPoints="1" noAdjustHandles="1" noChangeArrowheads="1" noChangeShapeType="1" noTextEdit="1"/>
+          </p:cNvSpPr>
+          <p:nvPr>
+            <p:extLst>
+              <p:ext uri="{386F3935-93C4-4BCD-93E2-E3B085C9AB24}">
+                <p16:designElem xmlns:p16="http://schemas.microsoft.com/office/powerpoint/2015/main" val="1"/>
+              </p:ext>
+            </p:extLst>
+          </p:nvPr>
+        </p:nvSpPr>
+        <p:spPr>
+          <a:xfrm>
+            <a:off x="4652535" y="0"/>
+            <a:ext cx="7539455" cy="6858001"/>
+          </a:xfrm>
+          <a:prstGeom prst="rect">
+            <a:avLst/>
+          </a:prstGeom>
+          <a:solidFill>
+            <a:schemeClr val="bg1">
+              <a:lumMod val="95000"/>
+            </a:schemeClr>
+          </a:solidFill>
+          <a:ln>
+            <a:noFill/>
+          </a:ln>
+        </p:spPr>
+        <p:style>
+          <a:lnRef idx="2">
+            <a:schemeClr val="accent1">
+              <a:shade val="50000"/>
+            </a:schemeClr>
+          </a:lnRef>
+          <a:fillRef idx="1">
+            <a:schemeClr val="accent1"/>
+          </a:fillRef>
+          <a:effectRef idx="0">
+            <a:schemeClr val="accent1"/>
+          </a:effectRef>
+          <a:fontRef idx="minor">
+            <a:schemeClr val="lt1"/>
+          </a:fontRef>
+        </p:style>
+        <p:txBody>
+          <a:bodyPr rtlCol="0" anchor="ctr"/>
+          <a:lstStyle/>
+          <a:p>
+            <a:pPr algn="ctr"/>
+            <a:endParaRPr lang="en-US"/>
           </a:p>
         </p:txBody>
       </p:sp>
@@ -13162,15 +13316,69 @@
             <p:ph idx="1"/>
           </p:nvPr>
         </p:nvSpPr>
-        <p:spPr/>
+        <p:spPr>
+          <a:xfrm>
+            <a:off x="5444775" y="637762"/>
+            <a:ext cx="5600580" cy="5576770"/>
+          </a:xfrm>
+        </p:spPr>
         <p:txBody>
-          <a:bodyPr/>
+          <a:bodyPr vert="horz" lIns="91440" tIns="45720" rIns="91440" bIns="45720" rtlCol="0" anchor="ctr">
+            <a:normAutofit/>
+          </a:bodyPr>
           <a:lstStyle/>
           <a:p>
+            <a:pPr marL="0" indent="0">
+              <a:buNone/>
+            </a:pPr>
             <a:r>
-              <a:rPr lang="en-US" dirty="0"/>
-              <a:t>TODO</a:t>
+              <a:rPr lang="en-US" sz="3200" dirty="0"/>
+              <a:t>Initial Size: 14.523</a:t>
             </a:r>
+          </a:p>
+          <a:p>
+            <a:pPr marL="0" indent="0">
+              <a:buNone/>
+            </a:pPr>
+            <a:endParaRPr lang="en-US" sz="3200" dirty="0"/>
+          </a:p>
+          <a:p>
+            <a:pPr marL="0" indent="0">
+              <a:buNone/>
+            </a:pPr>
+            <a:r>
+              <a:rPr lang="en-US" sz="3200" dirty="0"/>
+              <a:t>Remove 1</a:t>
+            </a:r>
+          </a:p>
+          <a:p>
+            <a:pPr marL="0" indent="0">
+              <a:buNone/>
+            </a:pPr>
+            <a:r>
+              <a:rPr lang="en-US" sz="3200" dirty="0"/>
+              <a:t>8470</a:t>
+            </a:r>
+          </a:p>
+          <a:p>
+            <a:endParaRPr lang="en-US" sz="3200" kern="1200" dirty="0">
+              <a:solidFill>
+                <a:schemeClr val="tx1"/>
+              </a:solidFill>
+              <a:latin typeface="+mn-lt"/>
+              <a:ea typeface="+mn-ea"/>
+              <a:cs typeface="+mn-cs"/>
+            </a:endParaRPr>
+          </a:p>
+          <a:p>
+            <a:endParaRPr lang="en-US" sz="3200" kern="1200" dirty="0">
+              <a:solidFill>
+                <a:schemeClr val="tx1"/>
+              </a:solidFill>
+              <a:latin typeface="+mn-lt"/>
+              <a:ea typeface="+mn-ea"/>
+              <a:cs typeface="+mn-cs"/>
+            </a:endParaRPr>
           </a:p>
         </p:txBody>
       </p:sp>
@@ -13848,6 +14056,500 @@
 </file>
 
 <file path=ppt/slides/slide14.xml><?xml version="1.0" encoding="utf-8"?>
+<p:sld xmlns:a="http://schemas.openxmlformats.org/drawingml/2006/main" xmlns:r="http://schemas.openxmlformats.org/officeDocument/2006/relationships" xmlns:p="http://schemas.openxmlformats.org/presentationml/2006/main">
+  <p:cSld>
+    <p:bg>
+      <p:bgPr>
+        <a:solidFill>
+          <a:schemeClr val="bg1"/>
+        </a:solidFill>
+        <a:effectLst/>
+      </p:bgPr>
+    </p:bg>
+    <p:spTree>
+      <p:nvGrpSpPr>
+        <p:cNvPr id="1" name=""/>
+        <p:cNvGrpSpPr/>
+        <p:nvPr/>
+      </p:nvGrpSpPr>
+      <p:grpSpPr>
+        <a:xfrm>
+          <a:off x="0" y="0"/>
+          <a:ext cx="0" cy="0"/>
+          <a:chOff x="0" y="0"/>
+          <a:chExt cx="0" cy="0"/>
+        </a:xfrm>
+      </p:grpSpPr>
+      <p:sp useBgFill="1">
+        <p:nvSpPr>
+          <p:cNvPr id="8" name="Rectangle 7">
+            <a:extLst>
+              <a:ext uri="{FF2B5EF4-FFF2-40B4-BE49-F238E27FC236}">
+                <a16:creationId xmlns:a16="http://schemas.microsoft.com/office/drawing/2014/main" id="{C7FA33FF-088D-4F16-95A2-2C64D353DEA8}"/>
+              </a:ext>
+              <a:ext uri="{C183D7F6-B498-43B3-948B-1728B52AA6E4}">
+                <adec:decorative xmlns:adec="http://schemas.microsoft.com/office/drawing/2017/decorative" val="1"/>
+              </a:ext>
+            </a:extLst>
+          </p:cNvPr>
+          <p:cNvSpPr>
+            <a:spLocks noGrp="1" noRot="1" noChangeAspect="1" noMove="1" noResize="1" noEditPoints="1" noAdjustHandles="1" noChangeArrowheads="1" noChangeShapeType="1" noTextEdit="1"/>
+          </p:cNvSpPr>
+          <p:nvPr>
+            <p:extLst>
+              <p:ext uri="{386F3935-93C4-4BCD-93E2-E3B085C9AB24}">
+                <p16:designElem xmlns:p16="http://schemas.microsoft.com/office/powerpoint/2015/main" val="1"/>
+              </p:ext>
+            </p:extLst>
+          </p:nvPr>
+        </p:nvSpPr>
+        <p:spPr>
+          <a:xfrm>
+            <a:off x="1524" y="0"/>
+            <a:ext cx="12188952" cy="6858000"/>
+          </a:xfrm>
+          <a:prstGeom prst="rect">
+            <a:avLst/>
+          </a:prstGeom>
+          <a:ln>
+            <a:noFill/>
+          </a:ln>
+        </p:spPr>
+        <p:style>
+          <a:lnRef idx="2">
+            <a:schemeClr val="accent1">
+              <a:shade val="50000"/>
+            </a:schemeClr>
+          </a:lnRef>
+          <a:fillRef idx="1">
+            <a:schemeClr val="accent1"/>
+          </a:fillRef>
+          <a:effectRef idx="0">
+            <a:schemeClr val="accent1"/>
+          </a:effectRef>
+          <a:fontRef idx="minor">
+            <a:schemeClr val="lt1"/>
+          </a:fontRef>
+        </p:style>
+        <p:txBody>
+          <a:bodyPr rtlCol="0" anchor="ctr"/>
+          <a:lstStyle/>
+          <a:p>
+            <a:pPr marL="0" marR="0" lvl="0" indent="0" algn="ctr" defTabSz="914400" rtl="0" eaLnBrk="1" fontAlgn="auto" latinLnBrk="0" hangingPunct="1">
+              <a:lnSpc>
+                <a:spcPct val="100000"/>
+              </a:lnSpc>
+              <a:spcBef>
+                <a:spcPts val="0"/>
+              </a:spcBef>
+              <a:spcAft>
+                <a:spcPts val="0"/>
+              </a:spcAft>
+              <a:buClrTx/>
+              <a:buSzTx/>
+              <a:buFontTx/>
+              <a:buNone/>
+              <a:tabLst/>
+              <a:defRPr/>
+            </a:pPr>
+            <a:endParaRPr kumimoji="0" lang="en-US" sz="1800" b="0" i="0" u="none" strike="noStrike" kern="1200" cap="none" spc="0" normalizeH="0" baseline="0" noProof="0">
+              <a:ln>
+                <a:noFill/>
+              </a:ln>
+              <a:solidFill>
+                <a:prstClr val="white"/>
+              </a:solidFill>
+              <a:effectLst/>
+              <a:uLnTx/>
+              <a:uFillTx/>
+              <a:latin typeface="Calibri" panose="020F0502020204030204"/>
+              <a:ea typeface="+mn-ea"/>
+              <a:cs typeface="+mn-cs"/>
+            </a:endParaRPr>
+          </a:p>
+        </p:txBody>
+      </p:sp>
+      <p:sp>
+        <p:nvSpPr>
+          <p:cNvPr id="10" name="Rectangle 9">
+            <a:extLst>
+              <a:ext uri="{FF2B5EF4-FFF2-40B4-BE49-F238E27FC236}">
+                <a16:creationId xmlns:a16="http://schemas.microsoft.com/office/drawing/2014/main" id="{A376EFB1-01CF-419F-ABF1-2AF02BBFCBD1}"/>
+              </a:ext>
+              <a:ext uri="{C183D7F6-B498-43B3-948B-1728B52AA6E4}">
+                <adec:decorative xmlns:adec="http://schemas.microsoft.com/office/drawing/2017/decorative" val="1"/>
+              </a:ext>
+            </a:extLst>
+          </p:cNvPr>
+          <p:cNvSpPr>
+            <a:spLocks noGrp="1" noRot="1" noChangeAspect="1" noMove="1" noResize="1" noEditPoints="1" noAdjustHandles="1" noChangeArrowheads="1" noChangeShapeType="1" noTextEdit="1"/>
+          </p:cNvSpPr>
+          <p:nvPr>
+            <p:extLst>
+              <p:ext uri="{386F3935-93C4-4BCD-93E2-E3B085C9AB24}">
+                <p16:designElem xmlns:p16="http://schemas.microsoft.com/office/powerpoint/2015/main" val="1"/>
+              </p:ext>
+            </p:extLst>
+          </p:nvPr>
+        </p:nvSpPr>
+        <p:spPr>
+          <a:xfrm>
+            <a:off x="0" y="0"/>
+            <a:ext cx="4709160" cy="6858000"/>
+          </a:xfrm>
+          <a:prstGeom prst="rect">
+            <a:avLst/>
+          </a:prstGeom>
+          <a:solidFill>
+            <a:schemeClr val="tx1">
+              <a:alpha val="81000"/>
+            </a:schemeClr>
+          </a:solidFill>
+          <a:ln>
+            <a:noFill/>
+          </a:ln>
+        </p:spPr>
+        <p:style>
+          <a:lnRef idx="2">
+            <a:schemeClr val="accent1">
+              <a:shade val="50000"/>
+            </a:schemeClr>
+          </a:lnRef>
+          <a:fillRef idx="1">
+            <a:schemeClr val="accent1"/>
+          </a:fillRef>
+          <a:effectRef idx="0">
+            <a:schemeClr val="accent1"/>
+          </a:effectRef>
+          <a:fontRef idx="minor">
+            <a:schemeClr val="lt1"/>
+          </a:fontRef>
+        </p:style>
+        <p:txBody>
+          <a:bodyPr rtlCol="0" anchor="ctr"/>
+          <a:lstStyle/>
+          <a:p>
+            <a:pPr marL="0" marR="0" lvl="0" indent="0" algn="ctr" defTabSz="914400" rtl="0" eaLnBrk="1" fontAlgn="auto" latinLnBrk="0" hangingPunct="1">
+              <a:lnSpc>
+                <a:spcPct val="100000"/>
+              </a:lnSpc>
+              <a:spcBef>
+                <a:spcPts val="0"/>
+              </a:spcBef>
+              <a:spcAft>
+                <a:spcPts val="0"/>
+              </a:spcAft>
+              <a:buClrTx/>
+              <a:buSzTx/>
+              <a:buFontTx/>
+              <a:buNone/>
+              <a:tabLst/>
+              <a:defRPr/>
+            </a:pPr>
+            <a:endParaRPr kumimoji="0" lang="en-US" sz="1800" b="0" i="0" u="none" strike="noStrike" kern="1200" cap="none" spc="0" normalizeH="0" baseline="0" noProof="0">
+              <a:ln>
+                <a:noFill/>
+              </a:ln>
+              <a:solidFill>
+                <a:prstClr val="white"/>
+              </a:solidFill>
+              <a:effectLst/>
+              <a:uLnTx/>
+              <a:uFillTx/>
+              <a:latin typeface="Calibri" panose="020F0502020204030204"/>
+              <a:ea typeface="+mn-ea"/>
+              <a:cs typeface="+mn-cs"/>
+            </a:endParaRPr>
+          </a:p>
+        </p:txBody>
+      </p:sp>
+      <p:sp>
+        <p:nvSpPr>
+          <p:cNvPr id="12" name="Freeform: Shape 11">
+            <a:extLst>
+              <a:ext uri="{FF2B5EF4-FFF2-40B4-BE49-F238E27FC236}">
+                <a16:creationId xmlns:a16="http://schemas.microsoft.com/office/drawing/2014/main" id="{FF9DEA15-78BD-4750-AA18-B9F28A6D5AB8}"/>
+              </a:ext>
+              <a:ext uri="{C183D7F6-B498-43B3-948B-1728B52AA6E4}">
+                <adec:decorative xmlns:adec="http://schemas.microsoft.com/office/drawing/2017/decorative" val="1"/>
+              </a:ext>
+            </a:extLst>
+          </p:cNvPr>
+          <p:cNvSpPr>
+            <a:spLocks noGrp="1" noRot="1" noChangeAspect="1" noMove="1" noResize="1" noEditPoints="1" noAdjustHandles="1" noChangeArrowheads="1" noChangeShapeType="1" noTextEdit="1"/>
+          </p:cNvSpPr>
+          <p:nvPr>
+            <p:extLst>
+              <p:ext uri="{386F3935-93C4-4BCD-93E2-E3B085C9AB24}">
+                <p16:designElem xmlns:p16="http://schemas.microsoft.com/office/powerpoint/2015/main" val="1"/>
+              </p:ext>
+            </p:extLst>
+          </p:nvPr>
+        </p:nvSpPr>
+        <p:spPr>
+          <a:xfrm>
+            <a:off x="0" y="0"/>
+            <a:ext cx="3284331" cy="6858000"/>
+          </a:xfrm>
+          <a:custGeom>
+            <a:avLst/>
+            <a:gdLst>
+              <a:gd name="connsiteX0" fmla="*/ 0 w 4319042"/>
+              <a:gd name="connsiteY0" fmla="*/ 0 h 6858000"/>
+              <a:gd name="connsiteX1" fmla="*/ 1142888 w 4319042"/>
+              <a:gd name="connsiteY1" fmla="*/ 0 h 6858000"/>
+              <a:gd name="connsiteX2" fmla="*/ 4319042 w 4319042"/>
+              <a:gd name="connsiteY2" fmla="*/ 6858000 h 6858000"/>
+              <a:gd name="connsiteX3" fmla="*/ 0 w 4319042"/>
+              <a:gd name="connsiteY3" fmla="*/ 6858000 h 6858000"/>
+            </a:gdLst>
+            <a:ahLst/>
+            <a:cxnLst>
+              <a:cxn ang="0">
+                <a:pos x="connsiteX0" y="connsiteY0"/>
+              </a:cxn>
+              <a:cxn ang="0">
+                <a:pos x="connsiteX1" y="connsiteY1"/>
+              </a:cxn>
+              <a:cxn ang="0">
+                <a:pos x="connsiteX2" y="connsiteY2"/>
+              </a:cxn>
+              <a:cxn ang="0">
+                <a:pos x="connsiteX3" y="connsiteY3"/>
+              </a:cxn>
+            </a:cxnLst>
+            <a:rect l="l" t="t" r="r" b="b"/>
+            <a:pathLst>
+              <a:path w="4319042" h="6858000">
+                <a:moveTo>
+                  <a:pt x="0" y="0"/>
+                </a:moveTo>
+                <a:lnTo>
+                  <a:pt x="1142888" y="0"/>
+                </a:lnTo>
+                <a:lnTo>
+                  <a:pt x="4319042" y="6858000"/>
+                </a:lnTo>
+                <a:lnTo>
+                  <a:pt x="0" y="6858000"/>
+                </a:lnTo>
+                <a:close/>
+              </a:path>
+            </a:pathLst>
+          </a:custGeom>
+          <a:solidFill>
+            <a:schemeClr val="tx1">
+              <a:alpha val="35000"/>
+            </a:schemeClr>
+          </a:solidFill>
+          <a:ln>
+            <a:noFill/>
+          </a:ln>
+        </p:spPr>
+        <p:style>
+          <a:lnRef idx="2">
+            <a:schemeClr val="accent1">
+              <a:shade val="50000"/>
+            </a:schemeClr>
+          </a:lnRef>
+          <a:fillRef idx="1">
+            <a:schemeClr val="accent1"/>
+          </a:fillRef>
+          <a:effectRef idx="0">
+            <a:schemeClr val="accent1"/>
+          </a:effectRef>
+          <a:fontRef idx="minor">
+            <a:schemeClr val="lt1"/>
+          </a:fontRef>
+        </p:style>
+        <p:txBody>
+          <a:bodyPr wrap="square" rtlCol="0" anchor="ctr">
+            <a:noAutofit/>
+          </a:bodyPr>
+          <a:lstStyle/>
+          <a:p>
+            <a:pPr marL="0" marR="0" lvl="0" indent="0" algn="ctr" defTabSz="914400" rtl="0" eaLnBrk="1" fontAlgn="auto" latinLnBrk="0" hangingPunct="1">
+              <a:lnSpc>
+                <a:spcPct val="100000"/>
+              </a:lnSpc>
+              <a:spcBef>
+                <a:spcPts val="0"/>
+              </a:spcBef>
+              <a:spcAft>
+                <a:spcPts val="0"/>
+              </a:spcAft>
+              <a:buClrTx/>
+              <a:buSzTx/>
+              <a:buFontTx/>
+              <a:buNone/>
+              <a:tabLst/>
+              <a:defRPr/>
+            </a:pPr>
+            <a:endParaRPr kumimoji="0" lang="en-US" sz="1800" b="0" i="0" u="none" strike="noStrike" kern="1200" cap="none" spc="0" normalizeH="0" baseline="0" noProof="0">
+              <a:ln>
+                <a:noFill/>
+              </a:ln>
+              <a:solidFill>
+                <a:prstClr val="white"/>
+              </a:solidFill>
+              <a:effectLst/>
+              <a:uLnTx/>
+              <a:uFillTx/>
+              <a:latin typeface="Calibri" panose="020F0502020204030204"/>
+              <a:ea typeface="+mn-ea"/>
+              <a:cs typeface="+mn-cs"/>
+            </a:endParaRPr>
+          </a:p>
+        </p:txBody>
+      </p:sp>
+      <p:sp>
+        <p:nvSpPr>
+          <p:cNvPr id="2" name="Title 1">
+            <a:extLst>
+              <a:ext uri="{FF2B5EF4-FFF2-40B4-BE49-F238E27FC236}">
+                <a16:creationId xmlns:a16="http://schemas.microsoft.com/office/drawing/2014/main" id="{72435E97-8E7A-4036-B16A-B49EF49B3DA6}"/>
+              </a:ext>
+            </a:extLst>
+          </p:cNvPr>
+          <p:cNvSpPr>
+            <a:spLocks noGrp="1"/>
+          </p:cNvSpPr>
+          <p:nvPr>
+            <p:ph type="title"/>
+          </p:nvPr>
+        </p:nvSpPr>
+        <p:spPr>
+          <a:xfrm>
+            <a:off x="804672" y="640080"/>
+            <a:ext cx="3282696" cy="5257800"/>
+          </a:xfrm>
+        </p:spPr>
+        <p:txBody>
+          <a:bodyPr>
+            <a:normAutofit/>
+          </a:bodyPr>
+          <a:lstStyle/>
+          <a:p>
+            <a:r>
+              <a:rPr lang="en-US" dirty="0">
+                <a:solidFill>
+                  <a:schemeClr val="bg1"/>
+                </a:solidFill>
+              </a:rPr>
+              <a:t>Naive Bayes </a:t>
+            </a:r>
+            <a:br>
+              <a:rPr lang="en-US" dirty="0">
+                <a:solidFill>
+                  <a:schemeClr val="bg1"/>
+                </a:solidFill>
+              </a:rPr>
+            </a:br>
+            <a:r>
+              <a:rPr lang="en-US" dirty="0">
+                <a:solidFill>
+                  <a:schemeClr val="bg1"/>
+                </a:solidFill>
+              </a:rPr>
+              <a:t>Algorithms</a:t>
+            </a:r>
+          </a:p>
+        </p:txBody>
+      </p:sp>
+      <p:sp>
+        <p:nvSpPr>
+          <p:cNvPr id="3" name="Content Placeholder 2">
+            <a:extLst>
+              <a:ext uri="{FF2B5EF4-FFF2-40B4-BE49-F238E27FC236}">
+                <a16:creationId xmlns:a16="http://schemas.microsoft.com/office/drawing/2014/main" id="{5BF9433E-798E-4A53-8B50-D157D7563D26}"/>
+              </a:ext>
+            </a:extLst>
+          </p:cNvPr>
+          <p:cNvSpPr>
+            <a:spLocks noGrp="1"/>
+          </p:cNvSpPr>
+          <p:nvPr>
+            <p:ph idx="1"/>
+          </p:nvPr>
+        </p:nvSpPr>
+        <p:spPr>
+          <a:xfrm>
+            <a:off x="5358384" y="640081"/>
+            <a:ext cx="6024654" cy="5257800"/>
+          </a:xfrm>
+        </p:spPr>
+        <p:txBody>
+          <a:bodyPr anchor="ctr">
+            <a:normAutofit/>
+          </a:bodyPr>
+          <a:lstStyle/>
+          <a:p>
+            <a:pPr marL="0" indent="0">
+              <a:buNone/>
+            </a:pPr>
+            <a:r>
+              <a:rPr lang="en-US" sz="1700" b="1" dirty="0"/>
+              <a:t>Bernoulli Naive Bayes </a:t>
+            </a:r>
+            <a:r>
+              <a:rPr lang="en-US" sz="1700" dirty="0"/>
+              <a:t>: It assumes that all our features are binary such that they take only two values. Means 0s can represent “word does not occur in the document” and 1s as "word occurs in the document" .</a:t>
+            </a:r>
+          </a:p>
+          <a:p>
+            <a:pPr marL="0" indent="0">
+              <a:buNone/>
+            </a:pPr>
+            <a:endParaRPr lang="en-US" sz="1700" dirty="0"/>
+          </a:p>
+          <a:p>
+            <a:pPr marL="0" indent="0">
+              <a:buNone/>
+            </a:pPr>
+            <a:r>
+              <a:rPr lang="en-US" sz="1700" b="1" dirty="0"/>
+              <a:t>Multinomial Naive Bayes </a:t>
+            </a:r>
+            <a:r>
+              <a:rPr lang="en-US" sz="1700" dirty="0"/>
+              <a:t>: Its is used when we have discrete data (e.g. movie ratings ranging 1 and 5 as each rating will have certain frequency to represent). In text learning we have the count of each word to predict the class or label.</a:t>
+            </a:r>
+          </a:p>
+          <a:p>
+            <a:pPr marL="0" indent="0">
+              <a:buNone/>
+            </a:pPr>
+            <a:endParaRPr lang="en-US" sz="1700" dirty="0"/>
+          </a:p>
+          <a:p>
+            <a:pPr marL="0" indent="0">
+              <a:buNone/>
+            </a:pPr>
+            <a:r>
+              <a:rPr lang="en-US" sz="1700" b="1" dirty="0"/>
+              <a:t>Gaussian Naive Bayes </a:t>
+            </a:r>
+            <a:r>
+              <a:rPr lang="en-US" sz="1700" dirty="0"/>
+              <a:t>: Because of the assumption of the normal distribution, Gaussian Naive Bayes is used in cases when all our features are continuous. For example, in Iris dataset features are sepal width, petal width, sepal length, petal length. So, its features can have different values in data set as width and length can vary. We can’t represent features in terms of their occurrences. This means data is continuous. Hence, we use Gaussian Naive Bayes here.</a:t>
+            </a:r>
+          </a:p>
+        </p:txBody>
+      </p:sp>
+    </p:spTree>
+    <p:extLst>
+      <p:ext uri="{BB962C8B-B14F-4D97-AF65-F5344CB8AC3E}">
+        <p14:creationId xmlns:p14="http://schemas.microsoft.com/office/powerpoint/2010/main" val="931110860"/>
+      </p:ext>
+    </p:extLst>
+  </p:cSld>
+  <p:clrMapOvr>
+    <a:masterClrMapping/>
+  </p:clrMapOvr>
+</p:sld>
+</file>
+
+<file path=ppt/slides/slide15.xml><?xml version="1.0" encoding="utf-8"?>
 <p:sld xmlns:a="http://schemas.openxmlformats.org/drawingml/2006/main" xmlns:r="http://schemas.openxmlformats.org/officeDocument/2006/relationships" xmlns:p="http://schemas.openxmlformats.org/presentationml/2006/main">
   <p:cSld>
     <p:bg>
